--- a/source/MySEProject/Documentation/ML-22-23-15 Approve Prediction of Multisequence Learning .pptx
+++ b/source/MySEProject/Documentation/ML-22-23-15 Approve Prediction of Multisequence Learning .pptx
@@ -7,6 +7,13 @@
   <p:sldIdLst>
     <p:sldId id="256" r:id="rId2"/>
     <p:sldId id="257" r:id="rId3"/>
+    <p:sldId id="258" r:id="rId4"/>
+    <p:sldId id="259" r:id="rId5"/>
+    <p:sldId id="260" r:id="rId6"/>
+    <p:sldId id="261" r:id="rId7"/>
+    <p:sldId id="262" r:id="rId8"/>
+    <p:sldId id="263" r:id="rId9"/>
+    <p:sldId id="264" r:id="rId10"/>
   </p:sldIdLst>
   <p:sldSz cx="12192000" cy="6858000"/>
   <p:notesSz cx="6858000" cy="9144000"/>
@@ -4496,6 +4503,1684 @@
 </p:sld>
 </file>
 
+<file path=ppt/slides/slide3.xml><?xml version="1.0" encoding="utf-8"?>
+<p:sld xmlns:a="http://schemas.openxmlformats.org/drawingml/2006/main" xmlns:r="http://schemas.openxmlformats.org/officeDocument/2006/relationships" xmlns:p="http://schemas.openxmlformats.org/presentationml/2006/main">
+  <p:cSld>
+    <p:bg>
+      <p:bgPr>
+        <a:solidFill>
+          <a:schemeClr val="bg1"/>
+        </a:solidFill>
+        <a:effectLst/>
+      </p:bgPr>
+    </p:bg>
+    <p:spTree>
+      <p:nvGrpSpPr>
+        <p:cNvPr id="1" name=""/>
+        <p:cNvGrpSpPr/>
+        <p:nvPr/>
+      </p:nvGrpSpPr>
+      <p:grpSpPr>
+        <a:xfrm>
+          <a:off x="0" y="0"/>
+          <a:ext cx="0" cy="0"/>
+          <a:chOff x="0" y="0"/>
+          <a:chExt cx="0" cy="0"/>
+        </a:xfrm>
+      </p:grpSpPr>
+      <p:sp useBgFill="1">
+        <p:nvSpPr>
+          <p:cNvPr id="8" name="Rectangle 7">
+            <a:extLst>
+              <a:ext uri="{FF2B5EF4-FFF2-40B4-BE49-F238E27FC236}">
+                <a16:creationId xmlns:a16="http://schemas.microsoft.com/office/drawing/2014/main" id="{FAA3B297-9683-4E38-89FA-062C53E13F85}"/>
+              </a:ext>
+              <a:ext uri="{C183D7F6-B498-43B3-948B-1728B52AA6E4}">
+                <adec:decorative xmlns:adec="http://schemas.microsoft.com/office/drawing/2017/decorative" val="1"/>
+              </a:ext>
+            </a:extLst>
+          </p:cNvPr>
+          <p:cNvSpPr>
+            <a:spLocks noGrp="1" noRot="1" noChangeAspect="1" noMove="1" noResize="1" noEditPoints="1" noAdjustHandles="1" noChangeArrowheads="1" noChangeShapeType="1" noTextEdit="1"/>
+          </p:cNvSpPr>
+          <p:nvPr>
+            <p:extLst>
+              <p:ext uri="{386F3935-93C4-4BCD-93E2-E3B085C9AB24}">
+                <p16:designElem xmlns:p16="http://schemas.microsoft.com/office/powerpoint/2015/main" val="1"/>
+              </p:ext>
+            </p:extLst>
+          </p:nvPr>
+        </p:nvSpPr>
+        <p:spPr>
+          <a:xfrm>
+            <a:off x="0" y="0"/>
+            <a:ext cx="12188952" cy="6857995"/>
+          </a:xfrm>
+          <a:prstGeom prst="rect">
+            <a:avLst/>
+          </a:prstGeom>
+          <a:ln>
+            <a:noFill/>
+          </a:ln>
+        </p:spPr>
+        <p:style>
+          <a:lnRef idx="2">
+            <a:schemeClr val="accent1">
+              <a:shade val="50000"/>
+            </a:schemeClr>
+          </a:lnRef>
+          <a:fillRef idx="1">
+            <a:schemeClr val="accent1"/>
+          </a:fillRef>
+          <a:effectRef idx="0">
+            <a:schemeClr val="accent1"/>
+          </a:effectRef>
+          <a:fontRef idx="minor">
+            <a:schemeClr val="lt1"/>
+          </a:fontRef>
+        </p:style>
+        <p:txBody>
+          <a:bodyPr rtlCol="0" anchor="ctr"/>
+          <a:lstStyle/>
+          <a:p>
+            <a:pPr algn="ctr"/>
+            <a:endParaRPr lang="en-US" dirty="0"/>
+          </a:p>
+        </p:txBody>
+      </p:sp>
+      <p:sp>
+        <p:nvSpPr>
+          <p:cNvPr id="2" name="Title 1">
+            <a:extLst>
+              <a:ext uri="{FF2B5EF4-FFF2-40B4-BE49-F238E27FC236}">
+                <a16:creationId xmlns:a16="http://schemas.microsoft.com/office/drawing/2014/main" id="{4616FE3B-94C0-E7F2-B7B5-4309B947AE2B}"/>
+              </a:ext>
+            </a:extLst>
+          </p:cNvPr>
+          <p:cNvSpPr>
+            <a:spLocks noGrp="1"/>
+          </p:cNvSpPr>
+          <p:nvPr>
+            <p:ph type="title"/>
+          </p:nvPr>
+        </p:nvSpPr>
+        <p:spPr>
+          <a:xfrm>
+            <a:off x="517869" y="976160"/>
+            <a:ext cx="8686800" cy="1152678"/>
+          </a:xfrm>
+        </p:spPr>
+        <p:txBody>
+          <a:bodyPr>
+            <a:normAutofit/>
+          </a:bodyPr>
+          <a:lstStyle/>
+          <a:p>
+            <a:r>
+              <a:rPr lang="en-US" dirty="0"/>
+              <a:t>TABLE OF CONTENT</a:t>
+            </a:r>
+          </a:p>
+        </p:txBody>
+      </p:sp>
+      <p:sp>
+        <p:nvSpPr>
+          <p:cNvPr id="10" name="Rectangle 9">
+            <a:extLst>
+              <a:ext uri="{FF2B5EF4-FFF2-40B4-BE49-F238E27FC236}">
+                <a16:creationId xmlns:a16="http://schemas.microsoft.com/office/drawing/2014/main" id="{5B8D7907-8AB9-4E98-A576-1A13AECEDF3A}"/>
+              </a:ext>
+              <a:ext uri="{C183D7F6-B498-43B3-948B-1728B52AA6E4}">
+                <adec:decorative xmlns:adec="http://schemas.microsoft.com/office/drawing/2017/decorative" val="1"/>
+              </a:ext>
+            </a:extLst>
+          </p:cNvPr>
+          <p:cNvSpPr>
+            <a:spLocks noGrp="1" noRot="1" noChangeAspect="1" noMove="1" noResize="1" noEditPoints="1" noAdjustHandles="1" noChangeArrowheads="1" noChangeShapeType="1" noTextEdit="1"/>
+          </p:cNvSpPr>
+          <p:nvPr>
+            <p:extLst>
+              <p:ext uri="{386F3935-93C4-4BCD-93E2-E3B085C9AB24}">
+                <p16:designElem xmlns:p16="http://schemas.microsoft.com/office/powerpoint/2015/main" val="1"/>
+              </p:ext>
+            </p:extLst>
+          </p:nvPr>
+        </p:nvSpPr>
+        <p:spPr>
+          <a:xfrm>
+            <a:off x="517869" y="508090"/>
+            <a:ext cx="8732520" cy="149279"/>
+          </a:xfrm>
+          <a:prstGeom prst="rect">
+            <a:avLst/>
+          </a:prstGeom>
+          <a:solidFill>
+            <a:schemeClr val="tx1"/>
+          </a:solidFill>
+          <a:ln>
+            <a:noFill/>
+          </a:ln>
+        </p:spPr>
+        <p:style>
+          <a:lnRef idx="2">
+            <a:schemeClr val="accent1">
+              <a:shade val="50000"/>
+            </a:schemeClr>
+          </a:lnRef>
+          <a:fillRef idx="1">
+            <a:schemeClr val="accent1"/>
+          </a:fillRef>
+          <a:effectRef idx="0">
+            <a:schemeClr val="accent1"/>
+          </a:effectRef>
+          <a:fontRef idx="minor">
+            <a:schemeClr val="lt1"/>
+          </a:fontRef>
+        </p:style>
+        <p:txBody>
+          <a:bodyPr rtlCol="0" anchor="ctr"/>
+          <a:lstStyle/>
+          <a:p>
+            <a:pPr algn="ctr"/>
+            <a:endParaRPr lang="en-US"/>
+          </a:p>
+        </p:txBody>
+      </p:sp>
+      <p:sp>
+        <p:nvSpPr>
+          <p:cNvPr id="3" name="Content Placeholder 2">
+            <a:extLst>
+              <a:ext uri="{FF2B5EF4-FFF2-40B4-BE49-F238E27FC236}">
+                <a16:creationId xmlns:a16="http://schemas.microsoft.com/office/drawing/2014/main" id="{AC833409-CBE4-16B1-9253-8559624943C9}"/>
+              </a:ext>
+            </a:extLst>
+          </p:cNvPr>
+          <p:cNvSpPr>
+            <a:spLocks noGrp="1"/>
+          </p:cNvSpPr>
+          <p:nvPr>
+            <p:ph idx="1"/>
+          </p:nvPr>
+        </p:nvSpPr>
+        <p:spPr>
+          <a:xfrm>
+            <a:off x="517869" y="2447629"/>
+            <a:ext cx="8686799" cy="3741235"/>
+          </a:xfrm>
+        </p:spPr>
+        <p:txBody>
+          <a:bodyPr>
+            <a:normAutofit/>
+          </a:bodyPr>
+          <a:lstStyle/>
+          <a:p>
+            <a:pPr marL="342900" indent="-342900">
+              <a:buFont typeface="Arial" panose="020B0604020202020204" pitchFamily="34" charset="0"/>
+              <a:buChar char="•"/>
+            </a:pPr>
+            <a:r>
+              <a:rPr lang="en-US" dirty="0">
+                <a:latin typeface="Arial" panose="020B0604020202020204" pitchFamily="34" charset="0"/>
+                <a:cs typeface="Arial" panose="020B0604020202020204" pitchFamily="34" charset="0"/>
+              </a:rPr>
+              <a:t>INTRODUCTION </a:t>
+            </a:r>
+          </a:p>
+          <a:p>
+            <a:pPr marL="342900" indent="-342900">
+              <a:buFont typeface="Arial" panose="020B0604020202020204" pitchFamily="34" charset="0"/>
+              <a:buChar char="•"/>
+            </a:pPr>
+            <a:r>
+              <a:rPr lang="en-US" dirty="0">
+                <a:latin typeface="Arial" panose="020B0604020202020204" pitchFamily="34" charset="0"/>
+                <a:cs typeface="Arial" panose="020B0604020202020204" pitchFamily="34" charset="0"/>
+              </a:rPr>
+              <a:t>METHODOLOGY</a:t>
+            </a:r>
+          </a:p>
+          <a:p>
+            <a:pPr marL="342900" indent="-342900">
+              <a:buFont typeface="Arial" panose="020B0604020202020204" pitchFamily="34" charset="0"/>
+              <a:buChar char="•"/>
+            </a:pPr>
+            <a:r>
+              <a:rPr lang="en-US" dirty="0">
+                <a:latin typeface="Arial" panose="020B0604020202020204" pitchFamily="34" charset="0"/>
+                <a:cs typeface="Arial" panose="020B0604020202020204" pitchFamily="34" charset="0"/>
+              </a:rPr>
+              <a:t>MULTISEQUENCE LEARNING</a:t>
+            </a:r>
+          </a:p>
+          <a:p>
+            <a:pPr marL="342900" indent="-342900">
+              <a:buFont typeface="Arial" panose="020B0604020202020204" pitchFamily="34" charset="0"/>
+              <a:buChar char="•"/>
+            </a:pPr>
+            <a:r>
+              <a:rPr lang="en-IN" dirty="0"/>
+              <a:t>IMPLEMENTATION (LEARNING &amp; PREDICTION PHASE)</a:t>
+            </a:r>
+          </a:p>
+          <a:p>
+            <a:pPr marL="342900" indent="-342900">
+              <a:buFont typeface="Arial" panose="020B0604020202020204" pitchFamily="34" charset="0"/>
+              <a:buChar char="•"/>
+            </a:pPr>
+            <a:r>
+              <a:rPr lang="en-US" dirty="0">
+                <a:latin typeface="Arial" panose="020B0604020202020204" pitchFamily="34" charset="0"/>
+                <a:cs typeface="Arial" panose="020B0604020202020204" pitchFamily="34" charset="0"/>
+              </a:rPr>
+              <a:t>RESULTS</a:t>
+            </a:r>
+          </a:p>
+          <a:p>
+            <a:pPr marL="342900" indent="-342900">
+              <a:buFont typeface="Arial" panose="020B0604020202020204" pitchFamily="34" charset="0"/>
+              <a:buChar char="•"/>
+            </a:pPr>
+            <a:r>
+              <a:rPr lang="en-US" dirty="0">
+                <a:latin typeface="Arial" panose="020B0604020202020204" pitchFamily="34" charset="0"/>
+                <a:cs typeface="Arial" panose="020B0604020202020204" pitchFamily="34" charset="0"/>
+              </a:rPr>
+              <a:t>CONCLUSION</a:t>
+            </a:r>
+          </a:p>
+        </p:txBody>
+      </p:sp>
+    </p:spTree>
+    <p:extLst>
+      <p:ext uri="{BB962C8B-B14F-4D97-AF65-F5344CB8AC3E}">
+        <p14:creationId xmlns:p14="http://schemas.microsoft.com/office/powerpoint/2010/main" val="4158387689"/>
+      </p:ext>
+    </p:extLst>
+  </p:cSld>
+  <p:clrMapOvr>
+    <a:masterClrMapping/>
+  </p:clrMapOvr>
+</p:sld>
+</file>
+
+<file path=ppt/slides/slide4.xml><?xml version="1.0" encoding="utf-8"?>
+<p:sld xmlns:a="http://schemas.openxmlformats.org/drawingml/2006/main" xmlns:r="http://schemas.openxmlformats.org/officeDocument/2006/relationships" xmlns:p="http://schemas.openxmlformats.org/presentationml/2006/main">
+  <p:cSld>
+    <p:bg>
+      <p:bgPr>
+        <a:solidFill>
+          <a:schemeClr val="bg1"/>
+        </a:solidFill>
+        <a:effectLst/>
+      </p:bgPr>
+    </p:bg>
+    <p:spTree>
+      <p:nvGrpSpPr>
+        <p:cNvPr id="1" name=""/>
+        <p:cNvGrpSpPr/>
+        <p:nvPr/>
+      </p:nvGrpSpPr>
+      <p:grpSpPr>
+        <a:xfrm>
+          <a:off x="0" y="0"/>
+          <a:ext cx="0" cy="0"/>
+          <a:chOff x="0" y="0"/>
+          <a:chExt cx="0" cy="0"/>
+        </a:xfrm>
+      </p:grpSpPr>
+      <p:sp useBgFill="1">
+        <p:nvSpPr>
+          <p:cNvPr id="8" name="Rectangle 7">
+            <a:extLst>
+              <a:ext uri="{FF2B5EF4-FFF2-40B4-BE49-F238E27FC236}">
+                <a16:creationId xmlns:a16="http://schemas.microsoft.com/office/drawing/2014/main" id="{FAA3B297-9683-4E38-89FA-062C53E13F85}"/>
+              </a:ext>
+              <a:ext uri="{C183D7F6-B498-43B3-948B-1728B52AA6E4}">
+                <adec:decorative xmlns:adec="http://schemas.microsoft.com/office/drawing/2017/decorative" val="1"/>
+              </a:ext>
+            </a:extLst>
+          </p:cNvPr>
+          <p:cNvSpPr>
+            <a:spLocks noGrp="1" noRot="1" noChangeAspect="1" noMove="1" noResize="1" noEditPoints="1" noAdjustHandles="1" noChangeArrowheads="1" noChangeShapeType="1" noTextEdit="1"/>
+          </p:cNvSpPr>
+          <p:nvPr>
+            <p:extLst>
+              <p:ext uri="{386F3935-93C4-4BCD-93E2-E3B085C9AB24}">
+                <p16:designElem xmlns:p16="http://schemas.microsoft.com/office/powerpoint/2015/main" val="1"/>
+              </p:ext>
+            </p:extLst>
+          </p:nvPr>
+        </p:nvSpPr>
+        <p:spPr>
+          <a:xfrm>
+            <a:off x="0" y="0"/>
+            <a:ext cx="12188952" cy="6857995"/>
+          </a:xfrm>
+          <a:prstGeom prst="rect">
+            <a:avLst/>
+          </a:prstGeom>
+          <a:ln>
+            <a:noFill/>
+          </a:ln>
+        </p:spPr>
+        <p:style>
+          <a:lnRef idx="2">
+            <a:schemeClr val="accent1">
+              <a:shade val="50000"/>
+            </a:schemeClr>
+          </a:lnRef>
+          <a:fillRef idx="1">
+            <a:schemeClr val="accent1"/>
+          </a:fillRef>
+          <a:effectRef idx="0">
+            <a:schemeClr val="accent1"/>
+          </a:effectRef>
+          <a:fontRef idx="minor">
+            <a:schemeClr val="lt1"/>
+          </a:fontRef>
+        </p:style>
+        <p:txBody>
+          <a:bodyPr rtlCol="0" anchor="ctr"/>
+          <a:lstStyle/>
+          <a:p>
+            <a:pPr algn="ctr"/>
+            <a:endParaRPr lang="en-US" dirty="0"/>
+          </a:p>
+        </p:txBody>
+      </p:sp>
+      <p:sp>
+        <p:nvSpPr>
+          <p:cNvPr id="2" name="Title 1">
+            <a:extLst>
+              <a:ext uri="{FF2B5EF4-FFF2-40B4-BE49-F238E27FC236}">
+                <a16:creationId xmlns:a16="http://schemas.microsoft.com/office/drawing/2014/main" id="{0F8E9118-D53E-F80C-DB36-AB43B1599CC4}"/>
+              </a:ext>
+            </a:extLst>
+          </p:cNvPr>
+          <p:cNvSpPr>
+            <a:spLocks noGrp="1"/>
+          </p:cNvSpPr>
+          <p:nvPr>
+            <p:ph type="title"/>
+          </p:nvPr>
+        </p:nvSpPr>
+        <p:spPr>
+          <a:xfrm>
+            <a:off x="517869" y="976160"/>
+            <a:ext cx="8686800" cy="1934172"/>
+          </a:xfrm>
+        </p:spPr>
+        <p:txBody>
+          <a:bodyPr>
+            <a:normAutofit/>
+          </a:bodyPr>
+          <a:lstStyle/>
+          <a:p>
+            <a:r>
+              <a:rPr lang="en-US" dirty="0"/>
+              <a:t>INTRODUCTION</a:t>
+            </a:r>
+          </a:p>
+        </p:txBody>
+      </p:sp>
+      <p:sp>
+        <p:nvSpPr>
+          <p:cNvPr id="10" name="Rectangle 9">
+            <a:extLst>
+              <a:ext uri="{FF2B5EF4-FFF2-40B4-BE49-F238E27FC236}">
+                <a16:creationId xmlns:a16="http://schemas.microsoft.com/office/drawing/2014/main" id="{5B8D7907-8AB9-4E98-A576-1A13AECEDF3A}"/>
+              </a:ext>
+              <a:ext uri="{C183D7F6-B498-43B3-948B-1728B52AA6E4}">
+                <adec:decorative xmlns:adec="http://schemas.microsoft.com/office/drawing/2017/decorative" val="1"/>
+              </a:ext>
+            </a:extLst>
+          </p:cNvPr>
+          <p:cNvSpPr>
+            <a:spLocks noGrp="1" noRot="1" noChangeAspect="1" noMove="1" noResize="1" noEditPoints="1" noAdjustHandles="1" noChangeArrowheads="1" noChangeShapeType="1" noTextEdit="1"/>
+          </p:cNvSpPr>
+          <p:nvPr>
+            <p:extLst>
+              <p:ext uri="{386F3935-93C4-4BCD-93E2-E3B085C9AB24}">
+                <p16:designElem xmlns:p16="http://schemas.microsoft.com/office/powerpoint/2015/main" val="1"/>
+              </p:ext>
+            </p:extLst>
+          </p:nvPr>
+        </p:nvSpPr>
+        <p:spPr>
+          <a:xfrm>
+            <a:off x="517869" y="508090"/>
+            <a:ext cx="8732520" cy="149279"/>
+          </a:xfrm>
+          <a:prstGeom prst="rect">
+            <a:avLst/>
+          </a:prstGeom>
+          <a:solidFill>
+            <a:schemeClr val="tx1"/>
+          </a:solidFill>
+          <a:ln>
+            <a:noFill/>
+          </a:ln>
+        </p:spPr>
+        <p:style>
+          <a:lnRef idx="2">
+            <a:schemeClr val="accent1">
+              <a:shade val="50000"/>
+            </a:schemeClr>
+          </a:lnRef>
+          <a:fillRef idx="1">
+            <a:schemeClr val="accent1"/>
+          </a:fillRef>
+          <a:effectRef idx="0">
+            <a:schemeClr val="accent1"/>
+          </a:effectRef>
+          <a:fontRef idx="minor">
+            <a:schemeClr val="lt1"/>
+          </a:fontRef>
+        </p:style>
+        <p:txBody>
+          <a:bodyPr rtlCol="0" anchor="ctr"/>
+          <a:lstStyle/>
+          <a:p>
+            <a:pPr algn="ctr"/>
+            <a:endParaRPr lang="en-US"/>
+          </a:p>
+        </p:txBody>
+      </p:sp>
+      <p:sp>
+        <p:nvSpPr>
+          <p:cNvPr id="3" name="Content Placeholder 2">
+            <a:extLst>
+              <a:ext uri="{FF2B5EF4-FFF2-40B4-BE49-F238E27FC236}">
+                <a16:creationId xmlns:a16="http://schemas.microsoft.com/office/drawing/2014/main" id="{FD3DB45C-04AC-135C-8E7A-5A8C020D3688}"/>
+              </a:ext>
+            </a:extLst>
+          </p:cNvPr>
+          <p:cNvSpPr>
+            <a:spLocks noGrp="1"/>
+          </p:cNvSpPr>
+          <p:nvPr>
+            <p:ph idx="1"/>
+          </p:nvPr>
+        </p:nvSpPr>
+        <p:spPr>
+          <a:xfrm>
+            <a:off x="517869" y="3172570"/>
+            <a:ext cx="8686799" cy="3016294"/>
+          </a:xfrm>
+        </p:spPr>
+        <p:txBody>
+          <a:bodyPr>
+            <a:normAutofit/>
+          </a:bodyPr>
+          <a:lstStyle/>
+          <a:p>
+            <a:endParaRPr lang="en-US"/>
+          </a:p>
+        </p:txBody>
+      </p:sp>
+    </p:spTree>
+    <p:extLst>
+      <p:ext uri="{BB962C8B-B14F-4D97-AF65-F5344CB8AC3E}">
+        <p14:creationId xmlns:p14="http://schemas.microsoft.com/office/powerpoint/2010/main" val="1831832004"/>
+      </p:ext>
+    </p:extLst>
+  </p:cSld>
+  <p:clrMapOvr>
+    <a:masterClrMapping/>
+  </p:clrMapOvr>
+</p:sld>
+</file>
+
+<file path=ppt/slides/slide5.xml><?xml version="1.0" encoding="utf-8"?>
+<p:sld xmlns:a="http://schemas.openxmlformats.org/drawingml/2006/main" xmlns:r="http://schemas.openxmlformats.org/officeDocument/2006/relationships" xmlns:p="http://schemas.openxmlformats.org/presentationml/2006/main">
+  <p:cSld>
+    <p:bg>
+      <p:bgPr>
+        <a:solidFill>
+          <a:schemeClr val="bg1"/>
+        </a:solidFill>
+        <a:effectLst/>
+      </p:bgPr>
+    </p:bg>
+    <p:spTree>
+      <p:nvGrpSpPr>
+        <p:cNvPr id="1" name=""/>
+        <p:cNvGrpSpPr/>
+        <p:nvPr/>
+      </p:nvGrpSpPr>
+      <p:grpSpPr>
+        <a:xfrm>
+          <a:off x="0" y="0"/>
+          <a:ext cx="0" cy="0"/>
+          <a:chOff x="0" y="0"/>
+          <a:chExt cx="0" cy="0"/>
+        </a:xfrm>
+      </p:grpSpPr>
+      <p:sp useBgFill="1">
+        <p:nvSpPr>
+          <p:cNvPr id="8" name="Rectangle 7">
+            <a:extLst>
+              <a:ext uri="{FF2B5EF4-FFF2-40B4-BE49-F238E27FC236}">
+                <a16:creationId xmlns:a16="http://schemas.microsoft.com/office/drawing/2014/main" id="{FAA3B297-9683-4E38-89FA-062C53E13F85}"/>
+              </a:ext>
+              <a:ext uri="{C183D7F6-B498-43B3-948B-1728B52AA6E4}">
+                <adec:decorative xmlns:adec="http://schemas.microsoft.com/office/drawing/2017/decorative" val="1"/>
+              </a:ext>
+            </a:extLst>
+          </p:cNvPr>
+          <p:cNvSpPr>
+            <a:spLocks noGrp="1" noRot="1" noChangeAspect="1" noMove="1" noResize="1" noEditPoints="1" noAdjustHandles="1" noChangeArrowheads="1" noChangeShapeType="1" noTextEdit="1"/>
+          </p:cNvSpPr>
+          <p:nvPr>
+            <p:extLst>
+              <p:ext uri="{386F3935-93C4-4BCD-93E2-E3B085C9AB24}">
+                <p16:designElem xmlns:p16="http://schemas.microsoft.com/office/powerpoint/2015/main" val="1"/>
+              </p:ext>
+            </p:extLst>
+          </p:nvPr>
+        </p:nvSpPr>
+        <p:spPr>
+          <a:xfrm>
+            <a:off x="0" y="0"/>
+            <a:ext cx="12188952" cy="6857995"/>
+          </a:xfrm>
+          <a:prstGeom prst="rect">
+            <a:avLst/>
+          </a:prstGeom>
+          <a:ln>
+            <a:noFill/>
+          </a:ln>
+        </p:spPr>
+        <p:style>
+          <a:lnRef idx="2">
+            <a:schemeClr val="accent1">
+              <a:shade val="50000"/>
+            </a:schemeClr>
+          </a:lnRef>
+          <a:fillRef idx="1">
+            <a:schemeClr val="accent1"/>
+          </a:fillRef>
+          <a:effectRef idx="0">
+            <a:schemeClr val="accent1"/>
+          </a:effectRef>
+          <a:fontRef idx="minor">
+            <a:schemeClr val="lt1"/>
+          </a:fontRef>
+        </p:style>
+        <p:txBody>
+          <a:bodyPr rtlCol="0" anchor="ctr"/>
+          <a:lstStyle/>
+          <a:p>
+            <a:pPr algn="ctr"/>
+            <a:endParaRPr lang="en-US" dirty="0"/>
+          </a:p>
+        </p:txBody>
+      </p:sp>
+      <p:sp>
+        <p:nvSpPr>
+          <p:cNvPr id="2" name="Title 1">
+            <a:extLst>
+              <a:ext uri="{FF2B5EF4-FFF2-40B4-BE49-F238E27FC236}">
+                <a16:creationId xmlns:a16="http://schemas.microsoft.com/office/drawing/2014/main" id="{2D6B81C5-A570-AD24-76BD-84826422C04E}"/>
+              </a:ext>
+            </a:extLst>
+          </p:cNvPr>
+          <p:cNvSpPr>
+            <a:spLocks noGrp="1"/>
+          </p:cNvSpPr>
+          <p:nvPr>
+            <p:ph type="title"/>
+          </p:nvPr>
+        </p:nvSpPr>
+        <p:spPr>
+          <a:xfrm>
+            <a:off x="517869" y="976160"/>
+            <a:ext cx="8686800" cy="1934172"/>
+          </a:xfrm>
+        </p:spPr>
+        <p:txBody>
+          <a:bodyPr>
+            <a:normAutofit/>
+          </a:bodyPr>
+          <a:lstStyle/>
+          <a:p>
+            <a:r>
+              <a:rPr lang="en-US" dirty="0"/>
+              <a:t>METHODOLOGY</a:t>
+            </a:r>
+          </a:p>
+        </p:txBody>
+      </p:sp>
+      <p:sp>
+        <p:nvSpPr>
+          <p:cNvPr id="10" name="Rectangle 9">
+            <a:extLst>
+              <a:ext uri="{FF2B5EF4-FFF2-40B4-BE49-F238E27FC236}">
+                <a16:creationId xmlns:a16="http://schemas.microsoft.com/office/drawing/2014/main" id="{5B8D7907-8AB9-4E98-A576-1A13AECEDF3A}"/>
+              </a:ext>
+              <a:ext uri="{C183D7F6-B498-43B3-948B-1728B52AA6E4}">
+                <adec:decorative xmlns:adec="http://schemas.microsoft.com/office/drawing/2017/decorative" val="1"/>
+              </a:ext>
+            </a:extLst>
+          </p:cNvPr>
+          <p:cNvSpPr>
+            <a:spLocks noGrp="1" noRot="1" noChangeAspect="1" noMove="1" noResize="1" noEditPoints="1" noAdjustHandles="1" noChangeArrowheads="1" noChangeShapeType="1" noTextEdit="1"/>
+          </p:cNvSpPr>
+          <p:nvPr>
+            <p:extLst>
+              <p:ext uri="{386F3935-93C4-4BCD-93E2-E3B085C9AB24}">
+                <p16:designElem xmlns:p16="http://schemas.microsoft.com/office/powerpoint/2015/main" val="1"/>
+              </p:ext>
+            </p:extLst>
+          </p:nvPr>
+        </p:nvSpPr>
+        <p:spPr>
+          <a:xfrm>
+            <a:off x="517869" y="508090"/>
+            <a:ext cx="8732520" cy="149279"/>
+          </a:xfrm>
+          <a:prstGeom prst="rect">
+            <a:avLst/>
+          </a:prstGeom>
+          <a:solidFill>
+            <a:schemeClr val="tx1"/>
+          </a:solidFill>
+          <a:ln>
+            <a:noFill/>
+          </a:ln>
+        </p:spPr>
+        <p:style>
+          <a:lnRef idx="2">
+            <a:schemeClr val="accent1">
+              <a:shade val="50000"/>
+            </a:schemeClr>
+          </a:lnRef>
+          <a:fillRef idx="1">
+            <a:schemeClr val="accent1"/>
+          </a:fillRef>
+          <a:effectRef idx="0">
+            <a:schemeClr val="accent1"/>
+          </a:effectRef>
+          <a:fontRef idx="minor">
+            <a:schemeClr val="lt1"/>
+          </a:fontRef>
+        </p:style>
+        <p:txBody>
+          <a:bodyPr rtlCol="0" anchor="ctr"/>
+          <a:lstStyle/>
+          <a:p>
+            <a:pPr algn="ctr"/>
+            <a:endParaRPr lang="en-US"/>
+          </a:p>
+        </p:txBody>
+      </p:sp>
+      <p:sp>
+        <p:nvSpPr>
+          <p:cNvPr id="3" name="Content Placeholder 2">
+            <a:extLst>
+              <a:ext uri="{FF2B5EF4-FFF2-40B4-BE49-F238E27FC236}">
+                <a16:creationId xmlns:a16="http://schemas.microsoft.com/office/drawing/2014/main" id="{B43154CE-4300-DAA5-DE79-43896358C3C2}"/>
+              </a:ext>
+            </a:extLst>
+          </p:cNvPr>
+          <p:cNvSpPr>
+            <a:spLocks noGrp="1"/>
+          </p:cNvSpPr>
+          <p:nvPr>
+            <p:ph idx="1"/>
+          </p:nvPr>
+        </p:nvSpPr>
+        <p:spPr>
+          <a:xfrm>
+            <a:off x="517869" y="3172570"/>
+            <a:ext cx="8686799" cy="3016294"/>
+          </a:xfrm>
+        </p:spPr>
+        <p:txBody>
+          <a:bodyPr>
+            <a:normAutofit/>
+          </a:bodyPr>
+          <a:lstStyle/>
+          <a:p>
+            <a:endParaRPr lang="en-US"/>
+          </a:p>
+        </p:txBody>
+      </p:sp>
+    </p:spTree>
+    <p:extLst>
+      <p:ext uri="{BB962C8B-B14F-4D97-AF65-F5344CB8AC3E}">
+        <p14:creationId xmlns:p14="http://schemas.microsoft.com/office/powerpoint/2010/main" val="185547654"/>
+      </p:ext>
+    </p:extLst>
+  </p:cSld>
+  <p:clrMapOvr>
+    <a:masterClrMapping/>
+  </p:clrMapOvr>
+</p:sld>
+</file>
+
+<file path=ppt/slides/slide6.xml><?xml version="1.0" encoding="utf-8"?>
+<p:sld xmlns:a="http://schemas.openxmlformats.org/drawingml/2006/main" xmlns:r="http://schemas.openxmlformats.org/officeDocument/2006/relationships" xmlns:p="http://schemas.openxmlformats.org/presentationml/2006/main">
+  <p:cSld>
+    <p:bg>
+      <p:bgPr>
+        <a:solidFill>
+          <a:schemeClr val="bg1"/>
+        </a:solidFill>
+        <a:effectLst/>
+      </p:bgPr>
+    </p:bg>
+    <p:spTree>
+      <p:nvGrpSpPr>
+        <p:cNvPr id="1" name=""/>
+        <p:cNvGrpSpPr/>
+        <p:nvPr/>
+      </p:nvGrpSpPr>
+      <p:grpSpPr>
+        <a:xfrm>
+          <a:off x="0" y="0"/>
+          <a:ext cx="0" cy="0"/>
+          <a:chOff x="0" y="0"/>
+          <a:chExt cx="0" cy="0"/>
+        </a:xfrm>
+      </p:grpSpPr>
+      <p:sp useBgFill="1">
+        <p:nvSpPr>
+          <p:cNvPr id="8" name="Rectangle 7">
+            <a:extLst>
+              <a:ext uri="{FF2B5EF4-FFF2-40B4-BE49-F238E27FC236}">
+                <a16:creationId xmlns:a16="http://schemas.microsoft.com/office/drawing/2014/main" id="{FAA3B297-9683-4E38-89FA-062C53E13F85}"/>
+              </a:ext>
+              <a:ext uri="{C183D7F6-B498-43B3-948B-1728B52AA6E4}">
+                <adec:decorative xmlns:adec="http://schemas.microsoft.com/office/drawing/2017/decorative" val="1"/>
+              </a:ext>
+            </a:extLst>
+          </p:cNvPr>
+          <p:cNvSpPr>
+            <a:spLocks noGrp="1" noRot="1" noChangeAspect="1" noMove="1" noResize="1" noEditPoints="1" noAdjustHandles="1" noChangeArrowheads="1" noChangeShapeType="1" noTextEdit="1"/>
+          </p:cNvSpPr>
+          <p:nvPr>
+            <p:extLst>
+              <p:ext uri="{386F3935-93C4-4BCD-93E2-E3B085C9AB24}">
+                <p16:designElem xmlns:p16="http://schemas.microsoft.com/office/powerpoint/2015/main" val="1"/>
+              </p:ext>
+            </p:extLst>
+          </p:nvPr>
+        </p:nvSpPr>
+        <p:spPr>
+          <a:xfrm>
+            <a:off x="0" y="0"/>
+            <a:ext cx="12188952" cy="6857995"/>
+          </a:xfrm>
+          <a:prstGeom prst="rect">
+            <a:avLst/>
+          </a:prstGeom>
+          <a:ln>
+            <a:noFill/>
+          </a:ln>
+        </p:spPr>
+        <p:style>
+          <a:lnRef idx="2">
+            <a:schemeClr val="accent1">
+              <a:shade val="50000"/>
+            </a:schemeClr>
+          </a:lnRef>
+          <a:fillRef idx="1">
+            <a:schemeClr val="accent1"/>
+          </a:fillRef>
+          <a:effectRef idx="0">
+            <a:schemeClr val="accent1"/>
+          </a:effectRef>
+          <a:fontRef idx="minor">
+            <a:schemeClr val="lt1"/>
+          </a:fontRef>
+        </p:style>
+        <p:txBody>
+          <a:bodyPr rtlCol="0" anchor="ctr"/>
+          <a:lstStyle/>
+          <a:p>
+            <a:pPr algn="ctr"/>
+            <a:endParaRPr lang="en-US" dirty="0"/>
+          </a:p>
+        </p:txBody>
+      </p:sp>
+      <p:sp>
+        <p:nvSpPr>
+          <p:cNvPr id="2" name="Title 1">
+            <a:extLst>
+              <a:ext uri="{FF2B5EF4-FFF2-40B4-BE49-F238E27FC236}">
+                <a16:creationId xmlns:a16="http://schemas.microsoft.com/office/drawing/2014/main" id="{40D0EB12-A134-7E75-F4D6-BFB1B126376B}"/>
+              </a:ext>
+            </a:extLst>
+          </p:cNvPr>
+          <p:cNvSpPr>
+            <a:spLocks noGrp="1"/>
+          </p:cNvSpPr>
+          <p:nvPr>
+            <p:ph type="title"/>
+          </p:nvPr>
+        </p:nvSpPr>
+        <p:spPr>
+          <a:xfrm>
+            <a:off x="517869" y="976160"/>
+            <a:ext cx="8686800" cy="1934172"/>
+          </a:xfrm>
+        </p:spPr>
+        <p:txBody>
+          <a:bodyPr>
+            <a:normAutofit/>
+          </a:bodyPr>
+          <a:lstStyle/>
+          <a:p>
+            <a:r>
+              <a:rPr lang="en-IN" sz="4000" dirty="0">
+                <a:latin typeface="Arial" panose="020B0604020202020204" pitchFamily="34" charset="0"/>
+                <a:cs typeface="Arial" panose="020B0604020202020204" pitchFamily="34" charset="0"/>
+              </a:rPr>
+              <a:t>IMPLEMENTATION (LEARNING &amp; PREDICTION PHASE)</a:t>
+            </a:r>
+            <a:endParaRPr lang="en-US" sz="4000" dirty="0">
+              <a:latin typeface="Arial" panose="020B0604020202020204" pitchFamily="34" charset="0"/>
+              <a:cs typeface="Arial" panose="020B0604020202020204" pitchFamily="34" charset="0"/>
+            </a:endParaRPr>
+          </a:p>
+        </p:txBody>
+      </p:sp>
+      <p:sp>
+        <p:nvSpPr>
+          <p:cNvPr id="10" name="Rectangle 9">
+            <a:extLst>
+              <a:ext uri="{FF2B5EF4-FFF2-40B4-BE49-F238E27FC236}">
+                <a16:creationId xmlns:a16="http://schemas.microsoft.com/office/drawing/2014/main" id="{5B8D7907-8AB9-4E98-A576-1A13AECEDF3A}"/>
+              </a:ext>
+              <a:ext uri="{C183D7F6-B498-43B3-948B-1728B52AA6E4}">
+                <adec:decorative xmlns:adec="http://schemas.microsoft.com/office/drawing/2017/decorative" val="1"/>
+              </a:ext>
+            </a:extLst>
+          </p:cNvPr>
+          <p:cNvSpPr>
+            <a:spLocks noGrp="1" noRot="1" noChangeAspect="1" noMove="1" noResize="1" noEditPoints="1" noAdjustHandles="1" noChangeArrowheads="1" noChangeShapeType="1" noTextEdit="1"/>
+          </p:cNvSpPr>
+          <p:nvPr>
+            <p:extLst>
+              <p:ext uri="{386F3935-93C4-4BCD-93E2-E3B085C9AB24}">
+                <p16:designElem xmlns:p16="http://schemas.microsoft.com/office/powerpoint/2015/main" val="1"/>
+              </p:ext>
+            </p:extLst>
+          </p:nvPr>
+        </p:nvSpPr>
+        <p:spPr>
+          <a:xfrm>
+            <a:off x="517869" y="508090"/>
+            <a:ext cx="8732520" cy="149279"/>
+          </a:xfrm>
+          <a:prstGeom prst="rect">
+            <a:avLst/>
+          </a:prstGeom>
+          <a:solidFill>
+            <a:schemeClr val="tx1"/>
+          </a:solidFill>
+          <a:ln>
+            <a:noFill/>
+          </a:ln>
+        </p:spPr>
+        <p:style>
+          <a:lnRef idx="2">
+            <a:schemeClr val="accent1">
+              <a:shade val="50000"/>
+            </a:schemeClr>
+          </a:lnRef>
+          <a:fillRef idx="1">
+            <a:schemeClr val="accent1"/>
+          </a:fillRef>
+          <a:effectRef idx="0">
+            <a:schemeClr val="accent1"/>
+          </a:effectRef>
+          <a:fontRef idx="minor">
+            <a:schemeClr val="lt1"/>
+          </a:fontRef>
+        </p:style>
+        <p:txBody>
+          <a:bodyPr rtlCol="0" anchor="ctr"/>
+          <a:lstStyle/>
+          <a:p>
+            <a:pPr algn="ctr"/>
+            <a:endParaRPr lang="en-US"/>
+          </a:p>
+        </p:txBody>
+      </p:sp>
+      <p:sp>
+        <p:nvSpPr>
+          <p:cNvPr id="3" name="Content Placeholder 2">
+            <a:extLst>
+              <a:ext uri="{FF2B5EF4-FFF2-40B4-BE49-F238E27FC236}">
+                <a16:creationId xmlns:a16="http://schemas.microsoft.com/office/drawing/2014/main" id="{763BEB7E-6433-D9C5-97F5-24ECBCE4A991}"/>
+              </a:ext>
+            </a:extLst>
+          </p:cNvPr>
+          <p:cNvSpPr>
+            <a:spLocks noGrp="1"/>
+          </p:cNvSpPr>
+          <p:nvPr>
+            <p:ph idx="1"/>
+          </p:nvPr>
+        </p:nvSpPr>
+        <p:spPr>
+          <a:xfrm>
+            <a:off x="517869" y="2693773"/>
+            <a:ext cx="8686799" cy="3495091"/>
+          </a:xfrm>
+        </p:spPr>
+        <p:txBody>
+          <a:bodyPr>
+            <a:normAutofit/>
+          </a:bodyPr>
+          <a:lstStyle/>
+          <a:p>
+            <a:endParaRPr lang="en-US" dirty="0"/>
+          </a:p>
+        </p:txBody>
+      </p:sp>
+    </p:spTree>
+    <p:extLst>
+      <p:ext uri="{BB962C8B-B14F-4D97-AF65-F5344CB8AC3E}">
+        <p14:creationId xmlns:p14="http://schemas.microsoft.com/office/powerpoint/2010/main" val="3177780836"/>
+      </p:ext>
+    </p:extLst>
+  </p:cSld>
+  <p:clrMapOvr>
+    <a:masterClrMapping/>
+  </p:clrMapOvr>
+</p:sld>
+</file>
+
+<file path=ppt/slides/slide7.xml><?xml version="1.0" encoding="utf-8"?>
+<p:sld xmlns:a="http://schemas.openxmlformats.org/drawingml/2006/main" xmlns:r="http://schemas.openxmlformats.org/officeDocument/2006/relationships" xmlns:p="http://schemas.openxmlformats.org/presentationml/2006/main">
+  <p:cSld>
+    <p:bg>
+      <p:bgPr>
+        <a:solidFill>
+          <a:schemeClr val="bg1"/>
+        </a:solidFill>
+        <a:effectLst/>
+      </p:bgPr>
+    </p:bg>
+    <p:spTree>
+      <p:nvGrpSpPr>
+        <p:cNvPr id="1" name=""/>
+        <p:cNvGrpSpPr/>
+        <p:nvPr/>
+      </p:nvGrpSpPr>
+      <p:grpSpPr>
+        <a:xfrm>
+          <a:off x="0" y="0"/>
+          <a:ext cx="0" cy="0"/>
+          <a:chOff x="0" y="0"/>
+          <a:chExt cx="0" cy="0"/>
+        </a:xfrm>
+      </p:grpSpPr>
+      <p:sp useBgFill="1">
+        <p:nvSpPr>
+          <p:cNvPr id="8" name="Rectangle 7">
+            <a:extLst>
+              <a:ext uri="{FF2B5EF4-FFF2-40B4-BE49-F238E27FC236}">
+                <a16:creationId xmlns:a16="http://schemas.microsoft.com/office/drawing/2014/main" id="{FAA3B297-9683-4E38-89FA-062C53E13F85}"/>
+              </a:ext>
+              <a:ext uri="{C183D7F6-B498-43B3-948B-1728B52AA6E4}">
+                <adec:decorative xmlns:adec="http://schemas.microsoft.com/office/drawing/2017/decorative" val="1"/>
+              </a:ext>
+            </a:extLst>
+          </p:cNvPr>
+          <p:cNvSpPr>
+            <a:spLocks noGrp="1" noRot="1" noChangeAspect="1" noMove="1" noResize="1" noEditPoints="1" noAdjustHandles="1" noChangeArrowheads="1" noChangeShapeType="1" noTextEdit="1"/>
+          </p:cNvSpPr>
+          <p:nvPr>
+            <p:extLst>
+              <p:ext uri="{386F3935-93C4-4BCD-93E2-E3B085C9AB24}">
+                <p16:designElem xmlns:p16="http://schemas.microsoft.com/office/powerpoint/2015/main" val="1"/>
+              </p:ext>
+            </p:extLst>
+          </p:nvPr>
+        </p:nvSpPr>
+        <p:spPr>
+          <a:xfrm>
+            <a:off x="0" y="0"/>
+            <a:ext cx="12188952" cy="6857995"/>
+          </a:xfrm>
+          <a:prstGeom prst="rect">
+            <a:avLst/>
+          </a:prstGeom>
+          <a:ln>
+            <a:noFill/>
+          </a:ln>
+        </p:spPr>
+        <p:style>
+          <a:lnRef idx="2">
+            <a:schemeClr val="accent1">
+              <a:shade val="50000"/>
+            </a:schemeClr>
+          </a:lnRef>
+          <a:fillRef idx="1">
+            <a:schemeClr val="accent1"/>
+          </a:fillRef>
+          <a:effectRef idx="0">
+            <a:schemeClr val="accent1"/>
+          </a:effectRef>
+          <a:fontRef idx="minor">
+            <a:schemeClr val="lt1"/>
+          </a:fontRef>
+        </p:style>
+        <p:txBody>
+          <a:bodyPr rtlCol="0" anchor="ctr"/>
+          <a:lstStyle/>
+          <a:p>
+            <a:pPr algn="ctr"/>
+            <a:endParaRPr lang="en-US" dirty="0"/>
+          </a:p>
+        </p:txBody>
+      </p:sp>
+      <p:sp>
+        <p:nvSpPr>
+          <p:cNvPr id="2" name="Title 1">
+            <a:extLst>
+              <a:ext uri="{FF2B5EF4-FFF2-40B4-BE49-F238E27FC236}">
+                <a16:creationId xmlns:a16="http://schemas.microsoft.com/office/drawing/2014/main" id="{5F104249-400B-AD3A-F382-C91918689B2C}"/>
+              </a:ext>
+            </a:extLst>
+          </p:cNvPr>
+          <p:cNvSpPr>
+            <a:spLocks noGrp="1"/>
+          </p:cNvSpPr>
+          <p:nvPr>
+            <p:ph type="title"/>
+          </p:nvPr>
+        </p:nvSpPr>
+        <p:spPr>
+          <a:xfrm>
+            <a:off x="517869" y="976160"/>
+            <a:ext cx="8686800" cy="951494"/>
+          </a:xfrm>
+        </p:spPr>
+        <p:txBody>
+          <a:bodyPr>
+            <a:normAutofit/>
+          </a:bodyPr>
+          <a:lstStyle/>
+          <a:p>
+            <a:r>
+              <a:rPr lang="en-US" sz="4000" dirty="0">
+                <a:latin typeface="Arial" panose="020B0604020202020204" pitchFamily="34" charset="0"/>
+                <a:cs typeface="Arial" panose="020B0604020202020204" pitchFamily="34" charset="0"/>
+              </a:rPr>
+              <a:t>FLOW-CHART</a:t>
+            </a:r>
+          </a:p>
+        </p:txBody>
+      </p:sp>
+      <p:sp>
+        <p:nvSpPr>
+          <p:cNvPr id="10" name="Rectangle 9">
+            <a:extLst>
+              <a:ext uri="{FF2B5EF4-FFF2-40B4-BE49-F238E27FC236}">
+                <a16:creationId xmlns:a16="http://schemas.microsoft.com/office/drawing/2014/main" id="{5B8D7907-8AB9-4E98-A576-1A13AECEDF3A}"/>
+              </a:ext>
+              <a:ext uri="{C183D7F6-B498-43B3-948B-1728B52AA6E4}">
+                <adec:decorative xmlns:adec="http://schemas.microsoft.com/office/drawing/2017/decorative" val="1"/>
+              </a:ext>
+            </a:extLst>
+          </p:cNvPr>
+          <p:cNvSpPr>
+            <a:spLocks noGrp="1" noRot="1" noChangeAspect="1" noMove="1" noResize="1" noEditPoints="1" noAdjustHandles="1" noChangeArrowheads="1" noChangeShapeType="1" noTextEdit="1"/>
+          </p:cNvSpPr>
+          <p:nvPr>
+            <p:extLst>
+              <p:ext uri="{386F3935-93C4-4BCD-93E2-E3B085C9AB24}">
+                <p16:designElem xmlns:p16="http://schemas.microsoft.com/office/powerpoint/2015/main" val="1"/>
+              </p:ext>
+            </p:extLst>
+          </p:nvPr>
+        </p:nvSpPr>
+        <p:spPr>
+          <a:xfrm>
+            <a:off x="517869" y="508090"/>
+            <a:ext cx="8732520" cy="149279"/>
+          </a:xfrm>
+          <a:prstGeom prst="rect">
+            <a:avLst/>
+          </a:prstGeom>
+          <a:solidFill>
+            <a:schemeClr val="tx1"/>
+          </a:solidFill>
+          <a:ln>
+            <a:noFill/>
+          </a:ln>
+        </p:spPr>
+        <p:style>
+          <a:lnRef idx="2">
+            <a:schemeClr val="accent1">
+              <a:shade val="50000"/>
+            </a:schemeClr>
+          </a:lnRef>
+          <a:fillRef idx="1">
+            <a:schemeClr val="accent1"/>
+          </a:fillRef>
+          <a:effectRef idx="0">
+            <a:schemeClr val="accent1"/>
+          </a:effectRef>
+          <a:fontRef idx="minor">
+            <a:schemeClr val="lt1"/>
+          </a:fontRef>
+        </p:style>
+        <p:txBody>
+          <a:bodyPr rtlCol="0" anchor="ctr"/>
+          <a:lstStyle/>
+          <a:p>
+            <a:pPr algn="ctr"/>
+            <a:endParaRPr lang="en-US"/>
+          </a:p>
+        </p:txBody>
+      </p:sp>
+      <p:sp>
+        <p:nvSpPr>
+          <p:cNvPr id="3" name="Content Placeholder 2">
+            <a:extLst>
+              <a:ext uri="{FF2B5EF4-FFF2-40B4-BE49-F238E27FC236}">
+                <a16:creationId xmlns:a16="http://schemas.microsoft.com/office/drawing/2014/main" id="{7F00A25F-4CA4-D443-D525-EEE4B67C7EC0}"/>
+              </a:ext>
+            </a:extLst>
+          </p:cNvPr>
+          <p:cNvSpPr>
+            <a:spLocks noGrp="1"/>
+          </p:cNvSpPr>
+          <p:nvPr>
+            <p:ph idx="1"/>
+          </p:nvPr>
+        </p:nvSpPr>
+        <p:spPr>
+          <a:xfrm>
+            <a:off x="517869" y="3172570"/>
+            <a:ext cx="8686799" cy="3016294"/>
+          </a:xfrm>
+        </p:spPr>
+        <p:txBody>
+          <a:bodyPr>
+            <a:normAutofit/>
+          </a:bodyPr>
+          <a:lstStyle/>
+          <a:p>
+            <a:endParaRPr lang="en-US" dirty="0"/>
+          </a:p>
+        </p:txBody>
+      </p:sp>
+    </p:spTree>
+    <p:extLst>
+      <p:ext uri="{BB962C8B-B14F-4D97-AF65-F5344CB8AC3E}">
+        <p14:creationId xmlns:p14="http://schemas.microsoft.com/office/powerpoint/2010/main" val="2487824199"/>
+      </p:ext>
+    </p:extLst>
+  </p:cSld>
+  <p:clrMapOvr>
+    <a:masterClrMapping/>
+  </p:clrMapOvr>
+</p:sld>
+</file>
+
+<file path=ppt/slides/slide8.xml><?xml version="1.0" encoding="utf-8"?>
+<p:sld xmlns:a="http://schemas.openxmlformats.org/drawingml/2006/main" xmlns:r="http://schemas.openxmlformats.org/officeDocument/2006/relationships" xmlns:p="http://schemas.openxmlformats.org/presentationml/2006/main">
+  <p:cSld>
+    <p:bg>
+      <p:bgPr>
+        <a:solidFill>
+          <a:schemeClr val="bg1"/>
+        </a:solidFill>
+        <a:effectLst/>
+      </p:bgPr>
+    </p:bg>
+    <p:spTree>
+      <p:nvGrpSpPr>
+        <p:cNvPr id="1" name=""/>
+        <p:cNvGrpSpPr/>
+        <p:nvPr/>
+      </p:nvGrpSpPr>
+      <p:grpSpPr>
+        <a:xfrm>
+          <a:off x="0" y="0"/>
+          <a:ext cx="0" cy="0"/>
+          <a:chOff x="0" y="0"/>
+          <a:chExt cx="0" cy="0"/>
+        </a:xfrm>
+      </p:grpSpPr>
+      <p:sp useBgFill="1">
+        <p:nvSpPr>
+          <p:cNvPr id="8" name="Rectangle 7">
+            <a:extLst>
+              <a:ext uri="{FF2B5EF4-FFF2-40B4-BE49-F238E27FC236}">
+                <a16:creationId xmlns:a16="http://schemas.microsoft.com/office/drawing/2014/main" id="{FAA3B297-9683-4E38-89FA-062C53E13F85}"/>
+              </a:ext>
+              <a:ext uri="{C183D7F6-B498-43B3-948B-1728B52AA6E4}">
+                <adec:decorative xmlns:adec="http://schemas.microsoft.com/office/drawing/2017/decorative" val="1"/>
+              </a:ext>
+            </a:extLst>
+          </p:cNvPr>
+          <p:cNvSpPr>
+            <a:spLocks noGrp="1" noRot="1" noChangeAspect="1" noMove="1" noResize="1" noEditPoints="1" noAdjustHandles="1" noChangeArrowheads="1" noChangeShapeType="1" noTextEdit="1"/>
+          </p:cNvSpPr>
+          <p:nvPr>
+            <p:extLst>
+              <p:ext uri="{386F3935-93C4-4BCD-93E2-E3B085C9AB24}">
+                <p16:designElem xmlns:p16="http://schemas.microsoft.com/office/powerpoint/2015/main" val="1"/>
+              </p:ext>
+            </p:extLst>
+          </p:nvPr>
+        </p:nvSpPr>
+        <p:spPr>
+          <a:xfrm>
+            <a:off x="0" y="0"/>
+            <a:ext cx="12188952" cy="6857995"/>
+          </a:xfrm>
+          <a:prstGeom prst="rect">
+            <a:avLst/>
+          </a:prstGeom>
+          <a:ln>
+            <a:noFill/>
+          </a:ln>
+        </p:spPr>
+        <p:style>
+          <a:lnRef idx="2">
+            <a:schemeClr val="accent1">
+              <a:shade val="50000"/>
+            </a:schemeClr>
+          </a:lnRef>
+          <a:fillRef idx="1">
+            <a:schemeClr val="accent1"/>
+          </a:fillRef>
+          <a:effectRef idx="0">
+            <a:schemeClr val="accent1"/>
+          </a:effectRef>
+          <a:fontRef idx="minor">
+            <a:schemeClr val="lt1"/>
+          </a:fontRef>
+        </p:style>
+        <p:txBody>
+          <a:bodyPr rtlCol="0" anchor="ctr"/>
+          <a:lstStyle/>
+          <a:p>
+            <a:pPr algn="ctr"/>
+            <a:endParaRPr lang="en-US" dirty="0"/>
+          </a:p>
+        </p:txBody>
+      </p:sp>
+      <p:sp>
+        <p:nvSpPr>
+          <p:cNvPr id="2" name="Title 1">
+            <a:extLst>
+              <a:ext uri="{FF2B5EF4-FFF2-40B4-BE49-F238E27FC236}">
+                <a16:creationId xmlns:a16="http://schemas.microsoft.com/office/drawing/2014/main" id="{0C681EFA-DFBD-EA24-AC3F-12C9EBAF7CF8}"/>
+              </a:ext>
+            </a:extLst>
+          </p:cNvPr>
+          <p:cNvSpPr>
+            <a:spLocks noGrp="1"/>
+          </p:cNvSpPr>
+          <p:nvPr>
+            <p:ph type="title"/>
+          </p:nvPr>
+        </p:nvSpPr>
+        <p:spPr>
+          <a:xfrm>
+            <a:off x="517869" y="785813"/>
+            <a:ext cx="8686800" cy="1000125"/>
+          </a:xfrm>
+        </p:spPr>
+        <p:txBody>
+          <a:bodyPr>
+            <a:normAutofit/>
+          </a:bodyPr>
+          <a:lstStyle/>
+          <a:p>
+            <a:r>
+              <a:rPr lang="en-US" dirty="0"/>
+              <a:t>RESULT</a:t>
+            </a:r>
+          </a:p>
+        </p:txBody>
+      </p:sp>
+      <p:sp>
+        <p:nvSpPr>
+          <p:cNvPr id="10" name="Rectangle 9">
+            <a:extLst>
+              <a:ext uri="{FF2B5EF4-FFF2-40B4-BE49-F238E27FC236}">
+                <a16:creationId xmlns:a16="http://schemas.microsoft.com/office/drawing/2014/main" id="{5B8D7907-8AB9-4E98-A576-1A13AECEDF3A}"/>
+              </a:ext>
+              <a:ext uri="{C183D7F6-B498-43B3-948B-1728B52AA6E4}">
+                <adec:decorative xmlns:adec="http://schemas.microsoft.com/office/drawing/2017/decorative" val="1"/>
+              </a:ext>
+            </a:extLst>
+          </p:cNvPr>
+          <p:cNvSpPr>
+            <a:spLocks noGrp="1" noRot="1" noChangeAspect="1" noMove="1" noResize="1" noEditPoints="1" noAdjustHandles="1" noChangeArrowheads="1" noChangeShapeType="1" noTextEdit="1"/>
+          </p:cNvSpPr>
+          <p:nvPr>
+            <p:extLst>
+              <p:ext uri="{386F3935-93C4-4BCD-93E2-E3B085C9AB24}">
+                <p16:designElem xmlns:p16="http://schemas.microsoft.com/office/powerpoint/2015/main" val="1"/>
+              </p:ext>
+            </p:extLst>
+          </p:nvPr>
+        </p:nvSpPr>
+        <p:spPr>
+          <a:xfrm>
+            <a:off x="517869" y="508090"/>
+            <a:ext cx="8732520" cy="149279"/>
+          </a:xfrm>
+          <a:prstGeom prst="rect">
+            <a:avLst/>
+          </a:prstGeom>
+          <a:solidFill>
+            <a:schemeClr val="tx1"/>
+          </a:solidFill>
+          <a:ln>
+            <a:noFill/>
+          </a:ln>
+        </p:spPr>
+        <p:style>
+          <a:lnRef idx="2">
+            <a:schemeClr val="accent1">
+              <a:shade val="50000"/>
+            </a:schemeClr>
+          </a:lnRef>
+          <a:fillRef idx="1">
+            <a:schemeClr val="accent1"/>
+          </a:fillRef>
+          <a:effectRef idx="0">
+            <a:schemeClr val="accent1"/>
+          </a:effectRef>
+          <a:fontRef idx="minor">
+            <a:schemeClr val="lt1"/>
+          </a:fontRef>
+        </p:style>
+        <p:txBody>
+          <a:bodyPr rtlCol="0" anchor="ctr"/>
+          <a:lstStyle/>
+          <a:p>
+            <a:pPr algn="ctr"/>
+            <a:endParaRPr lang="en-US"/>
+          </a:p>
+        </p:txBody>
+      </p:sp>
+      <p:sp>
+        <p:nvSpPr>
+          <p:cNvPr id="3" name="Content Placeholder 2">
+            <a:extLst>
+              <a:ext uri="{FF2B5EF4-FFF2-40B4-BE49-F238E27FC236}">
+                <a16:creationId xmlns:a16="http://schemas.microsoft.com/office/drawing/2014/main" id="{DC9DCE16-5795-F601-83AE-2E602180EE3A}"/>
+              </a:ext>
+            </a:extLst>
+          </p:cNvPr>
+          <p:cNvSpPr>
+            <a:spLocks noGrp="1"/>
+          </p:cNvSpPr>
+          <p:nvPr>
+            <p:ph idx="1"/>
+          </p:nvPr>
+        </p:nvSpPr>
+        <p:spPr>
+          <a:xfrm>
+            <a:off x="517869" y="3172570"/>
+            <a:ext cx="8686799" cy="3016294"/>
+          </a:xfrm>
+        </p:spPr>
+        <p:txBody>
+          <a:bodyPr>
+            <a:normAutofit/>
+          </a:bodyPr>
+          <a:lstStyle/>
+          <a:p>
+            <a:endParaRPr lang="en-US" dirty="0"/>
+          </a:p>
+        </p:txBody>
+      </p:sp>
+    </p:spTree>
+    <p:extLst>
+      <p:ext uri="{BB962C8B-B14F-4D97-AF65-F5344CB8AC3E}">
+        <p14:creationId xmlns:p14="http://schemas.microsoft.com/office/powerpoint/2010/main" val="3402530586"/>
+      </p:ext>
+    </p:extLst>
+  </p:cSld>
+  <p:clrMapOvr>
+    <a:masterClrMapping/>
+  </p:clrMapOvr>
+</p:sld>
+</file>
+
+<file path=ppt/slides/slide9.xml><?xml version="1.0" encoding="utf-8"?>
+<p:sld xmlns:a="http://schemas.openxmlformats.org/drawingml/2006/main" xmlns:r="http://schemas.openxmlformats.org/officeDocument/2006/relationships" xmlns:p="http://schemas.openxmlformats.org/presentationml/2006/main">
+  <p:cSld>
+    <p:bg>
+      <p:bgPr>
+        <a:solidFill>
+          <a:schemeClr val="bg1"/>
+        </a:solidFill>
+        <a:effectLst/>
+      </p:bgPr>
+    </p:bg>
+    <p:spTree>
+      <p:nvGrpSpPr>
+        <p:cNvPr id="1" name=""/>
+        <p:cNvGrpSpPr/>
+        <p:nvPr/>
+      </p:nvGrpSpPr>
+      <p:grpSpPr>
+        <a:xfrm>
+          <a:off x="0" y="0"/>
+          <a:ext cx="0" cy="0"/>
+          <a:chOff x="0" y="0"/>
+          <a:chExt cx="0" cy="0"/>
+        </a:xfrm>
+      </p:grpSpPr>
+      <p:sp useBgFill="1">
+        <p:nvSpPr>
+          <p:cNvPr id="8" name="Rectangle 7">
+            <a:extLst>
+              <a:ext uri="{FF2B5EF4-FFF2-40B4-BE49-F238E27FC236}">
+                <a16:creationId xmlns:a16="http://schemas.microsoft.com/office/drawing/2014/main" id="{FAA3B297-9683-4E38-89FA-062C53E13F85}"/>
+              </a:ext>
+              <a:ext uri="{C183D7F6-B498-43B3-948B-1728B52AA6E4}">
+                <adec:decorative xmlns:adec="http://schemas.microsoft.com/office/drawing/2017/decorative" val="1"/>
+              </a:ext>
+            </a:extLst>
+          </p:cNvPr>
+          <p:cNvSpPr>
+            <a:spLocks noGrp="1" noRot="1" noChangeAspect="1" noMove="1" noResize="1" noEditPoints="1" noAdjustHandles="1" noChangeArrowheads="1" noChangeShapeType="1" noTextEdit="1"/>
+          </p:cNvSpPr>
+          <p:nvPr>
+            <p:extLst>
+              <p:ext uri="{386F3935-93C4-4BCD-93E2-E3B085C9AB24}">
+                <p16:designElem xmlns:p16="http://schemas.microsoft.com/office/powerpoint/2015/main" val="1"/>
+              </p:ext>
+            </p:extLst>
+          </p:nvPr>
+        </p:nvSpPr>
+        <p:spPr>
+          <a:xfrm>
+            <a:off x="0" y="0"/>
+            <a:ext cx="12188952" cy="6857995"/>
+          </a:xfrm>
+          <a:prstGeom prst="rect">
+            <a:avLst/>
+          </a:prstGeom>
+          <a:ln>
+            <a:noFill/>
+          </a:ln>
+        </p:spPr>
+        <p:style>
+          <a:lnRef idx="2">
+            <a:schemeClr val="accent1">
+              <a:shade val="50000"/>
+            </a:schemeClr>
+          </a:lnRef>
+          <a:fillRef idx="1">
+            <a:schemeClr val="accent1"/>
+          </a:fillRef>
+          <a:effectRef idx="0">
+            <a:schemeClr val="accent1"/>
+          </a:effectRef>
+          <a:fontRef idx="minor">
+            <a:schemeClr val="lt1"/>
+          </a:fontRef>
+        </p:style>
+        <p:txBody>
+          <a:bodyPr rtlCol="0" anchor="ctr"/>
+          <a:lstStyle/>
+          <a:p>
+            <a:pPr algn="ctr"/>
+            <a:endParaRPr lang="en-US" dirty="0"/>
+          </a:p>
+        </p:txBody>
+      </p:sp>
+      <p:sp>
+        <p:nvSpPr>
+          <p:cNvPr id="2" name="Title 1">
+            <a:extLst>
+              <a:ext uri="{FF2B5EF4-FFF2-40B4-BE49-F238E27FC236}">
+                <a16:creationId xmlns:a16="http://schemas.microsoft.com/office/drawing/2014/main" id="{D73406E1-F2BE-59D9-A9F1-8140C3C0F06B}"/>
+              </a:ext>
+            </a:extLst>
+          </p:cNvPr>
+          <p:cNvSpPr>
+            <a:spLocks noGrp="1"/>
+          </p:cNvSpPr>
+          <p:nvPr>
+            <p:ph type="title"/>
+          </p:nvPr>
+        </p:nvSpPr>
+        <p:spPr>
+          <a:xfrm>
+            <a:off x="517869" y="976160"/>
+            <a:ext cx="8686800" cy="926781"/>
+          </a:xfrm>
+        </p:spPr>
+        <p:txBody>
+          <a:bodyPr>
+            <a:normAutofit/>
+          </a:bodyPr>
+          <a:lstStyle/>
+          <a:p>
+            <a:r>
+              <a:rPr lang="en-US" dirty="0"/>
+              <a:t>CONCLUSION</a:t>
+            </a:r>
+          </a:p>
+        </p:txBody>
+      </p:sp>
+      <p:sp>
+        <p:nvSpPr>
+          <p:cNvPr id="10" name="Rectangle 9">
+            <a:extLst>
+              <a:ext uri="{FF2B5EF4-FFF2-40B4-BE49-F238E27FC236}">
+                <a16:creationId xmlns:a16="http://schemas.microsoft.com/office/drawing/2014/main" id="{5B8D7907-8AB9-4E98-A576-1A13AECEDF3A}"/>
+              </a:ext>
+              <a:ext uri="{C183D7F6-B498-43B3-948B-1728B52AA6E4}">
+                <adec:decorative xmlns:adec="http://schemas.microsoft.com/office/drawing/2017/decorative" val="1"/>
+              </a:ext>
+            </a:extLst>
+          </p:cNvPr>
+          <p:cNvSpPr>
+            <a:spLocks noGrp="1" noRot="1" noChangeAspect="1" noMove="1" noResize="1" noEditPoints="1" noAdjustHandles="1" noChangeArrowheads="1" noChangeShapeType="1" noTextEdit="1"/>
+          </p:cNvSpPr>
+          <p:nvPr>
+            <p:extLst>
+              <p:ext uri="{386F3935-93C4-4BCD-93E2-E3B085C9AB24}">
+                <p16:designElem xmlns:p16="http://schemas.microsoft.com/office/powerpoint/2015/main" val="1"/>
+              </p:ext>
+            </p:extLst>
+          </p:nvPr>
+        </p:nvSpPr>
+        <p:spPr>
+          <a:xfrm>
+            <a:off x="517869" y="508090"/>
+            <a:ext cx="8732520" cy="149279"/>
+          </a:xfrm>
+          <a:prstGeom prst="rect">
+            <a:avLst/>
+          </a:prstGeom>
+          <a:solidFill>
+            <a:schemeClr val="tx1"/>
+          </a:solidFill>
+          <a:ln>
+            <a:noFill/>
+          </a:ln>
+        </p:spPr>
+        <p:style>
+          <a:lnRef idx="2">
+            <a:schemeClr val="accent1">
+              <a:shade val="50000"/>
+            </a:schemeClr>
+          </a:lnRef>
+          <a:fillRef idx="1">
+            <a:schemeClr val="accent1"/>
+          </a:fillRef>
+          <a:effectRef idx="0">
+            <a:schemeClr val="accent1"/>
+          </a:effectRef>
+          <a:fontRef idx="minor">
+            <a:schemeClr val="lt1"/>
+          </a:fontRef>
+        </p:style>
+        <p:txBody>
+          <a:bodyPr rtlCol="0" anchor="ctr"/>
+          <a:lstStyle/>
+          <a:p>
+            <a:pPr algn="ctr"/>
+            <a:endParaRPr lang="en-US"/>
+          </a:p>
+        </p:txBody>
+      </p:sp>
+      <p:sp>
+        <p:nvSpPr>
+          <p:cNvPr id="3" name="Content Placeholder 2">
+            <a:extLst>
+              <a:ext uri="{FF2B5EF4-FFF2-40B4-BE49-F238E27FC236}">
+                <a16:creationId xmlns:a16="http://schemas.microsoft.com/office/drawing/2014/main" id="{CF6AF3CE-9383-CE1A-B92E-C7C0DC00B4DD}"/>
+              </a:ext>
+            </a:extLst>
+          </p:cNvPr>
+          <p:cNvSpPr>
+            <a:spLocks noGrp="1"/>
+          </p:cNvSpPr>
+          <p:nvPr>
+            <p:ph idx="1"/>
+          </p:nvPr>
+        </p:nvSpPr>
+        <p:spPr>
+          <a:xfrm>
+            <a:off x="517869" y="2323070"/>
+            <a:ext cx="8686799" cy="3865794"/>
+          </a:xfrm>
+        </p:spPr>
+        <p:txBody>
+          <a:bodyPr>
+            <a:normAutofit/>
+          </a:bodyPr>
+          <a:lstStyle/>
+          <a:p>
+            <a:endParaRPr lang="en-US" dirty="0"/>
+          </a:p>
+        </p:txBody>
+      </p:sp>
+    </p:spTree>
+    <p:extLst>
+      <p:ext uri="{BB962C8B-B14F-4D97-AF65-F5344CB8AC3E}">
+        <p14:creationId xmlns:p14="http://schemas.microsoft.com/office/powerpoint/2010/main" val="1958232151"/>
+      </p:ext>
+    </p:extLst>
+  </p:cSld>
+  <p:clrMapOvr>
+    <a:masterClrMapping/>
+  </p:clrMapOvr>
+</p:sld>
+</file>
+
 <file path=ppt/theme/theme1.xml><?xml version="1.0" encoding="utf-8"?>
 <a:theme xmlns:a="http://schemas.openxmlformats.org/drawingml/2006/main" name="GestaltVTI">
   <a:themeElements>

--- a/source/MySEProject/Documentation/ML-22-23-15 Approve Prediction of Multisequence Learning .pptx
+++ b/source/MySEProject/Documentation/ML-22-23-15 Approve Prediction of Multisequence Learning .pptx
@@ -276,7 +276,7 @@
           <a:p>
             <a:fld id="{5E7AA473-D82F-4EFF-9DF7-AE6D83C51288}" type="datetime1">
               <a:rPr lang="en-US" smtClean="0"/>
-              <a:t>3/4/23</a:t>
+              <a:t>3/4/2023</a:t>
             </a:fld>
             <a:endParaRPr lang="en-US"/>
           </a:p>
@@ -344,7 +344,7 @@
                 <a16:creationId xmlns:a16="http://schemas.microsoft.com/office/drawing/2014/main" id="{F3FF94B3-6D3E-44FE-BB02-A9027C0003C7}"/>
               </a:ext>
               <a:ext uri="{C183D7F6-B498-43B3-948B-1728B52AA6E4}">
-                <adec:decorative xmlns:adec="http://schemas.microsoft.com/office/drawing/2017/decorative" val="1"/>
+                <adec:decorative xmlns:adec="http://schemas.microsoft.com/office/drawing/2017/decorative" xmlns="" val="1"/>
               </a:ext>
             </a:extLst>
           </p:cNvPr>
@@ -530,7 +530,7 @@
           <a:p>
             <a:fld id="{1E12F1F0-FE2D-4C1C-B320-8CB9BE735F0F}" type="datetime1">
               <a:rPr lang="en-US" smtClean="0"/>
-              <a:t>3/4/23</a:t>
+              <a:t>3/4/2023</a:t>
             </a:fld>
             <a:endParaRPr lang="en-US"/>
           </a:p>
@@ -628,7 +628,7 @@
                 <a16:creationId xmlns:a16="http://schemas.microsoft.com/office/drawing/2014/main" id="{BD7BD47B-C187-494C-812F-46BE0040B915}"/>
               </a:ext>
               <a:ext uri="{C183D7F6-B498-43B3-948B-1728B52AA6E4}">
-                <adec:decorative xmlns:adec="http://schemas.microsoft.com/office/drawing/2017/decorative" val="1"/>
+                <adec:decorative xmlns:adec="http://schemas.microsoft.com/office/drawing/2017/decorative" xmlns="" val="1"/>
               </a:ext>
             </a:extLst>
           </p:cNvPr>
@@ -798,7 +798,7 @@
           <a:p>
             <a:fld id="{2CF1B96C-10FD-4EBC-9029-9652B7535D02}" type="datetime1">
               <a:rPr lang="en-US" smtClean="0"/>
-              <a:t>3/4/23</a:t>
+              <a:t>3/4/2023</a:t>
             </a:fld>
             <a:endParaRPr lang="en-US"/>
           </a:p>
@@ -866,7 +866,7 @@
                 <a16:creationId xmlns:a16="http://schemas.microsoft.com/office/drawing/2014/main" id="{4618136A-0796-46EB-89BB-4C73C0258FE9}"/>
               </a:ext>
               <a:ext uri="{C183D7F6-B498-43B3-948B-1728B52AA6E4}">
-                <adec:decorative xmlns:adec="http://schemas.microsoft.com/office/drawing/2017/decorative" val="1"/>
+                <adec:decorative xmlns:adec="http://schemas.microsoft.com/office/drawing/2017/decorative" xmlns="" val="1"/>
               </a:ext>
             </a:extLst>
           </p:cNvPr>
@@ -1052,7 +1052,7 @@
           <a:p>
             <a:fld id="{14878474-CC00-4A95-9D50-A41C12D1EEC4}" type="datetime1">
               <a:rPr lang="en-US" smtClean="0"/>
-              <a:t>3/4/23</a:t>
+              <a:t>3/4/2023</a:t>
             </a:fld>
             <a:endParaRPr lang="en-US"/>
           </a:p>
@@ -1330,7 +1330,7 @@
           <a:p>
             <a:fld id="{7F38C8B4-7FBB-408F-BDB9-F0496874AFB2}" type="datetime1">
               <a:rPr lang="en-US" smtClean="0"/>
-              <a:t>3/4/23</a:t>
+              <a:t>3/4/2023</a:t>
             </a:fld>
             <a:endParaRPr lang="en-US"/>
           </a:p>
@@ -1602,7 +1602,7 @@
           <a:p>
             <a:fld id="{2BB8EE20-A5E2-47D3-8F6D-A2BA7AB2E093}" type="datetime1">
               <a:rPr lang="en-US" smtClean="0"/>
-              <a:t>3/4/23</a:t>
+              <a:t>3/4/2023</a:t>
             </a:fld>
             <a:endParaRPr lang="en-US"/>
           </a:p>
@@ -1700,7 +1700,7 @@
                 <a16:creationId xmlns:a16="http://schemas.microsoft.com/office/drawing/2014/main" id="{BF4AA536-072F-4374-926E-17E038EC7E98}"/>
               </a:ext>
               <a:ext uri="{C183D7F6-B498-43B3-948B-1728B52AA6E4}">
-                <adec:decorative xmlns:adec="http://schemas.microsoft.com/office/drawing/2017/decorative" val="1"/>
+                <adec:decorative xmlns:adec="http://schemas.microsoft.com/office/drawing/2017/decorative" xmlns="" val="1"/>
               </a:ext>
             </a:extLst>
           </p:cNvPr>
@@ -2160,7 +2160,7 @@
           <a:p>
             <a:fld id="{3382CF99-132F-413F-B7EF-71A5C33F2ED6}" type="datetime1">
               <a:rPr lang="en-US" smtClean="0"/>
-              <a:t>3/4/23</a:t>
+              <a:t>3/4/2023</a:t>
             </a:fld>
             <a:endParaRPr lang="en-US"/>
           </a:p>
@@ -2302,7 +2302,7 @@
           <a:p>
             <a:fld id="{1F17AE06-98E0-4D9F-A059-92C3548821BB}" type="datetime1">
               <a:rPr lang="en-US" smtClean="0"/>
-              <a:t>3/4/23</a:t>
+              <a:t>3/4/2023</a:t>
             </a:fld>
             <a:endParaRPr lang="en-US"/>
           </a:p>
@@ -2415,7 +2415,7 @@
           <a:p>
             <a:fld id="{FFBA00CA-3DDC-4705-B840-978EF5EA0707}" type="datetime1">
               <a:rPr lang="en-US" smtClean="0"/>
-              <a:t>3/4/23</a:t>
+              <a:t>3/4/2023</a:t>
             </a:fld>
             <a:endParaRPr lang="en-US"/>
           </a:p>
@@ -2734,7 +2734,7 @@
           <a:p>
             <a:fld id="{FC366D49-0BBA-4C5A-AD96-6448CA63451A}" type="datetime1">
               <a:rPr lang="en-US" smtClean="0"/>
-              <a:t>3/4/23</a:t>
+              <a:t>3/4/2023</a:t>
             </a:fld>
             <a:endParaRPr lang="en-US"/>
           </a:p>
@@ -3031,7 +3031,7 @@
           <a:p>
             <a:fld id="{4F4EB293-A316-472D-A8B4-6947CF1A12B7}" type="datetime1">
               <a:rPr lang="en-US" smtClean="0"/>
-              <a:t>3/4/23</a:t>
+              <a:t>3/4/2023</a:t>
             </a:fld>
             <a:endParaRPr lang="en-US"/>
           </a:p>
@@ -3310,7 +3310,7 @@
           <a:p>
             <a:fld id="{734BCCD4-CEB1-405B-A443-DD9CBCBEA552}" type="datetime1">
               <a:rPr lang="en-US" smtClean="0"/>
-              <a:t>3/4/23</a:t>
+              <a:t>3/4/2023</a:t>
             </a:fld>
             <a:endParaRPr lang="en-US"/>
           </a:p>
@@ -3793,7 +3793,7 @@
                 <a16:creationId xmlns:a16="http://schemas.microsoft.com/office/drawing/2014/main" id="{956C5C09-0043-4549-B800-2101B70D667D}"/>
               </a:ext>
               <a:ext uri="{C183D7F6-B498-43B3-948B-1728B52AA6E4}">
-                <adec:decorative xmlns:adec="http://schemas.microsoft.com/office/drawing/2017/decorative" val="1"/>
+                <adec:decorative xmlns:adec="http://schemas.microsoft.com/office/drawing/2017/decorative" xmlns="" val="1"/>
               </a:ext>
             </a:extLst>
           </p:cNvPr>
@@ -3853,7 +3853,7 @@
                 <a16:creationId xmlns:a16="http://schemas.microsoft.com/office/drawing/2014/main" id="{B7E2F724-2FB3-4D1D-A730-739B8654C030}"/>
               </a:ext>
               <a:ext uri="{C183D7F6-B498-43B3-948B-1728B52AA6E4}">
-                <adec:decorative xmlns:adec="http://schemas.microsoft.com/office/drawing/2017/decorative" val="1"/>
+                <adec:decorative xmlns:adec="http://schemas.microsoft.com/office/drawing/2017/decorative" xmlns="" val="1"/>
               </a:ext>
             </a:extLst>
           </p:cNvPr>
@@ -3996,6 +3996,18 @@
               </a:rPr>
               <a:t>Approve Prediction of Multisequence Learning </a:t>
             </a:r>
+            <a:r>
+              <a:rPr lang="en-IN" sz="3800" dirty="0">
+                <a:solidFill>
+                  <a:srgbClr val="FFFFFF"/>
+                </a:solidFill>
+                <a:effectLst/>
+                <a:latin typeface="Segoe UI" panose="020B0502040204020203" pitchFamily="34" charset="0"/>
+                <a:ea typeface="Yu Gothic Light" panose="020B0300000000000000" pitchFamily="34" charset="-128"/>
+                <a:cs typeface="Times New Roman" panose="02020603050405020304" pitchFamily="18" charset="0"/>
+              </a:rPr>
+              <a:t/>
+            </a:r>
             <a:br>
               <a:rPr lang="en-IN" sz="3800" dirty="0">
                 <a:solidFill>
@@ -4132,7 +4144,7 @@
                 <a16:creationId xmlns:a16="http://schemas.microsoft.com/office/drawing/2014/main" id="{B2C335F7-F61C-4EB4-80F2-4B1438FE66BB}"/>
               </a:ext>
               <a:ext uri="{C183D7F6-B498-43B3-948B-1728B52AA6E4}">
-                <adec:decorative xmlns:adec="http://schemas.microsoft.com/office/drawing/2017/decorative" val="1"/>
+                <adec:decorative xmlns:adec="http://schemas.microsoft.com/office/drawing/2017/decorative" xmlns="" val="1"/>
               </a:ext>
             </a:extLst>
           </p:cNvPr>
@@ -4263,7 +4275,7 @@
                 <a16:creationId xmlns:a16="http://schemas.microsoft.com/office/drawing/2014/main" id="{FAA3B297-9683-4E38-89FA-062C53E13F85}"/>
               </a:ext>
               <a:ext uri="{C183D7F6-B498-43B3-948B-1728B52AA6E4}">
-                <adec:decorative xmlns:adec="http://schemas.microsoft.com/office/drawing/2017/decorative" val="1"/>
+                <adec:decorative xmlns:adec="http://schemas.microsoft.com/office/drawing/2017/decorative" xmlns="" val="1"/>
               </a:ext>
             </a:extLst>
           </p:cNvPr>
@@ -4361,7 +4373,7 @@
                 <a16:creationId xmlns:a16="http://schemas.microsoft.com/office/drawing/2014/main" id="{5B8D7907-8AB9-4E98-A576-1A13AECEDF3A}"/>
               </a:ext>
               <a:ext uri="{C183D7F6-B498-43B3-948B-1728B52AA6E4}">
-                <adec:decorative xmlns:adec="http://schemas.microsoft.com/office/drawing/2017/decorative" val="1"/>
+                <adec:decorative xmlns:adec="http://schemas.microsoft.com/office/drawing/2017/decorative" xmlns="" val="1"/>
               </a:ext>
             </a:extLst>
           </p:cNvPr>
@@ -4536,7 +4548,7 @@
                 <a16:creationId xmlns:a16="http://schemas.microsoft.com/office/drawing/2014/main" id="{FAA3B297-9683-4E38-89FA-062C53E13F85}"/>
               </a:ext>
               <a:ext uri="{C183D7F6-B498-43B3-948B-1728B52AA6E4}">
-                <adec:decorative xmlns:adec="http://schemas.microsoft.com/office/drawing/2017/decorative" val="1"/>
+                <adec:decorative xmlns:adec="http://schemas.microsoft.com/office/drawing/2017/decorative" xmlns="" val="1"/>
               </a:ext>
             </a:extLst>
           </p:cNvPr>
@@ -4631,7 +4643,7 @@
                 <a16:creationId xmlns:a16="http://schemas.microsoft.com/office/drawing/2014/main" id="{5B8D7907-8AB9-4E98-A576-1A13AECEDF3A}"/>
               </a:ext>
               <a:ext uri="{C183D7F6-B498-43B3-948B-1728B52AA6E4}">
-                <adec:decorative xmlns:adec="http://schemas.microsoft.com/office/drawing/2017/decorative" val="1"/>
+                <adec:decorative xmlns:adec="http://schemas.microsoft.com/office/drawing/2017/decorative" xmlns="" val="1"/>
               </a:ext>
             </a:extLst>
           </p:cNvPr>
@@ -4836,7 +4848,7 @@
                 <a16:creationId xmlns:a16="http://schemas.microsoft.com/office/drawing/2014/main" id="{FAA3B297-9683-4E38-89FA-062C53E13F85}"/>
               </a:ext>
               <a:ext uri="{C183D7F6-B498-43B3-948B-1728B52AA6E4}">
-                <adec:decorative xmlns:adec="http://schemas.microsoft.com/office/drawing/2017/decorative" val="1"/>
+                <adec:decorative xmlns:adec="http://schemas.microsoft.com/office/drawing/2017/decorative" xmlns="" val="1"/>
               </a:ext>
             </a:extLst>
           </p:cNvPr>
@@ -4931,7 +4943,7 @@
                 <a16:creationId xmlns:a16="http://schemas.microsoft.com/office/drawing/2014/main" id="{5B8D7907-8AB9-4E98-A576-1A13AECEDF3A}"/>
               </a:ext>
               <a:ext uri="{C183D7F6-B498-43B3-948B-1728B52AA6E4}">
-                <adec:decorative xmlns:adec="http://schemas.microsoft.com/office/drawing/2017/decorative" val="1"/>
+                <adec:decorative xmlns:adec="http://schemas.microsoft.com/office/drawing/2017/decorative" xmlns="" val="1"/>
               </a:ext>
             </a:extLst>
           </p:cNvPr>
@@ -5014,7 +5026,123 @@
           </a:bodyPr>
           <a:lstStyle/>
           <a:p>
-            <a:endParaRPr lang="en-US"/>
+            <a:pPr marL="342900" indent="-342900">
+              <a:buFont typeface="Arial" panose="020B0604020202020204" pitchFamily="34" charset="0"/>
+              <a:buChar char="•"/>
+            </a:pPr>
+            <a:r>
+              <a:rPr lang="en-US" dirty="0">
+                <a:latin typeface="Arial" panose="020B0604020202020204" pitchFamily="34" charset="0"/>
+                <a:cs typeface="Arial" panose="020B0604020202020204" pitchFamily="34" charset="0"/>
+              </a:rPr>
+              <a:t>Medical scientists and machine learning engineers were collaborating to better understand the cortex for temporal pattern recognition</a:t>
+            </a:r>
+            <a:r>
+              <a:rPr lang="en-US" dirty="0" smtClean="0">
+                <a:latin typeface="Arial" panose="020B0604020202020204" pitchFamily="34" charset="0"/>
+                <a:cs typeface="Arial" panose="020B0604020202020204" pitchFamily="34" charset="0"/>
+              </a:rPr>
+              <a:t>.</a:t>
+            </a:r>
+          </a:p>
+          <a:p>
+            <a:pPr marL="342900" indent="-342900">
+              <a:buFont typeface="Arial" panose="020B0604020202020204" pitchFamily="34" charset="0"/>
+              <a:buChar char="•"/>
+            </a:pPr>
+            <a:r>
+              <a:rPr lang="en-US" dirty="0" smtClean="0">
+                <a:latin typeface="Arial" panose="020B0604020202020204" pitchFamily="34" charset="0"/>
+                <a:cs typeface="Arial" panose="020B0604020202020204" pitchFamily="34" charset="0"/>
+              </a:rPr>
+              <a:t>For </a:t>
+            </a:r>
+            <a:r>
+              <a:rPr lang="en-US" dirty="0">
+                <a:latin typeface="Arial" panose="020B0604020202020204" pitchFamily="34" charset="0"/>
+                <a:cs typeface="Arial" panose="020B0604020202020204" pitchFamily="34" charset="0"/>
+              </a:rPr>
+              <a:t>sequence learning, HTM (Hierarchical Temporal Memory) has been proposed</a:t>
+            </a:r>
+            <a:r>
+              <a:rPr lang="en-US" dirty="0" smtClean="0">
+                <a:latin typeface="Arial" panose="020B0604020202020204" pitchFamily="34" charset="0"/>
+                <a:cs typeface="Arial" panose="020B0604020202020204" pitchFamily="34" charset="0"/>
+              </a:rPr>
+              <a:t>.</a:t>
+            </a:r>
+          </a:p>
+          <a:p>
+            <a:pPr marL="342900" indent="-342900">
+              <a:buFont typeface="Arial" panose="020B0604020202020204" pitchFamily="34" charset="0"/>
+              <a:buChar char="•"/>
+            </a:pPr>
+            <a:r>
+              <a:rPr lang="en-US" dirty="0" smtClean="0">
+                <a:latin typeface="Arial" panose="020B0604020202020204" pitchFamily="34" charset="0"/>
+                <a:cs typeface="Arial" panose="020B0604020202020204" pitchFamily="34" charset="0"/>
+              </a:rPr>
+              <a:t>HTM </a:t>
+            </a:r>
+            <a:r>
+              <a:rPr lang="en-US" dirty="0">
+                <a:latin typeface="Arial" panose="020B0604020202020204" pitchFamily="34" charset="0"/>
+                <a:cs typeface="Arial" panose="020B0604020202020204" pitchFamily="34" charset="0"/>
+              </a:rPr>
+              <a:t>is a </a:t>
+            </a:r>
+            <a:r>
+              <a:rPr lang="en-US" dirty="0" err="1">
+                <a:latin typeface="Arial" panose="020B0604020202020204" pitchFamily="34" charset="0"/>
+                <a:cs typeface="Arial" panose="020B0604020202020204" pitchFamily="34" charset="0"/>
+              </a:rPr>
+              <a:t>biomimetics</a:t>
+            </a:r>
+            <a:r>
+              <a:rPr lang="en-US" dirty="0">
+                <a:latin typeface="Arial" panose="020B0604020202020204" pitchFamily="34" charset="0"/>
+                <a:cs typeface="Arial" panose="020B0604020202020204" pitchFamily="34" charset="0"/>
+              </a:rPr>
+              <a:t> model based on the memory prediction principle</a:t>
+            </a:r>
+            <a:r>
+              <a:rPr lang="en-US" dirty="0" smtClean="0">
+                <a:latin typeface="Arial" panose="020B0604020202020204" pitchFamily="34" charset="0"/>
+                <a:cs typeface="Arial" panose="020B0604020202020204" pitchFamily="34" charset="0"/>
+              </a:rPr>
+              <a:t>.</a:t>
+            </a:r>
+          </a:p>
+          <a:p>
+            <a:pPr marL="342900" indent="-342900">
+              <a:buFont typeface="Arial" panose="020B0604020202020204" pitchFamily="34" charset="0"/>
+              <a:buChar char="•"/>
+            </a:pPr>
+            <a:r>
+              <a:rPr lang="en-US" dirty="0" err="1" smtClean="0">
+                <a:latin typeface="Arial" panose="020B0604020202020204" pitchFamily="34" charset="0"/>
+                <a:cs typeface="Arial" panose="020B0604020202020204" pitchFamily="34" charset="0"/>
+              </a:rPr>
+              <a:t>Multisequence</a:t>
+            </a:r>
+            <a:r>
+              <a:rPr lang="en-US" dirty="0" smtClean="0">
+                <a:latin typeface="Arial" panose="020B0604020202020204" pitchFamily="34" charset="0"/>
+                <a:cs typeface="Arial" panose="020B0604020202020204" pitchFamily="34" charset="0"/>
+              </a:rPr>
+              <a:t> </a:t>
+            </a:r>
+            <a:r>
+              <a:rPr lang="en-US" dirty="0">
+                <a:latin typeface="Arial" panose="020B0604020202020204" pitchFamily="34" charset="0"/>
+                <a:cs typeface="Arial" panose="020B0604020202020204" pitchFamily="34" charset="0"/>
+              </a:rPr>
+              <a:t>Learning is the process of memorizing multiple sequences.</a:t>
+            </a:r>
+            <a:endParaRPr lang="en-US" dirty="0">
+              <a:latin typeface="Arial" panose="020B0604020202020204" pitchFamily="34" charset="0"/>
+              <a:cs typeface="Arial" panose="020B0604020202020204" pitchFamily="34" charset="0"/>
+            </a:endParaRPr>
           </a:p>
         </p:txBody>
       </p:sp>
@@ -5064,7 +5192,7 @@
                 <a16:creationId xmlns:a16="http://schemas.microsoft.com/office/drawing/2014/main" id="{FAA3B297-9683-4E38-89FA-062C53E13F85}"/>
               </a:ext>
               <a:ext uri="{C183D7F6-B498-43B3-948B-1728B52AA6E4}">
-                <adec:decorative xmlns:adec="http://schemas.microsoft.com/office/drawing/2017/decorative" val="1"/>
+                <adec:decorative xmlns:adec="http://schemas.microsoft.com/office/drawing/2017/decorative" xmlns="" val="1"/>
               </a:ext>
             </a:extLst>
           </p:cNvPr>
@@ -5159,7 +5287,7 @@
                 <a16:creationId xmlns:a16="http://schemas.microsoft.com/office/drawing/2014/main" id="{5B8D7907-8AB9-4E98-A576-1A13AECEDF3A}"/>
               </a:ext>
               <a:ext uri="{C183D7F6-B498-43B3-948B-1728B52AA6E4}">
-                <adec:decorative xmlns:adec="http://schemas.microsoft.com/office/drawing/2017/decorative" val="1"/>
+                <adec:decorative xmlns:adec="http://schemas.microsoft.com/office/drawing/2017/decorative" xmlns="" val="1"/>
               </a:ext>
             </a:extLst>
           </p:cNvPr>
@@ -5292,7 +5420,7 @@
                 <a16:creationId xmlns:a16="http://schemas.microsoft.com/office/drawing/2014/main" id="{FAA3B297-9683-4E38-89FA-062C53E13F85}"/>
               </a:ext>
               <a:ext uri="{C183D7F6-B498-43B3-948B-1728B52AA6E4}">
-                <adec:decorative xmlns:adec="http://schemas.microsoft.com/office/drawing/2017/decorative" val="1"/>
+                <adec:decorative xmlns:adec="http://schemas.microsoft.com/office/drawing/2017/decorative" xmlns="" val="1"/>
               </a:ext>
             </a:extLst>
           </p:cNvPr>
@@ -5394,7 +5522,7 @@
                 <a16:creationId xmlns:a16="http://schemas.microsoft.com/office/drawing/2014/main" id="{5B8D7907-8AB9-4E98-A576-1A13AECEDF3A}"/>
               </a:ext>
               <a:ext uri="{C183D7F6-B498-43B3-948B-1728B52AA6E4}">
-                <adec:decorative xmlns:adec="http://schemas.microsoft.com/office/drawing/2017/decorative" val="1"/>
+                <adec:decorative xmlns:adec="http://schemas.microsoft.com/office/drawing/2017/decorative" xmlns="" val="1"/>
               </a:ext>
             </a:extLst>
           </p:cNvPr>
@@ -5527,7 +5655,7 @@
                 <a16:creationId xmlns:a16="http://schemas.microsoft.com/office/drawing/2014/main" id="{FAA3B297-9683-4E38-89FA-062C53E13F85}"/>
               </a:ext>
               <a:ext uri="{C183D7F6-B498-43B3-948B-1728B52AA6E4}">
-                <adec:decorative xmlns:adec="http://schemas.microsoft.com/office/drawing/2017/decorative" val="1"/>
+                <adec:decorative xmlns:adec="http://schemas.microsoft.com/office/drawing/2017/decorative" xmlns="" val="1"/>
               </a:ext>
             </a:extLst>
           </p:cNvPr>
@@ -5625,7 +5753,7 @@
                 <a16:creationId xmlns:a16="http://schemas.microsoft.com/office/drawing/2014/main" id="{5B8D7907-8AB9-4E98-A576-1A13AECEDF3A}"/>
               </a:ext>
               <a:ext uri="{C183D7F6-B498-43B3-948B-1728B52AA6E4}">
-                <adec:decorative xmlns:adec="http://schemas.microsoft.com/office/drawing/2017/decorative" val="1"/>
+                <adec:decorative xmlns:adec="http://schemas.microsoft.com/office/drawing/2017/decorative" xmlns="" val="1"/>
               </a:ext>
             </a:extLst>
           </p:cNvPr>
@@ -5758,7 +5886,7 @@
                 <a16:creationId xmlns:a16="http://schemas.microsoft.com/office/drawing/2014/main" id="{FAA3B297-9683-4E38-89FA-062C53E13F85}"/>
               </a:ext>
               <a:ext uri="{C183D7F6-B498-43B3-948B-1728B52AA6E4}">
-                <adec:decorative xmlns:adec="http://schemas.microsoft.com/office/drawing/2017/decorative" val="1"/>
+                <adec:decorative xmlns:adec="http://schemas.microsoft.com/office/drawing/2017/decorative" xmlns="" val="1"/>
               </a:ext>
             </a:extLst>
           </p:cNvPr>
@@ -5853,7 +5981,7 @@
                 <a16:creationId xmlns:a16="http://schemas.microsoft.com/office/drawing/2014/main" id="{5B8D7907-8AB9-4E98-A576-1A13AECEDF3A}"/>
               </a:ext>
               <a:ext uri="{C183D7F6-B498-43B3-948B-1728B52AA6E4}">
-                <adec:decorative xmlns:adec="http://schemas.microsoft.com/office/drawing/2017/decorative" val="1"/>
+                <adec:decorative xmlns:adec="http://schemas.microsoft.com/office/drawing/2017/decorative" xmlns="" val="1"/>
               </a:ext>
             </a:extLst>
           </p:cNvPr>
@@ -5986,7 +6114,7 @@
                 <a16:creationId xmlns:a16="http://schemas.microsoft.com/office/drawing/2014/main" id="{FAA3B297-9683-4E38-89FA-062C53E13F85}"/>
               </a:ext>
               <a:ext uri="{C183D7F6-B498-43B3-948B-1728B52AA6E4}">
-                <adec:decorative xmlns:adec="http://schemas.microsoft.com/office/drawing/2017/decorative" val="1"/>
+                <adec:decorative xmlns:adec="http://schemas.microsoft.com/office/drawing/2017/decorative" xmlns="" val="1"/>
               </a:ext>
             </a:extLst>
           </p:cNvPr>
@@ -6081,7 +6209,7 @@
                 <a16:creationId xmlns:a16="http://schemas.microsoft.com/office/drawing/2014/main" id="{5B8D7907-8AB9-4E98-A576-1A13AECEDF3A}"/>
               </a:ext>
               <a:ext uri="{C183D7F6-B498-43B3-948B-1728B52AA6E4}">
-                <adec:decorative xmlns:adec="http://schemas.microsoft.com/office/drawing/2017/decorative" val="1"/>
+                <adec:decorative xmlns:adec="http://schemas.microsoft.com/office/drawing/2017/decorative" xmlns="" val="1"/>
               </a:ext>
             </a:extLst>
           </p:cNvPr>

--- a/source/MySEProject/Documentation/ML-22-23-15 Approve Prediction of Multisequence Learning .pptx
+++ b/source/MySEProject/Documentation/ML-22-23-15 Approve Prediction of Multisequence Learning .pptx
@@ -5605,7 +5605,98 @@
           </a:bodyPr>
           <a:lstStyle/>
           <a:p>
-            <a:endParaRPr lang="en-US" dirty="0"/>
+            <a:r>
+              <a:rPr lang="en-US" b="1" dirty="0">
+                <a:latin typeface="Arial" panose="020B0604020202020204" pitchFamily="34" charset="0"/>
+                <a:cs typeface="Arial" panose="020B0604020202020204" pitchFamily="34" charset="0"/>
+              </a:rPr>
+              <a:t>For Numbers </a:t>
+            </a:r>
+            <a:r>
+              <a:rPr lang="en-US" b="1" dirty="0" smtClean="0">
+                <a:latin typeface="Arial" panose="020B0604020202020204" pitchFamily="34" charset="0"/>
+                <a:cs typeface="Arial" panose="020B0604020202020204" pitchFamily="34" charset="0"/>
+              </a:rPr>
+              <a:t>:</a:t>
+            </a:r>
+          </a:p>
+          <a:p>
+            <a:pPr marL="342900" indent="-342900">
+              <a:buFont typeface="Arial" panose="020B0604020202020204" pitchFamily="34" charset="0"/>
+              <a:buChar char="•"/>
+            </a:pPr>
+            <a:r>
+              <a:rPr lang="en-US" dirty="0" smtClean="0">
+                <a:latin typeface="Arial" panose="020B0604020202020204" pitchFamily="34" charset="0"/>
+                <a:cs typeface="Arial" panose="020B0604020202020204" pitchFamily="34" charset="0"/>
+              </a:rPr>
+              <a:t>Obtain </a:t>
+            </a:r>
+            <a:r>
+              <a:rPr lang="en-US" dirty="0">
+                <a:latin typeface="Arial" panose="020B0604020202020204" pitchFamily="34" charset="0"/>
+                <a:cs typeface="Arial" panose="020B0604020202020204" pitchFamily="34" charset="0"/>
+              </a:rPr>
+              <a:t>datasets and train with Spatial Pooler using a scalar encoder</a:t>
+            </a:r>
+            <a:r>
+              <a:rPr lang="en-US" dirty="0" smtClean="0">
+                <a:latin typeface="Arial" panose="020B0604020202020204" pitchFamily="34" charset="0"/>
+                <a:cs typeface="Arial" panose="020B0604020202020204" pitchFamily="34" charset="0"/>
+              </a:rPr>
+              <a:t>.</a:t>
+            </a:r>
+          </a:p>
+          <a:p>
+            <a:pPr marL="342900" indent="-342900">
+              <a:buFont typeface="Arial" panose="020B0604020202020204" pitchFamily="34" charset="0"/>
+              <a:buChar char="•"/>
+            </a:pPr>
+            <a:r>
+              <a:rPr lang="en-US" dirty="0" smtClean="0">
+                <a:latin typeface="Arial" panose="020B0604020202020204" pitchFamily="34" charset="0"/>
+                <a:cs typeface="Arial" panose="020B0604020202020204" pitchFamily="34" charset="0"/>
+              </a:rPr>
+              <a:t>Spatial </a:t>
+            </a:r>
+            <a:r>
+              <a:rPr lang="en-US" dirty="0">
+                <a:latin typeface="Arial" panose="020B0604020202020204" pitchFamily="34" charset="0"/>
+                <a:cs typeface="Arial" panose="020B0604020202020204" pitchFamily="34" charset="0"/>
+              </a:rPr>
+              <a:t>Pooler iteratively trains each sequence until it reaches a stable state</a:t>
+            </a:r>
+            <a:r>
+              <a:rPr lang="en-US" dirty="0" smtClean="0">
+                <a:latin typeface="Arial" panose="020B0604020202020204" pitchFamily="34" charset="0"/>
+                <a:cs typeface="Arial" panose="020B0604020202020204" pitchFamily="34" charset="0"/>
+              </a:rPr>
+              <a:t>.</a:t>
+            </a:r>
+          </a:p>
+          <a:p>
+            <a:pPr marL="342900" indent="-342900">
+              <a:buFont typeface="Arial" panose="020B0604020202020204" pitchFamily="34" charset="0"/>
+              <a:buChar char="•"/>
+            </a:pPr>
+            <a:r>
+              <a:rPr lang="en-US" dirty="0" smtClean="0">
+                <a:latin typeface="Arial" panose="020B0604020202020204" pitchFamily="34" charset="0"/>
+                <a:cs typeface="Arial" panose="020B0604020202020204" pitchFamily="34" charset="0"/>
+              </a:rPr>
+              <a:t>HTM </a:t>
+            </a:r>
+            <a:r>
+              <a:rPr lang="en-US" dirty="0">
+                <a:latin typeface="Arial" panose="020B0604020202020204" pitchFamily="34" charset="0"/>
+                <a:cs typeface="Arial" panose="020B0604020202020204" pitchFamily="34" charset="0"/>
+              </a:rPr>
+              <a:t>is a memory-based system that stores a large number of patterns and sequences.</a:t>
+            </a:r>
+            <a:endParaRPr lang="en-US" dirty="0">
+              <a:latin typeface="Arial" panose="020B0604020202020204" pitchFamily="34" charset="0"/>
+              <a:cs typeface="Arial" panose="020B0604020202020204" pitchFamily="34" charset="0"/>
+            </a:endParaRPr>
           </a:p>
         </p:txBody>
       </p:sp>

--- a/source/MySEProject/Documentation/ML-22-23-15 Approve Prediction of Multisequence Learning .pptx
+++ b/source/MySEProject/Documentation/ML-22-23-15 Approve Prediction of Multisequence Learning .pptx
@@ -10,10 +10,11 @@
     <p:sldId id="258" r:id="rId4"/>
     <p:sldId id="259" r:id="rId5"/>
     <p:sldId id="260" r:id="rId6"/>
-    <p:sldId id="261" r:id="rId7"/>
-    <p:sldId id="262" r:id="rId8"/>
-    <p:sldId id="263" r:id="rId9"/>
-    <p:sldId id="264" r:id="rId10"/>
+    <p:sldId id="265" r:id="rId7"/>
+    <p:sldId id="261" r:id="rId8"/>
+    <p:sldId id="262" r:id="rId9"/>
+    <p:sldId id="263" r:id="rId10"/>
+    <p:sldId id="264" r:id="rId11"/>
   </p:sldIdLst>
   <p:sldSz cx="12192000" cy="6858000"/>
   <p:notesSz cx="6858000" cy="9144000"/>
@@ -276,7 +277,7 @@
           <a:p>
             <a:fld id="{5E7AA473-D82F-4EFF-9DF7-AE6D83C51288}" type="datetime1">
               <a:rPr lang="en-US" smtClean="0"/>
-              <a:t>3/4/2023</a:t>
+              <a:t>3/5/2023</a:t>
             </a:fld>
             <a:endParaRPr lang="en-US"/>
           </a:p>
@@ -344,7 +345,7 @@
                 <a16:creationId xmlns:a16="http://schemas.microsoft.com/office/drawing/2014/main" id="{F3FF94B3-6D3E-44FE-BB02-A9027C0003C7}"/>
               </a:ext>
               <a:ext uri="{C183D7F6-B498-43B3-948B-1728B52AA6E4}">
-                <adec:decorative xmlns:adec="http://schemas.microsoft.com/office/drawing/2017/decorative" xmlns="" val="1"/>
+                <adec:decorative xmlns="" xmlns:adec="http://schemas.microsoft.com/office/drawing/2017/decorative" val="1"/>
               </a:ext>
             </a:extLst>
           </p:cNvPr>
@@ -530,7 +531,7 @@
           <a:p>
             <a:fld id="{1E12F1F0-FE2D-4C1C-B320-8CB9BE735F0F}" type="datetime1">
               <a:rPr lang="en-US" smtClean="0"/>
-              <a:t>3/4/2023</a:t>
+              <a:t>3/5/2023</a:t>
             </a:fld>
             <a:endParaRPr lang="en-US"/>
           </a:p>
@@ -628,7 +629,7 @@
                 <a16:creationId xmlns:a16="http://schemas.microsoft.com/office/drawing/2014/main" id="{BD7BD47B-C187-494C-812F-46BE0040B915}"/>
               </a:ext>
               <a:ext uri="{C183D7F6-B498-43B3-948B-1728B52AA6E4}">
-                <adec:decorative xmlns:adec="http://schemas.microsoft.com/office/drawing/2017/decorative" xmlns="" val="1"/>
+                <adec:decorative xmlns="" xmlns:adec="http://schemas.microsoft.com/office/drawing/2017/decorative" val="1"/>
               </a:ext>
             </a:extLst>
           </p:cNvPr>
@@ -798,7 +799,7 @@
           <a:p>
             <a:fld id="{2CF1B96C-10FD-4EBC-9029-9652B7535D02}" type="datetime1">
               <a:rPr lang="en-US" smtClean="0"/>
-              <a:t>3/4/2023</a:t>
+              <a:t>3/5/2023</a:t>
             </a:fld>
             <a:endParaRPr lang="en-US"/>
           </a:p>
@@ -866,7 +867,7 @@
                 <a16:creationId xmlns:a16="http://schemas.microsoft.com/office/drawing/2014/main" id="{4618136A-0796-46EB-89BB-4C73C0258FE9}"/>
               </a:ext>
               <a:ext uri="{C183D7F6-B498-43B3-948B-1728B52AA6E4}">
-                <adec:decorative xmlns:adec="http://schemas.microsoft.com/office/drawing/2017/decorative" xmlns="" val="1"/>
+                <adec:decorative xmlns="" xmlns:adec="http://schemas.microsoft.com/office/drawing/2017/decorative" val="1"/>
               </a:ext>
             </a:extLst>
           </p:cNvPr>
@@ -1052,7 +1053,7 @@
           <a:p>
             <a:fld id="{14878474-CC00-4A95-9D50-A41C12D1EEC4}" type="datetime1">
               <a:rPr lang="en-US" smtClean="0"/>
-              <a:t>3/4/2023</a:t>
+              <a:t>3/5/2023</a:t>
             </a:fld>
             <a:endParaRPr lang="en-US"/>
           </a:p>
@@ -1330,7 +1331,7 @@
           <a:p>
             <a:fld id="{7F38C8B4-7FBB-408F-BDB9-F0496874AFB2}" type="datetime1">
               <a:rPr lang="en-US" smtClean="0"/>
-              <a:t>3/4/2023</a:t>
+              <a:t>3/5/2023</a:t>
             </a:fld>
             <a:endParaRPr lang="en-US"/>
           </a:p>
@@ -1602,7 +1603,7 @@
           <a:p>
             <a:fld id="{2BB8EE20-A5E2-47D3-8F6D-A2BA7AB2E093}" type="datetime1">
               <a:rPr lang="en-US" smtClean="0"/>
-              <a:t>3/4/2023</a:t>
+              <a:t>3/5/2023</a:t>
             </a:fld>
             <a:endParaRPr lang="en-US"/>
           </a:p>
@@ -1700,7 +1701,7 @@
                 <a16:creationId xmlns:a16="http://schemas.microsoft.com/office/drawing/2014/main" id="{BF4AA536-072F-4374-926E-17E038EC7E98}"/>
               </a:ext>
               <a:ext uri="{C183D7F6-B498-43B3-948B-1728B52AA6E4}">
-                <adec:decorative xmlns:adec="http://schemas.microsoft.com/office/drawing/2017/decorative" xmlns="" val="1"/>
+                <adec:decorative xmlns="" xmlns:adec="http://schemas.microsoft.com/office/drawing/2017/decorative" val="1"/>
               </a:ext>
             </a:extLst>
           </p:cNvPr>
@@ -2160,7 +2161,7 @@
           <a:p>
             <a:fld id="{3382CF99-132F-413F-B7EF-71A5C33F2ED6}" type="datetime1">
               <a:rPr lang="en-US" smtClean="0"/>
-              <a:t>3/4/2023</a:t>
+              <a:t>3/5/2023</a:t>
             </a:fld>
             <a:endParaRPr lang="en-US"/>
           </a:p>
@@ -2302,7 +2303,7 @@
           <a:p>
             <a:fld id="{1F17AE06-98E0-4D9F-A059-92C3548821BB}" type="datetime1">
               <a:rPr lang="en-US" smtClean="0"/>
-              <a:t>3/4/2023</a:t>
+              <a:t>3/5/2023</a:t>
             </a:fld>
             <a:endParaRPr lang="en-US"/>
           </a:p>
@@ -2415,7 +2416,7 @@
           <a:p>
             <a:fld id="{FFBA00CA-3DDC-4705-B840-978EF5EA0707}" type="datetime1">
               <a:rPr lang="en-US" smtClean="0"/>
-              <a:t>3/4/2023</a:t>
+              <a:t>3/5/2023</a:t>
             </a:fld>
             <a:endParaRPr lang="en-US"/>
           </a:p>
@@ -2734,7 +2735,7 @@
           <a:p>
             <a:fld id="{FC366D49-0BBA-4C5A-AD96-6448CA63451A}" type="datetime1">
               <a:rPr lang="en-US" smtClean="0"/>
-              <a:t>3/4/2023</a:t>
+              <a:t>3/5/2023</a:t>
             </a:fld>
             <a:endParaRPr lang="en-US"/>
           </a:p>
@@ -3031,7 +3032,7 @@
           <a:p>
             <a:fld id="{4F4EB293-A316-472D-A8B4-6947CF1A12B7}" type="datetime1">
               <a:rPr lang="en-US" smtClean="0"/>
-              <a:t>3/4/2023</a:t>
+              <a:t>3/5/2023</a:t>
             </a:fld>
             <a:endParaRPr lang="en-US"/>
           </a:p>
@@ -3310,7 +3311,7 @@
           <a:p>
             <a:fld id="{734BCCD4-CEB1-405B-A443-DD9CBCBEA552}" type="datetime1">
               <a:rPr lang="en-US" smtClean="0"/>
-              <a:t>3/4/2023</a:t>
+              <a:t>3/5/2023</a:t>
             </a:fld>
             <a:endParaRPr lang="en-US"/>
           </a:p>
@@ -3793,7 +3794,7 @@
                 <a16:creationId xmlns:a16="http://schemas.microsoft.com/office/drawing/2014/main" id="{956C5C09-0043-4549-B800-2101B70D667D}"/>
               </a:ext>
               <a:ext uri="{C183D7F6-B498-43B3-948B-1728B52AA6E4}">
-                <adec:decorative xmlns:adec="http://schemas.microsoft.com/office/drawing/2017/decorative" xmlns="" val="1"/>
+                <adec:decorative xmlns="" xmlns:adec="http://schemas.microsoft.com/office/drawing/2017/decorative" val="1"/>
               </a:ext>
             </a:extLst>
           </p:cNvPr>
@@ -3853,7 +3854,7 @@
                 <a16:creationId xmlns:a16="http://schemas.microsoft.com/office/drawing/2014/main" id="{B7E2F724-2FB3-4D1D-A730-739B8654C030}"/>
               </a:ext>
               <a:ext uri="{C183D7F6-B498-43B3-948B-1728B52AA6E4}">
-                <adec:decorative xmlns:adec="http://schemas.microsoft.com/office/drawing/2017/decorative" xmlns="" val="1"/>
+                <adec:decorative xmlns="" xmlns:adec="http://schemas.microsoft.com/office/drawing/2017/decorative" val="1"/>
               </a:ext>
             </a:extLst>
           </p:cNvPr>
@@ -4144,7 +4145,7 @@
                 <a16:creationId xmlns:a16="http://schemas.microsoft.com/office/drawing/2014/main" id="{B2C335F7-F61C-4EB4-80F2-4B1438FE66BB}"/>
               </a:ext>
               <a:ext uri="{C183D7F6-B498-43B3-948B-1728B52AA6E4}">
-                <adec:decorative xmlns:adec="http://schemas.microsoft.com/office/drawing/2017/decorative" xmlns="" val="1"/>
+                <adec:decorative xmlns="" xmlns:adec="http://schemas.microsoft.com/office/drawing/2017/decorative" val="1"/>
               </a:ext>
             </a:extLst>
           </p:cNvPr>
@@ -4233,6 +4234,234 @@
     <p:extLst>
       <p:ext uri="{BB962C8B-B14F-4D97-AF65-F5344CB8AC3E}">
         <p14:creationId xmlns:p14="http://schemas.microsoft.com/office/powerpoint/2010/main" val="3329643491"/>
+      </p:ext>
+    </p:extLst>
+  </p:cSld>
+  <p:clrMapOvr>
+    <a:masterClrMapping/>
+  </p:clrMapOvr>
+</p:sld>
+</file>
+
+<file path=ppt/slides/slide10.xml><?xml version="1.0" encoding="utf-8"?>
+<p:sld xmlns:a="http://schemas.openxmlformats.org/drawingml/2006/main" xmlns:r="http://schemas.openxmlformats.org/officeDocument/2006/relationships" xmlns:p="http://schemas.openxmlformats.org/presentationml/2006/main">
+  <p:cSld>
+    <p:bg>
+      <p:bgPr>
+        <a:solidFill>
+          <a:schemeClr val="bg1"/>
+        </a:solidFill>
+        <a:effectLst/>
+      </p:bgPr>
+    </p:bg>
+    <p:spTree>
+      <p:nvGrpSpPr>
+        <p:cNvPr id="1" name=""/>
+        <p:cNvGrpSpPr/>
+        <p:nvPr/>
+      </p:nvGrpSpPr>
+      <p:grpSpPr>
+        <a:xfrm>
+          <a:off x="0" y="0"/>
+          <a:ext cx="0" cy="0"/>
+          <a:chOff x="0" y="0"/>
+          <a:chExt cx="0" cy="0"/>
+        </a:xfrm>
+      </p:grpSpPr>
+      <p:sp useBgFill="1">
+        <p:nvSpPr>
+          <p:cNvPr id="8" name="Rectangle 7">
+            <a:extLst>
+              <a:ext uri="{FF2B5EF4-FFF2-40B4-BE49-F238E27FC236}">
+                <a16:creationId xmlns:a16="http://schemas.microsoft.com/office/drawing/2014/main" id="{FAA3B297-9683-4E38-89FA-062C53E13F85}"/>
+              </a:ext>
+              <a:ext uri="{C183D7F6-B498-43B3-948B-1728B52AA6E4}">
+                <adec:decorative xmlns="" xmlns:adec="http://schemas.microsoft.com/office/drawing/2017/decorative" val="1"/>
+              </a:ext>
+            </a:extLst>
+          </p:cNvPr>
+          <p:cNvSpPr>
+            <a:spLocks noGrp="1" noRot="1" noChangeAspect="1" noMove="1" noResize="1" noEditPoints="1" noAdjustHandles="1" noChangeArrowheads="1" noChangeShapeType="1" noTextEdit="1"/>
+          </p:cNvSpPr>
+          <p:nvPr>
+            <p:extLst>
+              <p:ext uri="{386F3935-93C4-4BCD-93E2-E3B085C9AB24}">
+                <p16:designElem xmlns:p16="http://schemas.microsoft.com/office/powerpoint/2015/main" val="1"/>
+              </p:ext>
+            </p:extLst>
+          </p:nvPr>
+        </p:nvSpPr>
+        <p:spPr>
+          <a:xfrm>
+            <a:off x="0" y="0"/>
+            <a:ext cx="12188952" cy="6857995"/>
+          </a:xfrm>
+          <a:prstGeom prst="rect">
+            <a:avLst/>
+          </a:prstGeom>
+          <a:ln>
+            <a:noFill/>
+          </a:ln>
+        </p:spPr>
+        <p:style>
+          <a:lnRef idx="2">
+            <a:schemeClr val="accent1">
+              <a:shade val="50000"/>
+            </a:schemeClr>
+          </a:lnRef>
+          <a:fillRef idx="1">
+            <a:schemeClr val="accent1"/>
+          </a:fillRef>
+          <a:effectRef idx="0">
+            <a:schemeClr val="accent1"/>
+          </a:effectRef>
+          <a:fontRef idx="minor">
+            <a:schemeClr val="lt1"/>
+          </a:fontRef>
+        </p:style>
+        <p:txBody>
+          <a:bodyPr rtlCol="0" anchor="ctr"/>
+          <a:lstStyle/>
+          <a:p>
+            <a:pPr algn="ctr"/>
+            <a:endParaRPr lang="en-US" dirty="0"/>
+          </a:p>
+        </p:txBody>
+      </p:sp>
+      <p:sp>
+        <p:nvSpPr>
+          <p:cNvPr id="2" name="Title 1">
+            <a:extLst>
+              <a:ext uri="{FF2B5EF4-FFF2-40B4-BE49-F238E27FC236}">
+                <a16:creationId xmlns:a16="http://schemas.microsoft.com/office/drawing/2014/main" id="{D73406E1-F2BE-59D9-A9F1-8140C3C0F06B}"/>
+              </a:ext>
+            </a:extLst>
+          </p:cNvPr>
+          <p:cNvSpPr>
+            <a:spLocks noGrp="1"/>
+          </p:cNvSpPr>
+          <p:nvPr>
+            <p:ph type="title"/>
+          </p:nvPr>
+        </p:nvSpPr>
+        <p:spPr>
+          <a:xfrm>
+            <a:off x="517869" y="976160"/>
+            <a:ext cx="8686800" cy="926781"/>
+          </a:xfrm>
+        </p:spPr>
+        <p:txBody>
+          <a:bodyPr>
+            <a:normAutofit/>
+          </a:bodyPr>
+          <a:lstStyle/>
+          <a:p>
+            <a:r>
+              <a:rPr lang="en-US" dirty="0"/>
+              <a:t>CONCLUSION</a:t>
+            </a:r>
+          </a:p>
+        </p:txBody>
+      </p:sp>
+      <p:sp>
+        <p:nvSpPr>
+          <p:cNvPr id="10" name="Rectangle 9">
+            <a:extLst>
+              <a:ext uri="{FF2B5EF4-FFF2-40B4-BE49-F238E27FC236}">
+                <a16:creationId xmlns:a16="http://schemas.microsoft.com/office/drawing/2014/main" id="{5B8D7907-8AB9-4E98-A576-1A13AECEDF3A}"/>
+              </a:ext>
+              <a:ext uri="{C183D7F6-B498-43B3-948B-1728B52AA6E4}">
+                <adec:decorative xmlns="" xmlns:adec="http://schemas.microsoft.com/office/drawing/2017/decorative" val="1"/>
+              </a:ext>
+            </a:extLst>
+          </p:cNvPr>
+          <p:cNvSpPr>
+            <a:spLocks noGrp="1" noRot="1" noChangeAspect="1" noMove="1" noResize="1" noEditPoints="1" noAdjustHandles="1" noChangeArrowheads="1" noChangeShapeType="1" noTextEdit="1"/>
+          </p:cNvSpPr>
+          <p:nvPr>
+            <p:extLst>
+              <p:ext uri="{386F3935-93C4-4BCD-93E2-E3B085C9AB24}">
+                <p16:designElem xmlns:p16="http://schemas.microsoft.com/office/powerpoint/2015/main" val="1"/>
+              </p:ext>
+            </p:extLst>
+          </p:nvPr>
+        </p:nvSpPr>
+        <p:spPr>
+          <a:xfrm>
+            <a:off x="517869" y="508090"/>
+            <a:ext cx="8732520" cy="149279"/>
+          </a:xfrm>
+          <a:prstGeom prst="rect">
+            <a:avLst/>
+          </a:prstGeom>
+          <a:solidFill>
+            <a:schemeClr val="tx1"/>
+          </a:solidFill>
+          <a:ln>
+            <a:noFill/>
+          </a:ln>
+        </p:spPr>
+        <p:style>
+          <a:lnRef idx="2">
+            <a:schemeClr val="accent1">
+              <a:shade val="50000"/>
+            </a:schemeClr>
+          </a:lnRef>
+          <a:fillRef idx="1">
+            <a:schemeClr val="accent1"/>
+          </a:fillRef>
+          <a:effectRef idx="0">
+            <a:schemeClr val="accent1"/>
+          </a:effectRef>
+          <a:fontRef idx="minor">
+            <a:schemeClr val="lt1"/>
+          </a:fontRef>
+        </p:style>
+        <p:txBody>
+          <a:bodyPr rtlCol="0" anchor="ctr"/>
+          <a:lstStyle/>
+          <a:p>
+            <a:pPr algn="ctr"/>
+            <a:endParaRPr lang="en-US"/>
+          </a:p>
+        </p:txBody>
+      </p:sp>
+      <p:sp>
+        <p:nvSpPr>
+          <p:cNvPr id="3" name="Content Placeholder 2">
+            <a:extLst>
+              <a:ext uri="{FF2B5EF4-FFF2-40B4-BE49-F238E27FC236}">
+                <a16:creationId xmlns:a16="http://schemas.microsoft.com/office/drawing/2014/main" id="{CF6AF3CE-9383-CE1A-B92E-C7C0DC00B4DD}"/>
+              </a:ext>
+            </a:extLst>
+          </p:cNvPr>
+          <p:cNvSpPr>
+            <a:spLocks noGrp="1"/>
+          </p:cNvSpPr>
+          <p:nvPr>
+            <p:ph idx="1"/>
+          </p:nvPr>
+        </p:nvSpPr>
+        <p:spPr>
+          <a:xfrm>
+            <a:off x="517869" y="2323070"/>
+            <a:ext cx="8686799" cy="3865794"/>
+          </a:xfrm>
+        </p:spPr>
+        <p:txBody>
+          <a:bodyPr>
+            <a:normAutofit/>
+          </a:bodyPr>
+          <a:lstStyle/>
+          <a:p>
+            <a:endParaRPr lang="en-US" dirty="0"/>
+          </a:p>
+        </p:txBody>
+      </p:sp>
+    </p:spTree>
+    <p:extLst>
+      <p:ext uri="{BB962C8B-B14F-4D97-AF65-F5344CB8AC3E}">
+        <p14:creationId xmlns:p14="http://schemas.microsoft.com/office/powerpoint/2010/main" val="1958232151"/>
       </p:ext>
     </p:extLst>
   </p:cSld>
@@ -4275,7 +4504,7 @@
                 <a16:creationId xmlns:a16="http://schemas.microsoft.com/office/drawing/2014/main" id="{FAA3B297-9683-4E38-89FA-062C53E13F85}"/>
               </a:ext>
               <a:ext uri="{C183D7F6-B498-43B3-948B-1728B52AA6E4}">
-                <adec:decorative xmlns:adec="http://schemas.microsoft.com/office/drawing/2017/decorative" xmlns="" val="1"/>
+                <adec:decorative xmlns="" xmlns:adec="http://schemas.microsoft.com/office/drawing/2017/decorative" val="1"/>
               </a:ext>
             </a:extLst>
           </p:cNvPr>
@@ -4373,7 +4602,7 @@
                 <a16:creationId xmlns:a16="http://schemas.microsoft.com/office/drawing/2014/main" id="{5B8D7907-8AB9-4E98-A576-1A13AECEDF3A}"/>
               </a:ext>
               <a:ext uri="{C183D7F6-B498-43B3-948B-1728B52AA6E4}">
-                <adec:decorative xmlns:adec="http://schemas.microsoft.com/office/drawing/2017/decorative" xmlns="" val="1"/>
+                <adec:decorative xmlns="" xmlns:adec="http://schemas.microsoft.com/office/drawing/2017/decorative" val="1"/>
               </a:ext>
             </a:extLst>
           </p:cNvPr>
@@ -4548,7 +4777,7 @@
                 <a16:creationId xmlns:a16="http://schemas.microsoft.com/office/drawing/2014/main" id="{FAA3B297-9683-4E38-89FA-062C53E13F85}"/>
               </a:ext>
               <a:ext uri="{C183D7F6-B498-43B3-948B-1728B52AA6E4}">
-                <adec:decorative xmlns:adec="http://schemas.microsoft.com/office/drawing/2017/decorative" xmlns="" val="1"/>
+                <adec:decorative xmlns="" xmlns:adec="http://schemas.microsoft.com/office/drawing/2017/decorative" val="1"/>
               </a:ext>
             </a:extLst>
           </p:cNvPr>
@@ -4643,7 +4872,7 @@
                 <a16:creationId xmlns:a16="http://schemas.microsoft.com/office/drawing/2014/main" id="{5B8D7907-8AB9-4E98-A576-1A13AECEDF3A}"/>
               </a:ext>
               <a:ext uri="{C183D7F6-B498-43B3-948B-1728B52AA6E4}">
-                <adec:decorative xmlns:adec="http://schemas.microsoft.com/office/drawing/2017/decorative" xmlns="" val="1"/>
+                <adec:decorative xmlns="" xmlns:adec="http://schemas.microsoft.com/office/drawing/2017/decorative" val="1"/>
               </a:ext>
             </a:extLst>
           </p:cNvPr>
@@ -4848,7 +5077,7 @@
                 <a16:creationId xmlns:a16="http://schemas.microsoft.com/office/drawing/2014/main" id="{FAA3B297-9683-4E38-89FA-062C53E13F85}"/>
               </a:ext>
               <a:ext uri="{C183D7F6-B498-43B3-948B-1728B52AA6E4}">
-                <adec:decorative xmlns:adec="http://schemas.microsoft.com/office/drawing/2017/decorative" xmlns="" val="1"/>
+                <adec:decorative xmlns="" xmlns:adec="http://schemas.microsoft.com/office/drawing/2017/decorative" val="1"/>
               </a:ext>
             </a:extLst>
           </p:cNvPr>
@@ -4943,7 +5172,7 @@
                 <a16:creationId xmlns:a16="http://schemas.microsoft.com/office/drawing/2014/main" id="{5B8D7907-8AB9-4E98-A576-1A13AECEDF3A}"/>
               </a:ext>
               <a:ext uri="{C183D7F6-B498-43B3-948B-1728B52AA6E4}">
-                <adec:decorative xmlns:adec="http://schemas.microsoft.com/office/drawing/2017/decorative" xmlns="" val="1"/>
+                <adec:decorative xmlns="" xmlns:adec="http://schemas.microsoft.com/office/drawing/2017/decorative" val="1"/>
               </a:ext>
             </a:extLst>
           </p:cNvPr>
@@ -5139,10 +5368,6 @@
               </a:rPr>
               <a:t>Learning is the process of memorizing multiple sequences.</a:t>
             </a:r>
-            <a:endParaRPr lang="en-US" dirty="0">
-              <a:latin typeface="Arial" panose="020B0604020202020204" pitchFamily="34" charset="0"/>
-              <a:cs typeface="Arial" panose="020B0604020202020204" pitchFamily="34" charset="0"/>
-            </a:endParaRPr>
           </a:p>
         </p:txBody>
       </p:sp>
@@ -5192,7 +5417,7 @@
                 <a16:creationId xmlns:a16="http://schemas.microsoft.com/office/drawing/2014/main" id="{FAA3B297-9683-4E38-89FA-062C53E13F85}"/>
               </a:ext>
               <a:ext uri="{C183D7F6-B498-43B3-948B-1728B52AA6E4}">
-                <adec:decorative xmlns:adec="http://schemas.microsoft.com/office/drawing/2017/decorative" xmlns="" val="1"/>
+                <adec:decorative xmlns="" xmlns:adec="http://schemas.microsoft.com/office/drawing/2017/decorative" val="1"/>
               </a:ext>
             </a:extLst>
           </p:cNvPr>
@@ -5287,7 +5512,7 @@
                 <a16:creationId xmlns:a16="http://schemas.microsoft.com/office/drawing/2014/main" id="{5B8D7907-8AB9-4E98-A576-1A13AECEDF3A}"/>
               </a:ext>
               <a:ext uri="{C183D7F6-B498-43B3-948B-1728B52AA6E4}">
-                <adec:decorative xmlns:adec="http://schemas.microsoft.com/office/drawing/2017/decorative" xmlns="" val="1"/>
+                <adec:decorative xmlns="" xmlns:adec="http://schemas.microsoft.com/office/drawing/2017/decorative" val="1"/>
               </a:ext>
             </a:extLst>
           </p:cNvPr>
@@ -5390,14 +5615,6 @@
 <file path=ppt/slides/slide6.xml><?xml version="1.0" encoding="utf-8"?>
 <p:sld xmlns:a="http://schemas.openxmlformats.org/drawingml/2006/main" xmlns:r="http://schemas.openxmlformats.org/officeDocument/2006/relationships" xmlns:p="http://schemas.openxmlformats.org/presentationml/2006/main">
   <p:cSld>
-    <p:bg>
-      <p:bgPr>
-        <a:solidFill>
-          <a:schemeClr val="bg1"/>
-        </a:solidFill>
-        <a:effectLst/>
-      </p:bgPr>
-    </p:bg>
     <p:spTree>
       <p:nvGrpSpPr>
         <p:cNvPr id="1" name=""/>
@@ -5412,75 +5629,9 @@
           <a:chExt cx="0" cy="0"/>
         </a:xfrm>
       </p:grpSpPr>
-      <p:sp useBgFill="1">
-        <p:nvSpPr>
-          <p:cNvPr id="8" name="Rectangle 7">
-            <a:extLst>
-              <a:ext uri="{FF2B5EF4-FFF2-40B4-BE49-F238E27FC236}">
-                <a16:creationId xmlns:a16="http://schemas.microsoft.com/office/drawing/2014/main" id="{FAA3B297-9683-4E38-89FA-062C53E13F85}"/>
-              </a:ext>
-              <a:ext uri="{C183D7F6-B498-43B3-948B-1728B52AA6E4}">
-                <adec:decorative xmlns:adec="http://schemas.microsoft.com/office/drawing/2017/decorative" xmlns="" val="1"/>
-              </a:ext>
-            </a:extLst>
-          </p:cNvPr>
-          <p:cNvSpPr>
-            <a:spLocks noGrp="1" noRot="1" noChangeAspect="1" noMove="1" noResize="1" noEditPoints="1" noAdjustHandles="1" noChangeArrowheads="1" noChangeShapeType="1" noTextEdit="1"/>
-          </p:cNvSpPr>
-          <p:nvPr>
-            <p:extLst>
-              <p:ext uri="{386F3935-93C4-4BCD-93E2-E3B085C9AB24}">
-                <p16:designElem xmlns:p16="http://schemas.microsoft.com/office/powerpoint/2015/main" val="1"/>
-              </p:ext>
-            </p:extLst>
-          </p:nvPr>
-        </p:nvSpPr>
-        <p:spPr>
-          <a:xfrm>
-            <a:off x="0" y="0"/>
-            <a:ext cx="12188952" cy="6857995"/>
-          </a:xfrm>
-          <a:prstGeom prst="rect">
-            <a:avLst/>
-          </a:prstGeom>
-          <a:ln>
-            <a:noFill/>
-          </a:ln>
-        </p:spPr>
-        <p:style>
-          <a:lnRef idx="2">
-            <a:schemeClr val="accent1">
-              <a:shade val="50000"/>
-            </a:schemeClr>
-          </a:lnRef>
-          <a:fillRef idx="1">
-            <a:schemeClr val="accent1"/>
-          </a:fillRef>
-          <a:effectRef idx="0">
-            <a:schemeClr val="accent1"/>
-          </a:effectRef>
-          <a:fontRef idx="minor">
-            <a:schemeClr val="lt1"/>
-          </a:fontRef>
-        </p:style>
-        <p:txBody>
-          <a:bodyPr rtlCol="0" anchor="ctr"/>
-          <a:lstStyle/>
-          <a:p>
-            <a:pPr algn="ctr"/>
-            <a:endParaRPr lang="en-US" dirty="0"/>
-          </a:p>
-        </p:txBody>
-      </p:sp>
-      <p:sp>
-        <p:nvSpPr>
-          <p:cNvPr id="2" name="Title 1">
-            <a:extLst>
-              <a:ext uri="{FF2B5EF4-FFF2-40B4-BE49-F238E27FC236}">
-                <a16:creationId xmlns:a16="http://schemas.microsoft.com/office/drawing/2014/main" id="{40D0EB12-A134-7E75-F4D6-BFB1B126376B}"/>
-              </a:ext>
-            </a:extLst>
-          </p:cNvPr>
+      <p:sp>
+        <p:nvSpPr>
+          <p:cNvPr id="6" name="Title 5"/>
           <p:cNvSpPr>
             <a:spLocks noGrp="1"/>
           </p:cNvSpPr>
@@ -5490,13 +5641,13 @@
         </p:nvSpPr>
         <p:spPr>
           <a:xfrm>
-            <a:off x="517869" y="976160"/>
-            <a:ext cx="8686800" cy="1934172"/>
+            <a:off x="452554" y="699796"/>
+            <a:ext cx="5910924" cy="1585084"/>
           </a:xfrm>
         </p:spPr>
         <p:txBody>
           <a:bodyPr>
-            <a:normAutofit/>
+            <a:noAutofit/>
           </a:bodyPr>
           <a:lstStyle/>
           <a:p>
@@ -5505,87 +5656,28 @@
                 <a:latin typeface="Arial" panose="020B0604020202020204" pitchFamily="34" charset="0"/>
                 <a:cs typeface="Arial" panose="020B0604020202020204" pitchFamily="34" charset="0"/>
               </a:rPr>
-              <a:t>IMPLEMENTATION (LEARNING &amp; PREDICTION PHASE)</a:t>
-            </a:r>
-            <a:endParaRPr lang="en-US" sz="4000" dirty="0">
-              <a:latin typeface="Arial" panose="020B0604020202020204" pitchFamily="34" charset="0"/>
-              <a:cs typeface="Arial" panose="020B0604020202020204" pitchFamily="34" charset="0"/>
-            </a:endParaRPr>
-          </a:p>
-        </p:txBody>
-      </p:sp>
-      <p:sp>
-        <p:nvSpPr>
-          <p:cNvPr id="10" name="Rectangle 9">
-            <a:extLst>
-              <a:ext uri="{FF2B5EF4-FFF2-40B4-BE49-F238E27FC236}">
-                <a16:creationId xmlns:a16="http://schemas.microsoft.com/office/drawing/2014/main" id="{5B8D7907-8AB9-4E98-A576-1A13AECEDF3A}"/>
-              </a:ext>
-              <a:ext uri="{C183D7F6-B498-43B3-948B-1728B52AA6E4}">
-                <adec:decorative xmlns:adec="http://schemas.microsoft.com/office/drawing/2017/decorative" xmlns="" val="1"/>
-              </a:ext>
-            </a:extLst>
-          </p:cNvPr>
-          <p:cNvSpPr>
-            <a:spLocks noGrp="1" noRot="1" noChangeAspect="1" noMove="1" noResize="1" noEditPoints="1" noAdjustHandles="1" noChangeArrowheads="1" noChangeShapeType="1" noTextEdit="1"/>
-          </p:cNvSpPr>
-          <p:nvPr>
-            <p:extLst>
-              <p:ext uri="{386F3935-93C4-4BCD-93E2-E3B085C9AB24}">
-                <p16:designElem xmlns:p16="http://schemas.microsoft.com/office/powerpoint/2015/main" val="1"/>
-              </p:ext>
-            </p:extLst>
-          </p:nvPr>
-        </p:nvSpPr>
-        <p:spPr>
-          <a:xfrm>
-            <a:off x="517869" y="508090"/>
-            <a:ext cx="8732520" cy="149279"/>
-          </a:xfrm>
-          <a:prstGeom prst="rect">
-            <a:avLst/>
-          </a:prstGeom>
-          <a:solidFill>
-            <a:schemeClr val="tx1"/>
-          </a:solidFill>
-          <a:ln>
-            <a:noFill/>
-          </a:ln>
-        </p:spPr>
-        <p:style>
-          <a:lnRef idx="2">
-            <a:schemeClr val="accent1">
-              <a:shade val="50000"/>
-            </a:schemeClr>
-          </a:lnRef>
-          <a:fillRef idx="1">
-            <a:schemeClr val="accent1"/>
-          </a:fillRef>
-          <a:effectRef idx="0">
-            <a:schemeClr val="accent1"/>
-          </a:effectRef>
-          <a:fontRef idx="minor">
-            <a:schemeClr val="lt1"/>
-          </a:fontRef>
-        </p:style>
-        <p:txBody>
-          <a:bodyPr rtlCol="0" anchor="ctr"/>
-          <a:lstStyle/>
-          <a:p>
-            <a:pPr algn="ctr"/>
-            <a:endParaRPr lang="en-US"/>
-          </a:p>
-        </p:txBody>
-      </p:sp>
-      <p:sp>
-        <p:nvSpPr>
-          <p:cNvPr id="3" name="Content Placeholder 2">
-            <a:extLst>
-              <a:ext uri="{FF2B5EF4-FFF2-40B4-BE49-F238E27FC236}">
-                <a16:creationId xmlns:a16="http://schemas.microsoft.com/office/drawing/2014/main" id="{763BEB7E-6433-D9C5-97F5-24ECBCE4A991}"/>
-              </a:ext>
-            </a:extLst>
-          </p:cNvPr>
+              <a:t>WORKING </a:t>
+            </a:r>
+            <a:r>
+              <a:rPr lang="en-IN" sz="4000" dirty="0" smtClean="0">
+                <a:latin typeface="Arial" panose="020B0604020202020204" pitchFamily="34" charset="0"/>
+                <a:cs typeface="Arial" panose="020B0604020202020204" pitchFamily="34" charset="0"/>
+              </a:rPr>
+              <a:t>OF SPATIAL </a:t>
+            </a:r>
+            <a:r>
+              <a:rPr lang="en-IN" sz="4000" dirty="0">
+                <a:latin typeface="Arial" panose="020B0604020202020204" pitchFamily="34" charset="0"/>
+                <a:cs typeface="Arial" panose="020B0604020202020204" pitchFamily="34" charset="0"/>
+              </a:rPr>
+              <a:t>POOLER</a:t>
+            </a:r>
+          </a:p>
+        </p:txBody>
+      </p:sp>
+      <p:sp>
+        <p:nvSpPr>
+          <p:cNvPr id="7" name="Content Placeholder 6"/>
           <p:cNvSpPr>
             <a:spLocks noGrp="1"/>
           </p:cNvSpPr>
@@ -5595,8 +5687,8 @@
         </p:nvSpPr>
         <p:spPr>
           <a:xfrm>
-            <a:off x="517869" y="2693773"/>
-            <a:ext cx="8686799" cy="3495091"/>
+            <a:off x="577183" y="2379306"/>
+            <a:ext cx="5049175" cy="4776031"/>
           </a:xfrm>
         </p:spPr>
         <p:txBody>
@@ -5604,43 +5696,54 @@
             <a:normAutofit/>
           </a:bodyPr>
           <a:lstStyle/>
-          <a:p>
-            <a:r>
-              <a:rPr lang="en-US" b="1" dirty="0">
-                <a:latin typeface="Arial" panose="020B0604020202020204" pitchFamily="34" charset="0"/>
-                <a:cs typeface="Arial" panose="020B0604020202020204" pitchFamily="34" charset="0"/>
-              </a:rPr>
-              <a:t>For Numbers </a:t>
-            </a:r>
-            <a:r>
-              <a:rPr lang="en-US" b="1" dirty="0" smtClean="0">
-                <a:latin typeface="Arial" panose="020B0604020202020204" pitchFamily="34" charset="0"/>
-                <a:cs typeface="Arial" panose="020B0604020202020204" pitchFamily="34" charset="0"/>
-              </a:rPr>
-              <a:t>:</a:t>
-            </a:r>
-          </a:p>
           <a:p>
             <a:pPr marL="342900" indent="-342900">
               <a:buFont typeface="Arial" panose="020B0604020202020204" pitchFamily="34" charset="0"/>
               <a:buChar char="•"/>
             </a:pPr>
             <a:r>
-              <a:rPr lang="en-US" dirty="0" smtClean="0">
+              <a:rPr lang="en-US" sz="2400" dirty="0" smtClean="0">
                 <a:latin typeface="Arial" panose="020B0604020202020204" pitchFamily="34" charset="0"/>
                 <a:cs typeface="Arial" panose="020B0604020202020204" pitchFamily="34" charset="0"/>
               </a:rPr>
-              <a:t>Obtain </a:t>
-            </a:r>
-            <a:r>
-              <a:rPr lang="en-US" dirty="0">
+              <a:t>Builds </a:t>
+            </a:r>
+            <a:r>
+              <a:rPr lang="en-US" sz="2400" dirty="0">
                 <a:latin typeface="Arial" panose="020B0604020202020204" pitchFamily="34" charset="0"/>
                 <a:cs typeface="Arial" panose="020B0604020202020204" pitchFamily="34" charset="0"/>
               </a:rPr>
-              <a:t>datasets and train with Spatial Pooler using a scalar encoder</a:t>
-            </a:r>
-            <a:r>
-              <a:rPr lang="en-US" dirty="0" smtClean="0">
+              <a:t>SDR </a:t>
+            </a:r>
+            <a:r>
+              <a:rPr lang="en-US" sz="2400" dirty="0" smtClean="0">
+                <a:latin typeface="Arial" panose="020B0604020202020204" pitchFamily="34" charset="0"/>
+                <a:cs typeface="Arial" panose="020B0604020202020204" pitchFamily="34" charset="0"/>
+              </a:rPr>
+              <a:t>input</a:t>
+            </a:r>
+          </a:p>
+          <a:p>
+            <a:pPr marL="342900" indent="-342900">
+              <a:buFont typeface="Arial" panose="020B0604020202020204" pitchFamily="34" charset="0"/>
+              <a:buChar char="•"/>
+            </a:pPr>
+            <a:r>
+              <a:rPr lang="en-US" sz="2400" dirty="0" smtClean="0">
+                <a:latin typeface="Arial" panose="020B0604020202020204" pitchFamily="34" charset="0"/>
+                <a:cs typeface="Arial" panose="020B0604020202020204" pitchFamily="34" charset="0"/>
+              </a:rPr>
+              <a:t>Inactive </a:t>
+            </a:r>
+            <a:r>
+              <a:rPr lang="en-US" sz="2400" dirty="0">
+                <a:latin typeface="Arial" panose="020B0604020202020204" pitchFamily="34" charset="0"/>
+                <a:cs typeface="Arial" panose="020B0604020202020204" pitchFamily="34" charset="0"/>
+              </a:rPr>
+              <a:t>columns are not learned</a:t>
+            </a:r>
+            <a:r>
+              <a:rPr lang="en-US" sz="2400" dirty="0" smtClean="0">
                 <a:latin typeface="Arial" panose="020B0604020202020204" pitchFamily="34" charset="0"/>
                 <a:cs typeface="Arial" panose="020B0604020202020204" pitchFamily="34" charset="0"/>
               </a:rPr>
@@ -5653,47 +5756,20 @@
               <a:buChar char="•"/>
             </a:pPr>
             <a:r>
-              <a:rPr lang="en-US" dirty="0" smtClean="0">
+              <a:rPr lang="en-US" sz="2400" dirty="0" smtClean="0">
                 <a:latin typeface="Arial" panose="020B0604020202020204" pitchFamily="34" charset="0"/>
                 <a:cs typeface="Arial" panose="020B0604020202020204" pitchFamily="34" charset="0"/>
               </a:rPr>
-              <a:t>Spatial </a:t>
-            </a:r>
-            <a:r>
-              <a:rPr lang="en-US" dirty="0">
+              <a:t>Every </a:t>
+            </a:r>
+            <a:r>
+              <a:rPr lang="en-US" sz="2400" dirty="0">
                 <a:latin typeface="Arial" panose="020B0604020202020204" pitchFamily="34" charset="0"/>
                 <a:cs typeface="Arial" panose="020B0604020202020204" pitchFamily="34" charset="0"/>
               </a:rPr>
-              <a:t>Pooler iteratively trains each sequence until it reaches a stable state</a:t>
-            </a:r>
-            <a:r>
-              <a:rPr lang="en-US" dirty="0" smtClean="0">
-                <a:latin typeface="Arial" panose="020B0604020202020204" pitchFamily="34" charset="0"/>
-                <a:cs typeface="Arial" panose="020B0604020202020204" pitchFamily="34" charset="0"/>
-              </a:rPr>
-              <a:t>.</a:t>
-            </a:r>
-          </a:p>
-          <a:p>
-            <a:pPr marL="342900" indent="-342900">
-              <a:buFont typeface="Arial" panose="020B0604020202020204" pitchFamily="34" charset="0"/>
-              <a:buChar char="•"/>
-            </a:pPr>
-            <a:r>
-              <a:rPr lang="en-US" dirty="0" smtClean="0">
-                <a:latin typeface="Arial" panose="020B0604020202020204" pitchFamily="34" charset="0"/>
-                <a:cs typeface="Arial" panose="020B0604020202020204" pitchFamily="34" charset="0"/>
-              </a:rPr>
-              <a:t>HTM </a:t>
-            </a:r>
-            <a:r>
-              <a:rPr lang="en-US" dirty="0">
-                <a:latin typeface="Arial" panose="020B0604020202020204" pitchFamily="34" charset="0"/>
-                <a:cs typeface="Arial" panose="020B0604020202020204" pitchFamily="34" charset="0"/>
-              </a:rPr>
-              <a:t>is a memory-based system that stores a large number of patterns and sequences.</a:t>
-            </a:r>
-            <a:endParaRPr lang="en-US" dirty="0">
+              <a:t>input pattern is checked against the database.</a:t>
+            </a:r>
+            <a:endParaRPr lang="en-IN" sz="2400" dirty="0">
               <a:latin typeface="Arial" panose="020B0604020202020204" pitchFamily="34" charset="0"/>
               <a:cs typeface="Arial" panose="020B0604020202020204" pitchFamily="34" charset="0"/>
             </a:endParaRPr>
@@ -5703,13 +5779,20 @@
     </p:spTree>
     <p:extLst>
       <p:ext uri="{BB962C8B-B14F-4D97-AF65-F5344CB8AC3E}">
-        <p14:creationId xmlns:p14="http://schemas.microsoft.com/office/powerpoint/2010/main" val="3177780836"/>
+        <p14:creationId xmlns:p14="http://schemas.microsoft.com/office/powerpoint/2010/main" val="1533691606"/>
       </p:ext>
     </p:extLst>
   </p:cSld>
   <p:clrMapOvr>
     <a:masterClrMapping/>
   </p:clrMapOvr>
+  <p:timing>
+    <p:tnLst>
+      <p:par>
+        <p:cTn id="1" dur="indefinite" restart="never" nodeType="tmRoot"/>
+      </p:par>
+    </p:tnLst>
+  </p:timing>
 </p:sld>
 </file>
 
@@ -5746,7 +5829,7 @@
                 <a16:creationId xmlns:a16="http://schemas.microsoft.com/office/drawing/2014/main" id="{FAA3B297-9683-4E38-89FA-062C53E13F85}"/>
               </a:ext>
               <a:ext uri="{C183D7F6-B498-43B3-948B-1728B52AA6E4}">
-                <adec:decorative xmlns:adec="http://schemas.microsoft.com/office/drawing/2017/decorative" xmlns="" val="1"/>
+                <adec:decorative xmlns="" xmlns:adec="http://schemas.microsoft.com/office/drawing/2017/decorative" val="1"/>
               </a:ext>
             </a:extLst>
           </p:cNvPr>
@@ -5803,7 +5886,7 @@
           <p:cNvPr id="2" name="Title 1">
             <a:extLst>
               <a:ext uri="{FF2B5EF4-FFF2-40B4-BE49-F238E27FC236}">
-                <a16:creationId xmlns:a16="http://schemas.microsoft.com/office/drawing/2014/main" id="{5F104249-400B-AD3A-F382-C91918689B2C}"/>
+                <a16:creationId xmlns:a16="http://schemas.microsoft.com/office/drawing/2014/main" id="{40D0EB12-A134-7E75-F4D6-BFB1B126376B}"/>
               </a:ext>
             </a:extLst>
           </p:cNvPr>
@@ -5817,7 +5900,7 @@
         <p:spPr>
           <a:xfrm>
             <a:off x="517869" y="976160"/>
-            <a:ext cx="8686800" cy="951494"/>
+            <a:ext cx="8686800" cy="1934172"/>
           </a:xfrm>
         </p:spPr>
         <p:txBody>
@@ -5827,12 +5910,16 @@
           <a:lstStyle/>
           <a:p>
             <a:r>
-              <a:rPr lang="en-US" sz="4000" dirty="0">
+              <a:rPr lang="en-IN" sz="4000" dirty="0">
                 <a:latin typeface="Arial" panose="020B0604020202020204" pitchFamily="34" charset="0"/>
                 <a:cs typeface="Arial" panose="020B0604020202020204" pitchFamily="34" charset="0"/>
               </a:rPr>
-              <a:t>FLOW-CHART</a:t>
-            </a:r>
+              <a:t>IMPLEMENTATION (LEARNING &amp; PREDICTION PHASE)</a:t>
+            </a:r>
+            <a:endParaRPr lang="en-US" sz="4000" dirty="0">
+              <a:latin typeface="Arial" panose="020B0604020202020204" pitchFamily="34" charset="0"/>
+              <a:cs typeface="Arial" panose="020B0604020202020204" pitchFamily="34" charset="0"/>
+            </a:endParaRPr>
           </a:p>
         </p:txBody>
       </p:sp>
@@ -5844,7 +5931,7 @@
                 <a16:creationId xmlns:a16="http://schemas.microsoft.com/office/drawing/2014/main" id="{5B8D7907-8AB9-4E98-A576-1A13AECEDF3A}"/>
               </a:ext>
               <a:ext uri="{C183D7F6-B498-43B3-948B-1728B52AA6E4}">
-                <adec:decorative xmlns:adec="http://schemas.microsoft.com/office/drawing/2017/decorative" xmlns="" val="1"/>
+                <adec:decorative xmlns="" xmlns:adec="http://schemas.microsoft.com/office/drawing/2017/decorative" val="1"/>
               </a:ext>
             </a:extLst>
           </p:cNvPr>
@@ -5904,7 +5991,7 @@
           <p:cNvPr id="3" name="Content Placeholder 2">
             <a:extLst>
               <a:ext uri="{FF2B5EF4-FFF2-40B4-BE49-F238E27FC236}">
-                <a16:creationId xmlns:a16="http://schemas.microsoft.com/office/drawing/2014/main" id="{7F00A25F-4CA4-D443-D525-EEE4B67C7EC0}"/>
+                <a16:creationId xmlns:a16="http://schemas.microsoft.com/office/drawing/2014/main" id="{763BEB7E-6433-D9C5-97F5-24ECBCE4A991}"/>
               </a:ext>
             </a:extLst>
           </p:cNvPr>
@@ -5917,8 +6004,8 @@
         </p:nvSpPr>
         <p:spPr>
           <a:xfrm>
-            <a:off x="517869" y="3172570"/>
-            <a:ext cx="8686799" cy="3016294"/>
+            <a:off x="517869" y="2693773"/>
+            <a:ext cx="8686799" cy="3495091"/>
           </a:xfrm>
         </p:spPr>
         <p:txBody>
@@ -5927,14 +6014,101 @@
           </a:bodyPr>
           <a:lstStyle/>
           <a:p>
-            <a:endParaRPr lang="en-US" dirty="0"/>
+            <a:r>
+              <a:rPr lang="en-US" b="1" dirty="0">
+                <a:latin typeface="Arial" panose="020B0604020202020204" pitchFamily="34" charset="0"/>
+                <a:cs typeface="Arial" panose="020B0604020202020204" pitchFamily="34" charset="0"/>
+              </a:rPr>
+              <a:t>For Numbers </a:t>
+            </a:r>
+            <a:r>
+              <a:rPr lang="en-US" b="1" dirty="0" smtClean="0">
+                <a:latin typeface="Arial" panose="020B0604020202020204" pitchFamily="34" charset="0"/>
+                <a:cs typeface="Arial" panose="020B0604020202020204" pitchFamily="34" charset="0"/>
+              </a:rPr>
+              <a:t>:</a:t>
+            </a:r>
+          </a:p>
+          <a:p>
+            <a:pPr marL="342900" indent="-342900">
+              <a:buFont typeface="Arial" panose="020B0604020202020204" pitchFamily="34" charset="0"/>
+              <a:buChar char="•"/>
+            </a:pPr>
+            <a:r>
+              <a:rPr lang="en-US" dirty="0" smtClean="0">
+                <a:latin typeface="Arial" panose="020B0604020202020204" pitchFamily="34" charset="0"/>
+                <a:cs typeface="Arial" panose="020B0604020202020204" pitchFamily="34" charset="0"/>
+              </a:rPr>
+              <a:t>Obtain </a:t>
+            </a:r>
+            <a:r>
+              <a:rPr lang="en-US" dirty="0">
+                <a:latin typeface="Arial" panose="020B0604020202020204" pitchFamily="34" charset="0"/>
+                <a:cs typeface="Arial" panose="020B0604020202020204" pitchFamily="34" charset="0"/>
+              </a:rPr>
+              <a:t>datasets and train with Spatial Pooler using a scalar encoder</a:t>
+            </a:r>
+            <a:r>
+              <a:rPr lang="en-US" dirty="0" smtClean="0">
+                <a:latin typeface="Arial" panose="020B0604020202020204" pitchFamily="34" charset="0"/>
+                <a:cs typeface="Arial" panose="020B0604020202020204" pitchFamily="34" charset="0"/>
+              </a:rPr>
+              <a:t>.</a:t>
+            </a:r>
+          </a:p>
+          <a:p>
+            <a:pPr marL="342900" indent="-342900">
+              <a:buFont typeface="Arial" panose="020B0604020202020204" pitchFamily="34" charset="0"/>
+              <a:buChar char="•"/>
+            </a:pPr>
+            <a:r>
+              <a:rPr lang="en-US" dirty="0" smtClean="0">
+                <a:latin typeface="Arial" panose="020B0604020202020204" pitchFamily="34" charset="0"/>
+                <a:cs typeface="Arial" panose="020B0604020202020204" pitchFamily="34" charset="0"/>
+              </a:rPr>
+              <a:t>Spatial </a:t>
+            </a:r>
+            <a:r>
+              <a:rPr lang="en-US" dirty="0">
+                <a:latin typeface="Arial" panose="020B0604020202020204" pitchFamily="34" charset="0"/>
+                <a:cs typeface="Arial" panose="020B0604020202020204" pitchFamily="34" charset="0"/>
+              </a:rPr>
+              <a:t>Pooler iteratively trains each sequence until it reaches a stable state</a:t>
+            </a:r>
+            <a:r>
+              <a:rPr lang="en-US" dirty="0" smtClean="0">
+                <a:latin typeface="Arial" panose="020B0604020202020204" pitchFamily="34" charset="0"/>
+                <a:cs typeface="Arial" panose="020B0604020202020204" pitchFamily="34" charset="0"/>
+              </a:rPr>
+              <a:t>.</a:t>
+            </a:r>
+          </a:p>
+          <a:p>
+            <a:pPr marL="342900" indent="-342900">
+              <a:buFont typeface="Arial" panose="020B0604020202020204" pitchFamily="34" charset="0"/>
+              <a:buChar char="•"/>
+            </a:pPr>
+            <a:r>
+              <a:rPr lang="en-US" dirty="0" smtClean="0">
+                <a:latin typeface="Arial" panose="020B0604020202020204" pitchFamily="34" charset="0"/>
+                <a:cs typeface="Arial" panose="020B0604020202020204" pitchFamily="34" charset="0"/>
+              </a:rPr>
+              <a:t>HTM </a:t>
+            </a:r>
+            <a:r>
+              <a:rPr lang="en-US" dirty="0">
+                <a:latin typeface="Arial" panose="020B0604020202020204" pitchFamily="34" charset="0"/>
+                <a:cs typeface="Arial" panose="020B0604020202020204" pitchFamily="34" charset="0"/>
+              </a:rPr>
+              <a:t>is a memory-based system that stores a large number of patterns and sequences.</a:t>
+            </a:r>
           </a:p>
         </p:txBody>
       </p:sp>
     </p:spTree>
     <p:extLst>
       <p:ext uri="{BB962C8B-B14F-4D97-AF65-F5344CB8AC3E}">
-        <p14:creationId xmlns:p14="http://schemas.microsoft.com/office/powerpoint/2010/main" val="2487824199"/>
+        <p14:creationId xmlns:p14="http://schemas.microsoft.com/office/powerpoint/2010/main" val="3177780836"/>
       </p:ext>
     </p:extLst>
   </p:cSld>
@@ -5977,7 +6151,7 @@
                 <a16:creationId xmlns:a16="http://schemas.microsoft.com/office/drawing/2014/main" id="{FAA3B297-9683-4E38-89FA-062C53E13F85}"/>
               </a:ext>
               <a:ext uri="{C183D7F6-B498-43B3-948B-1728B52AA6E4}">
-                <adec:decorative xmlns:adec="http://schemas.microsoft.com/office/drawing/2017/decorative" xmlns="" val="1"/>
+                <adec:decorative xmlns="" xmlns:adec="http://schemas.microsoft.com/office/drawing/2017/decorative" val="1"/>
               </a:ext>
             </a:extLst>
           </p:cNvPr>
@@ -6034,7 +6208,7 @@
           <p:cNvPr id="2" name="Title 1">
             <a:extLst>
               <a:ext uri="{FF2B5EF4-FFF2-40B4-BE49-F238E27FC236}">
-                <a16:creationId xmlns:a16="http://schemas.microsoft.com/office/drawing/2014/main" id="{0C681EFA-DFBD-EA24-AC3F-12C9EBAF7CF8}"/>
+                <a16:creationId xmlns:a16="http://schemas.microsoft.com/office/drawing/2014/main" id="{5F104249-400B-AD3A-F382-C91918689B2C}"/>
               </a:ext>
             </a:extLst>
           </p:cNvPr>
@@ -6047,8 +6221,8 @@
         </p:nvSpPr>
         <p:spPr>
           <a:xfrm>
-            <a:off x="517869" y="785813"/>
-            <a:ext cx="8686800" cy="1000125"/>
+            <a:off x="517869" y="976160"/>
+            <a:ext cx="8686800" cy="951494"/>
           </a:xfrm>
         </p:spPr>
         <p:txBody>
@@ -6058,8 +6232,11 @@
           <a:lstStyle/>
           <a:p>
             <a:r>
-              <a:rPr lang="en-US" dirty="0"/>
-              <a:t>RESULT</a:t>
+              <a:rPr lang="en-US" sz="4000" dirty="0">
+                <a:latin typeface="Arial" panose="020B0604020202020204" pitchFamily="34" charset="0"/>
+                <a:cs typeface="Arial" panose="020B0604020202020204" pitchFamily="34" charset="0"/>
+              </a:rPr>
+              <a:t>FLOW-CHART</a:t>
             </a:r>
           </a:p>
         </p:txBody>
@@ -6072,7 +6249,7 @@
                 <a16:creationId xmlns:a16="http://schemas.microsoft.com/office/drawing/2014/main" id="{5B8D7907-8AB9-4E98-A576-1A13AECEDF3A}"/>
               </a:ext>
               <a:ext uri="{C183D7F6-B498-43B3-948B-1728B52AA6E4}">
-                <adec:decorative xmlns:adec="http://schemas.microsoft.com/office/drawing/2017/decorative" xmlns="" val="1"/>
+                <adec:decorative xmlns="" xmlns:adec="http://schemas.microsoft.com/office/drawing/2017/decorative" val="1"/>
               </a:ext>
             </a:extLst>
           </p:cNvPr>
@@ -6132,7 +6309,7 @@
           <p:cNvPr id="3" name="Content Placeholder 2">
             <a:extLst>
               <a:ext uri="{FF2B5EF4-FFF2-40B4-BE49-F238E27FC236}">
-                <a16:creationId xmlns:a16="http://schemas.microsoft.com/office/drawing/2014/main" id="{DC9DCE16-5795-F601-83AE-2E602180EE3A}"/>
+                <a16:creationId xmlns:a16="http://schemas.microsoft.com/office/drawing/2014/main" id="{7F00A25F-4CA4-D443-D525-EEE4B67C7EC0}"/>
               </a:ext>
             </a:extLst>
           </p:cNvPr>
@@ -6162,7 +6339,7 @@
     </p:spTree>
     <p:extLst>
       <p:ext uri="{BB962C8B-B14F-4D97-AF65-F5344CB8AC3E}">
-        <p14:creationId xmlns:p14="http://schemas.microsoft.com/office/powerpoint/2010/main" val="3402530586"/>
+        <p14:creationId xmlns:p14="http://schemas.microsoft.com/office/powerpoint/2010/main" val="2487824199"/>
       </p:ext>
     </p:extLst>
   </p:cSld>
@@ -6205,7 +6382,7 @@
                 <a16:creationId xmlns:a16="http://schemas.microsoft.com/office/drawing/2014/main" id="{FAA3B297-9683-4E38-89FA-062C53E13F85}"/>
               </a:ext>
               <a:ext uri="{C183D7F6-B498-43B3-948B-1728B52AA6E4}">
-                <adec:decorative xmlns:adec="http://schemas.microsoft.com/office/drawing/2017/decorative" xmlns="" val="1"/>
+                <adec:decorative xmlns="" xmlns:adec="http://schemas.microsoft.com/office/drawing/2017/decorative" val="1"/>
               </a:ext>
             </a:extLst>
           </p:cNvPr>
@@ -6262,7 +6439,7 @@
           <p:cNvPr id="2" name="Title 1">
             <a:extLst>
               <a:ext uri="{FF2B5EF4-FFF2-40B4-BE49-F238E27FC236}">
-                <a16:creationId xmlns:a16="http://schemas.microsoft.com/office/drawing/2014/main" id="{D73406E1-F2BE-59D9-A9F1-8140C3C0F06B}"/>
+                <a16:creationId xmlns:a16="http://schemas.microsoft.com/office/drawing/2014/main" id="{0C681EFA-DFBD-EA24-AC3F-12C9EBAF7CF8}"/>
               </a:ext>
             </a:extLst>
           </p:cNvPr>
@@ -6275,8 +6452,8 @@
         </p:nvSpPr>
         <p:spPr>
           <a:xfrm>
-            <a:off x="517869" y="976160"/>
-            <a:ext cx="8686800" cy="926781"/>
+            <a:off x="517869" y="785813"/>
+            <a:ext cx="8686800" cy="1000125"/>
           </a:xfrm>
         </p:spPr>
         <p:txBody>
@@ -6287,7 +6464,7 @@
           <a:p>
             <a:r>
               <a:rPr lang="en-US" dirty="0"/>
-              <a:t>CONCLUSION</a:t>
+              <a:t>RESULT</a:t>
             </a:r>
           </a:p>
         </p:txBody>
@@ -6300,7 +6477,7 @@
                 <a16:creationId xmlns:a16="http://schemas.microsoft.com/office/drawing/2014/main" id="{5B8D7907-8AB9-4E98-A576-1A13AECEDF3A}"/>
               </a:ext>
               <a:ext uri="{C183D7F6-B498-43B3-948B-1728B52AA6E4}">
-                <adec:decorative xmlns:adec="http://schemas.microsoft.com/office/drawing/2017/decorative" xmlns="" val="1"/>
+                <adec:decorative xmlns="" xmlns:adec="http://schemas.microsoft.com/office/drawing/2017/decorative" val="1"/>
               </a:ext>
             </a:extLst>
           </p:cNvPr>
@@ -6360,7 +6537,7 @@
           <p:cNvPr id="3" name="Content Placeholder 2">
             <a:extLst>
               <a:ext uri="{FF2B5EF4-FFF2-40B4-BE49-F238E27FC236}">
-                <a16:creationId xmlns:a16="http://schemas.microsoft.com/office/drawing/2014/main" id="{CF6AF3CE-9383-CE1A-B92E-C7C0DC00B4DD}"/>
+                <a16:creationId xmlns:a16="http://schemas.microsoft.com/office/drawing/2014/main" id="{DC9DCE16-5795-F601-83AE-2E602180EE3A}"/>
               </a:ext>
             </a:extLst>
           </p:cNvPr>
@@ -6373,8 +6550,8 @@
         </p:nvSpPr>
         <p:spPr>
           <a:xfrm>
-            <a:off x="517869" y="2323070"/>
-            <a:ext cx="8686799" cy="3865794"/>
+            <a:off x="517869" y="3172570"/>
+            <a:ext cx="8686799" cy="3016294"/>
           </a:xfrm>
         </p:spPr>
         <p:txBody>
@@ -6390,7 +6567,7 @@
     </p:spTree>
     <p:extLst>
       <p:ext uri="{BB962C8B-B14F-4D97-AF65-F5344CB8AC3E}">
-        <p14:creationId xmlns:p14="http://schemas.microsoft.com/office/powerpoint/2010/main" val="1958232151"/>
+        <p14:creationId xmlns:p14="http://schemas.microsoft.com/office/powerpoint/2010/main" val="3402530586"/>
       </p:ext>
     </p:extLst>
   </p:cSld>

--- a/source/MySEProject/Documentation/ML-22-23-15 Approve Prediction of Multisequence Learning .pptx
+++ b/source/MySEProject/Documentation/ML-22-23-15 Approve Prediction of Multisequence Learning .pptx
@@ -12,9 +12,10 @@
     <p:sldId id="260" r:id="rId6"/>
     <p:sldId id="265" r:id="rId7"/>
     <p:sldId id="261" r:id="rId8"/>
-    <p:sldId id="262" r:id="rId9"/>
-    <p:sldId id="263" r:id="rId10"/>
-    <p:sldId id="264" r:id="rId11"/>
+    <p:sldId id="266" r:id="rId9"/>
+    <p:sldId id="262" r:id="rId10"/>
+    <p:sldId id="263" r:id="rId11"/>
+    <p:sldId id="264" r:id="rId12"/>
   </p:sldIdLst>
   <p:sldSz cx="12192000" cy="6858000"/>
   <p:notesSz cx="6858000" cy="9144000"/>
@@ -4333,6 +4334,234 @@
           <p:cNvPr id="2" name="Title 1">
             <a:extLst>
               <a:ext uri="{FF2B5EF4-FFF2-40B4-BE49-F238E27FC236}">
+                <a16:creationId xmlns:a16="http://schemas.microsoft.com/office/drawing/2014/main" id="{0C681EFA-DFBD-EA24-AC3F-12C9EBAF7CF8}"/>
+              </a:ext>
+            </a:extLst>
+          </p:cNvPr>
+          <p:cNvSpPr>
+            <a:spLocks noGrp="1"/>
+          </p:cNvSpPr>
+          <p:nvPr>
+            <p:ph type="title"/>
+          </p:nvPr>
+        </p:nvSpPr>
+        <p:spPr>
+          <a:xfrm>
+            <a:off x="517869" y="785813"/>
+            <a:ext cx="8686800" cy="1000125"/>
+          </a:xfrm>
+        </p:spPr>
+        <p:txBody>
+          <a:bodyPr>
+            <a:normAutofit/>
+          </a:bodyPr>
+          <a:lstStyle/>
+          <a:p>
+            <a:r>
+              <a:rPr lang="en-US" dirty="0"/>
+              <a:t>RESULT</a:t>
+            </a:r>
+          </a:p>
+        </p:txBody>
+      </p:sp>
+      <p:sp>
+        <p:nvSpPr>
+          <p:cNvPr id="10" name="Rectangle 9">
+            <a:extLst>
+              <a:ext uri="{FF2B5EF4-FFF2-40B4-BE49-F238E27FC236}">
+                <a16:creationId xmlns:a16="http://schemas.microsoft.com/office/drawing/2014/main" id="{5B8D7907-8AB9-4E98-A576-1A13AECEDF3A}"/>
+              </a:ext>
+              <a:ext uri="{C183D7F6-B498-43B3-948B-1728B52AA6E4}">
+                <adec:decorative xmlns="" xmlns:adec="http://schemas.microsoft.com/office/drawing/2017/decorative" val="1"/>
+              </a:ext>
+            </a:extLst>
+          </p:cNvPr>
+          <p:cNvSpPr>
+            <a:spLocks noGrp="1" noRot="1" noChangeAspect="1" noMove="1" noResize="1" noEditPoints="1" noAdjustHandles="1" noChangeArrowheads="1" noChangeShapeType="1" noTextEdit="1"/>
+          </p:cNvSpPr>
+          <p:nvPr>
+            <p:extLst>
+              <p:ext uri="{386F3935-93C4-4BCD-93E2-E3B085C9AB24}">
+                <p16:designElem xmlns:p16="http://schemas.microsoft.com/office/powerpoint/2015/main" val="1"/>
+              </p:ext>
+            </p:extLst>
+          </p:nvPr>
+        </p:nvSpPr>
+        <p:spPr>
+          <a:xfrm>
+            <a:off x="517869" y="508090"/>
+            <a:ext cx="8732520" cy="149279"/>
+          </a:xfrm>
+          <a:prstGeom prst="rect">
+            <a:avLst/>
+          </a:prstGeom>
+          <a:solidFill>
+            <a:schemeClr val="tx1"/>
+          </a:solidFill>
+          <a:ln>
+            <a:noFill/>
+          </a:ln>
+        </p:spPr>
+        <p:style>
+          <a:lnRef idx="2">
+            <a:schemeClr val="accent1">
+              <a:shade val="50000"/>
+            </a:schemeClr>
+          </a:lnRef>
+          <a:fillRef idx="1">
+            <a:schemeClr val="accent1"/>
+          </a:fillRef>
+          <a:effectRef idx="0">
+            <a:schemeClr val="accent1"/>
+          </a:effectRef>
+          <a:fontRef idx="minor">
+            <a:schemeClr val="lt1"/>
+          </a:fontRef>
+        </p:style>
+        <p:txBody>
+          <a:bodyPr rtlCol="0" anchor="ctr"/>
+          <a:lstStyle/>
+          <a:p>
+            <a:pPr algn="ctr"/>
+            <a:endParaRPr lang="en-US"/>
+          </a:p>
+        </p:txBody>
+      </p:sp>
+      <p:sp>
+        <p:nvSpPr>
+          <p:cNvPr id="3" name="Content Placeholder 2">
+            <a:extLst>
+              <a:ext uri="{FF2B5EF4-FFF2-40B4-BE49-F238E27FC236}">
+                <a16:creationId xmlns:a16="http://schemas.microsoft.com/office/drawing/2014/main" id="{DC9DCE16-5795-F601-83AE-2E602180EE3A}"/>
+              </a:ext>
+            </a:extLst>
+          </p:cNvPr>
+          <p:cNvSpPr>
+            <a:spLocks noGrp="1"/>
+          </p:cNvSpPr>
+          <p:nvPr>
+            <p:ph idx="1"/>
+          </p:nvPr>
+        </p:nvSpPr>
+        <p:spPr>
+          <a:xfrm>
+            <a:off x="517869" y="3172570"/>
+            <a:ext cx="8686799" cy="3016294"/>
+          </a:xfrm>
+        </p:spPr>
+        <p:txBody>
+          <a:bodyPr>
+            <a:normAutofit/>
+          </a:bodyPr>
+          <a:lstStyle/>
+          <a:p>
+            <a:endParaRPr lang="en-US" dirty="0"/>
+          </a:p>
+        </p:txBody>
+      </p:sp>
+    </p:spTree>
+    <p:extLst>
+      <p:ext uri="{BB962C8B-B14F-4D97-AF65-F5344CB8AC3E}">
+        <p14:creationId xmlns:p14="http://schemas.microsoft.com/office/powerpoint/2010/main" val="3402530586"/>
+      </p:ext>
+    </p:extLst>
+  </p:cSld>
+  <p:clrMapOvr>
+    <a:masterClrMapping/>
+  </p:clrMapOvr>
+</p:sld>
+</file>
+
+<file path=ppt/slides/slide11.xml><?xml version="1.0" encoding="utf-8"?>
+<p:sld xmlns:a="http://schemas.openxmlformats.org/drawingml/2006/main" xmlns:r="http://schemas.openxmlformats.org/officeDocument/2006/relationships" xmlns:p="http://schemas.openxmlformats.org/presentationml/2006/main">
+  <p:cSld>
+    <p:bg>
+      <p:bgPr>
+        <a:solidFill>
+          <a:schemeClr val="bg1"/>
+        </a:solidFill>
+        <a:effectLst/>
+      </p:bgPr>
+    </p:bg>
+    <p:spTree>
+      <p:nvGrpSpPr>
+        <p:cNvPr id="1" name=""/>
+        <p:cNvGrpSpPr/>
+        <p:nvPr/>
+      </p:nvGrpSpPr>
+      <p:grpSpPr>
+        <a:xfrm>
+          <a:off x="0" y="0"/>
+          <a:ext cx="0" cy="0"/>
+          <a:chOff x="0" y="0"/>
+          <a:chExt cx="0" cy="0"/>
+        </a:xfrm>
+      </p:grpSpPr>
+      <p:sp useBgFill="1">
+        <p:nvSpPr>
+          <p:cNvPr id="8" name="Rectangle 7">
+            <a:extLst>
+              <a:ext uri="{FF2B5EF4-FFF2-40B4-BE49-F238E27FC236}">
+                <a16:creationId xmlns:a16="http://schemas.microsoft.com/office/drawing/2014/main" id="{FAA3B297-9683-4E38-89FA-062C53E13F85}"/>
+              </a:ext>
+              <a:ext uri="{C183D7F6-B498-43B3-948B-1728B52AA6E4}">
+                <adec:decorative xmlns="" xmlns:adec="http://schemas.microsoft.com/office/drawing/2017/decorative" val="1"/>
+              </a:ext>
+            </a:extLst>
+          </p:cNvPr>
+          <p:cNvSpPr>
+            <a:spLocks noGrp="1" noRot="1" noChangeAspect="1" noMove="1" noResize="1" noEditPoints="1" noAdjustHandles="1" noChangeArrowheads="1" noChangeShapeType="1" noTextEdit="1"/>
+          </p:cNvSpPr>
+          <p:nvPr>
+            <p:extLst>
+              <p:ext uri="{386F3935-93C4-4BCD-93E2-E3B085C9AB24}">
+                <p16:designElem xmlns:p16="http://schemas.microsoft.com/office/powerpoint/2015/main" val="1"/>
+              </p:ext>
+            </p:extLst>
+          </p:nvPr>
+        </p:nvSpPr>
+        <p:spPr>
+          <a:xfrm>
+            <a:off x="0" y="0"/>
+            <a:ext cx="12188952" cy="6857995"/>
+          </a:xfrm>
+          <a:prstGeom prst="rect">
+            <a:avLst/>
+          </a:prstGeom>
+          <a:ln>
+            <a:noFill/>
+          </a:ln>
+        </p:spPr>
+        <p:style>
+          <a:lnRef idx="2">
+            <a:schemeClr val="accent1">
+              <a:shade val="50000"/>
+            </a:schemeClr>
+          </a:lnRef>
+          <a:fillRef idx="1">
+            <a:schemeClr val="accent1"/>
+          </a:fillRef>
+          <a:effectRef idx="0">
+            <a:schemeClr val="accent1"/>
+          </a:effectRef>
+          <a:fontRef idx="minor">
+            <a:schemeClr val="lt1"/>
+          </a:fontRef>
+        </p:style>
+        <p:txBody>
+          <a:bodyPr rtlCol="0" anchor="ctr"/>
+          <a:lstStyle/>
+          <a:p>
+            <a:pPr algn="ctr"/>
+            <a:endParaRPr lang="en-US" dirty="0"/>
+          </a:p>
+        </p:txBody>
+      </p:sp>
+      <p:sp>
+        <p:nvSpPr>
+          <p:cNvPr id="2" name="Title 1">
+            <a:extLst>
+              <a:ext uri="{FF2B5EF4-FFF2-40B4-BE49-F238E27FC236}">
                 <a16:creationId xmlns:a16="http://schemas.microsoft.com/office/drawing/2014/main" id="{D73406E1-F2BE-59D9-A9F1-8140C3C0F06B}"/>
               </a:ext>
             </a:extLst>
@@ -5041,6 +5270,13 @@
   <p:clrMapOvr>
     <a:masterClrMapping/>
   </p:clrMapOvr>
+  <p:timing>
+    <p:tnLst>
+      <p:par>
+        <p:cTn id="1" dur="indefinite" restart="never" nodeType="tmRoot"/>
+      </p:par>
+    </p:tnLst>
+  </p:timing>
 </p:sld>
 </file>
 
@@ -5381,6 +5617,13 @@
   <p:clrMapOvr>
     <a:masterClrMapping/>
   </p:clrMapOvr>
+  <p:timing>
+    <p:tnLst>
+      <p:par>
+        <p:cTn id="1" dur="indefinite" restart="never" nodeType="tmRoot"/>
+      </p:par>
+    </p:tnLst>
+  </p:timing>
 </p:sld>
 </file>
 
@@ -5609,6 +5852,13 @@
   <p:clrMapOvr>
     <a:masterClrMapping/>
   </p:clrMapOvr>
+  <p:timing>
+    <p:tnLst>
+      <p:par>
+        <p:cTn id="1" dur="indefinite" restart="never" nodeType="tmRoot"/>
+      </p:par>
+    </p:tnLst>
+  </p:timing>
 </p:sld>
 </file>
 
@@ -6115,20 +6365,19 @@
   <p:clrMapOvr>
     <a:masterClrMapping/>
   </p:clrMapOvr>
+  <p:timing>
+    <p:tnLst>
+      <p:par>
+        <p:cTn id="1" dur="indefinite" restart="never" nodeType="tmRoot"/>
+      </p:par>
+    </p:tnLst>
+  </p:timing>
 </p:sld>
 </file>
 
 <file path=ppt/slides/slide8.xml><?xml version="1.0" encoding="utf-8"?>
 <p:sld xmlns:a="http://schemas.openxmlformats.org/drawingml/2006/main" xmlns:r="http://schemas.openxmlformats.org/officeDocument/2006/relationships" xmlns:p="http://schemas.openxmlformats.org/presentationml/2006/main">
   <p:cSld>
-    <p:bg>
-      <p:bgPr>
-        <a:solidFill>
-          <a:schemeClr val="bg1"/>
-        </a:solidFill>
-        <a:effectLst/>
-      </p:bgPr>
-    </p:bg>
     <p:spTree>
       <p:nvGrpSpPr>
         <p:cNvPr id="1" name=""/>
@@ -6143,75 +6392,9 @@
           <a:chExt cx="0" cy="0"/>
         </a:xfrm>
       </p:grpSpPr>
-      <p:sp useBgFill="1">
-        <p:nvSpPr>
-          <p:cNvPr id="8" name="Rectangle 7">
-            <a:extLst>
-              <a:ext uri="{FF2B5EF4-FFF2-40B4-BE49-F238E27FC236}">
-                <a16:creationId xmlns:a16="http://schemas.microsoft.com/office/drawing/2014/main" id="{FAA3B297-9683-4E38-89FA-062C53E13F85}"/>
-              </a:ext>
-              <a:ext uri="{C183D7F6-B498-43B3-948B-1728B52AA6E4}">
-                <adec:decorative xmlns="" xmlns:adec="http://schemas.microsoft.com/office/drawing/2017/decorative" val="1"/>
-              </a:ext>
-            </a:extLst>
-          </p:cNvPr>
-          <p:cNvSpPr>
-            <a:spLocks noGrp="1" noRot="1" noChangeAspect="1" noMove="1" noResize="1" noEditPoints="1" noAdjustHandles="1" noChangeArrowheads="1" noChangeShapeType="1" noTextEdit="1"/>
-          </p:cNvSpPr>
-          <p:nvPr>
-            <p:extLst>
-              <p:ext uri="{386F3935-93C4-4BCD-93E2-E3B085C9AB24}">
-                <p16:designElem xmlns:p16="http://schemas.microsoft.com/office/powerpoint/2015/main" val="1"/>
-              </p:ext>
-            </p:extLst>
-          </p:nvPr>
-        </p:nvSpPr>
-        <p:spPr>
-          <a:xfrm>
-            <a:off x="0" y="0"/>
-            <a:ext cx="12188952" cy="6857995"/>
-          </a:xfrm>
-          <a:prstGeom prst="rect">
-            <a:avLst/>
-          </a:prstGeom>
-          <a:ln>
-            <a:noFill/>
-          </a:ln>
-        </p:spPr>
-        <p:style>
-          <a:lnRef idx="2">
-            <a:schemeClr val="accent1">
-              <a:shade val="50000"/>
-            </a:schemeClr>
-          </a:lnRef>
-          <a:fillRef idx="1">
-            <a:schemeClr val="accent1"/>
-          </a:fillRef>
-          <a:effectRef idx="0">
-            <a:schemeClr val="accent1"/>
-          </a:effectRef>
-          <a:fontRef idx="minor">
-            <a:schemeClr val="lt1"/>
-          </a:fontRef>
-        </p:style>
-        <p:txBody>
-          <a:bodyPr rtlCol="0" anchor="ctr"/>
-          <a:lstStyle/>
-          <a:p>
-            <a:pPr algn="ctr"/>
-            <a:endParaRPr lang="en-US" dirty="0"/>
-          </a:p>
-        </p:txBody>
-      </p:sp>
-      <p:sp>
-        <p:nvSpPr>
-          <p:cNvPr id="2" name="Title 1">
-            <a:extLst>
-              <a:ext uri="{FF2B5EF4-FFF2-40B4-BE49-F238E27FC236}">
-                <a16:creationId xmlns:a16="http://schemas.microsoft.com/office/drawing/2014/main" id="{5F104249-400B-AD3A-F382-C91918689B2C}"/>
-              </a:ext>
-            </a:extLst>
-          </p:cNvPr>
+      <p:sp>
+        <p:nvSpPr>
+          <p:cNvPr id="2" name="Title 1"/>
           <p:cNvSpPr>
             <a:spLocks noGrp="1"/>
           </p:cNvSpPr>
@@ -6221,8 +6404,8 @@
         </p:nvSpPr>
         <p:spPr>
           <a:xfrm>
-            <a:off x="517869" y="976160"/>
-            <a:ext cx="8686800" cy="951494"/>
+            <a:off x="517869" y="978408"/>
+            <a:ext cx="6480089" cy="775747"/>
           </a:xfrm>
         </p:spPr>
         <p:txBody>
@@ -6232,87 +6415,19 @@
           <a:lstStyle/>
           <a:p>
             <a:r>
-              <a:rPr lang="en-US" sz="4000" dirty="0">
+              <a:rPr lang="en-IN" sz="4000" dirty="0">
                 <a:latin typeface="Arial" panose="020B0604020202020204" pitchFamily="34" charset="0"/>
                 <a:cs typeface="Arial" panose="020B0604020202020204" pitchFamily="34" charset="0"/>
               </a:rPr>
-              <a:t>FLOW-CHART</a:t>
-            </a:r>
-          </a:p>
-        </p:txBody>
-      </p:sp>
-      <p:sp>
-        <p:nvSpPr>
-          <p:cNvPr id="10" name="Rectangle 9">
-            <a:extLst>
-              <a:ext uri="{FF2B5EF4-FFF2-40B4-BE49-F238E27FC236}">
-                <a16:creationId xmlns:a16="http://schemas.microsoft.com/office/drawing/2014/main" id="{5B8D7907-8AB9-4E98-A576-1A13AECEDF3A}"/>
-              </a:ext>
-              <a:ext uri="{C183D7F6-B498-43B3-948B-1728B52AA6E4}">
-                <adec:decorative xmlns="" xmlns:adec="http://schemas.microsoft.com/office/drawing/2017/decorative" val="1"/>
-              </a:ext>
-            </a:extLst>
-          </p:cNvPr>
-          <p:cNvSpPr>
-            <a:spLocks noGrp="1" noRot="1" noChangeAspect="1" noMove="1" noResize="1" noEditPoints="1" noAdjustHandles="1" noChangeArrowheads="1" noChangeShapeType="1" noTextEdit="1"/>
-          </p:cNvSpPr>
-          <p:nvPr>
-            <p:extLst>
-              <p:ext uri="{386F3935-93C4-4BCD-93E2-E3B085C9AB24}">
-                <p16:designElem xmlns:p16="http://schemas.microsoft.com/office/powerpoint/2015/main" val="1"/>
-              </p:ext>
-            </p:extLst>
-          </p:nvPr>
-        </p:nvSpPr>
-        <p:spPr>
-          <a:xfrm>
-            <a:off x="517869" y="508090"/>
-            <a:ext cx="8732520" cy="149279"/>
-          </a:xfrm>
-          <a:prstGeom prst="rect">
-            <a:avLst/>
-          </a:prstGeom>
-          <a:solidFill>
-            <a:schemeClr val="tx1"/>
-          </a:solidFill>
-          <a:ln>
-            <a:noFill/>
-          </a:ln>
-        </p:spPr>
-        <p:style>
-          <a:lnRef idx="2">
-            <a:schemeClr val="accent1">
-              <a:shade val="50000"/>
-            </a:schemeClr>
-          </a:lnRef>
-          <a:fillRef idx="1">
-            <a:schemeClr val="accent1"/>
-          </a:fillRef>
-          <a:effectRef idx="0">
-            <a:schemeClr val="accent1"/>
-          </a:effectRef>
-          <a:fontRef idx="minor">
-            <a:schemeClr val="lt1"/>
-          </a:fontRef>
-        </p:style>
-        <p:txBody>
-          <a:bodyPr rtlCol="0" anchor="ctr"/>
-          <a:lstStyle/>
-          <a:p>
-            <a:pPr algn="ctr"/>
-            <a:endParaRPr lang="en-US"/>
-          </a:p>
-        </p:txBody>
-      </p:sp>
-      <p:sp>
-        <p:nvSpPr>
-          <p:cNvPr id="3" name="Content Placeholder 2">
-            <a:extLst>
-              <a:ext uri="{FF2B5EF4-FFF2-40B4-BE49-F238E27FC236}">
-                <a16:creationId xmlns:a16="http://schemas.microsoft.com/office/drawing/2014/main" id="{7F00A25F-4CA4-D443-D525-EEE4B67C7EC0}"/>
-              </a:ext>
-            </a:extLst>
-          </p:cNvPr>
+              <a:t>IMPLEMENTATION</a:t>
+            </a:r>
+            <a:endParaRPr lang="en-IN" sz="4000" dirty="0"/>
+          </a:p>
+        </p:txBody>
+      </p:sp>
+      <p:sp>
+        <p:nvSpPr>
+          <p:cNvPr id="3" name="Content Placeholder 2"/>
           <p:cNvSpPr>
             <a:spLocks noGrp="1"/>
           </p:cNvSpPr>
@@ -6322,30 +6437,106 @@
         </p:nvSpPr>
         <p:spPr>
           <a:xfrm>
-            <a:off x="517869" y="3172570"/>
-            <a:ext cx="8686799" cy="3016294"/>
-          </a:xfrm>
-        </p:spPr>
-        <p:txBody>
-          <a:bodyPr>
-            <a:normAutofit/>
-          </a:bodyPr>
-          <a:lstStyle/>
-          <a:p>
-            <a:endParaRPr lang="en-US" dirty="0"/>
+            <a:off x="517869" y="1799502"/>
+            <a:ext cx="5021182" cy="4870457"/>
+          </a:xfrm>
+        </p:spPr>
+        <p:txBody>
+          <a:bodyPr/>
+          <a:lstStyle/>
+          <a:p>
+            <a:r>
+              <a:rPr lang="en-US" b="1" dirty="0">
+                <a:latin typeface="Arial" panose="020B0604020202020204" pitchFamily="34" charset="0"/>
+                <a:ea typeface="Black Han Sans" panose="020B0604020202020204" charset="-127"/>
+                <a:cs typeface="Arial" panose="020B0604020202020204" pitchFamily="34" charset="0"/>
+              </a:rPr>
+              <a:t>For Image</a:t>
+            </a:r>
+          </a:p>
+          <a:p>
+            <a:endParaRPr lang="en-US" dirty="0">
+              <a:latin typeface="Arial" panose="020B0604020202020204" pitchFamily="34" charset="0"/>
+              <a:ea typeface="Black Han Sans" panose="020B0604020202020204" charset="-127"/>
+              <a:cs typeface="Arial" panose="020B0604020202020204" pitchFamily="34" charset="0"/>
+            </a:endParaRPr>
+          </a:p>
+          <a:p>
+            <a:r>
+              <a:rPr lang="en-US" dirty="0">
+                <a:latin typeface="Arial" panose="020B0604020202020204" pitchFamily="34" charset="0"/>
+                <a:cs typeface="Arial" panose="020B0604020202020204" pitchFamily="34" charset="0"/>
+              </a:rPr>
+              <a:t>The datasets are downloaded as.jpg files and </a:t>
+            </a:r>
+            <a:r>
+              <a:rPr lang="en-US" dirty="0" err="1">
+                <a:latin typeface="Arial" panose="020B0604020202020204" pitchFamily="34" charset="0"/>
+                <a:cs typeface="Arial" panose="020B0604020202020204" pitchFamily="34" charset="0"/>
+              </a:rPr>
+              <a:t>binarized</a:t>
+            </a:r>
+            <a:r>
+              <a:rPr lang="en-US" dirty="0">
+                <a:latin typeface="Arial" panose="020B0604020202020204" pitchFamily="34" charset="0"/>
+                <a:cs typeface="Arial" panose="020B0604020202020204" pitchFamily="34" charset="0"/>
+              </a:rPr>
+              <a:t> using an encoder with a homeostatic plasticity controller for stability</a:t>
+            </a:r>
+            <a:r>
+              <a:rPr lang="en-US" dirty="0" smtClean="0">
+                <a:latin typeface="Arial" panose="020B0604020202020204" pitchFamily="34" charset="0"/>
+                <a:cs typeface="Arial" panose="020B0604020202020204" pitchFamily="34" charset="0"/>
+              </a:rPr>
+              <a:t>.</a:t>
+            </a:r>
+          </a:p>
+          <a:p>
+            <a:r>
+              <a:rPr lang="en-US" dirty="0" smtClean="0">
+                <a:latin typeface="Arial" panose="020B0604020202020204" pitchFamily="34" charset="0"/>
+                <a:cs typeface="Arial" panose="020B0604020202020204" pitchFamily="34" charset="0"/>
+              </a:rPr>
+              <a:t>The </a:t>
+            </a:r>
+            <a:r>
+              <a:rPr lang="en-US" dirty="0" err="1">
+                <a:latin typeface="Arial" panose="020B0604020202020204" pitchFamily="34" charset="0"/>
+                <a:cs typeface="Arial" panose="020B0604020202020204" pitchFamily="34" charset="0"/>
+              </a:rPr>
+              <a:t>binarized</a:t>
+            </a:r>
+            <a:r>
+              <a:rPr lang="en-US" dirty="0">
+                <a:latin typeface="Arial" panose="020B0604020202020204" pitchFamily="34" charset="0"/>
+                <a:cs typeface="Arial" panose="020B0604020202020204" pitchFamily="34" charset="0"/>
+              </a:rPr>
+              <a:t> datasets are used to train Spatial Pooler via numerous rounds until it reaches a stable state.</a:t>
+            </a:r>
+            <a:endParaRPr lang="en-IN" dirty="0">
+              <a:latin typeface="Arial" panose="020B0604020202020204" pitchFamily="34" charset="0"/>
+              <a:cs typeface="Arial" panose="020B0604020202020204" pitchFamily="34" charset="0"/>
+            </a:endParaRPr>
           </a:p>
         </p:txBody>
       </p:sp>
     </p:spTree>
     <p:extLst>
       <p:ext uri="{BB962C8B-B14F-4D97-AF65-F5344CB8AC3E}">
-        <p14:creationId xmlns:p14="http://schemas.microsoft.com/office/powerpoint/2010/main" val="2487824199"/>
+        <p14:creationId xmlns:p14="http://schemas.microsoft.com/office/powerpoint/2010/main" val="1471242726"/>
       </p:ext>
     </p:extLst>
   </p:cSld>
   <p:clrMapOvr>
     <a:masterClrMapping/>
   </p:clrMapOvr>
+  <p:timing>
+    <p:tnLst>
+      <p:par>
+        <p:cTn id="1" dur="indefinite" restart="never" nodeType="tmRoot"/>
+      </p:par>
+    </p:tnLst>
+  </p:timing>
 </p:sld>
 </file>
 
@@ -6439,7 +6630,7 @@
           <p:cNvPr id="2" name="Title 1">
             <a:extLst>
               <a:ext uri="{FF2B5EF4-FFF2-40B4-BE49-F238E27FC236}">
-                <a16:creationId xmlns:a16="http://schemas.microsoft.com/office/drawing/2014/main" id="{0C681EFA-DFBD-EA24-AC3F-12C9EBAF7CF8}"/>
+                <a16:creationId xmlns:a16="http://schemas.microsoft.com/office/drawing/2014/main" id="{5F104249-400B-AD3A-F382-C91918689B2C}"/>
               </a:ext>
             </a:extLst>
           </p:cNvPr>
@@ -6452,8 +6643,8 @@
         </p:nvSpPr>
         <p:spPr>
           <a:xfrm>
-            <a:off x="517869" y="785813"/>
-            <a:ext cx="8686800" cy="1000125"/>
+            <a:off x="517869" y="976160"/>
+            <a:ext cx="8686800" cy="951494"/>
           </a:xfrm>
         </p:spPr>
         <p:txBody>
@@ -6463,8 +6654,11 @@
           <a:lstStyle/>
           <a:p>
             <a:r>
-              <a:rPr lang="en-US" dirty="0"/>
-              <a:t>RESULT</a:t>
+              <a:rPr lang="en-US" sz="4000" dirty="0">
+                <a:latin typeface="Arial" panose="020B0604020202020204" pitchFamily="34" charset="0"/>
+                <a:cs typeface="Arial" panose="020B0604020202020204" pitchFamily="34" charset="0"/>
+              </a:rPr>
+              <a:t>FLOW-CHART</a:t>
             </a:r>
           </a:p>
         </p:txBody>
@@ -6537,7 +6731,7 @@
           <p:cNvPr id="3" name="Content Placeholder 2">
             <a:extLst>
               <a:ext uri="{FF2B5EF4-FFF2-40B4-BE49-F238E27FC236}">
-                <a16:creationId xmlns:a16="http://schemas.microsoft.com/office/drawing/2014/main" id="{DC9DCE16-5795-F601-83AE-2E602180EE3A}"/>
+                <a16:creationId xmlns:a16="http://schemas.microsoft.com/office/drawing/2014/main" id="{7F00A25F-4CA4-D443-D525-EEE4B67C7EC0}"/>
               </a:ext>
             </a:extLst>
           </p:cNvPr>
@@ -6550,7 +6744,7 @@
         </p:nvSpPr>
         <p:spPr>
           <a:xfrm>
-            <a:off x="517869" y="3172570"/>
+            <a:off x="563590" y="2511773"/>
             <a:ext cx="8686799" cy="3016294"/>
           </a:xfrm>
         </p:spPr>
@@ -6564,16 +6758,107 @@
           </a:p>
         </p:txBody>
       </p:sp>
+      <p:sp>
+        <p:nvSpPr>
+          <p:cNvPr id="4" name="Oval 3"/>
+          <p:cNvSpPr/>
+          <p:nvPr/>
+        </p:nvSpPr>
+        <p:spPr>
+          <a:xfrm>
+            <a:off x="1483567" y="3051110"/>
+            <a:ext cx="1082351" cy="615821"/>
+          </a:xfrm>
+          <a:prstGeom prst="ellipse">
+            <a:avLst/>
+          </a:prstGeom>
+        </p:spPr>
+        <p:style>
+          <a:lnRef idx="2">
+            <a:schemeClr val="accent1">
+              <a:shade val="50000"/>
+            </a:schemeClr>
+          </a:lnRef>
+          <a:fillRef idx="1">
+            <a:schemeClr val="accent1"/>
+          </a:fillRef>
+          <a:effectRef idx="0">
+            <a:schemeClr val="accent1"/>
+          </a:effectRef>
+          <a:fontRef idx="minor">
+            <a:schemeClr val="lt1"/>
+          </a:fontRef>
+        </p:style>
+        <p:txBody>
+          <a:bodyPr rtlCol="0" anchor="ctr"/>
+          <a:lstStyle/>
+          <a:p>
+            <a:pPr algn="ctr"/>
+            <a:endParaRPr lang="en-IN">
+              <a:solidFill>
+                <a:schemeClr val="bg1"/>
+              </a:solidFill>
+            </a:endParaRPr>
+          </a:p>
+        </p:txBody>
+      </p:sp>
+      <p:sp>
+        <p:nvSpPr>
+          <p:cNvPr id="5" name="Flowchart: Data 4"/>
+          <p:cNvSpPr/>
+          <p:nvPr/>
+        </p:nvSpPr>
+        <p:spPr>
+          <a:xfrm>
+            <a:off x="1483567" y="4254759"/>
+            <a:ext cx="1054360" cy="612648"/>
+          </a:xfrm>
+          <a:prstGeom prst="flowChartInputOutput">
+            <a:avLst/>
+          </a:prstGeom>
+        </p:spPr>
+        <p:style>
+          <a:lnRef idx="2">
+            <a:schemeClr val="accent1">
+              <a:shade val="50000"/>
+            </a:schemeClr>
+          </a:lnRef>
+          <a:fillRef idx="1">
+            <a:schemeClr val="accent1"/>
+          </a:fillRef>
+          <a:effectRef idx="0">
+            <a:schemeClr val="accent1"/>
+          </a:effectRef>
+          <a:fontRef idx="minor">
+            <a:schemeClr val="lt1"/>
+          </a:fontRef>
+        </p:style>
+        <p:txBody>
+          <a:bodyPr rtlCol="0" anchor="ctr"/>
+          <a:lstStyle/>
+          <a:p>
+            <a:pPr algn="ctr"/>
+            <a:endParaRPr lang="en-IN"/>
+          </a:p>
+        </p:txBody>
+      </p:sp>
     </p:spTree>
     <p:extLst>
       <p:ext uri="{BB962C8B-B14F-4D97-AF65-F5344CB8AC3E}">
-        <p14:creationId xmlns:p14="http://schemas.microsoft.com/office/powerpoint/2010/main" val="3402530586"/>
+        <p14:creationId xmlns:p14="http://schemas.microsoft.com/office/powerpoint/2010/main" val="2487824199"/>
       </p:ext>
     </p:extLst>
   </p:cSld>
   <p:clrMapOvr>
     <a:masterClrMapping/>
   </p:clrMapOvr>
+  <p:timing>
+    <p:tnLst>
+      <p:par>
+        <p:cTn id="1" dur="indefinite" restart="never" nodeType="tmRoot"/>
+      </p:par>
+    </p:tnLst>
+  </p:timing>
 </p:sld>
 </file>
 

--- a/source/MySEProject/Documentation/ML-22-23-15 Approve Prediction of Multisequence Learning .pptx
+++ b/source/MySEProject/Documentation/ML-22-23-15 Approve Prediction of Multisequence Learning .pptx
@@ -278,7 +278,7 @@
           <a:p>
             <a:fld id="{5E7AA473-D82F-4EFF-9DF7-AE6D83C51288}" type="datetime1">
               <a:rPr lang="en-US" smtClean="0"/>
-              <a:t>3/5/2023</a:t>
+              <a:t>3/19/2023</a:t>
             </a:fld>
             <a:endParaRPr lang="en-US"/>
           </a:p>
@@ -346,7 +346,7 @@
                 <a16:creationId xmlns:a16="http://schemas.microsoft.com/office/drawing/2014/main" id="{F3FF94B3-6D3E-44FE-BB02-A9027C0003C7}"/>
               </a:ext>
               <a:ext uri="{C183D7F6-B498-43B3-948B-1728B52AA6E4}">
-                <adec:decorative xmlns="" xmlns:adec="http://schemas.microsoft.com/office/drawing/2017/decorative" val="1"/>
+                <adec:decorative xmlns:adec="http://schemas.microsoft.com/office/drawing/2017/decorative" xmlns="" val="1"/>
               </a:ext>
             </a:extLst>
           </p:cNvPr>
@@ -532,7 +532,7 @@
           <a:p>
             <a:fld id="{1E12F1F0-FE2D-4C1C-B320-8CB9BE735F0F}" type="datetime1">
               <a:rPr lang="en-US" smtClean="0"/>
-              <a:t>3/5/2023</a:t>
+              <a:t>3/19/2023</a:t>
             </a:fld>
             <a:endParaRPr lang="en-US"/>
           </a:p>
@@ -630,7 +630,7 @@
                 <a16:creationId xmlns:a16="http://schemas.microsoft.com/office/drawing/2014/main" id="{BD7BD47B-C187-494C-812F-46BE0040B915}"/>
               </a:ext>
               <a:ext uri="{C183D7F6-B498-43B3-948B-1728B52AA6E4}">
-                <adec:decorative xmlns="" xmlns:adec="http://schemas.microsoft.com/office/drawing/2017/decorative" val="1"/>
+                <adec:decorative xmlns:adec="http://schemas.microsoft.com/office/drawing/2017/decorative" xmlns="" val="1"/>
               </a:ext>
             </a:extLst>
           </p:cNvPr>
@@ -800,7 +800,7 @@
           <a:p>
             <a:fld id="{2CF1B96C-10FD-4EBC-9029-9652B7535D02}" type="datetime1">
               <a:rPr lang="en-US" smtClean="0"/>
-              <a:t>3/5/2023</a:t>
+              <a:t>3/19/2023</a:t>
             </a:fld>
             <a:endParaRPr lang="en-US"/>
           </a:p>
@@ -868,7 +868,7 @@
                 <a16:creationId xmlns:a16="http://schemas.microsoft.com/office/drawing/2014/main" id="{4618136A-0796-46EB-89BB-4C73C0258FE9}"/>
               </a:ext>
               <a:ext uri="{C183D7F6-B498-43B3-948B-1728B52AA6E4}">
-                <adec:decorative xmlns="" xmlns:adec="http://schemas.microsoft.com/office/drawing/2017/decorative" val="1"/>
+                <adec:decorative xmlns:adec="http://schemas.microsoft.com/office/drawing/2017/decorative" xmlns="" val="1"/>
               </a:ext>
             </a:extLst>
           </p:cNvPr>
@@ -1054,7 +1054,7 @@
           <a:p>
             <a:fld id="{14878474-CC00-4A95-9D50-A41C12D1EEC4}" type="datetime1">
               <a:rPr lang="en-US" smtClean="0"/>
-              <a:t>3/5/2023</a:t>
+              <a:t>3/19/2023</a:t>
             </a:fld>
             <a:endParaRPr lang="en-US"/>
           </a:p>
@@ -1332,7 +1332,7 @@
           <a:p>
             <a:fld id="{7F38C8B4-7FBB-408F-BDB9-F0496874AFB2}" type="datetime1">
               <a:rPr lang="en-US" smtClean="0"/>
-              <a:t>3/5/2023</a:t>
+              <a:t>3/19/2023</a:t>
             </a:fld>
             <a:endParaRPr lang="en-US"/>
           </a:p>
@@ -1604,7 +1604,7 @@
           <a:p>
             <a:fld id="{2BB8EE20-A5E2-47D3-8F6D-A2BA7AB2E093}" type="datetime1">
               <a:rPr lang="en-US" smtClean="0"/>
-              <a:t>3/5/2023</a:t>
+              <a:t>3/19/2023</a:t>
             </a:fld>
             <a:endParaRPr lang="en-US"/>
           </a:p>
@@ -1702,7 +1702,7 @@
                 <a16:creationId xmlns:a16="http://schemas.microsoft.com/office/drawing/2014/main" id="{BF4AA536-072F-4374-926E-17E038EC7E98}"/>
               </a:ext>
               <a:ext uri="{C183D7F6-B498-43B3-948B-1728B52AA6E4}">
-                <adec:decorative xmlns="" xmlns:adec="http://schemas.microsoft.com/office/drawing/2017/decorative" val="1"/>
+                <adec:decorative xmlns:adec="http://schemas.microsoft.com/office/drawing/2017/decorative" xmlns="" val="1"/>
               </a:ext>
             </a:extLst>
           </p:cNvPr>
@@ -2162,7 +2162,7 @@
           <a:p>
             <a:fld id="{3382CF99-132F-413F-B7EF-71A5C33F2ED6}" type="datetime1">
               <a:rPr lang="en-US" smtClean="0"/>
-              <a:t>3/5/2023</a:t>
+              <a:t>3/19/2023</a:t>
             </a:fld>
             <a:endParaRPr lang="en-US"/>
           </a:p>
@@ -2304,7 +2304,7 @@
           <a:p>
             <a:fld id="{1F17AE06-98E0-4D9F-A059-92C3548821BB}" type="datetime1">
               <a:rPr lang="en-US" smtClean="0"/>
-              <a:t>3/5/2023</a:t>
+              <a:t>3/19/2023</a:t>
             </a:fld>
             <a:endParaRPr lang="en-US"/>
           </a:p>
@@ -2417,7 +2417,7 @@
           <a:p>
             <a:fld id="{FFBA00CA-3DDC-4705-B840-978EF5EA0707}" type="datetime1">
               <a:rPr lang="en-US" smtClean="0"/>
-              <a:t>3/5/2023</a:t>
+              <a:t>3/19/2023</a:t>
             </a:fld>
             <a:endParaRPr lang="en-US"/>
           </a:p>
@@ -2736,7 +2736,7 @@
           <a:p>
             <a:fld id="{FC366D49-0BBA-4C5A-AD96-6448CA63451A}" type="datetime1">
               <a:rPr lang="en-US" smtClean="0"/>
-              <a:t>3/5/2023</a:t>
+              <a:t>3/19/2023</a:t>
             </a:fld>
             <a:endParaRPr lang="en-US"/>
           </a:p>
@@ -3033,7 +3033,7 @@
           <a:p>
             <a:fld id="{4F4EB293-A316-472D-A8B4-6947CF1A12B7}" type="datetime1">
               <a:rPr lang="en-US" smtClean="0"/>
-              <a:t>3/5/2023</a:t>
+              <a:t>3/19/2023</a:t>
             </a:fld>
             <a:endParaRPr lang="en-US"/>
           </a:p>
@@ -3312,7 +3312,7 @@
           <a:p>
             <a:fld id="{734BCCD4-CEB1-405B-A443-DD9CBCBEA552}" type="datetime1">
               <a:rPr lang="en-US" smtClean="0"/>
-              <a:t>3/5/2023</a:t>
+              <a:t>3/19/2023</a:t>
             </a:fld>
             <a:endParaRPr lang="en-US"/>
           </a:p>
@@ -3795,7 +3795,7 @@
                 <a16:creationId xmlns:a16="http://schemas.microsoft.com/office/drawing/2014/main" id="{956C5C09-0043-4549-B800-2101B70D667D}"/>
               </a:ext>
               <a:ext uri="{C183D7F6-B498-43B3-948B-1728B52AA6E4}">
-                <adec:decorative xmlns="" xmlns:adec="http://schemas.microsoft.com/office/drawing/2017/decorative" val="1"/>
+                <adec:decorative xmlns:adec="http://schemas.microsoft.com/office/drawing/2017/decorative" xmlns="" val="1"/>
               </a:ext>
             </a:extLst>
           </p:cNvPr>
@@ -3855,7 +3855,7 @@
                 <a16:creationId xmlns:a16="http://schemas.microsoft.com/office/drawing/2014/main" id="{B7E2F724-2FB3-4D1D-A730-739B8654C030}"/>
               </a:ext>
               <a:ext uri="{C183D7F6-B498-43B3-948B-1728B52AA6E4}">
-                <adec:decorative xmlns="" xmlns:adec="http://schemas.microsoft.com/office/drawing/2017/decorative" val="1"/>
+                <adec:decorative xmlns:adec="http://schemas.microsoft.com/office/drawing/2017/decorative" xmlns="" val="1"/>
               </a:ext>
             </a:extLst>
           </p:cNvPr>
@@ -4146,7 +4146,7 @@
                 <a16:creationId xmlns:a16="http://schemas.microsoft.com/office/drawing/2014/main" id="{B2C335F7-F61C-4EB4-80F2-4B1438FE66BB}"/>
               </a:ext>
               <a:ext uri="{C183D7F6-B498-43B3-948B-1728B52AA6E4}">
-                <adec:decorative xmlns="" xmlns:adec="http://schemas.microsoft.com/office/drawing/2017/decorative" val="1"/>
+                <adec:decorative xmlns:adec="http://schemas.microsoft.com/office/drawing/2017/decorative" xmlns="" val="1"/>
               </a:ext>
             </a:extLst>
           </p:cNvPr>
@@ -4277,7 +4277,7 @@
                 <a16:creationId xmlns:a16="http://schemas.microsoft.com/office/drawing/2014/main" id="{FAA3B297-9683-4E38-89FA-062C53E13F85}"/>
               </a:ext>
               <a:ext uri="{C183D7F6-B498-43B3-948B-1728B52AA6E4}">
-                <adec:decorative xmlns="" xmlns:adec="http://schemas.microsoft.com/office/drawing/2017/decorative" val="1"/>
+                <adec:decorative xmlns:adec="http://schemas.microsoft.com/office/drawing/2017/decorative" xmlns="" val="1"/>
               </a:ext>
             </a:extLst>
           </p:cNvPr>
@@ -4372,7 +4372,7 @@
                 <a16:creationId xmlns:a16="http://schemas.microsoft.com/office/drawing/2014/main" id="{5B8D7907-8AB9-4E98-A576-1A13AECEDF3A}"/>
               </a:ext>
               <a:ext uri="{C183D7F6-B498-43B3-948B-1728B52AA6E4}">
-                <adec:decorative xmlns="" xmlns:adec="http://schemas.microsoft.com/office/drawing/2017/decorative" val="1"/>
+                <adec:decorative xmlns:adec="http://schemas.microsoft.com/office/drawing/2017/decorative" xmlns="" val="1"/>
               </a:ext>
             </a:extLst>
           </p:cNvPr>
@@ -4505,7 +4505,7 @@
                 <a16:creationId xmlns:a16="http://schemas.microsoft.com/office/drawing/2014/main" id="{FAA3B297-9683-4E38-89FA-062C53E13F85}"/>
               </a:ext>
               <a:ext uri="{C183D7F6-B498-43B3-948B-1728B52AA6E4}">
-                <adec:decorative xmlns="" xmlns:adec="http://schemas.microsoft.com/office/drawing/2017/decorative" val="1"/>
+                <adec:decorative xmlns:adec="http://schemas.microsoft.com/office/drawing/2017/decorative" xmlns="" val="1"/>
               </a:ext>
             </a:extLst>
           </p:cNvPr>
@@ -4600,7 +4600,7 @@
                 <a16:creationId xmlns:a16="http://schemas.microsoft.com/office/drawing/2014/main" id="{5B8D7907-8AB9-4E98-A576-1A13AECEDF3A}"/>
               </a:ext>
               <a:ext uri="{C183D7F6-B498-43B3-948B-1728B52AA6E4}">
-                <adec:decorative xmlns="" xmlns:adec="http://schemas.microsoft.com/office/drawing/2017/decorative" val="1"/>
+                <adec:decorative xmlns:adec="http://schemas.microsoft.com/office/drawing/2017/decorative" xmlns="" val="1"/>
               </a:ext>
             </a:extLst>
           </p:cNvPr>
@@ -4733,7 +4733,7 @@
                 <a16:creationId xmlns:a16="http://schemas.microsoft.com/office/drawing/2014/main" id="{FAA3B297-9683-4E38-89FA-062C53E13F85}"/>
               </a:ext>
               <a:ext uri="{C183D7F6-B498-43B3-948B-1728B52AA6E4}">
-                <adec:decorative xmlns="" xmlns:adec="http://schemas.microsoft.com/office/drawing/2017/decorative" val="1"/>
+                <adec:decorative xmlns:adec="http://schemas.microsoft.com/office/drawing/2017/decorative" xmlns="" val="1"/>
               </a:ext>
             </a:extLst>
           </p:cNvPr>
@@ -4831,7 +4831,7 @@
                 <a16:creationId xmlns:a16="http://schemas.microsoft.com/office/drawing/2014/main" id="{5B8D7907-8AB9-4E98-A576-1A13AECEDF3A}"/>
               </a:ext>
               <a:ext uri="{C183D7F6-B498-43B3-948B-1728B52AA6E4}">
-                <adec:decorative xmlns="" xmlns:adec="http://schemas.microsoft.com/office/drawing/2017/decorative" val="1"/>
+                <adec:decorative xmlns:adec="http://schemas.microsoft.com/office/drawing/2017/decorative" xmlns="" val="1"/>
               </a:ext>
             </a:extLst>
           </p:cNvPr>
@@ -5006,7 +5006,7 @@
                 <a16:creationId xmlns:a16="http://schemas.microsoft.com/office/drawing/2014/main" id="{FAA3B297-9683-4E38-89FA-062C53E13F85}"/>
               </a:ext>
               <a:ext uri="{C183D7F6-B498-43B3-948B-1728B52AA6E4}">
-                <adec:decorative xmlns="" xmlns:adec="http://schemas.microsoft.com/office/drawing/2017/decorative" val="1"/>
+                <adec:decorative xmlns:adec="http://schemas.microsoft.com/office/drawing/2017/decorative" xmlns="" val="1"/>
               </a:ext>
             </a:extLst>
           </p:cNvPr>
@@ -5101,7 +5101,7 @@
                 <a16:creationId xmlns:a16="http://schemas.microsoft.com/office/drawing/2014/main" id="{5B8D7907-8AB9-4E98-A576-1A13AECEDF3A}"/>
               </a:ext>
               <a:ext uri="{C183D7F6-B498-43B3-948B-1728B52AA6E4}">
-                <adec:decorative xmlns="" xmlns:adec="http://schemas.microsoft.com/office/drawing/2017/decorative" val="1"/>
+                <adec:decorative xmlns:adec="http://schemas.microsoft.com/office/drawing/2017/decorative" xmlns="" val="1"/>
               </a:ext>
             </a:extLst>
           </p:cNvPr>
@@ -5313,7 +5313,7 @@
                 <a16:creationId xmlns:a16="http://schemas.microsoft.com/office/drawing/2014/main" id="{FAA3B297-9683-4E38-89FA-062C53E13F85}"/>
               </a:ext>
               <a:ext uri="{C183D7F6-B498-43B3-948B-1728B52AA6E4}">
-                <adec:decorative xmlns="" xmlns:adec="http://schemas.microsoft.com/office/drawing/2017/decorative" val="1"/>
+                <adec:decorative xmlns:adec="http://schemas.microsoft.com/office/drawing/2017/decorative" xmlns="" val="1"/>
               </a:ext>
             </a:extLst>
           </p:cNvPr>
@@ -5408,7 +5408,7 @@
                 <a16:creationId xmlns:a16="http://schemas.microsoft.com/office/drawing/2014/main" id="{5B8D7907-8AB9-4E98-A576-1A13AECEDF3A}"/>
               </a:ext>
               <a:ext uri="{C183D7F6-B498-43B3-948B-1728B52AA6E4}">
-                <adec:decorative xmlns="" xmlns:adec="http://schemas.microsoft.com/office/drawing/2017/decorative" val="1"/>
+                <adec:decorative xmlns:adec="http://schemas.microsoft.com/office/drawing/2017/decorative" xmlns="" val="1"/>
               </a:ext>
             </a:extLst>
           </p:cNvPr>
@@ -5660,7 +5660,7 @@
                 <a16:creationId xmlns:a16="http://schemas.microsoft.com/office/drawing/2014/main" id="{FAA3B297-9683-4E38-89FA-062C53E13F85}"/>
               </a:ext>
               <a:ext uri="{C183D7F6-B498-43B3-948B-1728B52AA6E4}">
-                <adec:decorative xmlns="" xmlns:adec="http://schemas.microsoft.com/office/drawing/2017/decorative" val="1"/>
+                <adec:decorative xmlns:adec="http://schemas.microsoft.com/office/drawing/2017/decorative" xmlns="" val="1"/>
               </a:ext>
             </a:extLst>
           </p:cNvPr>
@@ -5755,7 +5755,7 @@
                 <a16:creationId xmlns:a16="http://schemas.microsoft.com/office/drawing/2014/main" id="{5B8D7907-8AB9-4E98-A576-1A13AECEDF3A}"/>
               </a:ext>
               <a:ext uri="{C183D7F6-B498-43B3-948B-1728B52AA6E4}">
-                <adec:decorative xmlns="" xmlns:adec="http://schemas.microsoft.com/office/drawing/2017/decorative" val="1"/>
+                <adec:decorative xmlns:adec="http://schemas.microsoft.com/office/drawing/2017/decorative" xmlns="" val="1"/>
               </a:ext>
             </a:extLst>
           </p:cNvPr>
@@ -6079,7 +6079,7 @@
                 <a16:creationId xmlns:a16="http://schemas.microsoft.com/office/drawing/2014/main" id="{FAA3B297-9683-4E38-89FA-062C53E13F85}"/>
               </a:ext>
               <a:ext uri="{C183D7F6-B498-43B3-948B-1728B52AA6E4}">
-                <adec:decorative xmlns="" xmlns:adec="http://schemas.microsoft.com/office/drawing/2017/decorative" val="1"/>
+                <adec:decorative xmlns:adec="http://schemas.microsoft.com/office/drawing/2017/decorative" xmlns="" val="1"/>
               </a:ext>
             </a:extLst>
           </p:cNvPr>
@@ -6181,7 +6181,7 @@
                 <a16:creationId xmlns:a16="http://schemas.microsoft.com/office/drawing/2014/main" id="{5B8D7907-8AB9-4E98-A576-1A13AECEDF3A}"/>
               </a:ext>
               <a:ext uri="{C183D7F6-B498-43B3-948B-1728B52AA6E4}">
-                <adec:decorative xmlns="" xmlns:adec="http://schemas.microsoft.com/office/drawing/2017/decorative" val="1"/>
+                <adec:decorative xmlns:adec="http://schemas.microsoft.com/office/drawing/2017/decorative" xmlns="" val="1"/>
               </a:ext>
             </a:extLst>
           </p:cNvPr>
@@ -6445,76 +6445,16 @@
           <a:bodyPr/>
           <a:lstStyle/>
           <a:p>
-            <a:r>
-              <a:rPr lang="en-US" b="1" dirty="0">
-                <a:latin typeface="Arial" panose="020B0604020202020204" pitchFamily="34" charset="0"/>
-                <a:ea typeface="Black Han Sans" panose="020B0604020202020204" charset="-127"/>
-                <a:cs typeface="Arial" panose="020B0604020202020204" pitchFamily="34" charset="0"/>
-              </a:rPr>
-              <a:t>For Image</a:t>
-            </a:r>
-          </a:p>
-          <a:p>
-            <a:endParaRPr lang="en-US" dirty="0">
+            <a:endParaRPr lang="en-US" b="1" dirty="0">
               <a:latin typeface="Arial" panose="020B0604020202020204" pitchFamily="34" charset="0"/>
               <a:ea typeface="Black Han Sans" panose="020B0604020202020204" charset="-127"/>
               <a:cs typeface="Arial" panose="020B0604020202020204" pitchFamily="34" charset="0"/>
             </a:endParaRPr>
           </a:p>
           <a:p>
-            <a:r>
-              <a:rPr lang="en-US" dirty="0">
-                <a:latin typeface="Arial" panose="020B0604020202020204" pitchFamily="34" charset="0"/>
-                <a:cs typeface="Arial" panose="020B0604020202020204" pitchFamily="34" charset="0"/>
-              </a:rPr>
-              <a:t>The datasets are downloaded as.jpg files and </a:t>
-            </a:r>
-            <a:r>
-              <a:rPr lang="en-US" dirty="0" err="1">
-                <a:latin typeface="Arial" panose="020B0604020202020204" pitchFamily="34" charset="0"/>
-                <a:cs typeface="Arial" panose="020B0604020202020204" pitchFamily="34" charset="0"/>
-              </a:rPr>
-              <a:t>binarized</a:t>
-            </a:r>
-            <a:r>
-              <a:rPr lang="en-US" dirty="0">
-                <a:latin typeface="Arial" panose="020B0604020202020204" pitchFamily="34" charset="0"/>
-                <a:cs typeface="Arial" panose="020B0604020202020204" pitchFamily="34" charset="0"/>
-              </a:rPr>
-              <a:t> using an encoder with a homeostatic plasticity controller for stability</a:t>
-            </a:r>
-            <a:r>
-              <a:rPr lang="en-US" dirty="0" smtClean="0">
-                <a:latin typeface="Arial" panose="020B0604020202020204" pitchFamily="34" charset="0"/>
-                <a:cs typeface="Arial" panose="020B0604020202020204" pitchFamily="34" charset="0"/>
-              </a:rPr>
-              <a:t>.</a:t>
-            </a:r>
-          </a:p>
-          <a:p>
-            <a:r>
-              <a:rPr lang="en-US" dirty="0" smtClean="0">
-                <a:latin typeface="Arial" panose="020B0604020202020204" pitchFamily="34" charset="0"/>
-                <a:cs typeface="Arial" panose="020B0604020202020204" pitchFamily="34" charset="0"/>
-              </a:rPr>
-              <a:t>The </a:t>
-            </a:r>
-            <a:r>
-              <a:rPr lang="en-US" dirty="0" err="1">
-                <a:latin typeface="Arial" panose="020B0604020202020204" pitchFamily="34" charset="0"/>
-                <a:cs typeface="Arial" panose="020B0604020202020204" pitchFamily="34" charset="0"/>
-              </a:rPr>
-              <a:t>binarized</a:t>
-            </a:r>
-            <a:r>
-              <a:rPr lang="en-US" dirty="0">
-                <a:latin typeface="Arial" panose="020B0604020202020204" pitchFamily="34" charset="0"/>
-                <a:cs typeface="Arial" panose="020B0604020202020204" pitchFamily="34" charset="0"/>
-              </a:rPr>
-              <a:t> datasets are used to train Spatial Pooler via numerous rounds until it reaches a stable state.</a:t>
-            </a:r>
-            <a:endParaRPr lang="en-IN" dirty="0">
+            <a:endParaRPr lang="en-US" dirty="0">
               <a:latin typeface="Arial" panose="020B0604020202020204" pitchFamily="34" charset="0"/>
+              <a:ea typeface="Black Han Sans" panose="020B0604020202020204" charset="-127"/>
               <a:cs typeface="Arial" panose="020B0604020202020204" pitchFamily="34" charset="0"/>
             </a:endParaRPr>
           </a:p>
@@ -6573,7 +6513,7 @@
                 <a16:creationId xmlns:a16="http://schemas.microsoft.com/office/drawing/2014/main" id="{FAA3B297-9683-4E38-89FA-062C53E13F85}"/>
               </a:ext>
               <a:ext uri="{C183D7F6-B498-43B3-948B-1728B52AA6E4}">
-                <adec:decorative xmlns="" xmlns:adec="http://schemas.microsoft.com/office/drawing/2017/decorative" val="1"/>
+                <adec:decorative xmlns:adec="http://schemas.microsoft.com/office/drawing/2017/decorative" xmlns="" val="1"/>
               </a:ext>
             </a:extLst>
           </p:cNvPr>
@@ -6671,7 +6611,7 @@
                 <a16:creationId xmlns:a16="http://schemas.microsoft.com/office/drawing/2014/main" id="{5B8D7907-8AB9-4E98-A576-1A13AECEDF3A}"/>
               </a:ext>
               <a:ext uri="{C183D7F6-B498-43B3-948B-1728B52AA6E4}">
-                <adec:decorative xmlns="" xmlns:adec="http://schemas.microsoft.com/office/drawing/2017/decorative" val="1"/>
+                <adec:decorative xmlns:adec="http://schemas.microsoft.com/office/drawing/2017/decorative" xmlns="" val="1"/>
               </a:ext>
             </a:extLst>
           </p:cNvPr>

--- a/source/MySEProject/Documentation/ML-22-23-15 Approve Prediction of Multisequence Learning .pptx
+++ b/source/MySEProject/Documentation/ML-22-23-15 Approve Prediction of Multisequence Learning .pptx
@@ -346,7 +346,7 @@
                 <a16:creationId xmlns:a16="http://schemas.microsoft.com/office/drawing/2014/main" id="{F3FF94B3-6D3E-44FE-BB02-A9027C0003C7}"/>
               </a:ext>
               <a:ext uri="{C183D7F6-B498-43B3-948B-1728B52AA6E4}">
-                <adec:decorative xmlns:adec="http://schemas.microsoft.com/office/drawing/2017/decorative" xmlns="" val="1"/>
+                <adec:decorative xmlns="" xmlns:adec="http://schemas.microsoft.com/office/drawing/2017/decorative" val="1"/>
               </a:ext>
             </a:extLst>
           </p:cNvPr>
@@ -630,7 +630,7 @@
                 <a16:creationId xmlns:a16="http://schemas.microsoft.com/office/drawing/2014/main" id="{BD7BD47B-C187-494C-812F-46BE0040B915}"/>
               </a:ext>
               <a:ext uri="{C183D7F6-B498-43B3-948B-1728B52AA6E4}">
-                <adec:decorative xmlns:adec="http://schemas.microsoft.com/office/drawing/2017/decorative" xmlns="" val="1"/>
+                <adec:decorative xmlns="" xmlns:adec="http://schemas.microsoft.com/office/drawing/2017/decorative" val="1"/>
               </a:ext>
             </a:extLst>
           </p:cNvPr>
@@ -868,7 +868,7 @@
                 <a16:creationId xmlns:a16="http://schemas.microsoft.com/office/drawing/2014/main" id="{4618136A-0796-46EB-89BB-4C73C0258FE9}"/>
               </a:ext>
               <a:ext uri="{C183D7F6-B498-43B3-948B-1728B52AA6E4}">
-                <adec:decorative xmlns:adec="http://schemas.microsoft.com/office/drawing/2017/decorative" xmlns="" val="1"/>
+                <adec:decorative xmlns="" xmlns:adec="http://schemas.microsoft.com/office/drawing/2017/decorative" val="1"/>
               </a:ext>
             </a:extLst>
           </p:cNvPr>
@@ -1702,7 +1702,7 @@
                 <a16:creationId xmlns:a16="http://schemas.microsoft.com/office/drawing/2014/main" id="{BF4AA536-072F-4374-926E-17E038EC7E98}"/>
               </a:ext>
               <a:ext uri="{C183D7F6-B498-43B3-948B-1728B52AA6E4}">
-                <adec:decorative xmlns:adec="http://schemas.microsoft.com/office/drawing/2017/decorative" xmlns="" val="1"/>
+                <adec:decorative xmlns="" xmlns:adec="http://schemas.microsoft.com/office/drawing/2017/decorative" val="1"/>
               </a:ext>
             </a:extLst>
           </p:cNvPr>
@@ -3795,7 +3795,7 @@
                 <a16:creationId xmlns:a16="http://schemas.microsoft.com/office/drawing/2014/main" id="{956C5C09-0043-4549-B800-2101B70D667D}"/>
               </a:ext>
               <a:ext uri="{C183D7F6-B498-43B3-948B-1728B52AA6E4}">
-                <adec:decorative xmlns:adec="http://schemas.microsoft.com/office/drawing/2017/decorative" xmlns="" val="1"/>
+                <adec:decorative xmlns="" xmlns:adec="http://schemas.microsoft.com/office/drawing/2017/decorative" val="1"/>
               </a:ext>
             </a:extLst>
           </p:cNvPr>
@@ -3855,7 +3855,7 @@
                 <a16:creationId xmlns:a16="http://schemas.microsoft.com/office/drawing/2014/main" id="{B7E2F724-2FB3-4D1D-A730-739B8654C030}"/>
               </a:ext>
               <a:ext uri="{C183D7F6-B498-43B3-948B-1728B52AA6E4}">
-                <adec:decorative xmlns:adec="http://schemas.microsoft.com/office/drawing/2017/decorative" xmlns="" val="1"/>
+                <adec:decorative xmlns="" xmlns:adec="http://schemas.microsoft.com/office/drawing/2017/decorative" val="1"/>
               </a:ext>
             </a:extLst>
           </p:cNvPr>
@@ -4146,7 +4146,7 @@
                 <a16:creationId xmlns:a16="http://schemas.microsoft.com/office/drawing/2014/main" id="{B2C335F7-F61C-4EB4-80F2-4B1438FE66BB}"/>
               </a:ext>
               <a:ext uri="{C183D7F6-B498-43B3-948B-1728B52AA6E4}">
-                <adec:decorative xmlns:adec="http://schemas.microsoft.com/office/drawing/2017/decorative" xmlns="" val="1"/>
+                <adec:decorative xmlns="" xmlns:adec="http://schemas.microsoft.com/office/drawing/2017/decorative" val="1"/>
               </a:ext>
             </a:extLst>
           </p:cNvPr>
@@ -4277,7 +4277,7 @@
                 <a16:creationId xmlns:a16="http://schemas.microsoft.com/office/drawing/2014/main" id="{FAA3B297-9683-4E38-89FA-062C53E13F85}"/>
               </a:ext>
               <a:ext uri="{C183D7F6-B498-43B3-948B-1728B52AA6E4}">
-                <adec:decorative xmlns:adec="http://schemas.microsoft.com/office/drawing/2017/decorative" xmlns="" val="1"/>
+                <adec:decorative xmlns="" xmlns:adec="http://schemas.microsoft.com/office/drawing/2017/decorative" val="1"/>
               </a:ext>
             </a:extLst>
           </p:cNvPr>
@@ -4372,7 +4372,7 @@
                 <a16:creationId xmlns:a16="http://schemas.microsoft.com/office/drawing/2014/main" id="{5B8D7907-8AB9-4E98-A576-1A13AECEDF3A}"/>
               </a:ext>
               <a:ext uri="{C183D7F6-B498-43B3-948B-1728B52AA6E4}">
-                <adec:decorative xmlns:adec="http://schemas.microsoft.com/office/drawing/2017/decorative" xmlns="" val="1"/>
+                <adec:decorative xmlns="" xmlns:adec="http://schemas.microsoft.com/office/drawing/2017/decorative" val="1"/>
               </a:ext>
             </a:extLst>
           </p:cNvPr>
@@ -4505,7 +4505,7 @@
                 <a16:creationId xmlns:a16="http://schemas.microsoft.com/office/drawing/2014/main" id="{FAA3B297-9683-4E38-89FA-062C53E13F85}"/>
               </a:ext>
               <a:ext uri="{C183D7F6-B498-43B3-948B-1728B52AA6E4}">
-                <adec:decorative xmlns:adec="http://schemas.microsoft.com/office/drawing/2017/decorative" xmlns="" val="1"/>
+                <adec:decorative xmlns="" xmlns:adec="http://schemas.microsoft.com/office/drawing/2017/decorative" val="1"/>
               </a:ext>
             </a:extLst>
           </p:cNvPr>
@@ -4600,7 +4600,7 @@
                 <a16:creationId xmlns:a16="http://schemas.microsoft.com/office/drawing/2014/main" id="{5B8D7907-8AB9-4E98-A576-1A13AECEDF3A}"/>
               </a:ext>
               <a:ext uri="{C183D7F6-B498-43B3-948B-1728B52AA6E4}">
-                <adec:decorative xmlns:adec="http://schemas.microsoft.com/office/drawing/2017/decorative" xmlns="" val="1"/>
+                <adec:decorative xmlns="" xmlns:adec="http://schemas.microsoft.com/office/drawing/2017/decorative" val="1"/>
               </a:ext>
             </a:extLst>
           </p:cNvPr>
@@ -4733,7 +4733,7 @@
                 <a16:creationId xmlns:a16="http://schemas.microsoft.com/office/drawing/2014/main" id="{FAA3B297-9683-4E38-89FA-062C53E13F85}"/>
               </a:ext>
               <a:ext uri="{C183D7F6-B498-43B3-948B-1728B52AA6E4}">
-                <adec:decorative xmlns:adec="http://schemas.microsoft.com/office/drawing/2017/decorative" xmlns="" val="1"/>
+                <adec:decorative xmlns="" xmlns:adec="http://schemas.microsoft.com/office/drawing/2017/decorative" val="1"/>
               </a:ext>
             </a:extLst>
           </p:cNvPr>
@@ -4831,7 +4831,7 @@
                 <a16:creationId xmlns:a16="http://schemas.microsoft.com/office/drawing/2014/main" id="{5B8D7907-8AB9-4E98-A576-1A13AECEDF3A}"/>
               </a:ext>
               <a:ext uri="{C183D7F6-B498-43B3-948B-1728B52AA6E4}">
-                <adec:decorative xmlns:adec="http://schemas.microsoft.com/office/drawing/2017/decorative" xmlns="" val="1"/>
+                <adec:decorative xmlns="" xmlns:adec="http://schemas.microsoft.com/office/drawing/2017/decorative" val="1"/>
               </a:ext>
             </a:extLst>
           </p:cNvPr>
@@ -5006,7 +5006,7 @@
                 <a16:creationId xmlns:a16="http://schemas.microsoft.com/office/drawing/2014/main" id="{FAA3B297-9683-4E38-89FA-062C53E13F85}"/>
               </a:ext>
               <a:ext uri="{C183D7F6-B498-43B3-948B-1728B52AA6E4}">
-                <adec:decorative xmlns:adec="http://schemas.microsoft.com/office/drawing/2017/decorative" xmlns="" val="1"/>
+                <adec:decorative xmlns="" xmlns:adec="http://schemas.microsoft.com/office/drawing/2017/decorative" val="1"/>
               </a:ext>
             </a:extLst>
           </p:cNvPr>
@@ -5101,7 +5101,7 @@
                 <a16:creationId xmlns:a16="http://schemas.microsoft.com/office/drawing/2014/main" id="{5B8D7907-8AB9-4E98-A576-1A13AECEDF3A}"/>
               </a:ext>
               <a:ext uri="{C183D7F6-B498-43B3-948B-1728B52AA6E4}">
-                <adec:decorative xmlns:adec="http://schemas.microsoft.com/office/drawing/2017/decorative" xmlns="" val="1"/>
+                <adec:decorative xmlns="" xmlns:adec="http://schemas.microsoft.com/office/drawing/2017/decorative" val="1"/>
               </a:ext>
             </a:extLst>
           </p:cNvPr>
@@ -5313,7 +5313,7 @@
                 <a16:creationId xmlns:a16="http://schemas.microsoft.com/office/drawing/2014/main" id="{FAA3B297-9683-4E38-89FA-062C53E13F85}"/>
               </a:ext>
               <a:ext uri="{C183D7F6-B498-43B3-948B-1728B52AA6E4}">
-                <adec:decorative xmlns:adec="http://schemas.microsoft.com/office/drawing/2017/decorative" xmlns="" val="1"/>
+                <adec:decorative xmlns="" xmlns:adec="http://schemas.microsoft.com/office/drawing/2017/decorative" val="1"/>
               </a:ext>
             </a:extLst>
           </p:cNvPr>
@@ -5408,7 +5408,7 @@
                 <a16:creationId xmlns:a16="http://schemas.microsoft.com/office/drawing/2014/main" id="{5B8D7907-8AB9-4E98-A576-1A13AECEDF3A}"/>
               </a:ext>
               <a:ext uri="{C183D7F6-B498-43B3-948B-1728B52AA6E4}">
-                <adec:decorative xmlns:adec="http://schemas.microsoft.com/office/drawing/2017/decorative" xmlns="" val="1"/>
+                <adec:decorative xmlns="" xmlns:adec="http://schemas.microsoft.com/office/drawing/2017/decorative" val="1"/>
               </a:ext>
             </a:extLst>
           </p:cNvPr>
@@ -5660,7 +5660,7 @@
                 <a16:creationId xmlns:a16="http://schemas.microsoft.com/office/drawing/2014/main" id="{FAA3B297-9683-4E38-89FA-062C53E13F85}"/>
               </a:ext>
               <a:ext uri="{C183D7F6-B498-43B3-948B-1728B52AA6E4}">
-                <adec:decorative xmlns:adec="http://schemas.microsoft.com/office/drawing/2017/decorative" xmlns="" val="1"/>
+                <adec:decorative xmlns="" xmlns:adec="http://schemas.microsoft.com/office/drawing/2017/decorative" val="1"/>
               </a:ext>
             </a:extLst>
           </p:cNvPr>
@@ -5755,7 +5755,7 @@
                 <a16:creationId xmlns:a16="http://schemas.microsoft.com/office/drawing/2014/main" id="{5B8D7907-8AB9-4E98-A576-1A13AECEDF3A}"/>
               </a:ext>
               <a:ext uri="{C183D7F6-B498-43B3-948B-1728B52AA6E4}">
-                <adec:decorative xmlns:adec="http://schemas.microsoft.com/office/drawing/2017/decorative" xmlns="" val="1"/>
+                <adec:decorative xmlns="" xmlns:adec="http://schemas.microsoft.com/office/drawing/2017/decorative" val="1"/>
               </a:ext>
             </a:extLst>
           </p:cNvPr>
@@ -6079,7 +6079,7 @@
                 <a16:creationId xmlns:a16="http://schemas.microsoft.com/office/drawing/2014/main" id="{FAA3B297-9683-4E38-89FA-062C53E13F85}"/>
               </a:ext>
               <a:ext uri="{C183D7F6-B498-43B3-948B-1728B52AA6E4}">
-                <adec:decorative xmlns:adec="http://schemas.microsoft.com/office/drawing/2017/decorative" xmlns="" val="1"/>
+                <adec:decorative xmlns="" xmlns:adec="http://schemas.microsoft.com/office/drawing/2017/decorative" val="1"/>
               </a:ext>
             </a:extLst>
           </p:cNvPr>
@@ -6181,7 +6181,7 @@
                 <a16:creationId xmlns:a16="http://schemas.microsoft.com/office/drawing/2014/main" id="{5B8D7907-8AB9-4E98-A576-1A13AECEDF3A}"/>
               </a:ext>
               <a:ext uri="{C183D7F6-B498-43B3-948B-1728B52AA6E4}">
-                <adec:decorative xmlns:adec="http://schemas.microsoft.com/office/drawing/2017/decorative" xmlns="" val="1"/>
+                <adec:decorative xmlns="" xmlns:adec="http://schemas.microsoft.com/office/drawing/2017/decorative" val="1"/>
               </a:ext>
             </a:extLst>
           </p:cNvPr>
@@ -6513,7 +6513,7 @@
                 <a16:creationId xmlns:a16="http://schemas.microsoft.com/office/drawing/2014/main" id="{FAA3B297-9683-4E38-89FA-062C53E13F85}"/>
               </a:ext>
               <a:ext uri="{C183D7F6-B498-43B3-948B-1728B52AA6E4}">
-                <adec:decorative xmlns:adec="http://schemas.microsoft.com/office/drawing/2017/decorative" xmlns="" val="1"/>
+                <adec:decorative xmlns="" xmlns:adec="http://schemas.microsoft.com/office/drawing/2017/decorative" val="1"/>
               </a:ext>
             </a:extLst>
           </p:cNvPr>
@@ -6611,7 +6611,7 @@
                 <a16:creationId xmlns:a16="http://schemas.microsoft.com/office/drawing/2014/main" id="{5B8D7907-8AB9-4E98-A576-1A13AECEDF3A}"/>
               </a:ext>
               <a:ext uri="{C183D7F6-B498-43B3-948B-1728B52AA6E4}">
-                <adec:decorative xmlns:adec="http://schemas.microsoft.com/office/drawing/2017/decorative" xmlns="" val="1"/>
+                <adec:decorative xmlns="" xmlns:adec="http://schemas.microsoft.com/office/drawing/2017/decorative" val="1"/>
               </a:ext>
             </a:extLst>
           </p:cNvPr>
@@ -6685,7 +6685,7 @@
         <p:spPr>
           <a:xfrm>
             <a:off x="563590" y="2511773"/>
-            <a:ext cx="8686799" cy="3016294"/>
+            <a:ext cx="9448157" cy="3599778"/>
           </a:xfrm>
         </p:spPr>
         <p:txBody>
@@ -6698,90 +6698,36 @@
           </a:p>
         </p:txBody>
       </p:sp>
-      <p:sp>
-        <p:nvSpPr>
-          <p:cNvPr id="4" name="Oval 3"/>
-          <p:cNvSpPr/>
+      <p:pic>
+        <p:nvPicPr>
+          <p:cNvPr id="9" name="Picture 8">
+            <a:extLst>
+              <a:ext uri="{FF2B5EF4-FFF2-40B4-BE49-F238E27FC236}">
+                <a16:creationId xmlns:a16="http://schemas.microsoft.com/office/drawing/2014/main" id="{713C3EE3-C4C9-498D-ADCD-CE17BCE29978}"/>
+              </a:ext>
+            </a:extLst>
+          </p:cNvPr>
+          <p:cNvPicPr>
+            <a:picLocks noChangeAspect="1"/>
+          </p:cNvPicPr>
           <p:nvPr/>
-        </p:nvSpPr>
-        <p:spPr>
-          <a:xfrm>
-            <a:off x="1483567" y="3051110"/>
-            <a:ext cx="1082351" cy="615821"/>
-          </a:xfrm>
-          <a:prstGeom prst="ellipse">
+        </p:nvPicPr>
+        <p:blipFill>
+          <a:blip r:embed="rId2"/>
+          <a:stretch>
+            <a:fillRect/>
+          </a:stretch>
+        </p:blipFill>
+        <p:spPr>
+          <a:xfrm>
+            <a:off x="2808149" y="2581570"/>
+            <a:ext cx="6210116" cy="3267947"/>
+          </a:xfrm>
+          <a:prstGeom prst="rect">
             <a:avLst/>
           </a:prstGeom>
         </p:spPr>
-        <p:style>
-          <a:lnRef idx="2">
-            <a:schemeClr val="accent1">
-              <a:shade val="50000"/>
-            </a:schemeClr>
-          </a:lnRef>
-          <a:fillRef idx="1">
-            <a:schemeClr val="accent1"/>
-          </a:fillRef>
-          <a:effectRef idx="0">
-            <a:schemeClr val="accent1"/>
-          </a:effectRef>
-          <a:fontRef idx="minor">
-            <a:schemeClr val="lt1"/>
-          </a:fontRef>
-        </p:style>
-        <p:txBody>
-          <a:bodyPr rtlCol="0" anchor="ctr"/>
-          <a:lstStyle/>
-          <a:p>
-            <a:pPr algn="ctr"/>
-            <a:endParaRPr lang="en-IN">
-              <a:solidFill>
-                <a:schemeClr val="bg1"/>
-              </a:solidFill>
-            </a:endParaRPr>
-          </a:p>
-        </p:txBody>
-      </p:sp>
-      <p:sp>
-        <p:nvSpPr>
-          <p:cNvPr id="5" name="Flowchart: Data 4"/>
-          <p:cNvSpPr/>
-          <p:nvPr/>
-        </p:nvSpPr>
-        <p:spPr>
-          <a:xfrm>
-            <a:off x="1483567" y="4254759"/>
-            <a:ext cx="1054360" cy="612648"/>
-          </a:xfrm>
-          <a:prstGeom prst="flowChartInputOutput">
-            <a:avLst/>
-          </a:prstGeom>
-        </p:spPr>
-        <p:style>
-          <a:lnRef idx="2">
-            <a:schemeClr val="accent1">
-              <a:shade val="50000"/>
-            </a:schemeClr>
-          </a:lnRef>
-          <a:fillRef idx="1">
-            <a:schemeClr val="accent1"/>
-          </a:fillRef>
-          <a:effectRef idx="0">
-            <a:schemeClr val="accent1"/>
-          </a:effectRef>
-          <a:fontRef idx="minor">
-            <a:schemeClr val="lt1"/>
-          </a:fontRef>
-        </p:style>
-        <p:txBody>
-          <a:bodyPr rtlCol="0" anchor="ctr"/>
-          <a:lstStyle/>
-          <a:p>
-            <a:pPr algn="ctr"/>
-            <a:endParaRPr lang="en-IN"/>
-          </a:p>
-        </p:txBody>
-      </p:sp>
+      </p:pic>
     </p:spTree>
     <p:extLst>
       <p:ext uri="{BB962C8B-B14F-4D97-AF65-F5344CB8AC3E}">

--- a/source/MySEProject/Documentation/ML-22-23-15 Approve Prediction of Multisequence Learning .pptx
+++ b/source/MySEProject/Documentation/ML-22-23-15 Approve Prediction of Multisequence Learning .pptx
@@ -12,10 +12,9 @@
     <p:sldId id="260" r:id="rId6"/>
     <p:sldId id="265" r:id="rId7"/>
     <p:sldId id="261" r:id="rId8"/>
-    <p:sldId id="266" r:id="rId9"/>
-    <p:sldId id="262" r:id="rId10"/>
-    <p:sldId id="263" r:id="rId11"/>
-    <p:sldId id="264" r:id="rId12"/>
+    <p:sldId id="262" r:id="rId9"/>
+    <p:sldId id="263" r:id="rId10"/>
+    <p:sldId id="264" r:id="rId11"/>
   </p:sldIdLst>
   <p:sldSz cx="12192000" cy="6858000"/>
   <p:notesSz cx="6858000" cy="9144000"/>
@@ -278,7 +277,7 @@
           <a:p>
             <a:fld id="{5E7AA473-D82F-4EFF-9DF7-AE6D83C51288}" type="datetime1">
               <a:rPr lang="en-US" smtClean="0"/>
-              <a:t>3/19/2023</a:t>
+              <a:t>3/19/23</a:t>
             </a:fld>
             <a:endParaRPr lang="en-US"/>
           </a:p>
@@ -346,7 +345,7 @@
                 <a16:creationId xmlns:a16="http://schemas.microsoft.com/office/drawing/2014/main" id="{F3FF94B3-6D3E-44FE-BB02-A9027C0003C7}"/>
               </a:ext>
               <a:ext uri="{C183D7F6-B498-43B3-948B-1728B52AA6E4}">
-                <adec:decorative xmlns="" xmlns:adec="http://schemas.microsoft.com/office/drawing/2017/decorative" val="1"/>
+                <adec:decorative xmlns:adec="http://schemas.microsoft.com/office/drawing/2017/decorative" val="1"/>
               </a:ext>
             </a:extLst>
           </p:cNvPr>
@@ -532,7 +531,7 @@
           <a:p>
             <a:fld id="{1E12F1F0-FE2D-4C1C-B320-8CB9BE735F0F}" type="datetime1">
               <a:rPr lang="en-US" smtClean="0"/>
-              <a:t>3/19/2023</a:t>
+              <a:t>3/19/23</a:t>
             </a:fld>
             <a:endParaRPr lang="en-US"/>
           </a:p>
@@ -630,7 +629,7 @@
                 <a16:creationId xmlns:a16="http://schemas.microsoft.com/office/drawing/2014/main" id="{BD7BD47B-C187-494C-812F-46BE0040B915}"/>
               </a:ext>
               <a:ext uri="{C183D7F6-B498-43B3-948B-1728B52AA6E4}">
-                <adec:decorative xmlns="" xmlns:adec="http://schemas.microsoft.com/office/drawing/2017/decorative" val="1"/>
+                <adec:decorative xmlns:adec="http://schemas.microsoft.com/office/drawing/2017/decorative" val="1"/>
               </a:ext>
             </a:extLst>
           </p:cNvPr>
@@ -800,7 +799,7 @@
           <a:p>
             <a:fld id="{2CF1B96C-10FD-4EBC-9029-9652B7535D02}" type="datetime1">
               <a:rPr lang="en-US" smtClean="0"/>
-              <a:t>3/19/2023</a:t>
+              <a:t>3/19/23</a:t>
             </a:fld>
             <a:endParaRPr lang="en-US"/>
           </a:p>
@@ -868,7 +867,7 @@
                 <a16:creationId xmlns:a16="http://schemas.microsoft.com/office/drawing/2014/main" id="{4618136A-0796-46EB-89BB-4C73C0258FE9}"/>
               </a:ext>
               <a:ext uri="{C183D7F6-B498-43B3-948B-1728B52AA6E4}">
-                <adec:decorative xmlns="" xmlns:adec="http://schemas.microsoft.com/office/drawing/2017/decorative" val="1"/>
+                <adec:decorative xmlns:adec="http://schemas.microsoft.com/office/drawing/2017/decorative" val="1"/>
               </a:ext>
             </a:extLst>
           </p:cNvPr>
@@ -1054,7 +1053,7 @@
           <a:p>
             <a:fld id="{14878474-CC00-4A95-9D50-A41C12D1EEC4}" type="datetime1">
               <a:rPr lang="en-US" smtClean="0"/>
-              <a:t>3/19/2023</a:t>
+              <a:t>3/19/23</a:t>
             </a:fld>
             <a:endParaRPr lang="en-US"/>
           </a:p>
@@ -1332,7 +1331,7 @@
           <a:p>
             <a:fld id="{7F38C8B4-7FBB-408F-BDB9-F0496874AFB2}" type="datetime1">
               <a:rPr lang="en-US" smtClean="0"/>
-              <a:t>3/19/2023</a:t>
+              <a:t>3/19/23</a:t>
             </a:fld>
             <a:endParaRPr lang="en-US"/>
           </a:p>
@@ -1604,7 +1603,7 @@
           <a:p>
             <a:fld id="{2BB8EE20-A5E2-47D3-8F6D-A2BA7AB2E093}" type="datetime1">
               <a:rPr lang="en-US" smtClean="0"/>
-              <a:t>3/19/2023</a:t>
+              <a:t>3/19/23</a:t>
             </a:fld>
             <a:endParaRPr lang="en-US"/>
           </a:p>
@@ -1702,7 +1701,7 @@
                 <a16:creationId xmlns:a16="http://schemas.microsoft.com/office/drawing/2014/main" id="{BF4AA536-072F-4374-926E-17E038EC7E98}"/>
               </a:ext>
               <a:ext uri="{C183D7F6-B498-43B3-948B-1728B52AA6E4}">
-                <adec:decorative xmlns="" xmlns:adec="http://schemas.microsoft.com/office/drawing/2017/decorative" val="1"/>
+                <adec:decorative xmlns:adec="http://schemas.microsoft.com/office/drawing/2017/decorative" val="1"/>
               </a:ext>
             </a:extLst>
           </p:cNvPr>
@@ -2162,7 +2161,7 @@
           <a:p>
             <a:fld id="{3382CF99-132F-413F-B7EF-71A5C33F2ED6}" type="datetime1">
               <a:rPr lang="en-US" smtClean="0"/>
-              <a:t>3/19/2023</a:t>
+              <a:t>3/19/23</a:t>
             </a:fld>
             <a:endParaRPr lang="en-US"/>
           </a:p>
@@ -2304,7 +2303,7 @@
           <a:p>
             <a:fld id="{1F17AE06-98E0-4D9F-A059-92C3548821BB}" type="datetime1">
               <a:rPr lang="en-US" smtClean="0"/>
-              <a:t>3/19/2023</a:t>
+              <a:t>3/19/23</a:t>
             </a:fld>
             <a:endParaRPr lang="en-US"/>
           </a:p>
@@ -2417,7 +2416,7 @@
           <a:p>
             <a:fld id="{FFBA00CA-3DDC-4705-B840-978EF5EA0707}" type="datetime1">
               <a:rPr lang="en-US" smtClean="0"/>
-              <a:t>3/19/2023</a:t>
+              <a:t>3/19/23</a:t>
             </a:fld>
             <a:endParaRPr lang="en-US"/>
           </a:p>
@@ -2736,7 +2735,7 @@
           <a:p>
             <a:fld id="{FC366D49-0BBA-4C5A-AD96-6448CA63451A}" type="datetime1">
               <a:rPr lang="en-US" smtClean="0"/>
-              <a:t>3/19/2023</a:t>
+              <a:t>3/19/23</a:t>
             </a:fld>
             <a:endParaRPr lang="en-US"/>
           </a:p>
@@ -3033,7 +3032,7 @@
           <a:p>
             <a:fld id="{4F4EB293-A316-472D-A8B4-6947CF1A12B7}" type="datetime1">
               <a:rPr lang="en-US" smtClean="0"/>
-              <a:t>3/19/2023</a:t>
+              <a:t>3/19/23</a:t>
             </a:fld>
             <a:endParaRPr lang="en-US"/>
           </a:p>
@@ -3312,7 +3311,7 @@
           <a:p>
             <a:fld id="{734BCCD4-CEB1-405B-A443-DD9CBCBEA552}" type="datetime1">
               <a:rPr lang="en-US" smtClean="0"/>
-              <a:t>3/19/2023</a:t>
+              <a:t>3/19/23</a:t>
             </a:fld>
             <a:endParaRPr lang="en-US"/>
           </a:p>
@@ -3795,7 +3794,7 @@
                 <a16:creationId xmlns:a16="http://schemas.microsoft.com/office/drawing/2014/main" id="{956C5C09-0043-4549-B800-2101B70D667D}"/>
               </a:ext>
               <a:ext uri="{C183D7F6-B498-43B3-948B-1728B52AA6E4}">
-                <adec:decorative xmlns="" xmlns:adec="http://schemas.microsoft.com/office/drawing/2017/decorative" val="1"/>
+                <adec:decorative xmlns:adec="http://schemas.microsoft.com/office/drawing/2017/decorative" val="1"/>
               </a:ext>
             </a:extLst>
           </p:cNvPr>
@@ -3855,7 +3854,7 @@
                 <a16:creationId xmlns:a16="http://schemas.microsoft.com/office/drawing/2014/main" id="{B7E2F724-2FB3-4D1D-A730-739B8654C030}"/>
               </a:ext>
               <a:ext uri="{C183D7F6-B498-43B3-948B-1728B52AA6E4}">
-                <adec:decorative xmlns="" xmlns:adec="http://schemas.microsoft.com/office/drawing/2017/decorative" val="1"/>
+                <adec:decorative xmlns:adec="http://schemas.microsoft.com/office/drawing/2017/decorative" val="1"/>
               </a:ext>
             </a:extLst>
           </p:cNvPr>
@@ -3998,18 +3997,6 @@
               </a:rPr>
               <a:t>Approve Prediction of Multisequence Learning </a:t>
             </a:r>
-            <a:r>
-              <a:rPr lang="en-IN" sz="3800" dirty="0">
-                <a:solidFill>
-                  <a:srgbClr val="FFFFFF"/>
-                </a:solidFill>
-                <a:effectLst/>
-                <a:latin typeface="Segoe UI" panose="020B0502040204020203" pitchFamily="34" charset="0"/>
-                <a:ea typeface="Yu Gothic Light" panose="020B0300000000000000" pitchFamily="34" charset="-128"/>
-                <a:cs typeface="Times New Roman" panose="02020603050405020304" pitchFamily="18" charset="0"/>
-              </a:rPr>
-              <a:t/>
-            </a:r>
             <a:br>
               <a:rPr lang="en-IN" sz="3800" dirty="0">
                 <a:solidFill>
@@ -4146,7 +4133,7 @@
                 <a16:creationId xmlns:a16="http://schemas.microsoft.com/office/drawing/2014/main" id="{B2C335F7-F61C-4EB4-80F2-4B1438FE66BB}"/>
               </a:ext>
               <a:ext uri="{C183D7F6-B498-43B3-948B-1728B52AA6E4}">
-                <adec:decorative xmlns="" xmlns:adec="http://schemas.microsoft.com/office/drawing/2017/decorative" val="1"/>
+                <adec:decorative xmlns:adec="http://schemas.microsoft.com/office/drawing/2017/decorative" val="1"/>
               </a:ext>
             </a:extLst>
           </p:cNvPr>
@@ -4277,7 +4264,7 @@
                 <a16:creationId xmlns:a16="http://schemas.microsoft.com/office/drawing/2014/main" id="{FAA3B297-9683-4E38-89FA-062C53E13F85}"/>
               </a:ext>
               <a:ext uri="{C183D7F6-B498-43B3-948B-1728B52AA6E4}">
-                <adec:decorative xmlns="" xmlns:adec="http://schemas.microsoft.com/office/drawing/2017/decorative" val="1"/>
+                <adec:decorative xmlns:adec="http://schemas.microsoft.com/office/drawing/2017/decorative" val="1"/>
               </a:ext>
             </a:extLst>
           </p:cNvPr>
@@ -4334,7 +4321,7 @@
           <p:cNvPr id="2" name="Title 1">
             <a:extLst>
               <a:ext uri="{FF2B5EF4-FFF2-40B4-BE49-F238E27FC236}">
-                <a16:creationId xmlns:a16="http://schemas.microsoft.com/office/drawing/2014/main" id="{0C681EFA-DFBD-EA24-AC3F-12C9EBAF7CF8}"/>
+                <a16:creationId xmlns:a16="http://schemas.microsoft.com/office/drawing/2014/main" id="{D73406E1-F2BE-59D9-A9F1-8140C3C0F06B}"/>
               </a:ext>
             </a:extLst>
           </p:cNvPr>
@@ -4347,8 +4334,8 @@
         </p:nvSpPr>
         <p:spPr>
           <a:xfrm>
-            <a:off x="517869" y="785813"/>
-            <a:ext cx="8686800" cy="1000125"/>
+            <a:off x="517869" y="976160"/>
+            <a:ext cx="8686800" cy="926781"/>
           </a:xfrm>
         </p:spPr>
         <p:txBody>
@@ -4359,7 +4346,7 @@
           <a:p>
             <a:r>
               <a:rPr lang="en-US" dirty="0"/>
-              <a:t>RESULT</a:t>
+              <a:t>CONCLUSION</a:t>
             </a:r>
           </a:p>
         </p:txBody>
@@ -4372,235 +4359,7 @@
                 <a16:creationId xmlns:a16="http://schemas.microsoft.com/office/drawing/2014/main" id="{5B8D7907-8AB9-4E98-A576-1A13AECEDF3A}"/>
               </a:ext>
               <a:ext uri="{C183D7F6-B498-43B3-948B-1728B52AA6E4}">
-                <adec:decorative xmlns="" xmlns:adec="http://schemas.microsoft.com/office/drawing/2017/decorative" val="1"/>
-              </a:ext>
-            </a:extLst>
-          </p:cNvPr>
-          <p:cNvSpPr>
-            <a:spLocks noGrp="1" noRot="1" noChangeAspect="1" noMove="1" noResize="1" noEditPoints="1" noAdjustHandles="1" noChangeArrowheads="1" noChangeShapeType="1" noTextEdit="1"/>
-          </p:cNvSpPr>
-          <p:nvPr>
-            <p:extLst>
-              <p:ext uri="{386F3935-93C4-4BCD-93E2-E3B085C9AB24}">
-                <p16:designElem xmlns:p16="http://schemas.microsoft.com/office/powerpoint/2015/main" val="1"/>
-              </p:ext>
-            </p:extLst>
-          </p:nvPr>
-        </p:nvSpPr>
-        <p:spPr>
-          <a:xfrm>
-            <a:off x="517869" y="508090"/>
-            <a:ext cx="8732520" cy="149279"/>
-          </a:xfrm>
-          <a:prstGeom prst="rect">
-            <a:avLst/>
-          </a:prstGeom>
-          <a:solidFill>
-            <a:schemeClr val="tx1"/>
-          </a:solidFill>
-          <a:ln>
-            <a:noFill/>
-          </a:ln>
-        </p:spPr>
-        <p:style>
-          <a:lnRef idx="2">
-            <a:schemeClr val="accent1">
-              <a:shade val="50000"/>
-            </a:schemeClr>
-          </a:lnRef>
-          <a:fillRef idx="1">
-            <a:schemeClr val="accent1"/>
-          </a:fillRef>
-          <a:effectRef idx="0">
-            <a:schemeClr val="accent1"/>
-          </a:effectRef>
-          <a:fontRef idx="minor">
-            <a:schemeClr val="lt1"/>
-          </a:fontRef>
-        </p:style>
-        <p:txBody>
-          <a:bodyPr rtlCol="0" anchor="ctr"/>
-          <a:lstStyle/>
-          <a:p>
-            <a:pPr algn="ctr"/>
-            <a:endParaRPr lang="en-US"/>
-          </a:p>
-        </p:txBody>
-      </p:sp>
-      <p:sp>
-        <p:nvSpPr>
-          <p:cNvPr id="3" name="Content Placeholder 2">
-            <a:extLst>
-              <a:ext uri="{FF2B5EF4-FFF2-40B4-BE49-F238E27FC236}">
-                <a16:creationId xmlns:a16="http://schemas.microsoft.com/office/drawing/2014/main" id="{DC9DCE16-5795-F601-83AE-2E602180EE3A}"/>
-              </a:ext>
-            </a:extLst>
-          </p:cNvPr>
-          <p:cNvSpPr>
-            <a:spLocks noGrp="1"/>
-          </p:cNvSpPr>
-          <p:nvPr>
-            <p:ph idx="1"/>
-          </p:nvPr>
-        </p:nvSpPr>
-        <p:spPr>
-          <a:xfrm>
-            <a:off x="517869" y="3172570"/>
-            <a:ext cx="8686799" cy="3016294"/>
-          </a:xfrm>
-        </p:spPr>
-        <p:txBody>
-          <a:bodyPr>
-            <a:normAutofit/>
-          </a:bodyPr>
-          <a:lstStyle/>
-          <a:p>
-            <a:endParaRPr lang="en-US" dirty="0"/>
-          </a:p>
-        </p:txBody>
-      </p:sp>
-    </p:spTree>
-    <p:extLst>
-      <p:ext uri="{BB962C8B-B14F-4D97-AF65-F5344CB8AC3E}">
-        <p14:creationId xmlns:p14="http://schemas.microsoft.com/office/powerpoint/2010/main" val="3402530586"/>
-      </p:ext>
-    </p:extLst>
-  </p:cSld>
-  <p:clrMapOvr>
-    <a:masterClrMapping/>
-  </p:clrMapOvr>
-</p:sld>
-</file>
-
-<file path=ppt/slides/slide11.xml><?xml version="1.0" encoding="utf-8"?>
-<p:sld xmlns:a="http://schemas.openxmlformats.org/drawingml/2006/main" xmlns:r="http://schemas.openxmlformats.org/officeDocument/2006/relationships" xmlns:p="http://schemas.openxmlformats.org/presentationml/2006/main">
-  <p:cSld>
-    <p:bg>
-      <p:bgPr>
-        <a:solidFill>
-          <a:schemeClr val="bg1"/>
-        </a:solidFill>
-        <a:effectLst/>
-      </p:bgPr>
-    </p:bg>
-    <p:spTree>
-      <p:nvGrpSpPr>
-        <p:cNvPr id="1" name=""/>
-        <p:cNvGrpSpPr/>
-        <p:nvPr/>
-      </p:nvGrpSpPr>
-      <p:grpSpPr>
-        <a:xfrm>
-          <a:off x="0" y="0"/>
-          <a:ext cx="0" cy="0"/>
-          <a:chOff x="0" y="0"/>
-          <a:chExt cx="0" cy="0"/>
-        </a:xfrm>
-      </p:grpSpPr>
-      <p:sp useBgFill="1">
-        <p:nvSpPr>
-          <p:cNvPr id="8" name="Rectangle 7">
-            <a:extLst>
-              <a:ext uri="{FF2B5EF4-FFF2-40B4-BE49-F238E27FC236}">
-                <a16:creationId xmlns:a16="http://schemas.microsoft.com/office/drawing/2014/main" id="{FAA3B297-9683-4E38-89FA-062C53E13F85}"/>
-              </a:ext>
-              <a:ext uri="{C183D7F6-B498-43B3-948B-1728B52AA6E4}">
-                <adec:decorative xmlns="" xmlns:adec="http://schemas.microsoft.com/office/drawing/2017/decorative" val="1"/>
-              </a:ext>
-            </a:extLst>
-          </p:cNvPr>
-          <p:cNvSpPr>
-            <a:spLocks noGrp="1" noRot="1" noChangeAspect="1" noMove="1" noResize="1" noEditPoints="1" noAdjustHandles="1" noChangeArrowheads="1" noChangeShapeType="1" noTextEdit="1"/>
-          </p:cNvSpPr>
-          <p:nvPr>
-            <p:extLst>
-              <p:ext uri="{386F3935-93C4-4BCD-93E2-E3B085C9AB24}">
-                <p16:designElem xmlns:p16="http://schemas.microsoft.com/office/powerpoint/2015/main" val="1"/>
-              </p:ext>
-            </p:extLst>
-          </p:nvPr>
-        </p:nvSpPr>
-        <p:spPr>
-          <a:xfrm>
-            <a:off x="0" y="0"/>
-            <a:ext cx="12188952" cy="6857995"/>
-          </a:xfrm>
-          <a:prstGeom prst="rect">
-            <a:avLst/>
-          </a:prstGeom>
-          <a:ln>
-            <a:noFill/>
-          </a:ln>
-        </p:spPr>
-        <p:style>
-          <a:lnRef idx="2">
-            <a:schemeClr val="accent1">
-              <a:shade val="50000"/>
-            </a:schemeClr>
-          </a:lnRef>
-          <a:fillRef idx="1">
-            <a:schemeClr val="accent1"/>
-          </a:fillRef>
-          <a:effectRef idx="0">
-            <a:schemeClr val="accent1"/>
-          </a:effectRef>
-          <a:fontRef idx="minor">
-            <a:schemeClr val="lt1"/>
-          </a:fontRef>
-        </p:style>
-        <p:txBody>
-          <a:bodyPr rtlCol="0" anchor="ctr"/>
-          <a:lstStyle/>
-          <a:p>
-            <a:pPr algn="ctr"/>
-            <a:endParaRPr lang="en-US" dirty="0"/>
-          </a:p>
-        </p:txBody>
-      </p:sp>
-      <p:sp>
-        <p:nvSpPr>
-          <p:cNvPr id="2" name="Title 1">
-            <a:extLst>
-              <a:ext uri="{FF2B5EF4-FFF2-40B4-BE49-F238E27FC236}">
-                <a16:creationId xmlns:a16="http://schemas.microsoft.com/office/drawing/2014/main" id="{D73406E1-F2BE-59D9-A9F1-8140C3C0F06B}"/>
-              </a:ext>
-            </a:extLst>
-          </p:cNvPr>
-          <p:cNvSpPr>
-            <a:spLocks noGrp="1"/>
-          </p:cNvSpPr>
-          <p:nvPr>
-            <p:ph type="title"/>
-          </p:nvPr>
-        </p:nvSpPr>
-        <p:spPr>
-          <a:xfrm>
-            <a:off x="517869" y="976160"/>
-            <a:ext cx="8686800" cy="926781"/>
-          </a:xfrm>
-        </p:spPr>
-        <p:txBody>
-          <a:bodyPr>
-            <a:normAutofit/>
-          </a:bodyPr>
-          <a:lstStyle/>
-          <a:p>
-            <a:r>
-              <a:rPr lang="en-US" dirty="0"/>
-              <a:t>CONCLUSION</a:t>
-            </a:r>
-          </a:p>
-        </p:txBody>
-      </p:sp>
-      <p:sp>
-        <p:nvSpPr>
-          <p:cNvPr id="10" name="Rectangle 9">
-            <a:extLst>
-              <a:ext uri="{FF2B5EF4-FFF2-40B4-BE49-F238E27FC236}">
-                <a16:creationId xmlns:a16="http://schemas.microsoft.com/office/drawing/2014/main" id="{5B8D7907-8AB9-4E98-A576-1A13AECEDF3A}"/>
-              </a:ext>
-              <a:ext uri="{C183D7F6-B498-43B3-948B-1728B52AA6E4}">
-                <adec:decorative xmlns="" xmlns:adec="http://schemas.microsoft.com/office/drawing/2017/decorative" val="1"/>
+                <adec:decorative xmlns:adec="http://schemas.microsoft.com/office/drawing/2017/decorative" val="1"/>
               </a:ext>
             </a:extLst>
           </p:cNvPr>
@@ -4733,7 +4492,7 @@
                 <a16:creationId xmlns:a16="http://schemas.microsoft.com/office/drawing/2014/main" id="{FAA3B297-9683-4E38-89FA-062C53E13F85}"/>
               </a:ext>
               <a:ext uri="{C183D7F6-B498-43B3-948B-1728B52AA6E4}">
-                <adec:decorative xmlns="" xmlns:adec="http://schemas.microsoft.com/office/drawing/2017/decorative" val="1"/>
+                <adec:decorative xmlns:adec="http://schemas.microsoft.com/office/drawing/2017/decorative" val="1"/>
               </a:ext>
             </a:extLst>
           </p:cNvPr>
@@ -4831,7 +4590,7 @@
                 <a16:creationId xmlns:a16="http://schemas.microsoft.com/office/drawing/2014/main" id="{5B8D7907-8AB9-4E98-A576-1A13AECEDF3A}"/>
               </a:ext>
               <a:ext uri="{C183D7F6-B498-43B3-948B-1728B52AA6E4}">
-                <adec:decorative xmlns="" xmlns:adec="http://schemas.microsoft.com/office/drawing/2017/decorative" val="1"/>
+                <adec:decorative xmlns:adec="http://schemas.microsoft.com/office/drawing/2017/decorative" val="1"/>
               </a:ext>
             </a:extLst>
           </p:cNvPr>
@@ -4931,15 +4690,15 @@
                 <a:ea typeface="Calibri" panose="020F0502020204030204" pitchFamily="34" charset="0"/>
                 <a:cs typeface="Arial" panose="020B0604020202020204" pitchFamily="34" charset="0"/>
               </a:rPr>
-              <a:t>demonstrates how Multi-Sequence  sequences are learned and then predicted.</a:t>
-            </a:r>
-            <a:r>
-              <a:rPr lang="en-IN" dirty="0">
+              <a:t>demonstrates how Multi-Sequence sequences are learned and then predicted</a:t>
+            </a:r>
+            <a:r>
+              <a:rPr lang="en-US" dirty="0">
                 <a:latin typeface="Arial" panose="020B0604020202020204" pitchFamily="34" charset="0"/>
                 <a:ea typeface="Calibri" panose="020F0502020204030204" pitchFamily="34" charset="0"/>
                 <a:cs typeface="Arial" panose="020B0604020202020204" pitchFamily="34" charset="0"/>
               </a:rPr>
-              <a:t> </a:t>
+              <a:t> the output prediction accuracy</a:t>
             </a:r>
             <a:endParaRPr lang="en-US" dirty="0">
               <a:latin typeface="Arial" panose="020B0604020202020204" pitchFamily="34" charset="0"/>
@@ -4955,7 +4714,7 @@
                 <a:latin typeface="Arial" panose="020B0604020202020204" pitchFamily="34" charset="0"/>
                 <a:cs typeface="Arial" panose="020B0604020202020204" pitchFamily="34" charset="0"/>
               </a:rPr>
-              <a:t>Our Main aim is to Implement a new approach should automatically read and learn learning sequences from a file. The sample should read testing subsequences from a different file when learning is complete and determine the prediction accuracy.</a:t>
+              <a:t>Our Main aim is to Implement a new approach should automatically read and learn learning sequences from a file. The sample should read testing subsequences from a different file, when learning is complete the trained model should determine the prediction accuracy of the sequence.</a:t>
             </a:r>
           </a:p>
         </p:txBody>
@@ -5006,7 +4765,7 @@
                 <a16:creationId xmlns:a16="http://schemas.microsoft.com/office/drawing/2014/main" id="{FAA3B297-9683-4E38-89FA-062C53E13F85}"/>
               </a:ext>
               <a:ext uri="{C183D7F6-B498-43B3-948B-1728B52AA6E4}">
-                <adec:decorative xmlns="" xmlns:adec="http://schemas.microsoft.com/office/drawing/2017/decorative" val="1"/>
+                <adec:decorative xmlns:adec="http://schemas.microsoft.com/office/drawing/2017/decorative" val="1"/>
               </a:ext>
             </a:extLst>
           </p:cNvPr>
@@ -5101,7 +4860,7 @@
                 <a16:creationId xmlns:a16="http://schemas.microsoft.com/office/drawing/2014/main" id="{5B8D7907-8AB9-4E98-A576-1A13AECEDF3A}"/>
               </a:ext>
               <a:ext uri="{C183D7F6-B498-43B3-948B-1728B52AA6E4}">
-                <adec:decorative xmlns="" xmlns:adec="http://schemas.microsoft.com/office/drawing/2017/decorative" val="1"/>
+                <adec:decorative xmlns:adec="http://schemas.microsoft.com/office/drawing/2017/decorative" val="1"/>
               </a:ext>
             </a:extLst>
           </p:cNvPr>
@@ -5228,7 +4987,10 @@
               <a:buChar char="•"/>
             </a:pPr>
             <a:r>
-              <a:rPr lang="en-IN" dirty="0"/>
+              <a:rPr lang="en-IN" dirty="0">
+                <a:latin typeface="Arial" panose="020B0604020202020204" pitchFamily="34" charset="0"/>
+                <a:cs typeface="Arial" panose="020B0604020202020204" pitchFamily="34" charset="0"/>
+              </a:rPr>
               <a:t>IMPLEMENTATION (LEARNING &amp; PREDICTION PHASE)</a:t>
             </a:r>
           </a:p>
@@ -5270,13 +5032,6 @@
   <p:clrMapOvr>
     <a:masterClrMapping/>
   </p:clrMapOvr>
-  <p:timing>
-    <p:tnLst>
-      <p:par>
-        <p:cTn id="1" dur="indefinite" restart="never" nodeType="tmRoot"/>
-      </p:par>
-    </p:tnLst>
-  </p:timing>
 </p:sld>
 </file>
 
@@ -5313,7 +5068,7 @@
                 <a16:creationId xmlns:a16="http://schemas.microsoft.com/office/drawing/2014/main" id="{FAA3B297-9683-4E38-89FA-062C53E13F85}"/>
               </a:ext>
               <a:ext uri="{C183D7F6-B498-43B3-948B-1728B52AA6E4}">
-                <adec:decorative xmlns="" xmlns:adec="http://schemas.microsoft.com/office/drawing/2017/decorative" val="1"/>
+                <adec:decorative xmlns:adec="http://schemas.microsoft.com/office/drawing/2017/decorative" val="1"/>
               </a:ext>
             </a:extLst>
           </p:cNvPr>
@@ -5408,7 +5163,7 @@
                 <a16:creationId xmlns:a16="http://schemas.microsoft.com/office/drawing/2014/main" id="{5B8D7907-8AB9-4E98-A576-1A13AECEDF3A}"/>
               </a:ext>
               <a:ext uri="{C183D7F6-B498-43B3-948B-1728B52AA6E4}">
-                <adec:decorative xmlns="" xmlns:adec="http://schemas.microsoft.com/office/drawing/2017/decorative" val="1"/>
+                <adec:decorative xmlns:adec="http://schemas.microsoft.com/office/drawing/2017/decorative" val="1"/>
               </a:ext>
             </a:extLst>
           </p:cNvPr>
@@ -5481,8 +5236,8 @@
         </p:nvSpPr>
         <p:spPr>
           <a:xfrm>
-            <a:off x="517869" y="3172570"/>
-            <a:ext cx="8686799" cy="3016294"/>
+            <a:off x="517869" y="2236573"/>
+            <a:ext cx="8686799" cy="3952291"/>
           </a:xfrm>
         </p:spPr>
         <p:txBody>
@@ -5500,14 +5255,7 @@
                 <a:latin typeface="Arial" panose="020B0604020202020204" pitchFamily="34" charset="0"/>
                 <a:cs typeface="Arial" panose="020B0604020202020204" pitchFamily="34" charset="0"/>
               </a:rPr>
-              <a:t>Medical scientists and machine learning engineers were collaborating to better understand the cortex for temporal pattern recognition</a:t>
-            </a:r>
-            <a:r>
-              <a:rPr lang="en-US" dirty="0" smtClean="0">
-                <a:latin typeface="Arial" panose="020B0604020202020204" pitchFamily="34" charset="0"/>
-                <a:cs typeface="Arial" panose="020B0604020202020204" pitchFamily="34" charset="0"/>
-              </a:rPr>
-              <a:t>.</a:t>
+              <a:t>Medical scientists and machine learning engineers were collaborating to better understand the cortex for temporal pattern recognition.</a:t>
             </a:r>
           </a:p>
           <a:p>
@@ -5516,25 +5264,11 @@
               <a:buChar char="•"/>
             </a:pPr>
             <a:r>
-              <a:rPr lang="en-US" dirty="0" smtClean="0">
-                <a:latin typeface="Arial" panose="020B0604020202020204" pitchFamily="34" charset="0"/>
-                <a:cs typeface="Arial" panose="020B0604020202020204" pitchFamily="34" charset="0"/>
-              </a:rPr>
-              <a:t>For </a:t>
-            </a:r>
-            <a:r>
               <a:rPr lang="en-US" dirty="0">
                 <a:latin typeface="Arial" panose="020B0604020202020204" pitchFamily="34" charset="0"/>
                 <a:cs typeface="Arial" panose="020B0604020202020204" pitchFamily="34" charset="0"/>
               </a:rPr>
-              <a:t>sequence learning, HTM (Hierarchical Temporal Memory) has been proposed</a:t>
-            </a:r>
-            <a:r>
-              <a:rPr lang="en-US" dirty="0" smtClean="0">
-                <a:latin typeface="Arial" panose="020B0604020202020204" pitchFamily="34" charset="0"/>
-                <a:cs typeface="Arial" panose="020B0604020202020204" pitchFamily="34" charset="0"/>
-              </a:rPr>
-              <a:t>.</a:t>
+              <a:t>For sequence learning, HTM (Hierarchical Temporal Memory) has been proposed.</a:t>
             </a:r>
           </a:p>
           <a:p>
@@ -5543,18 +5277,11 @@
               <a:buChar char="•"/>
             </a:pPr>
             <a:r>
-              <a:rPr lang="en-US" dirty="0" smtClean="0">
-                <a:latin typeface="Arial" panose="020B0604020202020204" pitchFamily="34" charset="0"/>
-                <a:cs typeface="Arial" panose="020B0604020202020204" pitchFamily="34" charset="0"/>
-              </a:rPr>
-              <a:t>HTM </a:t>
-            </a:r>
-            <a:r>
               <a:rPr lang="en-US" dirty="0">
                 <a:latin typeface="Arial" panose="020B0604020202020204" pitchFamily="34" charset="0"/>
                 <a:cs typeface="Arial" panose="020B0604020202020204" pitchFamily="34" charset="0"/>
               </a:rPr>
-              <a:t>is a </a:t>
+              <a:t>HTM is a </a:t>
             </a:r>
             <a:r>
               <a:rPr lang="en-US" dirty="0" err="1">
@@ -5568,14 +5295,7 @@
                 <a:latin typeface="Arial" panose="020B0604020202020204" pitchFamily="34" charset="0"/>
                 <a:cs typeface="Arial" panose="020B0604020202020204" pitchFamily="34" charset="0"/>
               </a:rPr>
-              <a:t> model based on the memory prediction principle</a:t>
-            </a:r>
-            <a:r>
-              <a:rPr lang="en-US" dirty="0" smtClean="0">
-                <a:latin typeface="Arial" panose="020B0604020202020204" pitchFamily="34" charset="0"/>
-                <a:cs typeface="Arial" panose="020B0604020202020204" pitchFamily="34" charset="0"/>
-              </a:rPr>
-              <a:t>.</a:t>
+              <a:t> model based on the memory prediction principle.</a:t>
             </a:r>
           </a:p>
           <a:p>
@@ -5584,25 +5304,18 @@
               <a:buChar char="•"/>
             </a:pPr>
             <a:r>
-              <a:rPr lang="en-US" dirty="0" err="1" smtClean="0">
+              <a:rPr lang="en-US" dirty="0" err="1">
                 <a:latin typeface="Arial" panose="020B0604020202020204" pitchFamily="34" charset="0"/>
                 <a:cs typeface="Arial" panose="020B0604020202020204" pitchFamily="34" charset="0"/>
               </a:rPr>
               <a:t>Multisequence</a:t>
             </a:r>
             <a:r>
-              <a:rPr lang="en-US" dirty="0" smtClean="0">
-                <a:latin typeface="Arial" panose="020B0604020202020204" pitchFamily="34" charset="0"/>
-                <a:cs typeface="Arial" panose="020B0604020202020204" pitchFamily="34" charset="0"/>
-              </a:rPr>
-              <a:t> </a:t>
-            </a:r>
-            <a:r>
               <a:rPr lang="en-US" dirty="0">
                 <a:latin typeface="Arial" panose="020B0604020202020204" pitchFamily="34" charset="0"/>
                 <a:cs typeface="Arial" panose="020B0604020202020204" pitchFamily="34" charset="0"/>
               </a:rPr>
-              <a:t>Learning is the process of memorizing multiple sequences.</a:t>
+              <a:t> Learning is the process of memorizing multiple sequences.</a:t>
             </a:r>
           </a:p>
         </p:txBody>
@@ -5617,13 +5330,6 @@
   <p:clrMapOvr>
     <a:masterClrMapping/>
   </p:clrMapOvr>
-  <p:timing>
-    <p:tnLst>
-      <p:par>
-        <p:cTn id="1" dur="indefinite" restart="never" nodeType="tmRoot"/>
-      </p:par>
-    </p:tnLst>
-  </p:timing>
 </p:sld>
 </file>
 
@@ -5660,7 +5366,7 @@
                 <a16:creationId xmlns:a16="http://schemas.microsoft.com/office/drawing/2014/main" id="{FAA3B297-9683-4E38-89FA-062C53E13F85}"/>
               </a:ext>
               <a:ext uri="{C183D7F6-B498-43B3-948B-1728B52AA6E4}">
-                <adec:decorative xmlns="" xmlns:adec="http://schemas.microsoft.com/office/drawing/2017/decorative" val="1"/>
+                <adec:decorative xmlns:adec="http://schemas.microsoft.com/office/drawing/2017/decorative" val="1"/>
               </a:ext>
             </a:extLst>
           </p:cNvPr>
@@ -5755,7 +5461,7 @@
                 <a16:creationId xmlns:a16="http://schemas.microsoft.com/office/drawing/2014/main" id="{5B8D7907-8AB9-4E98-A576-1A13AECEDF3A}"/>
               </a:ext>
               <a:ext uri="{C183D7F6-B498-43B3-948B-1728B52AA6E4}">
-                <adec:decorative xmlns="" xmlns:adec="http://schemas.microsoft.com/office/drawing/2017/decorative" val="1"/>
+                <adec:decorative xmlns:adec="http://schemas.microsoft.com/office/drawing/2017/decorative" val="1"/>
               </a:ext>
             </a:extLst>
           </p:cNvPr>
@@ -5828,8 +5534,8 @@
         </p:nvSpPr>
         <p:spPr>
           <a:xfrm>
-            <a:off x="517869" y="3172570"/>
-            <a:ext cx="8686799" cy="3016294"/>
+            <a:off x="517869" y="2295846"/>
+            <a:ext cx="8686799" cy="3585994"/>
           </a:xfrm>
         </p:spPr>
         <p:txBody>
@@ -5852,13 +5558,6 @@
   <p:clrMapOvr>
     <a:masterClrMapping/>
   </p:clrMapOvr>
-  <p:timing>
-    <p:tnLst>
-      <p:par>
-        <p:cTn id="1" dur="indefinite" restart="never" nodeType="tmRoot"/>
-      </p:par>
-    </p:tnLst>
-  </p:timing>
 </p:sld>
 </file>
 
@@ -5906,21 +5605,7 @@
                 <a:latin typeface="Arial" panose="020B0604020202020204" pitchFamily="34" charset="0"/>
                 <a:cs typeface="Arial" panose="020B0604020202020204" pitchFamily="34" charset="0"/>
               </a:rPr>
-              <a:t>WORKING </a:t>
-            </a:r>
-            <a:r>
-              <a:rPr lang="en-IN" sz="4000" dirty="0" smtClean="0">
-                <a:latin typeface="Arial" panose="020B0604020202020204" pitchFamily="34" charset="0"/>
-                <a:cs typeface="Arial" panose="020B0604020202020204" pitchFamily="34" charset="0"/>
-              </a:rPr>
-              <a:t>OF SPATIAL </a:t>
-            </a:r>
-            <a:r>
-              <a:rPr lang="en-IN" sz="4000" dirty="0">
-                <a:latin typeface="Arial" panose="020B0604020202020204" pitchFamily="34" charset="0"/>
-                <a:cs typeface="Arial" panose="020B0604020202020204" pitchFamily="34" charset="0"/>
-              </a:rPr>
-              <a:t>POOLER</a:t>
+              <a:t>WORKING OF SPATIAL POOLER</a:t>
             </a:r>
           </a:p>
         </p:txBody>
@@ -5952,25 +5637,11 @@
               <a:buChar char="•"/>
             </a:pPr>
             <a:r>
-              <a:rPr lang="en-US" sz="2400" dirty="0" smtClean="0">
-                <a:latin typeface="Arial" panose="020B0604020202020204" pitchFamily="34" charset="0"/>
-                <a:cs typeface="Arial" panose="020B0604020202020204" pitchFamily="34" charset="0"/>
-              </a:rPr>
-              <a:t>Builds </a:t>
-            </a:r>
-            <a:r>
               <a:rPr lang="en-US" sz="2400" dirty="0">
                 <a:latin typeface="Arial" panose="020B0604020202020204" pitchFamily="34" charset="0"/>
                 <a:cs typeface="Arial" panose="020B0604020202020204" pitchFamily="34" charset="0"/>
               </a:rPr>
-              <a:t>SDR </a:t>
-            </a:r>
-            <a:r>
-              <a:rPr lang="en-US" sz="2400" dirty="0" smtClean="0">
-                <a:latin typeface="Arial" panose="020B0604020202020204" pitchFamily="34" charset="0"/>
-                <a:cs typeface="Arial" panose="020B0604020202020204" pitchFamily="34" charset="0"/>
-              </a:rPr>
-              <a:t>input</a:t>
+              <a:t>Builds SDR input</a:t>
             </a:r>
           </a:p>
           <a:p>
@@ -5979,25 +5650,11 @@
               <a:buChar char="•"/>
             </a:pPr>
             <a:r>
-              <a:rPr lang="en-US" sz="2400" dirty="0" smtClean="0">
-                <a:latin typeface="Arial" panose="020B0604020202020204" pitchFamily="34" charset="0"/>
-                <a:cs typeface="Arial" panose="020B0604020202020204" pitchFamily="34" charset="0"/>
-              </a:rPr>
-              <a:t>Inactive </a:t>
-            </a:r>
-            <a:r>
               <a:rPr lang="en-US" sz="2400" dirty="0">
                 <a:latin typeface="Arial" panose="020B0604020202020204" pitchFamily="34" charset="0"/>
                 <a:cs typeface="Arial" panose="020B0604020202020204" pitchFamily="34" charset="0"/>
               </a:rPr>
-              <a:t>columns are not learned</a:t>
-            </a:r>
-            <a:r>
-              <a:rPr lang="en-US" sz="2400" dirty="0" smtClean="0">
-                <a:latin typeface="Arial" panose="020B0604020202020204" pitchFamily="34" charset="0"/>
-                <a:cs typeface="Arial" panose="020B0604020202020204" pitchFamily="34" charset="0"/>
-              </a:rPr>
-              <a:t>.</a:t>
+              <a:t>Inactive columns are not learned.</a:t>
             </a:r>
           </a:p>
           <a:p>
@@ -6006,18 +5663,11 @@
               <a:buChar char="•"/>
             </a:pPr>
             <a:r>
-              <a:rPr lang="en-US" sz="2400" dirty="0" smtClean="0">
-                <a:latin typeface="Arial" panose="020B0604020202020204" pitchFamily="34" charset="0"/>
-                <a:cs typeface="Arial" panose="020B0604020202020204" pitchFamily="34" charset="0"/>
-              </a:rPr>
-              <a:t>Every </a:t>
-            </a:r>
-            <a:r>
               <a:rPr lang="en-US" sz="2400" dirty="0">
                 <a:latin typeface="Arial" panose="020B0604020202020204" pitchFamily="34" charset="0"/>
                 <a:cs typeface="Arial" panose="020B0604020202020204" pitchFamily="34" charset="0"/>
               </a:rPr>
-              <a:t>input pattern is checked against the database.</a:t>
+              <a:t>Every input pattern is checked against the database.</a:t>
             </a:r>
             <a:endParaRPr lang="en-IN" sz="2400" dirty="0">
               <a:latin typeface="Arial" panose="020B0604020202020204" pitchFamily="34" charset="0"/>
@@ -6036,13 +5686,6 @@
   <p:clrMapOvr>
     <a:masterClrMapping/>
   </p:clrMapOvr>
-  <p:timing>
-    <p:tnLst>
-      <p:par>
-        <p:cTn id="1" dur="indefinite" restart="never" nodeType="tmRoot"/>
-      </p:par>
-    </p:tnLst>
-  </p:timing>
 </p:sld>
 </file>
 
@@ -6079,7 +5722,7 @@
                 <a16:creationId xmlns:a16="http://schemas.microsoft.com/office/drawing/2014/main" id="{FAA3B297-9683-4E38-89FA-062C53E13F85}"/>
               </a:ext>
               <a:ext uri="{C183D7F6-B498-43B3-948B-1728B52AA6E4}">
-                <adec:decorative xmlns="" xmlns:adec="http://schemas.microsoft.com/office/drawing/2017/decorative" val="1"/>
+                <adec:decorative xmlns:adec="http://schemas.microsoft.com/office/drawing/2017/decorative" val="1"/>
               </a:ext>
             </a:extLst>
           </p:cNvPr>
@@ -6181,7 +5824,7 @@
                 <a16:creationId xmlns:a16="http://schemas.microsoft.com/office/drawing/2014/main" id="{5B8D7907-8AB9-4E98-A576-1A13AECEDF3A}"/>
               </a:ext>
               <a:ext uri="{C183D7F6-B498-43B3-948B-1728B52AA6E4}">
-                <adec:decorative xmlns="" xmlns:adec="http://schemas.microsoft.com/office/drawing/2017/decorative" val="1"/>
+                <adec:decorative xmlns:adec="http://schemas.microsoft.com/office/drawing/2017/decorative" val="1"/>
               </a:ext>
             </a:extLst>
           </p:cNvPr>
@@ -6269,14 +5912,7 @@
                 <a:latin typeface="Arial" panose="020B0604020202020204" pitchFamily="34" charset="0"/>
                 <a:cs typeface="Arial" panose="020B0604020202020204" pitchFamily="34" charset="0"/>
               </a:rPr>
-              <a:t>For Numbers </a:t>
-            </a:r>
-            <a:r>
-              <a:rPr lang="en-US" b="1" dirty="0" smtClean="0">
-                <a:latin typeface="Arial" panose="020B0604020202020204" pitchFamily="34" charset="0"/>
-                <a:cs typeface="Arial" panose="020B0604020202020204" pitchFamily="34" charset="0"/>
-              </a:rPr>
-              <a:t>:</a:t>
+              <a:t>For Numbers :</a:t>
             </a:r>
           </a:p>
           <a:p>
@@ -6285,25 +5921,11 @@
               <a:buChar char="•"/>
             </a:pPr>
             <a:r>
-              <a:rPr lang="en-US" dirty="0" smtClean="0">
-                <a:latin typeface="Arial" panose="020B0604020202020204" pitchFamily="34" charset="0"/>
-                <a:cs typeface="Arial" panose="020B0604020202020204" pitchFamily="34" charset="0"/>
-              </a:rPr>
-              <a:t>Obtain </a:t>
-            </a:r>
-            <a:r>
               <a:rPr lang="en-US" dirty="0">
                 <a:latin typeface="Arial" panose="020B0604020202020204" pitchFamily="34" charset="0"/>
                 <a:cs typeface="Arial" panose="020B0604020202020204" pitchFamily="34" charset="0"/>
               </a:rPr>
-              <a:t>datasets and train with Spatial Pooler using a scalar encoder</a:t>
-            </a:r>
-            <a:r>
-              <a:rPr lang="en-US" dirty="0" smtClean="0">
-                <a:latin typeface="Arial" panose="020B0604020202020204" pitchFamily="34" charset="0"/>
-                <a:cs typeface="Arial" panose="020B0604020202020204" pitchFamily="34" charset="0"/>
-              </a:rPr>
-              <a:t>.</a:t>
+              <a:t>Obtain datasets and train with Spatial Pooler using a scalar encoder.</a:t>
             </a:r>
           </a:p>
           <a:p>
@@ -6312,25 +5934,11 @@
               <a:buChar char="•"/>
             </a:pPr>
             <a:r>
-              <a:rPr lang="en-US" dirty="0" smtClean="0">
-                <a:latin typeface="Arial" panose="020B0604020202020204" pitchFamily="34" charset="0"/>
-                <a:cs typeface="Arial" panose="020B0604020202020204" pitchFamily="34" charset="0"/>
-              </a:rPr>
-              <a:t>Spatial </a:t>
-            </a:r>
-            <a:r>
               <a:rPr lang="en-US" dirty="0">
                 <a:latin typeface="Arial" panose="020B0604020202020204" pitchFamily="34" charset="0"/>
                 <a:cs typeface="Arial" panose="020B0604020202020204" pitchFamily="34" charset="0"/>
               </a:rPr>
-              <a:t>Pooler iteratively trains each sequence until it reaches a stable state</a:t>
-            </a:r>
-            <a:r>
-              <a:rPr lang="en-US" dirty="0" smtClean="0">
-                <a:latin typeface="Arial" panose="020B0604020202020204" pitchFamily="34" charset="0"/>
-                <a:cs typeface="Arial" panose="020B0604020202020204" pitchFamily="34" charset="0"/>
-              </a:rPr>
-              <a:t>.</a:t>
+              <a:t>Spatial Pooler iteratively trains each sequence until it reaches a stable state.</a:t>
             </a:r>
           </a:p>
           <a:p>
@@ -6339,18 +5947,11 @@
               <a:buChar char="•"/>
             </a:pPr>
             <a:r>
-              <a:rPr lang="en-US" dirty="0" smtClean="0">
-                <a:latin typeface="Arial" panose="020B0604020202020204" pitchFamily="34" charset="0"/>
-                <a:cs typeface="Arial" panose="020B0604020202020204" pitchFamily="34" charset="0"/>
-              </a:rPr>
-              <a:t>HTM </a:t>
-            </a:r>
-            <a:r>
               <a:rPr lang="en-US" dirty="0">
                 <a:latin typeface="Arial" panose="020B0604020202020204" pitchFamily="34" charset="0"/>
                 <a:cs typeface="Arial" panose="020B0604020202020204" pitchFamily="34" charset="0"/>
               </a:rPr>
-              <a:t>is a memory-based system that stores a large number of patterns and sequences.</a:t>
+              <a:t>HTM is a memory-based system that stores a large number of patterns and sequences.</a:t>
             </a:r>
           </a:p>
         </p:txBody>
@@ -6365,19 +5966,20 @@
   <p:clrMapOvr>
     <a:masterClrMapping/>
   </p:clrMapOvr>
-  <p:timing>
-    <p:tnLst>
-      <p:par>
-        <p:cTn id="1" dur="indefinite" restart="never" nodeType="tmRoot"/>
-      </p:par>
-    </p:tnLst>
-  </p:timing>
 </p:sld>
 </file>
 
 <file path=ppt/slides/slide8.xml><?xml version="1.0" encoding="utf-8"?>
 <p:sld xmlns:a="http://schemas.openxmlformats.org/drawingml/2006/main" xmlns:r="http://schemas.openxmlformats.org/officeDocument/2006/relationships" xmlns:p="http://schemas.openxmlformats.org/presentationml/2006/main">
   <p:cSld>
+    <p:bg>
+      <p:bgPr>
+        <a:solidFill>
+          <a:schemeClr val="bg1"/>
+        </a:solidFill>
+        <a:effectLst/>
+      </p:bgPr>
+    </p:bg>
     <p:spTree>
       <p:nvGrpSpPr>
         <p:cNvPr id="1" name=""/>
@@ -6392,9 +5994,75 @@
           <a:chExt cx="0" cy="0"/>
         </a:xfrm>
       </p:grpSpPr>
-      <p:sp>
-        <p:nvSpPr>
-          <p:cNvPr id="2" name="Title 1"/>
+      <p:sp useBgFill="1">
+        <p:nvSpPr>
+          <p:cNvPr id="8" name="Rectangle 7">
+            <a:extLst>
+              <a:ext uri="{FF2B5EF4-FFF2-40B4-BE49-F238E27FC236}">
+                <a16:creationId xmlns:a16="http://schemas.microsoft.com/office/drawing/2014/main" id="{FAA3B297-9683-4E38-89FA-062C53E13F85}"/>
+              </a:ext>
+              <a:ext uri="{C183D7F6-B498-43B3-948B-1728B52AA6E4}">
+                <adec:decorative xmlns:adec="http://schemas.microsoft.com/office/drawing/2017/decorative" val="1"/>
+              </a:ext>
+            </a:extLst>
+          </p:cNvPr>
+          <p:cNvSpPr>
+            <a:spLocks noGrp="1" noRot="1" noChangeAspect="1" noMove="1" noResize="1" noEditPoints="1" noAdjustHandles="1" noChangeArrowheads="1" noChangeShapeType="1" noTextEdit="1"/>
+          </p:cNvSpPr>
+          <p:nvPr>
+            <p:extLst>
+              <p:ext uri="{386F3935-93C4-4BCD-93E2-E3B085C9AB24}">
+                <p16:designElem xmlns:p16="http://schemas.microsoft.com/office/powerpoint/2015/main" val="1"/>
+              </p:ext>
+            </p:extLst>
+          </p:nvPr>
+        </p:nvSpPr>
+        <p:spPr>
+          <a:xfrm>
+            <a:off x="0" y="0"/>
+            <a:ext cx="12188952" cy="6857995"/>
+          </a:xfrm>
+          <a:prstGeom prst="rect">
+            <a:avLst/>
+          </a:prstGeom>
+          <a:ln>
+            <a:noFill/>
+          </a:ln>
+        </p:spPr>
+        <p:style>
+          <a:lnRef idx="2">
+            <a:schemeClr val="accent1">
+              <a:shade val="50000"/>
+            </a:schemeClr>
+          </a:lnRef>
+          <a:fillRef idx="1">
+            <a:schemeClr val="accent1"/>
+          </a:fillRef>
+          <a:effectRef idx="0">
+            <a:schemeClr val="accent1"/>
+          </a:effectRef>
+          <a:fontRef idx="minor">
+            <a:schemeClr val="lt1"/>
+          </a:fontRef>
+        </p:style>
+        <p:txBody>
+          <a:bodyPr rtlCol="0" anchor="ctr"/>
+          <a:lstStyle/>
+          <a:p>
+            <a:pPr algn="ctr"/>
+            <a:endParaRPr lang="en-US" dirty="0"/>
+          </a:p>
+        </p:txBody>
+      </p:sp>
+      <p:sp>
+        <p:nvSpPr>
+          <p:cNvPr id="2" name="Title 1">
+            <a:extLst>
+              <a:ext uri="{FF2B5EF4-FFF2-40B4-BE49-F238E27FC236}">
+                <a16:creationId xmlns:a16="http://schemas.microsoft.com/office/drawing/2014/main" id="{5F104249-400B-AD3A-F382-C91918689B2C}"/>
+              </a:ext>
+            </a:extLst>
+          </p:cNvPr>
           <p:cNvSpPr>
             <a:spLocks noGrp="1"/>
           </p:cNvSpPr>
@@ -6404,8 +6072,8 @@
         </p:nvSpPr>
         <p:spPr>
           <a:xfrm>
-            <a:off x="517869" y="978408"/>
-            <a:ext cx="6480089" cy="775747"/>
+            <a:off x="540729" y="796484"/>
+            <a:ext cx="8686800" cy="951494"/>
           </a:xfrm>
         </p:spPr>
         <p:txBody>
@@ -6415,19 +6083,87 @@
           <a:lstStyle/>
           <a:p>
             <a:r>
-              <a:rPr lang="en-IN" sz="4000" dirty="0">
+              <a:rPr lang="en-US" sz="4000" dirty="0">
                 <a:latin typeface="Arial" panose="020B0604020202020204" pitchFamily="34" charset="0"/>
                 <a:cs typeface="Arial" panose="020B0604020202020204" pitchFamily="34" charset="0"/>
               </a:rPr>
-              <a:t>IMPLEMENTATION</a:t>
-            </a:r>
-            <a:endParaRPr lang="en-IN" sz="4000" dirty="0"/>
-          </a:p>
-        </p:txBody>
-      </p:sp>
-      <p:sp>
-        <p:nvSpPr>
-          <p:cNvPr id="3" name="Content Placeholder 2"/>
+              <a:t>FLOW-CHART</a:t>
+            </a:r>
+          </a:p>
+        </p:txBody>
+      </p:sp>
+      <p:sp>
+        <p:nvSpPr>
+          <p:cNvPr id="10" name="Rectangle 9">
+            <a:extLst>
+              <a:ext uri="{FF2B5EF4-FFF2-40B4-BE49-F238E27FC236}">
+                <a16:creationId xmlns:a16="http://schemas.microsoft.com/office/drawing/2014/main" id="{5B8D7907-8AB9-4E98-A576-1A13AECEDF3A}"/>
+              </a:ext>
+              <a:ext uri="{C183D7F6-B498-43B3-948B-1728B52AA6E4}">
+                <adec:decorative xmlns:adec="http://schemas.microsoft.com/office/drawing/2017/decorative" val="1"/>
+              </a:ext>
+            </a:extLst>
+          </p:cNvPr>
+          <p:cNvSpPr>
+            <a:spLocks noGrp="1" noRot="1" noChangeAspect="1" noMove="1" noResize="1" noEditPoints="1" noAdjustHandles="1" noChangeArrowheads="1" noChangeShapeType="1" noTextEdit="1"/>
+          </p:cNvSpPr>
+          <p:nvPr>
+            <p:extLst>
+              <p:ext uri="{386F3935-93C4-4BCD-93E2-E3B085C9AB24}">
+                <p16:designElem xmlns:p16="http://schemas.microsoft.com/office/powerpoint/2015/main" val="1"/>
+              </p:ext>
+            </p:extLst>
+          </p:nvPr>
+        </p:nvSpPr>
+        <p:spPr>
+          <a:xfrm>
+            <a:off x="517869" y="508090"/>
+            <a:ext cx="8732520" cy="149279"/>
+          </a:xfrm>
+          <a:prstGeom prst="rect">
+            <a:avLst/>
+          </a:prstGeom>
+          <a:solidFill>
+            <a:schemeClr val="tx1"/>
+          </a:solidFill>
+          <a:ln>
+            <a:noFill/>
+          </a:ln>
+        </p:spPr>
+        <p:style>
+          <a:lnRef idx="2">
+            <a:schemeClr val="accent1">
+              <a:shade val="50000"/>
+            </a:schemeClr>
+          </a:lnRef>
+          <a:fillRef idx="1">
+            <a:schemeClr val="accent1"/>
+          </a:fillRef>
+          <a:effectRef idx="0">
+            <a:schemeClr val="accent1"/>
+          </a:effectRef>
+          <a:fontRef idx="minor">
+            <a:schemeClr val="lt1"/>
+          </a:fontRef>
+        </p:style>
+        <p:txBody>
+          <a:bodyPr rtlCol="0" anchor="ctr"/>
+          <a:lstStyle/>
+          <a:p>
+            <a:pPr algn="ctr"/>
+            <a:endParaRPr lang="en-US"/>
+          </a:p>
+        </p:txBody>
+      </p:sp>
+      <p:sp>
+        <p:nvSpPr>
+          <p:cNvPr id="3" name="Content Placeholder 2">
+            <a:extLst>
+              <a:ext uri="{FF2B5EF4-FFF2-40B4-BE49-F238E27FC236}">
+                <a16:creationId xmlns:a16="http://schemas.microsoft.com/office/drawing/2014/main" id="{7F00A25F-4CA4-D443-D525-EEE4B67C7EC0}"/>
+              </a:ext>
+            </a:extLst>
+          </p:cNvPr>
           <p:cNvSpPr>
             <a:spLocks noGrp="1"/>
           </p:cNvSpPr>
@@ -6437,46 +6173,714 @@
         </p:nvSpPr>
         <p:spPr>
           <a:xfrm>
-            <a:off x="517869" y="1799502"/>
-            <a:ext cx="5021182" cy="4870457"/>
-          </a:xfrm>
-        </p:spPr>
-        <p:txBody>
-          <a:bodyPr/>
-          <a:lstStyle/>
-          <a:p>
-            <a:endParaRPr lang="en-US" b="1" dirty="0">
-              <a:latin typeface="Arial" panose="020B0604020202020204" pitchFamily="34" charset="0"/>
-              <a:ea typeface="Black Han Sans" panose="020B0604020202020204" charset="-127"/>
-              <a:cs typeface="Arial" panose="020B0604020202020204" pitchFamily="34" charset="0"/>
-            </a:endParaRPr>
-          </a:p>
-          <a:p>
-            <a:endParaRPr lang="en-US" dirty="0">
-              <a:latin typeface="Arial" panose="020B0604020202020204" pitchFamily="34" charset="0"/>
-              <a:ea typeface="Black Han Sans" panose="020B0604020202020204" charset="-127"/>
-              <a:cs typeface="Arial" panose="020B0604020202020204" pitchFamily="34" charset="0"/>
-            </a:endParaRPr>
+            <a:off x="563590" y="1800225"/>
+            <a:ext cx="11123585" cy="4928605"/>
+          </a:xfrm>
+        </p:spPr>
+        <p:txBody>
+          <a:bodyPr>
+            <a:normAutofit/>
+          </a:bodyPr>
+          <a:lstStyle/>
+          <a:p>
+            <a:endParaRPr lang="en-US" dirty="0"/>
+          </a:p>
+        </p:txBody>
+      </p:sp>
+      <p:sp>
+        <p:nvSpPr>
+          <p:cNvPr id="5" name="Oval 4">
+            <a:extLst>
+              <a:ext uri="{FF2B5EF4-FFF2-40B4-BE49-F238E27FC236}">
+                <a16:creationId xmlns:a16="http://schemas.microsoft.com/office/drawing/2014/main" id="{7DC6641C-EF28-FF0A-45EE-2B454883053F}"/>
+              </a:ext>
+            </a:extLst>
+          </p:cNvPr>
+          <p:cNvSpPr/>
+          <p:nvPr/>
+        </p:nvSpPr>
+        <p:spPr>
+          <a:xfrm>
+            <a:off x="1393031" y="2121115"/>
+            <a:ext cx="1285875" cy="537157"/>
+          </a:xfrm>
+          <a:prstGeom prst="ellipse">
+            <a:avLst/>
+          </a:prstGeom>
+        </p:spPr>
+        <p:style>
+          <a:lnRef idx="2">
+            <a:schemeClr val="accent6"/>
+          </a:lnRef>
+          <a:fillRef idx="1">
+            <a:schemeClr val="lt1"/>
+          </a:fillRef>
+          <a:effectRef idx="0">
+            <a:schemeClr val="accent6"/>
+          </a:effectRef>
+          <a:fontRef idx="minor">
+            <a:schemeClr val="dk1"/>
+          </a:fontRef>
+        </p:style>
+        <p:txBody>
+          <a:bodyPr rtlCol="0" anchor="ctr"/>
+          <a:lstStyle/>
+          <a:p>
+            <a:pPr algn="ctr"/>
+            <a:r>
+              <a:rPr lang="en-US" dirty="0"/>
+              <a:t>start</a:t>
+            </a:r>
+          </a:p>
+        </p:txBody>
+      </p:sp>
+      <p:sp>
+        <p:nvSpPr>
+          <p:cNvPr id="6" name="Parallelogram 5">
+            <a:extLst>
+              <a:ext uri="{FF2B5EF4-FFF2-40B4-BE49-F238E27FC236}">
+                <a16:creationId xmlns:a16="http://schemas.microsoft.com/office/drawing/2014/main" id="{808396EC-C0E3-2F2A-CE91-1BD9B7EE2C57}"/>
+              </a:ext>
+            </a:extLst>
+          </p:cNvPr>
+          <p:cNvSpPr/>
+          <p:nvPr/>
+        </p:nvSpPr>
+        <p:spPr>
+          <a:xfrm>
+            <a:off x="757239" y="3091469"/>
+            <a:ext cx="2771774" cy="772827"/>
+          </a:xfrm>
+          <a:prstGeom prst="parallelogram">
+            <a:avLst/>
+          </a:prstGeom>
+        </p:spPr>
+        <p:style>
+          <a:lnRef idx="2">
+            <a:schemeClr val="accent6"/>
+          </a:lnRef>
+          <a:fillRef idx="1">
+            <a:schemeClr val="lt1"/>
+          </a:fillRef>
+          <a:effectRef idx="0">
+            <a:schemeClr val="accent6"/>
+          </a:effectRef>
+          <a:fontRef idx="minor">
+            <a:schemeClr val="dk1"/>
+          </a:fontRef>
+        </p:style>
+        <p:txBody>
+          <a:bodyPr rtlCol="0" anchor="ctr"/>
+          <a:lstStyle/>
+          <a:p>
+            <a:pPr algn="ctr"/>
+            <a:r>
+              <a:rPr lang="en-US" dirty="0"/>
+              <a:t>Enter an Option to run multisequence</a:t>
+            </a:r>
+          </a:p>
+        </p:txBody>
+      </p:sp>
+      <p:sp>
+        <p:nvSpPr>
+          <p:cNvPr id="7" name="Diamond 6">
+            <a:extLst>
+              <a:ext uri="{FF2B5EF4-FFF2-40B4-BE49-F238E27FC236}">
+                <a16:creationId xmlns:a16="http://schemas.microsoft.com/office/drawing/2014/main" id="{8AF84960-DC45-1CE8-1E6E-1E6466D6DD9E}"/>
+              </a:ext>
+            </a:extLst>
+          </p:cNvPr>
+          <p:cNvSpPr/>
+          <p:nvPr/>
+        </p:nvSpPr>
+        <p:spPr>
+          <a:xfrm>
+            <a:off x="733613" y="4246839"/>
+            <a:ext cx="2657474" cy="1304215"/>
+          </a:xfrm>
+          <a:prstGeom prst="diamond">
+            <a:avLst/>
+          </a:prstGeom>
+        </p:spPr>
+        <p:style>
+          <a:lnRef idx="2">
+            <a:schemeClr val="accent6"/>
+          </a:lnRef>
+          <a:fillRef idx="1">
+            <a:schemeClr val="lt1"/>
+          </a:fillRef>
+          <a:effectRef idx="0">
+            <a:schemeClr val="accent6"/>
+          </a:effectRef>
+          <a:fontRef idx="minor">
+            <a:schemeClr val="dk1"/>
+          </a:fontRef>
+        </p:style>
+        <p:txBody>
+          <a:bodyPr rtlCol="0" anchor="ctr"/>
+          <a:lstStyle/>
+          <a:p>
+            <a:pPr algn="ctr"/>
+            <a:r>
+              <a:rPr lang="en-US" dirty="0"/>
+              <a:t> Sequences from the file</a:t>
+            </a:r>
+          </a:p>
+        </p:txBody>
+      </p:sp>
+      <p:sp>
+        <p:nvSpPr>
+          <p:cNvPr id="12" name="Rectangle 11">
+            <a:extLst>
+              <a:ext uri="{FF2B5EF4-FFF2-40B4-BE49-F238E27FC236}">
+                <a16:creationId xmlns:a16="http://schemas.microsoft.com/office/drawing/2014/main" id="{3019948E-00D5-D4C6-5E49-6407ECE469EC}"/>
+              </a:ext>
+            </a:extLst>
+          </p:cNvPr>
+          <p:cNvSpPr/>
+          <p:nvPr/>
+        </p:nvSpPr>
+        <p:spPr>
+          <a:xfrm>
+            <a:off x="4206903" y="4353456"/>
+            <a:ext cx="1943100" cy="956757"/>
+          </a:xfrm>
+          <a:prstGeom prst="rect">
+            <a:avLst/>
+          </a:prstGeom>
+        </p:spPr>
+        <p:style>
+          <a:lnRef idx="2">
+            <a:schemeClr val="accent6"/>
+          </a:lnRef>
+          <a:fillRef idx="1">
+            <a:schemeClr val="lt1"/>
+          </a:fillRef>
+          <a:effectRef idx="0">
+            <a:schemeClr val="accent6"/>
+          </a:effectRef>
+          <a:fontRef idx="minor">
+            <a:schemeClr val="dk1"/>
+          </a:fontRef>
+        </p:style>
+        <p:txBody>
+          <a:bodyPr rtlCol="0" anchor="ctr"/>
+          <a:lstStyle/>
+          <a:p>
+            <a:pPr algn="ctr"/>
+            <a:r>
+              <a:rPr lang="en-US" dirty="0"/>
+              <a:t>Multi-Sequence Numbers</a:t>
+            </a:r>
+          </a:p>
+        </p:txBody>
+      </p:sp>
+      <p:sp>
+        <p:nvSpPr>
+          <p:cNvPr id="13" name="Rectangle 12">
+            <a:extLst>
+              <a:ext uri="{FF2B5EF4-FFF2-40B4-BE49-F238E27FC236}">
+                <a16:creationId xmlns:a16="http://schemas.microsoft.com/office/drawing/2014/main" id="{5A3EB07F-15B0-B1D8-01BF-94072B1EA615}"/>
+              </a:ext>
+            </a:extLst>
+          </p:cNvPr>
+          <p:cNvSpPr/>
+          <p:nvPr/>
+        </p:nvSpPr>
+        <p:spPr>
+          <a:xfrm>
+            <a:off x="6829423" y="4353456"/>
+            <a:ext cx="1500187" cy="956757"/>
+          </a:xfrm>
+          <a:prstGeom prst="rect">
+            <a:avLst/>
+          </a:prstGeom>
+        </p:spPr>
+        <p:style>
+          <a:lnRef idx="2">
+            <a:schemeClr val="accent6"/>
+          </a:lnRef>
+          <a:fillRef idx="1">
+            <a:schemeClr val="lt1"/>
+          </a:fillRef>
+          <a:effectRef idx="0">
+            <a:schemeClr val="accent6"/>
+          </a:effectRef>
+          <a:fontRef idx="minor">
+            <a:schemeClr val="dk1"/>
+          </a:fontRef>
+        </p:style>
+        <p:txBody>
+          <a:bodyPr rtlCol="0" anchor="ctr"/>
+          <a:lstStyle/>
+          <a:p>
+            <a:pPr algn="ctr"/>
+            <a:r>
+              <a:rPr lang="en-US" dirty="0"/>
+              <a:t>Train Datasets</a:t>
+            </a:r>
+          </a:p>
+        </p:txBody>
+      </p:sp>
+      <p:sp>
+        <p:nvSpPr>
+          <p:cNvPr id="14" name="Parallelogram 13">
+            <a:extLst>
+              <a:ext uri="{FF2B5EF4-FFF2-40B4-BE49-F238E27FC236}">
+                <a16:creationId xmlns:a16="http://schemas.microsoft.com/office/drawing/2014/main" id="{A5A732FF-9574-BD05-EFE0-F746C7A36022}"/>
+              </a:ext>
+            </a:extLst>
+          </p:cNvPr>
+          <p:cNvSpPr/>
+          <p:nvPr/>
+        </p:nvSpPr>
+        <p:spPr>
+          <a:xfrm>
+            <a:off x="8850254" y="4301078"/>
+            <a:ext cx="1943099" cy="970470"/>
+          </a:xfrm>
+          <a:prstGeom prst="parallelogram">
+            <a:avLst/>
+          </a:prstGeom>
+        </p:spPr>
+        <p:style>
+          <a:lnRef idx="2">
+            <a:schemeClr val="accent6"/>
+          </a:lnRef>
+          <a:fillRef idx="1">
+            <a:schemeClr val="lt1"/>
+          </a:fillRef>
+          <a:effectRef idx="0">
+            <a:schemeClr val="accent6"/>
+          </a:effectRef>
+          <a:fontRef idx="minor">
+            <a:schemeClr val="dk1"/>
+          </a:fontRef>
+        </p:style>
+        <p:txBody>
+          <a:bodyPr rtlCol="0" anchor="ctr"/>
+          <a:lstStyle/>
+          <a:p>
+            <a:pPr algn="ctr"/>
+            <a:r>
+              <a:rPr lang="en-US" dirty="0"/>
+              <a:t>Enter input Data Sequences</a:t>
+            </a:r>
+          </a:p>
+        </p:txBody>
+      </p:sp>
+      <p:sp>
+        <p:nvSpPr>
+          <p:cNvPr id="15" name="Rounded Rectangle 14">
+            <a:extLst>
+              <a:ext uri="{FF2B5EF4-FFF2-40B4-BE49-F238E27FC236}">
+                <a16:creationId xmlns:a16="http://schemas.microsoft.com/office/drawing/2014/main" id="{397CE3F1-3B82-B84B-1A86-237599C0C089}"/>
+              </a:ext>
+            </a:extLst>
+          </p:cNvPr>
+          <p:cNvSpPr/>
+          <p:nvPr/>
+        </p:nvSpPr>
+        <p:spPr>
+          <a:xfrm>
+            <a:off x="8902020" y="5667587"/>
+            <a:ext cx="1839566" cy="792072"/>
+          </a:xfrm>
+          <a:prstGeom prst="roundRect">
+            <a:avLst/>
+          </a:prstGeom>
+        </p:spPr>
+        <p:style>
+          <a:lnRef idx="2">
+            <a:schemeClr val="accent6"/>
+          </a:lnRef>
+          <a:fillRef idx="1">
+            <a:schemeClr val="lt1"/>
+          </a:fillRef>
+          <a:effectRef idx="0">
+            <a:schemeClr val="accent6"/>
+          </a:effectRef>
+          <a:fontRef idx="minor">
+            <a:schemeClr val="dk1"/>
+          </a:fontRef>
+        </p:style>
+        <p:txBody>
+          <a:bodyPr rtlCol="0" anchor="ctr"/>
+          <a:lstStyle/>
+          <a:p>
+            <a:pPr algn="ctr"/>
+            <a:r>
+              <a:rPr lang="en-US" dirty="0"/>
+              <a:t>Prediction Accuracy percentage</a:t>
+            </a:r>
+          </a:p>
+        </p:txBody>
+      </p:sp>
+      <p:sp>
+        <p:nvSpPr>
+          <p:cNvPr id="16" name="Oval 15">
+            <a:extLst>
+              <a:ext uri="{FF2B5EF4-FFF2-40B4-BE49-F238E27FC236}">
+                <a16:creationId xmlns:a16="http://schemas.microsoft.com/office/drawing/2014/main" id="{2B45E3DA-07BD-7660-8415-B253BF777F35}"/>
+              </a:ext>
+            </a:extLst>
+          </p:cNvPr>
+          <p:cNvSpPr/>
+          <p:nvPr/>
+        </p:nvSpPr>
+        <p:spPr>
+          <a:xfrm>
+            <a:off x="7063596" y="5819274"/>
+            <a:ext cx="1336647" cy="572574"/>
+          </a:xfrm>
+          <a:prstGeom prst="ellipse">
+            <a:avLst/>
+          </a:prstGeom>
+        </p:spPr>
+        <p:style>
+          <a:lnRef idx="2">
+            <a:schemeClr val="accent6"/>
+          </a:lnRef>
+          <a:fillRef idx="1">
+            <a:schemeClr val="lt1"/>
+          </a:fillRef>
+          <a:effectRef idx="0">
+            <a:schemeClr val="accent6"/>
+          </a:effectRef>
+          <a:fontRef idx="minor">
+            <a:schemeClr val="dk1"/>
+          </a:fontRef>
+        </p:style>
+        <p:txBody>
+          <a:bodyPr rtlCol="0" anchor="ctr"/>
+          <a:lstStyle/>
+          <a:p>
+            <a:pPr algn="ctr"/>
+            <a:r>
+              <a:rPr lang="en-US" dirty="0"/>
+              <a:t>End</a:t>
+            </a:r>
+          </a:p>
+        </p:txBody>
+      </p:sp>
+      <p:sp>
+        <p:nvSpPr>
+          <p:cNvPr id="17" name="Down Arrow 16">
+            <a:extLst>
+              <a:ext uri="{FF2B5EF4-FFF2-40B4-BE49-F238E27FC236}">
+                <a16:creationId xmlns:a16="http://schemas.microsoft.com/office/drawing/2014/main" id="{88887668-6271-D7D8-ED26-C066174E009E}"/>
+              </a:ext>
+            </a:extLst>
+          </p:cNvPr>
+          <p:cNvSpPr/>
+          <p:nvPr/>
+        </p:nvSpPr>
+        <p:spPr>
+          <a:xfrm>
+            <a:off x="1957388" y="2670074"/>
+            <a:ext cx="157160" cy="384314"/>
+          </a:xfrm>
+          <a:prstGeom prst="downArrow">
+            <a:avLst/>
+          </a:prstGeom>
+        </p:spPr>
+        <p:style>
+          <a:lnRef idx="2">
+            <a:schemeClr val="accent6"/>
+          </a:lnRef>
+          <a:fillRef idx="1">
+            <a:schemeClr val="lt1"/>
+          </a:fillRef>
+          <a:effectRef idx="0">
+            <a:schemeClr val="accent6"/>
+          </a:effectRef>
+          <a:fontRef idx="minor">
+            <a:schemeClr val="dk1"/>
+          </a:fontRef>
+        </p:style>
+        <p:txBody>
+          <a:bodyPr rtlCol="0" anchor="ctr"/>
+          <a:lstStyle/>
+          <a:p>
+            <a:pPr algn="ctr"/>
+            <a:endParaRPr lang="en-US"/>
+          </a:p>
+        </p:txBody>
+      </p:sp>
+      <p:sp>
+        <p:nvSpPr>
+          <p:cNvPr id="18" name="Down Arrow 17">
+            <a:extLst>
+              <a:ext uri="{FF2B5EF4-FFF2-40B4-BE49-F238E27FC236}">
+                <a16:creationId xmlns:a16="http://schemas.microsoft.com/office/drawing/2014/main" id="{2336F564-34E4-8B70-4E6A-DB84DCD258B8}"/>
+              </a:ext>
+            </a:extLst>
+          </p:cNvPr>
+          <p:cNvSpPr/>
+          <p:nvPr/>
+        </p:nvSpPr>
+        <p:spPr>
+          <a:xfrm>
+            <a:off x="2000250" y="3866666"/>
+            <a:ext cx="142876" cy="354294"/>
+          </a:xfrm>
+          <a:prstGeom prst="downArrow">
+            <a:avLst/>
+          </a:prstGeom>
+        </p:spPr>
+        <p:style>
+          <a:lnRef idx="2">
+            <a:schemeClr val="accent6"/>
+          </a:lnRef>
+          <a:fillRef idx="1">
+            <a:schemeClr val="lt1"/>
+          </a:fillRef>
+          <a:effectRef idx="0">
+            <a:schemeClr val="accent6"/>
+          </a:effectRef>
+          <a:fontRef idx="minor">
+            <a:schemeClr val="dk1"/>
+          </a:fontRef>
+        </p:style>
+        <p:txBody>
+          <a:bodyPr rtlCol="0" anchor="ctr"/>
+          <a:lstStyle/>
+          <a:p>
+            <a:pPr algn="ctr"/>
+            <a:endParaRPr lang="en-US"/>
+          </a:p>
+        </p:txBody>
+      </p:sp>
+      <p:sp>
+        <p:nvSpPr>
+          <p:cNvPr id="20" name="Right Arrow 19">
+            <a:extLst>
+              <a:ext uri="{FF2B5EF4-FFF2-40B4-BE49-F238E27FC236}">
+                <a16:creationId xmlns:a16="http://schemas.microsoft.com/office/drawing/2014/main" id="{243B01DA-83B4-448B-550A-0D13F3E691F3}"/>
+              </a:ext>
+            </a:extLst>
+          </p:cNvPr>
+          <p:cNvSpPr/>
+          <p:nvPr/>
+        </p:nvSpPr>
+        <p:spPr>
+          <a:xfrm>
+            <a:off x="3446529" y="4786313"/>
+            <a:ext cx="760373" cy="199191"/>
+          </a:xfrm>
+          <a:prstGeom prst="rightArrow">
+            <a:avLst/>
+          </a:prstGeom>
+        </p:spPr>
+        <p:style>
+          <a:lnRef idx="2">
+            <a:schemeClr val="accent6"/>
+          </a:lnRef>
+          <a:fillRef idx="1">
+            <a:schemeClr val="lt1"/>
+          </a:fillRef>
+          <a:effectRef idx="0">
+            <a:schemeClr val="accent6"/>
+          </a:effectRef>
+          <a:fontRef idx="minor">
+            <a:schemeClr val="dk1"/>
+          </a:fontRef>
+        </p:style>
+        <p:txBody>
+          <a:bodyPr rtlCol="0" anchor="ctr"/>
+          <a:lstStyle/>
+          <a:p>
+            <a:pPr algn="ctr"/>
+            <a:endParaRPr lang="en-US"/>
+          </a:p>
+        </p:txBody>
+      </p:sp>
+      <p:sp>
+        <p:nvSpPr>
+          <p:cNvPr id="22" name="Right Arrow 21">
+            <a:extLst>
+              <a:ext uri="{FF2B5EF4-FFF2-40B4-BE49-F238E27FC236}">
+                <a16:creationId xmlns:a16="http://schemas.microsoft.com/office/drawing/2014/main" id="{0985FECF-DE04-1750-99CB-D732AFD15C56}"/>
+              </a:ext>
+            </a:extLst>
+          </p:cNvPr>
+          <p:cNvSpPr/>
+          <p:nvPr/>
+        </p:nvSpPr>
+        <p:spPr>
+          <a:xfrm>
+            <a:off x="6242869" y="4831000"/>
+            <a:ext cx="586554" cy="201691"/>
+          </a:xfrm>
+          <a:prstGeom prst="rightArrow">
+            <a:avLst/>
+          </a:prstGeom>
+        </p:spPr>
+        <p:style>
+          <a:lnRef idx="2">
+            <a:schemeClr val="accent6"/>
+          </a:lnRef>
+          <a:fillRef idx="1">
+            <a:schemeClr val="lt1"/>
+          </a:fillRef>
+          <a:effectRef idx="0">
+            <a:schemeClr val="accent6"/>
+          </a:effectRef>
+          <a:fontRef idx="minor">
+            <a:schemeClr val="dk1"/>
+          </a:fontRef>
+        </p:style>
+        <p:txBody>
+          <a:bodyPr rtlCol="0" anchor="ctr"/>
+          <a:lstStyle/>
+          <a:p>
+            <a:pPr algn="ctr"/>
+            <a:endParaRPr lang="en-US"/>
+          </a:p>
+        </p:txBody>
+      </p:sp>
+      <p:sp>
+        <p:nvSpPr>
+          <p:cNvPr id="23" name="Right Arrow 22">
+            <a:extLst>
+              <a:ext uri="{FF2B5EF4-FFF2-40B4-BE49-F238E27FC236}">
+                <a16:creationId xmlns:a16="http://schemas.microsoft.com/office/drawing/2014/main" id="{A0A7EE86-6E51-9825-163D-400BC5DA7136}"/>
+              </a:ext>
+            </a:extLst>
+          </p:cNvPr>
+          <p:cNvSpPr/>
+          <p:nvPr/>
+        </p:nvSpPr>
+        <p:spPr>
+          <a:xfrm>
+            <a:off x="8329610" y="4786313"/>
+            <a:ext cx="572410" cy="199191"/>
+          </a:xfrm>
+          <a:prstGeom prst="rightArrow">
+            <a:avLst/>
+          </a:prstGeom>
+        </p:spPr>
+        <p:style>
+          <a:lnRef idx="2">
+            <a:schemeClr val="accent6"/>
+          </a:lnRef>
+          <a:fillRef idx="1">
+            <a:schemeClr val="lt1"/>
+          </a:fillRef>
+          <a:effectRef idx="0">
+            <a:schemeClr val="accent6"/>
+          </a:effectRef>
+          <a:fontRef idx="minor">
+            <a:schemeClr val="dk1"/>
+          </a:fontRef>
+        </p:style>
+        <p:txBody>
+          <a:bodyPr rtlCol="0" anchor="ctr"/>
+          <a:lstStyle/>
+          <a:p>
+            <a:pPr algn="ctr"/>
+            <a:endParaRPr lang="en-US"/>
+          </a:p>
+        </p:txBody>
+      </p:sp>
+      <p:sp>
+        <p:nvSpPr>
+          <p:cNvPr id="24" name="Down Arrow 23">
+            <a:extLst>
+              <a:ext uri="{FF2B5EF4-FFF2-40B4-BE49-F238E27FC236}">
+                <a16:creationId xmlns:a16="http://schemas.microsoft.com/office/drawing/2014/main" id="{8F5C5CB4-3F19-8368-5CCB-E6AFB6A457EE}"/>
+              </a:ext>
+            </a:extLst>
+          </p:cNvPr>
+          <p:cNvSpPr/>
+          <p:nvPr/>
+        </p:nvSpPr>
+        <p:spPr>
+          <a:xfrm>
+            <a:off x="9644063" y="5271548"/>
+            <a:ext cx="177740" cy="396039"/>
+          </a:xfrm>
+          <a:prstGeom prst="downArrow">
+            <a:avLst/>
+          </a:prstGeom>
+        </p:spPr>
+        <p:style>
+          <a:lnRef idx="2">
+            <a:schemeClr val="accent6"/>
+          </a:lnRef>
+          <a:fillRef idx="1">
+            <a:schemeClr val="lt1"/>
+          </a:fillRef>
+          <a:effectRef idx="0">
+            <a:schemeClr val="accent6"/>
+          </a:effectRef>
+          <a:fontRef idx="minor">
+            <a:schemeClr val="dk1"/>
+          </a:fontRef>
+        </p:style>
+        <p:txBody>
+          <a:bodyPr rtlCol="0" anchor="ctr"/>
+          <a:lstStyle/>
+          <a:p>
+            <a:pPr algn="ctr"/>
+            <a:endParaRPr lang="en-US"/>
+          </a:p>
+        </p:txBody>
+      </p:sp>
+      <p:sp>
+        <p:nvSpPr>
+          <p:cNvPr id="25" name="Left Arrow 24">
+            <a:extLst>
+              <a:ext uri="{FF2B5EF4-FFF2-40B4-BE49-F238E27FC236}">
+                <a16:creationId xmlns:a16="http://schemas.microsoft.com/office/drawing/2014/main" id="{7C12F5D7-9856-3E45-FB35-2F1A63B0C89A}"/>
+              </a:ext>
+            </a:extLst>
+          </p:cNvPr>
+          <p:cNvSpPr/>
+          <p:nvPr/>
+        </p:nvSpPr>
+        <p:spPr>
+          <a:xfrm>
+            <a:off x="8400243" y="5987299"/>
+            <a:ext cx="501777" cy="199190"/>
+          </a:xfrm>
+          <a:prstGeom prst="leftArrow">
+            <a:avLst/>
+          </a:prstGeom>
+        </p:spPr>
+        <p:style>
+          <a:lnRef idx="2">
+            <a:schemeClr val="accent6"/>
+          </a:lnRef>
+          <a:fillRef idx="1">
+            <a:schemeClr val="lt1"/>
+          </a:fillRef>
+          <a:effectRef idx="0">
+            <a:schemeClr val="accent6"/>
+          </a:effectRef>
+          <a:fontRef idx="minor">
+            <a:schemeClr val="dk1"/>
+          </a:fontRef>
+        </p:style>
+        <p:txBody>
+          <a:bodyPr rtlCol="0" anchor="ctr"/>
+          <a:lstStyle/>
+          <a:p>
+            <a:pPr algn="ctr"/>
+            <a:endParaRPr lang="en-US"/>
           </a:p>
         </p:txBody>
       </p:sp>
     </p:spTree>
     <p:extLst>
       <p:ext uri="{BB962C8B-B14F-4D97-AF65-F5344CB8AC3E}">
-        <p14:creationId xmlns:p14="http://schemas.microsoft.com/office/powerpoint/2010/main" val="1471242726"/>
+        <p14:creationId xmlns:p14="http://schemas.microsoft.com/office/powerpoint/2010/main" val="2487824199"/>
       </p:ext>
     </p:extLst>
   </p:cSld>
   <p:clrMapOvr>
     <a:masterClrMapping/>
   </p:clrMapOvr>
-  <p:timing>
-    <p:tnLst>
-      <p:par>
-        <p:cTn id="1" dur="indefinite" restart="never" nodeType="tmRoot"/>
-      </p:par>
-    </p:tnLst>
-  </p:timing>
 </p:sld>
 </file>
 
@@ -6513,7 +6917,7 @@
                 <a16:creationId xmlns:a16="http://schemas.microsoft.com/office/drawing/2014/main" id="{FAA3B297-9683-4E38-89FA-062C53E13F85}"/>
               </a:ext>
               <a:ext uri="{C183D7F6-B498-43B3-948B-1728B52AA6E4}">
-                <adec:decorative xmlns="" xmlns:adec="http://schemas.microsoft.com/office/drawing/2017/decorative" val="1"/>
+                <adec:decorative xmlns:adec="http://schemas.microsoft.com/office/drawing/2017/decorative" val="1"/>
               </a:ext>
             </a:extLst>
           </p:cNvPr>
@@ -6570,7 +6974,7 @@
           <p:cNvPr id="2" name="Title 1">
             <a:extLst>
               <a:ext uri="{FF2B5EF4-FFF2-40B4-BE49-F238E27FC236}">
-                <a16:creationId xmlns:a16="http://schemas.microsoft.com/office/drawing/2014/main" id="{5F104249-400B-AD3A-F382-C91918689B2C}"/>
+                <a16:creationId xmlns:a16="http://schemas.microsoft.com/office/drawing/2014/main" id="{0C681EFA-DFBD-EA24-AC3F-12C9EBAF7CF8}"/>
               </a:ext>
             </a:extLst>
           </p:cNvPr>
@@ -6583,8 +6987,8 @@
         </p:nvSpPr>
         <p:spPr>
           <a:xfrm>
-            <a:off x="517869" y="976160"/>
-            <a:ext cx="8686800" cy="951494"/>
+            <a:off x="517869" y="785813"/>
+            <a:ext cx="8686800" cy="1000125"/>
           </a:xfrm>
         </p:spPr>
         <p:txBody>
@@ -6594,11 +6998,8 @@
           <a:lstStyle/>
           <a:p>
             <a:r>
-              <a:rPr lang="en-US" sz="4000" dirty="0">
-                <a:latin typeface="Arial" panose="020B0604020202020204" pitchFamily="34" charset="0"/>
-                <a:cs typeface="Arial" panose="020B0604020202020204" pitchFamily="34" charset="0"/>
-              </a:rPr>
-              <a:t>FLOW-CHART</a:t>
+              <a:rPr lang="en-US" dirty="0"/>
+              <a:t>RESULT</a:t>
             </a:r>
           </a:p>
         </p:txBody>
@@ -6611,7 +7012,7 @@
                 <a16:creationId xmlns:a16="http://schemas.microsoft.com/office/drawing/2014/main" id="{5B8D7907-8AB9-4E98-A576-1A13AECEDF3A}"/>
               </a:ext>
               <a:ext uri="{C183D7F6-B498-43B3-948B-1728B52AA6E4}">
-                <adec:decorative xmlns="" xmlns:adec="http://schemas.microsoft.com/office/drawing/2017/decorative" val="1"/>
+                <adec:decorative xmlns:adec="http://schemas.microsoft.com/office/drawing/2017/decorative" val="1"/>
               </a:ext>
             </a:extLst>
           </p:cNvPr>
@@ -6671,7 +7072,7 @@
           <p:cNvPr id="3" name="Content Placeholder 2">
             <a:extLst>
               <a:ext uri="{FF2B5EF4-FFF2-40B4-BE49-F238E27FC236}">
-                <a16:creationId xmlns:a16="http://schemas.microsoft.com/office/drawing/2014/main" id="{7F00A25F-4CA4-D443-D525-EEE4B67C7EC0}"/>
+                <a16:creationId xmlns:a16="http://schemas.microsoft.com/office/drawing/2014/main" id="{DC9DCE16-5795-F601-83AE-2E602180EE3A}"/>
               </a:ext>
             </a:extLst>
           </p:cNvPr>
@@ -6684,8 +7085,8 @@
         </p:nvSpPr>
         <p:spPr>
           <a:xfrm>
-            <a:off x="563590" y="2511773"/>
-            <a:ext cx="9448157" cy="3599778"/>
+            <a:off x="517869" y="3172570"/>
+            <a:ext cx="8686799" cy="3016294"/>
           </a:xfrm>
         </p:spPr>
         <p:txBody>
@@ -6698,53 +7099,16 @@
           </a:p>
         </p:txBody>
       </p:sp>
-      <p:pic>
-        <p:nvPicPr>
-          <p:cNvPr id="9" name="Picture 8">
-            <a:extLst>
-              <a:ext uri="{FF2B5EF4-FFF2-40B4-BE49-F238E27FC236}">
-                <a16:creationId xmlns:a16="http://schemas.microsoft.com/office/drawing/2014/main" id="{713C3EE3-C4C9-498D-ADCD-CE17BCE29978}"/>
-              </a:ext>
-            </a:extLst>
-          </p:cNvPr>
-          <p:cNvPicPr>
-            <a:picLocks noChangeAspect="1"/>
-          </p:cNvPicPr>
-          <p:nvPr/>
-        </p:nvPicPr>
-        <p:blipFill>
-          <a:blip r:embed="rId2"/>
-          <a:stretch>
-            <a:fillRect/>
-          </a:stretch>
-        </p:blipFill>
-        <p:spPr>
-          <a:xfrm>
-            <a:off x="2808149" y="2581570"/>
-            <a:ext cx="6210116" cy="3267947"/>
-          </a:xfrm>
-          <a:prstGeom prst="rect">
-            <a:avLst/>
-          </a:prstGeom>
-        </p:spPr>
-      </p:pic>
     </p:spTree>
     <p:extLst>
       <p:ext uri="{BB962C8B-B14F-4D97-AF65-F5344CB8AC3E}">
-        <p14:creationId xmlns:p14="http://schemas.microsoft.com/office/powerpoint/2010/main" val="2487824199"/>
+        <p14:creationId xmlns:p14="http://schemas.microsoft.com/office/powerpoint/2010/main" val="3402530586"/>
       </p:ext>
     </p:extLst>
   </p:cSld>
   <p:clrMapOvr>
     <a:masterClrMapping/>
   </p:clrMapOvr>
-  <p:timing>
-    <p:tnLst>
-      <p:par>
-        <p:cTn id="1" dur="indefinite" restart="never" nodeType="tmRoot"/>
-      </p:par>
-    </p:tnLst>
-  </p:timing>
 </p:sld>
 </file>
 

--- a/source/MySEProject/Documentation/ML-22-23-15 Approve Prediction of Multisequence Learning .pptx
+++ b/source/MySEProject/Documentation/ML-22-23-15 Approve Prediction of Multisequence Learning .pptx
@@ -119,6 +119,2625 @@
     </p:ext>
   </p:extLst>
 </p:presentation>
+</file>
+
+<file path=ppt/diagrams/colors1.xml><?xml version="1.0" encoding="utf-8"?>
+<dgm:colorsDef xmlns:dgm="http://schemas.openxmlformats.org/drawingml/2006/diagram" xmlns:a="http://schemas.openxmlformats.org/drawingml/2006/main" uniqueId="urn:microsoft.com/office/officeart/2005/8/colors/accent0_1">
+  <dgm:title val=""/>
+  <dgm:desc val=""/>
+  <dgm:catLst>
+    <dgm:cat type="mainScheme" pri="10100"/>
+  </dgm:catLst>
+  <dgm:styleLbl name="node0">
+    <dgm:fillClrLst meth="repeat">
+      <a:schemeClr val="lt1"/>
+    </dgm:fillClrLst>
+    <dgm:linClrLst meth="repeat">
+      <a:schemeClr val="dk1">
+        <a:shade val="80000"/>
+      </a:schemeClr>
+    </dgm:linClrLst>
+    <dgm:effectClrLst/>
+    <dgm:txLinClrLst/>
+    <dgm:txFillClrLst meth="repeat">
+      <a:schemeClr val="dk1"/>
+    </dgm:txFillClrLst>
+    <dgm:txEffectClrLst/>
+  </dgm:styleLbl>
+  <dgm:styleLbl name="node1">
+    <dgm:fillClrLst meth="repeat">
+      <a:schemeClr val="lt1"/>
+    </dgm:fillClrLst>
+    <dgm:linClrLst meth="repeat">
+      <a:schemeClr val="dk1">
+        <a:shade val="80000"/>
+      </a:schemeClr>
+    </dgm:linClrLst>
+    <dgm:effectClrLst/>
+    <dgm:txLinClrLst/>
+    <dgm:txFillClrLst meth="repeat">
+      <a:schemeClr val="dk1"/>
+    </dgm:txFillClrLst>
+    <dgm:txEffectClrLst/>
+  </dgm:styleLbl>
+  <dgm:styleLbl name="alignNode1">
+    <dgm:fillClrLst meth="repeat">
+      <a:schemeClr val="lt1"/>
+    </dgm:fillClrLst>
+    <dgm:linClrLst meth="repeat">
+      <a:schemeClr val="dk1">
+        <a:shade val="80000"/>
+      </a:schemeClr>
+    </dgm:linClrLst>
+    <dgm:effectClrLst/>
+    <dgm:txLinClrLst/>
+    <dgm:txFillClrLst meth="repeat">
+      <a:schemeClr val="dk1"/>
+    </dgm:txFillClrLst>
+    <dgm:txEffectClrLst/>
+  </dgm:styleLbl>
+  <dgm:styleLbl name="lnNode1">
+    <dgm:fillClrLst meth="repeat">
+      <a:schemeClr val="lt1"/>
+    </dgm:fillClrLst>
+    <dgm:linClrLst meth="repeat">
+      <a:schemeClr val="dk1">
+        <a:shade val="80000"/>
+      </a:schemeClr>
+    </dgm:linClrLst>
+    <dgm:effectClrLst/>
+    <dgm:txLinClrLst/>
+    <dgm:txFillClrLst meth="repeat">
+      <a:schemeClr val="dk1"/>
+    </dgm:txFillClrLst>
+    <dgm:txEffectClrLst/>
+  </dgm:styleLbl>
+  <dgm:styleLbl name="vennNode1">
+    <dgm:fillClrLst meth="repeat">
+      <a:schemeClr val="lt1">
+        <a:alpha val="50000"/>
+      </a:schemeClr>
+    </dgm:fillClrLst>
+    <dgm:linClrLst meth="repeat">
+      <a:schemeClr val="dk1">
+        <a:shade val="80000"/>
+      </a:schemeClr>
+    </dgm:linClrLst>
+    <dgm:effectClrLst/>
+    <dgm:txLinClrLst/>
+    <dgm:txFillClrLst/>
+    <dgm:txEffectClrLst/>
+  </dgm:styleLbl>
+  <dgm:styleLbl name="node2">
+    <dgm:fillClrLst meth="repeat">
+      <a:schemeClr val="lt1"/>
+    </dgm:fillClrLst>
+    <dgm:linClrLst meth="repeat">
+      <a:schemeClr val="dk1">
+        <a:shade val="80000"/>
+      </a:schemeClr>
+    </dgm:linClrLst>
+    <dgm:effectClrLst/>
+    <dgm:txLinClrLst/>
+    <dgm:txFillClrLst meth="repeat">
+      <a:schemeClr val="dk1"/>
+    </dgm:txFillClrLst>
+    <dgm:txEffectClrLst/>
+  </dgm:styleLbl>
+  <dgm:styleLbl name="node3">
+    <dgm:fillClrLst meth="repeat">
+      <a:schemeClr val="lt1"/>
+    </dgm:fillClrLst>
+    <dgm:linClrLst meth="repeat">
+      <a:schemeClr val="dk1">
+        <a:shade val="80000"/>
+      </a:schemeClr>
+    </dgm:linClrLst>
+    <dgm:effectClrLst/>
+    <dgm:txLinClrLst/>
+    <dgm:txFillClrLst meth="repeat">
+      <a:schemeClr val="dk1"/>
+    </dgm:txFillClrLst>
+    <dgm:txEffectClrLst/>
+  </dgm:styleLbl>
+  <dgm:styleLbl name="node4">
+    <dgm:fillClrLst meth="repeat">
+      <a:schemeClr val="lt1"/>
+    </dgm:fillClrLst>
+    <dgm:linClrLst meth="repeat">
+      <a:schemeClr val="dk1">
+        <a:shade val="80000"/>
+      </a:schemeClr>
+    </dgm:linClrLst>
+    <dgm:effectClrLst/>
+    <dgm:txLinClrLst/>
+    <dgm:txFillClrLst meth="repeat">
+      <a:schemeClr val="dk1"/>
+    </dgm:txFillClrLst>
+    <dgm:txEffectClrLst/>
+  </dgm:styleLbl>
+  <dgm:styleLbl name="fgImgPlace1">
+    <dgm:fillClrLst meth="repeat">
+      <a:schemeClr val="dk1">
+        <a:tint val="40000"/>
+      </a:schemeClr>
+    </dgm:fillClrLst>
+    <dgm:linClrLst meth="repeat">
+      <a:schemeClr val="dk1">
+        <a:shade val="80000"/>
+      </a:schemeClr>
+    </dgm:linClrLst>
+    <dgm:effectClrLst/>
+    <dgm:txLinClrLst/>
+    <dgm:txFillClrLst meth="repeat">
+      <a:schemeClr val="lt1"/>
+    </dgm:txFillClrLst>
+    <dgm:txEffectClrLst/>
+  </dgm:styleLbl>
+  <dgm:styleLbl name="alignImgPlace1">
+    <dgm:fillClrLst meth="repeat">
+      <a:schemeClr val="dk1">
+        <a:tint val="40000"/>
+      </a:schemeClr>
+    </dgm:fillClrLst>
+    <dgm:linClrLst meth="repeat">
+      <a:schemeClr val="dk1">
+        <a:shade val="80000"/>
+      </a:schemeClr>
+    </dgm:linClrLst>
+    <dgm:effectClrLst/>
+    <dgm:txLinClrLst/>
+    <dgm:txFillClrLst meth="repeat">
+      <a:schemeClr val="lt1"/>
+    </dgm:txFillClrLst>
+    <dgm:txEffectClrLst/>
+  </dgm:styleLbl>
+  <dgm:styleLbl name="bgImgPlace1">
+    <dgm:fillClrLst meth="repeat">
+      <a:schemeClr val="dk1">
+        <a:tint val="40000"/>
+      </a:schemeClr>
+    </dgm:fillClrLst>
+    <dgm:linClrLst meth="repeat">
+      <a:schemeClr val="dk1">
+        <a:shade val="80000"/>
+      </a:schemeClr>
+    </dgm:linClrLst>
+    <dgm:effectClrLst/>
+    <dgm:txLinClrLst/>
+    <dgm:txFillClrLst meth="repeat">
+      <a:schemeClr val="lt1"/>
+    </dgm:txFillClrLst>
+    <dgm:txEffectClrLst/>
+  </dgm:styleLbl>
+  <dgm:styleLbl name="sibTrans2D1">
+    <dgm:fillClrLst meth="repeat">
+      <a:schemeClr val="dk1">
+        <a:tint val="60000"/>
+      </a:schemeClr>
+    </dgm:fillClrLst>
+    <dgm:linClrLst meth="repeat">
+      <a:schemeClr val="dk1">
+        <a:tint val="60000"/>
+      </a:schemeClr>
+    </dgm:linClrLst>
+    <dgm:effectClrLst/>
+    <dgm:txLinClrLst/>
+    <dgm:txFillClrLst meth="repeat">
+      <a:schemeClr val="dk1"/>
+    </dgm:txFillClrLst>
+    <dgm:txEffectClrLst/>
+  </dgm:styleLbl>
+  <dgm:styleLbl name="fgSibTrans2D1">
+    <dgm:fillClrLst meth="repeat">
+      <a:schemeClr val="dk1">
+        <a:tint val="60000"/>
+      </a:schemeClr>
+    </dgm:fillClrLst>
+    <dgm:linClrLst meth="repeat">
+      <a:schemeClr val="dk1">
+        <a:tint val="60000"/>
+      </a:schemeClr>
+    </dgm:linClrLst>
+    <dgm:effectClrLst/>
+    <dgm:txLinClrLst/>
+    <dgm:txFillClrLst meth="repeat">
+      <a:schemeClr val="dk1"/>
+    </dgm:txFillClrLst>
+    <dgm:txEffectClrLst/>
+  </dgm:styleLbl>
+  <dgm:styleLbl name="bgSibTrans2D1">
+    <dgm:fillClrLst meth="repeat">
+      <a:schemeClr val="dk1">
+        <a:tint val="60000"/>
+      </a:schemeClr>
+    </dgm:fillClrLst>
+    <dgm:linClrLst meth="repeat">
+      <a:schemeClr val="dk1">
+        <a:tint val="60000"/>
+      </a:schemeClr>
+    </dgm:linClrLst>
+    <dgm:effectClrLst/>
+    <dgm:txLinClrLst/>
+    <dgm:txFillClrLst meth="repeat">
+      <a:schemeClr val="dk1"/>
+    </dgm:txFillClrLst>
+    <dgm:txEffectClrLst/>
+  </dgm:styleLbl>
+  <dgm:styleLbl name="sibTrans1D1">
+    <dgm:fillClrLst meth="repeat">
+      <a:schemeClr val="dk1"/>
+    </dgm:fillClrLst>
+    <dgm:linClrLst meth="repeat">
+      <a:schemeClr val="dk1"/>
+    </dgm:linClrLst>
+    <dgm:effectClrLst/>
+    <dgm:txLinClrLst/>
+    <dgm:txFillClrLst meth="repeat">
+      <a:schemeClr val="tx1"/>
+    </dgm:txFillClrLst>
+    <dgm:txEffectClrLst/>
+  </dgm:styleLbl>
+  <dgm:styleLbl name="callout">
+    <dgm:fillClrLst meth="repeat">
+      <a:schemeClr val="dk1"/>
+    </dgm:fillClrLst>
+    <dgm:linClrLst meth="repeat">
+      <a:schemeClr val="dk1"/>
+    </dgm:linClrLst>
+    <dgm:effectClrLst/>
+    <dgm:txLinClrLst/>
+    <dgm:txFillClrLst meth="repeat">
+      <a:schemeClr val="tx1"/>
+    </dgm:txFillClrLst>
+    <dgm:txEffectClrLst/>
+  </dgm:styleLbl>
+  <dgm:styleLbl name="asst0">
+    <dgm:fillClrLst meth="repeat">
+      <a:schemeClr val="lt1"/>
+    </dgm:fillClrLst>
+    <dgm:linClrLst meth="repeat">
+      <a:schemeClr val="dk1">
+        <a:shade val="80000"/>
+      </a:schemeClr>
+    </dgm:linClrLst>
+    <dgm:effectClrLst/>
+    <dgm:txLinClrLst/>
+    <dgm:txFillClrLst meth="repeat">
+      <a:schemeClr val="dk1"/>
+    </dgm:txFillClrLst>
+    <dgm:txEffectClrLst/>
+  </dgm:styleLbl>
+  <dgm:styleLbl name="asst1">
+    <dgm:fillClrLst meth="repeat">
+      <a:schemeClr val="lt1"/>
+    </dgm:fillClrLst>
+    <dgm:linClrLst meth="repeat">
+      <a:schemeClr val="dk1">
+        <a:shade val="80000"/>
+      </a:schemeClr>
+    </dgm:linClrLst>
+    <dgm:effectClrLst/>
+    <dgm:txLinClrLst/>
+    <dgm:txFillClrLst meth="repeat">
+      <a:schemeClr val="dk1"/>
+    </dgm:txFillClrLst>
+    <dgm:txEffectClrLst/>
+  </dgm:styleLbl>
+  <dgm:styleLbl name="asst2">
+    <dgm:fillClrLst meth="repeat">
+      <a:schemeClr val="lt1"/>
+    </dgm:fillClrLst>
+    <dgm:linClrLst meth="repeat">
+      <a:schemeClr val="dk1">
+        <a:shade val="80000"/>
+      </a:schemeClr>
+    </dgm:linClrLst>
+    <dgm:effectClrLst/>
+    <dgm:txLinClrLst/>
+    <dgm:txFillClrLst meth="repeat">
+      <a:schemeClr val="dk1"/>
+    </dgm:txFillClrLst>
+    <dgm:txEffectClrLst/>
+  </dgm:styleLbl>
+  <dgm:styleLbl name="asst3">
+    <dgm:fillClrLst meth="repeat">
+      <a:schemeClr val="lt1"/>
+    </dgm:fillClrLst>
+    <dgm:linClrLst meth="repeat">
+      <a:schemeClr val="dk1">
+        <a:shade val="80000"/>
+      </a:schemeClr>
+    </dgm:linClrLst>
+    <dgm:effectClrLst/>
+    <dgm:txLinClrLst/>
+    <dgm:txFillClrLst meth="repeat">
+      <a:schemeClr val="dk1"/>
+    </dgm:txFillClrLst>
+    <dgm:txEffectClrLst/>
+  </dgm:styleLbl>
+  <dgm:styleLbl name="asst4">
+    <dgm:fillClrLst meth="repeat">
+      <a:schemeClr val="lt1"/>
+    </dgm:fillClrLst>
+    <dgm:linClrLst meth="repeat">
+      <a:schemeClr val="dk1">
+        <a:shade val="80000"/>
+      </a:schemeClr>
+    </dgm:linClrLst>
+    <dgm:effectClrLst/>
+    <dgm:txLinClrLst/>
+    <dgm:txFillClrLst meth="repeat">
+      <a:schemeClr val="dk1"/>
+    </dgm:txFillClrLst>
+    <dgm:txEffectClrLst/>
+  </dgm:styleLbl>
+  <dgm:styleLbl name="parChTrans2D1">
+    <dgm:fillClrLst meth="repeat">
+      <a:schemeClr val="dk1">
+        <a:tint val="60000"/>
+      </a:schemeClr>
+    </dgm:fillClrLst>
+    <dgm:linClrLst meth="repeat">
+      <a:schemeClr val="dk1">
+        <a:tint val="60000"/>
+      </a:schemeClr>
+    </dgm:linClrLst>
+    <dgm:effectClrLst/>
+    <dgm:txLinClrLst/>
+    <dgm:txFillClrLst/>
+    <dgm:txEffectClrLst/>
+  </dgm:styleLbl>
+  <dgm:styleLbl name="parChTrans2D2">
+    <dgm:fillClrLst meth="repeat">
+      <a:schemeClr val="dk1"/>
+    </dgm:fillClrLst>
+    <dgm:linClrLst meth="repeat">
+      <a:schemeClr val="dk1"/>
+    </dgm:linClrLst>
+    <dgm:effectClrLst/>
+    <dgm:txLinClrLst/>
+    <dgm:txFillClrLst/>
+    <dgm:txEffectClrLst/>
+  </dgm:styleLbl>
+  <dgm:styleLbl name="parChTrans2D3">
+    <dgm:fillClrLst meth="repeat">
+      <a:schemeClr val="dk1"/>
+    </dgm:fillClrLst>
+    <dgm:linClrLst meth="repeat">
+      <a:schemeClr val="dk1"/>
+    </dgm:linClrLst>
+    <dgm:effectClrLst/>
+    <dgm:txLinClrLst/>
+    <dgm:txFillClrLst/>
+    <dgm:txEffectClrLst/>
+  </dgm:styleLbl>
+  <dgm:styleLbl name="parChTrans2D4">
+    <dgm:fillClrLst meth="repeat">
+      <a:schemeClr val="dk1"/>
+    </dgm:fillClrLst>
+    <dgm:linClrLst meth="repeat">
+      <a:schemeClr val="dk1"/>
+    </dgm:linClrLst>
+    <dgm:effectClrLst/>
+    <dgm:txLinClrLst/>
+    <dgm:txFillClrLst meth="repeat">
+      <a:schemeClr val="lt1"/>
+    </dgm:txFillClrLst>
+    <dgm:txEffectClrLst/>
+  </dgm:styleLbl>
+  <dgm:styleLbl name="parChTrans1D1">
+    <dgm:fillClrLst meth="repeat">
+      <a:schemeClr val="dk1"/>
+    </dgm:fillClrLst>
+    <dgm:linClrLst meth="repeat">
+      <a:schemeClr val="dk1">
+        <a:shade val="60000"/>
+      </a:schemeClr>
+    </dgm:linClrLst>
+    <dgm:effectClrLst/>
+    <dgm:txLinClrLst/>
+    <dgm:txFillClrLst meth="repeat">
+      <a:schemeClr val="tx1"/>
+    </dgm:txFillClrLst>
+    <dgm:txEffectClrLst/>
+  </dgm:styleLbl>
+  <dgm:styleLbl name="parChTrans1D2">
+    <dgm:fillClrLst meth="repeat">
+      <a:schemeClr val="dk1"/>
+    </dgm:fillClrLst>
+    <dgm:linClrLst meth="repeat">
+      <a:schemeClr val="dk1">
+        <a:shade val="60000"/>
+      </a:schemeClr>
+    </dgm:linClrLst>
+    <dgm:effectClrLst/>
+    <dgm:txLinClrLst/>
+    <dgm:txFillClrLst meth="repeat">
+      <a:schemeClr val="tx1"/>
+    </dgm:txFillClrLst>
+    <dgm:txEffectClrLst/>
+  </dgm:styleLbl>
+  <dgm:styleLbl name="parChTrans1D3">
+    <dgm:fillClrLst meth="repeat">
+      <a:schemeClr val="dk1"/>
+    </dgm:fillClrLst>
+    <dgm:linClrLst meth="repeat">
+      <a:schemeClr val="dk1">
+        <a:shade val="80000"/>
+      </a:schemeClr>
+    </dgm:linClrLst>
+    <dgm:effectClrLst/>
+    <dgm:txLinClrLst/>
+    <dgm:txFillClrLst meth="repeat">
+      <a:schemeClr val="tx1"/>
+    </dgm:txFillClrLst>
+    <dgm:txEffectClrLst/>
+  </dgm:styleLbl>
+  <dgm:styleLbl name="parChTrans1D4">
+    <dgm:fillClrLst meth="repeat">
+      <a:schemeClr val="dk1"/>
+    </dgm:fillClrLst>
+    <dgm:linClrLst meth="repeat">
+      <a:schemeClr val="dk1">
+        <a:shade val="80000"/>
+      </a:schemeClr>
+    </dgm:linClrLst>
+    <dgm:effectClrLst/>
+    <dgm:txLinClrLst/>
+    <dgm:txFillClrLst meth="repeat">
+      <a:schemeClr val="tx1"/>
+    </dgm:txFillClrLst>
+    <dgm:txEffectClrLst/>
+  </dgm:styleLbl>
+  <dgm:styleLbl name="fgAcc1">
+    <dgm:fillClrLst meth="repeat">
+      <a:schemeClr val="dk1">
+        <a:alpha val="90000"/>
+        <a:tint val="40000"/>
+      </a:schemeClr>
+    </dgm:fillClrLst>
+    <dgm:linClrLst meth="repeat">
+      <a:schemeClr val="dk1"/>
+    </dgm:linClrLst>
+    <dgm:effectClrLst/>
+    <dgm:txLinClrLst/>
+    <dgm:txFillClrLst meth="repeat">
+      <a:schemeClr val="dk1"/>
+    </dgm:txFillClrLst>
+    <dgm:txEffectClrLst/>
+  </dgm:styleLbl>
+  <dgm:styleLbl name="conFgAcc1">
+    <dgm:fillClrLst meth="repeat">
+      <a:schemeClr val="dk1">
+        <a:alpha val="90000"/>
+        <a:tint val="40000"/>
+      </a:schemeClr>
+    </dgm:fillClrLst>
+    <dgm:linClrLst meth="repeat">
+      <a:schemeClr val="dk1"/>
+    </dgm:linClrLst>
+    <dgm:effectClrLst/>
+    <dgm:txLinClrLst/>
+    <dgm:txFillClrLst meth="repeat">
+      <a:schemeClr val="dk1"/>
+    </dgm:txFillClrLst>
+    <dgm:txEffectClrLst/>
+  </dgm:styleLbl>
+  <dgm:styleLbl name="alignAcc1">
+    <dgm:fillClrLst meth="repeat">
+      <a:schemeClr val="dk1">
+        <a:alpha val="90000"/>
+        <a:tint val="40000"/>
+      </a:schemeClr>
+    </dgm:fillClrLst>
+    <dgm:linClrLst meth="repeat">
+      <a:schemeClr val="dk1"/>
+    </dgm:linClrLst>
+    <dgm:effectClrLst/>
+    <dgm:txLinClrLst/>
+    <dgm:txFillClrLst meth="repeat">
+      <a:schemeClr val="dk1"/>
+    </dgm:txFillClrLst>
+    <dgm:txEffectClrLst/>
+  </dgm:styleLbl>
+  <dgm:styleLbl name="trAlignAcc1">
+    <dgm:fillClrLst meth="repeat">
+      <a:schemeClr val="dk1">
+        <a:alpha val="40000"/>
+        <a:tint val="40000"/>
+      </a:schemeClr>
+    </dgm:fillClrLst>
+    <dgm:linClrLst meth="repeat">
+      <a:schemeClr val="dk1"/>
+    </dgm:linClrLst>
+    <dgm:effectClrLst/>
+    <dgm:txLinClrLst/>
+    <dgm:txFillClrLst meth="repeat">
+      <a:schemeClr val="dk1"/>
+    </dgm:txFillClrLst>
+    <dgm:txEffectClrLst/>
+  </dgm:styleLbl>
+  <dgm:styleLbl name="bgAcc1">
+    <dgm:fillClrLst meth="repeat">
+      <a:schemeClr val="dk1">
+        <a:alpha val="90000"/>
+        <a:tint val="40000"/>
+      </a:schemeClr>
+    </dgm:fillClrLst>
+    <dgm:linClrLst meth="repeat">
+      <a:schemeClr val="dk1"/>
+    </dgm:linClrLst>
+    <dgm:effectClrLst/>
+    <dgm:txLinClrLst/>
+    <dgm:txFillClrLst meth="repeat">
+      <a:schemeClr val="dk1"/>
+    </dgm:txFillClrLst>
+    <dgm:txEffectClrLst/>
+  </dgm:styleLbl>
+  <dgm:styleLbl name="solidFgAcc1">
+    <dgm:fillClrLst meth="repeat">
+      <a:schemeClr val="lt1"/>
+    </dgm:fillClrLst>
+    <dgm:linClrLst meth="repeat">
+      <a:schemeClr val="dk1"/>
+    </dgm:linClrLst>
+    <dgm:effectClrLst/>
+    <dgm:txLinClrLst/>
+    <dgm:txFillClrLst meth="repeat">
+      <a:schemeClr val="dk1"/>
+    </dgm:txFillClrLst>
+    <dgm:txEffectClrLst/>
+  </dgm:styleLbl>
+  <dgm:styleLbl name="solidAlignAcc1">
+    <dgm:fillClrLst meth="repeat">
+      <a:schemeClr val="lt1"/>
+    </dgm:fillClrLst>
+    <dgm:linClrLst meth="repeat">
+      <a:schemeClr val="dk1"/>
+    </dgm:linClrLst>
+    <dgm:effectClrLst/>
+    <dgm:txLinClrLst/>
+    <dgm:txFillClrLst meth="repeat">
+      <a:schemeClr val="dk1"/>
+    </dgm:txFillClrLst>
+    <dgm:txEffectClrLst/>
+  </dgm:styleLbl>
+  <dgm:styleLbl name="solidBgAcc1">
+    <dgm:fillClrLst meth="repeat">
+      <a:schemeClr val="lt1"/>
+    </dgm:fillClrLst>
+    <dgm:linClrLst meth="repeat">
+      <a:schemeClr val="dk1"/>
+    </dgm:linClrLst>
+    <dgm:effectClrLst/>
+    <dgm:txLinClrLst/>
+    <dgm:txFillClrLst meth="repeat">
+      <a:schemeClr val="dk1"/>
+    </dgm:txFillClrLst>
+    <dgm:txEffectClrLst/>
+  </dgm:styleLbl>
+  <dgm:styleLbl name="fgAccFollowNode1">
+    <dgm:fillClrLst meth="repeat">
+      <a:schemeClr val="lt1">
+        <a:alpha val="90000"/>
+        <a:tint val="40000"/>
+      </a:schemeClr>
+    </dgm:fillClrLst>
+    <dgm:linClrLst meth="repeat">
+      <a:schemeClr val="dk1">
+        <a:alpha val="90000"/>
+      </a:schemeClr>
+    </dgm:linClrLst>
+    <dgm:effectClrLst/>
+    <dgm:txLinClrLst/>
+    <dgm:txFillClrLst meth="repeat">
+      <a:schemeClr val="dk1"/>
+    </dgm:txFillClrLst>
+    <dgm:txEffectClrLst/>
+  </dgm:styleLbl>
+  <dgm:styleLbl name="alignAccFollowNode1">
+    <dgm:fillClrLst meth="repeat">
+      <a:schemeClr val="lt1">
+        <a:alpha val="90000"/>
+        <a:tint val="40000"/>
+      </a:schemeClr>
+    </dgm:fillClrLst>
+    <dgm:linClrLst meth="repeat">
+      <a:schemeClr val="dk1">
+        <a:alpha val="90000"/>
+      </a:schemeClr>
+    </dgm:linClrLst>
+    <dgm:effectClrLst/>
+    <dgm:txLinClrLst/>
+    <dgm:txFillClrLst meth="repeat">
+      <a:schemeClr val="dk1"/>
+    </dgm:txFillClrLst>
+    <dgm:txEffectClrLst/>
+  </dgm:styleLbl>
+  <dgm:styleLbl name="bgAccFollowNode1">
+    <dgm:fillClrLst meth="repeat">
+      <a:schemeClr val="lt1">
+        <a:alpha val="90000"/>
+        <a:tint val="40000"/>
+      </a:schemeClr>
+    </dgm:fillClrLst>
+    <dgm:linClrLst meth="repeat">
+      <a:schemeClr val="dk1">
+        <a:alpha val="90000"/>
+      </a:schemeClr>
+    </dgm:linClrLst>
+    <dgm:effectClrLst/>
+    <dgm:txLinClrLst/>
+    <dgm:txFillClrLst meth="repeat">
+      <a:schemeClr val="dk1"/>
+    </dgm:txFillClrLst>
+    <dgm:txEffectClrLst/>
+  </dgm:styleLbl>
+  <dgm:styleLbl name="fgAcc0">
+    <dgm:fillClrLst meth="repeat">
+      <a:schemeClr val="dk1">
+        <a:alpha val="90000"/>
+        <a:tint val="40000"/>
+      </a:schemeClr>
+    </dgm:fillClrLst>
+    <dgm:linClrLst meth="repeat">
+      <a:schemeClr val="dk1"/>
+    </dgm:linClrLst>
+    <dgm:effectClrLst/>
+    <dgm:txLinClrLst/>
+    <dgm:txFillClrLst meth="repeat">
+      <a:schemeClr val="dk1"/>
+    </dgm:txFillClrLst>
+    <dgm:txEffectClrLst/>
+  </dgm:styleLbl>
+  <dgm:styleLbl name="fgAcc2">
+    <dgm:fillClrLst meth="repeat">
+      <a:schemeClr val="dk1">
+        <a:alpha val="90000"/>
+        <a:tint val="40000"/>
+      </a:schemeClr>
+    </dgm:fillClrLst>
+    <dgm:linClrLst meth="repeat">
+      <a:schemeClr val="dk1"/>
+    </dgm:linClrLst>
+    <dgm:effectClrLst/>
+    <dgm:txLinClrLst/>
+    <dgm:txFillClrLst meth="repeat">
+      <a:schemeClr val="dk1"/>
+    </dgm:txFillClrLst>
+    <dgm:txEffectClrLst/>
+  </dgm:styleLbl>
+  <dgm:styleLbl name="fgAcc3">
+    <dgm:fillClrLst meth="repeat">
+      <a:schemeClr val="dk1">
+        <a:alpha val="90000"/>
+        <a:tint val="40000"/>
+      </a:schemeClr>
+    </dgm:fillClrLst>
+    <dgm:linClrLst meth="repeat">
+      <a:schemeClr val="dk1"/>
+    </dgm:linClrLst>
+    <dgm:effectClrLst/>
+    <dgm:txLinClrLst/>
+    <dgm:txFillClrLst meth="repeat">
+      <a:schemeClr val="dk1"/>
+    </dgm:txFillClrLst>
+    <dgm:txEffectClrLst/>
+  </dgm:styleLbl>
+  <dgm:styleLbl name="fgAcc4">
+    <dgm:fillClrLst meth="repeat">
+      <a:schemeClr val="dk1">
+        <a:alpha val="90000"/>
+        <a:tint val="40000"/>
+      </a:schemeClr>
+    </dgm:fillClrLst>
+    <dgm:linClrLst meth="repeat">
+      <a:schemeClr val="dk1"/>
+    </dgm:linClrLst>
+    <dgm:effectClrLst/>
+    <dgm:txLinClrLst/>
+    <dgm:txFillClrLst meth="repeat">
+      <a:schemeClr val="dk1"/>
+    </dgm:txFillClrLst>
+    <dgm:txEffectClrLst/>
+  </dgm:styleLbl>
+  <dgm:styleLbl name="bgShp">
+    <dgm:fillClrLst meth="repeat">
+      <a:schemeClr val="dk1">
+        <a:tint val="40000"/>
+      </a:schemeClr>
+    </dgm:fillClrLst>
+    <dgm:linClrLst meth="repeat">
+      <a:schemeClr val="dk1"/>
+    </dgm:linClrLst>
+    <dgm:effectClrLst/>
+    <dgm:txLinClrLst/>
+    <dgm:txFillClrLst meth="repeat">
+      <a:schemeClr val="dk1"/>
+    </dgm:txFillClrLst>
+    <dgm:txEffectClrLst/>
+  </dgm:styleLbl>
+  <dgm:styleLbl name="dkBgShp">
+    <dgm:fillClrLst meth="repeat">
+      <a:schemeClr val="dk1">
+        <a:shade val="80000"/>
+      </a:schemeClr>
+    </dgm:fillClrLst>
+    <dgm:linClrLst meth="repeat">
+      <a:schemeClr val="dk1"/>
+    </dgm:linClrLst>
+    <dgm:effectClrLst/>
+    <dgm:txLinClrLst/>
+    <dgm:txFillClrLst meth="repeat">
+      <a:schemeClr val="lt1"/>
+    </dgm:txFillClrLst>
+    <dgm:txEffectClrLst/>
+  </dgm:styleLbl>
+  <dgm:styleLbl name="trBgShp">
+    <dgm:fillClrLst meth="repeat">
+      <a:schemeClr val="dk1">
+        <a:tint val="50000"/>
+        <a:alpha val="40000"/>
+      </a:schemeClr>
+    </dgm:fillClrLst>
+    <dgm:linClrLst meth="repeat">
+      <a:schemeClr val="dk1"/>
+    </dgm:linClrLst>
+    <dgm:effectClrLst/>
+    <dgm:txLinClrLst/>
+    <dgm:txFillClrLst meth="repeat">
+      <a:schemeClr val="lt1"/>
+    </dgm:txFillClrLst>
+    <dgm:txEffectClrLst/>
+  </dgm:styleLbl>
+  <dgm:styleLbl name="fgShp">
+    <dgm:fillClrLst meth="repeat">
+      <a:schemeClr val="dk1">
+        <a:tint val="60000"/>
+      </a:schemeClr>
+    </dgm:fillClrLst>
+    <dgm:linClrLst meth="repeat">
+      <a:schemeClr val="lt1"/>
+    </dgm:linClrLst>
+    <dgm:effectClrLst/>
+    <dgm:txLinClrLst/>
+    <dgm:txFillClrLst meth="repeat">
+      <a:schemeClr val="dk1"/>
+    </dgm:txFillClrLst>
+    <dgm:txEffectClrLst/>
+  </dgm:styleLbl>
+  <dgm:styleLbl name="revTx">
+    <dgm:fillClrLst meth="repeat">
+      <a:schemeClr val="lt1">
+        <a:alpha val="0"/>
+      </a:schemeClr>
+    </dgm:fillClrLst>
+    <dgm:linClrLst meth="repeat">
+      <a:schemeClr val="dk1">
+        <a:alpha val="0"/>
+      </a:schemeClr>
+    </dgm:linClrLst>
+    <dgm:effectClrLst/>
+    <dgm:txLinClrLst/>
+    <dgm:txFillClrLst meth="repeat">
+      <a:schemeClr val="tx1"/>
+    </dgm:txFillClrLst>
+    <dgm:txEffectClrLst/>
+  </dgm:styleLbl>
+</dgm:colorsDef>
+</file>
+
+<file path=ppt/diagrams/data1.xml><?xml version="1.0" encoding="utf-8"?>
+<dgm:dataModel xmlns:dgm="http://schemas.openxmlformats.org/drawingml/2006/diagram" xmlns:a="http://schemas.openxmlformats.org/drawingml/2006/main">
+  <dgm:ptLst>
+    <dgm:pt modelId="{649F2D37-C583-40B0-944A-E62507E3D3DC}" type="doc">
+      <dgm:prSet loTypeId="urn:microsoft.com/office/officeart/2005/8/layout/process1" loCatId="process" qsTypeId="urn:microsoft.com/office/officeart/2005/8/quickstyle/simple1" qsCatId="simple" csTypeId="urn:microsoft.com/office/officeart/2005/8/colors/accent0_1" csCatId="mainScheme" phldr="1"/>
+      <dgm:spPr/>
+    </dgm:pt>
+    <dgm:pt modelId="{8C38CCD7-5C57-4FF0-9A90-16066FC2222C}">
+      <dgm:prSet phldrT="[Text]" custT="1"/>
+      <dgm:spPr/>
+      <dgm:t>
+        <a:bodyPr/>
+        <a:lstStyle/>
+        <a:p>
+          <a:r>
+            <a:rPr lang="en-IN" sz="1600" dirty="0">
+              <a:latin typeface="Times New Roman" panose="02020603050405020304" pitchFamily="18" charset="0"/>
+              <a:cs typeface="Times New Roman" panose="02020603050405020304" pitchFamily="18" charset="0"/>
+            </a:rPr>
+            <a:t>Spatial Pooler</a:t>
+          </a:r>
+        </a:p>
+      </dgm:t>
+    </dgm:pt>
+    <dgm:pt modelId="{7A94EBBD-451B-49F9-9B3E-3AF266C0B107}" type="parTrans" cxnId="{AF93E552-F866-44BB-AABA-AE273526F59E}">
+      <dgm:prSet/>
+      <dgm:spPr/>
+      <dgm:t>
+        <a:bodyPr/>
+        <a:lstStyle/>
+        <a:p>
+          <a:endParaRPr lang="en-IN" sz="800">
+            <a:latin typeface="Times New Roman" panose="02020603050405020304" pitchFamily="18" charset="0"/>
+            <a:cs typeface="Times New Roman" panose="02020603050405020304" pitchFamily="18" charset="0"/>
+          </a:endParaRPr>
+        </a:p>
+      </dgm:t>
+    </dgm:pt>
+    <dgm:pt modelId="{0853D862-DF68-4794-B07A-3BCE55075F3B}" type="sibTrans" cxnId="{AF93E552-F866-44BB-AABA-AE273526F59E}">
+      <dgm:prSet custT="1"/>
+      <dgm:spPr/>
+      <dgm:t>
+        <a:bodyPr/>
+        <a:lstStyle/>
+        <a:p>
+          <a:endParaRPr lang="en-IN" sz="800">
+            <a:latin typeface="Times New Roman" panose="02020603050405020304" pitchFamily="18" charset="0"/>
+            <a:cs typeface="Times New Roman" panose="02020603050405020304" pitchFamily="18" charset="0"/>
+          </a:endParaRPr>
+        </a:p>
+      </dgm:t>
+    </dgm:pt>
+    <dgm:pt modelId="{523C02B9-0221-42AE-A703-969048E5931F}">
+      <dgm:prSet phldrT="[Text]" custT="1"/>
+      <dgm:spPr/>
+      <dgm:t>
+        <a:bodyPr/>
+        <a:lstStyle/>
+        <a:p>
+          <a:r>
+            <a:rPr lang="en-IN" sz="1600" dirty="0">
+              <a:latin typeface="Times New Roman" panose="02020603050405020304" pitchFamily="18" charset="0"/>
+              <a:cs typeface="Times New Roman" panose="02020603050405020304" pitchFamily="18" charset="0"/>
+            </a:rPr>
+            <a:t>Temporal Memory</a:t>
+          </a:r>
+        </a:p>
+      </dgm:t>
+    </dgm:pt>
+    <dgm:pt modelId="{C65F6BCE-8BE8-48E9-831C-D2ED95FC8AC8}" type="parTrans" cxnId="{BDC0B573-4C44-44C1-BADA-4C75E71B6800}">
+      <dgm:prSet/>
+      <dgm:spPr/>
+      <dgm:t>
+        <a:bodyPr/>
+        <a:lstStyle/>
+        <a:p>
+          <a:endParaRPr lang="en-IN" sz="800">
+            <a:latin typeface="Times New Roman" panose="02020603050405020304" pitchFamily="18" charset="0"/>
+            <a:cs typeface="Times New Roman" panose="02020603050405020304" pitchFamily="18" charset="0"/>
+          </a:endParaRPr>
+        </a:p>
+      </dgm:t>
+    </dgm:pt>
+    <dgm:pt modelId="{995298A3-FE23-4A8E-B0AF-A1ECB86AADC2}" type="sibTrans" cxnId="{BDC0B573-4C44-44C1-BADA-4C75E71B6800}">
+      <dgm:prSet custT="1"/>
+      <dgm:spPr/>
+      <dgm:t>
+        <a:bodyPr/>
+        <a:lstStyle/>
+        <a:p>
+          <a:endParaRPr lang="en-IN" sz="800">
+            <a:latin typeface="Times New Roman" panose="02020603050405020304" pitchFamily="18" charset="0"/>
+            <a:cs typeface="Times New Roman" panose="02020603050405020304" pitchFamily="18" charset="0"/>
+          </a:endParaRPr>
+        </a:p>
+      </dgm:t>
+    </dgm:pt>
+    <dgm:pt modelId="{DFA6B16E-95C3-408C-A42C-EA0CFEA66246}">
+      <dgm:prSet phldrT="[Text]" custT="1"/>
+      <dgm:spPr/>
+      <dgm:t>
+        <a:bodyPr/>
+        <a:lstStyle/>
+        <a:p>
+          <a:r>
+            <a:rPr lang="en-IN" sz="1600" dirty="0">
+              <a:latin typeface="Times New Roman" panose="02020603050405020304" pitchFamily="18" charset="0"/>
+              <a:cs typeface="Times New Roman" panose="02020603050405020304" pitchFamily="18" charset="0"/>
+            </a:rPr>
+            <a:t>Classifier</a:t>
+          </a:r>
+        </a:p>
+      </dgm:t>
+    </dgm:pt>
+    <dgm:pt modelId="{F4963D20-DBBC-4611-B390-B0EE30427307}" type="parTrans" cxnId="{8C56E1AD-1BA7-44F8-BF42-A7E3D2FB1D06}">
+      <dgm:prSet/>
+      <dgm:spPr/>
+      <dgm:t>
+        <a:bodyPr/>
+        <a:lstStyle/>
+        <a:p>
+          <a:endParaRPr lang="en-IN" sz="800">
+            <a:latin typeface="Times New Roman" panose="02020603050405020304" pitchFamily="18" charset="0"/>
+            <a:cs typeface="Times New Roman" panose="02020603050405020304" pitchFamily="18" charset="0"/>
+          </a:endParaRPr>
+        </a:p>
+      </dgm:t>
+    </dgm:pt>
+    <dgm:pt modelId="{13E7AAFD-B2F3-48DB-A950-6AB1F759A197}" type="sibTrans" cxnId="{8C56E1AD-1BA7-44F8-BF42-A7E3D2FB1D06}">
+      <dgm:prSet/>
+      <dgm:spPr/>
+      <dgm:t>
+        <a:bodyPr/>
+        <a:lstStyle/>
+        <a:p>
+          <a:endParaRPr lang="en-IN" sz="800">
+            <a:latin typeface="Times New Roman" panose="02020603050405020304" pitchFamily="18" charset="0"/>
+            <a:cs typeface="Times New Roman" panose="02020603050405020304" pitchFamily="18" charset="0"/>
+          </a:endParaRPr>
+        </a:p>
+      </dgm:t>
+    </dgm:pt>
+    <dgm:pt modelId="{87AB4EF9-7F68-4A22-AB95-B0F50EE504D0}" type="pres">
+      <dgm:prSet presAssocID="{649F2D37-C583-40B0-944A-E62507E3D3DC}" presName="Name0" presStyleCnt="0">
+        <dgm:presLayoutVars>
+          <dgm:dir/>
+          <dgm:resizeHandles val="exact"/>
+        </dgm:presLayoutVars>
+      </dgm:prSet>
+      <dgm:spPr/>
+    </dgm:pt>
+    <dgm:pt modelId="{FAACEB69-CB0D-4E8A-8A39-3F4886797632}" type="pres">
+      <dgm:prSet presAssocID="{8C38CCD7-5C57-4FF0-9A90-16066FC2222C}" presName="node" presStyleLbl="node1" presStyleIdx="0" presStyleCnt="3" custLinFactNeighborX="-836" custLinFactNeighborY="-1359">
+        <dgm:presLayoutVars>
+          <dgm:bulletEnabled val="1"/>
+        </dgm:presLayoutVars>
+      </dgm:prSet>
+      <dgm:spPr/>
+    </dgm:pt>
+    <dgm:pt modelId="{CE3FD6E0-A2B9-4B48-82AA-1CDC48E200A3}" type="pres">
+      <dgm:prSet presAssocID="{0853D862-DF68-4794-B07A-3BCE55075F3B}" presName="sibTrans" presStyleLbl="sibTrans2D1" presStyleIdx="0" presStyleCnt="2"/>
+      <dgm:spPr/>
+    </dgm:pt>
+    <dgm:pt modelId="{1BAFD0D2-CF8A-4704-8D7E-B4F43052822A}" type="pres">
+      <dgm:prSet presAssocID="{0853D862-DF68-4794-B07A-3BCE55075F3B}" presName="connectorText" presStyleLbl="sibTrans2D1" presStyleIdx="0" presStyleCnt="2"/>
+      <dgm:spPr/>
+    </dgm:pt>
+    <dgm:pt modelId="{751AA3C4-26E9-45FC-B9C1-C3545A3CED04}" type="pres">
+      <dgm:prSet presAssocID="{523C02B9-0221-42AE-A703-969048E5931F}" presName="node" presStyleLbl="node1" presStyleIdx="1" presStyleCnt="3">
+        <dgm:presLayoutVars>
+          <dgm:bulletEnabled val="1"/>
+        </dgm:presLayoutVars>
+      </dgm:prSet>
+      <dgm:spPr/>
+    </dgm:pt>
+    <dgm:pt modelId="{CBBF2D90-9A7D-4B0F-82CC-C47D13C67A49}" type="pres">
+      <dgm:prSet presAssocID="{995298A3-FE23-4A8E-B0AF-A1ECB86AADC2}" presName="sibTrans" presStyleLbl="sibTrans2D1" presStyleIdx="1" presStyleCnt="2"/>
+      <dgm:spPr/>
+    </dgm:pt>
+    <dgm:pt modelId="{97164F83-4820-409B-8537-405C95BF1CEC}" type="pres">
+      <dgm:prSet presAssocID="{995298A3-FE23-4A8E-B0AF-A1ECB86AADC2}" presName="connectorText" presStyleLbl="sibTrans2D1" presStyleIdx="1" presStyleCnt="2"/>
+      <dgm:spPr/>
+    </dgm:pt>
+    <dgm:pt modelId="{D1EA504D-3033-43D8-B3DE-0686A4192DD8}" type="pres">
+      <dgm:prSet presAssocID="{DFA6B16E-95C3-408C-A42C-EA0CFEA66246}" presName="node" presStyleLbl="node1" presStyleIdx="2" presStyleCnt="3">
+        <dgm:presLayoutVars>
+          <dgm:bulletEnabled val="1"/>
+        </dgm:presLayoutVars>
+      </dgm:prSet>
+      <dgm:spPr/>
+    </dgm:pt>
+  </dgm:ptLst>
+  <dgm:cxnLst>
+    <dgm:cxn modelId="{359D2512-E6BD-44DE-9DA0-842C2C56304C}" type="presOf" srcId="{0853D862-DF68-4794-B07A-3BCE55075F3B}" destId="{1BAFD0D2-CF8A-4704-8D7E-B4F43052822A}" srcOrd="1" destOrd="0" presId="urn:microsoft.com/office/officeart/2005/8/layout/process1"/>
+    <dgm:cxn modelId="{B43A0522-60BF-4F65-A09D-1D17D239FC01}" type="presOf" srcId="{DFA6B16E-95C3-408C-A42C-EA0CFEA66246}" destId="{D1EA504D-3033-43D8-B3DE-0686A4192DD8}" srcOrd="0" destOrd="0" presId="urn:microsoft.com/office/officeart/2005/8/layout/process1"/>
+    <dgm:cxn modelId="{F14AF323-61B0-4884-B20C-12AA7EBE9E8B}" type="presOf" srcId="{649F2D37-C583-40B0-944A-E62507E3D3DC}" destId="{87AB4EF9-7F68-4A22-AB95-B0F50EE504D0}" srcOrd="0" destOrd="0" presId="urn:microsoft.com/office/officeart/2005/8/layout/process1"/>
+    <dgm:cxn modelId="{B2A0A23D-D0CB-484C-8C5A-66DBC7500166}" type="presOf" srcId="{523C02B9-0221-42AE-A703-969048E5931F}" destId="{751AA3C4-26E9-45FC-B9C1-C3545A3CED04}" srcOrd="0" destOrd="0" presId="urn:microsoft.com/office/officeart/2005/8/layout/process1"/>
+    <dgm:cxn modelId="{AF93E552-F866-44BB-AABA-AE273526F59E}" srcId="{649F2D37-C583-40B0-944A-E62507E3D3DC}" destId="{8C38CCD7-5C57-4FF0-9A90-16066FC2222C}" srcOrd="0" destOrd="0" parTransId="{7A94EBBD-451B-49F9-9B3E-3AF266C0B107}" sibTransId="{0853D862-DF68-4794-B07A-3BCE55075F3B}"/>
+    <dgm:cxn modelId="{BDC0B573-4C44-44C1-BADA-4C75E71B6800}" srcId="{649F2D37-C583-40B0-944A-E62507E3D3DC}" destId="{523C02B9-0221-42AE-A703-969048E5931F}" srcOrd="1" destOrd="0" parTransId="{C65F6BCE-8BE8-48E9-831C-D2ED95FC8AC8}" sibTransId="{995298A3-FE23-4A8E-B0AF-A1ECB86AADC2}"/>
+    <dgm:cxn modelId="{3E97DDA9-6F9B-4BAF-ACFC-1BB92A7885CE}" type="presOf" srcId="{0853D862-DF68-4794-B07A-3BCE55075F3B}" destId="{CE3FD6E0-A2B9-4B48-82AA-1CDC48E200A3}" srcOrd="0" destOrd="0" presId="urn:microsoft.com/office/officeart/2005/8/layout/process1"/>
+    <dgm:cxn modelId="{8C56E1AD-1BA7-44F8-BF42-A7E3D2FB1D06}" srcId="{649F2D37-C583-40B0-944A-E62507E3D3DC}" destId="{DFA6B16E-95C3-408C-A42C-EA0CFEA66246}" srcOrd="2" destOrd="0" parTransId="{F4963D20-DBBC-4611-B390-B0EE30427307}" sibTransId="{13E7AAFD-B2F3-48DB-A950-6AB1F759A197}"/>
+    <dgm:cxn modelId="{F5562ABE-E405-47E7-8C21-11DAC885ABCD}" type="presOf" srcId="{8C38CCD7-5C57-4FF0-9A90-16066FC2222C}" destId="{FAACEB69-CB0D-4E8A-8A39-3F4886797632}" srcOrd="0" destOrd="0" presId="urn:microsoft.com/office/officeart/2005/8/layout/process1"/>
+    <dgm:cxn modelId="{1F4BDFEA-5B47-4B32-87C0-C42229B93F31}" type="presOf" srcId="{995298A3-FE23-4A8E-B0AF-A1ECB86AADC2}" destId="{97164F83-4820-409B-8537-405C95BF1CEC}" srcOrd="1" destOrd="0" presId="urn:microsoft.com/office/officeart/2005/8/layout/process1"/>
+    <dgm:cxn modelId="{DE20C1FD-166E-4294-8468-519745475361}" type="presOf" srcId="{995298A3-FE23-4A8E-B0AF-A1ECB86AADC2}" destId="{CBBF2D90-9A7D-4B0F-82CC-C47D13C67A49}" srcOrd="0" destOrd="0" presId="urn:microsoft.com/office/officeart/2005/8/layout/process1"/>
+    <dgm:cxn modelId="{A97C6461-2FDD-4356-8CF4-72A8E356B6CA}" type="presParOf" srcId="{87AB4EF9-7F68-4A22-AB95-B0F50EE504D0}" destId="{FAACEB69-CB0D-4E8A-8A39-3F4886797632}" srcOrd="0" destOrd="0" presId="urn:microsoft.com/office/officeart/2005/8/layout/process1"/>
+    <dgm:cxn modelId="{270BDA20-A2C1-4D9A-8F7F-4B7863FB5719}" type="presParOf" srcId="{87AB4EF9-7F68-4A22-AB95-B0F50EE504D0}" destId="{CE3FD6E0-A2B9-4B48-82AA-1CDC48E200A3}" srcOrd="1" destOrd="0" presId="urn:microsoft.com/office/officeart/2005/8/layout/process1"/>
+    <dgm:cxn modelId="{D571E55B-3D68-40E1-89FD-0BCA6ED6FCB5}" type="presParOf" srcId="{CE3FD6E0-A2B9-4B48-82AA-1CDC48E200A3}" destId="{1BAFD0D2-CF8A-4704-8D7E-B4F43052822A}" srcOrd="0" destOrd="0" presId="urn:microsoft.com/office/officeart/2005/8/layout/process1"/>
+    <dgm:cxn modelId="{3183DA0B-E11C-436A-9924-105C3AD567FD}" type="presParOf" srcId="{87AB4EF9-7F68-4A22-AB95-B0F50EE504D0}" destId="{751AA3C4-26E9-45FC-B9C1-C3545A3CED04}" srcOrd="2" destOrd="0" presId="urn:microsoft.com/office/officeart/2005/8/layout/process1"/>
+    <dgm:cxn modelId="{DA71793D-0013-4666-932E-467FD85FC578}" type="presParOf" srcId="{87AB4EF9-7F68-4A22-AB95-B0F50EE504D0}" destId="{CBBF2D90-9A7D-4B0F-82CC-C47D13C67A49}" srcOrd="3" destOrd="0" presId="urn:microsoft.com/office/officeart/2005/8/layout/process1"/>
+    <dgm:cxn modelId="{F7E6A620-8BB2-415A-A920-84087B67ABA2}" type="presParOf" srcId="{CBBF2D90-9A7D-4B0F-82CC-C47D13C67A49}" destId="{97164F83-4820-409B-8537-405C95BF1CEC}" srcOrd="0" destOrd="0" presId="urn:microsoft.com/office/officeart/2005/8/layout/process1"/>
+    <dgm:cxn modelId="{0A72A36C-5D14-4080-AA57-F4A748744E2C}" type="presParOf" srcId="{87AB4EF9-7F68-4A22-AB95-B0F50EE504D0}" destId="{D1EA504D-3033-43D8-B3DE-0686A4192DD8}" srcOrd="4" destOrd="0" presId="urn:microsoft.com/office/officeart/2005/8/layout/process1"/>
+  </dgm:cxnLst>
+  <dgm:bg/>
+  <dgm:whole/>
+  <dgm:extLst>
+    <a:ext uri="http://schemas.microsoft.com/office/drawing/2008/diagram">
+      <dsp:dataModelExt xmlns:dsp="http://schemas.microsoft.com/office/drawing/2008/diagram" relId="rId6" minVer="http://schemas.openxmlformats.org/drawingml/2006/diagram"/>
+    </a:ext>
+  </dgm:extLst>
+</dgm:dataModel>
+</file>
+
+<file path=ppt/diagrams/drawing1.xml><?xml version="1.0" encoding="utf-8"?>
+<dsp:drawing xmlns:dgm="http://schemas.openxmlformats.org/drawingml/2006/diagram" xmlns:dsp="http://schemas.microsoft.com/office/drawing/2008/diagram" xmlns:a="http://schemas.openxmlformats.org/drawingml/2006/main">
+  <dsp:spTree>
+    <dsp:nvGrpSpPr>
+      <dsp:cNvPr id="0" name=""/>
+      <dsp:cNvGrpSpPr/>
+    </dsp:nvGrpSpPr>
+    <dsp:grpSpPr/>
+    <dsp:sp modelId="{FAACEB69-CB0D-4E8A-8A39-3F4886797632}">
+      <dsp:nvSpPr>
+        <dsp:cNvPr id="0" name=""/>
+        <dsp:cNvSpPr/>
+      </dsp:nvSpPr>
+      <dsp:spPr>
+        <a:xfrm>
+          <a:off x="2" y="832650"/>
+          <a:ext cx="1369838" cy="821903"/>
+        </a:xfrm>
+        <a:prstGeom prst="roundRect">
+          <a:avLst>
+            <a:gd name="adj" fmla="val 10000"/>
+          </a:avLst>
+        </a:prstGeom>
+        <a:solidFill>
+          <a:schemeClr val="lt1">
+            <a:hueOff val="0"/>
+            <a:satOff val="0"/>
+            <a:lumOff val="0"/>
+            <a:alphaOff val="0"/>
+          </a:schemeClr>
+        </a:solidFill>
+        <a:ln w="12700" cap="flat" cmpd="sng" algn="ctr">
+          <a:solidFill>
+            <a:schemeClr val="dk1">
+              <a:shade val="80000"/>
+              <a:hueOff val="0"/>
+              <a:satOff val="0"/>
+              <a:lumOff val="0"/>
+              <a:alphaOff val="0"/>
+            </a:schemeClr>
+          </a:solidFill>
+          <a:prstDash val="solid"/>
+          <a:miter lim="800000"/>
+        </a:ln>
+        <a:effectLst/>
+      </dsp:spPr>
+      <dsp:style>
+        <a:lnRef idx="2">
+          <a:scrgbClr r="0" g="0" b="0"/>
+        </a:lnRef>
+        <a:fillRef idx="1">
+          <a:scrgbClr r="0" g="0" b="0"/>
+        </a:fillRef>
+        <a:effectRef idx="0">
+          <a:scrgbClr r="0" g="0" b="0"/>
+        </a:effectRef>
+        <a:fontRef idx="minor">
+          <a:schemeClr val="lt1"/>
+        </a:fontRef>
+      </dsp:style>
+      <dsp:txBody>
+        <a:bodyPr spcFirstLastPara="0" vert="horz" wrap="square" lIns="60960" tIns="60960" rIns="60960" bIns="60960" numCol="1" spcCol="1270" anchor="ctr" anchorCtr="0">
+          <a:noAutofit/>
+        </a:bodyPr>
+        <a:lstStyle/>
+        <a:p>
+          <a:pPr marL="0" lvl="0" indent="0" algn="ctr" defTabSz="711200">
+            <a:lnSpc>
+              <a:spcPct val="90000"/>
+            </a:lnSpc>
+            <a:spcBef>
+              <a:spcPct val="0"/>
+            </a:spcBef>
+            <a:spcAft>
+              <a:spcPct val="35000"/>
+            </a:spcAft>
+            <a:buNone/>
+          </a:pPr>
+          <a:r>
+            <a:rPr lang="en-IN" sz="1600" kern="1200" dirty="0">
+              <a:latin typeface="Times New Roman" panose="02020603050405020304" pitchFamily="18" charset="0"/>
+              <a:cs typeface="Times New Roman" panose="02020603050405020304" pitchFamily="18" charset="0"/>
+            </a:rPr>
+            <a:t>Spatial Pooler</a:t>
+          </a:r>
+        </a:p>
+      </dsp:txBody>
+      <dsp:txXfrm>
+        <a:off x="24075" y="856723"/>
+        <a:ext cx="1321692" cy="773757"/>
+      </dsp:txXfrm>
+    </dsp:sp>
+    <dsp:sp modelId="{CE3FD6E0-A2B9-4B48-82AA-1CDC48E200A3}">
+      <dsp:nvSpPr>
+        <dsp:cNvPr id="0" name=""/>
+        <dsp:cNvSpPr/>
+      </dsp:nvSpPr>
+      <dsp:spPr>
+        <a:xfrm rot="19974">
+          <a:off x="1507967" y="1079374"/>
+          <a:ext cx="292838" cy="339719"/>
+        </a:xfrm>
+        <a:prstGeom prst="rightArrow">
+          <a:avLst>
+            <a:gd name="adj1" fmla="val 60000"/>
+            <a:gd name="adj2" fmla="val 50000"/>
+          </a:avLst>
+        </a:prstGeom>
+        <a:solidFill>
+          <a:schemeClr val="dk1">
+            <a:tint val="60000"/>
+            <a:hueOff val="0"/>
+            <a:satOff val="0"/>
+            <a:lumOff val="0"/>
+            <a:alphaOff val="0"/>
+          </a:schemeClr>
+        </a:solidFill>
+        <a:ln>
+          <a:noFill/>
+        </a:ln>
+        <a:effectLst/>
+      </dsp:spPr>
+      <dsp:style>
+        <a:lnRef idx="0">
+          <a:scrgbClr r="0" g="0" b="0"/>
+        </a:lnRef>
+        <a:fillRef idx="1">
+          <a:scrgbClr r="0" g="0" b="0"/>
+        </a:fillRef>
+        <a:effectRef idx="0">
+          <a:scrgbClr r="0" g="0" b="0"/>
+        </a:effectRef>
+        <a:fontRef idx="minor">
+          <a:schemeClr val="lt1"/>
+        </a:fontRef>
+      </dsp:style>
+      <dsp:txBody>
+        <a:bodyPr spcFirstLastPara="0" vert="horz" wrap="square" lIns="0" tIns="0" rIns="0" bIns="0" numCol="1" spcCol="1270" anchor="ctr" anchorCtr="0">
+          <a:noAutofit/>
+        </a:bodyPr>
+        <a:lstStyle/>
+        <a:p>
+          <a:pPr marL="0" lvl="0" indent="0" algn="ctr" defTabSz="355600">
+            <a:lnSpc>
+              <a:spcPct val="90000"/>
+            </a:lnSpc>
+            <a:spcBef>
+              <a:spcPct val="0"/>
+            </a:spcBef>
+            <a:spcAft>
+              <a:spcPct val="35000"/>
+            </a:spcAft>
+            <a:buNone/>
+          </a:pPr>
+          <a:endParaRPr lang="en-IN" sz="800" kern="1200">
+            <a:latin typeface="Times New Roman" panose="02020603050405020304" pitchFamily="18" charset="0"/>
+            <a:cs typeface="Times New Roman" panose="02020603050405020304" pitchFamily="18" charset="0"/>
+          </a:endParaRPr>
+        </a:p>
+      </dsp:txBody>
+      <dsp:txXfrm>
+        <a:off x="1507968" y="1147063"/>
+        <a:ext cx="204987" cy="203831"/>
+      </dsp:txXfrm>
+    </dsp:sp>
+    <dsp:sp modelId="{751AA3C4-26E9-45FC-B9C1-C3545A3CED04}">
+      <dsp:nvSpPr>
+        <dsp:cNvPr id="0" name=""/>
+        <dsp:cNvSpPr/>
+      </dsp:nvSpPr>
+      <dsp:spPr>
+        <a:xfrm>
+          <a:off x="1922356" y="843819"/>
+          <a:ext cx="1369838" cy="821903"/>
+        </a:xfrm>
+        <a:prstGeom prst="roundRect">
+          <a:avLst>
+            <a:gd name="adj" fmla="val 10000"/>
+          </a:avLst>
+        </a:prstGeom>
+        <a:solidFill>
+          <a:schemeClr val="lt1">
+            <a:hueOff val="0"/>
+            <a:satOff val="0"/>
+            <a:lumOff val="0"/>
+            <a:alphaOff val="0"/>
+          </a:schemeClr>
+        </a:solidFill>
+        <a:ln w="12700" cap="flat" cmpd="sng" algn="ctr">
+          <a:solidFill>
+            <a:schemeClr val="dk1">
+              <a:shade val="80000"/>
+              <a:hueOff val="0"/>
+              <a:satOff val="0"/>
+              <a:lumOff val="0"/>
+              <a:alphaOff val="0"/>
+            </a:schemeClr>
+          </a:solidFill>
+          <a:prstDash val="solid"/>
+          <a:miter lim="800000"/>
+        </a:ln>
+        <a:effectLst/>
+      </dsp:spPr>
+      <dsp:style>
+        <a:lnRef idx="2">
+          <a:scrgbClr r="0" g="0" b="0"/>
+        </a:lnRef>
+        <a:fillRef idx="1">
+          <a:scrgbClr r="0" g="0" b="0"/>
+        </a:fillRef>
+        <a:effectRef idx="0">
+          <a:scrgbClr r="0" g="0" b="0"/>
+        </a:effectRef>
+        <a:fontRef idx="minor">
+          <a:schemeClr val="lt1"/>
+        </a:fontRef>
+      </dsp:style>
+      <dsp:txBody>
+        <a:bodyPr spcFirstLastPara="0" vert="horz" wrap="square" lIns="60960" tIns="60960" rIns="60960" bIns="60960" numCol="1" spcCol="1270" anchor="ctr" anchorCtr="0">
+          <a:noAutofit/>
+        </a:bodyPr>
+        <a:lstStyle/>
+        <a:p>
+          <a:pPr marL="0" lvl="0" indent="0" algn="ctr" defTabSz="711200">
+            <a:lnSpc>
+              <a:spcPct val="90000"/>
+            </a:lnSpc>
+            <a:spcBef>
+              <a:spcPct val="0"/>
+            </a:spcBef>
+            <a:spcAft>
+              <a:spcPct val="35000"/>
+            </a:spcAft>
+            <a:buNone/>
+          </a:pPr>
+          <a:r>
+            <a:rPr lang="en-IN" sz="1600" kern="1200" dirty="0">
+              <a:latin typeface="Times New Roman" panose="02020603050405020304" pitchFamily="18" charset="0"/>
+              <a:cs typeface="Times New Roman" panose="02020603050405020304" pitchFamily="18" charset="0"/>
+            </a:rPr>
+            <a:t>Temporal Memory</a:t>
+          </a:r>
+        </a:p>
+      </dsp:txBody>
+      <dsp:txXfrm>
+        <a:off x="1946429" y="867892"/>
+        <a:ext cx="1321692" cy="773757"/>
+      </dsp:txXfrm>
+    </dsp:sp>
+    <dsp:sp modelId="{CBBF2D90-9A7D-4B0F-82CC-C47D13C67A49}">
+      <dsp:nvSpPr>
+        <dsp:cNvPr id="0" name=""/>
+        <dsp:cNvSpPr/>
+      </dsp:nvSpPr>
+      <dsp:spPr>
+        <a:xfrm>
+          <a:off x="3429179" y="1084911"/>
+          <a:ext cx="290405" cy="339719"/>
+        </a:xfrm>
+        <a:prstGeom prst="rightArrow">
+          <a:avLst>
+            <a:gd name="adj1" fmla="val 60000"/>
+            <a:gd name="adj2" fmla="val 50000"/>
+          </a:avLst>
+        </a:prstGeom>
+        <a:solidFill>
+          <a:schemeClr val="dk1">
+            <a:tint val="60000"/>
+            <a:hueOff val="0"/>
+            <a:satOff val="0"/>
+            <a:lumOff val="0"/>
+            <a:alphaOff val="0"/>
+          </a:schemeClr>
+        </a:solidFill>
+        <a:ln>
+          <a:noFill/>
+        </a:ln>
+        <a:effectLst/>
+      </dsp:spPr>
+      <dsp:style>
+        <a:lnRef idx="0">
+          <a:scrgbClr r="0" g="0" b="0"/>
+        </a:lnRef>
+        <a:fillRef idx="1">
+          <a:scrgbClr r="0" g="0" b="0"/>
+        </a:fillRef>
+        <a:effectRef idx="0">
+          <a:scrgbClr r="0" g="0" b="0"/>
+        </a:effectRef>
+        <a:fontRef idx="minor">
+          <a:schemeClr val="lt1"/>
+        </a:fontRef>
+      </dsp:style>
+      <dsp:txBody>
+        <a:bodyPr spcFirstLastPara="0" vert="horz" wrap="square" lIns="0" tIns="0" rIns="0" bIns="0" numCol="1" spcCol="1270" anchor="ctr" anchorCtr="0">
+          <a:noAutofit/>
+        </a:bodyPr>
+        <a:lstStyle/>
+        <a:p>
+          <a:pPr marL="0" lvl="0" indent="0" algn="ctr" defTabSz="355600">
+            <a:lnSpc>
+              <a:spcPct val="90000"/>
+            </a:lnSpc>
+            <a:spcBef>
+              <a:spcPct val="0"/>
+            </a:spcBef>
+            <a:spcAft>
+              <a:spcPct val="35000"/>
+            </a:spcAft>
+            <a:buNone/>
+          </a:pPr>
+          <a:endParaRPr lang="en-IN" sz="800" kern="1200">
+            <a:latin typeface="Times New Roman" panose="02020603050405020304" pitchFamily="18" charset="0"/>
+            <a:cs typeface="Times New Roman" panose="02020603050405020304" pitchFamily="18" charset="0"/>
+          </a:endParaRPr>
+        </a:p>
+      </dsp:txBody>
+      <dsp:txXfrm>
+        <a:off x="3429179" y="1152855"/>
+        <a:ext cx="203284" cy="203831"/>
+      </dsp:txXfrm>
+    </dsp:sp>
+    <dsp:sp modelId="{D1EA504D-3033-43D8-B3DE-0686A4192DD8}">
+      <dsp:nvSpPr>
+        <dsp:cNvPr id="0" name=""/>
+        <dsp:cNvSpPr/>
+      </dsp:nvSpPr>
+      <dsp:spPr>
+        <a:xfrm>
+          <a:off x="3840130" y="843819"/>
+          <a:ext cx="1369838" cy="821903"/>
+        </a:xfrm>
+        <a:prstGeom prst="roundRect">
+          <a:avLst>
+            <a:gd name="adj" fmla="val 10000"/>
+          </a:avLst>
+        </a:prstGeom>
+        <a:solidFill>
+          <a:schemeClr val="lt1">
+            <a:hueOff val="0"/>
+            <a:satOff val="0"/>
+            <a:lumOff val="0"/>
+            <a:alphaOff val="0"/>
+          </a:schemeClr>
+        </a:solidFill>
+        <a:ln w="12700" cap="flat" cmpd="sng" algn="ctr">
+          <a:solidFill>
+            <a:schemeClr val="dk1">
+              <a:shade val="80000"/>
+              <a:hueOff val="0"/>
+              <a:satOff val="0"/>
+              <a:lumOff val="0"/>
+              <a:alphaOff val="0"/>
+            </a:schemeClr>
+          </a:solidFill>
+          <a:prstDash val="solid"/>
+          <a:miter lim="800000"/>
+        </a:ln>
+        <a:effectLst/>
+      </dsp:spPr>
+      <dsp:style>
+        <a:lnRef idx="2">
+          <a:scrgbClr r="0" g="0" b="0"/>
+        </a:lnRef>
+        <a:fillRef idx="1">
+          <a:scrgbClr r="0" g="0" b="0"/>
+        </a:fillRef>
+        <a:effectRef idx="0">
+          <a:scrgbClr r="0" g="0" b="0"/>
+        </a:effectRef>
+        <a:fontRef idx="minor">
+          <a:schemeClr val="lt1"/>
+        </a:fontRef>
+      </dsp:style>
+      <dsp:txBody>
+        <a:bodyPr spcFirstLastPara="0" vert="horz" wrap="square" lIns="60960" tIns="60960" rIns="60960" bIns="60960" numCol="1" spcCol="1270" anchor="ctr" anchorCtr="0">
+          <a:noAutofit/>
+        </a:bodyPr>
+        <a:lstStyle/>
+        <a:p>
+          <a:pPr marL="0" lvl="0" indent="0" algn="ctr" defTabSz="711200">
+            <a:lnSpc>
+              <a:spcPct val="90000"/>
+            </a:lnSpc>
+            <a:spcBef>
+              <a:spcPct val="0"/>
+            </a:spcBef>
+            <a:spcAft>
+              <a:spcPct val="35000"/>
+            </a:spcAft>
+            <a:buNone/>
+          </a:pPr>
+          <a:r>
+            <a:rPr lang="en-IN" sz="1600" kern="1200" dirty="0">
+              <a:latin typeface="Times New Roman" panose="02020603050405020304" pitchFamily="18" charset="0"/>
+              <a:cs typeface="Times New Roman" panose="02020603050405020304" pitchFamily="18" charset="0"/>
+            </a:rPr>
+            <a:t>Classifier</a:t>
+          </a:r>
+        </a:p>
+      </dsp:txBody>
+      <dsp:txXfrm>
+        <a:off x="3864203" y="867892"/>
+        <a:ext cx="1321692" cy="773757"/>
+      </dsp:txXfrm>
+    </dsp:sp>
+  </dsp:spTree>
+</dsp:drawing>
+</file>
+
+<file path=ppt/diagrams/layout1.xml><?xml version="1.0" encoding="utf-8"?>
+<dgm:layoutDef xmlns:dgm="http://schemas.openxmlformats.org/drawingml/2006/diagram" xmlns:a="http://schemas.openxmlformats.org/drawingml/2006/main" uniqueId="urn:microsoft.com/office/officeart/2005/8/layout/process1">
+  <dgm:title val=""/>
+  <dgm:desc val=""/>
+  <dgm:catLst>
+    <dgm:cat type="process" pri="1000"/>
+    <dgm:cat type="convert" pri="15000"/>
+  </dgm:catLst>
+  <dgm:sampData useDef="1">
+    <dgm:dataModel>
+      <dgm:ptLst/>
+      <dgm:bg/>
+      <dgm:whole/>
+    </dgm:dataModel>
+  </dgm:sampData>
+  <dgm:styleData>
+    <dgm:dataModel>
+      <dgm:ptLst>
+        <dgm:pt modelId="0" type="doc"/>
+        <dgm:pt modelId="1"/>
+        <dgm:pt modelId="2"/>
+      </dgm:ptLst>
+      <dgm:cxnLst>
+        <dgm:cxn modelId="3" srcId="0" destId="1" srcOrd="0" destOrd="0"/>
+        <dgm:cxn modelId="4" srcId="0" destId="2" srcOrd="1" destOrd="0"/>
+      </dgm:cxnLst>
+      <dgm:bg/>
+      <dgm:whole/>
+    </dgm:dataModel>
+  </dgm:styleData>
+  <dgm:clrData>
+    <dgm:dataModel>
+      <dgm:ptLst>
+        <dgm:pt modelId="0" type="doc"/>
+        <dgm:pt modelId="1"/>
+        <dgm:pt modelId="2"/>
+        <dgm:pt modelId="3"/>
+        <dgm:pt modelId="4"/>
+      </dgm:ptLst>
+      <dgm:cxnLst>
+        <dgm:cxn modelId="5" srcId="0" destId="1" srcOrd="0" destOrd="0"/>
+        <dgm:cxn modelId="6" srcId="0" destId="2" srcOrd="1" destOrd="0"/>
+        <dgm:cxn modelId="7" srcId="0" destId="3" srcOrd="2" destOrd="0"/>
+        <dgm:cxn modelId="8" srcId="0" destId="4" srcOrd="3" destOrd="0"/>
+      </dgm:cxnLst>
+      <dgm:bg/>
+      <dgm:whole/>
+    </dgm:dataModel>
+  </dgm:clrData>
+  <dgm:layoutNode name="Name0">
+    <dgm:varLst>
+      <dgm:dir/>
+      <dgm:resizeHandles val="exact"/>
+    </dgm:varLst>
+    <dgm:choose name="Name1">
+      <dgm:if name="Name2" func="var" arg="dir" op="equ" val="norm">
+        <dgm:alg type="lin"/>
+      </dgm:if>
+      <dgm:else name="Name3">
+        <dgm:alg type="lin">
+          <dgm:param type="linDir" val="fromR"/>
+        </dgm:alg>
+      </dgm:else>
+    </dgm:choose>
+    <dgm:shape xmlns:r="http://schemas.openxmlformats.org/officeDocument/2006/relationships" r:blip="">
+      <dgm:adjLst/>
+    </dgm:shape>
+    <dgm:presOf/>
+    <dgm:constrLst>
+      <dgm:constr type="w" for="ch" ptType="node" refType="w"/>
+      <dgm:constr type="h" for="ch" ptType="node" op="equ"/>
+      <dgm:constr type="primFontSz" for="ch" ptType="node" op="equ" val="65"/>
+      <dgm:constr type="w" for="ch" ptType="sibTrans" refType="w" refFor="ch" refPtType="node" op="equ" fact="0.4"/>
+      <dgm:constr type="h" for="ch" ptType="sibTrans" op="equ"/>
+      <dgm:constr type="primFontSz" for="des" forName="connectorText" op="equ" val="55"/>
+      <dgm:constr type="primFontSz" for="des" forName="connectorText" refType="primFontSz" refFor="ch" refPtType="node" op="lte" fact="0.8"/>
+    </dgm:constrLst>
+    <dgm:ruleLst/>
+    <dgm:forEach name="nodesForEach" axis="ch" ptType="node">
+      <dgm:layoutNode name="node">
+        <dgm:varLst>
+          <dgm:bulletEnabled val="1"/>
+        </dgm:varLst>
+        <dgm:alg type="tx"/>
+        <dgm:shape xmlns:r="http://schemas.openxmlformats.org/officeDocument/2006/relationships" type="roundRect" r:blip="">
+          <dgm:adjLst>
+            <dgm:adj idx="1" val="0.1"/>
+          </dgm:adjLst>
+        </dgm:shape>
+        <dgm:presOf axis="desOrSelf" ptType="node"/>
+        <dgm:constrLst>
+          <dgm:constr type="h" refType="w" fact="0.6"/>
+          <dgm:constr type="tMarg" refType="primFontSz" fact="0.3"/>
+          <dgm:constr type="bMarg" refType="primFontSz" fact="0.3"/>
+          <dgm:constr type="lMarg" refType="primFontSz" fact="0.3"/>
+          <dgm:constr type="rMarg" refType="primFontSz" fact="0.3"/>
+        </dgm:constrLst>
+        <dgm:ruleLst>
+          <dgm:rule type="primFontSz" val="18" fact="NaN" max="NaN"/>
+          <dgm:rule type="h" val="NaN" fact="1.5" max="NaN"/>
+          <dgm:rule type="primFontSz" val="5" fact="NaN" max="NaN"/>
+          <dgm:rule type="h" val="INF" fact="NaN" max="NaN"/>
+        </dgm:ruleLst>
+      </dgm:layoutNode>
+      <dgm:forEach name="sibTransForEach" axis="followSib" ptType="sibTrans" cnt="1">
+        <dgm:layoutNode name="sibTrans">
+          <dgm:alg type="conn">
+            <dgm:param type="begPts" val="auto"/>
+            <dgm:param type="endPts" val="auto"/>
+          </dgm:alg>
+          <dgm:shape xmlns:r="http://schemas.openxmlformats.org/officeDocument/2006/relationships" type="conn" r:blip="">
+            <dgm:adjLst/>
+          </dgm:shape>
+          <dgm:presOf axis="self"/>
+          <dgm:constrLst>
+            <dgm:constr type="h" refType="w" fact="0.62"/>
+            <dgm:constr type="connDist"/>
+            <dgm:constr type="begPad" refType="connDist" fact="0.25"/>
+            <dgm:constr type="endPad" refType="connDist" fact="0.22"/>
+          </dgm:constrLst>
+          <dgm:ruleLst/>
+          <dgm:layoutNode name="connectorText">
+            <dgm:alg type="tx">
+              <dgm:param type="autoTxRot" val="grav"/>
+            </dgm:alg>
+            <dgm:shape xmlns:r="http://schemas.openxmlformats.org/officeDocument/2006/relationships" type="conn" r:blip="" hideGeom="1">
+              <dgm:adjLst/>
+            </dgm:shape>
+            <dgm:presOf axis="self"/>
+            <dgm:constrLst>
+              <dgm:constr type="lMarg"/>
+              <dgm:constr type="rMarg"/>
+              <dgm:constr type="tMarg"/>
+              <dgm:constr type="bMarg"/>
+            </dgm:constrLst>
+            <dgm:ruleLst>
+              <dgm:rule type="primFontSz" val="5" fact="NaN" max="NaN"/>
+            </dgm:ruleLst>
+          </dgm:layoutNode>
+        </dgm:layoutNode>
+      </dgm:forEach>
+    </dgm:forEach>
+  </dgm:layoutNode>
+</dgm:layoutDef>
+</file>
+
+<file path=ppt/diagrams/quickStyle1.xml><?xml version="1.0" encoding="utf-8"?>
+<dgm:styleDef xmlns:dgm="http://schemas.openxmlformats.org/drawingml/2006/diagram" xmlns:a="http://schemas.openxmlformats.org/drawingml/2006/main" uniqueId="urn:microsoft.com/office/officeart/2005/8/quickstyle/simple1">
+  <dgm:title val=""/>
+  <dgm:desc val=""/>
+  <dgm:catLst>
+    <dgm:cat type="simple" pri="10100"/>
+  </dgm:catLst>
+  <dgm:scene3d>
+    <a:camera prst="orthographicFront"/>
+    <a:lightRig rig="threePt" dir="t"/>
+  </dgm:scene3d>
+  <dgm:styleLbl name="node0">
+    <dgm:scene3d>
+      <a:camera prst="orthographicFront"/>
+      <a:lightRig rig="threePt" dir="t"/>
+    </dgm:scene3d>
+    <dgm:sp3d/>
+    <dgm:txPr/>
+    <dgm:style>
+      <a:lnRef idx="2">
+        <a:scrgbClr r="0" g="0" b="0"/>
+      </a:lnRef>
+      <a:fillRef idx="1">
+        <a:scrgbClr r="0" g="0" b="0"/>
+      </a:fillRef>
+      <a:effectRef idx="0">
+        <a:scrgbClr r="0" g="0" b="0"/>
+      </a:effectRef>
+      <a:fontRef idx="minor">
+        <a:schemeClr val="lt1"/>
+      </a:fontRef>
+    </dgm:style>
+  </dgm:styleLbl>
+  <dgm:styleLbl name="lnNode1">
+    <dgm:scene3d>
+      <a:camera prst="orthographicFront"/>
+      <a:lightRig rig="threePt" dir="t"/>
+    </dgm:scene3d>
+    <dgm:sp3d/>
+    <dgm:txPr/>
+    <dgm:style>
+      <a:lnRef idx="2">
+        <a:scrgbClr r="0" g="0" b="0"/>
+      </a:lnRef>
+      <a:fillRef idx="1">
+        <a:scrgbClr r="0" g="0" b="0"/>
+      </a:fillRef>
+      <a:effectRef idx="0">
+        <a:scrgbClr r="0" g="0" b="0"/>
+      </a:effectRef>
+      <a:fontRef idx="minor">
+        <a:schemeClr val="lt1"/>
+      </a:fontRef>
+    </dgm:style>
+  </dgm:styleLbl>
+  <dgm:styleLbl name="vennNode1">
+    <dgm:scene3d>
+      <a:camera prst="orthographicFront"/>
+      <a:lightRig rig="threePt" dir="t"/>
+    </dgm:scene3d>
+    <dgm:sp3d/>
+    <dgm:txPr/>
+    <dgm:style>
+      <a:lnRef idx="2">
+        <a:scrgbClr r="0" g="0" b="0"/>
+      </a:lnRef>
+      <a:fillRef idx="1">
+        <a:scrgbClr r="0" g="0" b="0"/>
+      </a:fillRef>
+      <a:effectRef idx="0">
+        <a:scrgbClr r="0" g="0" b="0"/>
+      </a:effectRef>
+      <a:fontRef idx="minor">
+        <a:schemeClr val="tx1"/>
+      </a:fontRef>
+    </dgm:style>
+  </dgm:styleLbl>
+  <dgm:styleLbl name="alignNode1">
+    <dgm:scene3d>
+      <a:camera prst="orthographicFront"/>
+      <a:lightRig rig="threePt" dir="t"/>
+    </dgm:scene3d>
+    <dgm:sp3d/>
+    <dgm:txPr/>
+    <dgm:style>
+      <a:lnRef idx="2">
+        <a:scrgbClr r="0" g="0" b="0"/>
+      </a:lnRef>
+      <a:fillRef idx="1">
+        <a:scrgbClr r="0" g="0" b="0"/>
+      </a:fillRef>
+      <a:effectRef idx="0">
+        <a:scrgbClr r="0" g="0" b="0"/>
+      </a:effectRef>
+      <a:fontRef idx="minor">
+        <a:schemeClr val="lt1"/>
+      </a:fontRef>
+    </dgm:style>
+  </dgm:styleLbl>
+  <dgm:styleLbl name="node1">
+    <dgm:scene3d>
+      <a:camera prst="orthographicFront"/>
+      <a:lightRig rig="threePt" dir="t"/>
+    </dgm:scene3d>
+    <dgm:sp3d/>
+    <dgm:txPr/>
+    <dgm:style>
+      <a:lnRef idx="2">
+        <a:scrgbClr r="0" g="0" b="0"/>
+      </a:lnRef>
+      <a:fillRef idx="1">
+        <a:scrgbClr r="0" g="0" b="0"/>
+      </a:fillRef>
+      <a:effectRef idx="0">
+        <a:scrgbClr r="0" g="0" b="0"/>
+      </a:effectRef>
+      <a:fontRef idx="minor">
+        <a:schemeClr val="lt1"/>
+      </a:fontRef>
+    </dgm:style>
+  </dgm:styleLbl>
+  <dgm:styleLbl name="node2">
+    <dgm:scene3d>
+      <a:camera prst="orthographicFront"/>
+      <a:lightRig rig="threePt" dir="t"/>
+    </dgm:scene3d>
+    <dgm:sp3d/>
+    <dgm:txPr/>
+    <dgm:style>
+      <a:lnRef idx="2">
+        <a:scrgbClr r="0" g="0" b="0"/>
+      </a:lnRef>
+      <a:fillRef idx="1">
+        <a:scrgbClr r="0" g="0" b="0"/>
+      </a:fillRef>
+      <a:effectRef idx="0">
+        <a:scrgbClr r="0" g="0" b="0"/>
+      </a:effectRef>
+      <a:fontRef idx="minor">
+        <a:schemeClr val="lt1"/>
+      </a:fontRef>
+    </dgm:style>
+  </dgm:styleLbl>
+  <dgm:styleLbl name="node3">
+    <dgm:scene3d>
+      <a:camera prst="orthographicFront"/>
+      <a:lightRig rig="threePt" dir="t"/>
+    </dgm:scene3d>
+    <dgm:sp3d/>
+    <dgm:txPr/>
+    <dgm:style>
+      <a:lnRef idx="2">
+        <a:scrgbClr r="0" g="0" b="0"/>
+      </a:lnRef>
+      <a:fillRef idx="1">
+        <a:scrgbClr r="0" g="0" b="0"/>
+      </a:fillRef>
+      <a:effectRef idx="0">
+        <a:scrgbClr r="0" g="0" b="0"/>
+      </a:effectRef>
+      <a:fontRef idx="minor">
+        <a:schemeClr val="lt1"/>
+      </a:fontRef>
+    </dgm:style>
+  </dgm:styleLbl>
+  <dgm:styleLbl name="node4">
+    <dgm:scene3d>
+      <a:camera prst="orthographicFront"/>
+      <a:lightRig rig="threePt" dir="t"/>
+    </dgm:scene3d>
+    <dgm:sp3d/>
+    <dgm:txPr/>
+    <dgm:style>
+      <a:lnRef idx="2">
+        <a:scrgbClr r="0" g="0" b="0"/>
+      </a:lnRef>
+      <a:fillRef idx="1">
+        <a:scrgbClr r="0" g="0" b="0"/>
+      </a:fillRef>
+      <a:effectRef idx="0">
+        <a:scrgbClr r="0" g="0" b="0"/>
+      </a:effectRef>
+      <a:fontRef idx="minor">
+        <a:schemeClr val="lt1"/>
+      </a:fontRef>
+    </dgm:style>
+  </dgm:styleLbl>
+  <dgm:styleLbl name="fgImgPlace1">
+    <dgm:scene3d>
+      <a:camera prst="orthographicFront"/>
+      <a:lightRig rig="threePt" dir="t"/>
+    </dgm:scene3d>
+    <dgm:sp3d/>
+    <dgm:txPr/>
+    <dgm:style>
+      <a:lnRef idx="2">
+        <a:scrgbClr r="0" g="0" b="0"/>
+      </a:lnRef>
+      <a:fillRef idx="1">
+        <a:scrgbClr r="0" g="0" b="0"/>
+      </a:fillRef>
+      <a:effectRef idx="0">
+        <a:scrgbClr r="0" g="0" b="0"/>
+      </a:effectRef>
+      <a:fontRef idx="minor"/>
+    </dgm:style>
+  </dgm:styleLbl>
+  <dgm:styleLbl name="alignImgPlace1">
+    <dgm:scene3d>
+      <a:camera prst="orthographicFront"/>
+      <a:lightRig rig="threePt" dir="t"/>
+    </dgm:scene3d>
+    <dgm:sp3d/>
+    <dgm:txPr/>
+    <dgm:style>
+      <a:lnRef idx="2">
+        <a:scrgbClr r="0" g="0" b="0"/>
+      </a:lnRef>
+      <a:fillRef idx="1">
+        <a:scrgbClr r="0" g="0" b="0"/>
+      </a:fillRef>
+      <a:effectRef idx="0">
+        <a:scrgbClr r="0" g="0" b="0"/>
+      </a:effectRef>
+      <a:fontRef idx="minor"/>
+    </dgm:style>
+  </dgm:styleLbl>
+  <dgm:styleLbl name="bgImgPlace1">
+    <dgm:scene3d>
+      <a:camera prst="orthographicFront"/>
+      <a:lightRig rig="threePt" dir="t"/>
+    </dgm:scene3d>
+    <dgm:sp3d/>
+    <dgm:txPr/>
+    <dgm:style>
+      <a:lnRef idx="2">
+        <a:scrgbClr r="0" g="0" b="0"/>
+      </a:lnRef>
+      <a:fillRef idx="1">
+        <a:scrgbClr r="0" g="0" b="0"/>
+      </a:fillRef>
+      <a:effectRef idx="0">
+        <a:scrgbClr r="0" g="0" b="0"/>
+      </a:effectRef>
+      <a:fontRef idx="minor"/>
+    </dgm:style>
+  </dgm:styleLbl>
+  <dgm:styleLbl name="sibTrans2D1">
+    <dgm:scene3d>
+      <a:camera prst="orthographicFront"/>
+      <a:lightRig rig="threePt" dir="t"/>
+    </dgm:scene3d>
+    <dgm:sp3d/>
+    <dgm:txPr/>
+    <dgm:style>
+      <a:lnRef idx="0">
+        <a:scrgbClr r="0" g="0" b="0"/>
+      </a:lnRef>
+      <a:fillRef idx="1">
+        <a:scrgbClr r="0" g="0" b="0"/>
+      </a:fillRef>
+      <a:effectRef idx="0">
+        <a:scrgbClr r="0" g="0" b="0"/>
+      </a:effectRef>
+      <a:fontRef idx="minor">
+        <a:schemeClr val="lt1"/>
+      </a:fontRef>
+    </dgm:style>
+  </dgm:styleLbl>
+  <dgm:styleLbl name="fgSibTrans2D1">
+    <dgm:scene3d>
+      <a:camera prst="orthographicFront"/>
+      <a:lightRig rig="threePt" dir="t"/>
+    </dgm:scene3d>
+    <dgm:sp3d/>
+    <dgm:txPr/>
+    <dgm:style>
+      <a:lnRef idx="0">
+        <a:scrgbClr r="0" g="0" b="0"/>
+      </a:lnRef>
+      <a:fillRef idx="1">
+        <a:scrgbClr r="0" g="0" b="0"/>
+      </a:fillRef>
+      <a:effectRef idx="0">
+        <a:scrgbClr r="0" g="0" b="0"/>
+      </a:effectRef>
+      <a:fontRef idx="minor">
+        <a:schemeClr val="lt1"/>
+      </a:fontRef>
+    </dgm:style>
+  </dgm:styleLbl>
+  <dgm:styleLbl name="bgSibTrans2D1">
+    <dgm:scene3d>
+      <a:camera prst="orthographicFront"/>
+      <a:lightRig rig="threePt" dir="t"/>
+    </dgm:scene3d>
+    <dgm:sp3d/>
+    <dgm:txPr/>
+    <dgm:style>
+      <a:lnRef idx="0">
+        <a:scrgbClr r="0" g="0" b="0"/>
+      </a:lnRef>
+      <a:fillRef idx="1">
+        <a:scrgbClr r="0" g="0" b="0"/>
+      </a:fillRef>
+      <a:effectRef idx="0">
+        <a:scrgbClr r="0" g="0" b="0"/>
+      </a:effectRef>
+      <a:fontRef idx="minor">
+        <a:schemeClr val="lt1"/>
+      </a:fontRef>
+    </dgm:style>
+  </dgm:styleLbl>
+  <dgm:styleLbl name="sibTrans1D1">
+    <dgm:scene3d>
+      <a:camera prst="orthographicFront"/>
+      <a:lightRig rig="threePt" dir="t"/>
+    </dgm:scene3d>
+    <dgm:sp3d/>
+    <dgm:txPr/>
+    <dgm:style>
+      <a:lnRef idx="1">
+        <a:scrgbClr r="0" g="0" b="0"/>
+      </a:lnRef>
+      <a:fillRef idx="0">
+        <a:scrgbClr r="0" g="0" b="0"/>
+      </a:fillRef>
+      <a:effectRef idx="0">
+        <a:scrgbClr r="0" g="0" b="0"/>
+      </a:effectRef>
+      <a:fontRef idx="minor"/>
+    </dgm:style>
+  </dgm:styleLbl>
+  <dgm:styleLbl name="callout">
+    <dgm:scene3d>
+      <a:camera prst="orthographicFront"/>
+      <a:lightRig rig="threePt" dir="t"/>
+    </dgm:scene3d>
+    <dgm:sp3d/>
+    <dgm:txPr/>
+    <dgm:style>
+      <a:lnRef idx="2">
+        <a:scrgbClr r="0" g="0" b="0"/>
+      </a:lnRef>
+      <a:fillRef idx="1">
+        <a:scrgbClr r="0" g="0" b="0"/>
+      </a:fillRef>
+      <a:effectRef idx="0">
+        <a:scrgbClr r="0" g="0" b="0"/>
+      </a:effectRef>
+      <a:fontRef idx="minor"/>
+    </dgm:style>
+  </dgm:styleLbl>
+  <dgm:styleLbl name="asst0">
+    <dgm:scene3d>
+      <a:camera prst="orthographicFront"/>
+      <a:lightRig rig="threePt" dir="t"/>
+    </dgm:scene3d>
+    <dgm:sp3d/>
+    <dgm:txPr/>
+    <dgm:style>
+      <a:lnRef idx="2">
+        <a:scrgbClr r="0" g="0" b="0"/>
+      </a:lnRef>
+      <a:fillRef idx="1">
+        <a:scrgbClr r="0" g="0" b="0"/>
+      </a:fillRef>
+      <a:effectRef idx="0">
+        <a:scrgbClr r="0" g="0" b="0"/>
+      </a:effectRef>
+      <a:fontRef idx="minor">
+        <a:schemeClr val="lt1"/>
+      </a:fontRef>
+    </dgm:style>
+  </dgm:styleLbl>
+  <dgm:styleLbl name="asst1">
+    <dgm:scene3d>
+      <a:camera prst="orthographicFront"/>
+      <a:lightRig rig="threePt" dir="t"/>
+    </dgm:scene3d>
+    <dgm:sp3d/>
+    <dgm:txPr/>
+    <dgm:style>
+      <a:lnRef idx="2">
+        <a:scrgbClr r="0" g="0" b="0"/>
+      </a:lnRef>
+      <a:fillRef idx="1">
+        <a:scrgbClr r="0" g="0" b="0"/>
+      </a:fillRef>
+      <a:effectRef idx="0">
+        <a:scrgbClr r="0" g="0" b="0"/>
+      </a:effectRef>
+      <a:fontRef idx="minor">
+        <a:schemeClr val="lt1"/>
+      </a:fontRef>
+    </dgm:style>
+  </dgm:styleLbl>
+  <dgm:styleLbl name="asst2">
+    <dgm:scene3d>
+      <a:camera prst="orthographicFront"/>
+      <a:lightRig rig="threePt" dir="t"/>
+    </dgm:scene3d>
+    <dgm:sp3d/>
+    <dgm:txPr/>
+    <dgm:style>
+      <a:lnRef idx="2">
+        <a:scrgbClr r="0" g="0" b="0"/>
+      </a:lnRef>
+      <a:fillRef idx="1">
+        <a:scrgbClr r="0" g="0" b="0"/>
+      </a:fillRef>
+      <a:effectRef idx="0">
+        <a:scrgbClr r="0" g="0" b="0"/>
+      </a:effectRef>
+      <a:fontRef idx="minor">
+        <a:schemeClr val="lt1"/>
+      </a:fontRef>
+    </dgm:style>
+  </dgm:styleLbl>
+  <dgm:styleLbl name="asst3">
+    <dgm:scene3d>
+      <a:camera prst="orthographicFront"/>
+      <a:lightRig rig="threePt" dir="t"/>
+    </dgm:scene3d>
+    <dgm:sp3d/>
+    <dgm:txPr/>
+    <dgm:style>
+      <a:lnRef idx="2">
+        <a:scrgbClr r="0" g="0" b="0"/>
+      </a:lnRef>
+      <a:fillRef idx="1">
+        <a:scrgbClr r="0" g="0" b="0"/>
+      </a:fillRef>
+      <a:effectRef idx="0">
+        <a:scrgbClr r="0" g="0" b="0"/>
+      </a:effectRef>
+      <a:fontRef idx="minor">
+        <a:schemeClr val="lt1"/>
+      </a:fontRef>
+    </dgm:style>
+  </dgm:styleLbl>
+  <dgm:styleLbl name="asst4">
+    <dgm:scene3d>
+      <a:camera prst="orthographicFront"/>
+      <a:lightRig rig="threePt" dir="t"/>
+    </dgm:scene3d>
+    <dgm:sp3d/>
+    <dgm:txPr/>
+    <dgm:style>
+      <a:lnRef idx="2">
+        <a:scrgbClr r="0" g="0" b="0"/>
+      </a:lnRef>
+      <a:fillRef idx="1">
+        <a:scrgbClr r="0" g="0" b="0"/>
+      </a:fillRef>
+      <a:effectRef idx="0">
+        <a:scrgbClr r="0" g="0" b="0"/>
+      </a:effectRef>
+      <a:fontRef idx="minor">
+        <a:schemeClr val="lt1"/>
+      </a:fontRef>
+    </dgm:style>
+  </dgm:styleLbl>
+  <dgm:styleLbl name="parChTrans2D1">
+    <dgm:scene3d>
+      <a:camera prst="orthographicFront"/>
+      <a:lightRig rig="threePt" dir="t"/>
+    </dgm:scene3d>
+    <dgm:sp3d/>
+    <dgm:txPr/>
+    <dgm:style>
+      <a:lnRef idx="2">
+        <a:scrgbClr r="0" g="0" b="0"/>
+      </a:lnRef>
+      <a:fillRef idx="1">
+        <a:scrgbClr r="0" g="0" b="0"/>
+      </a:fillRef>
+      <a:effectRef idx="0">
+        <a:scrgbClr r="0" g="0" b="0"/>
+      </a:effectRef>
+      <a:fontRef idx="minor">
+        <a:schemeClr val="lt1"/>
+      </a:fontRef>
+    </dgm:style>
+  </dgm:styleLbl>
+  <dgm:styleLbl name="parChTrans2D2">
+    <dgm:scene3d>
+      <a:camera prst="orthographicFront"/>
+      <a:lightRig rig="threePt" dir="t"/>
+    </dgm:scene3d>
+    <dgm:sp3d/>
+    <dgm:txPr/>
+    <dgm:style>
+      <a:lnRef idx="2">
+        <a:scrgbClr r="0" g="0" b="0"/>
+      </a:lnRef>
+      <a:fillRef idx="1">
+        <a:scrgbClr r="0" g="0" b="0"/>
+      </a:fillRef>
+      <a:effectRef idx="0">
+        <a:scrgbClr r="0" g="0" b="0"/>
+      </a:effectRef>
+      <a:fontRef idx="minor">
+        <a:schemeClr val="lt1"/>
+      </a:fontRef>
+    </dgm:style>
+  </dgm:styleLbl>
+  <dgm:styleLbl name="parChTrans2D3">
+    <dgm:scene3d>
+      <a:camera prst="orthographicFront"/>
+      <a:lightRig rig="threePt" dir="t"/>
+    </dgm:scene3d>
+    <dgm:sp3d/>
+    <dgm:txPr/>
+    <dgm:style>
+      <a:lnRef idx="2">
+        <a:scrgbClr r="0" g="0" b="0"/>
+      </a:lnRef>
+      <a:fillRef idx="1">
+        <a:scrgbClr r="0" g="0" b="0"/>
+      </a:fillRef>
+      <a:effectRef idx="0">
+        <a:scrgbClr r="0" g="0" b="0"/>
+      </a:effectRef>
+      <a:fontRef idx="minor">
+        <a:schemeClr val="lt1"/>
+      </a:fontRef>
+    </dgm:style>
+  </dgm:styleLbl>
+  <dgm:styleLbl name="parChTrans2D4">
+    <dgm:scene3d>
+      <a:camera prst="orthographicFront"/>
+      <a:lightRig rig="threePt" dir="t"/>
+    </dgm:scene3d>
+    <dgm:sp3d/>
+    <dgm:txPr/>
+    <dgm:style>
+      <a:lnRef idx="2">
+        <a:scrgbClr r="0" g="0" b="0"/>
+      </a:lnRef>
+      <a:fillRef idx="1">
+        <a:scrgbClr r="0" g="0" b="0"/>
+      </a:fillRef>
+      <a:effectRef idx="0">
+        <a:scrgbClr r="0" g="0" b="0"/>
+      </a:effectRef>
+      <a:fontRef idx="minor">
+        <a:schemeClr val="lt1"/>
+      </a:fontRef>
+    </dgm:style>
+  </dgm:styleLbl>
+  <dgm:styleLbl name="parChTrans1D1">
+    <dgm:scene3d>
+      <a:camera prst="orthographicFront"/>
+      <a:lightRig rig="threePt" dir="t"/>
+    </dgm:scene3d>
+    <dgm:sp3d/>
+    <dgm:txPr/>
+    <dgm:style>
+      <a:lnRef idx="2">
+        <a:scrgbClr r="0" g="0" b="0"/>
+      </a:lnRef>
+      <a:fillRef idx="0">
+        <a:scrgbClr r="0" g="0" b="0"/>
+      </a:fillRef>
+      <a:effectRef idx="0">
+        <a:scrgbClr r="0" g="0" b="0"/>
+      </a:effectRef>
+      <a:fontRef idx="minor"/>
+    </dgm:style>
+  </dgm:styleLbl>
+  <dgm:styleLbl name="parChTrans1D2">
+    <dgm:scene3d>
+      <a:camera prst="orthographicFront"/>
+      <a:lightRig rig="threePt" dir="t"/>
+    </dgm:scene3d>
+    <dgm:sp3d/>
+    <dgm:txPr/>
+    <dgm:style>
+      <a:lnRef idx="2">
+        <a:scrgbClr r="0" g="0" b="0"/>
+      </a:lnRef>
+      <a:fillRef idx="0">
+        <a:scrgbClr r="0" g="0" b="0"/>
+      </a:fillRef>
+      <a:effectRef idx="0">
+        <a:scrgbClr r="0" g="0" b="0"/>
+      </a:effectRef>
+      <a:fontRef idx="minor"/>
+    </dgm:style>
+  </dgm:styleLbl>
+  <dgm:styleLbl name="parChTrans1D3">
+    <dgm:scene3d>
+      <a:camera prst="orthographicFront"/>
+      <a:lightRig rig="threePt" dir="t"/>
+    </dgm:scene3d>
+    <dgm:sp3d/>
+    <dgm:txPr/>
+    <dgm:style>
+      <a:lnRef idx="2">
+        <a:scrgbClr r="0" g="0" b="0"/>
+      </a:lnRef>
+      <a:fillRef idx="0">
+        <a:scrgbClr r="0" g="0" b="0"/>
+      </a:fillRef>
+      <a:effectRef idx="0">
+        <a:scrgbClr r="0" g="0" b="0"/>
+      </a:effectRef>
+      <a:fontRef idx="minor"/>
+    </dgm:style>
+  </dgm:styleLbl>
+  <dgm:styleLbl name="parChTrans1D4">
+    <dgm:scene3d>
+      <a:camera prst="orthographicFront"/>
+      <a:lightRig rig="threePt" dir="t"/>
+    </dgm:scene3d>
+    <dgm:sp3d/>
+    <dgm:txPr/>
+    <dgm:style>
+      <a:lnRef idx="2">
+        <a:scrgbClr r="0" g="0" b="0"/>
+      </a:lnRef>
+      <a:fillRef idx="0">
+        <a:scrgbClr r="0" g="0" b="0"/>
+      </a:fillRef>
+      <a:effectRef idx="0">
+        <a:scrgbClr r="0" g="0" b="0"/>
+      </a:effectRef>
+      <a:fontRef idx="minor"/>
+    </dgm:style>
+  </dgm:styleLbl>
+  <dgm:styleLbl name="fgAcc1">
+    <dgm:scene3d>
+      <a:camera prst="orthographicFront"/>
+      <a:lightRig rig="threePt" dir="t"/>
+    </dgm:scene3d>
+    <dgm:sp3d/>
+    <dgm:txPr/>
+    <dgm:style>
+      <a:lnRef idx="2">
+        <a:scrgbClr r="0" g="0" b="0"/>
+      </a:lnRef>
+      <a:fillRef idx="1">
+        <a:scrgbClr r="0" g="0" b="0"/>
+      </a:fillRef>
+      <a:effectRef idx="0">
+        <a:scrgbClr r="0" g="0" b="0"/>
+      </a:effectRef>
+      <a:fontRef idx="minor"/>
+    </dgm:style>
+  </dgm:styleLbl>
+  <dgm:styleLbl name="conFgAcc1">
+    <dgm:scene3d>
+      <a:camera prst="orthographicFront"/>
+      <a:lightRig rig="threePt" dir="t"/>
+    </dgm:scene3d>
+    <dgm:sp3d/>
+    <dgm:txPr/>
+    <dgm:style>
+      <a:lnRef idx="2">
+        <a:scrgbClr r="0" g="0" b="0"/>
+      </a:lnRef>
+      <a:fillRef idx="1">
+        <a:scrgbClr r="0" g="0" b="0"/>
+      </a:fillRef>
+      <a:effectRef idx="0">
+        <a:scrgbClr r="0" g="0" b="0"/>
+      </a:effectRef>
+      <a:fontRef idx="minor"/>
+    </dgm:style>
+  </dgm:styleLbl>
+  <dgm:styleLbl name="alignAcc1">
+    <dgm:scene3d>
+      <a:camera prst="orthographicFront"/>
+      <a:lightRig rig="threePt" dir="t"/>
+    </dgm:scene3d>
+    <dgm:sp3d/>
+    <dgm:txPr/>
+    <dgm:style>
+      <a:lnRef idx="2">
+        <a:scrgbClr r="0" g="0" b="0"/>
+      </a:lnRef>
+      <a:fillRef idx="1">
+        <a:scrgbClr r="0" g="0" b="0"/>
+      </a:fillRef>
+      <a:effectRef idx="0">
+        <a:scrgbClr r="0" g="0" b="0"/>
+      </a:effectRef>
+      <a:fontRef idx="minor"/>
+    </dgm:style>
+  </dgm:styleLbl>
+  <dgm:styleLbl name="trAlignAcc1">
+    <dgm:scene3d>
+      <a:camera prst="orthographicFront"/>
+      <a:lightRig rig="threePt" dir="t"/>
+    </dgm:scene3d>
+    <dgm:sp3d/>
+    <dgm:txPr/>
+    <dgm:style>
+      <a:lnRef idx="1">
+        <a:scrgbClr r="0" g="0" b="0"/>
+      </a:lnRef>
+      <a:fillRef idx="1">
+        <a:scrgbClr r="0" g="0" b="0"/>
+      </a:fillRef>
+      <a:effectRef idx="0">
+        <a:scrgbClr r="0" g="0" b="0"/>
+      </a:effectRef>
+      <a:fontRef idx="minor"/>
+    </dgm:style>
+  </dgm:styleLbl>
+  <dgm:styleLbl name="bgAcc1">
+    <dgm:scene3d>
+      <a:camera prst="orthographicFront"/>
+      <a:lightRig rig="threePt" dir="t"/>
+    </dgm:scene3d>
+    <dgm:sp3d/>
+    <dgm:txPr/>
+    <dgm:style>
+      <a:lnRef idx="2">
+        <a:scrgbClr r="0" g="0" b="0"/>
+      </a:lnRef>
+      <a:fillRef idx="1">
+        <a:scrgbClr r="0" g="0" b="0"/>
+      </a:fillRef>
+      <a:effectRef idx="0">
+        <a:scrgbClr r="0" g="0" b="0"/>
+      </a:effectRef>
+      <a:fontRef idx="minor"/>
+    </dgm:style>
+  </dgm:styleLbl>
+  <dgm:styleLbl name="solidFgAcc1">
+    <dgm:scene3d>
+      <a:camera prst="orthographicFront"/>
+      <a:lightRig rig="threePt" dir="t"/>
+    </dgm:scene3d>
+    <dgm:sp3d/>
+    <dgm:txPr/>
+    <dgm:style>
+      <a:lnRef idx="2">
+        <a:scrgbClr r="0" g="0" b="0"/>
+      </a:lnRef>
+      <a:fillRef idx="1">
+        <a:scrgbClr r="0" g="0" b="0"/>
+      </a:fillRef>
+      <a:effectRef idx="0">
+        <a:scrgbClr r="0" g="0" b="0"/>
+      </a:effectRef>
+      <a:fontRef idx="minor"/>
+    </dgm:style>
+  </dgm:styleLbl>
+  <dgm:styleLbl name="solidAlignAcc1">
+    <dgm:scene3d>
+      <a:camera prst="orthographicFront"/>
+      <a:lightRig rig="threePt" dir="t"/>
+    </dgm:scene3d>
+    <dgm:sp3d/>
+    <dgm:txPr/>
+    <dgm:style>
+      <a:lnRef idx="2">
+        <a:scrgbClr r="0" g="0" b="0"/>
+      </a:lnRef>
+      <a:fillRef idx="1">
+        <a:scrgbClr r="0" g="0" b="0"/>
+      </a:fillRef>
+      <a:effectRef idx="0">
+        <a:scrgbClr r="0" g="0" b="0"/>
+      </a:effectRef>
+      <a:fontRef idx="minor"/>
+    </dgm:style>
+  </dgm:styleLbl>
+  <dgm:styleLbl name="solidBgAcc1">
+    <dgm:scene3d>
+      <a:camera prst="orthographicFront"/>
+      <a:lightRig rig="threePt" dir="t"/>
+    </dgm:scene3d>
+    <dgm:sp3d/>
+    <dgm:txPr/>
+    <dgm:style>
+      <a:lnRef idx="2">
+        <a:scrgbClr r="0" g="0" b="0"/>
+      </a:lnRef>
+      <a:fillRef idx="1">
+        <a:scrgbClr r="0" g="0" b="0"/>
+      </a:fillRef>
+      <a:effectRef idx="0">
+        <a:scrgbClr r="0" g="0" b="0"/>
+      </a:effectRef>
+      <a:fontRef idx="minor"/>
+    </dgm:style>
+  </dgm:styleLbl>
+  <dgm:styleLbl name="fgAccFollowNode1">
+    <dgm:scene3d>
+      <a:camera prst="orthographicFront"/>
+      <a:lightRig rig="threePt" dir="t"/>
+    </dgm:scene3d>
+    <dgm:sp3d/>
+    <dgm:txPr/>
+    <dgm:style>
+      <a:lnRef idx="2">
+        <a:scrgbClr r="0" g="0" b="0"/>
+      </a:lnRef>
+      <a:fillRef idx="1">
+        <a:scrgbClr r="0" g="0" b="0"/>
+      </a:fillRef>
+      <a:effectRef idx="0">
+        <a:scrgbClr r="0" g="0" b="0"/>
+      </a:effectRef>
+      <a:fontRef idx="minor"/>
+    </dgm:style>
+  </dgm:styleLbl>
+  <dgm:styleLbl name="alignAccFollowNode1">
+    <dgm:scene3d>
+      <a:camera prst="orthographicFront"/>
+      <a:lightRig rig="threePt" dir="t"/>
+    </dgm:scene3d>
+    <dgm:sp3d/>
+    <dgm:txPr/>
+    <dgm:style>
+      <a:lnRef idx="2">
+        <a:scrgbClr r="0" g="0" b="0"/>
+      </a:lnRef>
+      <a:fillRef idx="1">
+        <a:scrgbClr r="0" g="0" b="0"/>
+      </a:fillRef>
+      <a:effectRef idx="0">
+        <a:scrgbClr r="0" g="0" b="0"/>
+      </a:effectRef>
+      <a:fontRef idx="minor"/>
+    </dgm:style>
+  </dgm:styleLbl>
+  <dgm:styleLbl name="bgAccFollowNode1">
+    <dgm:scene3d>
+      <a:camera prst="orthographicFront"/>
+      <a:lightRig rig="threePt" dir="t"/>
+    </dgm:scene3d>
+    <dgm:sp3d/>
+    <dgm:txPr/>
+    <dgm:style>
+      <a:lnRef idx="2">
+        <a:scrgbClr r="0" g="0" b="0"/>
+      </a:lnRef>
+      <a:fillRef idx="1">
+        <a:scrgbClr r="0" g="0" b="0"/>
+      </a:fillRef>
+      <a:effectRef idx="0">
+        <a:scrgbClr r="0" g="0" b="0"/>
+      </a:effectRef>
+      <a:fontRef idx="minor"/>
+    </dgm:style>
+  </dgm:styleLbl>
+  <dgm:styleLbl name="fgAcc0">
+    <dgm:scene3d>
+      <a:camera prst="orthographicFront"/>
+      <a:lightRig rig="threePt" dir="t"/>
+    </dgm:scene3d>
+    <dgm:sp3d/>
+    <dgm:txPr/>
+    <dgm:style>
+      <a:lnRef idx="2">
+        <a:scrgbClr r="0" g="0" b="0"/>
+      </a:lnRef>
+      <a:fillRef idx="1">
+        <a:scrgbClr r="0" g="0" b="0"/>
+      </a:fillRef>
+      <a:effectRef idx="0">
+        <a:scrgbClr r="0" g="0" b="0"/>
+      </a:effectRef>
+      <a:fontRef idx="minor"/>
+    </dgm:style>
+  </dgm:styleLbl>
+  <dgm:styleLbl name="fgAcc2">
+    <dgm:scene3d>
+      <a:camera prst="orthographicFront"/>
+      <a:lightRig rig="threePt" dir="t"/>
+    </dgm:scene3d>
+    <dgm:sp3d/>
+    <dgm:txPr/>
+    <dgm:style>
+      <a:lnRef idx="2">
+        <a:scrgbClr r="0" g="0" b="0"/>
+      </a:lnRef>
+      <a:fillRef idx="1">
+        <a:scrgbClr r="0" g="0" b="0"/>
+      </a:fillRef>
+      <a:effectRef idx="0">
+        <a:scrgbClr r="0" g="0" b="0"/>
+      </a:effectRef>
+      <a:fontRef idx="minor"/>
+    </dgm:style>
+  </dgm:styleLbl>
+  <dgm:styleLbl name="fgAcc3">
+    <dgm:scene3d>
+      <a:camera prst="orthographicFront"/>
+      <a:lightRig rig="threePt" dir="t"/>
+    </dgm:scene3d>
+    <dgm:sp3d/>
+    <dgm:txPr/>
+    <dgm:style>
+      <a:lnRef idx="2">
+        <a:scrgbClr r="0" g="0" b="0"/>
+      </a:lnRef>
+      <a:fillRef idx="1">
+        <a:scrgbClr r="0" g="0" b="0"/>
+      </a:fillRef>
+      <a:effectRef idx="0">
+        <a:scrgbClr r="0" g="0" b="0"/>
+      </a:effectRef>
+      <a:fontRef idx="minor"/>
+    </dgm:style>
+  </dgm:styleLbl>
+  <dgm:styleLbl name="fgAcc4">
+    <dgm:scene3d>
+      <a:camera prst="orthographicFront"/>
+      <a:lightRig rig="threePt" dir="t"/>
+    </dgm:scene3d>
+    <dgm:sp3d/>
+    <dgm:txPr/>
+    <dgm:style>
+      <a:lnRef idx="2">
+        <a:scrgbClr r="0" g="0" b="0"/>
+      </a:lnRef>
+      <a:fillRef idx="1">
+        <a:scrgbClr r="0" g="0" b="0"/>
+      </a:fillRef>
+      <a:effectRef idx="0">
+        <a:scrgbClr r="0" g="0" b="0"/>
+      </a:effectRef>
+      <a:fontRef idx="minor"/>
+    </dgm:style>
+  </dgm:styleLbl>
+  <dgm:styleLbl name="bgShp">
+    <dgm:scene3d>
+      <a:camera prst="orthographicFront"/>
+      <a:lightRig rig="threePt" dir="t"/>
+    </dgm:scene3d>
+    <dgm:sp3d/>
+    <dgm:txPr/>
+    <dgm:style>
+      <a:lnRef idx="0">
+        <a:scrgbClr r="0" g="0" b="0"/>
+      </a:lnRef>
+      <a:fillRef idx="1">
+        <a:scrgbClr r="0" g="0" b="0"/>
+      </a:fillRef>
+      <a:effectRef idx="0">
+        <a:scrgbClr r="0" g="0" b="0"/>
+      </a:effectRef>
+      <a:fontRef idx="minor"/>
+    </dgm:style>
+  </dgm:styleLbl>
+  <dgm:styleLbl name="dkBgShp">
+    <dgm:scene3d>
+      <a:camera prst="orthographicFront"/>
+      <a:lightRig rig="threePt" dir="t"/>
+    </dgm:scene3d>
+    <dgm:sp3d/>
+    <dgm:txPr/>
+    <dgm:style>
+      <a:lnRef idx="0">
+        <a:scrgbClr r="0" g="0" b="0"/>
+      </a:lnRef>
+      <a:fillRef idx="1">
+        <a:scrgbClr r="0" g="0" b="0"/>
+      </a:fillRef>
+      <a:effectRef idx="0">
+        <a:scrgbClr r="0" g="0" b="0"/>
+      </a:effectRef>
+      <a:fontRef idx="minor"/>
+    </dgm:style>
+  </dgm:styleLbl>
+  <dgm:styleLbl name="trBgShp">
+    <dgm:scene3d>
+      <a:camera prst="orthographicFront"/>
+      <a:lightRig rig="threePt" dir="t"/>
+    </dgm:scene3d>
+    <dgm:sp3d/>
+    <dgm:txPr/>
+    <dgm:style>
+      <a:lnRef idx="0">
+        <a:scrgbClr r="0" g="0" b="0"/>
+      </a:lnRef>
+      <a:fillRef idx="1">
+        <a:scrgbClr r="0" g="0" b="0"/>
+      </a:fillRef>
+      <a:effectRef idx="0">
+        <a:scrgbClr r="0" g="0" b="0"/>
+      </a:effectRef>
+      <a:fontRef idx="minor"/>
+    </dgm:style>
+  </dgm:styleLbl>
+  <dgm:styleLbl name="fgShp">
+    <dgm:scene3d>
+      <a:camera prst="orthographicFront"/>
+      <a:lightRig rig="threePt" dir="t"/>
+    </dgm:scene3d>
+    <dgm:sp3d/>
+    <dgm:txPr/>
+    <dgm:style>
+      <a:lnRef idx="2">
+        <a:scrgbClr r="0" g="0" b="0"/>
+      </a:lnRef>
+      <a:fillRef idx="1">
+        <a:scrgbClr r="0" g="0" b="0"/>
+      </a:fillRef>
+      <a:effectRef idx="0">
+        <a:scrgbClr r="0" g="0" b="0"/>
+      </a:effectRef>
+      <a:fontRef idx="minor"/>
+    </dgm:style>
+  </dgm:styleLbl>
+  <dgm:styleLbl name="revTx">
+    <dgm:scene3d>
+      <a:camera prst="orthographicFront"/>
+      <a:lightRig rig="threePt" dir="t"/>
+    </dgm:scene3d>
+    <dgm:sp3d/>
+    <dgm:txPr/>
+    <dgm:style>
+      <a:lnRef idx="0">
+        <a:scrgbClr r="0" g="0" b="0"/>
+      </a:lnRef>
+      <a:fillRef idx="0">
+        <a:scrgbClr r="0" g="0" b="0"/>
+      </a:fillRef>
+      <a:effectRef idx="0">
+        <a:scrgbClr r="0" g="0" b="0"/>
+      </a:effectRef>
+      <a:fontRef idx="minor"/>
+    </dgm:style>
+  </dgm:styleLbl>
+</dgm:styleDef>
 </file>
 
 <file path=ppt/slideLayouts/slideLayout1.xml><?xml version="1.0" encoding="utf-8"?>
@@ -5676,6 +8295,34 @@
           </a:p>
         </p:txBody>
       </p:sp>
+      <p:graphicFrame>
+        <p:nvGraphicFramePr>
+          <p:cNvPr id="3" name="Diagram 2">
+            <a:extLst>
+              <a:ext uri="{FF2B5EF4-FFF2-40B4-BE49-F238E27FC236}">
+                <a16:creationId xmlns:a16="http://schemas.microsoft.com/office/drawing/2014/main" id="{4399E1B5-B320-B13F-B24B-2A69678ED345}"/>
+              </a:ext>
+            </a:extLst>
+          </p:cNvPr>
+          <p:cNvGraphicFramePr/>
+          <p:nvPr>
+            <p:extLst>
+              <p:ext uri="{D42A27DB-BD31-4B8C-83A1-F6EECF244321}">
+                <p14:modId xmlns:p14="http://schemas.microsoft.com/office/powerpoint/2010/main" val="1320414263"/>
+              </p:ext>
+            </p:extLst>
+          </p:nvPr>
+        </p:nvGraphicFramePr>
+        <p:xfrm>
+          <a:off x="5881816" y="2063578"/>
+          <a:ext cx="5214552" cy="2509543"/>
+        </p:xfrm>
+        <a:graphic>
+          <a:graphicData uri="http://schemas.openxmlformats.org/drawingml/2006/diagram">
+            <dgm:relIds xmlns:dgm="http://schemas.openxmlformats.org/drawingml/2006/diagram" xmlns:r="http://schemas.openxmlformats.org/officeDocument/2006/relationships" r:dm="rId2" r:lo="rId3" r:qs="rId4" r:cs="rId5"/>
+          </a:graphicData>
+        </a:graphic>
+      </p:graphicFrame>
     </p:spTree>
     <p:extLst>
       <p:ext uri="{BB962C8B-B14F-4D97-AF65-F5344CB8AC3E}">
@@ -6709,8 +9356,8 @@
         </p:nvSpPr>
         <p:spPr>
           <a:xfrm>
-            <a:off x="6242869" y="4831000"/>
-            <a:ext cx="586554" cy="201691"/>
+            <a:off x="6150003" y="4786314"/>
+            <a:ext cx="679420" cy="246378"/>
           </a:xfrm>
           <a:prstGeom prst="rightArrow">
             <a:avLst/>
@@ -6735,7 +9382,7 @@
           <a:lstStyle/>
           <a:p>
             <a:pPr algn="ctr"/>
-            <a:endParaRPr lang="en-US"/>
+            <a:endParaRPr lang="en-US" dirty="0"/>
           </a:p>
         </p:txBody>
       </p:sp>

--- a/source/MySEProject/Documentation/ML-22-23-15 Approve Prediction of Multisequence Learning .pptx
+++ b/source/MySEProject/Documentation/ML-22-23-15 Approve Prediction of Multisequence Learning .pptx
@@ -8163,7 +8163,7 @@
           </a:bodyPr>
           <a:lstStyle/>
           <a:p>
-            <a:endParaRPr lang="en-US"/>
+            <a:endParaRPr lang="en-US" dirty="0"/>
           </a:p>
         </p:txBody>
       </p:sp>
@@ -8820,7 +8820,7 @@
         </p:nvSpPr>
         <p:spPr>
           <a:xfrm>
-            <a:off x="563590" y="1800225"/>
+            <a:off x="527686" y="1549353"/>
             <a:ext cx="11123585" cy="4928605"/>
           </a:xfrm>
         </p:spPr>
@@ -8923,17 +8923,17 @@
             <a:pPr algn="ctr"/>
             <a:r>
               <a:rPr lang="en-US" dirty="0"/>
-              <a:t>Enter an Option to run multisequence</a:t>
-            </a:r>
-          </a:p>
-        </p:txBody>
-      </p:sp>
-      <p:sp>
-        <p:nvSpPr>
-          <p:cNvPr id="7" name="Diamond 6">
-            <a:extLst>
-              <a:ext uri="{FF2B5EF4-FFF2-40B4-BE49-F238E27FC236}">
-                <a16:creationId xmlns:a16="http://schemas.microsoft.com/office/drawing/2014/main" id="{8AF84960-DC45-1CE8-1E6E-1E6466D6DD9E}"/>
+              <a:t>Multi-Sequences  stored in the file</a:t>
+            </a:r>
+          </a:p>
+        </p:txBody>
+      </p:sp>
+      <p:sp>
+        <p:nvSpPr>
+          <p:cNvPr id="13" name="Rectangle 12">
+            <a:extLst>
+              <a:ext uri="{FF2B5EF4-FFF2-40B4-BE49-F238E27FC236}">
+                <a16:creationId xmlns:a16="http://schemas.microsoft.com/office/drawing/2014/main" id="{5A3EB07F-15B0-B1D8-01BF-94072B1EA615}"/>
               </a:ext>
             </a:extLst>
           </p:cNvPr>
@@ -8942,101 +8942,7 @@
         </p:nvSpPr>
         <p:spPr>
           <a:xfrm>
-            <a:off x="733613" y="4246839"/>
-            <a:ext cx="2657474" cy="1304215"/>
-          </a:xfrm>
-          <a:prstGeom prst="diamond">
-            <a:avLst/>
-          </a:prstGeom>
-        </p:spPr>
-        <p:style>
-          <a:lnRef idx="2">
-            <a:schemeClr val="accent6"/>
-          </a:lnRef>
-          <a:fillRef idx="1">
-            <a:schemeClr val="lt1"/>
-          </a:fillRef>
-          <a:effectRef idx="0">
-            <a:schemeClr val="accent6"/>
-          </a:effectRef>
-          <a:fontRef idx="minor">
-            <a:schemeClr val="dk1"/>
-          </a:fontRef>
-        </p:style>
-        <p:txBody>
-          <a:bodyPr rtlCol="0" anchor="ctr"/>
-          <a:lstStyle/>
-          <a:p>
-            <a:pPr algn="ctr"/>
-            <a:r>
-              <a:rPr lang="en-US" dirty="0"/>
-              <a:t> Sequences from the file</a:t>
-            </a:r>
-          </a:p>
-        </p:txBody>
-      </p:sp>
-      <p:sp>
-        <p:nvSpPr>
-          <p:cNvPr id="12" name="Rectangle 11">
-            <a:extLst>
-              <a:ext uri="{FF2B5EF4-FFF2-40B4-BE49-F238E27FC236}">
-                <a16:creationId xmlns:a16="http://schemas.microsoft.com/office/drawing/2014/main" id="{3019948E-00D5-D4C6-5E49-6407ECE469EC}"/>
-              </a:ext>
-            </a:extLst>
-          </p:cNvPr>
-          <p:cNvSpPr/>
-          <p:nvPr/>
-        </p:nvSpPr>
-        <p:spPr>
-          <a:xfrm>
-            <a:off x="4206903" y="4353456"/>
-            <a:ext cx="1943100" cy="956757"/>
-          </a:xfrm>
-          <a:prstGeom prst="rect">
-            <a:avLst/>
-          </a:prstGeom>
-        </p:spPr>
-        <p:style>
-          <a:lnRef idx="2">
-            <a:schemeClr val="accent6"/>
-          </a:lnRef>
-          <a:fillRef idx="1">
-            <a:schemeClr val="lt1"/>
-          </a:fillRef>
-          <a:effectRef idx="0">
-            <a:schemeClr val="accent6"/>
-          </a:effectRef>
-          <a:fontRef idx="minor">
-            <a:schemeClr val="dk1"/>
-          </a:fontRef>
-        </p:style>
-        <p:txBody>
-          <a:bodyPr rtlCol="0" anchor="ctr"/>
-          <a:lstStyle/>
-          <a:p>
-            <a:pPr algn="ctr"/>
-            <a:r>
-              <a:rPr lang="en-US" dirty="0"/>
-              <a:t>Multi-Sequence Numbers</a:t>
-            </a:r>
-          </a:p>
-        </p:txBody>
-      </p:sp>
-      <p:sp>
-        <p:nvSpPr>
-          <p:cNvPr id="13" name="Rectangle 12">
-            <a:extLst>
-              <a:ext uri="{FF2B5EF4-FFF2-40B4-BE49-F238E27FC236}">
-                <a16:creationId xmlns:a16="http://schemas.microsoft.com/office/drawing/2014/main" id="{5A3EB07F-15B0-B1D8-01BF-94072B1EA615}"/>
-              </a:ext>
-            </a:extLst>
-          </p:cNvPr>
-          <p:cNvSpPr/>
-          <p:nvPr/>
-        </p:nvSpPr>
-        <p:spPr>
-          <a:xfrm>
-            <a:off x="6829423" y="4353456"/>
+            <a:off x="1207294" y="4393648"/>
             <a:ext cx="1500187" cy="956757"/>
           </a:xfrm>
           <a:prstGeom prst="rect">
@@ -9083,7 +8989,7 @@
         </p:nvSpPr>
         <p:spPr>
           <a:xfrm>
-            <a:off x="8850254" y="4301078"/>
+            <a:off x="3709843" y="4387332"/>
             <a:ext cx="1943099" cy="970470"/>
           </a:xfrm>
           <a:prstGeom prst="parallelogram">
@@ -9111,7 +9017,7 @@
             <a:pPr algn="ctr"/>
             <a:r>
               <a:rPr lang="en-US" dirty="0"/>
-              <a:t>Enter input Data Sequences</a:t>
+              <a:t>Enter Test- Data Sequences</a:t>
             </a:r>
           </a:p>
         </p:txBody>
@@ -9130,7 +9036,7 @@
         </p:nvSpPr>
         <p:spPr>
           <a:xfrm>
-            <a:off x="8902020" y="5667587"/>
+            <a:off x="6304928" y="4496943"/>
             <a:ext cx="1839566" cy="792072"/>
           </a:xfrm>
           <a:prstGeom prst="roundRect">
@@ -9177,7 +9083,7 @@
         </p:nvSpPr>
         <p:spPr>
           <a:xfrm>
-            <a:off x="7063596" y="5819274"/>
+            <a:off x="8835099" y="4606692"/>
             <a:ext cx="1336647" cy="572574"/>
           </a:xfrm>
           <a:prstGeom prst="ellipse">
@@ -9268,8 +9174,8 @@
         </p:nvSpPr>
         <p:spPr>
           <a:xfrm>
-            <a:off x="2000250" y="3866666"/>
-            <a:ext cx="142876" cy="354294"/>
+            <a:off x="1923985" y="3889489"/>
+            <a:ext cx="223966" cy="478966"/>
           </a:xfrm>
           <a:prstGeom prst="downArrow">
             <a:avLst/>
@@ -9300,10 +9206,10 @@
       </p:sp>
       <p:sp>
         <p:nvSpPr>
-          <p:cNvPr id="20" name="Right Arrow 19">
-            <a:extLst>
-              <a:ext uri="{FF2B5EF4-FFF2-40B4-BE49-F238E27FC236}">
-                <a16:creationId xmlns:a16="http://schemas.microsoft.com/office/drawing/2014/main" id="{243B01DA-83B4-448B-550A-0D13F3E691F3}"/>
+          <p:cNvPr id="9" name="Right Arrow 8">
+            <a:extLst>
+              <a:ext uri="{FF2B5EF4-FFF2-40B4-BE49-F238E27FC236}">
+                <a16:creationId xmlns:a16="http://schemas.microsoft.com/office/drawing/2014/main" id="{56627477-6447-0E82-4ADF-1AA0C507CC8C}"/>
               </a:ext>
             </a:extLst>
           </p:cNvPr>
@@ -9312,8 +9218,8 @@
         </p:nvSpPr>
         <p:spPr>
           <a:xfrm>
-            <a:off x="3446529" y="4786313"/>
-            <a:ext cx="760373" cy="199191"/>
+            <a:off x="2707481" y="4769708"/>
+            <a:ext cx="1086043" cy="197708"/>
           </a:xfrm>
           <a:prstGeom prst="rightArrow">
             <a:avLst/>
@@ -9344,10 +9250,10 @@
       </p:sp>
       <p:sp>
         <p:nvSpPr>
-          <p:cNvPr id="22" name="Right Arrow 21">
-            <a:extLst>
-              <a:ext uri="{FF2B5EF4-FFF2-40B4-BE49-F238E27FC236}">
-                <a16:creationId xmlns:a16="http://schemas.microsoft.com/office/drawing/2014/main" id="{0985FECF-DE04-1750-99CB-D732AFD15C56}"/>
+          <p:cNvPr id="11" name="Right Arrow 10">
+            <a:extLst>
+              <a:ext uri="{FF2B5EF4-FFF2-40B4-BE49-F238E27FC236}">
+                <a16:creationId xmlns:a16="http://schemas.microsoft.com/office/drawing/2014/main" id="{3410A266-B8BB-EE85-EA3D-1FF97F82D2ED}"/>
               </a:ext>
             </a:extLst>
           </p:cNvPr>
@@ -9356,8 +9262,8 @@
         </p:nvSpPr>
         <p:spPr>
           <a:xfrm>
-            <a:off x="6150003" y="4786314"/>
-            <a:ext cx="679420" cy="246378"/>
+            <a:off x="5569890" y="4818543"/>
+            <a:ext cx="705327" cy="148873"/>
           </a:xfrm>
           <a:prstGeom prst="rightArrow">
             <a:avLst/>
@@ -9382,16 +9288,16 @@
           <a:lstStyle/>
           <a:p>
             <a:pPr algn="ctr"/>
-            <a:endParaRPr lang="en-US" dirty="0"/>
-          </a:p>
-        </p:txBody>
-      </p:sp>
-      <p:sp>
-        <p:nvSpPr>
-          <p:cNvPr id="23" name="Right Arrow 22">
-            <a:extLst>
-              <a:ext uri="{FF2B5EF4-FFF2-40B4-BE49-F238E27FC236}">
-                <a16:creationId xmlns:a16="http://schemas.microsoft.com/office/drawing/2014/main" id="{A0A7EE86-6E51-9825-163D-400BC5DA7136}"/>
+            <a:endParaRPr lang="en-US"/>
+          </a:p>
+        </p:txBody>
+      </p:sp>
+      <p:sp>
+        <p:nvSpPr>
+          <p:cNvPr id="21" name="Right Arrow 20">
+            <a:extLst>
+              <a:ext uri="{FF2B5EF4-FFF2-40B4-BE49-F238E27FC236}">
+                <a16:creationId xmlns:a16="http://schemas.microsoft.com/office/drawing/2014/main" id="{E362A932-2CCA-A85C-382B-9920ECA90B48}"/>
               </a:ext>
             </a:extLst>
           </p:cNvPr>
@@ -9400,98 +9306,10 @@
         </p:nvSpPr>
         <p:spPr>
           <a:xfrm>
-            <a:off x="8329610" y="4786313"/>
-            <a:ext cx="572410" cy="199191"/>
+            <a:off x="8144494" y="4818543"/>
+            <a:ext cx="641160" cy="148873"/>
           </a:xfrm>
           <a:prstGeom prst="rightArrow">
-            <a:avLst/>
-          </a:prstGeom>
-        </p:spPr>
-        <p:style>
-          <a:lnRef idx="2">
-            <a:schemeClr val="accent6"/>
-          </a:lnRef>
-          <a:fillRef idx="1">
-            <a:schemeClr val="lt1"/>
-          </a:fillRef>
-          <a:effectRef idx="0">
-            <a:schemeClr val="accent6"/>
-          </a:effectRef>
-          <a:fontRef idx="minor">
-            <a:schemeClr val="dk1"/>
-          </a:fontRef>
-        </p:style>
-        <p:txBody>
-          <a:bodyPr rtlCol="0" anchor="ctr"/>
-          <a:lstStyle/>
-          <a:p>
-            <a:pPr algn="ctr"/>
-            <a:endParaRPr lang="en-US"/>
-          </a:p>
-        </p:txBody>
-      </p:sp>
-      <p:sp>
-        <p:nvSpPr>
-          <p:cNvPr id="24" name="Down Arrow 23">
-            <a:extLst>
-              <a:ext uri="{FF2B5EF4-FFF2-40B4-BE49-F238E27FC236}">
-                <a16:creationId xmlns:a16="http://schemas.microsoft.com/office/drawing/2014/main" id="{8F5C5CB4-3F19-8368-5CCB-E6AFB6A457EE}"/>
-              </a:ext>
-            </a:extLst>
-          </p:cNvPr>
-          <p:cNvSpPr/>
-          <p:nvPr/>
-        </p:nvSpPr>
-        <p:spPr>
-          <a:xfrm>
-            <a:off x="9644063" y="5271548"/>
-            <a:ext cx="177740" cy="396039"/>
-          </a:xfrm>
-          <a:prstGeom prst="downArrow">
-            <a:avLst/>
-          </a:prstGeom>
-        </p:spPr>
-        <p:style>
-          <a:lnRef idx="2">
-            <a:schemeClr val="accent6"/>
-          </a:lnRef>
-          <a:fillRef idx="1">
-            <a:schemeClr val="lt1"/>
-          </a:fillRef>
-          <a:effectRef idx="0">
-            <a:schemeClr val="accent6"/>
-          </a:effectRef>
-          <a:fontRef idx="minor">
-            <a:schemeClr val="dk1"/>
-          </a:fontRef>
-        </p:style>
-        <p:txBody>
-          <a:bodyPr rtlCol="0" anchor="ctr"/>
-          <a:lstStyle/>
-          <a:p>
-            <a:pPr algn="ctr"/>
-            <a:endParaRPr lang="en-US"/>
-          </a:p>
-        </p:txBody>
-      </p:sp>
-      <p:sp>
-        <p:nvSpPr>
-          <p:cNvPr id="25" name="Left Arrow 24">
-            <a:extLst>
-              <a:ext uri="{FF2B5EF4-FFF2-40B4-BE49-F238E27FC236}">
-                <a16:creationId xmlns:a16="http://schemas.microsoft.com/office/drawing/2014/main" id="{7C12F5D7-9856-3E45-FB35-2F1A63B0C89A}"/>
-              </a:ext>
-            </a:extLst>
-          </p:cNvPr>
-          <p:cNvSpPr/>
-          <p:nvPr/>
-        </p:nvSpPr>
-        <p:spPr>
-          <a:xfrm>
-            <a:off x="8400243" y="5987299"/>
-            <a:ext cx="501777" cy="199190"/>
-          </a:xfrm>
-          <a:prstGeom prst="leftArrow">
             <a:avLst/>
           </a:prstGeom>
         </p:spPr>

--- a/source/MySEProject/Documentation/ML-22-23-15 Approve Prediction of Multisequence Learning .pptx
+++ b/source/MySEProject/Documentation/ML-22-23-15 Approve Prediction of Multisequence Learning .pptx
@@ -4,6 +4,9 @@
   <p:sldMasterIdLst>
     <p:sldMasterId id="2147483801" r:id="rId1"/>
   </p:sldMasterIdLst>
+  <p:notesMasterIdLst>
+    <p:notesMasterId r:id="rId12"/>
+  </p:notesMasterIdLst>
   <p:sldIdLst>
     <p:sldId id="256" r:id="rId2"/>
     <p:sldId id="257" r:id="rId3"/>
@@ -2740,6 +2743,440 @@
 </dgm:styleDef>
 </file>
 
+<file path=ppt/notesMasters/notesMaster1.xml><?xml version="1.0" encoding="utf-8"?>
+<p:notesMaster xmlns:a="http://schemas.openxmlformats.org/drawingml/2006/main" xmlns:r="http://schemas.openxmlformats.org/officeDocument/2006/relationships" xmlns:p="http://schemas.openxmlformats.org/presentationml/2006/main">
+  <p:cSld>
+    <p:bg>
+      <p:bgRef idx="1001">
+        <a:schemeClr val="bg1"/>
+      </p:bgRef>
+    </p:bg>
+    <p:spTree>
+      <p:nvGrpSpPr>
+        <p:cNvPr id="1" name=""/>
+        <p:cNvGrpSpPr/>
+        <p:nvPr/>
+      </p:nvGrpSpPr>
+      <p:grpSpPr>
+        <a:xfrm>
+          <a:off x="0" y="0"/>
+          <a:ext cx="0" cy="0"/>
+          <a:chOff x="0" y="0"/>
+          <a:chExt cx="0" cy="0"/>
+        </a:xfrm>
+      </p:grpSpPr>
+      <p:sp>
+        <p:nvSpPr>
+          <p:cNvPr id="2" name="Header Placeholder 1"/>
+          <p:cNvSpPr>
+            <a:spLocks noGrp="1"/>
+          </p:cNvSpPr>
+          <p:nvPr>
+            <p:ph type="hdr" sz="quarter"/>
+          </p:nvPr>
+        </p:nvSpPr>
+        <p:spPr>
+          <a:xfrm>
+            <a:off x="0" y="0"/>
+            <a:ext cx="2971800" cy="458788"/>
+          </a:xfrm>
+          <a:prstGeom prst="rect">
+            <a:avLst/>
+          </a:prstGeom>
+        </p:spPr>
+        <p:txBody>
+          <a:bodyPr vert="horz" lIns="91440" tIns="45720" rIns="91440" bIns="45720" rtlCol="0"/>
+          <a:lstStyle>
+            <a:lvl1pPr algn="l">
+              <a:defRPr sz="1200"/>
+            </a:lvl1pPr>
+          </a:lstStyle>
+          <a:p>
+            <a:endParaRPr lang="en-US"/>
+          </a:p>
+        </p:txBody>
+      </p:sp>
+      <p:sp>
+        <p:nvSpPr>
+          <p:cNvPr id="3" name="Date Placeholder 2"/>
+          <p:cNvSpPr>
+            <a:spLocks noGrp="1"/>
+          </p:cNvSpPr>
+          <p:nvPr>
+            <p:ph type="dt" idx="1"/>
+          </p:nvPr>
+        </p:nvSpPr>
+        <p:spPr>
+          <a:xfrm>
+            <a:off x="3884613" y="0"/>
+            <a:ext cx="2971800" cy="458788"/>
+          </a:xfrm>
+          <a:prstGeom prst="rect">
+            <a:avLst/>
+          </a:prstGeom>
+        </p:spPr>
+        <p:txBody>
+          <a:bodyPr vert="horz" lIns="91440" tIns="45720" rIns="91440" bIns="45720" rtlCol="0"/>
+          <a:lstStyle>
+            <a:lvl1pPr algn="r">
+              <a:defRPr sz="1200"/>
+            </a:lvl1pPr>
+          </a:lstStyle>
+          <a:p>
+            <a:fld id="{5B041F66-0B57-9A48-9465-56FFF332D349}" type="datetimeFigureOut">
+              <a:rPr lang="en-US" smtClean="0"/>
+              <a:t>3/24/23</a:t>
+            </a:fld>
+            <a:endParaRPr lang="en-US"/>
+          </a:p>
+        </p:txBody>
+      </p:sp>
+      <p:sp>
+        <p:nvSpPr>
+          <p:cNvPr id="4" name="Slide Image Placeholder 3"/>
+          <p:cNvSpPr>
+            <a:spLocks noGrp="1" noRot="1" noChangeAspect="1"/>
+          </p:cNvSpPr>
+          <p:nvPr>
+            <p:ph type="sldImg" idx="2"/>
+          </p:nvPr>
+        </p:nvSpPr>
+        <p:spPr>
+          <a:xfrm>
+            <a:off x="685800" y="1143000"/>
+            <a:ext cx="5486400" cy="3086100"/>
+          </a:xfrm>
+          <a:prstGeom prst="rect">
+            <a:avLst/>
+          </a:prstGeom>
+          <a:noFill/>
+          <a:ln w="12700">
+            <a:solidFill>
+              <a:prstClr val="black"/>
+            </a:solidFill>
+          </a:ln>
+        </p:spPr>
+        <p:txBody>
+          <a:bodyPr vert="horz" lIns="91440" tIns="45720" rIns="91440" bIns="45720" rtlCol="0" anchor="ctr"/>
+          <a:lstStyle/>
+          <a:p>
+            <a:endParaRPr lang="en-US"/>
+          </a:p>
+        </p:txBody>
+      </p:sp>
+      <p:sp>
+        <p:nvSpPr>
+          <p:cNvPr id="5" name="Notes Placeholder 4"/>
+          <p:cNvSpPr>
+            <a:spLocks noGrp="1"/>
+          </p:cNvSpPr>
+          <p:nvPr>
+            <p:ph type="body" sz="quarter" idx="3"/>
+          </p:nvPr>
+        </p:nvSpPr>
+        <p:spPr>
+          <a:xfrm>
+            <a:off x="685800" y="4400550"/>
+            <a:ext cx="5486400" cy="3600450"/>
+          </a:xfrm>
+          <a:prstGeom prst="rect">
+            <a:avLst/>
+          </a:prstGeom>
+        </p:spPr>
+        <p:txBody>
+          <a:bodyPr vert="horz" lIns="91440" tIns="45720" rIns="91440" bIns="45720" rtlCol="0"/>
+          <a:lstStyle/>
+          <a:p>
+            <a:pPr lvl="0"/>
+            <a:r>
+              <a:rPr lang="en-GB"/>
+              <a:t>Click to edit Master text styles</a:t>
+            </a:r>
+          </a:p>
+          <a:p>
+            <a:pPr lvl="1"/>
+            <a:r>
+              <a:rPr lang="en-GB"/>
+              <a:t>Second level</a:t>
+            </a:r>
+          </a:p>
+          <a:p>
+            <a:pPr lvl="2"/>
+            <a:r>
+              <a:rPr lang="en-GB"/>
+              <a:t>Third level</a:t>
+            </a:r>
+          </a:p>
+          <a:p>
+            <a:pPr lvl="3"/>
+            <a:r>
+              <a:rPr lang="en-GB"/>
+              <a:t>Fourth level</a:t>
+            </a:r>
+          </a:p>
+          <a:p>
+            <a:pPr lvl="4"/>
+            <a:r>
+              <a:rPr lang="en-GB"/>
+              <a:t>Fifth level</a:t>
+            </a:r>
+            <a:endParaRPr lang="en-US"/>
+          </a:p>
+        </p:txBody>
+      </p:sp>
+      <p:sp>
+        <p:nvSpPr>
+          <p:cNvPr id="6" name="Footer Placeholder 5"/>
+          <p:cNvSpPr>
+            <a:spLocks noGrp="1"/>
+          </p:cNvSpPr>
+          <p:nvPr>
+            <p:ph type="ftr" sz="quarter" idx="4"/>
+          </p:nvPr>
+        </p:nvSpPr>
+        <p:spPr>
+          <a:xfrm>
+            <a:off x="0" y="8685213"/>
+            <a:ext cx="2971800" cy="458787"/>
+          </a:xfrm>
+          <a:prstGeom prst="rect">
+            <a:avLst/>
+          </a:prstGeom>
+        </p:spPr>
+        <p:txBody>
+          <a:bodyPr vert="horz" lIns="91440" tIns="45720" rIns="91440" bIns="45720" rtlCol="0" anchor="b"/>
+          <a:lstStyle>
+            <a:lvl1pPr algn="l">
+              <a:defRPr sz="1200"/>
+            </a:lvl1pPr>
+          </a:lstStyle>
+          <a:p>
+            <a:endParaRPr lang="en-US"/>
+          </a:p>
+        </p:txBody>
+      </p:sp>
+      <p:sp>
+        <p:nvSpPr>
+          <p:cNvPr id="7" name="Slide Number Placeholder 6"/>
+          <p:cNvSpPr>
+            <a:spLocks noGrp="1"/>
+          </p:cNvSpPr>
+          <p:nvPr>
+            <p:ph type="sldNum" sz="quarter" idx="5"/>
+          </p:nvPr>
+        </p:nvSpPr>
+        <p:spPr>
+          <a:xfrm>
+            <a:off x="3884613" y="8685213"/>
+            <a:ext cx="2971800" cy="458787"/>
+          </a:xfrm>
+          <a:prstGeom prst="rect">
+            <a:avLst/>
+          </a:prstGeom>
+        </p:spPr>
+        <p:txBody>
+          <a:bodyPr vert="horz" lIns="91440" tIns="45720" rIns="91440" bIns="45720" rtlCol="0" anchor="b"/>
+          <a:lstStyle>
+            <a:lvl1pPr algn="r">
+              <a:defRPr sz="1200"/>
+            </a:lvl1pPr>
+          </a:lstStyle>
+          <a:p>
+            <a:fld id="{D56D2FAD-631C-5746-91DF-93E9136ACDC1}" type="slidenum">
+              <a:rPr lang="en-US" smtClean="0"/>
+              <a:t>‹#›</a:t>
+            </a:fld>
+            <a:endParaRPr lang="en-US"/>
+          </a:p>
+        </p:txBody>
+      </p:sp>
+    </p:spTree>
+    <p:extLst>
+      <p:ext uri="{BB962C8B-B14F-4D97-AF65-F5344CB8AC3E}">
+        <p14:creationId xmlns:p14="http://schemas.microsoft.com/office/powerpoint/2010/main" val="825734452"/>
+      </p:ext>
+    </p:extLst>
+  </p:cSld>
+  <p:clrMap bg1="lt1" tx1="dk1" bg2="lt2" tx2="dk2" accent1="accent1" accent2="accent2" accent3="accent3" accent4="accent4" accent5="accent5" accent6="accent6" hlink="hlink" folHlink="folHlink"/>
+  <p:notesStyle>
+    <a:lvl1pPr marL="0" algn="l" defTabSz="914400" rtl="0" eaLnBrk="1" latinLnBrk="0" hangingPunct="1">
+      <a:defRPr sz="1200" kern="1200">
+        <a:solidFill>
+          <a:schemeClr val="tx1"/>
+        </a:solidFill>
+        <a:latin typeface="+mn-lt"/>
+        <a:ea typeface="+mn-ea"/>
+        <a:cs typeface="+mn-cs"/>
+      </a:defRPr>
+    </a:lvl1pPr>
+    <a:lvl2pPr marL="457200" algn="l" defTabSz="914400" rtl="0" eaLnBrk="1" latinLnBrk="0" hangingPunct="1">
+      <a:defRPr sz="1200" kern="1200">
+        <a:solidFill>
+          <a:schemeClr val="tx1"/>
+        </a:solidFill>
+        <a:latin typeface="+mn-lt"/>
+        <a:ea typeface="+mn-ea"/>
+        <a:cs typeface="+mn-cs"/>
+      </a:defRPr>
+    </a:lvl2pPr>
+    <a:lvl3pPr marL="914400" algn="l" defTabSz="914400" rtl="0" eaLnBrk="1" latinLnBrk="0" hangingPunct="1">
+      <a:defRPr sz="1200" kern="1200">
+        <a:solidFill>
+          <a:schemeClr val="tx1"/>
+        </a:solidFill>
+        <a:latin typeface="+mn-lt"/>
+        <a:ea typeface="+mn-ea"/>
+        <a:cs typeface="+mn-cs"/>
+      </a:defRPr>
+    </a:lvl3pPr>
+    <a:lvl4pPr marL="1371600" algn="l" defTabSz="914400" rtl="0" eaLnBrk="1" latinLnBrk="0" hangingPunct="1">
+      <a:defRPr sz="1200" kern="1200">
+        <a:solidFill>
+          <a:schemeClr val="tx1"/>
+        </a:solidFill>
+        <a:latin typeface="+mn-lt"/>
+        <a:ea typeface="+mn-ea"/>
+        <a:cs typeface="+mn-cs"/>
+      </a:defRPr>
+    </a:lvl4pPr>
+    <a:lvl5pPr marL="1828800" algn="l" defTabSz="914400" rtl="0" eaLnBrk="1" latinLnBrk="0" hangingPunct="1">
+      <a:defRPr sz="1200" kern="1200">
+        <a:solidFill>
+          <a:schemeClr val="tx1"/>
+        </a:solidFill>
+        <a:latin typeface="+mn-lt"/>
+        <a:ea typeface="+mn-ea"/>
+        <a:cs typeface="+mn-cs"/>
+      </a:defRPr>
+    </a:lvl5pPr>
+    <a:lvl6pPr marL="2286000" algn="l" defTabSz="914400" rtl="0" eaLnBrk="1" latinLnBrk="0" hangingPunct="1">
+      <a:defRPr sz="1200" kern="1200">
+        <a:solidFill>
+          <a:schemeClr val="tx1"/>
+        </a:solidFill>
+        <a:latin typeface="+mn-lt"/>
+        <a:ea typeface="+mn-ea"/>
+        <a:cs typeface="+mn-cs"/>
+      </a:defRPr>
+    </a:lvl6pPr>
+    <a:lvl7pPr marL="2743200" algn="l" defTabSz="914400" rtl="0" eaLnBrk="1" latinLnBrk="0" hangingPunct="1">
+      <a:defRPr sz="1200" kern="1200">
+        <a:solidFill>
+          <a:schemeClr val="tx1"/>
+        </a:solidFill>
+        <a:latin typeface="+mn-lt"/>
+        <a:ea typeface="+mn-ea"/>
+        <a:cs typeface="+mn-cs"/>
+      </a:defRPr>
+    </a:lvl7pPr>
+    <a:lvl8pPr marL="3200400" algn="l" defTabSz="914400" rtl="0" eaLnBrk="1" latinLnBrk="0" hangingPunct="1">
+      <a:defRPr sz="1200" kern="1200">
+        <a:solidFill>
+          <a:schemeClr val="tx1"/>
+        </a:solidFill>
+        <a:latin typeface="+mn-lt"/>
+        <a:ea typeface="+mn-ea"/>
+        <a:cs typeface="+mn-cs"/>
+      </a:defRPr>
+    </a:lvl8pPr>
+    <a:lvl9pPr marL="3657600" algn="l" defTabSz="914400" rtl="0" eaLnBrk="1" latinLnBrk="0" hangingPunct="1">
+      <a:defRPr sz="1200" kern="1200">
+        <a:solidFill>
+          <a:schemeClr val="tx1"/>
+        </a:solidFill>
+        <a:latin typeface="+mn-lt"/>
+        <a:ea typeface="+mn-ea"/>
+        <a:cs typeface="+mn-cs"/>
+      </a:defRPr>
+    </a:lvl9pPr>
+  </p:notesStyle>
+</p:notesMaster>
+</file>
+
+<file path=ppt/notesSlides/notesSlide1.xml><?xml version="1.0" encoding="utf-8"?>
+<p:notes xmlns:a="http://schemas.openxmlformats.org/drawingml/2006/main" xmlns:r="http://schemas.openxmlformats.org/officeDocument/2006/relationships" xmlns:p="http://schemas.openxmlformats.org/presentationml/2006/main">
+  <p:cSld>
+    <p:spTree>
+      <p:nvGrpSpPr>
+        <p:cNvPr id="1" name=""/>
+        <p:cNvGrpSpPr/>
+        <p:nvPr/>
+      </p:nvGrpSpPr>
+      <p:grpSpPr>
+        <a:xfrm>
+          <a:off x="0" y="0"/>
+          <a:ext cx="0" cy="0"/>
+          <a:chOff x="0" y="0"/>
+          <a:chExt cx="0" cy="0"/>
+        </a:xfrm>
+      </p:grpSpPr>
+      <p:sp>
+        <p:nvSpPr>
+          <p:cNvPr id="2" name="Slide Image Placeholder 1"/>
+          <p:cNvSpPr>
+            <a:spLocks noGrp="1" noRot="1" noChangeAspect="1"/>
+          </p:cNvSpPr>
+          <p:nvPr>
+            <p:ph type="sldImg"/>
+          </p:nvPr>
+        </p:nvSpPr>
+        <p:spPr/>
+      </p:sp>
+      <p:sp>
+        <p:nvSpPr>
+          <p:cNvPr id="3" name="Notes Placeholder 2"/>
+          <p:cNvSpPr>
+            <a:spLocks noGrp="1"/>
+          </p:cNvSpPr>
+          <p:nvPr>
+            <p:ph type="body" idx="1"/>
+          </p:nvPr>
+        </p:nvSpPr>
+        <p:spPr/>
+        <p:txBody>
+          <a:bodyPr/>
+          <a:lstStyle/>
+          <a:p>
+            <a:endParaRPr lang="en-US" dirty="0"/>
+          </a:p>
+        </p:txBody>
+      </p:sp>
+      <p:sp>
+        <p:nvSpPr>
+          <p:cNvPr id="4" name="Slide Number Placeholder 3"/>
+          <p:cNvSpPr>
+            <a:spLocks noGrp="1"/>
+          </p:cNvSpPr>
+          <p:nvPr>
+            <p:ph type="sldNum" sz="quarter" idx="5"/>
+          </p:nvPr>
+        </p:nvSpPr>
+        <p:spPr/>
+        <p:txBody>
+          <a:bodyPr/>
+          <a:lstStyle/>
+          <a:p>
+            <a:fld id="{D56D2FAD-631C-5746-91DF-93E9136ACDC1}" type="slidenum">
+              <a:rPr lang="en-US" smtClean="0"/>
+              <a:t>2</a:t>
+            </a:fld>
+            <a:endParaRPr lang="en-US"/>
+          </a:p>
+        </p:txBody>
+      </p:sp>
+    </p:spTree>
+    <p:extLst>
+      <p:ext uri="{BB962C8B-B14F-4D97-AF65-F5344CB8AC3E}">
+        <p14:creationId xmlns:p14="http://schemas.microsoft.com/office/powerpoint/2010/main" val="765251114"/>
+      </p:ext>
+    </p:extLst>
+  </p:cSld>
+  <p:clrMapOvr>
+    <a:masterClrMapping/>
+  </p:clrMapOvr>
+</p:notes>
+</file>
+
 <file path=ppt/slideLayouts/slideLayout1.xml><?xml version="1.0" encoding="utf-8"?>
 <p:sldLayout xmlns:a="http://schemas.openxmlformats.org/drawingml/2006/main" xmlns:r="http://schemas.openxmlformats.org/officeDocument/2006/relationships" xmlns:p="http://schemas.openxmlformats.org/presentationml/2006/main" type="title" preserve="1">
   <p:cSld name="Title Slide">
@@ -2896,7 +3333,7 @@
           <a:p>
             <a:fld id="{5E7AA473-D82F-4EFF-9DF7-AE6D83C51288}" type="datetime1">
               <a:rPr lang="en-US" smtClean="0"/>
-              <a:t>3/19/23</a:t>
+              <a:t>3/24/23</a:t>
             </a:fld>
             <a:endParaRPr lang="en-US"/>
           </a:p>
@@ -3150,7 +3587,7 @@
           <a:p>
             <a:fld id="{1E12F1F0-FE2D-4C1C-B320-8CB9BE735F0F}" type="datetime1">
               <a:rPr lang="en-US" smtClean="0"/>
-              <a:t>3/19/23</a:t>
+              <a:t>3/24/23</a:t>
             </a:fld>
             <a:endParaRPr lang="en-US"/>
           </a:p>
@@ -3418,7 +3855,7 @@
           <a:p>
             <a:fld id="{2CF1B96C-10FD-4EBC-9029-9652B7535D02}" type="datetime1">
               <a:rPr lang="en-US" smtClean="0"/>
-              <a:t>3/19/23</a:t>
+              <a:t>3/24/23</a:t>
             </a:fld>
             <a:endParaRPr lang="en-US"/>
           </a:p>
@@ -3672,7 +4109,7 @@
           <a:p>
             <a:fld id="{14878474-CC00-4A95-9D50-A41C12D1EEC4}" type="datetime1">
               <a:rPr lang="en-US" smtClean="0"/>
-              <a:t>3/19/23</a:t>
+              <a:t>3/24/23</a:t>
             </a:fld>
             <a:endParaRPr lang="en-US"/>
           </a:p>
@@ -3950,7 +4387,7 @@
           <a:p>
             <a:fld id="{7F38C8B4-7FBB-408F-BDB9-F0496874AFB2}" type="datetime1">
               <a:rPr lang="en-US" smtClean="0"/>
-              <a:t>3/19/23</a:t>
+              <a:t>3/24/23</a:t>
             </a:fld>
             <a:endParaRPr lang="en-US"/>
           </a:p>
@@ -4222,7 +4659,7 @@
           <a:p>
             <a:fld id="{2BB8EE20-A5E2-47D3-8F6D-A2BA7AB2E093}" type="datetime1">
               <a:rPr lang="en-US" smtClean="0"/>
-              <a:t>3/19/23</a:t>
+              <a:t>3/24/23</a:t>
             </a:fld>
             <a:endParaRPr lang="en-US"/>
           </a:p>
@@ -4780,7 +5217,7 @@
           <a:p>
             <a:fld id="{3382CF99-132F-413F-B7EF-71A5C33F2ED6}" type="datetime1">
               <a:rPr lang="en-US" smtClean="0"/>
-              <a:t>3/19/23</a:t>
+              <a:t>3/24/23</a:t>
             </a:fld>
             <a:endParaRPr lang="en-US"/>
           </a:p>
@@ -4922,7 +5359,7 @@
           <a:p>
             <a:fld id="{1F17AE06-98E0-4D9F-A059-92C3548821BB}" type="datetime1">
               <a:rPr lang="en-US" smtClean="0"/>
-              <a:t>3/19/23</a:t>
+              <a:t>3/24/23</a:t>
             </a:fld>
             <a:endParaRPr lang="en-US"/>
           </a:p>
@@ -5035,7 +5472,7 @@
           <a:p>
             <a:fld id="{FFBA00CA-3DDC-4705-B840-978EF5EA0707}" type="datetime1">
               <a:rPr lang="en-US" smtClean="0"/>
-              <a:t>3/19/23</a:t>
+              <a:t>3/24/23</a:t>
             </a:fld>
             <a:endParaRPr lang="en-US"/>
           </a:p>
@@ -5354,7 +5791,7 @@
           <a:p>
             <a:fld id="{FC366D49-0BBA-4C5A-AD96-6448CA63451A}" type="datetime1">
               <a:rPr lang="en-US" smtClean="0"/>
-              <a:t>3/19/23</a:t>
+              <a:t>3/24/23</a:t>
             </a:fld>
             <a:endParaRPr lang="en-US"/>
           </a:p>
@@ -5651,7 +6088,7 @@
           <a:p>
             <a:fld id="{4F4EB293-A316-472D-A8B4-6947CF1A12B7}" type="datetime1">
               <a:rPr lang="en-US" smtClean="0"/>
-              <a:t>3/19/23</a:t>
+              <a:t>3/24/23</a:t>
             </a:fld>
             <a:endParaRPr lang="en-US"/>
           </a:p>
@@ -5930,7 +6367,7 @@
           <a:p>
             <a:fld id="{734BCCD4-CEB1-405B-A443-DD9CBCBEA552}" type="datetime1">
               <a:rPr lang="en-US" smtClean="0"/>
-              <a:t>3/19/23</a:t>
+              <a:t>3/24/23</a:t>
             </a:fld>
             <a:endParaRPr lang="en-US"/>
           </a:p>
@@ -7182,7 +7619,7 @@
         <p:spPr>
           <a:xfrm>
             <a:off x="517868" y="976160"/>
-            <a:ext cx="10112031" cy="1052665"/>
+            <a:ext cx="8732521" cy="1052665"/>
           </a:xfrm>
         </p:spPr>
         <p:txBody>
@@ -7283,7 +7720,7 @@
         <p:spPr>
           <a:xfrm>
             <a:off x="517869" y="2557849"/>
-            <a:ext cx="8686799" cy="3631015"/>
+            <a:ext cx="8732520" cy="3631015"/>
           </a:xfrm>
         </p:spPr>
         <p:txBody>
@@ -7292,6 +7729,7 @@
           </a:bodyPr>
           <a:lstStyle/>
           <a:p>
+            <a:pPr algn="just"/>
             <a:r>
               <a:rPr lang="en-US" dirty="0">
                 <a:solidFill>
@@ -7325,15 +7763,17 @@
             </a:endParaRPr>
           </a:p>
           <a:p>
+            <a:pPr algn="just"/>
             <a:endParaRPr lang="en-US" dirty="0"/>
           </a:p>
           <a:p>
+            <a:pPr algn="just"/>
             <a:r>
               <a:rPr lang="en-US" dirty="0">
                 <a:latin typeface="Arial" panose="020B0604020202020204" pitchFamily="34" charset="0"/>
                 <a:cs typeface="Arial" panose="020B0604020202020204" pitchFamily="34" charset="0"/>
               </a:rPr>
-              <a:t>Our Main aim is to Implement a new approach should automatically read and learn learning sequences from a file. The sample should read testing subsequences from a different file, when learning is complete the trained model should determine the prediction accuracy of the sequence.</a:t>
+              <a:t>Our Main aim is to Implement a new approach is it should automatically read and learn learning sequences from a file. The sample should read testing subsequences from a different file, when learning is complete the trained model should determine the percentage of prediction accuracy of the sequence and store it into the file</a:t>
             </a:r>
           </a:p>
         </p:txBody>
@@ -7865,7 +8305,7 @@
           </a:bodyPr>
           <a:lstStyle/>
           <a:p>
-            <a:pPr marL="342900" indent="-342900">
+            <a:pPr marL="342900" indent="-342900" algn="just">
               <a:buFont typeface="Arial" panose="020B0604020202020204" pitchFamily="34" charset="0"/>
               <a:buChar char="•"/>
             </a:pPr>
@@ -7878,7 +8318,7 @@
             </a:r>
           </a:p>
           <a:p>
-            <a:pPr marL="342900" indent="-342900">
+            <a:pPr marL="342900" indent="-342900" algn="just">
               <a:buFont typeface="Arial" panose="020B0604020202020204" pitchFamily="34" charset="0"/>
               <a:buChar char="•"/>
             </a:pPr>
@@ -7891,7 +8331,7 @@
             </a:r>
           </a:p>
           <a:p>
-            <a:pPr marL="342900" indent="-342900">
+            <a:pPr marL="342900" indent="-342900" algn="just">
               <a:buFont typeface="Arial" panose="020B0604020202020204" pitchFamily="34" charset="0"/>
               <a:buChar char="•"/>
             </a:pPr>
@@ -7918,7 +8358,7 @@
             </a:r>
           </a:p>
           <a:p>
-            <a:pPr marL="342900" indent="-342900">
+            <a:pPr marL="342900" indent="-342900" algn="just">
               <a:buFont typeface="Arial" panose="020B0604020202020204" pitchFamily="34" charset="0"/>
               <a:buChar char="•"/>
             </a:pPr>
@@ -8824,6 +9264,20 @@
             <a:ext cx="11123585" cy="4928605"/>
           </a:xfrm>
         </p:spPr>
+        <p:style>
+          <a:lnRef idx="2">
+            <a:schemeClr val="accent6"/>
+          </a:lnRef>
+          <a:fillRef idx="1">
+            <a:schemeClr val="lt1"/>
+          </a:fillRef>
+          <a:effectRef idx="0">
+            <a:schemeClr val="accent6"/>
+          </a:effectRef>
+          <a:fontRef idx="minor">
+            <a:schemeClr val="dk1"/>
+          </a:fontRef>
+        </p:style>
         <p:txBody>
           <a:bodyPr>
             <a:normAutofit/>
@@ -8848,8 +9302,8 @@
         </p:nvSpPr>
         <p:spPr>
           <a:xfrm>
-            <a:off x="1393031" y="2121115"/>
-            <a:ext cx="1285875" cy="537157"/>
+            <a:off x="1068041" y="1998389"/>
+            <a:ext cx="1746598" cy="659884"/>
           </a:xfrm>
           <a:prstGeom prst="ellipse">
             <a:avLst/>
@@ -8877,147 +9331,6 @@
             <a:r>
               <a:rPr lang="en-US" dirty="0"/>
               <a:t>start</a:t>
-            </a:r>
-          </a:p>
-        </p:txBody>
-      </p:sp>
-      <p:sp>
-        <p:nvSpPr>
-          <p:cNvPr id="6" name="Parallelogram 5">
-            <a:extLst>
-              <a:ext uri="{FF2B5EF4-FFF2-40B4-BE49-F238E27FC236}">
-                <a16:creationId xmlns:a16="http://schemas.microsoft.com/office/drawing/2014/main" id="{808396EC-C0E3-2F2A-CE91-1BD9B7EE2C57}"/>
-              </a:ext>
-            </a:extLst>
-          </p:cNvPr>
-          <p:cNvSpPr/>
-          <p:nvPr/>
-        </p:nvSpPr>
-        <p:spPr>
-          <a:xfrm>
-            <a:off x="757239" y="3091469"/>
-            <a:ext cx="2771774" cy="772827"/>
-          </a:xfrm>
-          <a:prstGeom prst="parallelogram">
-            <a:avLst/>
-          </a:prstGeom>
-        </p:spPr>
-        <p:style>
-          <a:lnRef idx="2">
-            <a:schemeClr val="accent6"/>
-          </a:lnRef>
-          <a:fillRef idx="1">
-            <a:schemeClr val="lt1"/>
-          </a:fillRef>
-          <a:effectRef idx="0">
-            <a:schemeClr val="accent6"/>
-          </a:effectRef>
-          <a:fontRef idx="minor">
-            <a:schemeClr val="dk1"/>
-          </a:fontRef>
-        </p:style>
-        <p:txBody>
-          <a:bodyPr rtlCol="0" anchor="ctr"/>
-          <a:lstStyle/>
-          <a:p>
-            <a:pPr algn="ctr"/>
-            <a:r>
-              <a:rPr lang="en-US" dirty="0"/>
-              <a:t>Multi-Sequences  stored in the file</a:t>
-            </a:r>
-          </a:p>
-        </p:txBody>
-      </p:sp>
-      <p:sp>
-        <p:nvSpPr>
-          <p:cNvPr id="13" name="Rectangle 12">
-            <a:extLst>
-              <a:ext uri="{FF2B5EF4-FFF2-40B4-BE49-F238E27FC236}">
-                <a16:creationId xmlns:a16="http://schemas.microsoft.com/office/drawing/2014/main" id="{5A3EB07F-15B0-B1D8-01BF-94072B1EA615}"/>
-              </a:ext>
-            </a:extLst>
-          </p:cNvPr>
-          <p:cNvSpPr/>
-          <p:nvPr/>
-        </p:nvSpPr>
-        <p:spPr>
-          <a:xfrm>
-            <a:off x="1207294" y="4393648"/>
-            <a:ext cx="1500187" cy="956757"/>
-          </a:xfrm>
-          <a:prstGeom prst="rect">
-            <a:avLst/>
-          </a:prstGeom>
-        </p:spPr>
-        <p:style>
-          <a:lnRef idx="2">
-            <a:schemeClr val="accent6"/>
-          </a:lnRef>
-          <a:fillRef idx="1">
-            <a:schemeClr val="lt1"/>
-          </a:fillRef>
-          <a:effectRef idx="0">
-            <a:schemeClr val="accent6"/>
-          </a:effectRef>
-          <a:fontRef idx="minor">
-            <a:schemeClr val="dk1"/>
-          </a:fontRef>
-        </p:style>
-        <p:txBody>
-          <a:bodyPr rtlCol="0" anchor="ctr"/>
-          <a:lstStyle/>
-          <a:p>
-            <a:pPr algn="ctr"/>
-            <a:r>
-              <a:rPr lang="en-US" dirty="0"/>
-              <a:t>Train Datasets</a:t>
-            </a:r>
-          </a:p>
-        </p:txBody>
-      </p:sp>
-      <p:sp>
-        <p:nvSpPr>
-          <p:cNvPr id="14" name="Parallelogram 13">
-            <a:extLst>
-              <a:ext uri="{FF2B5EF4-FFF2-40B4-BE49-F238E27FC236}">
-                <a16:creationId xmlns:a16="http://schemas.microsoft.com/office/drawing/2014/main" id="{A5A732FF-9574-BD05-EFE0-F746C7A36022}"/>
-              </a:ext>
-            </a:extLst>
-          </p:cNvPr>
-          <p:cNvSpPr/>
-          <p:nvPr/>
-        </p:nvSpPr>
-        <p:spPr>
-          <a:xfrm>
-            <a:off x="3709843" y="4387332"/>
-            <a:ext cx="1943099" cy="970470"/>
-          </a:xfrm>
-          <a:prstGeom prst="parallelogram">
-            <a:avLst/>
-          </a:prstGeom>
-        </p:spPr>
-        <p:style>
-          <a:lnRef idx="2">
-            <a:schemeClr val="accent6"/>
-          </a:lnRef>
-          <a:fillRef idx="1">
-            <a:schemeClr val="lt1"/>
-          </a:fillRef>
-          <a:effectRef idx="0">
-            <a:schemeClr val="accent6"/>
-          </a:effectRef>
-          <a:fontRef idx="minor">
-            <a:schemeClr val="dk1"/>
-          </a:fontRef>
-        </p:style>
-        <p:txBody>
-          <a:bodyPr rtlCol="0" anchor="ctr"/>
-          <a:lstStyle/>
-          <a:p>
-            <a:pPr algn="ctr"/>
-            <a:r>
-              <a:rPr lang="en-US" dirty="0"/>
-              <a:t>Enter Test- Data Sequences</a:t>
             </a:r>
           </a:p>
         </p:txBody>
@@ -9083,8 +9396,8 @@
         </p:nvSpPr>
         <p:spPr>
           <a:xfrm>
-            <a:off x="8835099" y="4606692"/>
-            <a:ext cx="1336647" cy="572574"/>
+            <a:off x="10012972" y="5631520"/>
+            <a:ext cx="1638299" cy="743589"/>
           </a:xfrm>
           <a:prstGeom prst="ellipse">
             <a:avLst/>
@@ -9130,7 +9443,7 @@
         </p:nvSpPr>
         <p:spPr>
           <a:xfrm>
-            <a:off x="1957388" y="2670074"/>
+            <a:off x="1862073" y="2690531"/>
             <a:ext cx="157160" cy="384314"/>
           </a:xfrm>
           <a:prstGeom prst="downArrow">
@@ -9174,8 +9487,8 @@
         </p:nvSpPr>
         <p:spPr>
           <a:xfrm>
-            <a:off x="1923985" y="3889489"/>
-            <a:ext cx="223966" cy="478966"/>
+            <a:off x="1863034" y="3905992"/>
+            <a:ext cx="156199" cy="494721"/>
           </a:xfrm>
           <a:prstGeom prst="downArrow">
             <a:avLst/>
@@ -9218,7 +9531,7 @@
         </p:nvSpPr>
         <p:spPr>
           <a:xfrm>
-            <a:off x="2707481" y="4769708"/>
+            <a:off x="2801590" y="4789076"/>
             <a:ext cx="1086043" cy="197708"/>
           </a:xfrm>
           <a:prstGeom prst="rightArrow">
@@ -9262,7 +9575,7 @@
         </p:nvSpPr>
         <p:spPr>
           <a:xfrm>
-            <a:off x="5569890" y="4818543"/>
+            <a:off x="5588775" y="4837911"/>
             <a:ext cx="705327" cy="148873"/>
           </a:xfrm>
           <a:prstGeom prst="rightArrow">
@@ -9336,6 +9649,278 @@
           </a:p>
         </p:txBody>
       </p:sp>
+      <p:sp>
+        <p:nvSpPr>
+          <p:cNvPr id="4" name="Rounded Rectangle 3">
+            <a:extLst>
+              <a:ext uri="{FF2B5EF4-FFF2-40B4-BE49-F238E27FC236}">
+                <a16:creationId xmlns:a16="http://schemas.microsoft.com/office/drawing/2014/main" id="{D4A40251-7AAB-7045-70B8-EFC431454BA6}"/>
+              </a:ext>
+            </a:extLst>
+          </p:cNvPr>
+          <p:cNvSpPr/>
+          <p:nvPr/>
+        </p:nvSpPr>
+        <p:spPr>
+          <a:xfrm>
+            <a:off x="8796480" y="4418203"/>
+            <a:ext cx="1638300" cy="939455"/>
+          </a:xfrm>
+          <a:prstGeom prst="roundRect">
+            <a:avLst/>
+          </a:prstGeom>
+        </p:spPr>
+        <p:style>
+          <a:lnRef idx="2">
+            <a:schemeClr val="accent6"/>
+          </a:lnRef>
+          <a:fillRef idx="1">
+            <a:schemeClr val="lt1"/>
+          </a:fillRef>
+          <a:effectRef idx="0">
+            <a:schemeClr val="accent6"/>
+          </a:effectRef>
+          <a:fontRef idx="minor">
+            <a:schemeClr val="dk1"/>
+          </a:fontRef>
+        </p:style>
+        <p:txBody>
+          <a:bodyPr rtlCol="0" anchor="ctr"/>
+          <a:lstStyle/>
+          <a:p>
+            <a:pPr algn="ctr"/>
+            <a:r>
+              <a:rPr lang="en-US" dirty="0"/>
+              <a:t>Storin the result in a file</a:t>
+            </a:r>
+          </a:p>
+        </p:txBody>
+      </p:sp>
+      <p:cxnSp>
+        <p:nvCxnSpPr>
+          <p:cNvPr id="12" name="Elbow Connector 11">
+            <a:extLst>
+              <a:ext uri="{FF2B5EF4-FFF2-40B4-BE49-F238E27FC236}">
+                <a16:creationId xmlns:a16="http://schemas.microsoft.com/office/drawing/2014/main" id="{D844C34E-6877-E658-A3AA-CF00666EB3D6}"/>
+              </a:ext>
+            </a:extLst>
+          </p:cNvPr>
+          <p:cNvCxnSpPr>
+            <a:stCxn id="4" idx="3"/>
+          </p:cNvCxnSpPr>
+          <p:nvPr/>
+        </p:nvCxnSpPr>
+        <p:spPr>
+          <a:xfrm>
+            <a:off x="10434780" y="4887931"/>
+            <a:ext cx="518970" cy="743590"/>
+          </a:xfrm>
+          <a:prstGeom prst="bentConnector2">
+            <a:avLst/>
+          </a:prstGeom>
+          <a:ln>
+            <a:tailEnd type="triangle"/>
+          </a:ln>
+        </p:spPr>
+        <p:style>
+          <a:lnRef idx="1">
+            <a:schemeClr val="accent2"/>
+          </a:lnRef>
+          <a:fillRef idx="0">
+            <a:schemeClr val="accent2"/>
+          </a:fillRef>
+          <a:effectRef idx="0">
+            <a:schemeClr val="accent2"/>
+          </a:effectRef>
+          <a:fontRef idx="minor">
+            <a:schemeClr val="tx1"/>
+          </a:fontRef>
+        </p:style>
+      </p:cxnSp>
+      <p:sp>
+        <p:nvSpPr>
+          <p:cNvPr id="19" name="Rounded Rectangle 18">
+            <a:extLst>
+              <a:ext uri="{FF2B5EF4-FFF2-40B4-BE49-F238E27FC236}">
+                <a16:creationId xmlns:a16="http://schemas.microsoft.com/office/drawing/2014/main" id="{6D82EB05-2B37-FE9E-A30C-5F92C79027E5}"/>
+              </a:ext>
+            </a:extLst>
+          </p:cNvPr>
+          <p:cNvSpPr/>
+          <p:nvPr/>
+        </p:nvSpPr>
+        <p:spPr>
+          <a:xfrm>
+            <a:off x="3870279" y="4391602"/>
+            <a:ext cx="1669900" cy="951494"/>
+          </a:xfrm>
+          <a:prstGeom prst="roundRect">
+            <a:avLst/>
+          </a:prstGeom>
+        </p:spPr>
+        <p:style>
+          <a:lnRef idx="2">
+            <a:schemeClr val="accent6"/>
+          </a:lnRef>
+          <a:fillRef idx="1">
+            <a:schemeClr val="lt1"/>
+          </a:fillRef>
+          <a:effectRef idx="0">
+            <a:schemeClr val="accent6"/>
+          </a:effectRef>
+          <a:fontRef idx="minor">
+            <a:schemeClr val="dk1"/>
+          </a:fontRef>
+        </p:style>
+        <p:txBody>
+          <a:bodyPr rtlCol="0" anchor="ctr"/>
+          <a:lstStyle/>
+          <a:p>
+            <a:pPr algn="ctr"/>
+            <a:r>
+              <a:rPr lang="en-US" dirty="0"/>
+              <a:t>Enter Test-Data Sequences</a:t>
+            </a:r>
+          </a:p>
+        </p:txBody>
+      </p:sp>
+      <p:sp>
+        <p:nvSpPr>
+          <p:cNvPr id="20" name="Rounded Rectangle 19">
+            <a:extLst>
+              <a:ext uri="{FF2B5EF4-FFF2-40B4-BE49-F238E27FC236}">
+                <a16:creationId xmlns:a16="http://schemas.microsoft.com/office/drawing/2014/main" id="{EBA852CD-302B-550D-3C0E-1B1EBFF12880}"/>
+              </a:ext>
+            </a:extLst>
+          </p:cNvPr>
+          <p:cNvSpPr/>
+          <p:nvPr/>
+        </p:nvSpPr>
+        <p:spPr>
+          <a:xfrm>
+            <a:off x="1068040" y="4400713"/>
+            <a:ext cx="1903760" cy="933273"/>
+          </a:xfrm>
+          <a:prstGeom prst="roundRect">
+            <a:avLst/>
+          </a:prstGeom>
+        </p:spPr>
+        <p:style>
+          <a:lnRef idx="2">
+            <a:schemeClr val="accent6"/>
+          </a:lnRef>
+          <a:fillRef idx="1">
+            <a:schemeClr val="lt1"/>
+          </a:fillRef>
+          <a:effectRef idx="0">
+            <a:schemeClr val="accent6"/>
+          </a:effectRef>
+          <a:fontRef idx="minor">
+            <a:schemeClr val="dk1"/>
+          </a:fontRef>
+        </p:style>
+        <p:txBody>
+          <a:bodyPr rtlCol="0" anchor="ctr"/>
+          <a:lstStyle/>
+          <a:p>
+            <a:pPr algn="ctr"/>
+            <a:r>
+              <a:rPr lang="en-US" dirty="0"/>
+              <a:t>Train Datasets</a:t>
+            </a:r>
+          </a:p>
+        </p:txBody>
+      </p:sp>
+      <p:sp>
+        <p:nvSpPr>
+          <p:cNvPr id="22" name="Rounded Rectangle 21">
+            <a:extLst>
+              <a:ext uri="{FF2B5EF4-FFF2-40B4-BE49-F238E27FC236}">
+                <a16:creationId xmlns:a16="http://schemas.microsoft.com/office/drawing/2014/main" id="{08DB2331-8D4B-27D3-CC83-C8AAC74B96FD}"/>
+              </a:ext>
+            </a:extLst>
+          </p:cNvPr>
+          <p:cNvSpPr/>
+          <p:nvPr/>
+        </p:nvSpPr>
+        <p:spPr>
+          <a:xfrm>
+            <a:off x="946353" y="3088997"/>
+            <a:ext cx="2183607" cy="802843"/>
+          </a:xfrm>
+          <a:prstGeom prst="roundRect">
+            <a:avLst/>
+          </a:prstGeom>
+        </p:spPr>
+        <p:style>
+          <a:lnRef idx="2">
+            <a:schemeClr val="accent6"/>
+          </a:lnRef>
+          <a:fillRef idx="1">
+            <a:schemeClr val="lt1"/>
+          </a:fillRef>
+          <a:effectRef idx="0">
+            <a:schemeClr val="accent6"/>
+          </a:effectRef>
+          <a:fontRef idx="minor">
+            <a:schemeClr val="dk1"/>
+          </a:fontRef>
+        </p:style>
+        <p:txBody>
+          <a:bodyPr rtlCol="0" anchor="ctr"/>
+          <a:lstStyle/>
+          <a:p>
+            <a:pPr algn="ctr"/>
+            <a:r>
+              <a:rPr lang="en-US" dirty="0"/>
+              <a:t>Multi-Sequences stored in the file</a:t>
+            </a:r>
+          </a:p>
+        </p:txBody>
+      </p:sp>
+      <p:cxnSp>
+        <p:nvCxnSpPr>
+          <p:cNvPr id="7" name="Elbow Connector 6">
+            <a:extLst>
+              <a:ext uri="{FF2B5EF4-FFF2-40B4-BE49-F238E27FC236}">
+                <a16:creationId xmlns:a16="http://schemas.microsoft.com/office/drawing/2014/main" id="{F742995C-786F-608B-6F44-69AD4B7D1103}"/>
+              </a:ext>
+            </a:extLst>
+          </p:cNvPr>
+          <p:cNvCxnSpPr>
+            <a:stCxn id="22" idx="1"/>
+          </p:cNvCxnSpPr>
+          <p:nvPr/>
+        </p:nvCxnSpPr>
+        <p:spPr>
+          <a:xfrm rot="10800000" flipH="1" flipV="1">
+            <a:off x="946352" y="3490418"/>
+            <a:ext cx="9066619" cy="2530371"/>
+          </a:xfrm>
+          <a:prstGeom prst="bentConnector3">
+            <a:avLst>
+              <a:gd name="adj1" fmla="val -2521"/>
+            </a:avLst>
+          </a:prstGeom>
+          <a:ln>
+            <a:tailEnd type="triangle"/>
+          </a:ln>
+        </p:spPr>
+        <p:style>
+          <a:lnRef idx="1">
+            <a:schemeClr val="accent2"/>
+          </a:lnRef>
+          <a:fillRef idx="0">
+            <a:schemeClr val="accent2"/>
+          </a:fillRef>
+          <a:effectRef idx="0">
+            <a:schemeClr val="accent2"/>
+          </a:effectRef>
+          <a:fontRef idx="minor">
+            <a:schemeClr val="tx1"/>
+          </a:fontRef>
+        </p:style>
+      </p:cxnSp>
     </p:spTree>
     <p:extLst>
       <p:ext uri="{BB962C8B-B14F-4D97-AF65-F5344CB8AC3E}">
@@ -9776,4 +10361,299 @@
     </a:ext>
   </a:extLst>
 </a:theme>
+</file>
+
+<file path=ppt/theme/theme2.xml><?xml version="1.0" encoding="utf-8"?>
+<a:theme xmlns:a="http://schemas.openxmlformats.org/drawingml/2006/main" name="Office Theme">
+  <a:themeElements>
+    <a:clrScheme name="Office">
+      <a:dk1>
+        <a:sysClr val="windowText" lastClr="000000"/>
+      </a:dk1>
+      <a:lt1>
+        <a:sysClr val="window" lastClr="FFFFFF"/>
+      </a:lt1>
+      <a:dk2>
+        <a:srgbClr val="44546A"/>
+      </a:dk2>
+      <a:lt2>
+        <a:srgbClr val="E7E6E6"/>
+      </a:lt2>
+      <a:accent1>
+        <a:srgbClr val="4472C4"/>
+      </a:accent1>
+      <a:accent2>
+        <a:srgbClr val="ED7D31"/>
+      </a:accent2>
+      <a:accent3>
+        <a:srgbClr val="A5A5A5"/>
+      </a:accent3>
+      <a:accent4>
+        <a:srgbClr val="FFC000"/>
+      </a:accent4>
+      <a:accent5>
+        <a:srgbClr val="5B9BD5"/>
+      </a:accent5>
+      <a:accent6>
+        <a:srgbClr val="70AD47"/>
+      </a:accent6>
+      <a:hlink>
+        <a:srgbClr val="0563C1"/>
+      </a:hlink>
+      <a:folHlink>
+        <a:srgbClr val="954F72"/>
+      </a:folHlink>
+    </a:clrScheme>
+    <a:fontScheme name="Office">
+      <a:majorFont>
+        <a:latin typeface="Calibri Light" panose="020F0302020204030204"/>
+        <a:ea typeface=""/>
+        <a:cs typeface=""/>
+        <a:font script="Jpan" typeface="游ゴシック Light"/>
+        <a:font script="Hang" typeface="맑은 고딕"/>
+        <a:font script="Hans" typeface="等线 Light"/>
+        <a:font script="Hant" typeface="新細明體"/>
+        <a:font script="Arab" typeface="Times New Roman"/>
+        <a:font script="Hebr" typeface="Times New Roman"/>
+        <a:font script="Thai" typeface="Angsana New"/>
+        <a:font script="Ethi" typeface="Nyala"/>
+        <a:font script="Beng" typeface="Vrinda"/>
+        <a:font script="Gujr" typeface="Shruti"/>
+        <a:font script="Khmr" typeface="MoolBoran"/>
+        <a:font script="Knda" typeface="Tunga"/>
+        <a:font script="Guru" typeface="Raavi"/>
+        <a:font script="Cans" typeface="Euphemia"/>
+        <a:font script="Cher" typeface="Plantagenet Cherokee"/>
+        <a:font script="Yiii" typeface="Microsoft Yi Baiti"/>
+        <a:font script="Tibt" typeface="Microsoft Himalaya"/>
+        <a:font script="Thaa" typeface="MV Boli"/>
+        <a:font script="Deva" typeface="Mangal"/>
+        <a:font script="Telu" typeface="Gautami"/>
+        <a:font script="Taml" typeface="Latha"/>
+        <a:font script="Syrc" typeface="Estrangelo Edessa"/>
+        <a:font script="Orya" typeface="Kalinga"/>
+        <a:font script="Mlym" typeface="Kartika"/>
+        <a:font script="Laoo" typeface="DokChampa"/>
+        <a:font script="Sinh" typeface="Iskoola Pota"/>
+        <a:font script="Mong" typeface="Mongolian Baiti"/>
+        <a:font script="Viet" typeface="Times New Roman"/>
+        <a:font script="Uigh" typeface="Microsoft Uighur"/>
+        <a:font script="Geor" typeface="Sylfaen"/>
+        <a:font script="Armn" typeface="Arial"/>
+        <a:font script="Bugi" typeface="Leelawadee UI"/>
+        <a:font script="Bopo" typeface="Microsoft JhengHei"/>
+        <a:font script="Java" typeface="Javanese Text"/>
+        <a:font script="Lisu" typeface="Segoe UI"/>
+        <a:font script="Mymr" typeface="Myanmar Text"/>
+        <a:font script="Nkoo" typeface="Ebrima"/>
+        <a:font script="Olck" typeface="Nirmala UI"/>
+        <a:font script="Osma" typeface="Ebrima"/>
+        <a:font script="Phag" typeface="Phagspa"/>
+        <a:font script="Syrn" typeface="Estrangelo Edessa"/>
+        <a:font script="Syrj" typeface="Estrangelo Edessa"/>
+        <a:font script="Syre" typeface="Estrangelo Edessa"/>
+        <a:font script="Sora" typeface="Nirmala UI"/>
+        <a:font script="Tale" typeface="Microsoft Tai Le"/>
+        <a:font script="Talu" typeface="Microsoft New Tai Lue"/>
+        <a:font script="Tfng" typeface="Ebrima"/>
+      </a:majorFont>
+      <a:minorFont>
+        <a:latin typeface="Calibri" panose="020F0502020204030204"/>
+        <a:ea typeface=""/>
+        <a:cs typeface=""/>
+        <a:font script="Jpan" typeface="游ゴシック"/>
+        <a:font script="Hang" typeface="맑은 고딕"/>
+        <a:font script="Hans" typeface="等线"/>
+        <a:font script="Hant" typeface="新細明體"/>
+        <a:font script="Arab" typeface="Arial"/>
+        <a:font script="Hebr" typeface="Arial"/>
+        <a:font script="Thai" typeface="Cordia New"/>
+        <a:font script="Ethi" typeface="Nyala"/>
+        <a:font script="Beng" typeface="Vrinda"/>
+        <a:font script="Gujr" typeface="Shruti"/>
+        <a:font script="Khmr" typeface="DaunPenh"/>
+        <a:font script="Knda" typeface="Tunga"/>
+        <a:font script="Guru" typeface="Raavi"/>
+        <a:font script="Cans" typeface="Euphemia"/>
+        <a:font script="Cher" typeface="Plantagenet Cherokee"/>
+        <a:font script="Yiii" typeface="Microsoft Yi Baiti"/>
+        <a:font script="Tibt" typeface="Microsoft Himalaya"/>
+        <a:font script="Thaa" typeface="MV Boli"/>
+        <a:font script="Deva" typeface="Mangal"/>
+        <a:font script="Telu" typeface="Gautami"/>
+        <a:font script="Taml" typeface="Latha"/>
+        <a:font script="Syrc" typeface="Estrangelo Edessa"/>
+        <a:font script="Orya" typeface="Kalinga"/>
+        <a:font script="Mlym" typeface="Kartika"/>
+        <a:font script="Laoo" typeface="DokChampa"/>
+        <a:font script="Sinh" typeface="Iskoola Pota"/>
+        <a:font script="Mong" typeface="Mongolian Baiti"/>
+        <a:font script="Viet" typeface="Arial"/>
+        <a:font script="Uigh" typeface="Microsoft Uighur"/>
+        <a:font script="Geor" typeface="Sylfaen"/>
+        <a:font script="Armn" typeface="Arial"/>
+        <a:font script="Bugi" typeface="Leelawadee UI"/>
+        <a:font script="Bopo" typeface="Microsoft JhengHei"/>
+        <a:font script="Java" typeface="Javanese Text"/>
+        <a:font script="Lisu" typeface="Segoe UI"/>
+        <a:font script="Mymr" typeface="Myanmar Text"/>
+        <a:font script="Nkoo" typeface="Ebrima"/>
+        <a:font script="Olck" typeface="Nirmala UI"/>
+        <a:font script="Osma" typeface="Ebrima"/>
+        <a:font script="Phag" typeface="Phagspa"/>
+        <a:font script="Syrn" typeface="Estrangelo Edessa"/>
+        <a:font script="Syrj" typeface="Estrangelo Edessa"/>
+        <a:font script="Syre" typeface="Estrangelo Edessa"/>
+        <a:font script="Sora" typeface="Nirmala UI"/>
+        <a:font script="Tale" typeface="Microsoft Tai Le"/>
+        <a:font script="Talu" typeface="Microsoft New Tai Lue"/>
+        <a:font script="Tfng" typeface="Ebrima"/>
+      </a:minorFont>
+    </a:fontScheme>
+    <a:fmtScheme name="Office">
+      <a:fillStyleLst>
+        <a:solidFill>
+          <a:schemeClr val="phClr"/>
+        </a:solidFill>
+        <a:gradFill rotWithShape="1">
+          <a:gsLst>
+            <a:gs pos="0">
+              <a:schemeClr val="phClr">
+                <a:lumMod val="110000"/>
+                <a:satMod val="105000"/>
+                <a:tint val="67000"/>
+              </a:schemeClr>
+            </a:gs>
+            <a:gs pos="50000">
+              <a:schemeClr val="phClr">
+                <a:lumMod val="105000"/>
+                <a:satMod val="103000"/>
+                <a:tint val="73000"/>
+              </a:schemeClr>
+            </a:gs>
+            <a:gs pos="100000">
+              <a:schemeClr val="phClr">
+                <a:lumMod val="105000"/>
+                <a:satMod val="109000"/>
+                <a:tint val="81000"/>
+              </a:schemeClr>
+            </a:gs>
+          </a:gsLst>
+          <a:lin ang="5400000" scaled="0"/>
+        </a:gradFill>
+        <a:gradFill rotWithShape="1">
+          <a:gsLst>
+            <a:gs pos="0">
+              <a:schemeClr val="phClr">
+                <a:satMod val="103000"/>
+                <a:lumMod val="102000"/>
+                <a:tint val="94000"/>
+              </a:schemeClr>
+            </a:gs>
+            <a:gs pos="50000">
+              <a:schemeClr val="phClr">
+                <a:satMod val="110000"/>
+                <a:lumMod val="100000"/>
+                <a:shade val="100000"/>
+              </a:schemeClr>
+            </a:gs>
+            <a:gs pos="100000">
+              <a:schemeClr val="phClr">
+                <a:lumMod val="99000"/>
+                <a:satMod val="120000"/>
+                <a:shade val="78000"/>
+              </a:schemeClr>
+            </a:gs>
+          </a:gsLst>
+          <a:lin ang="5400000" scaled="0"/>
+        </a:gradFill>
+      </a:fillStyleLst>
+      <a:lnStyleLst>
+        <a:ln w="6350" cap="flat" cmpd="sng" algn="ctr">
+          <a:solidFill>
+            <a:schemeClr val="phClr"/>
+          </a:solidFill>
+          <a:prstDash val="solid"/>
+          <a:miter lim="800000"/>
+        </a:ln>
+        <a:ln w="12700" cap="flat" cmpd="sng" algn="ctr">
+          <a:solidFill>
+            <a:schemeClr val="phClr"/>
+          </a:solidFill>
+          <a:prstDash val="solid"/>
+          <a:miter lim="800000"/>
+        </a:ln>
+        <a:ln w="19050" cap="flat" cmpd="sng" algn="ctr">
+          <a:solidFill>
+            <a:schemeClr val="phClr"/>
+          </a:solidFill>
+          <a:prstDash val="solid"/>
+          <a:miter lim="800000"/>
+        </a:ln>
+      </a:lnStyleLst>
+      <a:effectStyleLst>
+        <a:effectStyle>
+          <a:effectLst/>
+        </a:effectStyle>
+        <a:effectStyle>
+          <a:effectLst/>
+        </a:effectStyle>
+        <a:effectStyle>
+          <a:effectLst>
+            <a:outerShdw blurRad="57150" dist="19050" dir="5400000" algn="ctr" rotWithShape="0">
+              <a:srgbClr val="000000">
+                <a:alpha val="63000"/>
+              </a:srgbClr>
+            </a:outerShdw>
+          </a:effectLst>
+        </a:effectStyle>
+      </a:effectStyleLst>
+      <a:bgFillStyleLst>
+        <a:solidFill>
+          <a:schemeClr val="phClr"/>
+        </a:solidFill>
+        <a:solidFill>
+          <a:schemeClr val="phClr">
+            <a:tint val="95000"/>
+            <a:satMod val="170000"/>
+          </a:schemeClr>
+        </a:solidFill>
+        <a:gradFill rotWithShape="1">
+          <a:gsLst>
+            <a:gs pos="0">
+              <a:schemeClr val="phClr">
+                <a:tint val="93000"/>
+                <a:satMod val="150000"/>
+                <a:shade val="98000"/>
+                <a:lumMod val="102000"/>
+              </a:schemeClr>
+            </a:gs>
+            <a:gs pos="50000">
+              <a:schemeClr val="phClr">
+                <a:tint val="98000"/>
+                <a:satMod val="130000"/>
+                <a:shade val="90000"/>
+                <a:lumMod val="103000"/>
+              </a:schemeClr>
+            </a:gs>
+            <a:gs pos="100000">
+              <a:schemeClr val="phClr">
+                <a:shade val="63000"/>
+                <a:satMod val="120000"/>
+              </a:schemeClr>
+            </a:gs>
+          </a:gsLst>
+          <a:lin ang="5400000" scaled="0"/>
+        </a:gradFill>
+      </a:bgFillStyleLst>
+    </a:fmtScheme>
+  </a:themeElements>
+  <a:objectDefaults/>
+  <a:extraClrSchemeLst/>
+  <a:extLst>
+    <a:ext uri="{05A4C25C-085E-4340-85A3-A5531E510DB2}">
+      <thm15:themeFamily xmlns:thm15="http://schemas.microsoft.com/office/thememl/2012/main" name="Office Theme" id="{62F939B6-93AF-4DB8-9C6B-D6C7DFDC589F}" vid="{4A3C46E8-61CC-4603-A589-7422A47A8E4A}"/>
+    </a:ext>
+  </a:extLst>
+</a:theme>
 </file>
--- a/source/MySEProject/Documentation/ML-22-23-15 Approve Prediction of Multisequence Learning .pptx
+++ b/source/MySEProject/Documentation/ML-22-23-15 Approve Prediction of Multisequence Learning .pptx
@@ -5,19 +5,23 @@
     <p:sldMasterId id="2147483801" r:id="rId1"/>
   </p:sldMasterIdLst>
   <p:notesMasterIdLst>
-    <p:notesMasterId r:id="rId12"/>
+    <p:notesMasterId r:id="rId16"/>
   </p:notesMasterIdLst>
   <p:sldIdLst>
     <p:sldId id="256" r:id="rId2"/>
     <p:sldId id="257" r:id="rId3"/>
     <p:sldId id="258" r:id="rId4"/>
     <p:sldId id="259" r:id="rId5"/>
-    <p:sldId id="260" r:id="rId6"/>
-    <p:sldId id="265" r:id="rId7"/>
-    <p:sldId id="261" r:id="rId8"/>
-    <p:sldId id="262" r:id="rId9"/>
-    <p:sldId id="263" r:id="rId10"/>
-    <p:sldId id="264" r:id="rId11"/>
+    <p:sldId id="267" r:id="rId6"/>
+    <p:sldId id="260" r:id="rId7"/>
+    <p:sldId id="270" r:id="rId8"/>
+    <p:sldId id="268" r:id="rId9"/>
+    <p:sldId id="269" r:id="rId10"/>
+    <p:sldId id="265" r:id="rId11"/>
+    <p:sldId id="261" r:id="rId12"/>
+    <p:sldId id="262" r:id="rId13"/>
+    <p:sldId id="263" r:id="rId14"/>
+    <p:sldId id="264" r:id="rId15"/>
   </p:sldIdLst>
   <p:sldSz cx="12192000" cy="6858000"/>
   <p:notesSz cx="6858000" cy="9144000"/>
@@ -2825,7 +2829,7 @@
           <a:p>
             <a:fld id="{5B041F66-0B57-9A48-9465-56FFF332D349}" type="datetimeFigureOut">
               <a:rPr lang="en-US" smtClean="0"/>
-              <a:t>3/24/23</a:t>
+              <a:t>3/26/23</a:t>
             </a:fld>
             <a:endParaRPr lang="en-US"/>
           </a:p>
@@ -3333,7 +3337,7 @@
           <a:p>
             <a:fld id="{5E7AA473-D82F-4EFF-9DF7-AE6D83C51288}" type="datetime1">
               <a:rPr lang="en-US" smtClean="0"/>
-              <a:t>3/24/23</a:t>
+              <a:t>3/26/23</a:t>
             </a:fld>
             <a:endParaRPr lang="en-US"/>
           </a:p>
@@ -3587,7 +3591,7 @@
           <a:p>
             <a:fld id="{1E12F1F0-FE2D-4C1C-B320-8CB9BE735F0F}" type="datetime1">
               <a:rPr lang="en-US" smtClean="0"/>
-              <a:t>3/24/23</a:t>
+              <a:t>3/26/23</a:t>
             </a:fld>
             <a:endParaRPr lang="en-US"/>
           </a:p>
@@ -3855,7 +3859,7 @@
           <a:p>
             <a:fld id="{2CF1B96C-10FD-4EBC-9029-9652B7535D02}" type="datetime1">
               <a:rPr lang="en-US" smtClean="0"/>
-              <a:t>3/24/23</a:t>
+              <a:t>3/26/23</a:t>
             </a:fld>
             <a:endParaRPr lang="en-US"/>
           </a:p>
@@ -4109,7 +4113,7 @@
           <a:p>
             <a:fld id="{14878474-CC00-4A95-9D50-A41C12D1EEC4}" type="datetime1">
               <a:rPr lang="en-US" smtClean="0"/>
-              <a:t>3/24/23</a:t>
+              <a:t>3/26/23</a:t>
             </a:fld>
             <a:endParaRPr lang="en-US"/>
           </a:p>
@@ -4387,7 +4391,7 @@
           <a:p>
             <a:fld id="{7F38C8B4-7FBB-408F-BDB9-F0496874AFB2}" type="datetime1">
               <a:rPr lang="en-US" smtClean="0"/>
-              <a:t>3/24/23</a:t>
+              <a:t>3/26/23</a:t>
             </a:fld>
             <a:endParaRPr lang="en-US"/>
           </a:p>
@@ -4659,7 +4663,7 @@
           <a:p>
             <a:fld id="{2BB8EE20-A5E2-47D3-8F6D-A2BA7AB2E093}" type="datetime1">
               <a:rPr lang="en-US" smtClean="0"/>
-              <a:t>3/24/23</a:t>
+              <a:t>3/26/23</a:t>
             </a:fld>
             <a:endParaRPr lang="en-US"/>
           </a:p>
@@ -5217,7 +5221,7 @@
           <a:p>
             <a:fld id="{3382CF99-132F-413F-B7EF-71A5C33F2ED6}" type="datetime1">
               <a:rPr lang="en-US" smtClean="0"/>
-              <a:t>3/24/23</a:t>
+              <a:t>3/26/23</a:t>
             </a:fld>
             <a:endParaRPr lang="en-US"/>
           </a:p>
@@ -5359,7 +5363,7 @@
           <a:p>
             <a:fld id="{1F17AE06-98E0-4D9F-A059-92C3548821BB}" type="datetime1">
               <a:rPr lang="en-US" smtClean="0"/>
-              <a:t>3/24/23</a:t>
+              <a:t>3/26/23</a:t>
             </a:fld>
             <a:endParaRPr lang="en-US"/>
           </a:p>
@@ -5472,7 +5476,7 @@
           <a:p>
             <a:fld id="{FFBA00CA-3DDC-4705-B840-978EF5EA0707}" type="datetime1">
               <a:rPr lang="en-US" smtClean="0"/>
-              <a:t>3/24/23</a:t>
+              <a:t>3/26/23</a:t>
             </a:fld>
             <a:endParaRPr lang="en-US"/>
           </a:p>
@@ -5791,7 +5795,7 @@
           <a:p>
             <a:fld id="{FC366D49-0BBA-4C5A-AD96-6448CA63451A}" type="datetime1">
               <a:rPr lang="en-US" smtClean="0"/>
-              <a:t>3/24/23</a:t>
+              <a:t>3/26/23</a:t>
             </a:fld>
             <a:endParaRPr lang="en-US"/>
           </a:p>
@@ -6088,7 +6092,7 @@
           <a:p>
             <a:fld id="{4F4EB293-A316-472D-A8B4-6947CF1A12B7}" type="datetime1">
               <a:rPr lang="en-US" smtClean="0"/>
-              <a:t>3/24/23</a:t>
+              <a:t>3/26/23</a:t>
             </a:fld>
             <a:endParaRPr lang="en-US"/>
           </a:p>
@@ -6367,7 +6371,7 @@
           <a:p>
             <a:fld id="{734BCCD4-CEB1-405B-A443-DD9CBCBEA552}" type="datetime1">
               <a:rPr lang="en-US" smtClean="0"/>
-              <a:t>3/24/23</a:t>
+              <a:t>3/26/23</a:t>
             </a:fld>
             <a:endParaRPr lang="en-US"/>
           </a:p>
@@ -7290,6 +7294,1639 @@
 <file path=ppt/slides/slide10.xml><?xml version="1.0" encoding="utf-8"?>
 <p:sld xmlns:a="http://schemas.openxmlformats.org/drawingml/2006/main" xmlns:r="http://schemas.openxmlformats.org/officeDocument/2006/relationships" xmlns:p="http://schemas.openxmlformats.org/presentationml/2006/main">
   <p:cSld>
+    <p:spTree>
+      <p:nvGrpSpPr>
+        <p:cNvPr id="1" name=""/>
+        <p:cNvGrpSpPr/>
+        <p:nvPr/>
+      </p:nvGrpSpPr>
+      <p:grpSpPr>
+        <a:xfrm>
+          <a:off x="0" y="0"/>
+          <a:ext cx="0" cy="0"/>
+          <a:chOff x="0" y="0"/>
+          <a:chExt cx="0" cy="0"/>
+        </a:xfrm>
+      </p:grpSpPr>
+      <p:sp>
+        <p:nvSpPr>
+          <p:cNvPr id="6" name="Title 5"/>
+          <p:cNvSpPr>
+            <a:spLocks noGrp="1"/>
+          </p:cNvSpPr>
+          <p:nvPr>
+            <p:ph type="title"/>
+          </p:nvPr>
+        </p:nvSpPr>
+        <p:spPr>
+          <a:xfrm>
+            <a:off x="452554" y="699796"/>
+            <a:ext cx="5910924" cy="1585084"/>
+          </a:xfrm>
+        </p:spPr>
+        <p:txBody>
+          <a:bodyPr>
+            <a:noAutofit/>
+          </a:bodyPr>
+          <a:lstStyle/>
+          <a:p>
+            <a:r>
+              <a:rPr lang="en-IN" sz="4000" dirty="0">
+                <a:latin typeface="Arial" panose="020B0604020202020204" pitchFamily="34" charset="0"/>
+                <a:cs typeface="Arial" panose="020B0604020202020204" pitchFamily="34" charset="0"/>
+              </a:rPr>
+              <a:t>WORKING OF SPATIAL POOLER</a:t>
+            </a:r>
+          </a:p>
+        </p:txBody>
+      </p:sp>
+      <p:sp>
+        <p:nvSpPr>
+          <p:cNvPr id="7" name="Content Placeholder 6"/>
+          <p:cNvSpPr>
+            <a:spLocks noGrp="1"/>
+          </p:cNvSpPr>
+          <p:nvPr>
+            <p:ph idx="1"/>
+          </p:nvPr>
+        </p:nvSpPr>
+        <p:spPr>
+          <a:xfrm>
+            <a:off x="577183" y="2379306"/>
+            <a:ext cx="5049175" cy="4776031"/>
+          </a:xfrm>
+        </p:spPr>
+        <p:txBody>
+          <a:bodyPr>
+            <a:normAutofit/>
+          </a:bodyPr>
+          <a:lstStyle/>
+          <a:p>
+            <a:pPr marL="342900" indent="-342900">
+              <a:buFont typeface="Arial" panose="020B0604020202020204" pitchFamily="34" charset="0"/>
+              <a:buChar char="•"/>
+            </a:pPr>
+            <a:r>
+              <a:rPr lang="en-US" sz="2400" dirty="0">
+                <a:latin typeface="Arial" panose="020B0604020202020204" pitchFamily="34" charset="0"/>
+                <a:cs typeface="Arial" panose="020B0604020202020204" pitchFamily="34" charset="0"/>
+              </a:rPr>
+              <a:t>Builds SDR input</a:t>
+            </a:r>
+          </a:p>
+          <a:p>
+            <a:pPr marL="342900" indent="-342900">
+              <a:buFont typeface="Arial" panose="020B0604020202020204" pitchFamily="34" charset="0"/>
+              <a:buChar char="•"/>
+            </a:pPr>
+            <a:r>
+              <a:rPr lang="en-US" sz="2400" dirty="0">
+                <a:latin typeface="Arial" panose="020B0604020202020204" pitchFamily="34" charset="0"/>
+                <a:cs typeface="Arial" panose="020B0604020202020204" pitchFamily="34" charset="0"/>
+              </a:rPr>
+              <a:t>Inactive columns are not learned.</a:t>
+            </a:r>
+          </a:p>
+          <a:p>
+            <a:pPr marL="342900" indent="-342900">
+              <a:buFont typeface="Arial" panose="020B0604020202020204" pitchFamily="34" charset="0"/>
+              <a:buChar char="•"/>
+            </a:pPr>
+            <a:r>
+              <a:rPr lang="en-US" sz="2400" dirty="0">
+                <a:latin typeface="Arial" panose="020B0604020202020204" pitchFamily="34" charset="0"/>
+                <a:cs typeface="Arial" panose="020B0604020202020204" pitchFamily="34" charset="0"/>
+              </a:rPr>
+              <a:t>Every input pattern is checked against the database.</a:t>
+            </a:r>
+            <a:endParaRPr lang="en-IN" sz="2400" dirty="0">
+              <a:latin typeface="Arial" panose="020B0604020202020204" pitchFamily="34" charset="0"/>
+              <a:cs typeface="Arial" panose="020B0604020202020204" pitchFamily="34" charset="0"/>
+            </a:endParaRPr>
+          </a:p>
+        </p:txBody>
+      </p:sp>
+      <p:graphicFrame>
+        <p:nvGraphicFramePr>
+          <p:cNvPr id="3" name="Diagram 2">
+            <a:extLst>
+              <a:ext uri="{FF2B5EF4-FFF2-40B4-BE49-F238E27FC236}">
+                <a16:creationId xmlns:a16="http://schemas.microsoft.com/office/drawing/2014/main" id="{4399E1B5-B320-B13F-B24B-2A69678ED345}"/>
+              </a:ext>
+            </a:extLst>
+          </p:cNvPr>
+          <p:cNvGraphicFramePr/>
+          <p:nvPr>
+            <p:extLst>
+              <p:ext uri="{D42A27DB-BD31-4B8C-83A1-F6EECF244321}">
+                <p14:modId xmlns:p14="http://schemas.microsoft.com/office/powerpoint/2010/main" val="1320414263"/>
+              </p:ext>
+            </p:extLst>
+          </p:nvPr>
+        </p:nvGraphicFramePr>
+        <p:xfrm>
+          <a:off x="5881816" y="2063578"/>
+          <a:ext cx="5214552" cy="2509543"/>
+        </p:xfrm>
+        <a:graphic>
+          <a:graphicData uri="http://schemas.openxmlformats.org/drawingml/2006/diagram">
+            <dgm:relIds xmlns:dgm="http://schemas.openxmlformats.org/drawingml/2006/diagram" xmlns:r="http://schemas.openxmlformats.org/officeDocument/2006/relationships" r:dm="rId2" r:lo="rId3" r:qs="rId4" r:cs="rId5"/>
+          </a:graphicData>
+        </a:graphic>
+      </p:graphicFrame>
+    </p:spTree>
+    <p:extLst>
+      <p:ext uri="{BB962C8B-B14F-4D97-AF65-F5344CB8AC3E}">
+        <p14:creationId xmlns:p14="http://schemas.microsoft.com/office/powerpoint/2010/main" val="1533691606"/>
+      </p:ext>
+    </p:extLst>
+  </p:cSld>
+  <p:clrMapOvr>
+    <a:masterClrMapping/>
+  </p:clrMapOvr>
+</p:sld>
+</file>
+
+<file path=ppt/slides/slide11.xml><?xml version="1.0" encoding="utf-8"?>
+<p:sld xmlns:a="http://schemas.openxmlformats.org/drawingml/2006/main" xmlns:r="http://schemas.openxmlformats.org/officeDocument/2006/relationships" xmlns:p="http://schemas.openxmlformats.org/presentationml/2006/main">
+  <p:cSld>
+    <p:bg>
+      <p:bgPr>
+        <a:solidFill>
+          <a:schemeClr val="bg1"/>
+        </a:solidFill>
+        <a:effectLst/>
+      </p:bgPr>
+    </p:bg>
+    <p:spTree>
+      <p:nvGrpSpPr>
+        <p:cNvPr id="1" name=""/>
+        <p:cNvGrpSpPr/>
+        <p:nvPr/>
+      </p:nvGrpSpPr>
+      <p:grpSpPr>
+        <a:xfrm>
+          <a:off x="0" y="0"/>
+          <a:ext cx="0" cy="0"/>
+          <a:chOff x="0" y="0"/>
+          <a:chExt cx="0" cy="0"/>
+        </a:xfrm>
+      </p:grpSpPr>
+      <p:sp useBgFill="1">
+        <p:nvSpPr>
+          <p:cNvPr id="8" name="Rectangle 7">
+            <a:extLst>
+              <a:ext uri="{FF2B5EF4-FFF2-40B4-BE49-F238E27FC236}">
+                <a16:creationId xmlns:a16="http://schemas.microsoft.com/office/drawing/2014/main" id="{FAA3B297-9683-4E38-89FA-062C53E13F85}"/>
+              </a:ext>
+              <a:ext uri="{C183D7F6-B498-43B3-948B-1728B52AA6E4}">
+                <adec:decorative xmlns:adec="http://schemas.microsoft.com/office/drawing/2017/decorative" val="1"/>
+              </a:ext>
+            </a:extLst>
+          </p:cNvPr>
+          <p:cNvSpPr>
+            <a:spLocks noGrp="1" noRot="1" noChangeAspect="1" noMove="1" noResize="1" noEditPoints="1" noAdjustHandles="1" noChangeArrowheads="1" noChangeShapeType="1" noTextEdit="1"/>
+          </p:cNvSpPr>
+          <p:nvPr>
+            <p:extLst>
+              <p:ext uri="{386F3935-93C4-4BCD-93E2-E3B085C9AB24}">
+                <p16:designElem xmlns:p16="http://schemas.microsoft.com/office/powerpoint/2015/main" val="1"/>
+              </p:ext>
+            </p:extLst>
+          </p:nvPr>
+        </p:nvSpPr>
+        <p:spPr>
+          <a:xfrm>
+            <a:off x="0" y="0"/>
+            <a:ext cx="12188952" cy="6857995"/>
+          </a:xfrm>
+          <a:prstGeom prst="rect">
+            <a:avLst/>
+          </a:prstGeom>
+          <a:ln>
+            <a:noFill/>
+          </a:ln>
+        </p:spPr>
+        <p:style>
+          <a:lnRef idx="2">
+            <a:schemeClr val="accent1">
+              <a:shade val="50000"/>
+            </a:schemeClr>
+          </a:lnRef>
+          <a:fillRef idx="1">
+            <a:schemeClr val="accent1"/>
+          </a:fillRef>
+          <a:effectRef idx="0">
+            <a:schemeClr val="accent1"/>
+          </a:effectRef>
+          <a:fontRef idx="minor">
+            <a:schemeClr val="lt1"/>
+          </a:fontRef>
+        </p:style>
+        <p:txBody>
+          <a:bodyPr rtlCol="0" anchor="ctr"/>
+          <a:lstStyle/>
+          <a:p>
+            <a:pPr algn="ctr"/>
+            <a:endParaRPr lang="en-US" dirty="0"/>
+          </a:p>
+        </p:txBody>
+      </p:sp>
+      <p:sp>
+        <p:nvSpPr>
+          <p:cNvPr id="2" name="Title 1">
+            <a:extLst>
+              <a:ext uri="{FF2B5EF4-FFF2-40B4-BE49-F238E27FC236}">
+                <a16:creationId xmlns:a16="http://schemas.microsoft.com/office/drawing/2014/main" id="{40D0EB12-A134-7E75-F4D6-BFB1B126376B}"/>
+              </a:ext>
+            </a:extLst>
+          </p:cNvPr>
+          <p:cNvSpPr>
+            <a:spLocks noGrp="1"/>
+          </p:cNvSpPr>
+          <p:nvPr>
+            <p:ph type="title"/>
+          </p:nvPr>
+        </p:nvSpPr>
+        <p:spPr>
+          <a:xfrm>
+            <a:off x="517869" y="976160"/>
+            <a:ext cx="8686800" cy="1934172"/>
+          </a:xfrm>
+        </p:spPr>
+        <p:txBody>
+          <a:bodyPr>
+            <a:normAutofit/>
+          </a:bodyPr>
+          <a:lstStyle/>
+          <a:p>
+            <a:r>
+              <a:rPr lang="en-IN" sz="4000" dirty="0">
+                <a:latin typeface="Arial" panose="020B0604020202020204" pitchFamily="34" charset="0"/>
+                <a:cs typeface="Arial" panose="020B0604020202020204" pitchFamily="34" charset="0"/>
+              </a:rPr>
+              <a:t>IMPLEMENTATION (LEARNING &amp; PREDICTION PHASE)</a:t>
+            </a:r>
+            <a:endParaRPr lang="en-US" sz="4000" dirty="0">
+              <a:latin typeface="Arial" panose="020B0604020202020204" pitchFamily="34" charset="0"/>
+              <a:cs typeface="Arial" panose="020B0604020202020204" pitchFamily="34" charset="0"/>
+            </a:endParaRPr>
+          </a:p>
+        </p:txBody>
+      </p:sp>
+      <p:sp>
+        <p:nvSpPr>
+          <p:cNvPr id="10" name="Rectangle 9">
+            <a:extLst>
+              <a:ext uri="{FF2B5EF4-FFF2-40B4-BE49-F238E27FC236}">
+                <a16:creationId xmlns:a16="http://schemas.microsoft.com/office/drawing/2014/main" id="{5B8D7907-8AB9-4E98-A576-1A13AECEDF3A}"/>
+              </a:ext>
+              <a:ext uri="{C183D7F6-B498-43B3-948B-1728B52AA6E4}">
+                <adec:decorative xmlns:adec="http://schemas.microsoft.com/office/drawing/2017/decorative" val="1"/>
+              </a:ext>
+            </a:extLst>
+          </p:cNvPr>
+          <p:cNvSpPr>
+            <a:spLocks noGrp="1" noRot="1" noChangeAspect="1" noMove="1" noResize="1" noEditPoints="1" noAdjustHandles="1" noChangeArrowheads="1" noChangeShapeType="1" noTextEdit="1"/>
+          </p:cNvSpPr>
+          <p:nvPr>
+            <p:extLst>
+              <p:ext uri="{386F3935-93C4-4BCD-93E2-E3B085C9AB24}">
+                <p16:designElem xmlns:p16="http://schemas.microsoft.com/office/powerpoint/2015/main" val="1"/>
+              </p:ext>
+            </p:extLst>
+          </p:nvPr>
+        </p:nvSpPr>
+        <p:spPr>
+          <a:xfrm>
+            <a:off x="517869" y="508090"/>
+            <a:ext cx="8732520" cy="149279"/>
+          </a:xfrm>
+          <a:prstGeom prst="rect">
+            <a:avLst/>
+          </a:prstGeom>
+          <a:solidFill>
+            <a:schemeClr val="tx1"/>
+          </a:solidFill>
+          <a:ln>
+            <a:noFill/>
+          </a:ln>
+        </p:spPr>
+        <p:style>
+          <a:lnRef idx="2">
+            <a:schemeClr val="accent1">
+              <a:shade val="50000"/>
+            </a:schemeClr>
+          </a:lnRef>
+          <a:fillRef idx="1">
+            <a:schemeClr val="accent1"/>
+          </a:fillRef>
+          <a:effectRef idx="0">
+            <a:schemeClr val="accent1"/>
+          </a:effectRef>
+          <a:fontRef idx="minor">
+            <a:schemeClr val="lt1"/>
+          </a:fontRef>
+        </p:style>
+        <p:txBody>
+          <a:bodyPr rtlCol="0" anchor="ctr"/>
+          <a:lstStyle/>
+          <a:p>
+            <a:pPr algn="ctr"/>
+            <a:endParaRPr lang="en-US"/>
+          </a:p>
+        </p:txBody>
+      </p:sp>
+      <p:sp>
+        <p:nvSpPr>
+          <p:cNvPr id="3" name="Content Placeholder 2">
+            <a:extLst>
+              <a:ext uri="{FF2B5EF4-FFF2-40B4-BE49-F238E27FC236}">
+                <a16:creationId xmlns:a16="http://schemas.microsoft.com/office/drawing/2014/main" id="{763BEB7E-6433-D9C5-97F5-24ECBCE4A991}"/>
+              </a:ext>
+            </a:extLst>
+          </p:cNvPr>
+          <p:cNvSpPr>
+            <a:spLocks noGrp="1"/>
+          </p:cNvSpPr>
+          <p:nvPr>
+            <p:ph idx="1"/>
+          </p:nvPr>
+        </p:nvSpPr>
+        <p:spPr>
+          <a:xfrm>
+            <a:off x="517869" y="2693773"/>
+            <a:ext cx="8686799" cy="3495091"/>
+          </a:xfrm>
+        </p:spPr>
+        <p:txBody>
+          <a:bodyPr>
+            <a:normAutofit/>
+          </a:bodyPr>
+          <a:lstStyle/>
+          <a:p>
+            <a:r>
+              <a:rPr lang="en-US" b="1" dirty="0">
+                <a:latin typeface="Arial" panose="020B0604020202020204" pitchFamily="34" charset="0"/>
+                <a:cs typeface="Arial" panose="020B0604020202020204" pitchFamily="34" charset="0"/>
+              </a:rPr>
+              <a:t>For Numbers :</a:t>
+            </a:r>
+          </a:p>
+          <a:p>
+            <a:pPr marL="342900" indent="-342900">
+              <a:buFont typeface="Arial" panose="020B0604020202020204" pitchFamily="34" charset="0"/>
+              <a:buChar char="•"/>
+            </a:pPr>
+            <a:r>
+              <a:rPr lang="en-US" dirty="0">
+                <a:latin typeface="Arial" panose="020B0604020202020204" pitchFamily="34" charset="0"/>
+                <a:cs typeface="Arial" panose="020B0604020202020204" pitchFamily="34" charset="0"/>
+              </a:rPr>
+              <a:t>Obtain datasets and train with Spatial Pooler using a scalar encoder.</a:t>
+            </a:r>
+          </a:p>
+          <a:p>
+            <a:pPr marL="342900" indent="-342900">
+              <a:buFont typeface="Arial" panose="020B0604020202020204" pitchFamily="34" charset="0"/>
+              <a:buChar char="•"/>
+            </a:pPr>
+            <a:r>
+              <a:rPr lang="en-US" dirty="0">
+                <a:latin typeface="Arial" panose="020B0604020202020204" pitchFamily="34" charset="0"/>
+                <a:cs typeface="Arial" panose="020B0604020202020204" pitchFamily="34" charset="0"/>
+              </a:rPr>
+              <a:t>Spatial Pooler iteratively trains each sequence until it reaches a stable state.</a:t>
+            </a:r>
+          </a:p>
+          <a:p>
+            <a:pPr marL="342900" indent="-342900">
+              <a:buFont typeface="Arial" panose="020B0604020202020204" pitchFamily="34" charset="0"/>
+              <a:buChar char="•"/>
+            </a:pPr>
+            <a:r>
+              <a:rPr lang="en-US" dirty="0">
+                <a:latin typeface="Arial" panose="020B0604020202020204" pitchFamily="34" charset="0"/>
+                <a:cs typeface="Arial" panose="020B0604020202020204" pitchFamily="34" charset="0"/>
+              </a:rPr>
+              <a:t>HTM is a memory-based system that stores a large number of patterns and sequences.</a:t>
+            </a:r>
+          </a:p>
+        </p:txBody>
+      </p:sp>
+    </p:spTree>
+    <p:extLst>
+      <p:ext uri="{BB962C8B-B14F-4D97-AF65-F5344CB8AC3E}">
+        <p14:creationId xmlns:p14="http://schemas.microsoft.com/office/powerpoint/2010/main" val="3177780836"/>
+      </p:ext>
+    </p:extLst>
+  </p:cSld>
+  <p:clrMapOvr>
+    <a:masterClrMapping/>
+  </p:clrMapOvr>
+</p:sld>
+</file>
+
+<file path=ppt/slides/slide12.xml><?xml version="1.0" encoding="utf-8"?>
+<p:sld xmlns:a="http://schemas.openxmlformats.org/drawingml/2006/main" xmlns:r="http://schemas.openxmlformats.org/officeDocument/2006/relationships" xmlns:p="http://schemas.openxmlformats.org/presentationml/2006/main">
+  <p:cSld>
+    <p:bg>
+      <p:bgPr>
+        <a:solidFill>
+          <a:schemeClr val="bg1"/>
+        </a:solidFill>
+        <a:effectLst/>
+      </p:bgPr>
+    </p:bg>
+    <p:spTree>
+      <p:nvGrpSpPr>
+        <p:cNvPr id="1" name=""/>
+        <p:cNvGrpSpPr/>
+        <p:nvPr/>
+      </p:nvGrpSpPr>
+      <p:grpSpPr>
+        <a:xfrm>
+          <a:off x="0" y="0"/>
+          <a:ext cx="0" cy="0"/>
+          <a:chOff x="0" y="0"/>
+          <a:chExt cx="0" cy="0"/>
+        </a:xfrm>
+      </p:grpSpPr>
+      <p:sp useBgFill="1">
+        <p:nvSpPr>
+          <p:cNvPr id="8" name="Rectangle 7">
+            <a:extLst>
+              <a:ext uri="{FF2B5EF4-FFF2-40B4-BE49-F238E27FC236}">
+                <a16:creationId xmlns:a16="http://schemas.microsoft.com/office/drawing/2014/main" id="{FAA3B297-9683-4E38-89FA-062C53E13F85}"/>
+              </a:ext>
+              <a:ext uri="{C183D7F6-B498-43B3-948B-1728B52AA6E4}">
+                <adec:decorative xmlns:adec="http://schemas.microsoft.com/office/drawing/2017/decorative" val="1"/>
+              </a:ext>
+            </a:extLst>
+          </p:cNvPr>
+          <p:cNvSpPr>
+            <a:spLocks noGrp="1" noRot="1" noChangeAspect="1" noMove="1" noResize="1" noEditPoints="1" noAdjustHandles="1" noChangeArrowheads="1" noChangeShapeType="1" noTextEdit="1"/>
+          </p:cNvSpPr>
+          <p:nvPr>
+            <p:extLst>
+              <p:ext uri="{386F3935-93C4-4BCD-93E2-E3B085C9AB24}">
+                <p16:designElem xmlns:p16="http://schemas.microsoft.com/office/powerpoint/2015/main" val="1"/>
+              </p:ext>
+            </p:extLst>
+          </p:nvPr>
+        </p:nvSpPr>
+        <p:spPr>
+          <a:xfrm>
+            <a:off x="0" y="0"/>
+            <a:ext cx="12188952" cy="6857995"/>
+          </a:xfrm>
+          <a:prstGeom prst="rect">
+            <a:avLst/>
+          </a:prstGeom>
+          <a:ln>
+            <a:noFill/>
+          </a:ln>
+        </p:spPr>
+        <p:style>
+          <a:lnRef idx="2">
+            <a:schemeClr val="accent1">
+              <a:shade val="50000"/>
+            </a:schemeClr>
+          </a:lnRef>
+          <a:fillRef idx="1">
+            <a:schemeClr val="accent1"/>
+          </a:fillRef>
+          <a:effectRef idx="0">
+            <a:schemeClr val="accent1"/>
+          </a:effectRef>
+          <a:fontRef idx="minor">
+            <a:schemeClr val="lt1"/>
+          </a:fontRef>
+        </p:style>
+        <p:txBody>
+          <a:bodyPr rtlCol="0" anchor="ctr"/>
+          <a:lstStyle/>
+          <a:p>
+            <a:pPr algn="ctr"/>
+            <a:endParaRPr lang="en-US" dirty="0"/>
+          </a:p>
+        </p:txBody>
+      </p:sp>
+      <p:sp>
+        <p:nvSpPr>
+          <p:cNvPr id="2" name="Title 1">
+            <a:extLst>
+              <a:ext uri="{FF2B5EF4-FFF2-40B4-BE49-F238E27FC236}">
+                <a16:creationId xmlns:a16="http://schemas.microsoft.com/office/drawing/2014/main" id="{5F104249-400B-AD3A-F382-C91918689B2C}"/>
+              </a:ext>
+            </a:extLst>
+          </p:cNvPr>
+          <p:cNvSpPr>
+            <a:spLocks noGrp="1"/>
+          </p:cNvSpPr>
+          <p:nvPr>
+            <p:ph type="title"/>
+          </p:nvPr>
+        </p:nvSpPr>
+        <p:spPr>
+          <a:xfrm>
+            <a:off x="540729" y="796484"/>
+            <a:ext cx="8686800" cy="951494"/>
+          </a:xfrm>
+        </p:spPr>
+        <p:txBody>
+          <a:bodyPr>
+            <a:normAutofit/>
+          </a:bodyPr>
+          <a:lstStyle/>
+          <a:p>
+            <a:r>
+              <a:rPr lang="en-US" sz="4000" dirty="0">
+                <a:latin typeface="Arial" panose="020B0604020202020204" pitchFamily="34" charset="0"/>
+                <a:cs typeface="Arial" panose="020B0604020202020204" pitchFamily="34" charset="0"/>
+              </a:rPr>
+              <a:t>FLOW-CHART</a:t>
+            </a:r>
+          </a:p>
+        </p:txBody>
+      </p:sp>
+      <p:sp>
+        <p:nvSpPr>
+          <p:cNvPr id="10" name="Rectangle 9">
+            <a:extLst>
+              <a:ext uri="{FF2B5EF4-FFF2-40B4-BE49-F238E27FC236}">
+                <a16:creationId xmlns:a16="http://schemas.microsoft.com/office/drawing/2014/main" id="{5B8D7907-8AB9-4E98-A576-1A13AECEDF3A}"/>
+              </a:ext>
+              <a:ext uri="{C183D7F6-B498-43B3-948B-1728B52AA6E4}">
+                <adec:decorative xmlns:adec="http://schemas.microsoft.com/office/drawing/2017/decorative" val="1"/>
+              </a:ext>
+            </a:extLst>
+          </p:cNvPr>
+          <p:cNvSpPr>
+            <a:spLocks noGrp="1" noRot="1" noChangeAspect="1" noMove="1" noResize="1" noEditPoints="1" noAdjustHandles="1" noChangeArrowheads="1" noChangeShapeType="1" noTextEdit="1"/>
+          </p:cNvSpPr>
+          <p:nvPr>
+            <p:extLst>
+              <p:ext uri="{386F3935-93C4-4BCD-93E2-E3B085C9AB24}">
+                <p16:designElem xmlns:p16="http://schemas.microsoft.com/office/powerpoint/2015/main" val="1"/>
+              </p:ext>
+            </p:extLst>
+          </p:nvPr>
+        </p:nvSpPr>
+        <p:spPr>
+          <a:xfrm>
+            <a:off x="517869" y="508090"/>
+            <a:ext cx="8732520" cy="149279"/>
+          </a:xfrm>
+          <a:prstGeom prst="rect">
+            <a:avLst/>
+          </a:prstGeom>
+          <a:solidFill>
+            <a:schemeClr val="tx1"/>
+          </a:solidFill>
+          <a:ln>
+            <a:noFill/>
+          </a:ln>
+        </p:spPr>
+        <p:style>
+          <a:lnRef idx="2">
+            <a:schemeClr val="accent1">
+              <a:shade val="50000"/>
+            </a:schemeClr>
+          </a:lnRef>
+          <a:fillRef idx="1">
+            <a:schemeClr val="accent1"/>
+          </a:fillRef>
+          <a:effectRef idx="0">
+            <a:schemeClr val="accent1"/>
+          </a:effectRef>
+          <a:fontRef idx="minor">
+            <a:schemeClr val="lt1"/>
+          </a:fontRef>
+        </p:style>
+        <p:txBody>
+          <a:bodyPr rtlCol="0" anchor="ctr"/>
+          <a:lstStyle/>
+          <a:p>
+            <a:pPr algn="ctr"/>
+            <a:endParaRPr lang="en-US"/>
+          </a:p>
+        </p:txBody>
+      </p:sp>
+      <p:sp>
+        <p:nvSpPr>
+          <p:cNvPr id="3" name="Content Placeholder 2">
+            <a:extLst>
+              <a:ext uri="{FF2B5EF4-FFF2-40B4-BE49-F238E27FC236}">
+                <a16:creationId xmlns:a16="http://schemas.microsoft.com/office/drawing/2014/main" id="{7F00A25F-4CA4-D443-D525-EEE4B67C7EC0}"/>
+              </a:ext>
+            </a:extLst>
+          </p:cNvPr>
+          <p:cNvSpPr>
+            <a:spLocks noGrp="1"/>
+          </p:cNvSpPr>
+          <p:nvPr>
+            <p:ph idx="1"/>
+          </p:nvPr>
+        </p:nvSpPr>
+        <p:spPr>
+          <a:xfrm>
+            <a:off x="527686" y="1549353"/>
+            <a:ext cx="11123585" cy="4928605"/>
+          </a:xfrm>
+        </p:spPr>
+        <p:style>
+          <a:lnRef idx="2">
+            <a:schemeClr val="accent6"/>
+          </a:lnRef>
+          <a:fillRef idx="1">
+            <a:schemeClr val="lt1"/>
+          </a:fillRef>
+          <a:effectRef idx="0">
+            <a:schemeClr val="accent6"/>
+          </a:effectRef>
+          <a:fontRef idx="minor">
+            <a:schemeClr val="dk1"/>
+          </a:fontRef>
+        </p:style>
+        <p:txBody>
+          <a:bodyPr>
+            <a:normAutofit/>
+          </a:bodyPr>
+          <a:lstStyle/>
+          <a:p>
+            <a:endParaRPr lang="en-US" dirty="0"/>
+          </a:p>
+        </p:txBody>
+      </p:sp>
+      <p:sp>
+        <p:nvSpPr>
+          <p:cNvPr id="5" name="Oval 4">
+            <a:extLst>
+              <a:ext uri="{FF2B5EF4-FFF2-40B4-BE49-F238E27FC236}">
+                <a16:creationId xmlns:a16="http://schemas.microsoft.com/office/drawing/2014/main" id="{7DC6641C-EF28-FF0A-45EE-2B454883053F}"/>
+              </a:ext>
+            </a:extLst>
+          </p:cNvPr>
+          <p:cNvSpPr/>
+          <p:nvPr/>
+        </p:nvSpPr>
+        <p:spPr>
+          <a:xfrm>
+            <a:off x="1054992" y="1554730"/>
+            <a:ext cx="1746598" cy="659884"/>
+          </a:xfrm>
+          <a:prstGeom prst="ellipse">
+            <a:avLst/>
+          </a:prstGeom>
+        </p:spPr>
+        <p:style>
+          <a:lnRef idx="2">
+            <a:schemeClr val="accent6"/>
+          </a:lnRef>
+          <a:fillRef idx="1">
+            <a:schemeClr val="lt1"/>
+          </a:fillRef>
+          <a:effectRef idx="0">
+            <a:schemeClr val="accent6"/>
+          </a:effectRef>
+          <a:fontRef idx="minor">
+            <a:schemeClr val="dk1"/>
+          </a:fontRef>
+        </p:style>
+        <p:txBody>
+          <a:bodyPr rtlCol="0" anchor="ctr"/>
+          <a:lstStyle/>
+          <a:p>
+            <a:pPr algn="ctr"/>
+            <a:r>
+              <a:rPr lang="en-US" dirty="0"/>
+              <a:t>start</a:t>
+            </a:r>
+          </a:p>
+        </p:txBody>
+      </p:sp>
+      <p:sp>
+        <p:nvSpPr>
+          <p:cNvPr id="15" name="Rounded Rectangle 14">
+            <a:extLst>
+              <a:ext uri="{FF2B5EF4-FFF2-40B4-BE49-F238E27FC236}">
+                <a16:creationId xmlns:a16="http://schemas.microsoft.com/office/drawing/2014/main" id="{397CE3F1-3B82-B84B-1A86-237599C0C089}"/>
+              </a:ext>
+            </a:extLst>
+          </p:cNvPr>
+          <p:cNvSpPr/>
+          <p:nvPr/>
+        </p:nvSpPr>
+        <p:spPr>
+          <a:xfrm>
+            <a:off x="6285790" y="4668048"/>
+            <a:ext cx="1839566" cy="792072"/>
+          </a:xfrm>
+          <a:prstGeom prst="roundRect">
+            <a:avLst/>
+          </a:prstGeom>
+        </p:spPr>
+        <p:style>
+          <a:lnRef idx="2">
+            <a:schemeClr val="accent6"/>
+          </a:lnRef>
+          <a:fillRef idx="1">
+            <a:schemeClr val="lt1"/>
+          </a:fillRef>
+          <a:effectRef idx="0">
+            <a:schemeClr val="accent6"/>
+          </a:effectRef>
+          <a:fontRef idx="minor">
+            <a:schemeClr val="dk1"/>
+          </a:fontRef>
+        </p:style>
+        <p:txBody>
+          <a:bodyPr rtlCol="0" anchor="ctr"/>
+          <a:lstStyle/>
+          <a:p>
+            <a:pPr algn="ctr"/>
+            <a:r>
+              <a:rPr lang="en-US" dirty="0"/>
+              <a:t>Prediction Accuracy percentage</a:t>
+            </a:r>
+          </a:p>
+        </p:txBody>
+      </p:sp>
+      <p:sp>
+        <p:nvSpPr>
+          <p:cNvPr id="16" name="Oval 15">
+            <a:extLst>
+              <a:ext uri="{FF2B5EF4-FFF2-40B4-BE49-F238E27FC236}">
+                <a16:creationId xmlns:a16="http://schemas.microsoft.com/office/drawing/2014/main" id="{2B45E3DA-07BD-7660-8415-B253BF777F35}"/>
+              </a:ext>
+            </a:extLst>
+          </p:cNvPr>
+          <p:cNvSpPr/>
+          <p:nvPr/>
+        </p:nvSpPr>
+        <p:spPr>
+          <a:xfrm>
+            <a:off x="10012972" y="5631520"/>
+            <a:ext cx="1638299" cy="743589"/>
+          </a:xfrm>
+          <a:prstGeom prst="ellipse">
+            <a:avLst/>
+          </a:prstGeom>
+        </p:spPr>
+        <p:style>
+          <a:lnRef idx="2">
+            <a:schemeClr val="accent6"/>
+          </a:lnRef>
+          <a:fillRef idx="1">
+            <a:schemeClr val="lt1"/>
+          </a:fillRef>
+          <a:effectRef idx="0">
+            <a:schemeClr val="accent6"/>
+          </a:effectRef>
+          <a:fontRef idx="minor">
+            <a:schemeClr val="dk1"/>
+          </a:fontRef>
+        </p:style>
+        <p:txBody>
+          <a:bodyPr rtlCol="0" anchor="ctr"/>
+          <a:lstStyle/>
+          <a:p>
+            <a:pPr algn="ctr"/>
+            <a:r>
+              <a:rPr lang="en-US" dirty="0"/>
+              <a:t>End</a:t>
+            </a:r>
+          </a:p>
+        </p:txBody>
+      </p:sp>
+      <p:sp>
+        <p:nvSpPr>
+          <p:cNvPr id="17" name="Down Arrow 16">
+            <a:extLst>
+              <a:ext uri="{FF2B5EF4-FFF2-40B4-BE49-F238E27FC236}">
+                <a16:creationId xmlns:a16="http://schemas.microsoft.com/office/drawing/2014/main" id="{88887668-6271-D7D8-ED26-C066174E009E}"/>
+              </a:ext>
+            </a:extLst>
+          </p:cNvPr>
+          <p:cNvSpPr/>
+          <p:nvPr/>
+        </p:nvSpPr>
+        <p:spPr>
+          <a:xfrm>
+            <a:off x="1788948" y="2214614"/>
+            <a:ext cx="157160" cy="384314"/>
+          </a:xfrm>
+          <a:prstGeom prst="downArrow">
+            <a:avLst/>
+          </a:prstGeom>
+        </p:spPr>
+        <p:style>
+          <a:lnRef idx="2">
+            <a:schemeClr val="accent6"/>
+          </a:lnRef>
+          <a:fillRef idx="1">
+            <a:schemeClr val="lt1"/>
+          </a:fillRef>
+          <a:effectRef idx="0">
+            <a:schemeClr val="accent6"/>
+          </a:effectRef>
+          <a:fontRef idx="minor">
+            <a:schemeClr val="dk1"/>
+          </a:fontRef>
+        </p:style>
+        <p:txBody>
+          <a:bodyPr rtlCol="0" anchor="ctr"/>
+          <a:lstStyle/>
+          <a:p>
+            <a:pPr algn="ctr"/>
+            <a:endParaRPr lang="en-US"/>
+          </a:p>
+        </p:txBody>
+      </p:sp>
+      <p:sp>
+        <p:nvSpPr>
+          <p:cNvPr id="18" name="Down Arrow 17">
+            <a:extLst>
+              <a:ext uri="{FF2B5EF4-FFF2-40B4-BE49-F238E27FC236}">
+                <a16:creationId xmlns:a16="http://schemas.microsoft.com/office/drawing/2014/main" id="{2336F564-34E4-8B70-4E6A-DB84DCD258B8}"/>
+              </a:ext>
+            </a:extLst>
+          </p:cNvPr>
+          <p:cNvSpPr/>
+          <p:nvPr/>
+        </p:nvSpPr>
+        <p:spPr>
+          <a:xfrm>
+            <a:off x="1782522" y="4252721"/>
+            <a:ext cx="163586" cy="344727"/>
+          </a:xfrm>
+          <a:prstGeom prst="downArrow">
+            <a:avLst/>
+          </a:prstGeom>
+        </p:spPr>
+        <p:style>
+          <a:lnRef idx="2">
+            <a:schemeClr val="accent6"/>
+          </a:lnRef>
+          <a:fillRef idx="1">
+            <a:schemeClr val="lt1"/>
+          </a:fillRef>
+          <a:effectRef idx="0">
+            <a:schemeClr val="accent6"/>
+          </a:effectRef>
+          <a:fontRef idx="minor">
+            <a:schemeClr val="dk1"/>
+          </a:fontRef>
+        </p:style>
+        <p:txBody>
+          <a:bodyPr rtlCol="0" anchor="ctr"/>
+          <a:lstStyle/>
+          <a:p>
+            <a:pPr algn="ctr"/>
+            <a:endParaRPr lang="en-US"/>
+          </a:p>
+        </p:txBody>
+      </p:sp>
+      <p:sp>
+        <p:nvSpPr>
+          <p:cNvPr id="9" name="Right Arrow 8">
+            <a:extLst>
+              <a:ext uri="{FF2B5EF4-FFF2-40B4-BE49-F238E27FC236}">
+                <a16:creationId xmlns:a16="http://schemas.microsoft.com/office/drawing/2014/main" id="{56627477-6447-0E82-4ADF-1AA0C507CC8C}"/>
+              </a:ext>
+            </a:extLst>
+          </p:cNvPr>
+          <p:cNvSpPr/>
+          <p:nvPr/>
+        </p:nvSpPr>
+        <p:spPr>
+          <a:xfrm>
+            <a:off x="2801590" y="4789076"/>
+            <a:ext cx="1086043" cy="197708"/>
+          </a:xfrm>
+          <a:prstGeom prst="rightArrow">
+            <a:avLst/>
+          </a:prstGeom>
+        </p:spPr>
+        <p:style>
+          <a:lnRef idx="2">
+            <a:schemeClr val="accent6"/>
+          </a:lnRef>
+          <a:fillRef idx="1">
+            <a:schemeClr val="lt1"/>
+          </a:fillRef>
+          <a:effectRef idx="0">
+            <a:schemeClr val="accent6"/>
+          </a:effectRef>
+          <a:fontRef idx="minor">
+            <a:schemeClr val="dk1"/>
+          </a:fontRef>
+        </p:style>
+        <p:txBody>
+          <a:bodyPr rtlCol="0" anchor="ctr"/>
+          <a:lstStyle/>
+          <a:p>
+            <a:pPr algn="ctr"/>
+            <a:endParaRPr lang="en-US"/>
+          </a:p>
+        </p:txBody>
+      </p:sp>
+      <p:sp>
+        <p:nvSpPr>
+          <p:cNvPr id="11" name="Right Arrow 10">
+            <a:extLst>
+              <a:ext uri="{FF2B5EF4-FFF2-40B4-BE49-F238E27FC236}">
+                <a16:creationId xmlns:a16="http://schemas.microsoft.com/office/drawing/2014/main" id="{3410A266-B8BB-EE85-EA3D-1FF97F82D2ED}"/>
+              </a:ext>
+            </a:extLst>
+          </p:cNvPr>
+          <p:cNvSpPr/>
+          <p:nvPr/>
+        </p:nvSpPr>
+        <p:spPr>
+          <a:xfrm>
+            <a:off x="5588775" y="4837911"/>
+            <a:ext cx="705327" cy="148873"/>
+          </a:xfrm>
+          <a:prstGeom prst="rightArrow">
+            <a:avLst/>
+          </a:prstGeom>
+        </p:spPr>
+        <p:style>
+          <a:lnRef idx="2">
+            <a:schemeClr val="accent6"/>
+          </a:lnRef>
+          <a:fillRef idx="1">
+            <a:schemeClr val="lt1"/>
+          </a:fillRef>
+          <a:effectRef idx="0">
+            <a:schemeClr val="accent6"/>
+          </a:effectRef>
+          <a:fontRef idx="minor">
+            <a:schemeClr val="dk1"/>
+          </a:fontRef>
+        </p:style>
+        <p:txBody>
+          <a:bodyPr rtlCol="0" anchor="ctr"/>
+          <a:lstStyle/>
+          <a:p>
+            <a:pPr algn="ctr"/>
+            <a:endParaRPr lang="en-US"/>
+          </a:p>
+        </p:txBody>
+      </p:sp>
+      <p:sp>
+        <p:nvSpPr>
+          <p:cNvPr id="21" name="Right Arrow 20">
+            <a:extLst>
+              <a:ext uri="{FF2B5EF4-FFF2-40B4-BE49-F238E27FC236}">
+                <a16:creationId xmlns:a16="http://schemas.microsoft.com/office/drawing/2014/main" id="{E362A932-2CCA-A85C-382B-9920ECA90B48}"/>
+              </a:ext>
+            </a:extLst>
+          </p:cNvPr>
+          <p:cNvSpPr/>
+          <p:nvPr/>
+        </p:nvSpPr>
+        <p:spPr>
+          <a:xfrm>
+            <a:off x="8144494" y="4818543"/>
+            <a:ext cx="641160" cy="148873"/>
+          </a:xfrm>
+          <a:prstGeom prst="rightArrow">
+            <a:avLst/>
+          </a:prstGeom>
+        </p:spPr>
+        <p:style>
+          <a:lnRef idx="2">
+            <a:schemeClr val="accent6"/>
+          </a:lnRef>
+          <a:fillRef idx="1">
+            <a:schemeClr val="lt1"/>
+          </a:fillRef>
+          <a:effectRef idx="0">
+            <a:schemeClr val="accent6"/>
+          </a:effectRef>
+          <a:fontRef idx="minor">
+            <a:schemeClr val="dk1"/>
+          </a:fontRef>
+        </p:style>
+        <p:txBody>
+          <a:bodyPr rtlCol="0" anchor="ctr"/>
+          <a:lstStyle/>
+          <a:p>
+            <a:pPr algn="ctr"/>
+            <a:endParaRPr lang="en-US"/>
+          </a:p>
+        </p:txBody>
+      </p:sp>
+      <p:sp>
+        <p:nvSpPr>
+          <p:cNvPr id="4" name="Rounded Rectangle 3">
+            <a:extLst>
+              <a:ext uri="{FF2B5EF4-FFF2-40B4-BE49-F238E27FC236}">
+                <a16:creationId xmlns:a16="http://schemas.microsoft.com/office/drawing/2014/main" id="{D4A40251-7AAB-7045-70B8-EFC431454BA6}"/>
+              </a:ext>
+            </a:extLst>
+          </p:cNvPr>
+          <p:cNvSpPr/>
+          <p:nvPr/>
+        </p:nvSpPr>
+        <p:spPr>
+          <a:xfrm>
+            <a:off x="8805522" y="4589138"/>
+            <a:ext cx="1638300" cy="939455"/>
+          </a:xfrm>
+          <a:prstGeom prst="roundRect">
+            <a:avLst/>
+          </a:prstGeom>
+        </p:spPr>
+        <p:style>
+          <a:lnRef idx="2">
+            <a:schemeClr val="accent6"/>
+          </a:lnRef>
+          <a:fillRef idx="1">
+            <a:schemeClr val="lt1"/>
+          </a:fillRef>
+          <a:effectRef idx="0">
+            <a:schemeClr val="accent6"/>
+          </a:effectRef>
+          <a:fontRef idx="minor">
+            <a:schemeClr val="dk1"/>
+          </a:fontRef>
+        </p:style>
+        <p:txBody>
+          <a:bodyPr rtlCol="0" anchor="ctr"/>
+          <a:lstStyle/>
+          <a:p>
+            <a:pPr algn="ctr"/>
+            <a:r>
+              <a:rPr lang="en-US" dirty="0"/>
+              <a:t>Storing the result in a file</a:t>
+            </a:r>
+          </a:p>
+        </p:txBody>
+      </p:sp>
+      <p:cxnSp>
+        <p:nvCxnSpPr>
+          <p:cNvPr id="12" name="Elbow Connector 11">
+            <a:extLst>
+              <a:ext uri="{FF2B5EF4-FFF2-40B4-BE49-F238E27FC236}">
+                <a16:creationId xmlns:a16="http://schemas.microsoft.com/office/drawing/2014/main" id="{D844C34E-6877-E658-A3AA-CF00666EB3D6}"/>
+              </a:ext>
+            </a:extLst>
+          </p:cNvPr>
+          <p:cNvCxnSpPr>
+            <a:cxnSpLocks/>
+          </p:cNvCxnSpPr>
+          <p:nvPr/>
+        </p:nvCxnSpPr>
+        <p:spPr>
+          <a:xfrm>
+            <a:off x="10443822" y="4880669"/>
+            <a:ext cx="518970" cy="743590"/>
+          </a:xfrm>
+          <a:prstGeom prst="bentConnector2">
+            <a:avLst/>
+          </a:prstGeom>
+          <a:ln>
+            <a:tailEnd type="triangle"/>
+          </a:ln>
+        </p:spPr>
+        <p:style>
+          <a:lnRef idx="1">
+            <a:schemeClr val="accent2"/>
+          </a:lnRef>
+          <a:fillRef idx="0">
+            <a:schemeClr val="accent2"/>
+          </a:fillRef>
+          <a:effectRef idx="0">
+            <a:schemeClr val="accent2"/>
+          </a:effectRef>
+          <a:fontRef idx="minor">
+            <a:schemeClr val="tx1"/>
+          </a:fontRef>
+        </p:style>
+      </p:cxnSp>
+      <p:sp>
+        <p:nvSpPr>
+          <p:cNvPr id="19" name="Rounded Rectangle 18">
+            <a:extLst>
+              <a:ext uri="{FF2B5EF4-FFF2-40B4-BE49-F238E27FC236}">
+                <a16:creationId xmlns:a16="http://schemas.microsoft.com/office/drawing/2014/main" id="{6D82EB05-2B37-FE9E-A30C-5F92C79027E5}"/>
+              </a:ext>
+            </a:extLst>
+          </p:cNvPr>
+          <p:cNvSpPr/>
+          <p:nvPr/>
+        </p:nvSpPr>
+        <p:spPr>
+          <a:xfrm>
+            <a:off x="3870400" y="4577099"/>
+            <a:ext cx="1669900" cy="951494"/>
+          </a:xfrm>
+          <a:prstGeom prst="roundRect">
+            <a:avLst/>
+          </a:prstGeom>
+        </p:spPr>
+        <p:style>
+          <a:lnRef idx="2">
+            <a:schemeClr val="accent6"/>
+          </a:lnRef>
+          <a:fillRef idx="1">
+            <a:schemeClr val="lt1"/>
+          </a:fillRef>
+          <a:effectRef idx="0">
+            <a:schemeClr val="accent6"/>
+          </a:effectRef>
+          <a:fontRef idx="minor">
+            <a:schemeClr val="dk1"/>
+          </a:fontRef>
+        </p:style>
+        <p:txBody>
+          <a:bodyPr rtlCol="0" anchor="ctr"/>
+          <a:lstStyle/>
+          <a:p>
+            <a:pPr algn="ctr"/>
+            <a:r>
+              <a:rPr lang="en-US" dirty="0"/>
+              <a:t>Enter Test-Data Sequences</a:t>
+            </a:r>
+          </a:p>
+        </p:txBody>
+      </p:sp>
+      <p:sp>
+        <p:nvSpPr>
+          <p:cNvPr id="20" name="Rounded Rectangle 19">
+            <a:extLst>
+              <a:ext uri="{FF2B5EF4-FFF2-40B4-BE49-F238E27FC236}">
+                <a16:creationId xmlns:a16="http://schemas.microsoft.com/office/drawing/2014/main" id="{EBA852CD-302B-550D-3C0E-1B1EBFF12880}"/>
+              </a:ext>
+            </a:extLst>
+          </p:cNvPr>
+          <p:cNvSpPr/>
+          <p:nvPr/>
+        </p:nvSpPr>
+        <p:spPr>
+          <a:xfrm>
+            <a:off x="999185" y="4597448"/>
+            <a:ext cx="1903760" cy="933273"/>
+          </a:xfrm>
+          <a:prstGeom prst="roundRect">
+            <a:avLst/>
+          </a:prstGeom>
+        </p:spPr>
+        <p:style>
+          <a:lnRef idx="2">
+            <a:schemeClr val="accent6"/>
+          </a:lnRef>
+          <a:fillRef idx="1">
+            <a:schemeClr val="lt1"/>
+          </a:fillRef>
+          <a:effectRef idx="0">
+            <a:schemeClr val="accent6"/>
+          </a:effectRef>
+          <a:fontRef idx="minor">
+            <a:schemeClr val="dk1"/>
+          </a:fontRef>
+        </p:style>
+        <p:txBody>
+          <a:bodyPr rtlCol="0" anchor="ctr"/>
+          <a:lstStyle/>
+          <a:p>
+            <a:pPr algn="ctr"/>
+            <a:r>
+              <a:rPr lang="en-US" dirty="0"/>
+              <a:t>Train Datasets</a:t>
+            </a:r>
+          </a:p>
+        </p:txBody>
+      </p:sp>
+      <p:sp>
+        <p:nvSpPr>
+          <p:cNvPr id="22" name="Rounded Rectangle 21">
+            <a:extLst>
+              <a:ext uri="{FF2B5EF4-FFF2-40B4-BE49-F238E27FC236}">
+                <a16:creationId xmlns:a16="http://schemas.microsoft.com/office/drawing/2014/main" id="{08DB2331-8D4B-27D3-CC83-C8AAC74B96FD}"/>
+              </a:ext>
+            </a:extLst>
+          </p:cNvPr>
+          <p:cNvSpPr/>
+          <p:nvPr/>
+        </p:nvSpPr>
+        <p:spPr>
+          <a:xfrm>
+            <a:off x="782248" y="2598928"/>
+            <a:ext cx="2183607" cy="802843"/>
+          </a:xfrm>
+          <a:prstGeom prst="roundRect">
+            <a:avLst/>
+          </a:prstGeom>
+        </p:spPr>
+        <p:style>
+          <a:lnRef idx="2">
+            <a:schemeClr val="accent6"/>
+          </a:lnRef>
+          <a:fillRef idx="1">
+            <a:schemeClr val="lt1"/>
+          </a:fillRef>
+          <a:effectRef idx="0">
+            <a:schemeClr val="accent6"/>
+          </a:effectRef>
+          <a:fontRef idx="minor">
+            <a:schemeClr val="dk1"/>
+          </a:fontRef>
+        </p:style>
+        <p:txBody>
+          <a:bodyPr rtlCol="0" anchor="ctr"/>
+          <a:lstStyle/>
+          <a:p>
+            <a:pPr algn="ctr"/>
+            <a:r>
+              <a:rPr lang="en-US" dirty="0"/>
+              <a:t>Multi-Sequences stored in the file</a:t>
+            </a:r>
+          </a:p>
+        </p:txBody>
+      </p:sp>
+      <p:sp>
+        <p:nvSpPr>
+          <p:cNvPr id="6" name="Diamond 5">
+            <a:extLst>
+              <a:ext uri="{FF2B5EF4-FFF2-40B4-BE49-F238E27FC236}">
+                <a16:creationId xmlns:a16="http://schemas.microsoft.com/office/drawing/2014/main" id="{4B0276D0-9B9B-F202-5EF7-CFDEAD06B2BE}"/>
+              </a:ext>
+            </a:extLst>
+          </p:cNvPr>
+          <p:cNvSpPr/>
+          <p:nvPr/>
+        </p:nvSpPr>
+        <p:spPr>
+          <a:xfrm>
+            <a:off x="922171" y="3682289"/>
+            <a:ext cx="1903760" cy="583246"/>
+          </a:xfrm>
+          <a:prstGeom prst="diamond">
+            <a:avLst/>
+          </a:prstGeom>
+        </p:spPr>
+        <p:style>
+          <a:lnRef idx="2">
+            <a:schemeClr val="accent6"/>
+          </a:lnRef>
+          <a:fillRef idx="1">
+            <a:schemeClr val="lt1"/>
+          </a:fillRef>
+          <a:effectRef idx="0">
+            <a:schemeClr val="accent6"/>
+          </a:effectRef>
+          <a:fontRef idx="minor">
+            <a:schemeClr val="dk1"/>
+          </a:fontRef>
+        </p:style>
+        <p:txBody>
+          <a:bodyPr rtlCol="0" anchor="ctr"/>
+          <a:lstStyle/>
+          <a:p>
+            <a:pPr algn="ctr"/>
+            <a:r>
+              <a:rPr lang="en-US" dirty="0"/>
+              <a:t>File exists</a:t>
+            </a:r>
+          </a:p>
+        </p:txBody>
+      </p:sp>
+      <p:sp>
+        <p:nvSpPr>
+          <p:cNvPr id="14" name="Down Arrow 13">
+            <a:extLst>
+              <a:ext uri="{FF2B5EF4-FFF2-40B4-BE49-F238E27FC236}">
+                <a16:creationId xmlns:a16="http://schemas.microsoft.com/office/drawing/2014/main" id="{940ABA65-4167-E064-54A7-87B6CC70754C}"/>
+              </a:ext>
+            </a:extLst>
+          </p:cNvPr>
+          <p:cNvSpPr/>
+          <p:nvPr/>
+        </p:nvSpPr>
+        <p:spPr>
+          <a:xfrm>
+            <a:off x="1788948" y="3428997"/>
+            <a:ext cx="157160" cy="236613"/>
+          </a:xfrm>
+          <a:prstGeom prst="downArrow">
+            <a:avLst/>
+          </a:prstGeom>
+        </p:spPr>
+        <p:style>
+          <a:lnRef idx="2">
+            <a:schemeClr val="accent6"/>
+          </a:lnRef>
+          <a:fillRef idx="1">
+            <a:schemeClr val="lt1"/>
+          </a:fillRef>
+          <a:effectRef idx="0">
+            <a:schemeClr val="accent6"/>
+          </a:effectRef>
+          <a:fontRef idx="minor">
+            <a:schemeClr val="dk1"/>
+          </a:fontRef>
+        </p:style>
+        <p:txBody>
+          <a:bodyPr rtlCol="0" anchor="ctr"/>
+          <a:lstStyle/>
+          <a:p>
+            <a:pPr algn="ctr"/>
+            <a:endParaRPr lang="en-US"/>
+          </a:p>
+        </p:txBody>
+      </p:sp>
+      <p:cxnSp>
+        <p:nvCxnSpPr>
+          <p:cNvPr id="28" name="Elbow Connector 27">
+            <a:extLst>
+              <a:ext uri="{FF2B5EF4-FFF2-40B4-BE49-F238E27FC236}">
+                <a16:creationId xmlns:a16="http://schemas.microsoft.com/office/drawing/2014/main" id="{9F6A94F4-2454-3A6D-31E3-ADD6F732B04F}"/>
+              </a:ext>
+            </a:extLst>
+          </p:cNvPr>
+          <p:cNvCxnSpPr>
+            <a:stCxn id="6" idx="1"/>
+          </p:cNvCxnSpPr>
+          <p:nvPr/>
+        </p:nvCxnSpPr>
+        <p:spPr>
+          <a:xfrm rot="10800000" flipH="1" flipV="1">
+            <a:off x="922170" y="3973912"/>
+            <a:ext cx="9090801" cy="2029402"/>
+          </a:xfrm>
+          <a:prstGeom prst="bentConnector3">
+            <a:avLst>
+              <a:gd name="adj1" fmla="val -2515"/>
+            </a:avLst>
+          </a:prstGeom>
+          <a:ln>
+            <a:tailEnd type="triangle"/>
+          </a:ln>
+        </p:spPr>
+        <p:style>
+          <a:lnRef idx="1">
+            <a:schemeClr val="accent2"/>
+          </a:lnRef>
+          <a:fillRef idx="0">
+            <a:schemeClr val="accent2"/>
+          </a:fillRef>
+          <a:effectRef idx="0">
+            <a:schemeClr val="accent2"/>
+          </a:effectRef>
+          <a:fontRef idx="minor">
+            <a:schemeClr val="tx1"/>
+          </a:fontRef>
+        </p:style>
+      </p:cxnSp>
+    </p:spTree>
+    <p:extLst>
+      <p:ext uri="{BB962C8B-B14F-4D97-AF65-F5344CB8AC3E}">
+        <p14:creationId xmlns:p14="http://schemas.microsoft.com/office/powerpoint/2010/main" val="2487824199"/>
+      </p:ext>
+    </p:extLst>
+  </p:cSld>
+  <p:clrMapOvr>
+    <a:masterClrMapping/>
+  </p:clrMapOvr>
+</p:sld>
+</file>
+
+<file path=ppt/slides/slide13.xml><?xml version="1.0" encoding="utf-8"?>
+<p:sld xmlns:a="http://schemas.openxmlformats.org/drawingml/2006/main" xmlns:r="http://schemas.openxmlformats.org/officeDocument/2006/relationships" xmlns:p="http://schemas.openxmlformats.org/presentationml/2006/main">
+  <p:cSld>
+    <p:bg>
+      <p:bgPr>
+        <a:solidFill>
+          <a:schemeClr val="bg1"/>
+        </a:solidFill>
+        <a:effectLst/>
+      </p:bgPr>
+    </p:bg>
+    <p:spTree>
+      <p:nvGrpSpPr>
+        <p:cNvPr id="1" name=""/>
+        <p:cNvGrpSpPr/>
+        <p:nvPr/>
+      </p:nvGrpSpPr>
+      <p:grpSpPr>
+        <a:xfrm>
+          <a:off x="0" y="0"/>
+          <a:ext cx="0" cy="0"/>
+          <a:chOff x="0" y="0"/>
+          <a:chExt cx="0" cy="0"/>
+        </a:xfrm>
+      </p:grpSpPr>
+      <p:sp useBgFill="1">
+        <p:nvSpPr>
+          <p:cNvPr id="8" name="Rectangle 7">
+            <a:extLst>
+              <a:ext uri="{FF2B5EF4-FFF2-40B4-BE49-F238E27FC236}">
+                <a16:creationId xmlns:a16="http://schemas.microsoft.com/office/drawing/2014/main" id="{FAA3B297-9683-4E38-89FA-062C53E13F85}"/>
+              </a:ext>
+              <a:ext uri="{C183D7F6-B498-43B3-948B-1728B52AA6E4}">
+                <adec:decorative xmlns:adec="http://schemas.microsoft.com/office/drawing/2017/decorative" val="1"/>
+              </a:ext>
+            </a:extLst>
+          </p:cNvPr>
+          <p:cNvSpPr>
+            <a:spLocks noGrp="1" noRot="1" noChangeAspect="1" noMove="1" noResize="1" noEditPoints="1" noAdjustHandles="1" noChangeArrowheads="1" noChangeShapeType="1" noTextEdit="1"/>
+          </p:cNvSpPr>
+          <p:nvPr>
+            <p:extLst>
+              <p:ext uri="{386F3935-93C4-4BCD-93E2-E3B085C9AB24}">
+                <p16:designElem xmlns:p16="http://schemas.microsoft.com/office/powerpoint/2015/main" val="1"/>
+              </p:ext>
+            </p:extLst>
+          </p:nvPr>
+        </p:nvSpPr>
+        <p:spPr>
+          <a:xfrm>
+            <a:off x="0" y="0"/>
+            <a:ext cx="12188952" cy="6857995"/>
+          </a:xfrm>
+          <a:prstGeom prst="rect">
+            <a:avLst/>
+          </a:prstGeom>
+          <a:ln>
+            <a:noFill/>
+          </a:ln>
+        </p:spPr>
+        <p:style>
+          <a:lnRef idx="2">
+            <a:schemeClr val="accent1">
+              <a:shade val="50000"/>
+            </a:schemeClr>
+          </a:lnRef>
+          <a:fillRef idx="1">
+            <a:schemeClr val="accent1"/>
+          </a:fillRef>
+          <a:effectRef idx="0">
+            <a:schemeClr val="accent1"/>
+          </a:effectRef>
+          <a:fontRef idx="minor">
+            <a:schemeClr val="lt1"/>
+          </a:fontRef>
+        </p:style>
+        <p:txBody>
+          <a:bodyPr rtlCol="0" anchor="ctr"/>
+          <a:lstStyle/>
+          <a:p>
+            <a:pPr algn="ctr"/>
+            <a:endParaRPr lang="en-US" dirty="0"/>
+          </a:p>
+        </p:txBody>
+      </p:sp>
+      <p:sp>
+        <p:nvSpPr>
+          <p:cNvPr id="2" name="Title 1">
+            <a:extLst>
+              <a:ext uri="{FF2B5EF4-FFF2-40B4-BE49-F238E27FC236}">
+                <a16:creationId xmlns:a16="http://schemas.microsoft.com/office/drawing/2014/main" id="{0C681EFA-DFBD-EA24-AC3F-12C9EBAF7CF8}"/>
+              </a:ext>
+            </a:extLst>
+          </p:cNvPr>
+          <p:cNvSpPr>
+            <a:spLocks noGrp="1"/>
+          </p:cNvSpPr>
+          <p:nvPr>
+            <p:ph type="title"/>
+          </p:nvPr>
+        </p:nvSpPr>
+        <p:spPr>
+          <a:xfrm>
+            <a:off x="517869" y="785813"/>
+            <a:ext cx="8686800" cy="1000125"/>
+          </a:xfrm>
+        </p:spPr>
+        <p:txBody>
+          <a:bodyPr>
+            <a:normAutofit/>
+          </a:bodyPr>
+          <a:lstStyle/>
+          <a:p>
+            <a:r>
+              <a:rPr lang="en-US" dirty="0"/>
+              <a:t>RESULT</a:t>
+            </a:r>
+          </a:p>
+        </p:txBody>
+      </p:sp>
+      <p:sp>
+        <p:nvSpPr>
+          <p:cNvPr id="10" name="Rectangle 9">
+            <a:extLst>
+              <a:ext uri="{FF2B5EF4-FFF2-40B4-BE49-F238E27FC236}">
+                <a16:creationId xmlns:a16="http://schemas.microsoft.com/office/drawing/2014/main" id="{5B8D7907-8AB9-4E98-A576-1A13AECEDF3A}"/>
+              </a:ext>
+              <a:ext uri="{C183D7F6-B498-43B3-948B-1728B52AA6E4}">
+                <adec:decorative xmlns:adec="http://schemas.microsoft.com/office/drawing/2017/decorative" val="1"/>
+              </a:ext>
+            </a:extLst>
+          </p:cNvPr>
+          <p:cNvSpPr>
+            <a:spLocks noGrp="1" noRot="1" noChangeAspect="1" noMove="1" noResize="1" noEditPoints="1" noAdjustHandles="1" noChangeArrowheads="1" noChangeShapeType="1" noTextEdit="1"/>
+          </p:cNvSpPr>
+          <p:nvPr>
+            <p:extLst>
+              <p:ext uri="{386F3935-93C4-4BCD-93E2-E3B085C9AB24}">
+                <p16:designElem xmlns:p16="http://schemas.microsoft.com/office/powerpoint/2015/main" val="1"/>
+              </p:ext>
+            </p:extLst>
+          </p:nvPr>
+        </p:nvSpPr>
+        <p:spPr>
+          <a:xfrm>
+            <a:off x="517869" y="508090"/>
+            <a:ext cx="8732520" cy="149279"/>
+          </a:xfrm>
+          <a:prstGeom prst="rect">
+            <a:avLst/>
+          </a:prstGeom>
+          <a:solidFill>
+            <a:schemeClr val="tx1"/>
+          </a:solidFill>
+          <a:ln>
+            <a:noFill/>
+          </a:ln>
+        </p:spPr>
+        <p:style>
+          <a:lnRef idx="2">
+            <a:schemeClr val="accent1">
+              <a:shade val="50000"/>
+            </a:schemeClr>
+          </a:lnRef>
+          <a:fillRef idx="1">
+            <a:schemeClr val="accent1"/>
+          </a:fillRef>
+          <a:effectRef idx="0">
+            <a:schemeClr val="accent1"/>
+          </a:effectRef>
+          <a:fontRef idx="minor">
+            <a:schemeClr val="lt1"/>
+          </a:fontRef>
+        </p:style>
+        <p:txBody>
+          <a:bodyPr rtlCol="0" anchor="ctr"/>
+          <a:lstStyle/>
+          <a:p>
+            <a:pPr algn="ctr"/>
+            <a:endParaRPr lang="en-US"/>
+          </a:p>
+        </p:txBody>
+      </p:sp>
+      <p:sp>
+        <p:nvSpPr>
+          <p:cNvPr id="3" name="Content Placeholder 2">
+            <a:extLst>
+              <a:ext uri="{FF2B5EF4-FFF2-40B4-BE49-F238E27FC236}">
+                <a16:creationId xmlns:a16="http://schemas.microsoft.com/office/drawing/2014/main" id="{DC9DCE16-5795-F601-83AE-2E602180EE3A}"/>
+              </a:ext>
+            </a:extLst>
+          </p:cNvPr>
+          <p:cNvSpPr>
+            <a:spLocks noGrp="1"/>
+          </p:cNvSpPr>
+          <p:nvPr>
+            <p:ph idx="1"/>
+          </p:nvPr>
+        </p:nvSpPr>
+        <p:spPr>
+          <a:xfrm>
+            <a:off x="517869" y="3172570"/>
+            <a:ext cx="8686799" cy="3016294"/>
+          </a:xfrm>
+        </p:spPr>
+        <p:txBody>
+          <a:bodyPr>
+            <a:normAutofit/>
+          </a:bodyPr>
+          <a:lstStyle/>
+          <a:p>
+            <a:endParaRPr lang="en-US" dirty="0"/>
+          </a:p>
+        </p:txBody>
+      </p:sp>
+    </p:spTree>
+    <p:extLst>
+      <p:ext uri="{BB962C8B-B14F-4D97-AF65-F5344CB8AC3E}">
+        <p14:creationId xmlns:p14="http://schemas.microsoft.com/office/powerpoint/2010/main" val="3402530586"/>
+      </p:ext>
+    </p:extLst>
+  </p:cSld>
+  <p:clrMapOvr>
+    <a:masterClrMapping/>
+  </p:clrMapOvr>
+</p:sld>
+</file>
+
+<file path=ppt/slides/slide14.xml><?xml version="1.0" encoding="utf-8"?>
+<p:sld xmlns:a="http://schemas.openxmlformats.org/drawingml/2006/main" xmlns:r="http://schemas.openxmlformats.org/officeDocument/2006/relationships" xmlns:p="http://schemas.openxmlformats.org/presentationml/2006/main">
+  <p:cSld>
     <p:bg>
       <p:bgPr>
         <a:solidFill>
@@ -8363,18 +10000,11 @@
               <a:buChar char="•"/>
             </a:pPr>
             <a:r>
-              <a:rPr lang="en-US" dirty="0" err="1">
-                <a:latin typeface="Arial" panose="020B0604020202020204" pitchFamily="34" charset="0"/>
-                <a:cs typeface="Arial" panose="020B0604020202020204" pitchFamily="34" charset="0"/>
-              </a:rPr>
-              <a:t>Multisequence</a:t>
-            </a:r>
-            <a:r>
               <a:rPr lang="en-US" dirty="0">
                 <a:latin typeface="Arial" panose="020B0604020202020204" pitchFamily="34" charset="0"/>
                 <a:cs typeface="Arial" panose="020B0604020202020204" pitchFamily="34" charset="0"/>
               </a:rPr>
-              <a:t> Learning is the process of memorizing multiple sequences.</a:t>
+              <a:t>Multisequence Learning is the process of memorizing multiple sequences.</a:t>
             </a:r>
           </a:p>
         </p:txBody>
@@ -8482,7 +10112,7 @@
           <p:cNvPr id="2" name="Title 1">
             <a:extLst>
               <a:ext uri="{FF2B5EF4-FFF2-40B4-BE49-F238E27FC236}">
-                <a16:creationId xmlns:a16="http://schemas.microsoft.com/office/drawing/2014/main" id="{2D6B81C5-A570-AD24-76BD-84826422C04E}"/>
+                <a16:creationId xmlns:a16="http://schemas.microsoft.com/office/drawing/2014/main" id="{0F8E9118-D53E-F80C-DB36-AB43B1599CC4}"/>
               </a:ext>
             </a:extLst>
           </p:cNvPr>
@@ -8506,9 +10136,17 @@
           <a:lstStyle/>
           <a:p>
             <a:r>
-              <a:rPr lang="en-US" dirty="0"/>
-              <a:t>METHODOLOGY</a:t>
-            </a:r>
+              <a:rPr lang="en-US" sz="3200" dirty="0"/>
+              <a:t>HTM(</a:t>
+            </a:r>
+            <a:r>
+              <a:rPr lang="en-US" sz="3200" b="1" dirty="0">
+                <a:latin typeface="Arial" panose="020B0604020202020204" pitchFamily="34" charset="0"/>
+                <a:cs typeface="Arial" panose="020B0604020202020204" pitchFamily="34" charset="0"/>
+              </a:rPr>
+              <a:t>Hierarchical Temporal Memory )</a:t>
+            </a:r>
+            <a:endParaRPr lang="en-US" sz="3200" dirty="0"/>
           </a:p>
         </p:txBody>
       </p:sp>
@@ -8580,7 +10218,7 @@
           <p:cNvPr id="3" name="Content Placeholder 2">
             <a:extLst>
               <a:ext uri="{FF2B5EF4-FFF2-40B4-BE49-F238E27FC236}">
-                <a16:creationId xmlns:a16="http://schemas.microsoft.com/office/drawing/2014/main" id="{B43154CE-4300-DAA5-DE79-43896358C3C2}"/>
+                <a16:creationId xmlns:a16="http://schemas.microsoft.com/office/drawing/2014/main" id="{FD3DB45C-04AC-135C-8E7A-5A8C020D3688}"/>
               </a:ext>
             </a:extLst>
           </p:cNvPr>
@@ -8593,8 +10231,8 @@
         </p:nvSpPr>
         <p:spPr>
           <a:xfrm>
-            <a:off x="517869" y="2295846"/>
-            <a:ext cx="8686799" cy="3585994"/>
+            <a:off x="517869" y="2150533"/>
+            <a:ext cx="8686799" cy="4038331"/>
           </a:xfrm>
         </p:spPr>
         <p:txBody>
@@ -8603,14 +10241,79 @@
           </a:bodyPr>
           <a:lstStyle/>
           <a:p>
-            <a:endParaRPr lang="en-US" dirty="0"/>
+            <a:pPr marL="342900" indent="-342900" algn="just">
+              <a:buFont typeface="Arial" panose="020B0604020202020204" pitchFamily="34" charset="0"/>
+              <a:buChar char="•"/>
+            </a:pPr>
+            <a:r>
+              <a:rPr lang="en-IN" sz="1800" dirty="0">
+                <a:effectLst/>
+                <a:latin typeface="Times New Roman" panose="02020603050405020304" pitchFamily="18" charset="0"/>
+                <a:ea typeface="SimSun" panose="02010600030101010101" pitchFamily="2" charset="-122"/>
+              </a:rPr>
+              <a:t>Hierarchical Temporal Memory (HTM) is a Biomimetics model based on the principles of memory predictions developed by scientists to capture the architectural and algorithmic features of the neocortex</a:t>
+            </a:r>
+          </a:p>
+          <a:p>
+            <a:pPr marL="342900" indent="-342900" algn="just">
+              <a:buFont typeface="Arial" panose="020B0604020202020204" pitchFamily="34" charset="0"/>
+              <a:buChar char="•"/>
+            </a:pPr>
+            <a:endParaRPr lang="en-IN" sz="1800" dirty="0">
+              <a:effectLst/>
+              <a:latin typeface="Times New Roman" panose="02020603050405020304" pitchFamily="18" charset="0"/>
+              <a:ea typeface="SimSun" panose="02010600030101010101" pitchFamily="2" charset="-122"/>
+            </a:endParaRPr>
+          </a:p>
+          <a:p>
+            <a:pPr marL="342900" indent="-342900" algn="just">
+              <a:buFont typeface="Arial" panose="020B0604020202020204" pitchFamily="34" charset="0"/>
+              <a:buChar char="•"/>
+            </a:pPr>
+            <a:r>
+              <a:rPr lang="en-IN" sz="1800" dirty="0">
+                <a:effectLst/>
+                <a:latin typeface="Times New Roman" panose="02020603050405020304" pitchFamily="18" charset="0"/>
+                <a:ea typeface="SimSun" panose="02010600030101010101" pitchFamily="2" charset="-122"/>
+              </a:rPr>
+              <a:t>HTM has given promising results in pattern recognition</a:t>
+            </a:r>
+          </a:p>
+          <a:p>
+            <a:pPr marL="342900" indent="-342900" algn="just">
+              <a:buFont typeface="Arial" panose="020B0604020202020204" pitchFamily="34" charset="0"/>
+              <a:buChar char="•"/>
+            </a:pPr>
+            <a:endParaRPr lang="en-IN" sz="1800" dirty="0">
+              <a:effectLst/>
+              <a:latin typeface="Times New Roman" panose="02020603050405020304" pitchFamily="18" charset="0"/>
+              <a:ea typeface="SimSun" panose="02010600030101010101" pitchFamily="2" charset="-122"/>
+            </a:endParaRPr>
+          </a:p>
+          <a:p>
+            <a:pPr marL="342900" indent="-342900" algn="just">
+              <a:buFont typeface="Arial" panose="020B0604020202020204" pitchFamily="34" charset="0"/>
+              <a:buChar char="•"/>
+            </a:pPr>
+            <a:r>
+              <a:rPr lang="en-IN" sz="1800" dirty="0">
+                <a:effectLst/>
+                <a:latin typeface="Times New Roman" panose="02020603050405020304" pitchFamily="18" charset="0"/>
+                <a:ea typeface="SimSun" panose="02010600030101010101" pitchFamily="2" charset="-122"/>
+              </a:rPr>
+              <a:t>This can learn the temporal sequences and spatial flow of sensory inputs as data.</a:t>
+            </a:r>
+            <a:endParaRPr lang="en-US" dirty="0">
+              <a:latin typeface="Arial" panose="020B0604020202020204" pitchFamily="34" charset="0"/>
+              <a:cs typeface="Arial" panose="020B0604020202020204" pitchFamily="34" charset="0"/>
+            </a:endParaRPr>
           </a:p>
         </p:txBody>
       </p:sp>
     </p:spTree>
     <p:extLst>
       <p:ext uri="{BB962C8B-B14F-4D97-AF65-F5344CB8AC3E}">
-        <p14:creationId xmlns:p14="http://schemas.microsoft.com/office/powerpoint/2010/main" val="185547654"/>
+        <p14:creationId xmlns:p14="http://schemas.microsoft.com/office/powerpoint/2010/main" val="1461162150"/>
       </p:ext>
     </p:extLst>
   </p:cSld>
@@ -8623,6 +10326,14 @@
 <file path=ppt/slides/slide6.xml><?xml version="1.0" encoding="utf-8"?>
 <p:sld xmlns:a="http://schemas.openxmlformats.org/drawingml/2006/main" xmlns:r="http://schemas.openxmlformats.org/officeDocument/2006/relationships" xmlns:p="http://schemas.openxmlformats.org/presentationml/2006/main">
   <p:cSld>
+    <p:bg>
+      <p:bgPr>
+        <a:solidFill>
+          <a:schemeClr val="bg1"/>
+        </a:solidFill>
+        <a:effectLst/>
+      </p:bgPr>
+    </p:bg>
     <p:spTree>
       <p:nvGrpSpPr>
         <p:cNvPr id="1" name=""/>
@@ -8637,9 +10348,75 @@
           <a:chExt cx="0" cy="0"/>
         </a:xfrm>
       </p:grpSpPr>
-      <p:sp>
-        <p:nvSpPr>
-          <p:cNvPr id="6" name="Title 5"/>
+      <p:sp useBgFill="1">
+        <p:nvSpPr>
+          <p:cNvPr id="8" name="Rectangle 7">
+            <a:extLst>
+              <a:ext uri="{FF2B5EF4-FFF2-40B4-BE49-F238E27FC236}">
+                <a16:creationId xmlns:a16="http://schemas.microsoft.com/office/drawing/2014/main" id="{FAA3B297-9683-4E38-89FA-062C53E13F85}"/>
+              </a:ext>
+              <a:ext uri="{C183D7F6-B498-43B3-948B-1728B52AA6E4}">
+                <adec:decorative xmlns:adec="http://schemas.microsoft.com/office/drawing/2017/decorative" val="1"/>
+              </a:ext>
+            </a:extLst>
+          </p:cNvPr>
+          <p:cNvSpPr>
+            <a:spLocks noGrp="1" noRot="1" noChangeAspect="1" noMove="1" noResize="1" noEditPoints="1" noAdjustHandles="1" noChangeArrowheads="1" noChangeShapeType="1" noTextEdit="1"/>
+          </p:cNvSpPr>
+          <p:nvPr>
+            <p:extLst>
+              <p:ext uri="{386F3935-93C4-4BCD-93E2-E3B085C9AB24}">
+                <p16:designElem xmlns:p16="http://schemas.microsoft.com/office/powerpoint/2015/main" val="1"/>
+              </p:ext>
+            </p:extLst>
+          </p:nvPr>
+        </p:nvSpPr>
+        <p:spPr>
+          <a:xfrm>
+            <a:off x="0" y="0"/>
+            <a:ext cx="12188952" cy="6857995"/>
+          </a:xfrm>
+          <a:prstGeom prst="rect">
+            <a:avLst/>
+          </a:prstGeom>
+          <a:ln>
+            <a:noFill/>
+          </a:ln>
+        </p:spPr>
+        <p:style>
+          <a:lnRef idx="2">
+            <a:schemeClr val="accent1">
+              <a:shade val="50000"/>
+            </a:schemeClr>
+          </a:lnRef>
+          <a:fillRef idx="1">
+            <a:schemeClr val="accent1"/>
+          </a:fillRef>
+          <a:effectRef idx="0">
+            <a:schemeClr val="accent1"/>
+          </a:effectRef>
+          <a:fontRef idx="minor">
+            <a:schemeClr val="lt1"/>
+          </a:fontRef>
+        </p:style>
+        <p:txBody>
+          <a:bodyPr rtlCol="0" anchor="ctr"/>
+          <a:lstStyle/>
+          <a:p>
+            <a:pPr algn="ctr"/>
+            <a:endParaRPr lang="en-US" dirty="0"/>
+          </a:p>
+        </p:txBody>
+      </p:sp>
+      <p:sp>
+        <p:nvSpPr>
+          <p:cNvPr id="2" name="Title 1">
+            <a:extLst>
+              <a:ext uri="{FF2B5EF4-FFF2-40B4-BE49-F238E27FC236}">
+                <a16:creationId xmlns:a16="http://schemas.microsoft.com/office/drawing/2014/main" id="{2D6B81C5-A570-AD24-76BD-84826422C04E}"/>
+              </a:ext>
+            </a:extLst>
+          </p:cNvPr>
           <p:cNvSpPr>
             <a:spLocks noGrp="1"/>
           </p:cNvSpPr>
@@ -8649,124 +10426,811 @@
         </p:nvSpPr>
         <p:spPr>
           <a:xfrm>
-            <a:off x="452554" y="699796"/>
-            <a:ext cx="5910924" cy="1585084"/>
+            <a:off x="517869" y="976160"/>
+            <a:ext cx="8686800" cy="1934172"/>
           </a:xfrm>
         </p:spPr>
         <p:txBody>
           <a:bodyPr>
-            <a:noAutofit/>
+            <a:normAutofit/>
           </a:bodyPr>
           <a:lstStyle/>
           <a:p>
             <a:r>
-              <a:rPr lang="en-IN" sz="4000" dirty="0">
+              <a:rPr lang="en-US" dirty="0"/>
+              <a:t>METHODOLOGY</a:t>
+            </a:r>
+          </a:p>
+        </p:txBody>
+      </p:sp>
+      <p:sp>
+        <p:nvSpPr>
+          <p:cNvPr id="10" name="Rectangle 9">
+            <a:extLst>
+              <a:ext uri="{FF2B5EF4-FFF2-40B4-BE49-F238E27FC236}">
+                <a16:creationId xmlns:a16="http://schemas.microsoft.com/office/drawing/2014/main" id="{5B8D7907-8AB9-4E98-A576-1A13AECEDF3A}"/>
+              </a:ext>
+              <a:ext uri="{C183D7F6-B498-43B3-948B-1728B52AA6E4}">
+                <adec:decorative xmlns:adec="http://schemas.microsoft.com/office/drawing/2017/decorative" val="1"/>
+              </a:ext>
+            </a:extLst>
+          </p:cNvPr>
+          <p:cNvSpPr>
+            <a:spLocks noGrp="1" noRot="1" noChangeAspect="1" noMove="1" noResize="1" noEditPoints="1" noAdjustHandles="1" noChangeArrowheads="1" noChangeShapeType="1" noTextEdit="1"/>
+          </p:cNvSpPr>
+          <p:nvPr>
+            <p:extLst>
+              <p:ext uri="{386F3935-93C4-4BCD-93E2-E3B085C9AB24}">
+                <p16:designElem xmlns:p16="http://schemas.microsoft.com/office/powerpoint/2015/main" val="1"/>
+              </p:ext>
+            </p:extLst>
+          </p:nvPr>
+        </p:nvSpPr>
+        <p:spPr>
+          <a:xfrm>
+            <a:off x="517869" y="508090"/>
+            <a:ext cx="8732520" cy="149279"/>
+          </a:xfrm>
+          <a:prstGeom prst="rect">
+            <a:avLst/>
+          </a:prstGeom>
+          <a:solidFill>
+            <a:schemeClr val="tx1"/>
+          </a:solidFill>
+          <a:ln>
+            <a:noFill/>
+          </a:ln>
+        </p:spPr>
+        <p:style>
+          <a:lnRef idx="2">
+            <a:schemeClr val="accent1">
+              <a:shade val="50000"/>
+            </a:schemeClr>
+          </a:lnRef>
+          <a:fillRef idx="1">
+            <a:schemeClr val="accent1"/>
+          </a:fillRef>
+          <a:effectRef idx="0">
+            <a:schemeClr val="accent1"/>
+          </a:effectRef>
+          <a:fontRef idx="minor">
+            <a:schemeClr val="lt1"/>
+          </a:fontRef>
+        </p:style>
+        <p:txBody>
+          <a:bodyPr rtlCol="0" anchor="ctr"/>
+          <a:lstStyle/>
+          <a:p>
+            <a:pPr algn="ctr"/>
+            <a:endParaRPr lang="en-US"/>
+          </a:p>
+        </p:txBody>
+      </p:sp>
+      <p:sp>
+        <p:nvSpPr>
+          <p:cNvPr id="3" name="Content Placeholder 2">
+            <a:extLst>
+              <a:ext uri="{FF2B5EF4-FFF2-40B4-BE49-F238E27FC236}">
+                <a16:creationId xmlns:a16="http://schemas.microsoft.com/office/drawing/2014/main" id="{B43154CE-4300-DAA5-DE79-43896358C3C2}"/>
+              </a:ext>
+            </a:extLst>
+          </p:cNvPr>
+          <p:cNvSpPr>
+            <a:spLocks noGrp="1"/>
+          </p:cNvSpPr>
+          <p:nvPr>
+            <p:ph idx="1"/>
+          </p:nvPr>
+        </p:nvSpPr>
+        <p:spPr>
+          <a:xfrm>
+            <a:off x="261165" y="1964267"/>
+            <a:ext cx="11669670" cy="4741333"/>
+          </a:xfrm>
+        </p:spPr>
+        <p:txBody>
+          <a:bodyPr>
+            <a:normAutofit/>
+          </a:bodyPr>
+          <a:lstStyle/>
+          <a:p>
+            <a:r>
+              <a:rPr lang="en-US" b="1" dirty="0">
                 <a:latin typeface="Arial" panose="020B0604020202020204" pitchFamily="34" charset="0"/>
                 <a:cs typeface="Arial" panose="020B0604020202020204" pitchFamily="34" charset="0"/>
               </a:rPr>
-              <a:t>WORKING OF SPATIAL POOLER</a:t>
-            </a:r>
-          </a:p>
-        </p:txBody>
-      </p:sp>
-      <p:sp>
-        <p:nvSpPr>
-          <p:cNvPr id="7" name="Content Placeholder 6"/>
-          <p:cNvSpPr>
-            <a:spLocks noGrp="1"/>
-          </p:cNvSpPr>
-          <p:nvPr>
-            <p:ph idx="1"/>
-          </p:nvPr>
-        </p:nvSpPr>
-        <p:spPr>
-          <a:xfrm>
-            <a:off x="577183" y="2379306"/>
-            <a:ext cx="5049175" cy="4776031"/>
-          </a:xfrm>
-        </p:spPr>
-        <p:txBody>
-          <a:bodyPr>
-            <a:normAutofit/>
-          </a:bodyPr>
-          <a:lstStyle/>
-          <a:p>
-            <a:pPr marL="342900" indent="-342900">
-              <a:buFont typeface="Arial" panose="020B0604020202020204" pitchFamily="34" charset="0"/>
-              <a:buChar char="•"/>
-            </a:pPr>
-            <a:r>
-              <a:rPr lang="en-US" sz="2400" dirty="0">
-                <a:latin typeface="Arial" panose="020B0604020202020204" pitchFamily="34" charset="0"/>
-                <a:cs typeface="Arial" panose="020B0604020202020204" pitchFamily="34" charset="0"/>
-              </a:rPr>
-              <a:t>Builds SDR input</a:t>
-            </a:r>
-          </a:p>
-          <a:p>
-            <a:pPr marL="342900" indent="-342900">
-              <a:buFont typeface="Arial" panose="020B0604020202020204" pitchFamily="34" charset="0"/>
-              <a:buChar char="•"/>
-            </a:pPr>
-            <a:r>
-              <a:rPr lang="en-US" sz="2400" dirty="0">
-                <a:latin typeface="Arial" panose="020B0604020202020204" pitchFamily="34" charset="0"/>
-                <a:cs typeface="Arial" panose="020B0604020202020204" pitchFamily="34" charset="0"/>
-              </a:rPr>
-              <a:t>Inactive columns are not learned.</a:t>
-            </a:r>
-          </a:p>
-          <a:p>
-            <a:pPr marL="342900" indent="-342900">
-              <a:buFont typeface="Arial" panose="020B0604020202020204" pitchFamily="34" charset="0"/>
-              <a:buChar char="•"/>
-            </a:pPr>
-            <a:r>
-              <a:rPr lang="en-US" sz="2400" dirty="0">
-                <a:latin typeface="Arial" panose="020B0604020202020204" pitchFamily="34" charset="0"/>
-                <a:cs typeface="Arial" panose="020B0604020202020204" pitchFamily="34" charset="0"/>
-              </a:rPr>
-              <a:t>Every input pattern is checked against the database.</a:t>
-            </a:r>
-            <a:endParaRPr lang="en-IN" sz="2400" dirty="0">
+              <a:t>Hierarchical Temporal Memory Flow :</a:t>
+            </a:r>
+          </a:p>
+          <a:p>
+            <a:endParaRPr lang="en-US" b="1" dirty="0">
               <a:latin typeface="Arial" panose="020B0604020202020204" pitchFamily="34" charset="0"/>
               <a:cs typeface="Arial" panose="020B0604020202020204" pitchFamily="34" charset="0"/>
             </a:endParaRPr>
           </a:p>
-        </p:txBody>
-      </p:sp>
-      <p:graphicFrame>
-        <p:nvGraphicFramePr>
-          <p:cNvPr id="3" name="Diagram 2">
-            <a:extLst>
-              <a:ext uri="{FF2B5EF4-FFF2-40B4-BE49-F238E27FC236}">
-                <a16:creationId xmlns:a16="http://schemas.microsoft.com/office/drawing/2014/main" id="{4399E1B5-B320-B13F-B24B-2A69678ED345}"/>
-              </a:ext>
-            </a:extLst>
-          </p:cNvPr>
-          <p:cNvGraphicFramePr/>
-          <p:nvPr>
-            <p:extLst>
-              <p:ext uri="{D42A27DB-BD31-4B8C-83A1-F6EECF244321}">
-                <p14:modId xmlns:p14="http://schemas.microsoft.com/office/powerpoint/2010/main" val="1320414263"/>
-              </p:ext>
-            </p:extLst>
-          </p:nvPr>
-        </p:nvGraphicFramePr>
-        <p:xfrm>
-          <a:off x="5881816" y="2063578"/>
-          <a:ext cx="5214552" cy="2509543"/>
-        </p:xfrm>
-        <a:graphic>
-          <a:graphicData uri="http://schemas.openxmlformats.org/drawingml/2006/diagram">
-            <dgm:relIds xmlns:dgm="http://schemas.openxmlformats.org/drawingml/2006/diagram" xmlns:r="http://schemas.openxmlformats.org/officeDocument/2006/relationships" r:dm="rId2" r:lo="rId3" r:qs="rId4" r:cs="rId5"/>
-          </a:graphicData>
-        </a:graphic>
-      </p:graphicFrame>
+          <a:p>
+            <a:endParaRPr lang="en-US" b="1" dirty="0"/>
+          </a:p>
+        </p:txBody>
+      </p:sp>
+      <p:sp>
+        <p:nvSpPr>
+          <p:cNvPr id="5" name="Oval 4">
+            <a:extLst>
+              <a:ext uri="{FF2B5EF4-FFF2-40B4-BE49-F238E27FC236}">
+                <a16:creationId xmlns:a16="http://schemas.microsoft.com/office/drawing/2014/main" id="{9795C446-9166-8934-5D70-C6E3DF6B9C39}"/>
+              </a:ext>
+            </a:extLst>
+          </p:cNvPr>
+          <p:cNvSpPr/>
+          <p:nvPr/>
+        </p:nvSpPr>
+        <p:spPr>
+          <a:xfrm>
+            <a:off x="827314" y="2910332"/>
+            <a:ext cx="1258784" cy="818520"/>
+          </a:xfrm>
+          <a:prstGeom prst="ellipse">
+            <a:avLst/>
+          </a:prstGeom>
+        </p:spPr>
+        <p:style>
+          <a:lnRef idx="2">
+            <a:schemeClr val="accent6"/>
+          </a:lnRef>
+          <a:fillRef idx="1">
+            <a:schemeClr val="lt1"/>
+          </a:fillRef>
+          <a:effectRef idx="0">
+            <a:schemeClr val="accent6"/>
+          </a:effectRef>
+          <a:fontRef idx="minor">
+            <a:schemeClr val="dk1"/>
+          </a:fontRef>
+        </p:style>
+        <p:txBody>
+          <a:bodyPr rtlCol="0" anchor="ctr"/>
+          <a:lstStyle/>
+          <a:p>
+            <a:pPr algn="ctr"/>
+            <a:r>
+              <a:rPr lang="en-US" dirty="0"/>
+              <a:t>Start</a:t>
+            </a:r>
+          </a:p>
+        </p:txBody>
+      </p:sp>
+      <p:sp>
+        <p:nvSpPr>
+          <p:cNvPr id="6" name="Parallelogram 5">
+            <a:extLst>
+              <a:ext uri="{FF2B5EF4-FFF2-40B4-BE49-F238E27FC236}">
+                <a16:creationId xmlns:a16="http://schemas.microsoft.com/office/drawing/2014/main" id="{BF89973B-048B-3F8F-834D-78D1C7E4CD0B}"/>
+              </a:ext>
+            </a:extLst>
+          </p:cNvPr>
+          <p:cNvSpPr/>
+          <p:nvPr/>
+        </p:nvSpPr>
+        <p:spPr>
+          <a:xfrm>
+            <a:off x="350189" y="4230018"/>
+            <a:ext cx="2065253" cy="818520"/>
+          </a:xfrm>
+          <a:prstGeom prst="parallelogram">
+            <a:avLst/>
+          </a:prstGeom>
+        </p:spPr>
+        <p:style>
+          <a:lnRef idx="2">
+            <a:schemeClr val="accent6"/>
+          </a:lnRef>
+          <a:fillRef idx="1">
+            <a:schemeClr val="lt1"/>
+          </a:fillRef>
+          <a:effectRef idx="0">
+            <a:schemeClr val="accent6"/>
+          </a:effectRef>
+          <a:fontRef idx="minor">
+            <a:schemeClr val="dk1"/>
+          </a:fontRef>
+        </p:style>
+        <p:txBody>
+          <a:bodyPr rtlCol="0" anchor="ctr"/>
+          <a:lstStyle/>
+          <a:p>
+            <a:pPr algn="ctr"/>
+            <a:r>
+              <a:rPr lang="en-US" dirty="0"/>
+              <a:t>Input(Stream of Data)</a:t>
+            </a:r>
+          </a:p>
+        </p:txBody>
+      </p:sp>
+      <p:sp>
+        <p:nvSpPr>
+          <p:cNvPr id="7" name="Rounded Rectangle 6">
+            <a:extLst>
+              <a:ext uri="{FF2B5EF4-FFF2-40B4-BE49-F238E27FC236}">
+                <a16:creationId xmlns:a16="http://schemas.microsoft.com/office/drawing/2014/main" id="{BBC5160A-7D45-A442-1DF7-064A1BD3AAC7}"/>
+              </a:ext>
+            </a:extLst>
+          </p:cNvPr>
+          <p:cNvSpPr/>
+          <p:nvPr/>
+        </p:nvSpPr>
+        <p:spPr>
+          <a:xfrm flipH="1">
+            <a:off x="2677184" y="4343338"/>
+            <a:ext cx="1414946" cy="654022"/>
+          </a:xfrm>
+          <a:prstGeom prst="roundRect">
+            <a:avLst/>
+          </a:prstGeom>
+        </p:spPr>
+        <p:style>
+          <a:lnRef idx="2">
+            <a:schemeClr val="accent6"/>
+          </a:lnRef>
+          <a:fillRef idx="1">
+            <a:schemeClr val="lt1"/>
+          </a:fillRef>
+          <a:effectRef idx="0">
+            <a:schemeClr val="accent6"/>
+          </a:effectRef>
+          <a:fontRef idx="minor">
+            <a:schemeClr val="dk1"/>
+          </a:fontRef>
+        </p:style>
+        <p:txBody>
+          <a:bodyPr rtlCol="0" anchor="ctr"/>
+          <a:lstStyle/>
+          <a:p>
+            <a:pPr algn="ctr"/>
+            <a:r>
+              <a:rPr lang="en-US" dirty="0"/>
+              <a:t>Encoder</a:t>
+            </a:r>
+          </a:p>
+        </p:txBody>
+      </p:sp>
+      <p:sp>
+        <p:nvSpPr>
+          <p:cNvPr id="9" name="Rounded Rectangle 8">
+            <a:extLst>
+              <a:ext uri="{FF2B5EF4-FFF2-40B4-BE49-F238E27FC236}">
+                <a16:creationId xmlns:a16="http://schemas.microsoft.com/office/drawing/2014/main" id="{D361DE57-EA20-83C0-4462-44C3A4A41397}"/>
+              </a:ext>
+            </a:extLst>
+          </p:cNvPr>
+          <p:cNvSpPr/>
+          <p:nvPr/>
+        </p:nvSpPr>
+        <p:spPr>
+          <a:xfrm flipH="1">
+            <a:off x="4631372" y="4343338"/>
+            <a:ext cx="1414946" cy="654022"/>
+          </a:xfrm>
+          <a:prstGeom prst="roundRect">
+            <a:avLst/>
+          </a:prstGeom>
+        </p:spPr>
+        <p:style>
+          <a:lnRef idx="2">
+            <a:schemeClr val="accent6"/>
+          </a:lnRef>
+          <a:fillRef idx="1">
+            <a:schemeClr val="lt1"/>
+          </a:fillRef>
+          <a:effectRef idx="0">
+            <a:schemeClr val="accent6"/>
+          </a:effectRef>
+          <a:fontRef idx="minor">
+            <a:schemeClr val="dk1"/>
+          </a:fontRef>
+        </p:style>
+        <p:txBody>
+          <a:bodyPr rtlCol="0" anchor="ctr"/>
+          <a:lstStyle/>
+          <a:p>
+            <a:pPr algn="ctr"/>
+            <a:r>
+              <a:rPr lang="en-US" dirty="0"/>
+              <a:t>Spatial Pooler</a:t>
+            </a:r>
+          </a:p>
+        </p:txBody>
+      </p:sp>
+      <p:sp>
+        <p:nvSpPr>
+          <p:cNvPr id="11" name="Rounded Rectangle 10">
+            <a:extLst>
+              <a:ext uri="{FF2B5EF4-FFF2-40B4-BE49-F238E27FC236}">
+                <a16:creationId xmlns:a16="http://schemas.microsoft.com/office/drawing/2014/main" id="{6E8749EE-B8F1-8957-5A6F-BEC357873219}"/>
+              </a:ext>
+            </a:extLst>
+          </p:cNvPr>
+          <p:cNvSpPr/>
+          <p:nvPr/>
+        </p:nvSpPr>
+        <p:spPr>
+          <a:xfrm flipH="1">
+            <a:off x="6585560" y="4320147"/>
+            <a:ext cx="1414946" cy="654022"/>
+          </a:xfrm>
+          <a:prstGeom prst="roundRect">
+            <a:avLst/>
+          </a:prstGeom>
+        </p:spPr>
+        <p:style>
+          <a:lnRef idx="2">
+            <a:schemeClr val="accent6"/>
+          </a:lnRef>
+          <a:fillRef idx="1">
+            <a:schemeClr val="lt1"/>
+          </a:fillRef>
+          <a:effectRef idx="0">
+            <a:schemeClr val="accent6"/>
+          </a:effectRef>
+          <a:fontRef idx="minor">
+            <a:schemeClr val="dk1"/>
+          </a:fontRef>
+        </p:style>
+        <p:txBody>
+          <a:bodyPr rtlCol="0" anchor="ctr"/>
+          <a:lstStyle/>
+          <a:p>
+            <a:pPr algn="ctr"/>
+            <a:r>
+              <a:rPr lang="en-US" dirty="0"/>
+              <a:t>Temporal Memory</a:t>
+            </a:r>
+          </a:p>
+        </p:txBody>
+      </p:sp>
+      <p:sp>
+        <p:nvSpPr>
+          <p:cNvPr id="12" name="Parallelogram 11">
+            <a:extLst>
+              <a:ext uri="{FF2B5EF4-FFF2-40B4-BE49-F238E27FC236}">
+                <a16:creationId xmlns:a16="http://schemas.microsoft.com/office/drawing/2014/main" id="{2E6F164C-E0CB-DFBA-6B21-129C869C408B}"/>
+              </a:ext>
+            </a:extLst>
+          </p:cNvPr>
+          <p:cNvSpPr/>
+          <p:nvPr/>
+        </p:nvSpPr>
+        <p:spPr>
+          <a:xfrm>
+            <a:off x="10087518" y="4173022"/>
+            <a:ext cx="1843317" cy="875515"/>
+          </a:xfrm>
+          <a:prstGeom prst="parallelogram">
+            <a:avLst/>
+          </a:prstGeom>
+        </p:spPr>
+        <p:style>
+          <a:lnRef idx="2">
+            <a:schemeClr val="accent6"/>
+          </a:lnRef>
+          <a:fillRef idx="1">
+            <a:schemeClr val="lt1"/>
+          </a:fillRef>
+          <a:effectRef idx="0">
+            <a:schemeClr val="accent6"/>
+          </a:effectRef>
+          <a:fontRef idx="minor">
+            <a:schemeClr val="dk1"/>
+          </a:fontRef>
+        </p:style>
+        <p:txBody>
+          <a:bodyPr rtlCol="0" anchor="ctr"/>
+          <a:lstStyle/>
+          <a:p>
+            <a:pPr algn="ctr"/>
+            <a:r>
+              <a:rPr lang="en-US" sz="1400" dirty="0"/>
+              <a:t>Predicted output and Accuracy percentage</a:t>
+            </a:r>
+          </a:p>
+        </p:txBody>
+      </p:sp>
+      <p:sp>
+        <p:nvSpPr>
+          <p:cNvPr id="13" name="Rounded Rectangle 12">
+            <a:extLst>
+              <a:ext uri="{FF2B5EF4-FFF2-40B4-BE49-F238E27FC236}">
+                <a16:creationId xmlns:a16="http://schemas.microsoft.com/office/drawing/2014/main" id="{F362FF50-4914-E991-2652-65766EC4B48E}"/>
+              </a:ext>
+            </a:extLst>
+          </p:cNvPr>
+          <p:cNvSpPr/>
+          <p:nvPr/>
+        </p:nvSpPr>
+        <p:spPr>
+          <a:xfrm flipH="1">
+            <a:off x="8361611" y="4320147"/>
+            <a:ext cx="1414946" cy="654022"/>
+          </a:xfrm>
+          <a:prstGeom prst="roundRect">
+            <a:avLst/>
+          </a:prstGeom>
+        </p:spPr>
+        <p:style>
+          <a:lnRef idx="2">
+            <a:schemeClr val="accent6"/>
+          </a:lnRef>
+          <a:fillRef idx="1">
+            <a:schemeClr val="lt1"/>
+          </a:fillRef>
+          <a:effectRef idx="0">
+            <a:schemeClr val="accent6"/>
+          </a:effectRef>
+          <a:fontRef idx="minor">
+            <a:schemeClr val="dk1"/>
+          </a:fontRef>
+        </p:style>
+        <p:txBody>
+          <a:bodyPr rtlCol="0" anchor="ctr"/>
+          <a:lstStyle/>
+          <a:p>
+            <a:pPr algn="ctr"/>
+            <a:r>
+              <a:rPr lang="en-US" dirty="0"/>
+              <a:t>Classifier</a:t>
+            </a:r>
+          </a:p>
+        </p:txBody>
+      </p:sp>
+      <p:sp>
+        <p:nvSpPr>
+          <p:cNvPr id="14" name="Oval 13">
+            <a:extLst>
+              <a:ext uri="{FF2B5EF4-FFF2-40B4-BE49-F238E27FC236}">
+                <a16:creationId xmlns:a16="http://schemas.microsoft.com/office/drawing/2014/main" id="{8BAE9C6E-CDA0-8A38-DDCC-D7FEFF437F71}"/>
+              </a:ext>
+            </a:extLst>
+          </p:cNvPr>
+          <p:cNvSpPr/>
+          <p:nvPr/>
+        </p:nvSpPr>
+        <p:spPr>
+          <a:xfrm>
+            <a:off x="10273582" y="5692125"/>
+            <a:ext cx="1258784" cy="818520"/>
+          </a:xfrm>
+          <a:prstGeom prst="ellipse">
+            <a:avLst/>
+          </a:prstGeom>
+        </p:spPr>
+        <p:style>
+          <a:lnRef idx="2">
+            <a:schemeClr val="accent6"/>
+          </a:lnRef>
+          <a:fillRef idx="1">
+            <a:schemeClr val="lt1"/>
+          </a:fillRef>
+          <a:effectRef idx="0">
+            <a:schemeClr val="accent6"/>
+          </a:effectRef>
+          <a:fontRef idx="minor">
+            <a:schemeClr val="dk1"/>
+          </a:fontRef>
+        </p:style>
+        <p:txBody>
+          <a:bodyPr rtlCol="0" anchor="ctr"/>
+          <a:lstStyle/>
+          <a:p>
+            <a:pPr algn="ctr"/>
+            <a:r>
+              <a:rPr lang="en-US" dirty="0"/>
+              <a:t>End</a:t>
+            </a:r>
+          </a:p>
+        </p:txBody>
+      </p:sp>
+      <p:cxnSp>
+        <p:nvCxnSpPr>
+          <p:cNvPr id="16" name="Straight Arrow Connector 15">
+            <a:extLst>
+              <a:ext uri="{FF2B5EF4-FFF2-40B4-BE49-F238E27FC236}">
+                <a16:creationId xmlns:a16="http://schemas.microsoft.com/office/drawing/2014/main" id="{22947A13-93D0-C760-23EC-1B4851F3F1B1}"/>
+              </a:ext>
+            </a:extLst>
+          </p:cNvPr>
+          <p:cNvCxnSpPr>
+            <a:cxnSpLocks/>
+            <a:stCxn id="6" idx="2"/>
+            <a:endCxn id="7" idx="3"/>
+          </p:cNvCxnSpPr>
+          <p:nvPr/>
+        </p:nvCxnSpPr>
+        <p:spPr>
+          <a:xfrm>
+            <a:off x="2313127" y="4639278"/>
+            <a:ext cx="364057" cy="31071"/>
+          </a:xfrm>
+          <a:prstGeom prst="straightConnector1">
+            <a:avLst/>
+          </a:prstGeom>
+          <a:ln>
+            <a:tailEnd type="triangle"/>
+          </a:ln>
+        </p:spPr>
+        <p:style>
+          <a:lnRef idx="1">
+            <a:schemeClr val="accent2"/>
+          </a:lnRef>
+          <a:fillRef idx="0">
+            <a:schemeClr val="accent2"/>
+          </a:fillRef>
+          <a:effectRef idx="0">
+            <a:schemeClr val="accent2"/>
+          </a:effectRef>
+          <a:fontRef idx="minor">
+            <a:schemeClr val="tx1"/>
+          </a:fontRef>
+        </p:style>
+      </p:cxnSp>
+      <p:cxnSp>
+        <p:nvCxnSpPr>
+          <p:cNvPr id="18" name="Straight Arrow Connector 17">
+            <a:extLst>
+              <a:ext uri="{FF2B5EF4-FFF2-40B4-BE49-F238E27FC236}">
+                <a16:creationId xmlns:a16="http://schemas.microsoft.com/office/drawing/2014/main" id="{8918A7BA-D8DD-EC66-BD0D-35BC559612A0}"/>
+              </a:ext>
+            </a:extLst>
+          </p:cNvPr>
+          <p:cNvCxnSpPr>
+            <a:stCxn id="7" idx="1"/>
+            <a:endCxn id="9" idx="3"/>
+          </p:cNvCxnSpPr>
+          <p:nvPr/>
+        </p:nvCxnSpPr>
+        <p:spPr>
+          <a:xfrm>
+            <a:off x="4092130" y="4670349"/>
+            <a:ext cx="539242" cy="0"/>
+          </a:xfrm>
+          <a:prstGeom prst="straightConnector1">
+            <a:avLst/>
+          </a:prstGeom>
+          <a:ln>
+            <a:tailEnd type="triangle"/>
+          </a:ln>
+        </p:spPr>
+        <p:style>
+          <a:lnRef idx="1">
+            <a:schemeClr val="accent2"/>
+          </a:lnRef>
+          <a:fillRef idx="0">
+            <a:schemeClr val="accent2"/>
+          </a:fillRef>
+          <a:effectRef idx="0">
+            <a:schemeClr val="accent2"/>
+          </a:effectRef>
+          <a:fontRef idx="minor">
+            <a:schemeClr val="tx1"/>
+          </a:fontRef>
+        </p:style>
+      </p:cxnSp>
+      <p:cxnSp>
+        <p:nvCxnSpPr>
+          <p:cNvPr id="20" name="Straight Arrow Connector 19">
+            <a:extLst>
+              <a:ext uri="{FF2B5EF4-FFF2-40B4-BE49-F238E27FC236}">
+                <a16:creationId xmlns:a16="http://schemas.microsoft.com/office/drawing/2014/main" id="{7196E91F-D5D8-5E57-0C64-A266FBB7D907}"/>
+              </a:ext>
+            </a:extLst>
+          </p:cNvPr>
+          <p:cNvCxnSpPr>
+            <a:stCxn id="9" idx="1"/>
+            <a:endCxn id="11" idx="3"/>
+          </p:cNvCxnSpPr>
+          <p:nvPr/>
+        </p:nvCxnSpPr>
+        <p:spPr>
+          <a:xfrm flipV="1">
+            <a:off x="6046318" y="4647158"/>
+            <a:ext cx="539242" cy="23191"/>
+          </a:xfrm>
+          <a:prstGeom prst="straightConnector1">
+            <a:avLst/>
+          </a:prstGeom>
+          <a:ln>
+            <a:tailEnd type="triangle"/>
+          </a:ln>
+        </p:spPr>
+        <p:style>
+          <a:lnRef idx="1">
+            <a:schemeClr val="accent2"/>
+          </a:lnRef>
+          <a:fillRef idx="0">
+            <a:schemeClr val="accent2"/>
+          </a:fillRef>
+          <a:effectRef idx="0">
+            <a:schemeClr val="accent2"/>
+          </a:effectRef>
+          <a:fontRef idx="minor">
+            <a:schemeClr val="tx1"/>
+          </a:fontRef>
+        </p:style>
+      </p:cxnSp>
+      <p:cxnSp>
+        <p:nvCxnSpPr>
+          <p:cNvPr id="22" name="Straight Arrow Connector 21">
+            <a:extLst>
+              <a:ext uri="{FF2B5EF4-FFF2-40B4-BE49-F238E27FC236}">
+                <a16:creationId xmlns:a16="http://schemas.microsoft.com/office/drawing/2014/main" id="{EDE672D0-1929-64A8-5F1F-B6EDD48C03B7}"/>
+              </a:ext>
+            </a:extLst>
+          </p:cNvPr>
+          <p:cNvCxnSpPr>
+            <a:stCxn id="11" idx="1"/>
+            <a:endCxn id="13" idx="3"/>
+          </p:cNvCxnSpPr>
+          <p:nvPr/>
+        </p:nvCxnSpPr>
+        <p:spPr>
+          <a:xfrm>
+            <a:off x="8000506" y="4647158"/>
+            <a:ext cx="361105" cy="0"/>
+          </a:xfrm>
+          <a:prstGeom prst="straightConnector1">
+            <a:avLst/>
+          </a:prstGeom>
+          <a:ln>
+            <a:tailEnd type="triangle"/>
+          </a:ln>
+        </p:spPr>
+        <p:style>
+          <a:lnRef idx="1">
+            <a:schemeClr val="accent2"/>
+          </a:lnRef>
+          <a:fillRef idx="0">
+            <a:schemeClr val="accent2"/>
+          </a:fillRef>
+          <a:effectRef idx="0">
+            <a:schemeClr val="accent2"/>
+          </a:effectRef>
+          <a:fontRef idx="minor">
+            <a:schemeClr val="tx1"/>
+          </a:fontRef>
+        </p:style>
+      </p:cxnSp>
+      <p:cxnSp>
+        <p:nvCxnSpPr>
+          <p:cNvPr id="24" name="Straight Arrow Connector 23">
+            <a:extLst>
+              <a:ext uri="{FF2B5EF4-FFF2-40B4-BE49-F238E27FC236}">
+                <a16:creationId xmlns:a16="http://schemas.microsoft.com/office/drawing/2014/main" id="{B792EC35-ADD9-E785-E32B-AF41A5D77AF1}"/>
+              </a:ext>
+            </a:extLst>
+          </p:cNvPr>
+          <p:cNvCxnSpPr>
+            <a:cxnSpLocks/>
+            <a:stCxn id="13" idx="1"/>
+            <a:endCxn id="12" idx="5"/>
+          </p:cNvCxnSpPr>
+          <p:nvPr/>
+        </p:nvCxnSpPr>
+        <p:spPr>
+          <a:xfrm flipV="1">
+            <a:off x="9776557" y="4610780"/>
+            <a:ext cx="420400" cy="36378"/>
+          </a:xfrm>
+          <a:prstGeom prst="straightConnector1">
+            <a:avLst/>
+          </a:prstGeom>
+          <a:ln>
+            <a:tailEnd type="triangle"/>
+          </a:ln>
+        </p:spPr>
+        <p:style>
+          <a:lnRef idx="1">
+            <a:schemeClr val="accent2"/>
+          </a:lnRef>
+          <a:fillRef idx="0">
+            <a:schemeClr val="accent2"/>
+          </a:fillRef>
+          <a:effectRef idx="0">
+            <a:schemeClr val="accent2"/>
+          </a:effectRef>
+          <a:fontRef idx="minor">
+            <a:schemeClr val="tx1"/>
+          </a:fontRef>
+        </p:style>
+      </p:cxnSp>
+      <p:cxnSp>
+        <p:nvCxnSpPr>
+          <p:cNvPr id="26" name="Straight Arrow Connector 25">
+            <a:extLst>
+              <a:ext uri="{FF2B5EF4-FFF2-40B4-BE49-F238E27FC236}">
+                <a16:creationId xmlns:a16="http://schemas.microsoft.com/office/drawing/2014/main" id="{7CE52A07-3C06-6BD1-3AB5-9FE3E5B3CA02}"/>
+              </a:ext>
+            </a:extLst>
+          </p:cNvPr>
+          <p:cNvCxnSpPr>
+            <a:cxnSpLocks/>
+            <a:stCxn id="5" idx="4"/>
+            <a:endCxn id="6" idx="1"/>
+          </p:cNvCxnSpPr>
+          <p:nvPr/>
+        </p:nvCxnSpPr>
+        <p:spPr>
+          <a:xfrm>
+            <a:off x="1456706" y="3728852"/>
+            <a:ext cx="28425" cy="501166"/>
+          </a:xfrm>
+          <a:prstGeom prst="straightConnector1">
+            <a:avLst/>
+          </a:prstGeom>
+          <a:ln>
+            <a:tailEnd type="triangle"/>
+          </a:ln>
+        </p:spPr>
+        <p:style>
+          <a:lnRef idx="1">
+            <a:schemeClr val="accent2"/>
+          </a:lnRef>
+          <a:fillRef idx="0">
+            <a:schemeClr val="accent2"/>
+          </a:fillRef>
+          <a:effectRef idx="0">
+            <a:schemeClr val="accent2"/>
+          </a:effectRef>
+          <a:fontRef idx="minor">
+            <a:schemeClr val="tx1"/>
+          </a:fontRef>
+        </p:style>
+      </p:cxnSp>
+      <p:cxnSp>
+        <p:nvCxnSpPr>
+          <p:cNvPr id="28" name="Straight Arrow Connector 27">
+            <a:extLst>
+              <a:ext uri="{FF2B5EF4-FFF2-40B4-BE49-F238E27FC236}">
+                <a16:creationId xmlns:a16="http://schemas.microsoft.com/office/drawing/2014/main" id="{F3FEE422-ACBE-5564-082D-1AA75373AA07}"/>
+              </a:ext>
+            </a:extLst>
+          </p:cNvPr>
+          <p:cNvCxnSpPr>
+            <a:cxnSpLocks/>
+            <a:stCxn id="12" idx="4"/>
+            <a:endCxn id="14" idx="0"/>
+          </p:cNvCxnSpPr>
+          <p:nvPr/>
+        </p:nvCxnSpPr>
+        <p:spPr>
+          <a:xfrm flipH="1">
+            <a:off x="10902974" y="5048537"/>
+            <a:ext cx="106203" cy="643588"/>
+          </a:xfrm>
+          <a:prstGeom prst="straightConnector1">
+            <a:avLst/>
+          </a:prstGeom>
+          <a:ln>
+            <a:tailEnd type="triangle"/>
+          </a:ln>
+        </p:spPr>
+        <p:style>
+          <a:lnRef idx="1">
+            <a:schemeClr val="accent2"/>
+          </a:lnRef>
+          <a:fillRef idx="0">
+            <a:schemeClr val="accent2"/>
+          </a:fillRef>
+          <a:effectRef idx="0">
+            <a:schemeClr val="accent2"/>
+          </a:effectRef>
+          <a:fontRef idx="minor">
+            <a:schemeClr val="tx1"/>
+          </a:fontRef>
+        </p:style>
+      </p:cxnSp>
     </p:spTree>
     <p:extLst>
       <p:ext uri="{BB962C8B-B14F-4D97-AF65-F5344CB8AC3E}">
-        <p14:creationId xmlns:p14="http://schemas.microsoft.com/office/powerpoint/2010/main" val="1533691606"/>
+        <p14:creationId xmlns:p14="http://schemas.microsoft.com/office/powerpoint/2010/main" val="185547654"/>
       </p:ext>
     </p:extLst>
   </p:cSld>
@@ -8866,7 +11330,7 @@
           <p:cNvPr id="2" name="Title 1">
             <a:extLst>
               <a:ext uri="{FF2B5EF4-FFF2-40B4-BE49-F238E27FC236}">
-                <a16:creationId xmlns:a16="http://schemas.microsoft.com/office/drawing/2014/main" id="{40D0EB12-A134-7E75-F4D6-BFB1B126376B}"/>
+                <a16:creationId xmlns:a16="http://schemas.microsoft.com/office/drawing/2014/main" id="{0F8E9118-D53E-F80C-DB36-AB43B1599CC4}"/>
               </a:ext>
             </a:extLst>
           </p:cNvPr>
@@ -8890,16 +11354,9 @@
           <a:lstStyle/>
           <a:p>
             <a:r>
-              <a:rPr lang="en-IN" sz="4000" dirty="0">
-                <a:latin typeface="Arial" panose="020B0604020202020204" pitchFamily="34" charset="0"/>
-                <a:cs typeface="Arial" panose="020B0604020202020204" pitchFamily="34" charset="0"/>
-              </a:rPr>
-              <a:t>IMPLEMENTATION (LEARNING &amp; PREDICTION PHASE)</a:t>
-            </a:r>
-            <a:endParaRPr lang="en-US" sz="4000" dirty="0">
-              <a:latin typeface="Arial" panose="020B0604020202020204" pitchFamily="34" charset="0"/>
-              <a:cs typeface="Arial" panose="020B0604020202020204" pitchFamily="34" charset="0"/>
-            </a:endParaRPr>
+              <a:rPr lang="en-US" dirty="0"/>
+              <a:t>Encoder</a:t>
+            </a:r>
           </a:p>
         </p:txBody>
       </p:sp>
@@ -8971,7 +11428,7 @@
           <p:cNvPr id="3" name="Content Placeholder 2">
             <a:extLst>
               <a:ext uri="{FF2B5EF4-FFF2-40B4-BE49-F238E27FC236}">
-                <a16:creationId xmlns:a16="http://schemas.microsoft.com/office/drawing/2014/main" id="{763BEB7E-6433-D9C5-97F5-24ECBCE4A991}"/>
+                <a16:creationId xmlns:a16="http://schemas.microsoft.com/office/drawing/2014/main" id="{FD3DB45C-04AC-135C-8E7A-5A8C020D3688}"/>
               </a:ext>
             </a:extLst>
           </p:cNvPr>
@@ -8984,8 +11441,8 @@
         </p:nvSpPr>
         <p:spPr>
           <a:xfrm>
-            <a:off x="517869" y="2693773"/>
-            <a:ext cx="8686799" cy="3495091"/>
+            <a:off x="517869" y="2236573"/>
+            <a:ext cx="8686799" cy="3952291"/>
           </a:xfrm>
         </p:spPr>
         <p:txBody>
@@ -8994,59 +11451,21 @@
           </a:bodyPr>
           <a:lstStyle/>
           <a:p>
-            <a:r>
-              <a:rPr lang="en-US" b="1" dirty="0">
-                <a:latin typeface="Arial" panose="020B0604020202020204" pitchFamily="34" charset="0"/>
-                <a:cs typeface="Arial" panose="020B0604020202020204" pitchFamily="34" charset="0"/>
-              </a:rPr>
-              <a:t>For Numbers :</a:t>
-            </a:r>
-          </a:p>
-          <a:p>
-            <a:pPr marL="342900" indent="-342900">
+            <a:pPr marL="342900" indent="-342900" algn="just">
               <a:buFont typeface="Arial" panose="020B0604020202020204" pitchFamily="34" charset="0"/>
               <a:buChar char="•"/>
             </a:pPr>
-            <a:r>
-              <a:rPr lang="en-US" dirty="0">
-                <a:latin typeface="Arial" panose="020B0604020202020204" pitchFamily="34" charset="0"/>
-                <a:cs typeface="Arial" panose="020B0604020202020204" pitchFamily="34" charset="0"/>
-              </a:rPr>
-              <a:t>Obtain datasets and train with Spatial Pooler using a scalar encoder.</a:t>
-            </a:r>
-          </a:p>
-          <a:p>
-            <a:pPr marL="342900" indent="-342900">
-              <a:buFont typeface="Arial" panose="020B0604020202020204" pitchFamily="34" charset="0"/>
-              <a:buChar char="•"/>
-            </a:pPr>
-            <a:r>
-              <a:rPr lang="en-US" dirty="0">
-                <a:latin typeface="Arial" panose="020B0604020202020204" pitchFamily="34" charset="0"/>
-                <a:cs typeface="Arial" panose="020B0604020202020204" pitchFamily="34" charset="0"/>
-              </a:rPr>
-              <a:t>Spatial Pooler iteratively trains each sequence until it reaches a stable state.</a:t>
-            </a:r>
-          </a:p>
-          <a:p>
-            <a:pPr marL="342900" indent="-342900">
-              <a:buFont typeface="Arial" panose="020B0604020202020204" pitchFamily="34" charset="0"/>
-              <a:buChar char="•"/>
-            </a:pPr>
-            <a:r>
-              <a:rPr lang="en-US" dirty="0">
-                <a:latin typeface="Arial" panose="020B0604020202020204" pitchFamily="34" charset="0"/>
-                <a:cs typeface="Arial" panose="020B0604020202020204" pitchFamily="34" charset="0"/>
-              </a:rPr>
-              <a:t>HTM is a memory-based system that stores a large number of patterns and sequences.</a:t>
-            </a:r>
+            <a:endParaRPr lang="en-US" dirty="0">
+              <a:latin typeface="Arial" panose="020B0604020202020204" pitchFamily="34" charset="0"/>
+              <a:cs typeface="Arial" panose="020B0604020202020204" pitchFamily="34" charset="0"/>
+            </a:endParaRPr>
           </a:p>
         </p:txBody>
       </p:sp>
     </p:spTree>
     <p:extLst>
       <p:ext uri="{BB962C8B-B14F-4D97-AF65-F5344CB8AC3E}">
-        <p14:creationId xmlns:p14="http://schemas.microsoft.com/office/powerpoint/2010/main" val="3177780836"/>
+        <p14:creationId xmlns:p14="http://schemas.microsoft.com/office/powerpoint/2010/main" val="2412955445"/>
       </p:ext>
     </p:extLst>
   </p:cSld>
@@ -9146,7 +11565,7 @@
           <p:cNvPr id="2" name="Title 1">
             <a:extLst>
               <a:ext uri="{FF2B5EF4-FFF2-40B4-BE49-F238E27FC236}">
-                <a16:creationId xmlns:a16="http://schemas.microsoft.com/office/drawing/2014/main" id="{5F104249-400B-AD3A-F382-C91918689B2C}"/>
+                <a16:creationId xmlns:a16="http://schemas.microsoft.com/office/drawing/2014/main" id="{0F8E9118-D53E-F80C-DB36-AB43B1599CC4}"/>
               </a:ext>
             </a:extLst>
           </p:cNvPr>
@@ -9159,8 +11578,8 @@
         </p:nvSpPr>
         <p:spPr>
           <a:xfrm>
-            <a:off x="540729" y="796484"/>
-            <a:ext cx="8686800" cy="951494"/>
+            <a:off x="517869" y="976160"/>
+            <a:ext cx="8686800" cy="1934172"/>
           </a:xfrm>
         </p:spPr>
         <p:txBody>
@@ -9170,11 +11589,8 @@
           <a:lstStyle/>
           <a:p>
             <a:r>
-              <a:rPr lang="en-US" sz="4000" dirty="0">
-                <a:latin typeface="Arial" panose="020B0604020202020204" pitchFamily="34" charset="0"/>
-                <a:cs typeface="Arial" panose="020B0604020202020204" pitchFamily="34" charset="0"/>
-              </a:rPr>
-              <a:t>FLOW-CHART</a:t>
+              <a:rPr lang="en-US" dirty="0"/>
+              <a:t>Spatial Pooler</a:t>
             </a:r>
           </a:p>
         </p:txBody>
@@ -9247,7 +11663,7 @@
           <p:cNvPr id="3" name="Content Placeholder 2">
             <a:extLst>
               <a:ext uri="{FF2B5EF4-FFF2-40B4-BE49-F238E27FC236}">
-                <a16:creationId xmlns:a16="http://schemas.microsoft.com/office/drawing/2014/main" id="{7F00A25F-4CA4-D443-D525-EEE4B67C7EC0}"/>
+                <a16:creationId xmlns:a16="http://schemas.microsoft.com/office/drawing/2014/main" id="{FD3DB45C-04AC-135C-8E7A-5A8C020D3688}"/>
               </a:ext>
             </a:extLst>
           </p:cNvPr>
@@ -9260,671 +11676,31 @@
         </p:nvSpPr>
         <p:spPr>
           <a:xfrm>
-            <a:off x="527686" y="1549353"/>
-            <a:ext cx="11123585" cy="4928605"/>
-          </a:xfrm>
-        </p:spPr>
-        <p:style>
-          <a:lnRef idx="2">
-            <a:schemeClr val="accent6"/>
-          </a:lnRef>
-          <a:fillRef idx="1">
-            <a:schemeClr val="lt1"/>
-          </a:fillRef>
-          <a:effectRef idx="0">
-            <a:schemeClr val="accent6"/>
-          </a:effectRef>
-          <a:fontRef idx="minor">
-            <a:schemeClr val="dk1"/>
-          </a:fontRef>
-        </p:style>
+            <a:off x="517869" y="2236573"/>
+            <a:ext cx="8686799" cy="3952291"/>
+          </a:xfrm>
+        </p:spPr>
         <p:txBody>
           <a:bodyPr>
             <a:normAutofit/>
           </a:bodyPr>
           <a:lstStyle/>
           <a:p>
-            <a:endParaRPr lang="en-US" dirty="0"/>
-          </a:p>
-        </p:txBody>
-      </p:sp>
-      <p:sp>
-        <p:nvSpPr>
-          <p:cNvPr id="5" name="Oval 4">
-            <a:extLst>
-              <a:ext uri="{FF2B5EF4-FFF2-40B4-BE49-F238E27FC236}">
-                <a16:creationId xmlns:a16="http://schemas.microsoft.com/office/drawing/2014/main" id="{7DC6641C-EF28-FF0A-45EE-2B454883053F}"/>
-              </a:ext>
-            </a:extLst>
-          </p:cNvPr>
-          <p:cNvSpPr/>
-          <p:nvPr/>
-        </p:nvSpPr>
-        <p:spPr>
-          <a:xfrm>
-            <a:off x="1068041" y="1998389"/>
-            <a:ext cx="1746598" cy="659884"/>
-          </a:xfrm>
-          <a:prstGeom prst="ellipse">
-            <a:avLst/>
-          </a:prstGeom>
-        </p:spPr>
-        <p:style>
-          <a:lnRef idx="2">
-            <a:schemeClr val="accent6"/>
-          </a:lnRef>
-          <a:fillRef idx="1">
-            <a:schemeClr val="lt1"/>
-          </a:fillRef>
-          <a:effectRef idx="0">
-            <a:schemeClr val="accent6"/>
-          </a:effectRef>
-          <a:fontRef idx="minor">
-            <a:schemeClr val="dk1"/>
-          </a:fontRef>
-        </p:style>
-        <p:txBody>
-          <a:bodyPr rtlCol="0" anchor="ctr"/>
-          <a:lstStyle/>
-          <a:p>
-            <a:pPr algn="ctr"/>
-            <a:r>
-              <a:rPr lang="en-US" dirty="0"/>
-              <a:t>start</a:t>
-            </a:r>
-          </a:p>
-        </p:txBody>
-      </p:sp>
-      <p:sp>
-        <p:nvSpPr>
-          <p:cNvPr id="15" name="Rounded Rectangle 14">
-            <a:extLst>
-              <a:ext uri="{FF2B5EF4-FFF2-40B4-BE49-F238E27FC236}">
-                <a16:creationId xmlns:a16="http://schemas.microsoft.com/office/drawing/2014/main" id="{397CE3F1-3B82-B84B-1A86-237599C0C089}"/>
-              </a:ext>
-            </a:extLst>
-          </p:cNvPr>
-          <p:cNvSpPr/>
-          <p:nvPr/>
-        </p:nvSpPr>
-        <p:spPr>
-          <a:xfrm>
-            <a:off x="6304928" y="4496943"/>
-            <a:ext cx="1839566" cy="792072"/>
-          </a:xfrm>
-          <a:prstGeom prst="roundRect">
-            <a:avLst/>
-          </a:prstGeom>
-        </p:spPr>
-        <p:style>
-          <a:lnRef idx="2">
-            <a:schemeClr val="accent6"/>
-          </a:lnRef>
-          <a:fillRef idx="1">
-            <a:schemeClr val="lt1"/>
-          </a:fillRef>
-          <a:effectRef idx="0">
-            <a:schemeClr val="accent6"/>
-          </a:effectRef>
-          <a:fontRef idx="minor">
-            <a:schemeClr val="dk1"/>
-          </a:fontRef>
-        </p:style>
-        <p:txBody>
-          <a:bodyPr rtlCol="0" anchor="ctr"/>
-          <a:lstStyle/>
-          <a:p>
-            <a:pPr algn="ctr"/>
-            <a:r>
-              <a:rPr lang="en-US" dirty="0"/>
-              <a:t>Prediction Accuracy percentage</a:t>
-            </a:r>
-          </a:p>
-        </p:txBody>
-      </p:sp>
-      <p:sp>
-        <p:nvSpPr>
-          <p:cNvPr id="16" name="Oval 15">
-            <a:extLst>
-              <a:ext uri="{FF2B5EF4-FFF2-40B4-BE49-F238E27FC236}">
-                <a16:creationId xmlns:a16="http://schemas.microsoft.com/office/drawing/2014/main" id="{2B45E3DA-07BD-7660-8415-B253BF777F35}"/>
-              </a:ext>
-            </a:extLst>
-          </p:cNvPr>
-          <p:cNvSpPr/>
-          <p:nvPr/>
-        </p:nvSpPr>
-        <p:spPr>
-          <a:xfrm>
-            <a:off x="10012972" y="5631520"/>
-            <a:ext cx="1638299" cy="743589"/>
-          </a:xfrm>
-          <a:prstGeom prst="ellipse">
-            <a:avLst/>
-          </a:prstGeom>
-        </p:spPr>
-        <p:style>
-          <a:lnRef idx="2">
-            <a:schemeClr val="accent6"/>
-          </a:lnRef>
-          <a:fillRef idx="1">
-            <a:schemeClr val="lt1"/>
-          </a:fillRef>
-          <a:effectRef idx="0">
-            <a:schemeClr val="accent6"/>
-          </a:effectRef>
-          <a:fontRef idx="minor">
-            <a:schemeClr val="dk1"/>
-          </a:fontRef>
-        </p:style>
-        <p:txBody>
-          <a:bodyPr rtlCol="0" anchor="ctr"/>
-          <a:lstStyle/>
-          <a:p>
-            <a:pPr algn="ctr"/>
-            <a:r>
-              <a:rPr lang="en-US" dirty="0"/>
-              <a:t>End</a:t>
-            </a:r>
-          </a:p>
-        </p:txBody>
-      </p:sp>
-      <p:sp>
-        <p:nvSpPr>
-          <p:cNvPr id="17" name="Down Arrow 16">
-            <a:extLst>
-              <a:ext uri="{FF2B5EF4-FFF2-40B4-BE49-F238E27FC236}">
-                <a16:creationId xmlns:a16="http://schemas.microsoft.com/office/drawing/2014/main" id="{88887668-6271-D7D8-ED26-C066174E009E}"/>
-              </a:ext>
-            </a:extLst>
-          </p:cNvPr>
-          <p:cNvSpPr/>
-          <p:nvPr/>
-        </p:nvSpPr>
-        <p:spPr>
-          <a:xfrm>
-            <a:off x="1862073" y="2690531"/>
-            <a:ext cx="157160" cy="384314"/>
-          </a:xfrm>
-          <a:prstGeom prst="downArrow">
-            <a:avLst/>
-          </a:prstGeom>
-        </p:spPr>
-        <p:style>
-          <a:lnRef idx="2">
-            <a:schemeClr val="accent6"/>
-          </a:lnRef>
-          <a:fillRef idx="1">
-            <a:schemeClr val="lt1"/>
-          </a:fillRef>
-          <a:effectRef idx="0">
-            <a:schemeClr val="accent6"/>
-          </a:effectRef>
-          <a:fontRef idx="minor">
-            <a:schemeClr val="dk1"/>
-          </a:fontRef>
-        </p:style>
-        <p:txBody>
-          <a:bodyPr rtlCol="0" anchor="ctr"/>
-          <a:lstStyle/>
-          <a:p>
-            <a:pPr algn="ctr"/>
-            <a:endParaRPr lang="en-US"/>
-          </a:p>
-        </p:txBody>
-      </p:sp>
-      <p:sp>
-        <p:nvSpPr>
-          <p:cNvPr id="18" name="Down Arrow 17">
-            <a:extLst>
-              <a:ext uri="{FF2B5EF4-FFF2-40B4-BE49-F238E27FC236}">
-                <a16:creationId xmlns:a16="http://schemas.microsoft.com/office/drawing/2014/main" id="{2336F564-34E4-8B70-4E6A-DB84DCD258B8}"/>
-              </a:ext>
-            </a:extLst>
-          </p:cNvPr>
-          <p:cNvSpPr/>
-          <p:nvPr/>
-        </p:nvSpPr>
-        <p:spPr>
-          <a:xfrm>
-            <a:off x="1863034" y="3905992"/>
-            <a:ext cx="156199" cy="494721"/>
-          </a:xfrm>
-          <a:prstGeom prst="downArrow">
-            <a:avLst/>
-          </a:prstGeom>
-        </p:spPr>
-        <p:style>
-          <a:lnRef idx="2">
-            <a:schemeClr val="accent6"/>
-          </a:lnRef>
-          <a:fillRef idx="1">
-            <a:schemeClr val="lt1"/>
-          </a:fillRef>
-          <a:effectRef idx="0">
-            <a:schemeClr val="accent6"/>
-          </a:effectRef>
-          <a:fontRef idx="minor">
-            <a:schemeClr val="dk1"/>
-          </a:fontRef>
-        </p:style>
-        <p:txBody>
-          <a:bodyPr rtlCol="0" anchor="ctr"/>
-          <a:lstStyle/>
-          <a:p>
-            <a:pPr algn="ctr"/>
-            <a:endParaRPr lang="en-US"/>
-          </a:p>
-        </p:txBody>
-      </p:sp>
-      <p:sp>
-        <p:nvSpPr>
-          <p:cNvPr id="9" name="Right Arrow 8">
-            <a:extLst>
-              <a:ext uri="{FF2B5EF4-FFF2-40B4-BE49-F238E27FC236}">
-                <a16:creationId xmlns:a16="http://schemas.microsoft.com/office/drawing/2014/main" id="{56627477-6447-0E82-4ADF-1AA0C507CC8C}"/>
-              </a:ext>
-            </a:extLst>
-          </p:cNvPr>
-          <p:cNvSpPr/>
-          <p:nvPr/>
-        </p:nvSpPr>
-        <p:spPr>
-          <a:xfrm>
-            <a:off x="2801590" y="4789076"/>
-            <a:ext cx="1086043" cy="197708"/>
-          </a:xfrm>
-          <a:prstGeom prst="rightArrow">
-            <a:avLst/>
-          </a:prstGeom>
-        </p:spPr>
-        <p:style>
-          <a:lnRef idx="2">
-            <a:schemeClr val="accent6"/>
-          </a:lnRef>
-          <a:fillRef idx="1">
-            <a:schemeClr val="lt1"/>
-          </a:fillRef>
-          <a:effectRef idx="0">
-            <a:schemeClr val="accent6"/>
-          </a:effectRef>
-          <a:fontRef idx="minor">
-            <a:schemeClr val="dk1"/>
-          </a:fontRef>
-        </p:style>
-        <p:txBody>
-          <a:bodyPr rtlCol="0" anchor="ctr"/>
-          <a:lstStyle/>
-          <a:p>
-            <a:pPr algn="ctr"/>
-            <a:endParaRPr lang="en-US"/>
-          </a:p>
-        </p:txBody>
-      </p:sp>
-      <p:sp>
-        <p:nvSpPr>
-          <p:cNvPr id="11" name="Right Arrow 10">
-            <a:extLst>
-              <a:ext uri="{FF2B5EF4-FFF2-40B4-BE49-F238E27FC236}">
-                <a16:creationId xmlns:a16="http://schemas.microsoft.com/office/drawing/2014/main" id="{3410A266-B8BB-EE85-EA3D-1FF97F82D2ED}"/>
-              </a:ext>
-            </a:extLst>
-          </p:cNvPr>
-          <p:cNvSpPr/>
-          <p:nvPr/>
-        </p:nvSpPr>
-        <p:spPr>
-          <a:xfrm>
-            <a:off x="5588775" y="4837911"/>
-            <a:ext cx="705327" cy="148873"/>
-          </a:xfrm>
-          <a:prstGeom prst="rightArrow">
-            <a:avLst/>
-          </a:prstGeom>
-        </p:spPr>
-        <p:style>
-          <a:lnRef idx="2">
-            <a:schemeClr val="accent6"/>
-          </a:lnRef>
-          <a:fillRef idx="1">
-            <a:schemeClr val="lt1"/>
-          </a:fillRef>
-          <a:effectRef idx="0">
-            <a:schemeClr val="accent6"/>
-          </a:effectRef>
-          <a:fontRef idx="minor">
-            <a:schemeClr val="dk1"/>
-          </a:fontRef>
-        </p:style>
-        <p:txBody>
-          <a:bodyPr rtlCol="0" anchor="ctr"/>
-          <a:lstStyle/>
-          <a:p>
-            <a:pPr algn="ctr"/>
-            <a:endParaRPr lang="en-US"/>
-          </a:p>
-        </p:txBody>
-      </p:sp>
-      <p:sp>
-        <p:nvSpPr>
-          <p:cNvPr id="21" name="Right Arrow 20">
-            <a:extLst>
-              <a:ext uri="{FF2B5EF4-FFF2-40B4-BE49-F238E27FC236}">
-                <a16:creationId xmlns:a16="http://schemas.microsoft.com/office/drawing/2014/main" id="{E362A932-2CCA-A85C-382B-9920ECA90B48}"/>
-              </a:ext>
-            </a:extLst>
-          </p:cNvPr>
-          <p:cNvSpPr/>
-          <p:nvPr/>
-        </p:nvSpPr>
-        <p:spPr>
-          <a:xfrm>
-            <a:off x="8144494" y="4818543"/>
-            <a:ext cx="641160" cy="148873"/>
-          </a:xfrm>
-          <a:prstGeom prst="rightArrow">
-            <a:avLst/>
-          </a:prstGeom>
-        </p:spPr>
-        <p:style>
-          <a:lnRef idx="2">
-            <a:schemeClr val="accent6"/>
-          </a:lnRef>
-          <a:fillRef idx="1">
-            <a:schemeClr val="lt1"/>
-          </a:fillRef>
-          <a:effectRef idx="0">
-            <a:schemeClr val="accent6"/>
-          </a:effectRef>
-          <a:fontRef idx="minor">
-            <a:schemeClr val="dk1"/>
-          </a:fontRef>
-        </p:style>
-        <p:txBody>
-          <a:bodyPr rtlCol="0" anchor="ctr"/>
-          <a:lstStyle/>
-          <a:p>
-            <a:pPr algn="ctr"/>
-            <a:endParaRPr lang="en-US"/>
-          </a:p>
-        </p:txBody>
-      </p:sp>
-      <p:sp>
-        <p:nvSpPr>
-          <p:cNvPr id="4" name="Rounded Rectangle 3">
-            <a:extLst>
-              <a:ext uri="{FF2B5EF4-FFF2-40B4-BE49-F238E27FC236}">
-                <a16:creationId xmlns:a16="http://schemas.microsoft.com/office/drawing/2014/main" id="{D4A40251-7AAB-7045-70B8-EFC431454BA6}"/>
-              </a:ext>
-            </a:extLst>
-          </p:cNvPr>
-          <p:cNvSpPr/>
-          <p:nvPr/>
-        </p:nvSpPr>
-        <p:spPr>
-          <a:xfrm>
-            <a:off x="8796480" y="4418203"/>
-            <a:ext cx="1638300" cy="939455"/>
-          </a:xfrm>
-          <a:prstGeom prst="roundRect">
-            <a:avLst/>
-          </a:prstGeom>
-        </p:spPr>
-        <p:style>
-          <a:lnRef idx="2">
-            <a:schemeClr val="accent6"/>
-          </a:lnRef>
-          <a:fillRef idx="1">
-            <a:schemeClr val="lt1"/>
-          </a:fillRef>
-          <a:effectRef idx="0">
-            <a:schemeClr val="accent6"/>
-          </a:effectRef>
-          <a:fontRef idx="minor">
-            <a:schemeClr val="dk1"/>
-          </a:fontRef>
-        </p:style>
-        <p:txBody>
-          <a:bodyPr rtlCol="0" anchor="ctr"/>
-          <a:lstStyle/>
-          <a:p>
-            <a:pPr algn="ctr"/>
-            <a:r>
-              <a:rPr lang="en-US" dirty="0"/>
-              <a:t>Storin the result in a file</a:t>
-            </a:r>
-          </a:p>
-        </p:txBody>
-      </p:sp>
-      <p:cxnSp>
-        <p:nvCxnSpPr>
-          <p:cNvPr id="12" name="Elbow Connector 11">
-            <a:extLst>
-              <a:ext uri="{FF2B5EF4-FFF2-40B4-BE49-F238E27FC236}">
-                <a16:creationId xmlns:a16="http://schemas.microsoft.com/office/drawing/2014/main" id="{D844C34E-6877-E658-A3AA-CF00666EB3D6}"/>
-              </a:ext>
-            </a:extLst>
-          </p:cNvPr>
-          <p:cNvCxnSpPr>
-            <a:stCxn id="4" idx="3"/>
-          </p:cNvCxnSpPr>
-          <p:nvPr/>
-        </p:nvCxnSpPr>
-        <p:spPr>
-          <a:xfrm>
-            <a:off x="10434780" y="4887931"/>
-            <a:ext cx="518970" cy="743590"/>
-          </a:xfrm>
-          <a:prstGeom prst="bentConnector2">
-            <a:avLst/>
-          </a:prstGeom>
-          <a:ln>
-            <a:tailEnd type="triangle"/>
-          </a:ln>
-        </p:spPr>
-        <p:style>
-          <a:lnRef idx="1">
-            <a:schemeClr val="accent2"/>
-          </a:lnRef>
-          <a:fillRef idx="0">
-            <a:schemeClr val="accent2"/>
-          </a:fillRef>
-          <a:effectRef idx="0">
-            <a:schemeClr val="accent2"/>
-          </a:effectRef>
-          <a:fontRef idx="minor">
-            <a:schemeClr val="tx1"/>
-          </a:fontRef>
-        </p:style>
-      </p:cxnSp>
-      <p:sp>
-        <p:nvSpPr>
-          <p:cNvPr id="19" name="Rounded Rectangle 18">
-            <a:extLst>
-              <a:ext uri="{FF2B5EF4-FFF2-40B4-BE49-F238E27FC236}">
-                <a16:creationId xmlns:a16="http://schemas.microsoft.com/office/drawing/2014/main" id="{6D82EB05-2B37-FE9E-A30C-5F92C79027E5}"/>
-              </a:ext>
-            </a:extLst>
-          </p:cNvPr>
-          <p:cNvSpPr/>
-          <p:nvPr/>
-        </p:nvSpPr>
-        <p:spPr>
-          <a:xfrm>
-            <a:off x="3870279" y="4391602"/>
-            <a:ext cx="1669900" cy="951494"/>
-          </a:xfrm>
-          <a:prstGeom prst="roundRect">
-            <a:avLst/>
-          </a:prstGeom>
-        </p:spPr>
-        <p:style>
-          <a:lnRef idx="2">
-            <a:schemeClr val="accent6"/>
-          </a:lnRef>
-          <a:fillRef idx="1">
-            <a:schemeClr val="lt1"/>
-          </a:fillRef>
-          <a:effectRef idx="0">
-            <a:schemeClr val="accent6"/>
-          </a:effectRef>
-          <a:fontRef idx="minor">
-            <a:schemeClr val="dk1"/>
-          </a:fontRef>
-        </p:style>
-        <p:txBody>
-          <a:bodyPr rtlCol="0" anchor="ctr"/>
-          <a:lstStyle/>
-          <a:p>
-            <a:pPr algn="ctr"/>
-            <a:r>
-              <a:rPr lang="en-US" dirty="0"/>
-              <a:t>Enter Test-Data Sequences</a:t>
-            </a:r>
-          </a:p>
-        </p:txBody>
-      </p:sp>
-      <p:sp>
-        <p:nvSpPr>
-          <p:cNvPr id="20" name="Rounded Rectangle 19">
-            <a:extLst>
-              <a:ext uri="{FF2B5EF4-FFF2-40B4-BE49-F238E27FC236}">
-                <a16:creationId xmlns:a16="http://schemas.microsoft.com/office/drawing/2014/main" id="{EBA852CD-302B-550D-3C0E-1B1EBFF12880}"/>
-              </a:ext>
-            </a:extLst>
-          </p:cNvPr>
-          <p:cNvSpPr/>
-          <p:nvPr/>
-        </p:nvSpPr>
-        <p:spPr>
-          <a:xfrm>
-            <a:off x="1068040" y="4400713"/>
-            <a:ext cx="1903760" cy="933273"/>
-          </a:xfrm>
-          <a:prstGeom prst="roundRect">
-            <a:avLst/>
-          </a:prstGeom>
-        </p:spPr>
-        <p:style>
-          <a:lnRef idx="2">
-            <a:schemeClr val="accent6"/>
-          </a:lnRef>
-          <a:fillRef idx="1">
-            <a:schemeClr val="lt1"/>
-          </a:fillRef>
-          <a:effectRef idx="0">
-            <a:schemeClr val="accent6"/>
-          </a:effectRef>
-          <a:fontRef idx="minor">
-            <a:schemeClr val="dk1"/>
-          </a:fontRef>
-        </p:style>
-        <p:txBody>
-          <a:bodyPr rtlCol="0" anchor="ctr"/>
-          <a:lstStyle/>
-          <a:p>
-            <a:pPr algn="ctr"/>
-            <a:r>
-              <a:rPr lang="en-US" dirty="0"/>
-              <a:t>Train Datasets</a:t>
-            </a:r>
-          </a:p>
-        </p:txBody>
-      </p:sp>
-      <p:sp>
-        <p:nvSpPr>
-          <p:cNvPr id="22" name="Rounded Rectangle 21">
-            <a:extLst>
-              <a:ext uri="{FF2B5EF4-FFF2-40B4-BE49-F238E27FC236}">
-                <a16:creationId xmlns:a16="http://schemas.microsoft.com/office/drawing/2014/main" id="{08DB2331-8D4B-27D3-CC83-C8AAC74B96FD}"/>
-              </a:ext>
-            </a:extLst>
-          </p:cNvPr>
-          <p:cNvSpPr/>
-          <p:nvPr/>
-        </p:nvSpPr>
-        <p:spPr>
-          <a:xfrm>
-            <a:off x="946353" y="3088997"/>
-            <a:ext cx="2183607" cy="802843"/>
-          </a:xfrm>
-          <a:prstGeom prst="roundRect">
-            <a:avLst/>
-          </a:prstGeom>
-        </p:spPr>
-        <p:style>
-          <a:lnRef idx="2">
-            <a:schemeClr val="accent6"/>
-          </a:lnRef>
-          <a:fillRef idx="1">
-            <a:schemeClr val="lt1"/>
-          </a:fillRef>
-          <a:effectRef idx="0">
-            <a:schemeClr val="accent6"/>
-          </a:effectRef>
-          <a:fontRef idx="minor">
-            <a:schemeClr val="dk1"/>
-          </a:fontRef>
-        </p:style>
-        <p:txBody>
-          <a:bodyPr rtlCol="0" anchor="ctr"/>
-          <a:lstStyle/>
-          <a:p>
-            <a:pPr algn="ctr"/>
-            <a:r>
-              <a:rPr lang="en-US" dirty="0"/>
-              <a:t>Multi-Sequences stored in the file</a:t>
-            </a:r>
-          </a:p>
-        </p:txBody>
-      </p:sp>
-      <p:cxnSp>
-        <p:nvCxnSpPr>
-          <p:cNvPr id="7" name="Elbow Connector 6">
-            <a:extLst>
-              <a:ext uri="{FF2B5EF4-FFF2-40B4-BE49-F238E27FC236}">
-                <a16:creationId xmlns:a16="http://schemas.microsoft.com/office/drawing/2014/main" id="{F742995C-786F-608B-6F44-69AD4B7D1103}"/>
-              </a:ext>
-            </a:extLst>
-          </p:cNvPr>
-          <p:cNvCxnSpPr>
-            <a:stCxn id="22" idx="1"/>
-          </p:cNvCxnSpPr>
-          <p:nvPr/>
-        </p:nvCxnSpPr>
-        <p:spPr>
-          <a:xfrm rot="10800000" flipH="1" flipV="1">
-            <a:off x="946352" y="3490418"/>
-            <a:ext cx="9066619" cy="2530371"/>
-          </a:xfrm>
-          <a:prstGeom prst="bentConnector3">
-            <a:avLst>
-              <a:gd name="adj1" fmla="val -2521"/>
-            </a:avLst>
-          </a:prstGeom>
-          <a:ln>
-            <a:tailEnd type="triangle"/>
-          </a:ln>
-        </p:spPr>
-        <p:style>
-          <a:lnRef idx="1">
-            <a:schemeClr val="accent2"/>
-          </a:lnRef>
-          <a:fillRef idx="0">
-            <a:schemeClr val="accent2"/>
-          </a:fillRef>
-          <a:effectRef idx="0">
-            <a:schemeClr val="accent2"/>
-          </a:effectRef>
-          <a:fontRef idx="minor">
-            <a:schemeClr val="tx1"/>
-          </a:fontRef>
-        </p:style>
-      </p:cxnSp>
+            <a:pPr marL="342900" indent="-342900" algn="just">
+              <a:buFont typeface="Arial" panose="020B0604020202020204" pitchFamily="34" charset="0"/>
+              <a:buChar char="•"/>
+            </a:pPr>
+            <a:endParaRPr lang="en-US" dirty="0">
+              <a:latin typeface="Arial" panose="020B0604020202020204" pitchFamily="34" charset="0"/>
+              <a:cs typeface="Arial" panose="020B0604020202020204" pitchFamily="34" charset="0"/>
+            </a:endParaRPr>
+          </a:p>
+        </p:txBody>
+      </p:sp>
     </p:spTree>
     <p:extLst>
       <p:ext uri="{BB962C8B-B14F-4D97-AF65-F5344CB8AC3E}">
-        <p14:creationId xmlns:p14="http://schemas.microsoft.com/office/powerpoint/2010/main" val="2487824199"/>
+        <p14:creationId xmlns:p14="http://schemas.microsoft.com/office/powerpoint/2010/main" val="2754012125"/>
       </p:ext>
     </p:extLst>
   </p:cSld>
@@ -10024,7 +11800,7 @@
           <p:cNvPr id="2" name="Title 1">
             <a:extLst>
               <a:ext uri="{FF2B5EF4-FFF2-40B4-BE49-F238E27FC236}">
-                <a16:creationId xmlns:a16="http://schemas.microsoft.com/office/drawing/2014/main" id="{0C681EFA-DFBD-EA24-AC3F-12C9EBAF7CF8}"/>
+                <a16:creationId xmlns:a16="http://schemas.microsoft.com/office/drawing/2014/main" id="{0F8E9118-D53E-F80C-DB36-AB43B1599CC4}"/>
               </a:ext>
             </a:extLst>
           </p:cNvPr>
@@ -10037,8 +11813,8 @@
         </p:nvSpPr>
         <p:spPr>
           <a:xfrm>
-            <a:off x="517869" y="785813"/>
-            <a:ext cx="8686800" cy="1000125"/>
+            <a:off x="517869" y="976160"/>
+            <a:ext cx="8686800" cy="1934172"/>
           </a:xfrm>
         </p:spPr>
         <p:txBody>
@@ -10049,7 +11825,7 @@
           <a:p>
             <a:r>
               <a:rPr lang="en-US" dirty="0"/>
-              <a:t>RESULT</a:t>
+              <a:t>Temporal Memory</a:t>
             </a:r>
           </a:p>
         </p:txBody>
@@ -10122,7 +11898,7 @@
           <p:cNvPr id="3" name="Content Placeholder 2">
             <a:extLst>
               <a:ext uri="{FF2B5EF4-FFF2-40B4-BE49-F238E27FC236}">
-                <a16:creationId xmlns:a16="http://schemas.microsoft.com/office/drawing/2014/main" id="{DC9DCE16-5795-F601-83AE-2E602180EE3A}"/>
+                <a16:creationId xmlns:a16="http://schemas.microsoft.com/office/drawing/2014/main" id="{FD3DB45C-04AC-135C-8E7A-5A8C020D3688}"/>
               </a:ext>
             </a:extLst>
           </p:cNvPr>
@@ -10135,8 +11911,8 @@
         </p:nvSpPr>
         <p:spPr>
           <a:xfrm>
-            <a:off x="517869" y="3172570"/>
-            <a:ext cx="8686799" cy="3016294"/>
+            <a:off x="517869" y="2236573"/>
+            <a:ext cx="8686799" cy="3952291"/>
           </a:xfrm>
         </p:spPr>
         <p:txBody>
@@ -10145,14 +11921,21 @@
           </a:bodyPr>
           <a:lstStyle/>
           <a:p>
-            <a:endParaRPr lang="en-US" dirty="0"/>
+            <a:pPr marL="342900" indent="-342900" algn="just">
+              <a:buFont typeface="Arial" panose="020B0604020202020204" pitchFamily="34" charset="0"/>
+              <a:buChar char="•"/>
+            </a:pPr>
+            <a:endParaRPr lang="en-US" dirty="0">
+              <a:latin typeface="Arial" panose="020B0604020202020204" pitchFamily="34" charset="0"/>
+              <a:cs typeface="Arial" panose="020B0604020202020204" pitchFamily="34" charset="0"/>
+            </a:endParaRPr>
           </a:p>
         </p:txBody>
       </p:sp>
     </p:spTree>
     <p:extLst>
       <p:ext uri="{BB962C8B-B14F-4D97-AF65-F5344CB8AC3E}">
-        <p14:creationId xmlns:p14="http://schemas.microsoft.com/office/powerpoint/2010/main" val="3402530586"/>
+        <p14:creationId xmlns:p14="http://schemas.microsoft.com/office/powerpoint/2010/main" val="1600965943"/>
       </p:ext>
     </p:extLst>
   </p:cSld>

--- a/source/MySEProject/Documentation/ML-22-23-15 Approve Prediction of Multisequence Learning .pptx
+++ b/source/MySEProject/Documentation/ML-22-23-15 Approve Prediction of Multisequence Learning .pptx
@@ -17,11 +17,11 @@
     <p:sldId id="270" r:id="rId8"/>
     <p:sldId id="268" r:id="rId9"/>
     <p:sldId id="269" r:id="rId10"/>
-    <p:sldId id="265" r:id="rId11"/>
-    <p:sldId id="261" r:id="rId12"/>
-    <p:sldId id="262" r:id="rId13"/>
-    <p:sldId id="263" r:id="rId14"/>
-    <p:sldId id="264" r:id="rId15"/>
+    <p:sldId id="261" r:id="rId11"/>
+    <p:sldId id="262" r:id="rId12"/>
+    <p:sldId id="263" r:id="rId13"/>
+    <p:sldId id="264" r:id="rId14"/>
+    <p:sldId id="271" r:id="rId15"/>
   </p:sldIdLst>
   <p:sldSz cx="12192000" cy="6858000"/>
   <p:notesSz cx="6858000" cy="9144000"/>
@@ -126,2625 +126,6 @@
     </p:ext>
   </p:extLst>
 </p:presentation>
-</file>
-
-<file path=ppt/diagrams/colors1.xml><?xml version="1.0" encoding="utf-8"?>
-<dgm:colorsDef xmlns:dgm="http://schemas.openxmlformats.org/drawingml/2006/diagram" xmlns:a="http://schemas.openxmlformats.org/drawingml/2006/main" uniqueId="urn:microsoft.com/office/officeart/2005/8/colors/accent0_1">
-  <dgm:title val=""/>
-  <dgm:desc val=""/>
-  <dgm:catLst>
-    <dgm:cat type="mainScheme" pri="10100"/>
-  </dgm:catLst>
-  <dgm:styleLbl name="node0">
-    <dgm:fillClrLst meth="repeat">
-      <a:schemeClr val="lt1"/>
-    </dgm:fillClrLst>
-    <dgm:linClrLst meth="repeat">
-      <a:schemeClr val="dk1">
-        <a:shade val="80000"/>
-      </a:schemeClr>
-    </dgm:linClrLst>
-    <dgm:effectClrLst/>
-    <dgm:txLinClrLst/>
-    <dgm:txFillClrLst meth="repeat">
-      <a:schemeClr val="dk1"/>
-    </dgm:txFillClrLst>
-    <dgm:txEffectClrLst/>
-  </dgm:styleLbl>
-  <dgm:styleLbl name="node1">
-    <dgm:fillClrLst meth="repeat">
-      <a:schemeClr val="lt1"/>
-    </dgm:fillClrLst>
-    <dgm:linClrLst meth="repeat">
-      <a:schemeClr val="dk1">
-        <a:shade val="80000"/>
-      </a:schemeClr>
-    </dgm:linClrLst>
-    <dgm:effectClrLst/>
-    <dgm:txLinClrLst/>
-    <dgm:txFillClrLst meth="repeat">
-      <a:schemeClr val="dk1"/>
-    </dgm:txFillClrLst>
-    <dgm:txEffectClrLst/>
-  </dgm:styleLbl>
-  <dgm:styleLbl name="alignNode1">
-    <dgm:fillClrLst meth="repeat">
-      <a:schemeClr val="lt1"/>
-    </dgm:fillClrLst>
-    <dgm:linClrLst meth="repeat">
-      <a:schemeClr val="dk1">
-        <a:shade val="80000"/>
-      </a:schemeClr>
-    </dgm:linClrLst>
-    <dgm:effectClrLst/>
-    <dgm:txLinClrLst/>
-    <dgm:txFillClrLst meth="repeat">
-      <a:schemeClr val="dk1"/>
-    </dgm:txFillClrLst>
-    <dgm:txEffectClrLst/>
-  </dgm:styleLbl>
-  <dgm:styleLbl name="lnNode1">
-    <dgm:fillClrLst meth="repeat">
-      <a:schemeClr val="lt1"/>
-    </dgm:fillClrLst>
-    <dgm:linClrLst meth="repeat">
-      <a:schemeClr val="dk1">
-        <a:shade val="80000"/>
-      </a:schemeClr>
-    </dgm:linClrLst>
-    <dgm:effectClrLst/>
-    <dgm:txLinClrLst/>
-    <dgm:txFillClrLst meth="repeat">
-      <a:schemeClr val="dk1"/>
-    </dgm:txFillClrLst>
-    <dgm:txEffectClrLst/>
-  </dgm:styleLbl>
-  <dgm:styleLbl name="vennNode1">
-    <dgm:fillClrLst meth="repeat">
-      <a:schemeClr val="lt1">
-        <a:alpha val="50000"/>
-      </a:schemeClr>
-    </dgm:fillClrLst>
-    <dgm:linClrLst meth="repeat">
-      <a:schemeClr val="dk1">
-        <a:shade val="80000"/>
-      </a:schemeClr>
-    </dgm:linClrLst>
-    <dgm:effectClrLst/>
-    <dgm:txLinClrLst/>
-    <dgm:txFillClrLst/>
-    <dgm:txEffectClrLst/>
-  </dgm:styleLbl>
-  <dgm:styleLbl name="node2">
-    <dgm:fillClrLst meth="repeat">
-      <a:schemeClr val="lt1"/>
-    </dgm:fillClrLst>
-    <dgm:linClrLst meth="repeat">
-      <a:schemeClr val="dk1">
-        <a:shade val="80000"/>
-      </a:schemeClr>
-    </dgm:linClrLst>
-    <dgm:effectClrLst/>
-    <dgm:txLinClrLst/>
-    <dgm:txFillClrLst meth="repeat">
-      <a:schemeClr val="dk1"/>
-    </dgm:txFillClrLst>
-    <dgm:txEffectClrLst/>
-  </dgm:styleLbl>
-  <dgm:styleLbl name="node3">
-    <dgm:fillClrLst meth="repeat">
-      <a:schemeClr val="lt1"/>
-    </dgm:fillClrLst>
-    <dgm:linClrLst meth="repeat">
-      <a:schemeClr val="dk1">
-        <a:shade val="80000"/>
-      </a:schemeClr>
-    </dgm:linClrLst>
-    <dgm:effectClrLst/>
-    <dgm:txLinClrLst/>
-    <dgm:txFillClrLst meth="repeat">
-      <a:schemeClr val="dk1"/>
-    </dgm:txFillClrLst>
-    <dgm:txEffectClrLst/>
-  </dgm:styleLbl>
-  <dgm:styleLbl name="node4">
-    <dgm:fillClrLst meth="repeat">
-      <a:schemeClr val="lt1"/>
-    </dgm:fillClrLst>
-    <dgm:linClrLst meth="repeat">
-      <a:schemeClr val="dk1">
-        <a:shade val="80000"/>
-      </a:schemeClr>
-    </dgm:linClrLst>
-    <dgm:effectClrLst/>
-    <dgm:txLinClrLst/>
-    <dgm:txFillClrLst meth="repeat">
-      <a:schemeClr val="dk1"/>
-    </dgm:txFillClrLst>
-    <dgm:txEffectClrLst/>
-  </dgm:styleLbl>
-  <dgm:styleLbl name="fgImgPlace1">
-    <dgm:fillClrLst meth="repeat">
-      <a:schemeClr val="dk1">
-        <a:tint val="40000"/>
-      </a:schemeClr>
-    </dgm:fillClrLst>
-    <dgm:linClrLst meth="repeat">
-      <a:schemeClr val="dk1">
-        <a:shade val="80000"/>
-      </a:schemeClr>
-    </dgm:linClrLst>
-    <dgm:effectClrLst/>
-    <dgm:txLinClrLst/>
-    <dgm:txFillClrLst meth="repeat">
-      <a:schemeClr val="lt1"/>
-    </dgm:txFillClrLst>
-    <dgm:txEffectClrLst/>
-  </dgm:styleLbl>
-  <dgm:styleLbl name="alignImgPlace1">
-    <dgm:fillClrLst meth="repeat">
-      <a:schemeClr val="dk1">
-        <a:tint val="40000"/>
-      </a:schemeClr>
-    </dgm:fillClrLst>
-    <dgm:linClrLst meth="repeat">
-      <a:schemeClr val="dk1">
-        <a:shade val="80000"/>
-      </a:schemeClr>
-    </dgm:linClrLst>
-    <dgm:effectClrLst/>
-    <dgm:txLinClrLst/>
-    <dgm:txFillClrLst meth="repeat">
-      <a:schemeClr val="lt1"/>
-    </dgm:txFillClrLst>
-    <dgm:txEffectClrLst/>
-  </dgm:styleLbl>
-  <dgm:styleLbl name="bgImgPlace1">
-    <dgm:fillClrLst meth="repeat">
-      <a:schemeClr val="dk1">
-        <a:tint val="40000"/>
-      </a:schemeClr>
-    </dgm:fillClrLst>
-    <dgm:linClrLst meth="repeat">
-      <a:schemeClr val="dk1">
-        <a:shade val="80000"/>
-      </a:schemeClr>
-    </dgm:linClrLst>
-    <dgm:effectClrLst/>
-    <dgm:txLinClrLst/>
-    <dgm:txFillClrLst meth="repeat">
-      <a:schemeClr val="lt1"/>
-    </dgm:txFillClrLst>
-    <dgm:txEffectClrLst/>
-  </dgm:styleLbl>
-  <dgm:styleLbl name="sibTrans2D1">
-    <dgm:fillClrLst meth="repeat">
-      <a:schemeClr val="dk1">
-        <a:tint val="60000"/>
-      </a:schemeClr>
-    </dgm:fillClrLst>
-    <dgm:linClrLst meth="repeat">
-      <a:schemeClr val="dk1">
-        <a:tint val="60000"/>
-      </a:schemeClr>
-    </dgm:linClrLst>
-    <dgm:effectClrLst/>
-    <dgm:txLinClrLst/>
-    <dgm:txFillClrLst meth="repeat">
-      <a:schemeClr val="dk1"/>
-    </dgm:txFillClrLst>
-    <dgm:txEffectClrLst/>
-  </dgm:styleLbl>
-  <dgm:styleLbl name="fgSibTrans2D1">
-    <dgm:fillClrLst meth="repeat">
-      <a:schemeClr val="dk1">
-        <a:tint val="60000"/>
-      </a:schemeClr>
-    </dgm:fillClrLst>
-    <dgm:linClrLst meth="repeat">
-      <a:schemeClr val="dk1">
-        <a:tint val="60000"/>
-      </a:schemeClr>
-    </dgm:linClrLst>
-    <dgm:effectClrLst/>
-    <dgm:txLinClrLst/>
-    <dgm:txFillClrLst meth="repeat">
-      <a:schemeClr val="dk1"/>
-    </dgm:txFillClrLst>
-    <dgm:txEffectClrLst/>
-  </dgm:styleLbl>
-  <dgm:styleLbl name="bgSibTrans2D1">
-    <dgm:fillClrLst meth="repeat">
-      <a:schemeClr val="dk1">
-        <a:tint val="60000"/>
-      </a:schemeClr>
-    </dgm:fillClrLst>
-    <dgm:linClrLst meth="repeat">
-      <a:schemeClr val="dk1">
-        <a:tint val="60000"/>
-      </a:schemeClr>
-    </dgm:linClrLst>
-    <dgm:effectClrLst/>
-    <dgm:txLinClrLst/>
-    <dgm:txFillClrLst meth="repeat">
-      <a:schemeClr val="dk1"/>
-    </dgm:txFillClrLst>
-    <dgm:txEffectClrLst/>
-  </dgm:styleLbl>
-  <dgm:styleLbl name="sibTrans1D1">
-    <dgm:fillClrLst meth="repeat">
-      <a:schemeClr val="dk1"/>
-    </dgm:fillClrLst>
-    <dgm:linClrLst meth="repeat">
-      <a:schemeClr val="dk1"/>
-    </dgm:linClrLst>
-    <dgm:effectClrLst/>
-    <dgm:txLinClrLst/>
-    <dgm:txFillClrLst meth="repeat">
-      <a:schemeClr val="tx1"/>
-    </dgm:txFillClrLst>
-    <dgm:txEffectClrLst/>
-  </dgm:styleLbl>
-  <dgm:styleLbl name="callout">
-    <dgm:fillClrLst meth="repeat">
-      <a:schemeClr val="dk1"/>
-    </dgm:fillClrLst>
-    <dgm:linClrLst meth="repeat">
-      <a:schemeClr val="dk1"/>
-    </dgm:linClrLst>
-    <dgm:effectClrLst/>
-    <dgm:txLinClrLst/>
-    <dgm:txFillClrLst meth="repeat">
-      <a:schemeClr val="tx1"/>
-    </dgm:txFillClrLst>
-    <dgm:txEffectClrLst/>
-  </dgm:styleLbl>
-  <dgm:styleLbl name="asst0">
-    <dgm:fillClrLst meth="repeat">
-      <a:schemeClr val="lt1"/>
-    </dgm:fillClrLst>
-    <dgm:linClrLst meth="repeat">
-      <a:schemeClr val="dk1">
-        <a:shade val="80000"/>
-      </a:schemeClr>
-    </dgm:linClrLst>
-    <dgm:effectClrLst/>
-    <dgm:txLinClrLst/>
-    <dgm:txFillClrLst meth="repeat">
-      <a:schemeClr val="dk1"/>
-    </dgm:txFillClrLst>
-    <dgm:txEffectClrLst/>
-  </dgm:styleLbl>
-  <dgm:styleLbl name="asst1">
-    <dgm:fillClrLst meth="repeat">
-      <a:schemeClr val="lt1"/>
-    </dgm:fillClrLst>
-    <dgm:linClrLst meth="repeat">
-      <a:schemeClr val="dk1">
-        <a:shade val="80000"/>
-      </a:schemeClr>
-    </dgm:linClrLst>
-    <dgm:effectClrLst/>
-    <dgm:txLinClrLst/>
-    <dgm:txFillClrLst meth="repeat">
-      <a:schemeClr val="dk1"/>
-    </dgm:txFillClrLst>
-    <dgm:txEffectClrLst/>
-  </dgm:styleLbl>
-  <dgm:styleLbl name="asst2">
-    <dgm:fillClrLst meth="repeat">
-      <a:schemeClr val="lt1"/>
-    </dgm:fillClrLst>
-    <dgm:linClrLst meth="repeat">
-      <a:schemeClr val="dk1">
-        <a:shade val="80000"/>
-      </a:schemeClr>
-    </dgm:linClrLst>
-    <dgm:effectClrLst/>
-    <dgm:txLinClrLst/>
-    <dgm:txFillClrLst meth="repeat">
-      <a:schemeClr val="dk1"/>
-    </dgm:txFillClrLst>
-    <dgm:txEffectClrLst/>
-  </dgm:styleLbl>
-  <dgm:styleLbl name="asst3">
-    <dgm:fillClrLst meth="repeat">
-      <a:schemeClr val="lt1"/>
-    </dgm:fillClrLst>
-    <dgm:linClrLst meth="repeat">
-      <a:schemeClr val="dk1">
-        <a:shade val="80000"/>
-      </a:schemeClr>
-    </dgm:linClrLst>
-    <dgm:effectClrLst/>
-    <dgm:txLinClrLst/>
-    <dgm:txFillClrLst meth="repeat">
-      <a:schemeClr val="dk1"/>
-    </dgm:txFillClrLst>
-    <dgm:txEffectClrLst/>
-  </dgm:styleLbl>
-  <dgm:styleLbl name="asst4">
-    <dgm:fillClrLst meth="repeat">
-      <a:schemeClr val="lt1"/>
-    </dgm:fillClrLst>
-    <dgm:linClrLst meth="repeat">
-      <a:schemeClr val="dk1">
-        <a:shade val="80000"/>
-      </a:schemeClr>
-    </dgm:linClrLst>
-    <dgm:effectClrLst/>
-    <dgm:txLinClrLst/>
-    <dgm:txFillClrLst meth="repeat">
-      <a:schemeClr val="dk1"/>
-    </dgm:txFillClrLst>
-    <dgm:txEffectClrLst/>
-  </dgm:styleLbl>
-  <dgm:styleLbl name="parChTrans2D1">
-    <dgm:fillClrLst meth="repeat">
-      <a:schemeClr val="dk1">
-        <a:tint val="60000"/>
-      </a:schemeClr>
-    </dgm:fillClrLst>
-    <dgm:linClrLst meth="repeat">
-      <a:schemeClr val="dk1">
-        <a:tint val="60000"/>
-      </a:schemeClr>
-    </dgm:linClrLst>
-    <dgm:effectClrLst/>
-    <dgm:txLinClrLst/>
-    <dgm:txFillClrLst/>
-    <dgm:txEffectClrLst/>
-  </dgm:styleLbl>
-  <dgm:styleLbl name="parChTrans2D2">
-    <dgm:fillClrLst meth="repeat">
-      <a:schemeClr val="dk1"/>
-    </dgm:fillClrLst>
-    <dgm:linClrLst meth="repeat">
-      <a:schemeClr val="dk1"/>
-    </dgm:linClrLst>
-    <dgm:effectClrLst/>
-    <dgm:txLinClrLst/>
-    <dgm:txFillClrLst/>
-    <dgm:txEffectClrLst/>
-  </dgm:styleLbl>
-  <dgm:styleLbl name="parChTrans2D3">
-    <dgm:fillClrLst meth="repeat">
-      <a:schemeClr val="dk1"/>
-    </dgm:fillClrLst>
-    <dgm:linClrLst meth="repeat">
-      <a:schemeClr val="dk1"/>
-    </dgm:linClrLst>
-    <dgm:effectClrLst/>
-    <dgm:txLinClrLst/>
-    <dgm:txFillClrLst/>
-    <dgm:txEffectClrLst/>
-  </dgm:styleLbl>
-  <dgm:styleLbl name="parChTrans2D4">
-    <dgm:fillClrLst meth="repeat">
-      <a:schemeClr val="dk1"/>
-    </dgm:fillClrLst>
-    <dgm:linClrLst meth="repeat">
-      <a:schemeClr val="dk1"/>
-    </dgm:linClrLst>
-    <dgm:effectClrLst/>
-    <dgm:txLinClrLst/>
-    <dgm:txFillClrLst meth="repeat">
-      <a:schemeClr val="lt1"/>
-    </dgm:txFillClrLst>
-    <dgm:txEffectClrLst/>
-  </dgm:styleLbl>
-  <dgm:styleLbl name="parChTrans1D1">
-    <dgm:fillClrLst meth="repeat">
-      <a:schemeClr val="dk1"/>
-    </dgm:fillClrLst>
-    <dgm:linClrLst meth="repeat">
-      <a:schemeClr val="dk1">
-        <a:shade val="60000"/>
-      </a:schemeClr>
-    </dgm:linClrLst>
-    <dgm:effectClrLst/>
-    <dgm:txLinClrLst/>
-    <dgm:txFillClrLst meth="repeat">
-      <a:schemeClr val="tx1"/>
-    </dgm:txFillClrLst>
-    <dgm:txEffectClrLst/>
-  </dgm:styleLbl>
-  <dgm:styleLbl name="parChTrans1D2">
-    <dgm:fillClrLst meth="repeat">
-      <a:schemeClr val="dk1"/>
-    </dgm:fillClrLst>
-    <dgm:linClrLst meth="repeat">
-      <a:schemeClr val="dk1">
-        <a:shade val="60000"/>
-      </a:schemeClr>
-    </dgm:linClrLst>
-    <dgm:effectClrLst/>
-    <dgm:txLinClrLst/>
-    <dgm:txFillClrLst meth="repeat">
-      <a:schemeClr val="tx1"/>
-    </dgm:txFillClrLst>
-    <dgm:txEffectClrLst/>
-  </dgm:styleLbl>
-  <dgm:styleLbl name="parChTrans1D3">
-    <dgm:fillClrLst meth="repeat">
-      <a:schemeClr val="dk1"/>
-    </dgm:fillClrLst>
-    <dgm:linClrLst meth="repeat">
-      <a:schemeClr val="dk1">
-        <a:shade val="80000"/>
-      </a:schemeClr>
-    </dgm:linClrLst>
-    <dgm:effectClrLst/>
-    <dgm:txLinClrLst/>
-    <dgm:txFillClrLst meth="repeat">
-      <a:schemeClr val="tx1"/>
-    </dgm:txFillClrLst>
-    <dgm:txEffectClrLst/>
-  </dgm:styleLbl>
-  <dgm:styleLbl name="parChTrans1D4">
-    <dgm:fillClrLst meth="repeat">
-      <a:schemeClr val="dk1"/>
-    </dgm:fillClrLst>
-    <dgm:linClrLst meth="repeat">
-      <a:schemeClr val="dk1">
-        <a:shade val="80000"/>
-      </a:schemeClr>
-    </dgm:linClrLst>
-    <dgm:effectClrLst/>
-    <dgm:txLinClrLst/>
-    <dgm:txFillClrLst meth="repeat">
-      <a:schemeClr val="tx1"/>
-    </dgm:txFillClrLst>
-    <dgm:txEffectClrLst/>
-  </dgm:styleLbl>
-  <dgm:styleLbl name="fgAcc1">
-    <dgm:fillClrLst meth="repeat">
-      <a:schemeClr val="dk1">
-        <a:alpha val="90000"/>
-        <a:tint val="40000"/>
-      </a:schemeClr>
-    </dgm:fillClrLst>
-    <dgm:linClrLst meth="repeat">
-      <a:schemeClr val="dk1"/>
-    </dgm:linClrLst>
-    <dgm:effectClrLst/>
-    <dgm:txLinClrLst/>
-    <dgm:txFillClrLst meth="repeat">
-      <a:schemeClr val="dk1"/>
-    </dgm:txFillClrLst>
-    <dgm:txEffectClrLst/>
-  </dgm:styleLbl>
-  <dgm:styleLbl name="conFgAcc1">
-    <dgm:fillClrLst meth="repeat">
-      <a:schemeClr val="dk1">
-        <a:alpha val="90000"/>
-        <a:tint val="40000"/>
-      </a:schemeClr>
-    </dgm:fillClrLst>
-    <dgm:linClrLst meth="repeat">
-      <a:schemeClr val="dk1"/>
-    </dgm:linClrLst>
-    <dgm:effectClrLst/>
-    <dgm:txLinClrLst/>
-    <dgm:txFillClrLst meth="repeat">
-      <a:schemeClr val="dk1"/>
-    </dgm:txFillClrLst>
-    <dgm:txEffectClrLst/>
-  </dgm:styleLbl>
-  <dgm:styleLbl name="alignAcc1">
-    <dgm:fillClrLst meth="repeat">
-      <a:schemeClr val="dk1">
-        <a:alpha val="90000"/>
-        <a:tint val="40000"/>
-      </a:schemeClr>
-    </dgm:fillClrLst>
-    <dgm:linClrLst meth="repeat">
-      <a:schemeClr val="dk1"/>
-    </dgm:linClrLst>
-    <dgm:effectClrLst/>
-    <dgm:txLinClrLst/>
-    <dgm:txFillClrLst meth="repeat">
-      <a:schemeClr val="dk1"/>
-    </dgm:txFillClrLst>
-    <dgm:txEffectClrLst/>
-  </dgm:styleLbl>
-  <dgm:styleLbl name="trAlignAcc1">
-    <dgm:fillClrLst meth="repeat">
-      <a:schemeClr val="dk1">
-        <a:alpha val="40000"/>
-        <a:tint val="40000"/>
-      </a:schemeClr>
-    </dgm:fillClrLst>
-    <dgm:linClrLst meth="repeat">
-      <a:schemeClr val="dk1"/>
-    </dgm:linClrLst>
-    <dgm:effectClrLst/>
-    <dgm:txLinClrLst/>
-    <dgm:txFillClrLst meth="repeat">
-      <a:schemeClr val="dk1"/>
-    </dgm:txFillClrLst>
-    <dgm:txEffectClrLst/>
-  </dgm:styleLbl>
-  <dgm:styleLbl name="bgAcc1">
-    <dgm:fillClrLst meth="repeat">
-      <a:schemeClr val="dk1">
-        <a:alpha val="90000"/>
-        <a:tint val="40000"/>
-      </a:schemeClr>
-    </dgm:fillClrLst>
-    <dgm:linClrLst meth="repeat">
-      <a:schemeClr val="dk1"/>
-    </dgm:linClrLst>
-    <dgm:effectClrLst/>
-    <dgm:txLinClrLst/>
-    <dgm:txFillClrLst meth="repeat">
-      <a:schemeClr val="dk1"/>
-    </dgm:txFillClrLst>
-    <dgm:txEffectClrLst/>
-  </dgm:styleLbl>
-  <dgm:styleLbl name="solidFgAcc1">
-    <dgm:fillClrLst meth="repeat">
-      <a:schemeClr val="lt1"/>
-    </dgm:fillClrLst>
-    <dgm:linClrLst meth="repeat">
-      <a:schemeClr val="dk1"/>
-    </dgm:linClrLst>
-    <dgm:effectClrLst/>
-    <dgm:txLinClrLst/>
-    <dgm:txFillClrLst meth="repeat">
-      <a:schemeClr val="dk1"/>
-    </dgm:txFillClrLst>
-    <dgm:txEffectClrLst/>
-  </dgm:styleLbl>
-  <dgm:styleLbl name="solidAlignAcc1">
-    <dgm:fillClrLst meth="repeat">
-      <a:schemeClr val="lt1"/>
-    </dgm:fillClrLst>
-    <dgm:linClrLst meth="repeat">
-      <a:schemeClr val="dk1"/>
-    </dgm:linClrLst>
-    <dgm:effectClrLst/>
-    <dgm:txLinClrLst/>
-    <dgm:txFillClrLst meth="repeat">
-      <a:schemeClr val="dk1"/>
-    </dgm:txFillClrLst>
-    <dgm:txEffectClrLst/>
-  </dgm:styleLbl>
-  <dgm:styleLbl name="solidBgAcc1">
-    <dgm:fillClrLst meth="repeat">
-      <a:schemeClr val="lt1"/>
-    </dgm:fillClrLst>
-    <dgm:linClrLst meth="repeat">
-      <a:schemeClr val="dk1"/>
-    </dgm:linClrLst>
-    <dgm:effectClrLst/>
-    <dgm:txLinClrLst/>
-    <dgm:txFillClrLst meth="repeat">
-      <a:schemeClr val="dk1"/>
-    </dgm:txFillClrLst>
-    <dgm:txEffectClrLst/>
-  </dgm:styleLbl>
-  <dgm:styleLbl name="fgAccFollowNode1">
-    <dgm:fillClrLst meth="repeat">
-      <a:schemeClr val="lt1">
-        <a:alpha val="90000"/>
-        <a:tint val="40000"/>
-      </a:schemeClr>
-    </dgm:fillClrLst>
-    <dgm:linClrLst meth="repeat">
-      <a:schemeClr val="dk1">
-        <a:alpha val="90000"/>
-      </a:schemeClr>
-    </dgm:linClrLst>
-    <dgm:effectClrLst/>
-    <dgm:txLinClrLst/>
-    <dgm:txFillClrLst meth="repeat">
-      <a:schemeClr val="dk1"/>
-    </dgm:txFillClrLst>
-    <dgm:txEffectClrLst/>
-  </dgm:styleLbl>
-  <dgm:styleLbl name="alignAccFollowNode1">
-    <dgm:fillClrLst meth="repeat">
-      <a:schemeClr val="lt1">
-        <a:alpha val="90000"/>
-        <a:tint val="40000"/>
-      </a:schemeClr>
-    </dgm:fillClrLst>
-    <dgm:linClrLst meth="repeat">
-      <a:schemeClr val="dk1">
-        <a:alpha val="90000"/>
-      </a:schemeClr>
-    </dgm:linClrLst>
-    <dgm:effectClrLst/>
-    <dgm:txLinClrLst/>
-    <dgm:txFillClrLst meth="repeat">
-      <a:schemeClr val="dk1"/>
-    </dgm:txFillClrLst>
-    <dgm:txEffectClrLst/>
-  </dgm:styleLbl>
-  <dgm:styleLbl name="bgAccFollowNode1">
-    <dgm:fillClrLst meth="repeat">
-      <a:schemeClr val="lt1">
-        <a:alpha val="90000"/>
-        <a:tint val="40000"/>
-      </a:schemeClr>
-    </dgm:fillClrLst>
-    <dgm:linClrLst meth="repeat">
-      <a:schemeClr val="dk1">
-        <a:alpha val="90000"/>
-      </a:schemeClr>
-    </dgm:linClrLst>
-    <dgm:effectClrLst/>
-    <dgm:txLinClrLst/>
-    <dgm:txFillClrLst meth="repeat">
-      <a:schemeClr val="dk1"/>
-    </dgm:txFillClrLst>
-    <dgm:txEffectClrLst/>
-  </dgm:styleLbl>
-  <dgm:styleLbl name="fgAcc0">
-    <dgm:fillClrLst meth="repeat">
-      <a:schemeClr val="dk1">
-        <a:alpha val="90000"/>
-        <a:tint val="40000"/>
-      </a:schemeClr>
-    </dgm:fillClrLst>
-    <dgm:linClrLst meth="repeat">
-      <a:schemeClr val="dk1"/>
-    </dgm:linClrLst>
-    <dgm:effectClrLst/>
-    <dgm:txLinClrLst/>
-    <dgm:txFillClrLst meth="repeat">
-      <a:schemeClr val="dk1"/>
-    </dgm:txFillClrLst>
-    <dgm:txEffectClrLst/>
-  </dgm:styleLbl>
-  <dgm:styleLbl name="fgAcc2">
-    <dgm:fillClrLst meth="repeat">
-      <a:schemeClr val="dk1">
-        <a:alpha val="90000"/>
-        <a:tint val="40000"/>
-      </a:schemeClr>
-    </dgm:fillClrLst>
-    <dgm:linClrLst meth="repeat">
-      <a:schemeClr val="dk1"/>
-    </dgm:linClrLst>
-    <dgm:effectClrLst/>
-    <dgm:txLinClrLst/>
-    <dgm:txFillClrLst meth="repeat">
-      <a:schemeClr val="dk1"/>
-    </dgm:txFillClrLst>
-    <dgm:txEffectClrLst/>
-  </dgm:styleLbl>
-  <dgm:styleLbl name="fgAcc3">
-    <dgm:fillClrLst meth="repeat">
-      <a:schemeClr val="dk1">
-        <a:alpha val="90000"/>
-        <a:tint val="40000"/>
-      </a:schemeClr>
-    </dgm:fillClrLst>
-    <dgm:linClrLst meth="repeat">
-      <a:schemeClr val="dk1"/>
-    </dgm:linClrLst>
-    <dgm:effectClrLst/>
-    <dgm:txLinClrLst/>
-    <dgm:txFillClrLst meth="repeat">
-      <a:schemeClr val="dk1"/>
-    </dgm:txFillClrLst>
-    <dgm:txEffectClrLst/>
-  </dgm:styleLbl>
-  <dgm:styleLbl name="fgAcc4">
-    <dgm:fillClrLst meth="repeat">
-      <a:schemeClr val="dk1">
-        <a:alpha val="90000"/>
-        <a:tint val="40000"/>
-      </a:schemeClr>
-    </dgm:fillClrLst>
-    <dgm:linClrLst meth="repeat">
-      <a:schemeClr val="dk1"/>
-    </dgm:linClrLst>
-    <dgm:effectClrLst/>
-    <dgm:txLinClrLst/>
-    <dgm:txFillClrLst meth="repeat">
-      <a:schemeClr val="dk1"/>
-    </dgm:txFillClrLst>
-    <dgm:txEffectClrLst/>
-  </dgm:styleLbl>
-  <dgm:styleLbl name="bgShp">
-    <dgm:fillClrLst meth="repeat">
-      <a:schemeClr val="dk1">
-        <a:tint val="40000"/>
-      </a:schemeClr>
-    </dgm:fillClrLst>
-    <dgm:linClrLst meth="repeat">
-      <a:schemeClr val="dk1"/>
-    </dgm:linClrLst>
-    <dgm:effectClrLst/>
-    <dgm:txLinClrLst/>
-    <dgm:txFillClrLst meth="repeat">
-      <a:schemeClr val="dk1"/>
-    </dgm:txFillClrLst>
-    <dgm:txEffectClrLst/>
-  </dgm:styleLbl>
-  <dgm:styleLbl name="dkBgShp">
-    <dgm:fillClrLst meth="repeat">
-      <a:schemeClr val="dk1">
-        <a:shade val="80000"/>
-      </a:schemeClr>
-    </dgm:fillClrLst>
-    <dgm:linClrLst meth="repeat">
-      <a:schemeClr val="dk1"/>
-    </dgm:linClrLst>
-    <dgm:effectClrLst/>
-    <dgm:txLinClrLst/>
-    <dgm:txFillClrLst meth="repeat">
-      <a:schemeClr val="lt1"/>
-    </dgm:txFillClrLst>
-    <dgm:txEffectClrLst/>
-  </dgm:styleLbl>
-  <dgm:styleLbl name="trBgShp">
-    <dgm:fillClrLst meth="repeat">
-      <a:schemeClr val="dk1">
-        <a:tint val="50000"/>
-        <a:alpha val="40000"/>
-      </a:schemeClr>
-    </dgm:fillClrLst>
-    <dgm:linClrLst meth="repeat">
-      <a:schemeClr val="dk1"/>
-    </dgm:linClrLst>
-    <dgm:effectClrLst/>
-    <dgm:txLinClrLst/>
-    <dgm:txFillClrLst meth="repeat">
-      <a:schemeClr val="lt1"/>
-    </dgm:txFillClrLst>
-    <dgm:txEffectClrLst/>
-  </dgm:styleLbl>
-  <dgm:styleLbl name="fgShp">
-    <dgm:fillClrLst meth="repeat">
-      <a:schemeClr val="dk1">
-        <a:tint val="60000"/>
-      </a:schemeClr>
-    </dgm:fillClrLst>
-    <dgm:linClrLst meth="repeat">
-      <a:schemeClr val="lt1"/>
-    </dgm:linClrLst>
-    <dgm:effectClrLst/>
-    <dgm:txLinClrLst/>
-    <dgm:txFillClrLst meth="repeat">
-      <a:schemeClr val="dk1"/>
-    </dgm:txFillClrLst>
-    <dgm:txEffectClrLst/>
-  </dgm:styleLbl>
-  <dgm:styleLbl name="revTx">
-    <dgm:fillClrLst meth="repeat">
-      <a:schemeClr val="lt1">
-        <a:alpha val="0"/>
-      </a:schemeClr>
-    </dgm:fillClrLst>
-    <dgm:linClrLst meth="repeat">
-      <a:schemeClr val="dk1">
-        <a:alpha val="0"/>
-      </a:schemeClr>
-    </dgm:linClrLst>
-    <dgm:effectClrLst/>
-    <dgm:txLinClrLst/>
-    <dgm:txFillClrLst meth="repeat">
-      <a:schemeClr val="tx1"/>
-    </dgm:txFillClrLst>
-    <dgm:txEffectClrLst/>
-  </dgm:styleLbl>
-</dgm:colorsDef>
-</file>
-
-<file path=ppt/diagrams/data1.xml><?xml version="1.0" encoding="utf-8"?>
-<dgm:dataModel xmlns:dgm="http://schemas.openxmlformats.org/drawingml/2006/diagram" xmlns:a="http://schemas.openxmlformats.org/drawingml/2006/main">
-  <dgm:ptLst>
-    <dgm:pt modelId="{649F2D37-C583-40B0-944A-E62507E3D3DC}" type="doc">
-      <dgm:prSet loTypeId="urn:microsoft.com/office/officeart/2005/8/layout/process1" loCatId="process" qsTypeId="urn:microsoft.com/office/officeart/2005/8/quickstyle/simple1" qsCatId="simple" csTypeId="urn:microsoft.com/office/officeart/2005/8/colors/accent0_1" csCatId="mainScheme" phldr="1"/>
-      <dgm:spPr/>
-    </dgm:pt>
-    <dgm:pt modelId="{8C38CCD7-5C57-4FF0-9A90-16066FC2222C}">
-      <dgm:prSet phldrT="[Text]" custT="1"/>
-      <dgm:spPr/>
-      <dgm:t>
-        <a:bodyPr/>
-        <a:lstStyle/>
-        <a:p>
-          <a:r>
-            <a:rPr lang="en-IN" sz="1600" dirty="0">
-              <a:latin typeface="Times New Roman" panose="02020603050405020304" pitchFamily="18" charset="0"/>
-              <a:cs typeface="Times New Roman" panose="02020603050405020304" pitchFamily="18" charset="0"/>
-            </a:rPr>
-            <a:t>Spatial Pooler</a:t>
-          </a:r>
-        </a:p>
-      </dgm:t>
-    </dgm:pt>
-    <dgm:pt modelId="{7A94EBBD-451B-49F9-9B3E-3AF266C0B107}" type="parTrans" cxnId="{AF93E552-F866-44BB-AABA-AE273526F59E}">
-      <dgm:prSet/>
-      <dgm:spPr/>
-      <dgm:t>
-        <a:bodyPr/>
-        <a:lstStyle/>
-        <a:p>
-          <a:endParaRPr lang="en-IN" sz="800">
-            <a:latin typeface="Times New Roman" panose="02020603050405020304" pitchFamily="18" charset="0"/>
-            <a:cs typeface="Times New Roman" panose="02020603050405020304" pitchFamily="18" charset="0"/>
-          </a:endParaRPr>
-        </a:p>
-      </dgm:t>
-    </dgm:pt>
-    <dgm:pt modelId="{0853D862-DF68-4794-B07A-3BCE55075F3B}" type="sibTrans" cxnId="{AF93E552-F866-44BB-AABA-AE273526F59E}">
-      <dgm:prSet custT="1"/>
-      <dgm:spPr/>
-      <dgm:t>
-        <a:bodyPr/>
-        <a:lstStyle/>
-        <a:p>
-          <a:endParaRPr lang="en-IN" sz="800">
-            <a:latin typeface="Times New Roman" panose="02020603050405020304" pitchFamily="18" charset="0"/>
-            <a:cs typeface="Times New Roman" panose="02020603050405020304" pitchFamily="18" charset="0"/>
-          </a:endParaRPr>
-        </a:p>
-      </dgm:t>
-    </dgm:pt>
-    <dgm:pt modelId="{523C02B9-0221-42AE-A703-969048E5931F}">
-      <dgm:prSet phldrT="[Text]" custT="1"/>
-      <dgm:spPr/>
-      <dgm:t>
-        <a:bodyPr/>
-        <a:lstStyle/>
-        <a:p>
-          <a:r>
-            <a:rPr lang="en-IN" sz="1600" dirty="0">
-              <a:latin typeface="Times New Roman" panose="02020603050405020304" pitchFamily="18" charset="0"/>
-              <a:cs typeface="Times New Roman" panose="02020603050405020304" pitchFamily="18" charset="0"/>
-            </a:rPr>
-            <a:t>Temporal Memory</a:t>
-          </a:r>
-        </a:p>
-      </dgm:t>
-    </dgm:pt>
-    <dgm:pt modelId="{C65F6BCE-8BE8-48E9-831C-D2ED95FC8AC8}" type="parTrans" cxnId="{BDC0B573-4C44-44C1-BADA-4C75E71B6800}">
-      <dgm:prSet/>
-      <dgm:spPr/>
-      <dgm:t>
-        <a:bodyPr/>
-        <a:lstStyle/>
-        <a:p>
-          <a:endParaRPr lang="en-IN" sz="800">
-            <a:latin typeface="Times New Roman" panose="02020603050405020304" pitchFamily="18" charset="0"/>
-            <a:cs typeface="Times New Roman" panose="02020603050405020304" pitchFamily="18" charset="0"/>
-          </a:endParaRPr>
-        </a:p>
-      </dgm:t>
-    </dgm:pt>
-    <dgm:pt modelId="{995298A3-FE23-4A8E-B0AF-A1ECB86AADC2}" type="sibTrans" cxnId="{BDC0B573-4C44-44C1-BADA-4C75E71B6800}">
-      <dgm:prSet custT="1"/>
-      <dgm:spPr/>
-      <dgm:t>
-        <a:bodyPr/>
-        <a:lstStyle/>
-        <a:p>
-          <a:endParaRPr lang="en-IN" sz="800">
-            <a:latin typeface="Times New Roman" panose="02020603050405020304" pitchFamily="18" charset="0"/>
-            <a:cs typeface="Times New Roman" panose="02020603050405020304" pitchFamily="18" charset="0"/>
-          </a:endParaRPr>
-        </a:p>
-      </dgm:t>
-    </dgm:pt>
-    <dgm:pt modelId="{DFA6B16E-95C3-408C-A42C-EA0CFEA66246}">
-      <dgm:prSet phldrT="[Text]" custT="1"/>
-      <dgm:spPr/>
-      <dgm:t>
-        <a:bodyPr/>
-        <a:lstStyle/>
-        <a:p>
-          <a:r>
-            <a:rPr lang="en-IN" sz="1600" dirty="0">
-              <a:latin typeface="Times New Roman" panose="02020603050405020304" pitchFamily="18" charset="0"/>
-              <a:cs typeface="Times New Roman" panose="02020603050405020304" pitchFamily="18" charset="0"/>
-            </a:rPr>
-            <a:t>Classifier</a:t>
-          </a:r>
-        </a:p>
-      </dgm:t>
-    </dgm:pt>
-    <dgm:pt modelId="{F4963D20-DBBC-4611-B390-B0EE30427307}" type="parTrans" cxnId="{8C56E1AD-1BA7-44F8-BF42-A7E3D2FB1D06}">
-      <dgm:prSet/>
-      <dgm:spPr/>
-      <dgm:t>
-        <a:bodyPr/>
-        <a:lstStyle/>
-        <a:p>
-          <a:endParaRPr lang="en-IN" sz="800">
-            <a:latin typeface="Times New Roman" panose="02020603050405020304" pitchFamily="18" charset="0"/>
-            <a:cs typeface="Times New Roman" panose="02020603050405020304" pitchFamily="18" charset="0"/>
-          </a:endParaRPr>
-        </a:p>
-      </dgm:t>
-    </dgm:pt>
-    <dgm:pt modelId="{13E7AAFD-B2F3-48DB-A950-6AB1F759A197}" type="sibTrans" cxnId="{8C56E1AD-1BA7-44F8-BF42-A7E3D2FB1D06}">
-      <dgm:prSet/>
-      <dgm:spPr/>
-      <dgm:t>
-        <a:bodyPr/>
-        <a:lstStyle/>
-        <a:p>
-          <a:endParaRPr lang="en-IN" sz="800">
-            <a:latin typeface="Times New Roman" panose="02020603050405020304" pitchFamily="18" charset="0"/>
-            <a:cs typeface="Times New Roman" panose="02020603050405020304" pitchFamily="18" charset="0"/>
-          </a:endParaRPr>
-        </a:p>
-      </dgm:t>
-    </dgm:pt>
-    <dgm:pt modelId="{87AB4EF9-7F68-4A22-AB95-B0F50EE504D0}" type="pres">
-      <dgm:prSet presAssocID="{649F2D37-C583-40B0-944A-E62507E3D3DC}" presName="Name0" presStyleCnt="0">
-        <dgm:presLayoutVars>
-          <dgm:dir/>
-          <dgm:resizeHandles val="exact"/>
-        </dgm:presLayoutVars>
-      </dgm:prSet>
-      <dgm:spPr/>
-    </dgm:pt>
-    <dgm:pt modelId="{FAACEB69-CB0D-4E8A-8A39-3F4886797632}" type="pres">
-      <dgm:prSet presAssocID="{8C38CCD7-5C57-4FF0-9A90-16066FC2222C}" presName="node" presStyleLbl="node1" presStyleIdx="0" presStyleCnt="3" custLinFactNeighborX="-836" custLinFactNeighborY="-1359">
-        <dgm:presLayoutVars>
-          <dgm:bulletEnabled val="1"/>
-        </dgm:presLayoutVars>
-      </dgm:prSet>
-      <dgm:spPr/>
-    </dgm:pt>
-    <dgm:pt modelId="{CE3FD6E0-A2B9-4B48-82AA-1CDC48E200A3}" type="pres">
-      <dgm:prSet presAssocID="{0853D862-DF68-4794-B07A-3BCE55075F3B}" presName="sibTrans" presStyleLbl="sibTrans2D1" presStyleIdx="0" presStyleCnt="2"/>
-      <dgm:spPr/>
-    </dgm:pt>
-    <dgm:pt modelId="{1BAFD0D2-CF8A-4704-8D7E-B4F43052822A}" type="pres">
-      <dgm:prSet presAssocID="{0853D862-DF68-4794-B07A-3BCE55075F3B}" presName="connectorText" presStyleLbl="sibTrans2D1" presStyleIdx="0" presStyleCnt="2"/>
-      <dgm:spPr/>
-    </dgm:pt>
-    <dgm:pt modelId="{751AA3C4-26E9-45FC-B9C1-C3545A3CED04}" type="pres">
-      <dgm:prSet presAssocID="{523C02B9-0221-42AE-A703-969048E5931F}" presName="node" presStyleLbl="node1" presStyleIdx="1" presStyleCnt="3">
-        <dgm:presLayoutVars>
-          <dgm:bulletEnabled val="1"/>
-        </dgm:presLayoutVars>
-      </dgm:prSet>
-      <dgm:spPr/>
-    </dgm:pt>
-    <dgm:pt modelId="{CBBF2D90-9A7D-4B0F-82CC-C47D13C67A49}" type="pres">
-      <dgm:prSet presAssocID="{995298A3-FE23-4A8E-B0AF-A1ECB86AADC2}" presName="sibTrans" presStyleLbl="sibTrans2D1" presStyleIdx="1" presStyleCnt="2"/>
-      <dgm:spPr/>
-    </dgm:pt>
-    <dgm:pt modelId="{97164F83-4820-409B-8537-405C95BF1CEC}" type="pres">
-      <dgm:prSet presAssocID="{995298A3-FE23-4A8E-B0AF-A1ECB86AADC2}" presName="connectorText" presStyleLbl="sibTrans2D1" presStyleIdx="1" presStyleCnt="2"/>
-      <dgm:spPr/>
-    </dgm:pt>
-    <dgm:pt modelId="{D1EA504D-3033-43D8-B3DE-0686A4192DD8}" type="pres">
-      <dgm:prSet presAssocID="{DFA6B16E-95C3-408C-A42C-EA0CFEA66246}" presName="node" presStyleLbl="node1" presStyleIdx="2" presStyleCnt="3">
-        <dgm:presLayoutVars>
-          <dgm:bulletEnabled val="1"/>
-        </dgm:presLayoutVars>
-      </dgm:prSet>
-      <dgm:spPr/>
-    </dgm:pt>
-  </dgm:ptLst>
-  <dgm:cxnLst>
-    <dgm:cxn modelId="{359D2512-E6BD-44DE-9DA0-842C2C56304C}" type="presOf" srcId="{0853D862-DF68-4794-B07A-3BCE55075F3B}" destId="{1BAFD0D2-CF8A-4704-8D7E-B4F43052822A}" srcOrd="1" destOrd="0" presId="urn:microsoft.com/office/officeart/2005/8/layout/process1"/>
-    <dgm:cxn modelId="{B43A0522-60BF-4F65-A09D-1D17D239FC01}" type="presOf" srcId="{DFA6B16E-95C3-408C-A42C-EA0CFEA66246}" destId="{D1EA504D-3033-43D8-B3DE-0686A4192DD8}" srcOrd="0" destOrd="0" presId="urn:microsoft.com/office/officeart/2005/8/layout/process1"/>
-    <dgm:cxn modelId="{F14AF323-61B0-4884-B20C-12AA7EBE9E8B}" type="presOf" srcId="{649F2D37-C583-40B0-944A-E62507E3D3DC}" destId="{87AB4EF9-7F68-4A22-AB95-B0F50EE504D0}" srcOrd="0" destOrd="0" presId="urn:microsoft.com/office/officeart/2005/8/layout/process1"/>
-    <dgm:cxn modelId="{B2A0A23D-D0CB-484C-8C5A-66DBC7500166}" type="presOf" srcId="{523C02B9-0221-42AE-A703-969048E5931F}" destId="{751AA3C4-26E9-45FC-B9C1-C3545A3CED04}" srcOrd="0" destOrd="0" presId="urn:microsoft.com/office/officeart/2005/8/layout/process1"/>
-    <dgm:cxn modelId="{AF93E552-F866-44BB-AABA-AE273526F59E}" srcId="{649F2D37-C583-40B0-944A-E62507E3D3DC}" destId="{8C38CCD7-5C57-4FF0-9A90-16066FC2222C}" srcOrd="0" destOrd="0" parTransId="{7A94EBBD-451B-49F9-9B3E-3AF266C0B107}" sibTransId="{0853D862-DF68-4794-B07A-3BCE55075F3B}"/>
-    <dgm:cxn modelId="{BDC0B573-4C44-44C1-BADA-4C75E71B6800}" srcId="{649F2D37-C583-40B0-944A-E62507E3D3DC}" destId="{523C02B9-0221-42AE-A703-969048E5931F}" srcOrd="1" destOrd="0" parTransId="{C65F6BCE-8BE8-48E9-831C-D2ED95FC8AC8}" sibTransId="{995298A3-FE23-4A8E-B0AF-A1ECB86AADC2}"/>
-    <dgm:cxn modelId="{3E97DDA9-6F9B-4BAF-ACFC-1BB92A7885CE}" type="presOf" srcId="{0853D862-DF68-4794-B07A-3BCE55075F3B}" destId="{CE3FD6E0-A2B9-4B48-82AA-1CDC48E200A3}" srcOrd="0" destOrd="0" presId="urn:microsoft.com/office/officeart/2005/8/layout/process1"/>
-    <dgm:cxn modelId="{8C56E1AD-1BA7-44F8-BF42-A7E3D2FB1D06}" srcId="{649F2D37-C583-40B0-944A-E62507E3D3DC}" destId="{DFA6B16E-95C3-408C-A42C-EA0CFEA66246}" srcOrd="2" destOrd="0" parTransId="{F4963D20-DBBC-4611-B390-B0EE30427307}" sibTransId="{13E7AAFD-B2F3-48DB-A950-6AB1F759A197}"/>
-    <dgm:cxn modelId="{F5562ABE-E405-47E7-8C21-11DAC885ABCD}" type="presOf" srcId="{8C38CCD7-5C57-4FF0-9A90-16066FC2222C}" destId="{FAACEB69-CB0D-4E8A-8A39-3F4886797632}" srcOrd="0" destOrd="0" presId="urn:microsoft.com/office/officeart/2005/8/layout/process1"/>
-    <dgm:cxn modelId="{1F4BDFEA-5B47-4B32-87C0-C42229B93F31}" type="presOf" srcId="{995298A3-FE23-4A8E-B0AF-A1ECB86AADC2}" destId="{97164F83-4820-409B-8537-405C95BF1CEC}" srcOrd="1" destOrd="0" presId="urn:microsoft.com/office/officeart/2005/8/layout/process1"/>
-    <dgm:cxn modelId="{DE20C1FD-166E-4294-8468-519745475361}" type="presOf" srcId="{995298A3-FE23-4A8E-B0AF-A1ECB86AADC2}" destId="{CBBF2D90-9A7D-4B0F-82CC-C47D13C67A49}" srcOrd="0" destOrd="0" presId="urn:microsoft.com/office/officeart/2005/8/layout/process1"/>
-    <dgm:cxn modelId="{A97C6461-2FDD-4356-8CF4-72A8E356B6CA}" type="presParOf" srcId="{87AB4EF9-7F68-4A22-AB95-B0F50EE504D0}" destId="{FAACEB69-CB0D-4E8A-8A39-3F4886797632}" srcOrd="0" destOrd="0" presId="urn:microsoft.com/office/officeart/2005/8/layout/process1"/>
-    <dgm:cxn modelId="{270BDA20-A2C1-4D9A-8F7F-4B7863FB5719}" type="presParOf" srcId="{87AB4EF9-7F68-4A22-AB95-B0F50EE504D0}" destId="{CE3FD6E0-A2B9-4B48-82AA-1CDC48E200A3}" srcOrd="1" destOrd="0" presId="urn:microsoft.com/office/officeart/2005/8/layout/process1"/>
-    <dgm:cxn modelId="{D571E55B-3D68-40E1-89FD-0BCA6ED6FCB5}" type="presParOf" srcId="{CE3FD6E0-A2B9-4B48-82AA-1CDC48E200A3}" destId="{1BAFD0D2-CF8A-4704-8D7E-B4F43052822A}" srcOrd="0" destOrd="0" presId="urn:microsoft.com/office/officeart/2005/8/layout/process1"/>
-    <dgm:cxn modelId="{3183DA0B-E11C-436A-9924-105C3AD567FD}" type="presParOf" srcId="{87AB4EF9-7F68-4A22-AB95-B0F50EE504D0}" destId="{751AA3C4-26E9-45FC-B9C1-C3545A3CED04}" srcOrd="2" destOrd="0" presId="urn:microsoft.com/office/officeart/2005/8/layout/process1"/>
-    <dgm:cxn modelId="{DA71793D-0013-4666-932E-467FD85FC578}" type="presParOf" srcId="{87AB4EF9-7F68-4A22-AB95-B0F50EE504D0}" destId="{CBBF2D90-9A7D-4B0F-82CC-C47D13C67A49}" srcOrd="3" destOrd="0" presId="urn:microsoft.com/office/officeart/2005/8/layout/process1"/>
-    <dgm:cxn modelId="{F7E6A620-8BB2-415A-A920-84087B67ABA2}" type="presParOf" srcId="{CBBF2D90-9A7D-4B0F-82CC-C47D13C67A49}" destId="{97164F83-4820-409B-8537-405C95BF1CEC}" srcOrd="0" destOrd="0" presId="urn:microsoft.com/office/officeart/2005/8/layout/process1"/>
-    <dgm:cxn modelId="{0A72A36C-5D14-4080-AA57-F4A748744E2C}" type="presParOf" srcId="{87AB4EF9-7F68-4A22-AB95-B0F50EE504D0}" destId="{D1EA504D-3033-43D8-B3DE-0686A4192DD8}" srcOrd="4" destOrd="0" presId="urn:microsoft.com/office/officeart/2005/8/layout/process1"/>
-  </dgm:cxnLst>
-  <dgm:bg/>
-  <dgm:whole/>
-  <dgm:extLst>
-    <a:ext uri="http://schemas.microsoft.com/office/drawing/2008/diagram">
-      <dsp:dataModelExt xmlns:dsp="http://schemas.microsoft.com/office/drawing/2008/diagram" relId="rId6" minVer="http://schemas.openxmlformats.org/drawingml/2006/diagram"/>
-    </a:ext>
-  </dgm:extLst>
-</dgm:dataModel>
-</file>
-
-<file path=ppt/diagrams/drawing1.xml><?xml version="1.0" encoding="utf-8"?>
-<dsp:drawing xmlns:dgm="http://schemas.openxmlformats.org/drawingml/2006/diagram" xmlns:dsp="http://schemas.microsoft.com/office/drawing/2008/diagram" xmlns:a="http://schemas.openxmlformats.org/drawingml/2006/main">
-  <dsp:spTree>
-    <dsp:nvGrpSpPr>
-      <dsp:cNvPr id="0" name=""/>
-      <dsp:cNvGrpSpPr/>
-    </dsp:nvGrpSpPr>
-    <dsp:grpSpPr/>
-    <dsp:sp modelId="{FAACEB69-CB0D-4E8A-8A39-3F4886797632}">
-      <dsp:nvSpPr>
-        <dsp:cNvPr id="0" name=""/>
-        <dsp:cNvSpPr/>
-      </dsp:nvSpPr>
-      <dsp:spPr>
-        <a:xfrm>
-          <a:off x="2" y="832650"/>
-          <a:ext cx="1369838" cy="821903"/>
-        </a:xfrm>
-        <a:prstGeom prst="roundRect">
-          <a:avLst>
-            <a:gd name="adj" fmla="val 10000"/>
-          </a:avLst>
-        </a:prstGeom>
-        <a:solidFill>
-          <a:schemeClr val="lt1">
-            <a:hueOff val="0"/>
-            <a:satOff val="0"/>
-            <a:lumOff val="0"/>
-            <a:alphaOff val="0"/>
-          </a:schemeClr>
-        </a:solidFill>
-        <a:ln w="12700" cap="flat" cmpd="sng" algn="ctr">
-          <a:solidFill>
-            <a:schemeClr val="dk1">
-              <a:shade val="80000"/>
-              <a:hueOff val="0"/>
-              <a:satOff val="0"/>
-              <a:lumOff val="0"/>
-              <a:alphaOff val="0"/>
-            </a:schemeClr>
-          </a:solidFill>
-          <a:prstDash val="solid"/>
-          <a:miter lim="800000"/>
-        </a:ln>
-        <a:effectLst/>
-      </dsp:spPr>
-      <dsp:style>
-        <a:lnRef idx="2">
-          <a:scrgbClr r="0" g="0" b="0"/>
-        </a:lnRef>
-        <a:fillRef idx="1">
-          <a:scrgbClr r="0" g="0" b="0"/>
-        </a:fillRef>
-        <a:effectRef idx="0">
-          <a:scrgbClr r="0" g="0" b="0"/>
-        </a:effectRef>
-        <a:fontRef idx="minor">
-          <a:schemeClr val="lt1"/>
-        </a:fontRef>
-      </dsp:style>
-      <dsp:txBody>
-        <a:bodyPr spcFirstLastPara="0" vert="horz" wrap="square" lIns="60960" tIns="60960" rIns="60960" bIns="60960" numCol="1" spcCol="1270" anchor="ctr" anchorCtr="0">
-          <a:noAutofit/>
-        </a:bodyPr>
-        <a:lstStyle/>
-        <a:p>
-          <a:pPr marL="0" lvl="0" indent="0" algn="ctr" defTabSz="711200">
-            <a:lnSpc>
-              <a:spcPct val="90000"/>
-            </a:lnSpc>
-            <a:spcBef>
-              <a:spcPct val="0"/>
-            </a:spcBef>
-            <a:spcAft>
-              <a:spcPct val="35000"/>
-            </a:spcAft>
-            <a:buNone/>
-          </a:pPr>
-          <a:r>
-            <a:rPr lang="en-IN" sz="1600" kern="1200" dirty="0">
-              <a:latin typeface="Times New Roman" panose="02020603050405020304" pitchFamily="18" charset="0"/>
-              <a:cs typeface="Times New Roman" panose="02020603050405020304" pitchFamily="18" charset="0"/>
-            </a:rPr>
-            <a:t>Spatial Pooler</a:t>
-          </a:r>
-        </a:p>
-      </dsp:txBody>
-      <dsp:txXfrm>
-        <a:off x="24075" y="856723"/>
-        <a:ext cx="1321692" cy="773757"/>
-      </dsp:txXfrm>
-    </dsp:sp>
-    <dsp:sp modelId="{CE3FD6E0-A2B9-4B48-82AA-1CDC48E200A3}">
-      <dsp:nvSpPr>
-        <dsp:cNvPr id="0" name=""/>
-        <dsp:cNvSpPr/>
-      </dsp:nvSpPr>
-      <dsp:spPr>
-        <a:xfrm rot="19974">
-          <a:off x="1507967" y="1079374"/>
-          <a:ext cx="292838" cy="339719"/>
-        </a:xfrm>
-        <a:prstGeom prst="rightArrow">
-          <a:avLst>
-            <a:gd name="adj1" fmla="val 60000"/>
-            <a:gd name="adj2" fmla="val 50000"/>
-          </a:avLst>
-        </a:prstGeom>
-        <a:solidFill>
-          <a:schemeClr val="dk1">
-            <a:tint val="60000"/>
-            <a:hueOff val="0"/>
-            <a:satOff val="0"/>
-            <a:lumOff val="0"/>
-            <a:alphaOff val="0"/>
-          </a:schemeClr>
-        </a:solidFill>
-        <a:ln>
-          <a:noFill/>
-        </a:ln>
-        <a:effectLst/>
-      </dsp:spPr>
-      <dsp:style>
-        <a:lnRef idx="0">
-          <a:scrgbClr r="0" g="0" b="0"/>
-        </a:lnRef>
-        <a:fillRef idx="1">
-          <a:scrgbClr r="0" g="0" b="0"/>
-        </a:fillRef>
-        <a:effectRef idx="0">
-          <a:scrgbClr r="0" g="0" b="0"/>
-        </a:effectRef>
-        <a:fontRef idx="minor">
-          <a:schemeClr val="lt1"/>
-        </a:fontRef>
-      </dsp:style>
-      <dsp:txBody>
-        <a:bodyPr spcFirstLastPara="0" vert="horz" wrap="square" lIns="0" tIns="0" rIns="0" bIns="0" numCol="1" spcCol="1270" anchor="ctr" anchorCtr="0">
-          <a:noAutofit/>
-        </a:bodyPr>
-        <a:lstStyle/>
-        <a:p>
-          <a:pPr marL="0" lvl="0" indent="0" algn="ctr" defTabSz="355600">
-            <a:lnSpc>
-              <a:spcPct val="90000"/>
-            </a:lnSpc>
-            <a:spcBef>
-              <a:spcPct val="0"/>
-            </a:spcBef>
-            <a:spcAft>
-              <a:spcPct val="35000"/>
-            </a:spcAft>
-            <a:buNone/>
-          </a:pPr>
-          <a:endParaRPr lang="en-IN" sz="800" kern="1200">
-            <a:latin typeface="Times New Roman" panose="02020603050405020304" pitchFamily="18" charset="0"/>
-            <a:cs typeface="Times New Roman" panose="02020603050405020304" pitchFamily="18" charset="0"/>
-          </a:endParaRPr>
-        </a:p>
-      </dsp:txBody>
-      <dsp:txXfrm>
-        <a:off x="1507968" y="1147063"/>
-        <a:ext cx="204987" cy="203831"/>
-      </dsp:txXfrm>
-    </dsp:sp>
-    <dsp:sp modelId="{751AA3C4-26E9-45FC-B9C1-C3545A3CED04}">
-      <dsp:nvSpPr>
-        <dsp:cNvPr id="0" name=""/>
-        <dsp:cNvSpPr/>
-      </dsp:nvSpPr>
-      <dsp:spPr>
-        <a:xfrm>
-          <a:off x="1922356" y="843819"/>
-          <a:ext cx="1369838" cy="821903"/>
-        </a:xfrm>
-        <a:prstGeom prst="roundRect">
-          <a:avLst>
-            <a:gd name="adj" fmla="val 10000"/>
-          </a:avLst>
-        </a:prstGeom>
-        <a:solidFill>
-          <a:schemeClr val="lt1">
-            <a:hueOff val="0"/>
-            <a:satOff val="0"/>
-            <a:lumOff val="0"/>
-            <a:alphaOff val="0"/>
-          </a:schemeClr>
-        </a:solidFill>
-        <a:ln w="12700" cap="flat" cmpd="sng" algn="ctr">
-          <a:solidFill>
-            <a:schemeClr val="dk1">
-              <a:shade val="80000"/>
-              <a:hueOff val="0"/>
-              <a:satOff val="0"/>
-              <a:lumOff val="0"/>
-              <a:alphaOff val="0"/>
-            </a:schemeClr>
-          </a:solidFill>
-          <a:prstDash val="solid"/>
-          <a:miter lim="800000"/>
-        </a:ln>
-        <a:effectLst/>
-      </dsp:spPr>
-      <dsp:style>
-        <a:lnRef idx="2">
-          <a:scrgbClr r="0" g="0" b="0"/>
-        </a:lnRef>
-        <a:fillRef idx="1">
-          <a:scrgbClr r="0" g="0" b="0"/>
-        </a:fillRef>
-        <a:effectRef idx="0">
-          <a:scrgbClr r="0" g="0" b="0"/>
-        </a:effectRef>
-        <a:fontRef idx="minor">
-          <a:schemeClr val="lt1"/>
-        </a:fontRef>
-      </dsp:style>
-      <dsp:txBody>
-        <a:bodyPr spcFirstLastPara="0" vert="horz" wrap="square" lIns="60960" tIns="60960" rIns="60960" bIns="60960" numCol="1" spcCol="1270" anchor="ctr" anchorCtr="0">
-          <a:noAutofit/>
-        </a:bodyPr>
-        <a:lstStyle/>
-        <a:p>
-          <a:pPr marL="0" lvl="0" indent="0" algn="ctr" defTabSz="711200">
-            <a:lnSpc>
-              <a:spcPct val="90000"/>
-            </a:lnSpc>
-            <a:spcBef>
-              <a:spcPct val="0"/>
-            </a:spcBef>
-            <a:spcAft>
-              <a:spcPct val="35000"/>
-            </a:spcAft>
-            <a:buNone/>
-          </a:pPr>
-          <a:r>
-            <a:rPr lang="en-IN" sz="1600" kern="1200" dirty="0">
-              <a:latin typeface="Times New Roman" panose="02020603050405020304" pitchFamily="18" charset="0"/>
-              <a:cs typeface="Times New Roman" panose="02020603050405020304" pitchFamily="18" charset="0"/>
-            </a:rPr>
-            <a:t>Temporal Memory</a:t>
-          </a:r>
-        </a:p>
-      </dsp:txBody>
-      <dsp:txXfrm>
-        <a:off x="1946429" y="867892"/>
-        <a:ext cx="1321692" cy="773757"/>
-      </dsp:txXfrm>
-    </dsp:sp>
-    <dsp:sp modelId="{CBBF2D90-9A7D-4B0F-82CC-C47D13C67A49}">
-      <dsp:nvSpPr>
-        <dsp:cNvPr id="0" name=""/>
-        <dsp:cNvSpPr/>
-      </dsp:nvSpPr>
-      <dsp:spPr>
-        <a:xfrm>
-          <a:off x="3429179" y="1084911"/>
-          <a:ext cx="290405" cy="339719"/>
-        </a:xfrm>
-        <a:prstGeom prst="rightArrow">
-          <a:avLst>
-            <a:gd name="adj1" fmla="val 60000"/>
-            <a:gd name="adj2" fmla="val 50000"/>
-          </a:avLst>
-        </a:prstGeom>
-        <a:solidFill>
-          <a:schemeClr val="dk1">
-            <a:tint val="60000"/>
-            <a:hueOff val="0"/>
-            <a:satOff val="0"/>
-            <a:lumOff val="0"/>
-            <a:alphaOff val="0"/>
-          </a:schemeClr>
-        </a:solidFill>
-        <a:ln>
-          <a:noFill/>
-        </a:ln>
-        <a:effectLst/>
-      </dsp:spPr>
-      <dsp:style>
-        <a:lnRef idx="0">
-          <a:scrgbClr r="0" g="0" b="0"/>
-        </a:lnRef>
-        <a:fillRef idx="1">
-          <a:scrgbClr r="0" g="0" b="0"/>
-        </a:fillRef>
-        <a:effectRef idx="0">
-          <a:scrgbClr r="0" g="0" b="0"/>
-        </a:effectRef>
-        <a:fontRef idx="minor">
-          <a:schemeClr val="lt1"/>
-        </a:fontRef>
-      </dsp:style>
-      <dsp:txBody>
-        <a:bodyPr spcFirstLastPara="0" vert="horz" wrap="square" lIns="0" tIns="0" rIns="0" bIns="0" numCol="1" spcCol="1270" anchor="ctr" anchorCtr="0">
-          <a:noAutofit/>
-        </a:bodyPr>
-        <a:lstStyle/>
-        <a:p>
-          <a:pPr marL="0" lvl="0" indent="0" algn="ctr" defTabSz="355600">
-            <a:lnSpc>
-              <a:spcPct val="90000"/>
-            </a:lnSpc>
-            <a:spcBef>
-              <a:spcPct val="0"/>
-            </a:spcBef>
-            <a:spcAft>
-              <a:spcPct val="35000"/>
-            </a:spcAft>
-            <a:buNone/>
-          </a:pPr>
-          <a:endParaRPr lang="en-IN" sz="800" kern="1200">
-            <a:latin typeface="Times New Roman" panose="02020603050405020304" pitchFamily="18" charset="0"/>
-            <a:cs typeface="Times New Roman" panose="02020603050405020304" pitchFamily="18" charset="0"/>
-          </a:endParaRPr>
-        </a:p>
-      </dsp:txBody>
-      <dsp:txXfrm>
-        <a:off x="3429179" y="1152855"/>
-        <a:ext cx="203284" cy="203831"/>
-      </dsp:txXfrm>
-    </dsp:sp>
-    <dsp:sp modelId="{D1EA504D-3033-43D8-B3DE-0686A4192DD8}">
-      <dsp:nvSpPr>
-        <dsp:cNvPr id="0" name=""/>
-        <dsp:cNvSpPr/>
-      </dsp:nvSpPr>
-      <dsp:spPr>
-        <a:xfrm>
-          <a:off x="3840130" y="843819"/>
-          <a:ext cx="1369838" cy="821903"/>
-        </a:xfrm>
-        <a:prstGeom prst="roundRect">
-          <a:avLst>
-            <a:gd name="adj" fmla="val 10000"/>
-          </a:avLst>
-        </a:prstGeom>
-        <a:solidFill>
-          <a:schemeClr val="lt1">
-            <a:hueOff val="0"/>
-            <a:satOff val="0"/>
-            <a:lumOff val="0"/>
-            <a:alphaOff val="0"/>
-          </a:schemeClr>
-        </a:solidFill>
-        <a:ln w="12700" cap="flat" cmpd="sng" algn="ctr">
-          <a:solidFill>
-            <a:schemeClr val="dk1">
-              <a:shade val="80000"/>
-              <a:hueOff val="0"/>
-              <a:satOff val="0"/>
-              <a:lumOff val="0"/>
-              <a:alphaOff val="0"/>
-            </a:schemeClr>
-          </a:solidFill>
-          <a:prstDash val="solid"/>
-          <a:miter lim="800000"/>
-        </a:ln>
-        <a:effectLst/>
-      </dsp:spPr>
-      <dsp:style>
-        <a:lnRef idx="2">
-          <a:scrgbClr r="0" g="0" b="0"/>
-        </a:lnRef>
-        <a:fillRef idx="1">
-          <a:scrgbClr r="0" g="0" b="0"/>
-        </a:fillRef>
-        <a:effectRef idx="0">
-          <a:scrgbClr r="0" g="0" b="0"/>
-        </a:effectRef>
-        <a:fontRef idx="minor">
-          <a:schemeClr val="lt1"/>
-        </a:fontRef>
-      </dsp:style>
-      <dsp:txBody>
-        <a:bodyPr spcFirstLastPara="0" vert="horz" wrap="square" lIns="60960" tIns="60960" rIns="60960" bIns="60960" numCol="1" spcCol="1270" anchor="ctr" anchorCtr="0">
-          <a:noAutofit/>
-        </a:bodyPr>
-        <a:lstStyle/>
-        <a:p>
-          <a:pPr marL="0" lvl="0" indent="0" algn="ctr" defTabSz="711200">
-            <a:lnSpc>
-              <a:spcPct val="90000"/>
-            </a:lnSpc>
-            <a:spcBef>
-              <a:spcPct val="0"/>
-            </a:spcBef>
-            <a:spcAft>
-              <a:spcPct val="35000"/>
-            </a:spcAft>
-            <a:buNone/>
-          </a:pPr>
-          <a:r>
-            <a:rPr lang="en-IN" sz="1600" kern="1200" dirty="0">
-              <a:latin typeface="Times New Roman" panose="02020603050405020304" pitchFamily="18" charset="0"/>
-              <a:cs typeface="Times New Roman" panose="02020603050405020304" pitchFamily="18" charset="0"/>
-            </a:rPr>
-            <a:t>Classifier</a:t>
-          </a:r>
-        </a:p>
-      </dsp:txBody>
-      <dsp:txXfrm>
-        <a:off x="3864203" y="867892"/>
-        <a:ext cx="1321692" cy="773757"/>
-      </dsp:txXfrm>
-    </dsp:sp>
-  </dsp:spTree>
-</dsp:drawing>
-</file>
-
-<file path=ppt/diagrams/layout1.xml><?xml version="1.0" encoding="utf-8"?>
-<dgm:layoutDef xmlns:dgm="http://schemas.openxmlformats.org/drawingml/2006/diagram" xmlns:a="http://schemas.openxmlformats.org/drawingml/2006/main" uniqueId="urn:microsoft.com/office/officeart/2005/8/layout/process1">
-  <dgm:title val=""/>
-  <dgm:desc val=""/>
-  <dgm:catLst>
-    <dgm:cat type="process" pri="1000"/>
-    <dgm:cat type="convert" pri="15000"/>
-  </dgm:catLst>
-  <dgm:sampData useDef="1">
-    <dgm:dataModel>
-      <dgm:ptLst/>
-      <dgm:bg/>
-      <dgm:whole/>
-    </dgm:dataModel>
-  </dgm:sampData>
-  <dgm:styleData>
-    <dgm:dataModel>
-      <dgm:ptLst>
-        <dgm:pt modelId="0" type="doc"/>
-        <dgm:pt modelId="1"/>
-        <dgm:pt modelId="2"/>
-      </dgm:ptLst>
-      <dgm:cxnLst>
-        <dgm:cxn modelId="3" srcId="0" destId="1" srcOrd="0" destOrd="0"/>
-        <dgm:cxn modelId="4" srcId="0" destId="2" srcOrd="1" destOrd="0"/>
-      </dgm:cxnLst>
-      <dgm:bg/>
-      <dgm:whole/>
-    </dgm:dataModel>
-  </dgm:styleData>
-  <dgm:clrData>
-    <dgm:dataModel>
-      <dgm:ptLst>
-        <dgm:pt modelId="0" type="doc"/>
-        <dgm:pt modelId="1"/>
-        <dgm:pt modelId="2"/>
-        <dgm:pt modelId="3"/>
-        <dgm:pt modelId="4"/>
-      </dgm:ptLst>
-      <dgm:cxnLst>
-        <dgm:cxn modelId="5" srcId="0" destId="1" srcOrd="0" destOrd="0"/>
-        <dgm:cxn modelId="6" srcId="0" destId="2" srcOrd="1" destOrd="0"/>
-        <dgm:cxn modelId="7" srcId="0" destId="3" srcOrd="2" destOrd="0"/>
-        <dgm:cxn modelId="8" srcId="0" destId="4" srcOrd="3" destOrd="0"/>
-      </dgm:cxnLst>
-      <dgm:bg/>
-      <dgm:whole/>
-    </dgm:dataModel>
-  </dgm:clrData>
-  <dgm:layoutNode name="Name0">
-    <dgm:varLst>
-      <dgm:dir/>
-      <dgm:resizeHandles val="exact"/>
-    </dgm:varLst>
-    <dgm:choose name="Name1">
-      <dgm:if name="Name2" func="var" arg="dir" op="equ" val="norm">
-        <dgm:alg type="lin"/>
-      </dgm:if>
-      <dgm:else name="Name3">
-        <dgm:alg type="lin">
-          <dgm:param type="linDir" val="fromR"/>
-        </dgm:alg>
-      </dgm:else>
-    </dgm:choose>
-    <dgm:shape xmlns:r="http://schemas.openxmlformats.org/officeDocument/2006/relationships" r:blip="">
-      <dgm:adjLst/>
-    </dgm:shape>
-    <dgm:presOf/>
-    <dgm:constrLst>
-      <dgm:constr type="w" for="ch" ptType="node" refType="w"/>
-      <dgm:constr type="h" for="ch" ptType="node" op="equ"/>
-      <dgm:constr type="primFontSz" for="ch" ptType="node" op="equ" val="65"/>
-      <dgm:constr type="w" for="ch" ptType="sibTrans" refType="w" refFor="ch" refPtType="node" op="equ" fact="0.4"/>
-      <dgm:constr type="h" for="ch" ptType="sibTrans" op="equ"/>
-      <dgm:constr type="primFontSz" for="des" forName="connectorText" op="equ" val="55"/>
-      <dgm:constr type="primFontSz" for="des" forName="connectorText" refType="primFontSz" refFor="ch" refPtType="node" op="lte" fact="0.8"/>
-    </dgm:constrLst>
-    <dgm:ruleLst/>
-    <dgm:forEach name="nodesForEach" axis="ch" ptType="node">
-      <dgm:layoutNode name="node">
-        <dgm:varLst>
-          <dgm:bulletEnabled val="1"/>
-        </dgm:varLst>
-        <dgm:alg type="tx"/>
-        <dgm:shape xmlns:r="http://schemas.openxmlformats.org/officeDocument/2006/relationships" type="roundRect" r:blip="">
-          <dgm:adjLst>
-            <dgm:adj idx="1" val="0.1"/>
-          </dgm:adjLst>
-        </dgm:shape>
-        <dgm:presOf axis="desOrSelf" ptType="node"/>
-        <dgm:constrLst>
-          <dgm:constr type="h" refType="w" fact="0.6"/>
-          <dgm:constr type="tMarg" refType="primFontSz" fact="0.3"/>
-          <dgm:constr type="bMarg" refType="primFontSz" fact="0.3"/>
-          <dgm:constr type="lMarg" refType="primFontSz" fact="0.3"/>
-          <dgm:constr type="rMarg" refType="primFontSz" fact="0.3"/>
-        </dgm:constrLst>
-        <dgm:ruleLst>
-          <dgm:rule type="primFontSz" val="18" fact="NaN" max="NaN"/>
-          <dgm:rule type="h" val="NaN" fact="1.5" max="NaN"/>
-          <dgm:rule type="primFontSz" val="5" fact="NaN" max="NaN"/>
-          <dgm:rule type="h" val="INF" fact="NaN" max="NaN"/>
-        </dgm:ruleLst>
-      </dgm:layoutNode>
-      <dgm:forEach name="sibTransForEach" axis="followSib" ptType="sibTrans" cnt="1">
-        <dgm:layoutNode name="sibTrans">
-          <dgm:alg type="conn">
-            <dgm:param type="begPts" val="auto"/>
-            <dgm:param type="endPts" val="auto"/>
-          </dgm:alg>
-          <dgm:shape xmlns:r="http://schemas.openxmlformats.org/officeDocument/2006/relationships" type="conn" r:blip="">
-            <dgm:adjLst/>
-          </dgm:shape>
-          <dgm:presOf axis="self"/>
-          <dgm:constrLst>
-            <dgm:constr type="h" refType="w" fact="0.62"/>
-            <dgm:constr type="connDist"/>
-            <dgm:constr type="begPad" refType="connDist" fact="0.25"/>
-            <dgm:constr type="endPad" refType="connDist" fact="0.22"/>
-          </dgm:constrLst>
-          <dgm:ruleLst/>
-          <dgm:layoutNode name="connectorText">
-            <dgm:alg type="tx">
-              <dgm:param type="autoTxRot" val="grav"/>
-            </dgm:alg>
-            <dgm:shape xmlns:r="http://schemas.openxmlformats.org/officeDocument/2006/relationships" type="conn" r:blip="" hideGeom="1">
-              <dgm:adjLst/>
-            </dgm:shape>
-            <dgm:presOf axis="self"/>
-            <dgm:constrLst>
-              <dgm:constr type="lMarg"/>
-              <dgm:constr type="rMarg"/>
-              <dgm:constr type="tMarg"/>
-              <dgm:constr type="bMarg"/>
-            </dgm:constrLst>
-            <dgm:ruleLst>
-              <dgm:rule type="primFontSz" val="5" fact="NaN" max="NaN"/>
-            </dgm:ruleLst>
-          </dgm:layoutNode>
-        </dgm:layoutNode>
-      </dgm:forEach>
-    </dgm:forEach>
-  </dgm:layoutNode>
-</dgm:layoutDef>
-</file>
-
-<file path=ppt/diagrams/quickStyle1.xml><?xml version="1.0" encoding="utf-8"?>
-<dgm:styleDef xmlns:dgm="http://schemas.openxmlformats.org/drawingml/2006/diagram" xmlns:a="http://schemas.openxmlformats.org/drawingml/2006/main" uniqueId="urn:microsoft.com/office/officeart/2005/8/quickstyle/simple1">
-  <dgm:title val=""/>
-  <dgm:desc val=""/>
-  <dgm:catLst>
-    <dgm:cat type="simple" pri="10100"/>
-  </dgm:catLst>
-  <dgm:scene3d>
-    <a:camera prst="orthographicFront"/>
-    <a:lightRig rig="threePt" dir="t"/>
-  </dgm:scene3d>
-  <dgm:styleLbl name="node0">
-    <dgm:scene3d>
-      <a:camera prst="orthographicFront"/>
-      <a:lightRig rig="threePt" dir="t"/>
-    </dgm:scene3d>
-    <dgm:sp3d/>
-    <dgm:txPr/>
-    <dgm:style>
-      <a:lnRef idx="2">
-        <a:scrgbClr r="0" g="0" b="0"/>
-      </a:lnRef>
-      <a:fillRef idx="1">
-        <a:scrgbClr r="0" g="0" b="0"/>
-      </a:fillRef>
-      <a:effectRef idx="0">
-        <a:scrgbClr r="0" g="0" b="0"/>
-      </a:effectRef>
-      <a:fontRef idx="minor">
-        <a:schemeClr val="lt1"/>
-      </a:fontRef>
-    </dgm:style>
-  </dgm:styleLbl>
-  <dgm:styleLbl name="lnNode1">
-    <dgm:scene3d>
-      <a:camera prst="orthographicFront"/>
-      <a:lightRig rig="threePt" dir="t"/>
-    </dgm:scene3d>
-    <dgm:sp3d/>
-    <dgm:txPr/>
-    <dgm:style>
-      <a:lnRef idx="2">
-        <a:scrgbClr r="0" g="0" b="0"/>
-      </a:lnRef>
-      <a:fillRef idx="1">
-        <a:scrgbClr r="0" g="0" b="0"/>
-      </a:fillRef>
-      <a:effectRef idx="0">
-        <a:scrgbClr r="0" g="0" b="0"/>
-      </a:effectRef>
-      <a:fontRef idx="minor">
-        <a:schemeClr val="lt1"/>
-      </a:fontRef>
-    </dgm:style>
-  </dgm:styleLbl>
-  <dgm:styleLbl name="vennNode1">
-    <dgm:scene3d>
-      <a:camera prst="orthographicFront"/>
-      <a:lightRig rig="threePt" dir="t"/>
-    </dgm:scene3d>
-    <dgm:sp3d/>
-    <dgm:txPr/>
-    <dgm:style>
-      <a:lnRef idx="2">
-        <a:scrgbClr r="0" g="0" b="0"/>
-      </a:lnRef>
-      <a:fillRef idx="1">
-        <a:scrgbClr r="0" g="0" b="0"/>
-      </a:fillRef>
-      <a:effectRef idx="0">
-        <a:scrgbClr r="0" g="0" b="0"/>
-      </a:effectRef>
-      <a:fontRef idx="minor">
-        <a:schemeClr val="tx1"/>
-      </a:fontRef>
-    </dgm:style>
-  </dgm:styleLbl>
-  <dgm:styleLbl name="alignNode1">
-    <dgm:scene3d>
-      <a:camera prst="orthographicFront"/>
-      <a:lightRig rig="threePt" dir="t"/>
-    </dgm:scene3d>
-    <dgm:sp3d/>
-    <dgm:txPr/>
-    <dgm:style>
-      <a:lnRef idx="2">
-        <a:scrgbClr r="0" g="0" b="0"/>
-      </a:lnRef>
-      <a:fillRef idx="1">
-        <a:scrgbClr r="0" g="0" b="0"/>
-      </a:fillRef>
-      <a:effectRef idx="0">
-        <a:scrgbClr r="0" g="0" b="0"/>
-      </a:effectRef>
-      <a:fontRef idx="minor">
-        <a:schemeClr val="lt1"/>
-      </a:fontRef>
-    </dgm:style>
-  </dgm:styleLbl>
-  <dgm:styleLbl name="node1">
-    <dgm:scene3d>
-      <a:camera prst="orthographicFront"/>
-      <a:lightRig rig="threePt" dir="t"/>
-    </dgm:scene3d>
-    <dgm:sp3d/>
-    <dgm:txPr/>
-    <dgm:style>
-      <a:lnRef idx="2">
-        <a:scrgbClr r="0" g="0" b="0"/>
-      </a:lnRef>
-      <a:fillRef idx="1">
-        <a:scrgbClr r="0" g="0" b="0"/>
-      </a:fillRef>
-      <a:effectRef idx="0">
-        <a:scrgbClr r="0" g="0" b="0"/>
-      </a:effectRef>
-      <a:fontRef idx="minor">
-        <a:schemeClr val="lt1"/>
-      </a:fontRef>
-    </dgm:style>
-  </dgm:styleLbl>
-  <dgm:styleLbl name="node2">
-    <dgm:scene3d>
-      <a:camera prst="orthographicFront"/>
-      <a:lightRig rig="threePt" dir="t"/>
-    </dgm:scene3d>
-    <dgm:sp3d/>
-    <dgm:txPr/>
-    <dgm:style>
-      <a:lnRef idx="2">
-        <a:scrgbClr r="0" g="0" b="0"/>
-      </a:lnRef>
-      <a:fillRef idx="1">
-        <a:scrgbClr r="0" g="0" b="0"/>
-      </a:fillRef>
-      <a:effectRef idx="0">
-        <a:scrgbClr r="0" g="0" b="0"/>
-      </a:effectRef>
-      <a:fontRef idx="minor">
-        <a:schemeClr val="lt1"/>
-      </a:fontRef>
-    </dgm:style>
-  </dgm:styleLbl>
-  <dgm:styleLbl name="node3">
-    <dgm:scene3d>
-      <a:camera prst="orthographicFront"/>
-      <a:lightRig rig="threePt" dir="t"/>
-    </dgm:scene3d>
-    <dgm:sp3d/>
-    <dgm:txPr/>
-    <dgm:style>
-      <a:lnRef idx="2">
-        <a:scrgbClr r="0" g="0" b="0"/>
-      </a:lnRef>
-      <a:fillRef idx="1">
-        <a:scrgbClr r="0" g="0" b="0"/>
-      </a:fillRef>
-      <a:effectRef idx="0">
-        <a:scrgbClr r="0" g="0" b="0"/>
-      </a:effectRef>
-      <a:fontRef idx="minor">
-        <a:schemeClr val="lt1"/>
-      </a:fontRef>
-    </dgm:style>
-  </dgm:styleLbl>
-  <dgm:styleLbl name="node4">
-    <dgm:scene3d>
-      <a:camera prst="orthographicFront"/>
-      <a:lightRig rig="threePt" dir="t"/>
-    </dgm:scene3d>
-    <dgm:sp3d/>
-    <dgm:txPr/>
-    <dgm:style>
-      <a:lnRef idx="2">
-        <a:scrgbClr r="0" g="0" b="0"/>
-      </a:lnRef>
-      <a:fillRef idx="1">
-        <a:scrgbClr r="0" g="0" b="0"/>
-      </a:fillRef>
-      <a:effectRef idx="0">
-        <a:scrgbClr r="0" g="0" b="0"/>
-      </a:effectRef>
-      <a:fontRef idx="minor">
-        <a:schemeClr val="lt1"/>
-      </a:fontRef>
-    </dgm:style>
-  </dgm:styleLbl>
-  <dgm:styleLbl name="fgImgPlace1">
-    <dgm:scene3d>
-      <a:camera prst="orthographicFront"/>
-      <a:lightRig rig="threePt" dir="t"/>
-    </dgm:scene3d>
-    <dgm:sp3d/>
-    <dgm:txPr/>
-    <dgm:style>
-      <a:lnRef idx="2">
-        <a:scrgbClr r="0" g="0" b="0"/>
-      </a:lnRef>
-      <a:fillRef idx="1">
-        <a:scrgbClr r="0" g="0" b="0"/>
-      </a:fillRef>
-      <a:effectRef idx="0">
-        <a:scrgbClr r="0" g="0" b="0"/>
-      </a:effectRef>
-      <a:fontRef idx="minor"/>
-    </dgm:style>
-  </dgm:styleLbl>
-  <dgm:styleLbl name="alignImgPlace1">
-    <dgm:scene3d>
-      <a:camera prst="orthographicFront"/>
-      <a:lightRig rig="threePt" dir="t"/>
-    </dgm:scene3d>
-    <dgm:sp3d/>
-    <dgm:txPr/>
-    <dgm:style>
-      <a:lnRef idx="2">
-        <a:scrgbClr r="0" g="0" b="0"/>
-      </a:lnRef>
-      <a:fillRef idx="1">
-        <a:scrgbClr r="0" g="0" b="0"/>
-      </a:fillRef>
-      <a:effectRef idx="0">
-        <a:scrgbClr r="0" g="0" b="0"/>
-      </a:effectRef>
-      <a:fontRef idx="minor"/>
-    </dgm:style>
-  </dgm:styleLbl>
-  <dgm:styleLbl name="bgImgPlace1">
-    <dgm:scene3d>
-      <a:camera prst="orthographicFront"/>
-      <a:lightRig rig="threePt" dir="t"/>
-    </dgm:scene3d>
-    <dgm:sp3d/>
-    <dgm:txPr/>
-    <dgm:style>
-      <a:lnRef idx="2">
-        <a:scrgbClr r="0" g="0" b="0"/>
-      </a:lnRef>
-      <a:fillRef idx="1">
-        <a:scrgbClr r="0" g="0" b="0"/>
-      </a:fillRef>
-      <a:effectRef idx="0">
-        <a:scrgbClr r="0" g="0" b="0"/>
-      </a:effectRef>
-      <a:fontRef idx="minor"/>
-    </dgm:style>
-  </dgm:styleLbl>
-  <dgm:styleLbl name="sibTrans2D1">
-    <dgm:scene3d>
-      <a:camera prst="orthographicFront"/>
-      <a:lightRig rig="threePt" dir="t"/>
-    </dgm:scene3d>
-    <dgm:sp3d/>
-    <dgm:txPr/>
-    <dgm:style>
-      <a:lnRef idx="0">
-        <a:scrgbClr r="0" g="0" b="0"/>
-      </a:lnRef>
-      <a:fillRef idx="1">
-        <a:scrgbClr r="0" g="0" b="0"/>
-      </a:fillRef>
-      <a:effectRef idx="0">
-        <a:scrgbClr r="0" g="0" b="0"/>
-      </a:effectRef>
-      <a:fontRef idx="minor">
-        <a:schemeClr val="lt1"/>
-      </a:fontRef>
-    </dgm:style>
-  </dgm:styleLbl>
-  <dgm:styleLbl name="fgSibTrans2D1">
-    <dgm:scene3d>
-      <a:camera prst="orthographicFront"/>
-      <a:lightRig rig="threePt" dir="t"/>
-    </dgm:scene3d>
-    <dgm:sp3d/>
-    <dgm:txPr/>
-    <dgm:style>
-      <a:lnRef idx="0">
-        <a:scrgbClr r="0" g="0" b="0"/>
-      </a:lnRef>
-      <a:fillRef idx="1">
-        <a:scrgbClr r="0" g="0" b="0"/>
-      </a:fillRef>
-      <a:effectRef idx="0">
-        <a:scrgbClr r="0" g="0" b="0"/>
-      </a:effectRef>
-      <a:fontRef idx="minor">
-        <a:schemeClr val="lt1"/>
-      </a:fontRef>
-    </dgm:style>
-  </dgm:styleLbl>
-  <dgm:styleLbl name="bgSibTrans2D1">
-    <dgm:scene3d>
-      <a:camera prst="orthographicFront"/>
-      <a:lightRig rig="threePt" dir="t"/>
-    </dgm:scene3d>
-    <dgm:sp3d/>
-    <dgm:txPr/>
-    <dgm:style>
-      <a:lnRef idx="0">
-        <a:scrgbClr r="0" g="0" b="0"/>
-      </a:lnRef>
-      <a:fillRef idx="1">
-        <a:scrgbClr r="0" g="0" b="0"/>
-      </a:fillRef>
-      <a:effectRef idx="0">
-        <a:scrgbClr r="0" g="0" b="0"/>
-      </a:effectRef>
-      <a:fontRef idx="minor">
-        <a:schemeClr val="lt1"/>
-      </a:fontRef>
-    </dgm:style>
-  </dgm:styleLbl>
-  <dgm:styleLbl name="sibTrans1D1">
-    <dgm:scene3d>
-      <a:camera prst="orthographicFront"/>
-      <a:lightRig rig="threePt" dir="t"/>
-    </dgm:scene3d>
-    <dgm:sp3d/>
-    <dgm:txPr/>
-    <dgm:style>
-      <a:lnRef idx="1">
-        <a:scrgbClr r="0" g="0" b="0"/>
-      </a:lnRef>
-      <a:fillRef idx="0">
-        <a:scrgbClr r="0" g="0" b="0"/>
-      </a:fillRef>
-      <a:effectRef idx="0">
-        <a:scrgbClr r="0" g="0" b="0"/>
-      </a:effectRef>
-      <a:fontRef idx="minor"/>
-    </dgm:style>
-  </dgm:styleLbl>
-  <dgm:styleLbl name="callout">
-    <dgm:scene3d>
-      <a:camera prst="orthographicFront"/>
-      <a:lightRig rig="threePt" dir="t"/>
-    </dgm:scene3d>
-    <dgm:sp3d/>
-    <dgm:txPr/>
-    <dgm:style>
-      <a:lnRef idx="2">
-        <a:scrgbClr r="0" g="0" b="0"/>
-      </a:lnRef>
-      <a:fillRef idx="1">
-        <a:scrgbClr r="0" g="0" b="0"/>
-      </a:fillRef>
-      <a:effectRef idx="0">
-        <a:scrgbClr r="0" g="0" b="0"/>
-      </a:effectRef>
-      <a:fontRef idx="minor"/>
-    </dgm:style>
-  </dgm:styleLbl>
-  <dgm:styleLbl name="asst0">
-    <dgm:scene3d>
-      <a:camera prst="orthographicFront"/>
-      <a:lightRig rig="threePt" dir="t"/>
-    </dgm:scene3d>
-    <dgm:sp3d/>
-    <dgm:txPr/>
-    <dgm:style>
-      <a:lnRef idx="2">
-        <a:scrgbClr r="0" g="0" b="0"/>
-      </a:lnRef>
-      <a:fillRef idx="1">
-        <a:scrgbClr r="0" g="0" b="0"/>
-      </a:fillRef>
-      <a:effectRef idx="0">
-        <a:scrgbClr r="0" g="0" b="0"/>
-      </a:effectRef>
-      <a:fontRef idx="minor">
-        <a:schemeClr val="lt1"/>
-      </a:fontRef>
-    </dgm:style>
-  </dgm:styleLbl>
-  <dgm:styleLbl name="asst1">
-    <dgm:scene3d>
-      <a:camera prst="orthographicFront"/>
-      <a:lightRig rig="threePt" dir="t"/>
-    </dgm:scene3d>
-    <dgm:sp3d/>
-    <dgm:txPr/>
-    <dgm:style>
-      <a:lnRef idx="2">
-        <a:scrgbClr r="0" g="0" b="0"/>
-      </a:lnRef>
-      <a:fillRef idx="1">
-        <a:scrgbClr r="0" g="0" b="0"/>
-      </a:fillRef>
-      <a:effectRef idx="0">
-        <a:scrgbClr r="0" g="0" b="0"/>
-      </a:effectRef>
-      <a:fontRef idx="minor">
-        <a:schemeClr val="lt1"/>
-      </a:fontRef>
-    </dgm:style>
-  </dgm:styleLbl>
-  <dgm:styleLbl name="asst2">
-    <dgm:scene3d>
-      <a:camera prst="orthographicFront"/>
-      <a:lightRig rig="threePt" dir="t"/>
-    </dgm:scene3d>
-    <dgm:sp3d/>
-    <dgm:txPr/>
-    <dgm:style>
-      <a:lnRef idx="2">
-        <a:scrgbClr r="0" g="0" b="0"/>
-      </a:lnRef>
-      <a:fillRef idx="1">
-        <a:scrgbClr r="0" g="0" b="0"/>
-      </a:fillRef>
-      <a:effectRef idx="0">
-        <a:scrgbClr r="0" g="0" b="0"/>
-      </a:effectRef>
-      <a:fontRef idx="minor">
-        <a:schemeClr val="lt1"/>
-      </a:fontRef>
-    </dgm:style>
-  </dgm:styleLbl>
-  <dgm:styleLbl name="asst3">
-    <dgm:scene3d>
-      <a:camera prst="orthographicFront"/>
-      <a:lightRig rig="threePt" dir="t"/>
-    </dgm:scene3d>
-    <dgm:sp3d/>
-    <dgm:txPr/>
-    <dgm:style>
-      <a:lnRef idx="2">
-        <a:scrgbClr r="0" g="0" b="0"/>
-      </a:lnRef>
-      <a:fillRef idx="1">
-        <a:scrgbClr r="0" g="0" b="0"/>
-      </a:fillRef>
-      <a:effectRef idx="0">
-        <a:scrgbClr r="0" g="0" b="0"/>
-      </a:effectRef>
-      <a:fontRef idx="minor">
-        <a:schemeClr val="lt1"/>
-      </a:fontRef>
-    </dgm:style>
-  </dgm:styleLbl>
-  <dgm:styleLbl name="asst4">
-    <dgm:scene3d>
-      <a:camera prst="orthographicFront"/>
-      <a:lightRig rig="threePt" dir="t"/>
-    </dgm:scene3d>
-    <dgm:sp3d/>
-    <dgm:txPr/>
-    <dgm:style>
-      <a:lnRef idx="2">
-        <a:scrgbClr r="0" g="0" b="0"/>
-      </a:lnRef>
-      <a:fillRef idx="1">
-        <a:scrgbClr r="0" g="0" b="0"/>
-      </a:fillRef>
-      <a:effectRef idx="0">
-        <a:scrgbClr r="0" g="0" b="0"/>
-      </a:effectRef>
-      <a:fontRef idx="minor">
-        <a:schemeClr val="lt1"/>
-      </a:fontRef>
-    </dgm:style>
-  </dgm:styleLbl>
-  <dgm:styleLbl name="parChTrans2D1">
-    <dgm:scene3d>
-      <a:camera prst="orthographicFront"/>
-      <a:lightRig rig="threePt" dir="t"/>
-    </dgm:scene3d>
-    <dgm:sp3d/>
-    <dgm:txPr/>
-    <dgm:style>
-      <a:lnRef idx="2">
-        <a:scrgbClr r="0" g="0" b="0"/>
-      </a:lnRef>
-      <a:fillRef idx="1">
-        <a:scrgbClr r="0" g="0" b="0"/>
-      </a:fillRef>
-      <a:effectRef idx="0">
-        <a:scrgbClr r="0" g="0" b="0"/>
-      </a:effectRef>
-      <a:fontRef idx="minor">
-        <a:schemeClr val="lt1"/>
-      </a:fontRef>
-    </dgm:style>
-  </dgm:styleLbl>
-  <dgm:styleLbl name="parChTrans2D2">
-    <dgm:scene3d>
-      <a:camera prst="orthographicFront"/>
-      <a:lightRig rig="threePt" dir="t"/>
-    </dgm:scene3d>
-    <dgm:sp3d/>
-    <dgm:txPr/>
-    <dgm:style>
-      <a:lnRef idx="2">
-        <a:scrgbClr r="0" g="0" b="0"/>
-      </a:lnRef>
-      <a:fillRef idx="1">
-        <a:scrgbClr r="0" g="0" b="0"/>
-      </a:fillRef>
-      <a:effectRef idx="0">
-        <a:scrgbClr r="0" g="0" b="0"/>
-      </a:effectRef>
-      <a:fontRef idx="minor">
-        <a:schemeClr val="lt1"/>
-      </a:fontRef>
-    </dgm:style>
-  </dgm:styleLbl>
-  <dgm:styleLbl name="parChTrans2D3">
-    <dgm:scene3d>
-      <a:camera prst="orthographicFront"/>
-      <a:lightRig rig="threePt" dir="t"/>
-    </dgm:scene3d>
-    <dgm:sp3d/>
-    <dgm:txPr/>
-    <dgm:style>
-      <a:lnRef idx="2">
-        <a:scrgbClr r="0" g="0" b="0"/>
-      </a:lnRef>
-      <a:fillRef idx="1">
-        <a:scrgbClr r="0" g="0" b="0"/>
-      </a:fillRef>
-      <a:effectRef idx="0">
-        <a:scrgbClr r="0" g="0" b="0"/>
-      </a:effectRef>
-      <a:fontRef idx="minor">
-        <a:schemeClr val="lt1"/>
-      </a:fontRef>
-    </dgm:style>
-  </dgm:styleLbl>
-  <dgm:styleLbl name="parChTrans2D4">
-    <dgm:scene3d>
-      <a:camera prst="orthographicFront"/>
-      <a:lightRig rig="threePt" dir="t"/>
-    </dgm:scene3d>
-    <dgm:sp3d/>
-    <dgm:txPr/>
-    <dgm:style>
-      <a:lnRef idx="2">
-        <a:scrgbClr r="0" g="0" b="0"/>
-      </a:lnRef>
-      <a:fillRef idx="1">
-        <a:scrgbClr r="0" g="0" b="0"/>
-      </a:fillRef>
-      <a:effectRef idx="0">
-        <a:scrgbClr r="0" g="0" b="0"/>
-      </a:effectRef>
-      <a:fontRef idx="minor">
-        <a:schemeClr val="lt1"/>
-      </a:fontRef>
-    </dgm:style>
-  </dgm:styleLbl>
-  <dgm:styleLbl name="parChTrans1D1">
-    <dgm:scene3d>
-      <a:camera prst="orthographicFront"/>
-      <a:lightRig rig="threePt" dir="t"/>
-    </dgm:scene3d>
-    <dgm:sp3d/>
-    <dgm:txPr/>
-    <dgm:style>
-      <a:lnRef idx="2">
-        <a:scrgbClr r="0" g="0" b="0"/>
-      </a:lnRef>
-      <a:fillRef idx="0">
-        <a:scrgbClr r="0" g="0" b="0"/>
-      </a:fillRef>
-      <a:effectRef idx="0">
-        <a:scrgbClr r="0" g="0" b="0"/>
-      </a:effectRef>
-      <a:fontRef idx="minor"/>
-    </dgm:style>
-  </dgm:styleLbl>
-  <dgm:styleLbl name="parChTrans1D2">
-    <dgm:scene3d>
-      <a:camera prst="orthographicFront"/>
-      <a:lightRig rig="threePt" dir="t"/>
-    </dgm:scene3d>
-    <dgm:sp3d/>
-    <dgm:txPr/>
-    <dgm:style>
-      <a:lnRef idx="2">
-        <a:scrgbClr r="0" g="0" b="0"/>
-      </a:lnRef>
-      <a:fillRef idx="0">
-        <a:scrgbClr r="0" g="0" b="0"/>
-      </a:fillRef>
-      <a:effectRef idx="0">
-        <a:scrgbClr r="0" g="0" b="0"/>
-      </a:effectRef>
-      <a:fontRef idx="minor"/>
-    </dgm:style>
-  </dgm:styleLbl>
-  <dgm:styleLbl name="parChTrans1D3">
-    <dgm:scene3d>
-      <a:camera prst="orthographicFront"/>
-      <a:lightRig rig="threePt" dir="t"/>
-    </dgm:scene3d>
-    <dgm:sp3d/>
-    <dgm:txPr/>
-    <dgm:style>
-      <a:lnRef idx="2">
-        <a:scrgbClr r="0" g="0" b="0"/>
-      </a:lnRef>
-      <a:fillRef idx="0">
-        <a:scrgbClr r="0" g="0" b="0"/>
-      </a:fillRef>
-      <a:effectRef idx="0">
-        <a:scrgbClr r="0" g="0" b="0"/>
-      </a:effectRef>
-      <a:fontRef idx="minor"/>
-    </dgm:style>
-  </dgm:styleLbl>
-  <dgm:styleLbl name="parChTrans1D4">
-    <dgm:scene3d>
-      <a:camera prst="orthographicFront"/>
-      <a:lightRig rig="threePt" dir="t"/>
-    </dgm:scene3d>
-    <dgm:sp3d/>
-    <dgm:txPr/>
-    <dgm:style>
-      <a:lnRef idx="2">
-        <a:scrgbClr r="0" g="0" b="0"/>
-      </a:lnRef>
-      <a:fillRef idx="0">
-        <a:scrgbClr r="0" g="0" b="0"/>
-      </a:fillRef>
-      <a:effectRef idx="0">
-        <a:scrgbClr r="0" g="0" b="0"/>
-      </a:effectRef>
-      <a:fontRef idx="minor"/>
-    </dgm:style>
-  </dgm:styleLbl>
-  <dgm:styleLbl name="fgAcc1">
-    <dgm:scene3d>
-      <a:camera prst="orthographicFront"/>
-      <a:lightRig rig="threePt" dir="t"/>
-    </dgm:scene3d>
-    <dgm:sp3d/>
-    <dgm:txPr/>
-    <dgm:style>
-      <a:lnRef idx="2">
-        <a:scrgbClr r="0" g="0" b="0"/>
-      </a:lnRef>
-      <a:fillRef idx="1">
-        <a:scrgbClr r="0" g="0" b="0"/>
-      </a:fillRef>
-      <a:effectRef idx="0">
-        <a:scrgbClr r="0" g="0" b="0"/>
-      </a:effectRef>
-      <a:fontRef idx="minor"/>
-    </dgm:style>
-  </dgm:styleLbl>
-  <dgm:styleLbl name="conFgAcc1">
-    <dgm:scene3d>
-      <a:camera prst="orthographicFront"/>
-      <a:lightRig rig="threePt" dir="t"/>
-    </dgm:scene3d>
-    <dgm:sp3d/>
-    <dgm:txPr/>
-    <dgm:style>
-      <a:lnRef idx="2">
-        <a:scrgbClr r="0" g="0" b="0"/>
-      </a:lnRef>
-      <a:fillRef idx="1">
-        <a:scrgbClr r="0" g="0" b="0"/>
-      </a:fillRef>
-      <a:effectRef idx="0">
-        <a:scrgbClr r="0" g="0" b="0"/>
-      </a:effectRef>
-      <a:fontRef idx="minor"/>
-    </dgm:style>
-  </dgm:styleLbl>
-  <dgm:styleLbl name="alignAcc1">
-    <dgm:scene3d>
-      <a:camera prst="orthographicFront"/>
-      <a:lightRig rig="threePt" dir="t"/>
-    </dgm:scene3d>
-    <dgm:sp3d/>
-    <dgm:txPr/>
-    <dgm:style>
-      <a:lnRef idx="2">
-        <a:scrgbClr r="0" g="0" b="0"/>
-      </a:lnRef>
-      <a:fillRef idx="1">
-        <a:scrgbClr r="0" g="0" b="0"/>
-      </a:fillRef>
-      <a:effectRef idx="0">
-        <a:scrgbClr r="0" g="0" b="0"/>
-      </a:effectRef>
-      <a:fontRef idx="minor"/>
-    </dgm:style>
-  </dgm:styleLbl>
-  <dgm:styleLbl name="trAlignAcc1">
-    <dgm:scene3d>
-      <a:camera prst="orthographicFront"/>
-      <a:lightRig rig="threePt" dir="t"/>
-    </dgm:scene3d>
-    <dgm:sp3d/>
-    <dgm:txPr/>
-    <dgm:style>
-      <a:lnRef idx="1">
-        <a:scrgbClr r="0" g="0" b="0"/>
-      </a:lnRef>
-      <a:fillRef idx="1">
-        <a:scrgbClr r="0" g="0" b="0"/>
-      </a:fillRef>
-      <a:effectRef idx="0">
-        <a:scrgbClr r="0" g="0" b="0"/>
-      </a:effectRef>
-      <a:fontRef idx="minor"/>
-    </dgm:style>
-  </dgm:styleLbl>
-  <dgm:styleLbl name="bgAcc1">
-    <dgm:scene3d>
-      <a:camera prst="orthographicFront"/>
-      <a:lightRig rig="threePt" dir="t"/>
-    </dgm:scene3d>
-    <dgm:sp3d/>
-    <dgm:txPr/>
-    <dgm:style>
-      <a:lnRef idx="2">
-        <a:scrgbClr r="0" g="0" b="0"/>
-      </a:lnRef>
-      <a:fillRef idx="1">
-        <a:scrgbClr r="0" g="0" b="0"/>
-      </a:fillRef>
-      <a:effectRef idx="0">
-        <a:scrgbClr r="0" g="0" b="0"/>
-      </a:effectRef>
-      <a:fontRef idx="minor"/>
-    </dgm:style>
-  </dgm:styleLbl>
-  <dgm:styleLbl name="solidFgAcc1">
-    <dgm:scene3d>
-      <a:camera prst="orthographicFront"/>
-      <a:lightRig rig="threePt" dir="t"/>
-    </dgm:scene3d>
-    <dgm:sp3d/>
-    <dgm:txPr/>
-    <dgm:style>
-      <a:lnRef idx="2">
-        <a:scrgbClr r="0" g="0" b="0"/>
-      </a:lnRef>
-      <a:fillRef idx="1">
-        <a:scrgbClr r="0" g="0" b="0"/>
-      </a:fillRef>
-      <a:effectRef idx="0">
-        <a:scrgbClr r="0" g="0" b="0"/>
-      </a:effectRef>
-      <a:fontRef idx="minor"/>
-    </dgm:style>
-  </dgm:styleLbl>
-  <dgm:styleLbl name="solidAlignAcc1">
-    <dgm:scene3d>
-      <a:camera prst="orthographicFront"/>
-      <a:lightRig rig="threePt" dir="t"/>
-    </dgm:scene3d>
-    <dgm:sp3d/>
-    <dgm:txPr/>
-    <dgm:style>
-      <a:lnRef idx="2">
-        <a:scrgbClr r="0" g="0" b="0"/>
-      </a:lnRef>
-      <a:fillRef idx="1">
-        <a:scrgbClr r="0" g="0" b="0"/>
-      </a:fillRef>
-      <a:effectRef idx="0">
-        <a:scrgbClr r="0" g="0" b="0"/>
-      </a:effectRef>
-      <a:fontRef idx="minor"/>
-    </dgm:style>
-  </dgm:styleLbl>
-  <dgm:styleLbl name="solidBgAcc1">
-    <dgm:scene3d>
-      <a:camera prst="orthographicFront"/>
-      <a:lightRig rig="threePt" dir="t"/>
-    </dgm:scene3d>
-    <dgm:sp3d/>
-    <dgm:txPr/>
-    <dgm:style>
-      <a:lnRef idx="2">
-        <a:scrgbClr r="0" g="0" b="0"/>
-      </a:lnRef>
-      <a:fillRef idx="1">
-        <a:scrgbClr r="0" g="0" b="0"/>
-      </a:fillRef>
-      <a:effectRef idx="0">
-        <a:scrgbClr r="0" g="0" b="0"/>
-      </a:effectRef>
-      <a:fontRef idx="minor"/>
-    </dgm:style>
-  </dgm:styleLbl>
-  <dgm:styleLbl name="fgAccFollowNode1">
-    <dgm:scene3d>
-      <a:camera prst="orthographicFront"/>
-      <a:lightRig rig="threePt" dir="t"/>
-    </dgm:scene3d>
-    <dgm:sp3d/>
-    <dgm:txPr/>
-    <dgm:style>
-      <a:lnRef idx="2">
-        <a:scrgbClr r="0" g="0" b="0"/>
-      </a:lnRef>
-      <a:fillRef idx="1">
-        <a:scrgbClr r="0" g="0" b="0"/>
-      </a:fillRef>
-      <a:effectRef idx="0">
-        <a:scrgbClr r="0" g="0" b="0"/>
-      </a:effectRef>
-      <a:fontRef idx="minor"/>
-    </dgm:style>
-  </dgm:styleLbl>
-  <dgm:styleLbl name="alignAccFollowNode1">
-    <dgm:scene3d>
-      <a:camera prst="orthographicFront"/>
-      <a:lightRig rig="threePt" dir="t"/>
-    </dgm:scene3d>
-    <dgm:sp3d/>
-    <dgm:txPr/>
-    <dgm:style>
-      <a:lnRef idx="2">
-        <a:scrgbClr r="0" g="0" b="0"/>
-      </a:lnRef>
-      <a:fillRef idx="1">
-        <a:scrgbClr r="0" g="0" b="0"/>
-      </a:fillRef>
-      <a:effectRef idx="0">
-        <a:scrgbClr r="0" g="0" b="0"/>
-      </a:effectRef>
-      <a:fontRef idx="minor"/>
-    </dgm:style>
-  </dgm:styleLbl>
-  <dgm:styleLbl name="bgAccFollowNode1">
-    <dgm:scene3d>
-      <a:camera prst="orthographicFront"/>
-      <a:lightRig rig="threePt" dir="t"/>
-    </dgm:scene3d>
-    <dgm:sp3d/>
-    <dgm:txPr/>
-    <dgm:style>
-      <a:lnRef idx="2">
-        <a:scrgbClr r="0" g="0" b="0"/>
-      </a:lnRef>
-      <a:fillRef idx="1">
-        <a:scrgbClr r="0" g="0" b="0"/>
-      </a:fillRef>
-      <a:effectRef idx="0">
-        <a:scrgbClr r="0" g="0" b="0"/>
-      </a:effectRef>
-      <a:fontRef idx="minor"/>
-    </dgm:style>
-  </dgm:styleLbl>
-  <dgm:styleLbl name="fgAcc0">
-    <dgm:scene3d>
-      <a:camera prst="orthographicFront"/>
-      <a:lightRig rig="threePt" dir="t"/>
-    </dgm:scene3d>
-    <dgm:sp3d/>
-    <dgm:txPr/>
-    <dgm:style>
-      <a:lnRef idx="2">
-        <a:scrgbClr r="0" g="0" b="0"/>
-      </a:lnRef>
-      <a:fillRef idx="1">
-        <a:scrgbClr r="0" g="0" b="0"/>
-      </a:fillRef>
-      <a:effectRef idx="0">
-        <a:scrgbClr r="0" g="0" b="0"/>
-      </a:effectRef>
-      <a:fontRef idx="minor"/>
-    </dgm:style>
-  </dgm:styleLbl>
-  <dgm:styleLbl name="fgAcc2">
-    <dgm:scene3d>
-      <a:camera prst="orthographicFront"/>
-      <a:lightRig rig="threePt" dir="t"/>
-    </dgm:scene3d>
-    <dgm:sp3d/>
-    <dgm:txPr/>
-    <dgm:style>
-      <a:lnRef idx="2">
-        <a:scrgbClr r="0" g="0" b="0"/>
-      </a:lnRef>
-      <a:fillRef idx="1">
-        <a:scrgbClr r="0" g="0" b="0"/>
-      </a:fillRef>
-      <a:effectRef idx="0">
-        <a:scrgbClr r="0" g="0" b="0"/>
-      </a:effectRef>
-      <a:fontRef idx="minor"/>
-    </dgm:style>
-  </dgm:styleLbl>
-  <dgm:styleLbl name="fgAcc3">
-    <dgm:scene3d>
-      <a:camera prst="orthographicFront"/>
-      <a:lightRig rig="threePt" dir="t"/>
-    </dgm:scene3d>
-    <dgm:sp3d/>
-    <dgm:txPr/>
-    <dgm:style>
-      <a:lnRef idx="2">
-        <a:scrgbClr r="0" g="0" b="0"/>
-      </a:lnRef>
-      <a:fillRef idx="1">
-        <a:scrgbClr r="0" g="0" b="0"/>
-      </a:fillRef>
-      <a:effectRef idx="0">
-        <a:scrgbClr r="0" g="0" b="0"/>
-      </a:effectRef>
-      <a:fontRef idx="minor"/>
-    </dgm:style>
-  </dgm:styleLbl>
-  <dgm:styleLbl name="fgAcc4">
-    <dgm:scene3d>
-      <a:camera prst="orthographicFront"/>
-      <a:lightRig rig="threePt" dir="t"/>
-    </dgm:scene3d>
-    <dgm:sp3d/>
-    <dgm:txPr/>
-    <dgm:style>
-      <a:lnRef idx="2">
-        <a:scrgbClr r="0" g="0" b="0"/>
-      </a:lnRef>
-      <a:fillRef idx="1">
-        <a:scrgbClr r="0" g="0" b="0"/>
-      </a:fillRef>
-      <a:effectRef idx="0">
-        <a:scrgbClr r="0" g="0" b="0"/>
-      </a:effectRef>
-      <a:fontRef idx="minor"/>
-    </dgm:style>
-  </dgm:styleLbl>
-  <dgm:styleLbl name="bgShp">
-    <dgm:scene3d>
-      <a:camera prst="orthographicFront"/>
-      <a:lightRig rig="threePt" dir="t"/>
-    </dgm:scene3d>
-    <dgm:sp3d/>
-    <dgm:txPr/>
-    <dgm:style>
-      <a:lnRef idx="0">
-        <a:scrgbClr r="0" g="0" b="0"/>
-      </a:lnRef>
-      <a:fillRef idx="1">
-        <a:scrgbClr r="0" g="0" b="0"/>
-      </a:fillRef>
-      <a:effectRef idx="0">
-        <a:scrgbClr r="0" g="0" b="0"/>
-      </a:effectRef>
-      <a:fontRef idx="minor"/>
-    </dgm:style>
-  </dgm:styleLbl>
-  <dgm:styleLbl name="dkBgShp">
-    <dgm:scene3d>
-      <a:camera prst="orthographicFront"/>
-      <a:lightRig rig="threePt" dir="t"/>
-    </dgm:scene3d>
-    <dgm:sp3d/>
-    <dgm:txPr/>
-    <dgm:style>
-      <a:lnRef idx="0">
-        <a:scrgbClr r="0" g="0" b="0"/>
-      </a:lnRef>
-      <a:fillRef idx="1">
-        <a:scrgbClr r="0" g="0" b="0"/>
-      </a:fillRef>
-      <a:effectRef idx="0">
-        <a:scrgbClr r="0" g="0" b="0"/>
-      </a:effectRef>
-      <a:fontRef idx="minor"/>
-    </dgm:style>
-  </dgm:styleLbl>
-  <dgm:styleLbl name="trBgShp">
-    <dgm:scene3d>
-      <a:camera prst="orthographicFront"/>
-      <a:lightRig rig="threePt" dir="t"/>
-    </dgm:scene3d>
-    <dgm:sp3d/>
-    <dgm:txPr/>
-    <dgm:style>
-      <a:lnRef idx="0">
-        <a:scrgbClr r="0" g="0" b="0"/>
-      </a:lnRef>
-      <a:fillRef idx="1">
-        <a:scrgbClr r="0" g="0" b="0"/>
-      </a:fillRef>
-      <a:effectRef idx="0">
-        <a:scrgbClr r="0" g="0" b="0"/>
-      </a:effectRef>
-      <a:fontRef idx="minor"/>
-    </dgm:style>
-  </dgm:styleLbl>
-  <dgm:styleLbl name="fgShp">
-    <dgm:scene3d>
-      <a:camera prst="orthographicFront"/>
-      <a:lightRig rig="threePt" dir="t"/>
-    </dgm:scene3d>
-    <dgm:sp3d/>
-    <dgm:txPr/>
-    <dgm:style>
-      <a:lnRef idx="2">
-        <a:scrgbClr r="0" g="0" b="0"/>
-      </a:lnRef>
-      <a:fillRef idx="1">
-        <a:scrgbClr r="0" g="0" b="0"/>
-      </a:fillRef>
-      <a:effectRef idx="0">
-        <a:scrgbClr r="0" g="0" b="0"/>
-      </a:effectRef>
-      <a:fontRef idx="minor"/>
-    </dgm:style>
-  </dgm:styleLbl>
-  <dgm:styleLbl name="revTx">
-    <dgm:scene3d>
-      <a:camera prst="orthographicFront"/>
-      <a:lightRig rig="threePt" dir="t"/>
-    </dgm:scene3d>
-    <dgm:sp3d/>
-    <dgm:txPr/>
-    <dgm:style>
-      <a:lnRef idx="0">
-        <a:scrgbClr r="0" g="0" b="0"/>
-      </a:lnRef>
-      <a:fillRef idx="0">
-        <a:scrgbClr r="0" g="0" b="0"/>
-      </a:fillRef>
-      <a:effectRef idx="0">
-        <a:scrgbClr r="0" g="0" b="0"/>
-      </a:effectRef>
-      <a:fontRef idx="minor"/>
-    </dgm:style>
-  </dgm:styleLbl>
-</dgm:styleDef>
 </file>
 
 <file path=ppt/notesMasters/notesMaster1.xml><?xml version="1.0" encoding="utf-8"?>
@@ -7294,6 +4675,14 @@
 <file path=ppt/slides/slide10.xml><?xml version="1.0" encoding="utf-8"?>
 <p:sld xmlns:a="http://schemas.openxmlformats.org/drawingml/2006/main" xmlns:r="http://schemas.openxmlformats.org/officeDocument/2006/relationships" xmlns:p="http://schemas.openxmlformats.org/presentationml/2006/main">
   <p:cSld>
+    <p:bg>
+      <p:bgPr>
+        <a:solidFill>
+          <a:schemeClr val="bg1"/>
+        </a:solidFill>
+        <a:effectLst/>
+      </p:bgPr>
+    </p:bg>
     <p:spTree>
       <p:nvGrpSpPr>
         <p:cNvPr id="1" name=""/>
@@ -7308,9 +4697,75 @@
           <a:chExt cx="0" cy="0"/>
         </a:xfrm>
       </p:grpSpPr>
-      <p:sp>
-        <p:nvSpPr>
-          <p:cNvPr id="6" name="Title 5"/>
+      <p:sp useBgFill="1">
+        <p:nvSpPr>
+          <p:cNvPr id="8" name="Rectangle 7">
+            <a:extLst>
+              <a:ext uri="{FF2B5EF4-FFF2-40B4-BE49-F238E27FC236}">
+                <a16:creationId xmlns:a16="http://schemas.microsoft.com/office/drawing/2014/main" id="{FAA3B297-9683-4E38-89FA-062C53E13F85}"/>
+              </a:ext>
+              <a:ext uri="{C183D7F6-B498-43B3-948B-1728B52AA6E4}">
+                <adec:decorative xmlns:adec="http://schemas.microsoft.com/office/drawing/2017/decorative" val="1"/>
+              </a:ext>
+            </a:extLst>
+          </p:cNvPr>
+          <p:cNvSpPr>
+            <a:spLocks noGrp="1" noRot="1" noChangeAspect="1" noMove="1" noResize="1" noEditPoints="1" noAdjustHandles="1" noChangeArrowheads="1" noChangeShapeType="1" noTextEdit="1"/>
+          </p:cNvSpPr>
+          <p:nvPr>
+            <p:extLst>
+              <p:ext uri="{386F3935-93C4-4BCD-93E2-E3B085C9AB24}">
+                <p16:designElem xmlns:p16="http://schemas.microsoft.com/office/powerpoint/2015/main" val="1"/>
+              </p:ext>
+            </p:extLst>
+          </p:nvPr>
+        </p:nvSpPr>
+        <p:spPr>
+          <a:xfrm>
+            <a:off x="0" y="0"/>
+            <a:ext cx="12188952" cy="6857995"/>
+          </a:xfrm>
+          <a:prstGeom prst="rect">
+            <a:avLst/>
+          </a:prstGeom>
+          <a:ln>
+            <a:noFill/>
+          </a:ln>
+        </p:spPr>
+        <p:style>
+          <a:lnRef idx="2">
+            <a:schemeClr val="accent1">
+              <a:shade val="50000"/>
+            </a:schemeClr>
+          </a:lnRef>
+          <a:fillRef idx="1">
+            <a:schemeClr val="accent1"/>
+          </a:fillRef>
+          <a:effectRef idx="0">
+            <a:schemeClr val="accent1"/>
+          </a:effectRef>
+          <a:fontRef idx="minor">
+            <a:schemeClr val="lt1"/>
+          </a:fontRef>
+        </p:style>
+        <p:txBody>
+          <a:bodyPr rtlCol="0" anchor="ctr"/>
+          <a:lstStyle/>
+          <a:p>
+            <a:pPr algn="ctr"/>
+            <a:endParaRPr lang="en-US" dirty="0"/>
+          </a:p>
+        </p:txBody>
+      </p:sp>
+      <p:sp>
+        <p:nvSpPr>
+          <p:cNvPr id="2" name="Title 1">
+            <a:extLst>
+              <a:ext uri="{FF2B5EF4-FFF2-40B4-BE49-F238E27FC236}">
+                <a16:creationId xmlns:a16="http://schemas.microsoft.com/office/drawing/2014/main" id="{40D0EB12-A134-7E75-F4D6-BFB1B126376B}"/>
+              </a:ext>
+            </a:extLst>
+          </p:cNvPr>
           <p:cNvSpPr>
             <a:spLocks noGrp="1"/>
           </p:cNvSpPr>
@@ -7320,13 +4775,13 @@
         </p:nvSpPr>
         <p:spPr>
           <a:xfrm>
-            <a:off x="452554" y="699796"/>
-            <a:ext cx="5910924" cy="1585084"/>
+            <a:off x="517869" y="976160"/>
+            <a:ext cx="8686800" cy="1934172"/>
           </a:xfrm>
         </p:spPr>
         <p:txBody>
           <a:bodyPr>
-            <a:noAutofit/>
+            <a:normAutofit/>
           </a:bodyPr>
           <a:lstStyle/>
           <a:p>
@@ -7335,14 +4790,87 @@
                 <a:latin typeface="Arial" panose="020B0604020202020204" pitchFamily="34" charset="0"/>
                 <a:cs typeface="Arial" panose="020B0604020202020204" pitchFamily="34" charset="0"/>
               </a:rPr>
-              <a:t>WORKING OF SPATIAL POOLER</a:t>
-            </a:r>
-          </a:p>
-        </p:txBody>
-      </p:sp>
-      <p:sp>
-        <p:nvSpPr>
-          <p:cNvPr id="7" name="Content Placeholder 6"/>
+              <a:t>IMPLEMENTATION (LEARNING &amp; PREDICTION PHASE)</a:t>
+            </a:r>
+            <a:endParaRPr lang="en-US" sz="4000" dirty="0">
+              <a:latin typeface="Arial" panose="020B0604020202020204" pitchFamily="34" charset="0"/>
+              <a:cs typeface="Arial" panose="020B0604020202020204" pitchFamily="34" charset="0"/>
+            </a:endParaRPr>
+          </a:p>
+        </p:txBody>
+      </p:sp>
+      <p:sp>
+        <p:nvSpPr>
+          <p:cNvPr id="10" name="Rectangle 9">
+            <a:extLst>
+              <a:ext uri="{FF2B5EF4-FFF2-40B4-BE49-F238E27FC236}">
+                <a16:creationId xmlns:a16="http://schemas.microsoft.com/office/drawing/2014/main" id="{5B8D7907-8AB9-4E98-A576-1A13AECEDF3A}"/>
+              </a:ext>
+              <a:ext uri="{C183D7F6-B498-43B3-948B-1728B52AA6E4}">
+                <adec:decorative xmlns:adec="http://schemas.microsoft.com/office/drawing/2017/decorative" val="1"/>
+              </a:ext>
+            </a:extLst>
+          </p:cNvPr>
+          <p:cNvSpPr>
+            <a:spLocks noGrp="1" noRot="1" noChangeAspect="1" noMove="1" noResize="1" noEditPoints="1" noAdjustHandles="1" noChangeArrowheads="1" noChangeShapeType="1" noTextEdit="1"/>
+          </p:cNvSpPr>
+          <p:nvPr>
+            <p:extLst>
+              <p:ext uri="{386F3935-93C4-4BCD-93E2-E3B085C9AB24}">
+                <p16:designElem xmlns:p16="http://schemas.microsoft.com/office/powerpoint/2015/main" val="1"/>
+              </p:ext>
+            </p:extLst>
+          </p:nvPr>
+        </p:nvSpPr>
+        <p:spPr>
+          <a:xfrm>
+            <a:off x="517869" y="508090"/>
+            <a:ext cx="8732520" cy="149279"/>
+          </a:xfrm>
+          <a:prstGeom prst="rect">
+            <a:avLst/>
+          </a:prstGeom>
+          <a:solidFill>
+            <a:schemeClr val="tx1"/>
+          </a:solidFill>
+          <a:ln>
+            <a:noFill/>
+          </a:ln>
+        </p:spPr>
+        <p:style>
+          <a:lnRef idx="2">
+            <a:schemeClr val="accent1">
+              <a:shade val="50000"/>
+            </a:schemeClr>
+          </a:lnRef>
+          <a:fillRef idx="1">
+            <a:schemeClr val="accent1"/>
+          </a:fillRef>
+          <a:effectRef idx="0">
+            <a:schemeClr val="accent1"/>
+          </a:effectRef>
+          <a:fontRef idx="minor">
+            <a:schemeClr val="lt1"/>
+          </a:fontRef>
+        </p:style>
+        <p:txBody>
+          <a:bodyPr rtlCol="0" anchor="ctr"/>
+          <a:lstStyle/>
+          <a:p>
+            <a:pPr algn="ctr"/>
+            <a:endParaRPr lang="en-US"/>
+          </a:p>
+        </p:txBody>
+      </p:sp>
+      <p:sp>
+        <p:nvSpPr>
+          <p:cNvPr id="3" name="Content Placeholder 2">
+            <a:extLst>
+              <a:ext uri="{FF2B5EF4-FFF2-40B4-BE49-F238E27FC236}">
+                <a16:creationId xmlns:a16="http://schemas.microsoft.com/office/drawing/2014/main" id="{763BEB7E-6433-D9C5-97F5-24ECBCE4A991}"/>
+              </a:ext>
+            </a:extLst>
+          </p:cNvPr>
           <p:cNvSpPr>
             <a:spLocks noGrp="1"/>
           </p:cNvSpPr>
@@ -7352,8 +4880,8 @@
         </p:nvSpPr>
         <p:spPr>
           <a:xfrm>
-            <a:off x="577183" y="2379306"/>
-            <a:ext cx="5049175" cy="4776031"/>
+            <a:off x="517869" y="2693773"/>
+            <a:ext cx="8686799" cy="3495091"/>
           </a:xfrm>
         </p:spPr>
         <p:txBody>
@@ -7361,17 +4889,26 @@
             <a:normAutofit/>
           </a:bodyPr>
           <a:lstStyle/>
+          <a:p>
+            <a:r>
+              <a:rPr lang="en-US" b="1" dirty="0">
+                <a:latin typeface="Arial" panose="020B0604020202020204" pitchFamily="34" charset="0"/>
+                <a:cs typeface="Arial" panose="020B0604020202020204" pitchFamily="34" charset="0"/>
+              </a:rPr>
+              <a:t>For Numbers :</a:t>
+            </a:r>
+          </a:p>
           <a:p>
             <a:pPr marL="342900" indent="-342900">
               <a:buFont typeface="Arial" panose="020B0604020202020204" pitchFamily="34" charset="0"/>
               <a:buChar char="•"/>
             </a:pPr>
             <a:r>
-              <a:rPr lang="en-US" sz="2400" dirty="0">
+              <a:rPr lang="en-US" dirty="0">
                 <a:latin typeface="Arial" panose="020B0604020202020204" pitchFamily="34" charset="0"/>
                 <a:cs typeface="Arial" panose="020B0604020202020204" pitchFamily="34" charset="0"/>
               </a:rPr>
-              <a:t>Builds SDR input</a:t>
+              <a:t>Obtain datasets and train with Spatial Pooler using a scalar encoder.</a:t>
             </a:r>
           </a:p>
           <a:p>
@@ -7380,11 +4917,11 @@
               <a:buChar char="•"/>
             </a:pPr>
             <a:r>
-              <a:rPr lang="en-US" sz="2400" dirty="0">
+              <a:rPr lang="en-US" dirty="0">
                 <a:latin typeface="Arial" panose="020B0604020202020204" pitchFamily="34" charset="0"/>
                 <a:cs typeface="Arial" panose="020B0604020202020204" pitchFamily="34" charset="0"/>
               </a:rPr>
-              <a:t>Inactive columns are not learned.</a:t>
+              <a:t>Spatial Pooler iteratively trains each sequence until it reaches a stable state.</a:t>
             </a:r>
           </a:p>
           <a:p>
@@ -7393,51 +4930,19 @@
               <a:buChar char="•"/>
             </a:pPr>
             <a:r>
-              <a:rPr lang="en-US" sz="2400" dirty="0">
+              <a:rPr lang="en-US" dirty="0">
                 <a:latin typeface="Arial" panose="020B0604020202020204" pitchFamily="34" charset="0"/>
                 <a:cs typeface="Arial" panose="020B0604020202020204" pitchFamily="34" charset="0"/>
               </a:rPr>
-              <a:t>Every input pattern is checked against the database.</a:t>
-            </a:r>
-            <a:endParaRPr lang="en-IN" sz="2400" dirty="0">
-              <a:latin typeface="Arial" panose="020B0604020202020204" pitchFamily="34" charset="0"/>
-              <a:cs typeface="Arial" panose="020B0604020202020204" pitchFamily="34" charset="0"/>
-            </a:endParaRPr>
-          </a:p>
-        </p:txBody>
-      </p:sp>
-      <p:graphicFrame>
-        <p:nvGraphicFramePr>
-          <p:cNvPr id="3" name="Diagram 2">
-            <a:extLst>
-              <a:ext uri="{FF2B5EF4-FFF2-40B4-BE49-F238E27FC236}">
-                <a16:creationId xmlns:a16="http://schemas.microsoft.com/office/drawing/2014/main" id="{4399E1B5-B320-B13F-B24B-2A69678ED345}"/>
-              </a:ext>
-            </a:extLst>
-          </p:cNvPr>
-          <p:cNvGraphicFramePr/>
-          <p:nvPr>
-            <p:extLst>
-              <p:ext uri="{D42A27DB-BD31-4B8C-83A1-F6EECF244321}">
-                <p14:modId xmlns:p14="http://schemas.microsoft.com/office/powerpoint/2010/main" val="1320414263"/>
-              </p:ext>
-            </p:extLst>
-          </p:nvPr>
-        </p:nvGraphicFramePr>
-        <p:xfrm>
-          <a:off x="5881816" y="2063578"/>
-          <a:ext cx="5214552" cy="2509543"/>
-        </p:xfrm>
-        <a:graphic>
-          <a:graphicData uri="http://schemas.openxmlformats.org/drawingml/2006/diagram">
-            <dgm:relIds xmlns:dgm="http://schemas.openxmlformats.org/drawingml/2006/diagram" xmlns:r="http://schemas.openxmlformats.org/officeDocument/2006/relationships" r:dm="rId2" r:lo="rId3" r:qs="rId4" r:cs="rId5"/>
-          </a:graphicData>
-        </a:graphic>
-      </p:graphicFrame>
+              <a:t>HTM is a memory-based system that stores a large number of patterns and sequences.</a:t>
+            </a:r>
+          </a:p>
+        </p:txBody>
+      </p:sp>
     </p:spTree>
     <p:extLst>
       <p:ext uri="{BB962C8B-B14F-4D97-AF65-F5344CB8AC3E}">
-        <p14:creationId xmlns:p14="http://schemas.microsoft.com/office/powerpoint/2010/main" val="1533691606"/>
+        <p14:creationId xmlns:p14="http://schemas.microsoft.com/office/powerpoint/2010/main" val="3177780836"/>
       </p:ext>
     </p:extLst>
   </p:cSld>
@@ -7537,7 +5042,7 @@
           <p:cNvPr id="2" name="Title 1">
             <a:extLst>
               <a:ext uri="{FF2B5EF4-FFF2-40B4-BE49-F238E27FC236}">
-                <a16:creationId xmlns:a16="http://schemas.microsoft.com/office/drawing/2014/main" id="{40D0EB12-A134-7E75-F4D6-BFB1B126376B}"/>
+                <a16:creationId xmlns:a16="http://schemas.microsoft.com/office/drawing/2014/main" id="{5F104249-400B-AD3A-F382-C91918689B2C}"/>
               </a:ext>
             </a:extLst>
           </p:cNvPr>
@@ -7550,8 +5055,8 @@
         </p:nvSpPr>
         <p:spPr>
           <a:xfrm>
-            <a:off x="517869" y="976160"/>
-            <a:ext cx="8686800" cy="1934172"/>
+            <a:off x="540729" y="796484"/>
+            <a:ext cx="8686800" cy="951494"/>
           </a:xfrm>
         </p:spPr>
         <p:txBody>
@@ -7561,16 +5066,12 @@
           <a:lstStyle/>
           <a:p>
             <a:r>
-              <a:rPr lang="en-IN" sz="4000" dirty="0">
+              <a:rPr lang="en-US" sz="4000" dirty="0">
                 <a:latin typeface="Arial" panose="020B0604020202020204" pitchFamily="34" charset="0"/>
                 <a:cs typeface="Arial" panose="020B0604020202020204" pitchFamily="34" charset="0"/>
               </a:rPr>
-              <a:t>IMPLEMENTATION (LEARNING &amp; PREDICTION PHASE)</a:t>
-            </a:r>
-            <a:endParaRPr lang="en-US" sz="4000" dirty="0">
-              <a:latin typeface="Arial" panose="020B0604020202020204" pitchFamily="34" charset="0"/>
-              <a:cs typeface="Arial" panose="020B0604020202020204" pitchFamily="34" charset="0"/>
-            </a:endParaRPr>
+              <a:t>FLOW-CHART</a:t>
+            </a:r>
           </a:p>
         </p:txBody>
       </p:sp>
@@ -7642,7 +5143,7 @@
           <p:cNvPr id="3" name="Content Placeholder 2">
             <a:extLst>
               <a:ext uri="{FF2B5EF4-FFF2-40B4-BE49-F238E27FC236}">
-                <a16:creationId xmlns:a16="http://schemas.microsoft.com/office/drawing/2014/main" id="{763BEB7E-6433-D9C5-97F5-24ECBCE4A991}"/>
+                <a16:creationId xmlns:a16="http://schemas.microsoft.com/office/drawing/2014/main" id="{7F00A25F-4CA4-D443-D525-EEE4B67C7EC0}"/>
               </a:ext>
             </a:extLst>
           </p:cNvPr>
@@ -7655,69 +5156,762 @@
         </p:nvSpPr>
         <p:spPr>
           <a:xfrm>
-            <a:off x="517869" y="2693773"/>
-            <a:ext cx="8686799" cy="3495091"/>
-          </a:xfrm>
-        </p:spPr>
+            <a:off x="527686" y="1549353"/>
+            <a:ext cx="11123585" cy="4928605"/>
+          </a:xfrm>
+        </p:spPr>
+        <p:style>
+          <a:lnRef idx="2">
+            <a:schemeClr val="accent6"/>
+          </a:lnRef>
+          <a:fillRef idx="1">
+            <a:schemeClr val="lt1"/>
+          </a:fillRef>
+          <a:effectRef idx="0">
+            <a:schemeClr val="accent6"/>
+          </a:effectRef>
+          <a:fontRef idx="minor">
+            <a:schemeClr val="dk1"/>
+          </a:fontRef>
+        </p:style>
         <p:txBody>
           <a:bodyPr>
             <a:normAutofit/>
           </a:bodyPr>
           <a:lstStyle/>
           <a:p>
-            <a:r>
-              <a:rPr lang="en-US" b="1" dirty="0">
-                <a:latin typeface="Arial" panose="020B0604020202020204" pitchFamily="34" charset="0"/>
-                <a:cs typeface="Arial" panose="020B0604020202020204" pitchFamily="34" charset="0"/>
-              </a:rPr>
-              <a:t>For Numbers :</a:t>
-            </a:r>
-          </a:p>
-          <a:p>
-            <a:pPr marL="342900" indent="-342900">
-              <a:buFont typeface="Arial" panose="020B0604020202020204" pitchFamily="34" charset="0"/>
-              <a:buChar char="•"/>
-            </a:pPr>
-            <a:r>
-              <a:rPr lang="en-US" dirty="0">
-                <a:latin typeface="Arial" panose="020B0604020202020204" pitchFamily="34" charset="0"/>
-                <a:cs typeface="Arial" panose="020B0604020202020204" pitchFamily="34" charset="0"/>
-              </a:rPr>
-              <a:t>Obtain datasets and train with Spatial Pooler using a scalar encoder.</a:t>
-            </a:r>
-          </a:p>
-          <a:p>
-            <a:pPr marL="342900" indent="-342900">
-              <a:buFont typeface="Arial" panose="020B0604020202020204" pitchFamily="34" charset="0"/>
-              <a:buChar char="•"/>
-            </a:pPr>
-            <a:r>
-              <a:rPr lang="en-US" dirty="0">
-                <a:latin typeface="Arial" panose="020B0604020202020204" pitchFamily="34" charset="0"/>
-                <a:cs typeface="Arial" panose="020B0604020202020204" pitchFamily="34" charset="0"/>
-              </a:rPr>
-              <a:t>Spatial Pooler iteratively trains each sequence until it reaches a stable state.</a:t>
-            </a:r>
-          </a:p>
-          <a:p>
-            <a:pPr marL="342900" indent="-342900">
-              <a:buFont typeface="Arial" panose="020B0604020202020204" pitchFamily="34" charset="0"/>
-              <a:buChar char="•"/>
-            </a:pPr>
-            <a:r>
-              <a:rPr lang="en-US" dirty="0">
-                <a:latin typeface="Arial" panose="020B0604020202020204" pitchFamily="34" charset="0"/>
-                <a:cs typeface="Arial" panose="020B0604020202020204" pitchFamily="34" charset="0"/>
-              </a:rPr>
-              <a:t>HTM is a memory-based system that stores a large number of patterns and sequences.</a:t>
-            </a:r>
-          </a:p>
-        </p:txBody>
-      </p:sp>
+            <a:endParaRPr lang="en-US" dirty="0"/>
+          </a:p>
+        </p:txBody>
+      </p:sp>
+      <p:sp>
+        <p:nvSpPr>
+          <p:cNvPr id="5" name="Oval 4">
+            <a:extLst>
+              <a:ext uri="{FF2B5EF4-FFF2-40B4-BE49-F238E27FC236}">
+                <a16:creationId xmlns:a16="http://schemas.microsoft.com/office/drawing/2014/main" id="{7DC6641C-EF28-FF0A-45EE-2B454883053F}"/>
+              </a:ext>
+            </a:extLst>
+          </p:cNvPr>
+          <p:cNvSpPr/>
+          <p:nvPr/>
+        </p:nvSpPr>
+        <p:spPr>
+          <a:xfrm>
+            <a:off x="1054992" y="1554730"/>
+            <a:ext cx="1746598" cy="659884"/>
+          </a:xfrm>
+          <a:prstGeom prst="ellipse">
+            <a:avLst/>
+          </a:prstGeom>
+        </p:spPr>
+        <p:style>
+          <a:lnRef idx="2">
+            <a:schemeClr val="accent6"/>
+          </a:lnRef>
+          <a:fillRef idx="1">
+            <a:schemeClr val="lt1"/>
+          </a:fillRef>
+          <a:effectRef idx="0">
+            <a:schemeClr val="accent6"/>
+          </a:effectRef>
+          <a:fontRef idx="minor">
+            <a:schemeClr val="dk1"/>
+          </a:fontRef>
+        </p:style>
+        <p:txBody>
+          <a:bodyPr rtlCol="0" anchor="ctr"/>
+          <a:lstStyle/>
+          <a:p>
+            <a:pPr algn="ctr"/>
+            <a:r>
+              <a:rPr lang="en-US" dirty="0"/>
+              <a:t>start</a:t>
+            </a:r>
+          </a:p>
+        </p:txBody>
+      </p:sp>
+      <p:sp>
+        <p:nvSpPr>
+          <p:cNvPr id="15" name="Rounded Rectangle 14">
+            <a:extLst>
+              <a:ext uri="{FF2B5EF4-FFF2-40B4-BE49-F238E27FC236}">
+                <a16:creationId xmlns:a16="http://schemas.microsoft.com/office/drawing/2014/main" id="{397CE3F1-3B82-B84B-1A86-237599C0C089}"/>
+              </a:ext>
+            </a:extLst>
+          </p:cNvPr>
+          <p:cNvSpPr/>
+          <p:nvPr/>
+        </p:nvSpPr>
+        <p:spPr>
+          <a:xfrm>
+            <a:off x="6285790" y="4668048"/>
+            <a:ext cx="1839566" cy="792072"/>
+          </a:xfrm>
+          <a:prstGeom prst="roundRect">
+            <a:avLst/>
+          </a:prstGeom>
+        </p:spPr>
+        <p:style>
+          <a:lnRef idx="2">
+            <a:schemeClr val="accent6"/>
+          </a:lnRef>
+          <a:fillRef idx="1">
+            <a:schemeClr val="lt1"/>
+          </a:fillRef>
+          <a:effectRef idx="0">
+            <a:schemeClr val="accent6"/>
+          </a:effectRef>
+          <a:fontRef idx="minor">
+            <a:schemeClr val="dk1"/>
+          </a:fontRef>
+        </p:style>
+        <p:txBody>
+          <a:bodyPr rtlCol="0" anchor="ctr"/>
+          <a:lstStyle/>
+          <a:p>
+            <a:pPr algn="ctr"/>
+            <a:r>
+              <a:rPr lang="en-US" dirty="0"/>
+              <a:t>Prediction Accuracy percentage</a:t>
+            </a:r>
+          </a:p>
+        </p:txBody>
+      </p:sp>
+      <p:sp>
+        <p:nvSpPr>
+          <p:cNvPr id="16" name="Oval 15">
+            <a:extLst>
+              <a:ext uri="{FF2B5EF4-FFF2-40B4-BE49-F238E27FC236}">
+                <a16:creationId xmlns:a16="http://schemas.microsoft.com/office/drawing/2014/main" id="{2B45E3DA-07BD-7660-8415-B253BF777F35}"/>
+              </a:ext>
+            </a:extLst>
+          </p:cNvPr>
+          <p:cNvSpPr/>
+          <p:nvPr/>
+        </p:nvSpPr>
+        <p:spPr>
+          <a:xfrm>
+            <a:off x="10012972" y="5631520"/>
+            <a:ext cx="1638299" cy="743589"/>
+          </a:xfrm>
+          <a:prstGeom prst="ellipse">
+            <a:avLst/>
+          </a:prstGeom>
+        </p:spPr>
+        <p:style>
+          <a:lnRef idx="2">
+            <a:schemeClr val="accent6"/>
+          </a:lnRef>
+          <a:fillRef idx="1">
+            <a:schemeClr val="lt1"/>
+          </a:fillRef>
+          <a:effectRef idx="0">
+            <a:schemeClr val="accent6"/>
+          </a:effectRef>
+          <a:fontRef idx="minor">
+            <a:schemeClr val="dk1"/>
+          </a:fontRef>
+        </p:style>
+        <p:txBody>
+          <a:bodyPr rtlCol="0" anchor="ctr"/>
+          <a:lstStyle/>
+          <a:p>
+            <a:pPr algn="ctr"/>
+            <a:r>
+              <a:rPr lang="en-US" dirty="0"/>
+              <a:t>End</a:t>
+            </a:r>
+          </a:p>
+        </p:txBody>
+      </p:sp>
+      <p:sp>
+        <p:nvSpPr>
+          <p:cNvPr id="17" name="Down Arrow 16">
+            <a:extLst>
+              <a:ext uri="{FF2B5EF4-FFF2-40B4-BE49-F238E27FC236}">
+                <a16:creationId xmlns:a16="http://schemas.microsoft.com/office/drawing/2014/main" id="{88887668-6271-D7D8-ED26-C066174E009E}"/>
+              </a:ext>
+            </a:extLst>
+          </p:cNvPr>
+          <p:cNvSpPr/>
+          <p:nvPr/>
+        </p:nvSpPr>
+        <p:spPr>
+          <a:xfrm>
+            <a:off x="1788948" y="2214614"/>
+            <a:ext cx="157160" cy="384314"/>
+          </a:xfrm>
+          <a:prstGeom prst="downArrow">
+            <a:avLst/>
+          </a:prstGeom>
+        </p:spPr>
+        <p:style>
+          <a:lnRef idx="2">
+            <a:schemeClr val="accent6"/>
+          </a:lnRef>
+          <a:fillRef idx="1">
+            <a:schemeClr val="lt1"/>
+          </a:fillRef>
+          <a:effectRef idx="0">
+            <a:schemeClr val="accent6"/>
+          </a:effectRef>
+          <a:fontRef idx="minor">
+            <a:schemeClr val="dk1"/>
+          </a:fontRef>
+        </p:style>
+        <p:txBody>
+          <a:bodyPr rtlCol="0" anchor="ctr"/>
+          <a:lstStyle/>
+          <a:p>
+            <a:pPr algn="ctr"/>
+            <a:endParaRPr lang="en-US"/>
+          </a:p>
+        </p:txBody>
+      </p:sp>
+      <p:sp>
+        <p:nvSpPr>
+          <p:cNvPr id="18" name="Down Arrow 17">
+            <a:extLst>
+              <a:ext uri="{FF2B5EF4-FFF2-40B4-BE49-F238E27FC236}">
+                <a16:creationId xmlns:a16="http://schemas.microsoft.com/office/drawing/2014/main" id="{2336F564-34E4-8B70-4E6A-DB84DCD258B8}"/>
+              </a:ext>
+            </a:extLst>
+          </p:cNvPr>
+          <p:cNvSpPr/>
+          <p:nvPr/>
+        </p:nvSpPr>
+        <p:spPr>
+          <a:xfrm>
+            <a:off x="1782522" y="4252721"/>
+            <a:ext cx="163586" cy="344727"/>
+          </a:xfrm>
+          <a:prstGeom prst="downArrow">
+            <a:avLst/>
+          </a:prstGeom>
+        </p:spPr>
+        <p:style>
+          <a:lnRef idx="2">
+            <a:schemeClr val="accent6"/>
+          </a:lnRef>
+          <a:fillRef idx="1">
+            <a:schemeClr val="lt1"/>
+          </a:fillRef>
+          <a:effectRef idx="0">
+            <a:schemeClr val="accent6"/>
+          </a:effectRef>
+          <a:fontRef idx="minor">
+            <a:schemeClr val="dk1"/>
+          </a:fontRef>
+        </p:style>
+        <p:txBody>
+          <a:bodyPr rtlCol="0" anchor="ctr"/>
+          <a:lstStyle/>
+          <a:p>
+            <a:pPr algn="ctr"/>
+            <a:endParaRPr lang="en-US"/>
+          </a:p>
+        </p:txBody>
+      </p:sp>
+      <p:sp>
+        <p:nvSpPr>
+          <p:cNvPr id="9" name="Right Arrow 8">
+            <a:extLst>
+              <a:ext uri="{FF2B5EF4-FFF2-40B4-BE49-F238E27FC236}">
+                <a16:creationId xmlns:a16="http://schemas.microsoft.com/office/drawing/2014/main" id="{56627477-6447-0E82-4ADF-1AA0C507CC8C}"/>
+              </a:ext>
+            </a:extLst>
+          </p:cNvPr>
+          <p:cNvSpPr/>
+          <p:nvPr/>
+        </p:nvSpPr>
+        <p:spPr>
+          <a:xfrm>
+            <a:off x="2801590" y="4789076"/>
+            <a:ext cx="1086043" cy="197708"/>
+          </a:xfrm>
+          <a:prstGeom prst="rightArrow">
+            <a:avLst/>
+          </a:prstGeom>
+        </p:spPr>
+        <p:style>
+          <a:lnRef idx="2">
+            <a:schemeClr val="accent6"/>
+          </a:lnRef>
+          <a:fillRef idx="1">
+            <a:schemeClr val="lt1"/>
+          </a:fillRef>
+          <a:effectRef idx="0">
+            <a:schemeClr val="accent6"/>
+          </a:effectRef>
+          <a:fontRef idx="minor">
+            <a:schemeClr val="dk1"/>
+          </a:fontRef>
+        </p:style>
+        <p:txBody>
+          <a:bodyPr rtlCol="0" anchor="ctr"/>
+          <a:lstStyle/>
+          <a:p>
+            <a:pPr algn="ctr"/>
+            <a:endParaRPr lang="en-US"/>
+          </a:p>
+        </p:txBody>
+      </p:sp>
+      <p:sp>
+        <p:nvSpPr>
+          <p:cNvPr id="11" name="Right Arrow 10">
+            <a:extLst>
+              <a:ext uri="{FF2B5EF4-FFF2-40B4-BE49-F238E27FC236}">
+                <a16:creationId xmlns:a16="http://schemas.microsoft.com/office/drawing/2014/main" id="{3410A266-B8BB-EE85-EA3D-1FF97F82D2ED}"/>
+              </a:ext>
+            </a:extLst>
+          </p:cNvPr>
+          <p:cNvSpPr/>
+          <p:nvPr/>
+        </p:nvSpPr>
+        <p:spPr>
+          <a:xfrm>
+            <a:off x="5588775" y="4837911"/>
+            <a:ext cx="705327" cy="148873"/>
+          </a:xfrm>
+          <a:prstGeom prst="rightArrow">
+            <a:avLst/>
+          </a:prstGeom>
+        </p:spPr>
+        <p:style>
+          <a:lnRef idx="2">
+            <a:schemeClr val="accent6"/>
+          </a:lnRef>
+          <a:fillRef idx="1">
+            <a:schemeClr val="lt1"/>
+          </a:fillRef>
+          <a:effectRef idx="0">
+            <a:schemeClr val="accent6"/>
+          </a:effectRef>
+          <a:fontRef idx="minor">
+            <a:schemeClr val="dk1"/>
+          </a:fontRef>
+        </p:style>
+        <p:txBody>
+          <a:bodyPr rtlCol="0" anchor="ctr"/>
+          <a:lstStyle/>
+          <a:p>
+            <a:pPr algn="ctr"/>
+            <a:endParaRPr lang="en-US"/>
+          </a:p>
+        </p:txBody>
+      </p:sp>
+      <p:sp>
+        <p:nvSpPr>
+          <p:cNvPr id="21" name="Right Arrow 20">
+            <a:extLst>
+              <a:ext uri="{FF2B5EF4-FFF2-40B4-BE49-F238E27FC236}">
+                <a16:creationId xmlns:a16="http://schemas.microsoft.com/office/drawing/2014/main" id="{E362A932-2CCA-A85C-382B-9920ECA90B48}"/>
+              </a:ext>
+            </a:extLst>
+          </p:cNvPr>
+          <p:cNvSpPr/>
+          <p:nvPr/>
+        </p:nvSpPr>
+        <p:spPr>
+          <a:xfrm>
+            <a:off x="8144494" y="4818543"/>
+            <a:ext cx="641160" cy="148873"/>
+          </a:xfrm>
+          <a:prstGeom prst="rightArrow">
+            <a:avLst/>
+          </a:prstGeom>
+        </p:spPr>
+        <p:style>
+          <a:lnRef idx="2">
+            <a:schemeClr val="accent6"/>
+          </a:lnRef>
+          <a:fillRef idx="1">
+            <a:schemeClr val="lt1"/>
+          </a:fillRef>
+          <a:effectRef idx="0">
+            <a:schemeClr val="accent6"/>
+          </a:effectRef>
+          <a:fontRef idx="minor">
+            <a:schemeClr val="dk1"/>
+          </a:fontRef>
+        </p:style>
+        <p:txBody>
+          <a:bodyPr rtlCol="0" anchor="ctr"/>
+          <a:lstStyle/>
+          <a:p>
+            <a:pPr algn="ctr"/>
+            <a:endParaRPr lang="en-US"/>
+          </a:p>
+        </p:txBody>
+      </p:sp>
+      <p:sp>
+        <p:nvSpPr>
+          <p:cNvPr id="4" name="Rounded Rectangle 3">
+            <a:extLst>
+              <a:ext uri="{FF2B5EF4-FFF2-40B4-BE49-F238E27FC236}">
+                <a16:creationId xmlns:a16="http://schemas.microsoft.com/office/drawing/2014/main" id="{D4A40251-7AAB-7045-70B8-EFC431454BA6}"/>
+              </a:ext>
+            </a:extLst>
+          </p:cNvPr>
+          <p:cNvSpPr/>
+          <p:nvPr/>
+        </p:nvSpPr>
+        <p:spPr>
+          <a:xfrm>
+            <a:off x="8805522" y="4589138"/>
+            <a:ext cx="1638300" cy="939455"/>
+          </a:xfrm>
+          <a:prstGeom prst="roundRect">
+            <a:avLst/>
+          </a:prstGeom>
+        </p:spPr>
+        <p:style>
+          <a:lnRef idx="2">
+            <a:schemeClr val="accent6"/>
+          </a:lnRef>
+          <a:fillRef idx="1">
+            <a:schemeClr val="lt1"/>
+          </a:fillRef>
+          <a:effectRef idx="0">
+            <a:schemeClr val="accent6"/>
+          </a:effectRef>
+          <a:fontRef idx="minor">
+            <a:schemeClr val="dk1"/>
+          </a:fontRef>
+        </p:style>
+        <p:txBody>
+          <a:bodyPr rtlCol="0" anchor="ctr"/>
+          <a:lstStyle/>
+          <a:p>
+            <a:pPr algn="ctr"/>
+            <a:r>
+              <a:rPr lang="en-US" dirty="0"/>
+              <a:t>Storing the result in a file</a:t>
+            </a:r>
+          </a:p>
+        </p:txBody>
+      </p:sp>
+      <p:cxnSp>
+        <p:nvCxnSpPr>
+          <p:cNvPr id="12" name="Elbow Connector 11">
+            <a:extLst>
+              <a:ext uri="{FF2B5EF4-FFF2-40B4-BE49-F238E27FC236}">
+                <a16:creationId xmlns:a16="http://schemas.microsoft.com/office/drawing/2014/main" id="{D844C34E-6877-E658-A3AA-CF00666EB3D6}"/>
+              </a:ext>
+            </a:extLst>
+          </p:cNvPr>
+          <p:cNvCxnSpPr>
+            <a:cxnSpLocks/>
+          </p:cNvCxnSpPr>
+          <p:nvPr/>
+        </p:nvCxnSpPr>
+        <p:spPr>
+          <a:xfrm>
+            <a:off x="10443822" y="4880669"/>
+            <a:ext cx="518970" cy="743590"/>
+          </a:xfrm>
+          <a:prstGeom prst="bentConnector2">
+            <a:avLst/>
+          </a:prstGeom>
+          <a:ln>
+            <a:tailEnd type="triangle"/>
+          </a:ln>
+        </p:spPr>
+        <p:style>
+          <a:lnRef idx="1">
+            <a:schemeClr val="accent2"/>
+          </a:lnRef>
+          <a:fillRef idx="0">
+            <a:schemeClr val="accent2"/>
+          </a:fillRef>
+          <a:effectRef idx="0">
+            <a:schemeClr val="accent2"/>
+          </a:effectRef>
+          <a:fontRef idx="minor">
+            <a:schemeClr val="tx1"/>
+          </a:fontRef>
+        </p:style>
+      </p:cxnSp>
+      <p:sp>
+        <p:nvSpPr>
+          <p:cNvPr id="19" name="Rounded Rectangle 18">
+            <a:extLst>
+              <a:ext uri="{FF2B5EF4-FFF2-40B4-BE49-F238E27FC236}">
+                <a16:creationId xmlns:a16="http://schemas.microsoft.com/office/drawing/2014/main" id="{6D82EB05-2B37-FE9E-A30C-5F92C79027E5}"/>
+              </a:ext>
+            </a:extLst>
+          </p:cNvPr>
+          <p:cNvSpPr/>
+          <p:nvPr/>
+        </p:nvSpPr>
+        <p:spPr>
+          <a:xfrm>
+            <a:off x="3870400" y="4577099"/>
+            <a:ext cx="1669900" cy="951494"/>
+          </a:xfrm>
+          <a:prstGeom prst="roundRect">
+            <a:avLst/>
+          </a:prstGeom>
+        </p:spPr>
+        <p:style>
+          <a:lnRef idx="2">
+            <a:schemeClr val="accent6"/>
+          </a:lnRef>
+          <a:fillRef idx="1">
+            <a:schemeClr val="lt1"/>
+          </a:fillRef>
+          <a:effectRef idx="0">
+            <a:schemeClr val="accent6"/>
+          </a:effectRef>
+          <a:fontRef idx="minor">
+            <a:schemeClr val="dk1"/>
+          </a:fontRef>
+        </p:style>
+        <p:txBody>
+          <a:bodyPr rtlCol="0" anchor="ctr"/>
+          <a:lstStyle/>
+          <a:p>
+            <a:pPr algn="ctr"/>
+            <a:r>
+              <a:rPr lang="en-US" dirty="0"/>
+              <a:t>Enter Test-Data Sequences</a:t>
+            </a:r>
+          </a:p>
+        </p:txBody>
+      </p:sp>
+      <p:sp>
+        <p:nvSpPr>
+          <p:cNvPr id="20" name="Rounded Rectangle 19">
+            <a:extLst>
+              <a:ext uri="{FF2B5EF4-FFF2-40B4-BE49-F238E27FC236}">
+                <a16:creationId xmlns:a16="http://schemas.microsoft.com/office/drawing/2014/main" id="{EBA852CD-302B-550D-3C0E-1B1EBFF12880}"/>
+              </a:ext>
+            </a:extLst>
+          </p:cNvPr>
+          <p:cNvSpPr/>
+          <p:nvPr/>
+        </p:nvSpPr>
+        <p:spPr>
+          <a:xfrm>
+            <a:off x="999185" y="4597448"/>
+            <a:ext cx="1903760" cy="933273"/>
+          </a:xfrm>
+          <a:prstGeom prst="roundRect">
+            <a:avLst/>
+          </a:prstGeom>
+        </p:spPr>
+        <p:style>
+          <a:lnRef idx="2">
+            <a:schemeClr val="accent6"/>
+          </a:lnRef>
+          <a:fillRef idx="1">
+            <a:schemeClr val="lt1"/>
+          </a:fillRef>
+          <a:effectRef idx="0">
+            <a:schemeClr val="accent6"/>
+          </a:effectRef>
+          <a:fontRef idx="minor">
+            <a:schemeClr val="dk1"/>
+          </a:fontRef>
+        </p:style>
+        <p:txBody>
+          <a:bodyPr rtlCol="0" anchor="ctr"/>
+          <a:lstStyle/>
+          <a:p>
+            <a:pPr algn="ctr"/>
+            <a:r>
+              <a:rPr lang="en-US" dirty="0"/>
+              <a:t>Train Datasets</a:t>
+            </a:r>
+          </a:p>
+        </p:txBody>
+      </p:sp>
+      <p:sp>
+        <p:nvSpPr>
+          <p:cNvPr id="22" name="Rounded Rectangle 21">
+            <a:extLst>
+              <a:ext uri="{FF2B5EF4-FFF2-40B4-BE49-F238E27FC236}">
+                <a16:creationId xmlns:a16="http://schemas.microsoft.com/office/drawing/2014/main" id="{08DB2331-8D4B-27D3-CC83-C8AAC74B96FD}"/>
+              </a:ext>
+            </a:extLst>
+          </p:cNvPr>
+          <p:cNvSpPr/>
+          <p:nvPr/>
+        </p:nvSpPr>
+        <p:spPr>
+          <a:xfrm>
+            <a:off x="782248" y="2598928"/>
+            <a:ext cx="2183607" cy="802843"/>
+          </a:xfrm>
+          <a:prstGeom prst="roundRect">
+            <a:avLst/>
+          </a:prstGeom>
+        </p:spPr>
+        <p:style>
+          <a:lnRef idx="2">
+            <a:schemeClr val="accent6"/>
+          </a:lnRef>
+          <a:fillRef idx="1">
+            <a:schemeClr val="lt1"/>
+          </a:fillRef>
+          <a:effectRef idx="0">
+            <a:schemeClr val="accent6"/>
+          </a:effectRef>
+          <a:fontRef idx="minor">
+            <a:schemeClr val="dk1"/>
+          </a:fontRef>
+        </p:style>
+        <p:txBody>
+          <a:bodyPr rtlCol="0" anchor="ctr"/>
+          <a:lstStyle/>
+          <a:p>
+            <a:pPr algn="ctr"/>
+            <a:r>
+              <a:rPr lang="en-US" dirty="0"/>
+              <a:t>Multi-Sequences stored in the file</a:t>
+            </a:r>
+          </a:p>
+        </p:txBody>
+      </p:sp>
+      <p:sp>
+        <p:nvSpPr>
+          <p:cNvPr id="6" name="Diamond 5">
+            <a:extLst>
+              <a:ext uri="{FF2B5EF4-FFF2-40B4-BE49-F238E27FC236}">
+                <a16:creationId xmlns:a16="http://schemas.microsoft.com/office/drawing/2014/main" id="{4B0276D0-9B9B-F202-5EF7-CFDEAD06B2BE}"/>
+              </a:ext>
+            </a:extLst>
+          </p:cNvPr>
+          <p:cNvSpPr/>
+          <p:nvPr/>
+        </p:nvSpPr>
+        <p:spPr>
+          <a:xfrm>
+            <a:off x="922171" y="3682289"/>
+            <a:ext cx="1903760" cy="583246"/>
+          </a:xfrm>
+          <a:prstGeom prst="diamond">
+            <a:avLst/>
+          </a:prstGeom>
+        </p:spPr>
+        <p:style>
+          <a:lnRef idx="2">
+            <a:schemeClr val="accent6"/>
+          </a:lnRef>
+          <a:fillRef idx="1">
+            <a:schemeClr val="lt1"/>
+          </a:fillRef>
+          <a:effectRef idx="0">
+            <a:schemeClr val="accent6"/>
+          </a:effectRef>
+          <a:fontRef idx="minor">
+            <a:schemeClr val="dk1"/>
+          </a:fontRef>
+        </p:style>
+        <p:txBody>
+          <a:bodyPr rtlCol="0" anchor="ctr"/>
+          <a:lstStyle/>
+          <a:p>
+            <a:pPr algn="ctr"/>
+            <a:r>
+              <a:rPr lang="en-US" dirty="0"/>
+              <a:t>File exists</a:t>
+            </a:r>
+          </a:p>
+        </p:txBody>
+      </p:sp>
+      <p:sp>
+        <p:nvSpPr>
+          <p:cNvPr id="14" name="Down Arrow 13">
+            <a:extLst>
+              <a:ext uri="{FF2B5EF4-FFF2-40B4-BE49-F238E27FC236}">
+                <a16:creationId xmlns:a16="http://schemas.microsoft.com/office/drawing/2014/main" id="{940ABA65-4167-E064-54A7-87B6CC70754C}"/>
+              </a:ext>
+            </a:extLst>
+          </p:cNvPr>
+          <p:cNvSpPr/>
+          <p:nvPr/>
+        </p:nvSpPr>
+        <p:spPr>
+          <a:xfrm>
+            <a:off x="1788948" y="3428997"/>
+            <a:ext cx="157160" cy="236613"/>
+          </a:xfrm>
+          <a:prstGeom prst="downArrow">
+            <a:avLst/>
+          </a:prstGeom>
+        </p:spPr>
+        <p:style>
+          <a:lnRef idx="2">
+            <a:schemeClr val="accent6"/>
+          </a:lnRef>
+          <a:fillRef idx="1">
+            <a:schemeClr val="lt1"/>
+          </a:fillRef>
+          <a:effectRef idx="0">
+            <a:schemeClr val="accent6"/>
+          </a:effectRef>
+          <a:fontRef idx="minor">
+            <a:schemeClr val="dk1"/>
+          </a:fontRef>
+        </p:style>
+        <p:txBody>
+          <a:bodyPr rtlCol="0" anchor="ctr"/>
+          <a:lstStyle/>
+          <a:p>
+            <a:pPr algn="ctr"/>
+            <a:endParaRPr lang="en-US"/>
+          </a:p>
+        </p:txBody>
+      </p:sp>
+      <p:cxnSp>
+        <p:nvCxnSpPr>
+          <p:cNvPr id="28" name="Elbow Connector 27">
+            <a:extLst>
+              <a:ext uri="{FF2B5EF4-FFF2-40B4-BE49-F238E27FC236}">
+                <a16:creationId xmlns:a16="http://schemas.microsoft.com/office/drawing/2014/main" id="{9F6A94F4-2454-3A6D-31E3-ADD6F732B04F}"/>
+              </a:ext>
+            </a:extLst>
+          </p:cNvPr>
+          <p:cNvCxnSpPr>
+            <a:stCxn id="6" idx="1"/>
+          </p:cNvCxnSpPr>
+          <p:nvPr/>
+        </p:nvCxnSpPr>
+        <p:spPr>
+          <a:xfrm rot="10800000" flipH="1" flipV="1">
+            <a:off x="922170" y="3973912"/>
+            <a:ext cx="9090801" cy="2029402"/>
+          </a:xfrm>
+          <a:prstGeom prst="bentConnector3">
+            <a:avLst>
+              <a:gd name="adj1" fmla="val -2515"/>
+            </a:avLst>
+          </a:prstGeom>
+          <a:ln>
+            <a:tailEnd type="triangle"/>
+          </a:ln>
+        </p:spPr>
+        <p:style>
+          <a:lnRef idx="1">
+            <a:schemeClr val="accent2"/>
+          </a:lnRef>
+          <a:fillRef idx="0">
+            <a:schemeClr val="accent2"/>
+          </a:fillRef>
+          <a:effectRef idx="0">
+            <a:schemeClr val="accent2"/>
+          </a:effectRef>
+          <a:fontRef idx="minor">
+            <a:schemeClr val="tx1"/>
+          </a:fontRef>
+        </p:style>
+      </p:cxnSp>
     </p:spTree>
     <p:extLst>
       <p:ext uri="{BB962C8B-B14F-4D97-AF65-F5344CB8AC3E}">
-        <p14:creationId xmlns:p14="http://schemas.microsoft.com/office/powerpoint/2010/main" val="3177780836"/>
+        <p14:creationId xmlns:p14="http://schemas.microsoft.com/office/powerpoint/2010/main" val="2487824199"/>
       </p:ext>
     </p:extLst>
   </p:cSld>
@@ -7817,7 +6011,7 @@
           <p:cNvPr id="2" name="Title 1">
             <a:extLst>
               <a:ext uri="{FF2B5EF4-FFF2-40B4-BE49-F238E27FC236}">
-                <a16:creationId xmlns:a16="http://schemas.microsoft.com/office/drawing/2014/main" id="{5F104249-400B-AD3A-F382-C91918689B2C}"/>
+                <a16:creationId xmlns:a16="http://schemas.microsoft.com/office/drawing/2014/main" id="{0C681EFA-DFBD-EA24-AC3F-12C9EBAF7CF8}"/>
               </a:ext>
             </a:extLst>
           </p:cNvPr>
@@ -7830,8 +6024,8 @@
         </p:nvSpPr>
         <p:spPr>
           <a:xfrm>
-            <a:off x="540729" y="796484"/>
-            <a:ext cx="8686800" cy="951494"/>
+            <a:off x="517869" y="785813"/>
+            <a:ext cx="8686800" cy="1000125"/>
           </a:xfrm>
         </p:spPr>
         <p:txBody>
@@ -7841,11 +6035,8 @@
           <a:lstStyle/>
           <a:p>
             <a:r>
-              <a:rPr lang="en-US" sz="4000" dirty="0">
-                <a:latin typeface="Arial" panose="020B0604020202020204" pitchFamily="34" charset="0"/>
-                <a:cs typeface="Arial" panose="020B0604020202020204" pitchFamily="34" charset="0"/>
-              </a:rPr>
-              <a:t>FLOW-CHART</a:t>
+              <a:rPr lang="en-US" dirty="0"/>
+              <a:t>RESULT</a:t>
             </a:r>
           </a:p>
         </p:txBody>
@@ -7918,7 +6109,7 @@
           <p:cNvPr id="3" name="Content Placeholder 2">
             <a:extLst>
               <a:ext uri="{FF2B5EF4-FFF2-40B4-BE49-F238E27FC236}">
-                <a16:creationId xmlns:a16="http://schemas.microsoft.com/office/drawing/2014/main" id="{7F00A25F-4CA4-D443-D525-EEE4B67C7EC0}"/>
+                <a16:creationId xmlns:a16="http://schemas.microsoft.com/office/drawing/2014/main" id="{DC9DCE16-5795-F601-83AE-2E602180EE3A}"/>
               </a:ext>
             </a:extLst>
           </p:cNvPr>
@@ -7931,24 +6122,10 @@
         </p:nvSpPr>
         <p:spPr>
           <a:xfrm>
-            <a:off x="527686" y="1549353"/>
-            <a:ext cx="11123585" cy="4928605"/>
-          </a:xfrm>
-        </p:spPr>
-        <p:style>
-          <a:lnRef idx="2">
-            <a:schemeClr val="accent6"/>
-          </a:lnRef>
-          <a:fillRef idx="1">
-            <a:schemeClr val="lt1"/>
-          </a:fillRef>
-          <a:effectRef idx="0">
-            <a:schemeClr val="accent6"/>
-          </a:effectRef>
-          <a:fontRef idx="minor">
-            <a:schemeClr val="dk1"/>
-          </a:fontRef>
-        </p:style>
+            <a:off x="517869" y="3172570"/>
+            <a:ext cx="8686799" cy="3016294"/>
+          </a:xfrm>
+        </p:spPr>
         <p:txBody>
           <a:bodyPr>
             <a:normAutofit/>
@@ -7959,734 +6136,10 @@
           </a:p>
         </p:txBody>
       </p:sp>
-      <p:sp>
-        <p:nvSpPr>
-          <p:cNvPr id="5" name="Oval 4">
-            <a:extLst>
-              <a:ext uri="{FF2B5EF4-FFF2-40B4-BE49-F238E27FC236}">
-                <a16:creationId xmlns:a16="http://schemas.microsoft.com/office/drawing/2014/main" id="{7DC6641C-EF28-FF0A-45EE-2B454883053F}"/>
-              </a:ext>
-            </a:extLst>
-          </p:cNvPr>
-          <p:cNvSpPr/>
-          <p:nvPr/>
-        </p:nvSpPr>
-        <p:spPr>
-          <a:xfrm>
-            <a:off x="1054992" y="1554730"/>
-            <a:ext cx="1746598" cy="659884"/>
-          </a:xfrm>
-          <a:prstGeom prst="ellipse">
-            <a:avLst/>
-          </a:prstGeom>
-        </p:spPr>
-        <p:style>
-          <a:lnRef idx="2">
-            <a:schemeClr val="accent6"/>
-          </a:lnRef>
-          <a:fillRef idx="1">
-            <a:schemeClr val="lt1"/>
-          </a:fillRef>
-          <a:effectRef idx="0">
-            <a:schemeClr val="accent6"/>
-          </a:effectRef>
-          <a:fontRef idx="minor">
-            <a:schemeClr val="dk1"/>
-          </a:fontRef>
-        </p:style>
-        <p:txBody>
-          <a:bodyPr rtlCol="0" anchor="ctr"/>
-          <a:lstStyle/>
-          <a:p>
-            <a:pPr algn="ctr"/>
-            <a:r>
-              <a:rPr lang="en-US" dirty="0"/>
-              <a:t>start</a:t>
-            </a:r>
-          </a:p>
-        </p:txBody>
-      </p:sp>
-      <p:sp>
-        <p:nvSpPr>
-          <p:cNvPr id="15" name="Rounded Rectangle 14">
-            <a:extLst>
-              <a:ext uri="{FF2B5EF4-FFF2-40B4-BE49-F238E27FC236}">
-                <a16:creationId xmlns:a16="http://schemas.microsoft.com/office/drawing/2014/main" id="{397CE3F1-3B82-B84B-1A86-237599C0C089}"/>
-              </a:ext>
-            </a:extLst>
-          </p:cNvPr>
-          <p:cNvSpPr/>
-          <p:nvPr/>
-        </p:nvSpPr>
-        <p:spPr>
-          <a:xfrm>
-            <a:off x="6285790" y="4668048"/>
-            <a:ext cx="1839566" cy="792072"/>
-          </a:xfrm>
-          <a:prstGeom prst="roundRect">
-            <a:avLst/>
-          </a:prstGeom>
-        </p:spPr>
-        <p:style>
-          <a:lnRef idx="2">
-            <a:schemeClr val="accent6"/>
-          </a:lnRef>
-          <a:fillRef idx="1">
-            <a:schemeClr val="lt1"/>
-          </a:fillRef>
-          <a:effectRef idx="0">
-            <a:schemeClr val="accent6"/>
-          </a:effectRef>
-          <a:fontRef idx="minor">
-            <a:schemeClr val="dk1"/>
-          </a:fontRef>
-        </p:style>
-        <p:txBody>
-          <a:bodyPr rtlCol="0" anchor="ctr"/>
-          <a:lstStyle/>
-          <a:p>
-            <a:pPr algn="ctr"/>
-            <a:r>
-              <a:rPr lang="en-US" dirty="0"/>
-              <a:t>Prediction Accuracy percentage</a:t>
-            </a:r>
-          </a:p>
-        </p:txBody>
-      </p:sp>
-      <p:sp>
-        <p:nvSpPr>
-          <p:cNvPr id="16" name="Oval 15">
-            <a:extLst>
-              <a:ext uri="{FF2B5EF4-FFF2-40B4-BE49-F238E27FC236}">
-                <a16:creationId xmlns:a16="http://schemas.microsoft.com/office/drawing/2014/main" id="{2B45E3DA-07BD-7660-8415-B253BF777F35}"/>
-              </a:ext>
-            </a:extLst>
-          </p:cNvPr>
-          <p:cNvSpPr/>
-          <p:nvPr/>
-        </p:nvSpPr>
-        <p:spPr>
-          <a:xfrm>
-            <a:off x="10012972" y="5631520"/>
-            <a:ext cx="1638299" cy="743589"/>
-          </a:xfrm>
-          <a:prstGeom prst="ellipse">
-            <a:avLst/>
-          </a:prstGeom>
-        </p:spPr>
-        <p:style>
-          <a:lnRef idx="2">
-            <a:schemeClr val="accent6"/>
-          </a:lnRef>
-          <a:fillRef idx="1">
-            <a:schemeClr val="lt1"/>
-          </a:fillRef>
-          <a:effectRef idx="0">
-            <a:schemeClr val="accent6"/>
-          </a:effectRef>
-          <a:fontRef idx="minor">
-            <a:schemeClr val="dk1"/>
-          </a:fontRef>
-        </p:style>
-        <p:txBody>
-          <a:bodyPr rtlCol="0" anchor="ctr"/>
-          <a:lstStyle/>
-          <a:p>
-            <a:pPr algn="ctr"/>
-            <a:r>
-              <a:rPr lang="en-US" dirty="0"/>
-              <a:t>End</a:t>
-            </a:r>
-          </a:p>
-        </p:txBody>
-      </p:sp>
-      <p:sp>
-        <p:nvSpPr>
-          <p:cNvPr id="17" name="Down Arrow 16">
-            <a:extLst>
-              <a:ext uri="{FF2B5EF4-FFF2-40B4-BE49-F238E27FC236}">
-                <a16:creationId xmlns:a16="http://schemas.microsoft.com/office/drawing/2014/main" id="{88887668-6271-D7D8-ED26-C066174E009E}"/>
-              </a:ext>
-            </a:extLst>
-          </p:cNvPr>
-          <p:cNvSpPr/>
-          <p:nvPr/>
-        </p:nvSpPr>
-        <p:spPr>
-          <a:xfrm>
-            <a:off x="1788948" y="2214614"/>
-            <a:ext cx="157160" cy="384314"/>
-          </a:xfrm>
-          <a:prstGeom prst="downArrow">
-            <a:avLst/>
-          </a:prstGeom>
-        </p:spPr>
-        <p:style>
-          <a:lnRef idx="2">
-            <a:schemeClr val="accent6"/>
-          </a:lnRef>
-          <a:fillRef idx="1">
-            <a:schemeClr val="lt1"/>
-          </a:fillRef>
-          <a:effectRef idx="0">
-            <a:schemeClr val="accent6"/>
-          </a:effectRef>
-          <a:fontRef idx="minor">
-            <a:schemeClr val="dk1"/>
-          </a:fontRef>
-        </p:style>
-        <p:txBody>
-          <a:bodyPr rtlCol="0" anchor="ctr"/>
-          <a:lstStyle/>
-          <a:p>
-            <a:pPr algn="ctr"/>
-            <a:endParaRPr lang="en-US"/>
-          </a:p>
-        </p:txBody>
-      </p:sp>
-      <p:sp>
-        <p:nvSpPr>
-          <p:cNvPr id="18" name="Down Arrow 17">
-            <a:extLst>
-              <a:ext uri="{FF2B5EF4-FFF2-40B4-BE49-F238E27FC236}">
-                <a16:creationId xmlns:a16="http://schemas.microsoft.com/office/drawing/2014/main" id="{2336F564-34E4-8B70-4E6A-DB84DCD258B8}"/>
-              </a:ext>
-            </a:extLst>
-          </p:cNvPr>
-          <p:cNvSpPr/>
-          <p:nvPr/>
-        </p:nvSpPr>
-        <p:spPr>
-          <a:xfrm>
-            <a:off x="1782522" y="4252721"/>
-            <a:ext cx="163586" cy="344727"/>
-          </a:xfrm>
-          <a:prstGeom prst="downArrow">
-            <a:avLst/>
-          </a:prstGeom>
-        </p:spPr>
-        <p:style>
-          <a:lnRef idx="2">
-            <a:schemeClr val="accent6"/>
-          </a:lnRef>
-          <a:fillRef idx="1">
-            <a:schemeClr val="lt1"/>
-          </a:fillRef>
-          <a:effectRef idx="0">
-            <a:schemeClr val="accent6"/>
-          </a:effectRef>
-          <a:fontRef idx="minor">
-            <a:schemeClr val="dk1"/>
-          </a:fontRef>
-        </p:style>
-        <p:txBody>
-          <a:bodyPr rtlCol="0" anchor="ctr"/>
-          <a:lstStyle/>
-          <a:p>
-            <a:pPr algn="ctr"/>
-            <a:endParaRPr lang="en-US"/>
-          </a:p>
-        </p:txBody>
-      </p:sp>
-      <p:sp>
-        <p:nvSpPr>
-          <p:cNvPr id="9" name="Right Arrow 8">
-            <a:extLst>
-              <a:ext uri="{FF2B5EF4-FFF2-40B4-BE49-F238E27FC236}">
-                <a16:creationId xmlns:a16="http://schemas.microsoft.com/office/drawing/2014/main" id="{56627477-6447-0E82-4ADF-1AA0C507CC8C}"/>
-              </a:ext>
-            </a:extLst>
-          </p:cNvPr>
-          <p:cNvSpPr/>
-          <p:nvPr/>
-        </p:nvSpPr>
-        <p:spPr>
-          <a:xfrm>
-            <a:off x="2801590" y="4789076"/>
-            <a:ext cx="1086043" cy="197708"/>
-          </a:xfrm>
-          <a:prstGeom prst="rightArrow">
-            <a:avLst/>
-          </a:prstGeom>
-        </p:spPr>
-        <p:style>
-          <a:lnRef idx="2">
-            <a:schemeClr val="accent6"/>
-          </a:lnRef>
-          <a:fillRef idx="1">
-            <a:schemeClr val="lt1"/>
-          </a:fillRef>
-          <a:effectRef idx="0">
-            <a:schemeClr val="accent6"/>
-          </a:effectRef>
-          <a:fontRef idx="minor">
-            <a:schemeClr val="dk1"/>
-          </a:fontRef>
-        </p:style>
-        <p:txBody>
-          <a:bodyPr rtlCol="0" anchor="ctr"/>
-          <a:lstStyle/>
-          <a:p>
-            <a:pPr algn="ctr"/>
-            <a:endParaRPr lang="en-US"/>
-          </a:p>
-        </p:txBody>
-      </p:sp>
-      <p:sp>
-        <p:nvSpPr>
-          <p:cNvPr id="11" name="Right Arrow 10">
-            <a:extLst>
-              <a:ext uri="{FF2B5EF4-FFF2-40B4-BE49-F238E27FC236}">
-                <a16:creationId xmlns:a16="http://schemas.microsoft.com/office/drawing/2014/main" id="{3410A266-B8BB-EE85-EA3D-1FF97F82D2ED}"/>
-              </a:ext>
-            </a:extLst>
-          </p:cNvPr>
-          <p:cNvSpPr/>
-          <p:nvPr/>
-        </p:nvSpPr>
-        <p:spPr>
-          <a:xfrm>
-            <a:off x="5588775" y="4837911"/>
-            <a:ext cx="705327" cy="148873"/>
-          </a:xfrm>
-          <a:prstGeom prst="rightArrow">
-            <a:avLst/>
-          </a:prstGeom>
-        </p:spPr>
-        <p:style>
-          <a:lnRef idx="2">
-            <a:schemeClr val="accent6"/>
-          </a:lnRef>
-          <a:fillRef idx="1">
-            <a:schemeClr val="lt1"/>
-          </a:fillRef>
-          <a:effectRef idx="0">
-            <a:schemeClr val="accent6"/>
-          </a:effectRef>
-          <a:fontRef idx="minor">
-            <a:schemeClr val="dk1"/>
-          </a:fontRef>
-        </p:style>
-        <p:txBody>
-          <a:bodyPr rtlCol="0" anchor="ctr"/>
-          <a:lstStyle/>
-          <a:p>
-            <a:pPr algn="ctr"/>
-            <a:endParaRPr lang="en-US"/>
-          </a:p>
-        </p:txBody>
-      </p:sp>
-      <p:sp>
-        <p:nvSpPr>
-          <p:cNvPr id="21" name="Right Arrow 20">
-            <a:extLst>
-              <a:ext uri="{FF2B5EF4-FFF2-40B4-BE49-F238E27FC236}">
-                <a16:creationId xmlns:a16="http://schemas.microsoft.com/office/drawing/2014/main" id="{E362A932-2CCA-A85C-382B-9920ECA90B48}"/>
-              </a:ext>
-            </a:extLst>
-          </p:cNvPr>
-          <p:cNvSpPr/>
-          <p:nvPr/>
-        </p:nvSpPr>
-        <p:spPr>
-          <a:xfrm>
-            <a:off x="8144494" y="4818543"/>
-            <a:ext cx="641160" cy="148873"/>
-          </a:xfrm>
-          <a:prstGeom prst="rightArrow">
-            <a:avLst/>
-          </a:prstGeom>
-        </p:spPr>
-        <p:style>
-          <a:lnRef idx="2">
-            <a:schemeClr val="accent6"/>
-          </a:lnRef>
-          <a:fillRef idx="1">
-            <a:schemeClr val="lt1"/>
-          </a:fillRef>
-          <a:effectRef idx="0">
-            <a:schemeClr val="accent6"/>
-          </a:effectRef>
-          <a:fontRef idx="minor">
-            <a:schemeClr val="dk1"/>
-          </a:fontRef>
-        </p:style>
-        <p:txBody>
-          <a:bodyPr rtlCol="0" anchor="ctr"/>
-          <a:lstStyle/>
-          <a:p>
-            <a:pPr algn="ctr"/>
-            <a:endParaRPr lang="en-US"/>
-          </a:p>
-        </p:txBody>
-      </p:sp>
-      <p:sp>
-        <p:nvSpPr>
-          <p:cNvPr id="4" name="Rounded Rectangle 3">
-            <a:extLst>
-              <a:ext uri="{FF2B5EF4-FFF2-40B4-BE49-F238E27FC236}">
-                <a16:creationId xmlns:a16="http://schemas.microsoft.com/office/drawing/2014/main" id="{D4A40251-7AAB-7045-70B8-EFC431454BA6}"/>
-              </a:ext>
-            </a:extLst>
-          </p:cNvPr>
-          <p:cNvSpPr/>
-          <p:nvPr/>
-        </p:nvSpPr>
-        <p:spPr>
-          <a:xfrm>
-            <a:off x="8805522" y="4589138"/>
-            <a:ext cx="1638300" cy="939455"/>
-          </a:xfrm>
-          <a:prstGeom prst="roundRect">
-            <a:avLst/>
-          </a:prstGeom>
-        </p:spPr>
-        <p:style>
-          <a:lnRef idx="2">
-            <a:schemeClr val="accent6"/>
-          </a:lnRef>
-          <a:fillRef idx="1">
-            <a:schemeClr val="lt1"/>
-          </a:fillRef>
-          <a:effectRef idx="0">
-            <a:schemeClr val="accent6"/>
-          </a:effectRef>
-          <a:fontRef idx="minor">
-            <a:schemeClr val="dk1"/>
-          </a:fontRef>
-        </p:style>
-        <p:txBody>
-          <a:bodyPr rtlCol="0" anchor="ctr"/>
-          <a:lstStyle/>
-          <a:p>
-            <a:pPr algn="ctr"/>
-            <a:r>
-              <a:rPr lang="en-US" dirty="0"/>
-              <a:t>Storing the result in a file</a:t>
-            </a:r>
-          </a:p>
-        </p:txBody>
-      </p:sp>
-      <p:cxnSp>
-        <p:nvCxnSpPr>
-          <p:cNvPr id="12" name="Elbow Connector 11">
-            <a:extLst>
-              <a:ext uri="{FF2B5EF4-FFF2-40B4-BE49-F238E27FC236}">
-                <a16:creationId xmlns:a16="http://schemas.microsoft.com/office/drawing/2014/main" id="{D844C34E-6877-E658-A3AA-CF00666EB3D6}"/>
-              </a:ext>
-            </a:extLst>
-          </p:cNvPr>
-          <p:cNvCxnSpPr>
-            <a:cxnSpLocks/>
-          </p:cNvCxnSpPr>
-          <p:nvPr/>
-        </p:nvCxnSpPr>
-        <p:spPr>
-          <a:xfrm>
-            <a:off x="10443822" y="4880669"/>
-            <a:ext cx="518970" cy="743590"/>
-          </a:xfrm>
-          <a:prstGeom prst="bentConnector2">
-            <a:avLst/>
-          </a:prstGeom>
-          <a:ln>
-            <a:tailEnd type="triangle"/>
-          </a:ln>
-        </p:spPr>
-        <p:style>
-          <a:lnRef idx="1">
-            <a:schemeClr val="accent2"/>
-          </a:lnRef>
-          <a:fillRef idx="0">
-            <a:schemeClr val="accent2"/>
-          </a:fillRef>
-          <a:effectRef idx="0">
-            <a:schemeClr val="accent2"/>
-          </a:effectRef>
-          <a:fontRef idx="minor">
-            <a:schemeClr val="tx1"/>
-          </a:fontRef>
-        </p:style>
-      </p:cxnSp>
-      <p:sp>
-        <p:nvSpPr>
-          <p:cNvPr id="19" name="Rounded Rectangle 18">
-            <a:extLst>
-              <a:ext uri="{FF2B5EF4-FFF2-40B4-BE49-F238E27FC236}">
-                <a16:creationId xmlns:a16="http://schemas.microsoft.com/office/drawing/2014/main" id="{6D82EB05-2B37-FE9E-A30C-5F92C79027E5}"/>
-              </a:ext>
-            </a:extLst>
-          </p:cNvPr>
-          <p:cNvSpPr/>
-          <p:nvPr/>
-        </p:nvSpPr>
-        <p:spPr>
-          <a:xfrm>
-            <a:off x="3870400" y="4577099"/>
-            <a:ext cx="1669900" cy="951494"/>
-          </a:xfrm>
-          <a:prstGeom prst="roundRect">
-            <a:avLst/>
-          </a:prstGeom>
-        </p:spPr>
-        <p:style>
-          <a:lnRef idx="2">
-            <a:schemeClr val="accent6"/>
-          </a:lnRef>
-          <a:fillRef idx="1">
-            <a:schemeClr val="lt1"/>
-          </a:fillRef>
-          <a:effectRef idx="0">
-            <a:schemeClr val="accent6"/>
-          </a:effectRef>
-          <a:fontRef idx="minor">
-            <a:schemeClr val="dk1"/>
-          </a:fontRef>
-        </p:style>
-        <p:txBody>
-          <a:bodyPr rtlCol="0" anchor="ctr"/>
-          <a:lstStyle/>
-          <a:p>
-            <a:pPr algn="ctr"/>
-            <a:r>
-              <a:rPr lang="en-US" dirty="0"/>
-              <a:t>Enter Test-Data Sequences</a:t>
-            </a:r>
-          </a:p>
-        </p:txBody>
-      </p:sp>
-      <p:sp>
-        <p:nvSpPr>
-          <p:cNvPr id="20" name="Rounded Rectangle 19">
-            <a:extLst>
-              <a:ext uri="{FF2B5EF4-FFF2-40B4-BE49-F238E27FC236}">
-                <a16:creationId xmlns:a16="http://schemas.microsoft.com/office/drawing/2014/main" id="{EBA852CD-302B-550D-3C0E-1B1EBFF12880}"/>
-              </a:ext>
-            </a:extLst>
-          </p:cNvPr>
-          <p:cNvSpPr/>
-          <p:nvPr/>
-        </p:nvSpPr>
-        <p:spPr>
-          <a:xfrm>
-            <a:off x="999185" y="4597448"/>
-            <a:ext cx="1903760" cy="933273"/>
-          </a:xfrm>
-          <a:prstGeom prst="roundRect">
-            <a:avLst/>
-          </a:prstGeom>
-        </p:spPr>
-        <p:style>
-          <a:lnRef idx="2">
-            <a:schemeClr val="accent6"/>
-          </a:lnRef>
-          <a:fillRef idx="1">
-            <a:schemeClr val="lt1"/>
-          </a:fillRef>
-          <a:effectRef idx="0">
-            <a:schemeClr val="accent6"/>
-          </a:effectRef>
-          <a:fontRef idx="minor">
-            <a:schemeClr val="dk1"/>
-          </a:fontRef>
-        </p:style>
-        <p:txBody>
-          <a:bodyPr rtlCol="0" anchor="ctr"/>
-          <a:lstStyle/>
-          <a:p>
-            <a:pPr algn="ctr"/>
-            <a:r>
-              <a:rPr lang="en-US" dirty="0"/>
-              <a:t>Train Datasets</a:t>
-            </a:r>
-          </a:p>
-        </p:txBody>
-      </p:sp>
-      <p:sp>
-        <p:nvSpPr>
-          <p:cNvPr id="22" name="Rounded Rectangle 21">
-            <a:extLst>
-              <a:ext uri="{FF2B5EF4-FFF2-40B4-BE49-F238E27FC236}">
-                <a16:creationId xmlns:a16="http://schemas.microsoft.com/office/drawing/2014/main" id="{08DB2331-8D4B-27D3-CC83-C8AAC74B96FD}"/>
-              </a:ext>
-            </a:extLst>
-          </p:cNvPr>
-          <p:cNvSpPr/>
-          <p:nvPr/>
-        </p:nvSpPr>
-        <p:spPr>
-          <a:xfrm>
-            <a:off x="782248" y="2598928"/>
-            <a:ext cx="2183607" cy="802843"/>
-          </a:xfrm>
-          <a:prstGeom prst="roundRect">
-            <a:avLst/>
-          </a:prstGeom>
-        </p:spPr>
-        <p:style>
-          <a:lnRef idx="2">
-            <a:schemeClr val="accent6"/>
-          </a:lnRef>
-          <a:fillRef idx="1">
-            <a:schemeClr val="lt1"/>
-          </a:fillRef>
-          <a:effectRef idx="0">
-            <a:schemeClr val="accent6"/>
-          </a:effectRef>
-          <a:fontRef idx="minor">
-            <a:schemeClr val="dk1"/>
-          </a:fontRef>
-        </p:style>
-        <p:txBody>
-          <a:bodyPr rtlCol="0" anchor="ctr"/>
-          <a:lstStyle/>
-          <a:p>
-            <a:pPr algn="ctr"/>
-            <a:r>
-              <a:rPr lang="en-US" dirty="0"/>
-              <a:t>Multi-Sequences stored in the file</a:t>
-            </a:r>
-          </a:p>
-        </p:txBody>
-      </p:sp>
-      <p:sp>
-        <p:nvSpPr>
-          <p:cNvPr id="6" name="Diamond 5">
-            <a:extLst>
-              <a:ext uri="{FF2B5EF4-FFF2-40B4-BE49-F238E27FC236}">
-                <a16:creationId xmlns:a16="http://schemas.microsoft.com/office/drawing/2014/main" id="{4B0276D0-9B9B-F202-5EF7-CFDEAD06B2BE}"/>
-              </a:ext>
-            </a:extLst>
-          </p:cNvPr>
-          <p:cNvSpPr/>
-          <p:nvPr/>
-        </p:nvSpPr>
-        <p:spPr>
-          <a:xfrm>
-            <a:off x="922171" y="3682289"/>
-            <a:ext cx="1903760" cy="583246"/>
-          </a:xfrm>
-          <a:prstGeom prst="diamond">
-            <a:avLst/>
-          </a:prstGeom>
-        </p:spPr>
-        <p:style>
-          <a:lnRef idx="2">
-            <a:schemeClr val="accent6"/>
-          </a:lnRef>
-          <a:fillRef idx="1">
-            <a:schemeClr val="lt1"/>
-          </a:fillRef>
-          <a:effectRef idx="0">
-            <a:schemeClr val="accent6"/>
-          </a:effectRef>
-          <a:fontRef idx="minor">
-            <a:schemeClr val="dk1"/>
-          </a:fontRef>
-        </p:style>
-        <p:txBody>
-          <a:bodyPr rtlCol="0" anchor="ctr"/>
-          <a:lstStyle/>
-          <a:p>
-            <a:pPr algn="ctr"/>
-            <a:r>
-              <a:rPr lang="en-US" dirty="0"/>
-              <a:t>File exists</a:t>
-            </a:r>
-          </a:p>
-        </p:txBody>
-      </p:sp>
-      <p:sp>
-        <p:nvSpPr>
-          <p:cNvPr id="14" name="Down Arrow 13">
-            <a:extLst>
-              <a:ext uri="{FF2B5EF4-FFF2-40B4-BE49-F238E27FC236}">
-                <a16:creationId xmlns:a16="http://schemas.microsoft.com/office/drawing/2014/main" id="{940ABA65-4167-E064-54A7-87B6CC70754C}"/>
-              </a:ext>
-            </a:extLst>
-          </p:cNvPr>
-          <p:cNvSpPr/>
-          <p:nvPr/>
-        </p:nvSpPr>
-        <p:spPr>
-          <a:xfrm>
-            <a:off x="1788948" y="3428997"/>
-            <a:ext cx="157160" cy="236613"/>
-          </a:xfrm>
-          <a:prstGeom prst="downArrow">
-            <a:avLst/>
-          </a:prstGeom>
-        </p:spPr>
-        <p:style>
-          <a:lnRef idx="2">
-            <a:schemeClr val="accent6"/>
-          </a:lnRef>
-          <a:fillRef idx="1">
-            <a:schemeClr val="lt1"/>
-          </a:fillRef>
-          <a:effectRef idx="0">
-            <a:schemeClr val="accent6"/>
-          </a:effectRef>
-          <a:fontRef idx="minor">
-            <a:schemeClr val="dk1"/>
-          </a:fontRef>
-        </p:style>
-        <p:txBody>
-          <a:bodyPr rtlCol="0" anchor="ctr"/>
-          <a:lstStyle/>
-          <a:p>
-            <a:pPr algn="ctr"/>
-            <a:endParaRPr lang="en-US"/>
-          </a:p>
-        </p:txBody>
-      </p:sp>
-      <p:cxnSp>
-        <p:nvCxnSpPr>
-          <p:cNvPr id="28" name="Elbow Connector 27">
-            <a:extLst>
-              <a:ext uri="{FF2B5EF4-FFF2-40B4-BE49-F238E27FC236}">
-                <a16:creationId xmlns:a16="http://schemas.microsoft.com/office/drawing/2014/main" id="{9F6A94F4-2454-3A6D-31E3-ADD6F732B04F}"/>
-              </a:ext>
-            </a:extLst>
-          </p:cNvPr>
-          <p:cNvCxnSpPr>
-            <a:stCxn id="6" idx="1"/>
-          </p:cNvCxnSpPr>
-          <p:nvPr/>
-        </p:nvCxnSpPr>
-        <p:spPr>
-          <a:xfrm rot="10800000" flipH="1" flipV="1">
-            <a:off x="922170" y="3973912"/>
-            <a:ext cx="9090801" cy="2029402"/>
-          </a:xfrm>
-          <a:prstGeom prst="bentConnector3">
-            <a:avLst>
-              <a:gd name="adj1" fmla="val -2515"/>
-            </a:avLst>
-          </a:prstGeom>
-          <a:ln>
-            <a:tailEnd type="triangle"/>
-          </a:ln>
-        </p:spPr>
-        <p:style>
-          <a:lnRef idx="1">
-            <a:schemeClr val="accent2"/>
-          </a:lnRef>
-          <a:fillRef idx="0">
-            <a:schemeClr val="accent2"/>
-          </a:fillRef>
-          <a:effectRef idx="0">
-            <a:schemeClr val="accent2"/>
-          </a:effectRef>
-          <a:fontRef idx="minor">
-            <a:schemeClr val="tx1"/>
-          </a:fontRef>
-        </p:style>
-      </p:cxnSp>
     </p:spTree>
     <p:extLst>
       <p:ext uri="{BB962C8B-B14F-4D97-AF65-F5344CB8AC3E}">
-        <p14:creationId xmlns:p14="http://schemas.microsoft.com/office/powerpoint/2010/main" val="2487824199"/>
+        <p14:creationId xmlns:p14="http://schemas.microsoft.com/office/powerpoint/2010/main" val="3402530586"/>
       </p:ext>
     </p:extLst>
   </p:cSld>
@@ -8786,7 +6239,7 @@
           <p:cNvPr id="2" name="Title 1">
             <a:extLst>
               <a:ext uri="{FF2B5EF4-FFF2-40B4-BE49-F238E27FC236}">
-                <a16:creationId xmlns:a16="http://schemas.microsoft.com/office/drawing/2014/main" id="{0C681EFA-DFBD-EA24-AC3F-12C9EBAF7CF8}"/>
+                <a16:creationId xmlns:a16="http://schemas.microsoft.com/office/drawing/2014/main" id="{D73406E1-F2BE-59D9-A9F1-8140C3C0F06B}"/>
               </a:ext>
             </a:extLst>
           </p:cNvPr>
@@ -8799,8 +6252,8 @@
         </p:nvSpPr>
         <p:spPr>
           <a:xfrm>
-            <a:off x="517869" y="785813"/>
-            <a:ext cx="8686800" cy="1000125"/>
+            <a:off x="517869" y="976160"/>
+            <a:ext cx="8686800" cy="926781"/>
           </a:xfrm>
         </p:spPr>
         <p:txBody>
@@ -8811,7 +6264,7 @@
           <a:p>
             <a:r>
               <a:rPr lang="en-US" dirty="0"/>
-              <a:t>RESULT</a:t>
+              <a:t>CONCLUSION</a:t>
             </a:r>
           </a:p>
         </p:txBody>
@@ -8884,7 +6337,7 @@
           <p:cNvPr id="3" name="Content Placeholder 2">
             <a:extLst>
               <a:ext uri="{FF2B5EF4-FFF2-40B4-BE49-F238E27FC236}">
-                <a16:creationId xmlns:a16="http://schemas.microsoft.com/office/drawing/2014/main" id="{DC9DCE16-5795-F601-83AE-2E602180EE3A}"/>
+                <a16:creationId xmlns:a16="http://schemas.microsoft.com/office/drawing/2014/main" id="{CF6AF3CE-9383-CE1A-B92E-C7C0DC00B4DD}"/>
               </a:ext>
             </a:extLst>
           </p:cNvPr>
@@ -8897,8 +6350,8 @@
         </p:nvSpPr>
         <p:spPr>
           <a:xfrm>
-            <a:off x="517869" y="3172570"/>
-            <a:ext cx="8686799" cy="3016294"/>
+            <a:off x="517869" y="2323070"/>
+            <a:ext cx="8686799" cy="3865794"/>
           </a:xfrm>
         </p:spPr>
         <p:txBody>
@@ -8914,7 +6367,7 @@
     </p:spTree>
     <p:extLst>
       <p:ext uri="{BB962C8B-B14F-4D97-AF65-F5344CB8AC3E}">
-        <p14:creationId xmlns:p14="http://schemas.microsoft.com/office/powerpoint/2010/main" val="3402530586"/>
+        <p14:creationId xmlns:p14="http://schemas.microsoft.com/office/powerpoint/2010/main" val="1958232151"/>
       </p:ext>
     </p:extLst>
   </p:cSld>
@@ -8927,14 +6380,6 @@
 <file path=ppt/slides/slide14.xml><?xml version="1.0" encoding="utf-8"?>
 <p:sld xmlns:a="http://schemas.openxmlformats.org/drawingml/2006/main" xmlns:r="http://schemas.openxmlformats.org/officeDocument/2006/relationships" xmlns:p="http://schemas.openxmlformats.org/presentationml/2006/main">
   <p:cSld>
-    <p:bg>
-      <p:bgPr>
-        <a:solidFill>
-          <a:schemeClr val="bg1"/>
-        </a:solidFill>
-        <a:effectLst/>
-      </p:bgPr>
-    </p:bg>
     <p:spTree>
       <p:nvGrpSpPr>
         <p:cNvPr id="1" name=""/>
@@ -8949,200 +6394,59 @@
           <a:chExt cx="0" cy="0"/>
         </a:xfrm>
       </p:grpSpPr>
-      <p:sp useBgFill="1">
-        <p:nvSpPr>
-          <p:cNvPr id="8" name="Rectangle 7">
-            <a:extLst>
-              <a:ext uri="{FF2B5EF4-FFF2-40B4-BE49-F238E27FC236}">
-                <a16:creationId xmlns:a16="http://schemas.microsoft.com/office/drawing/2014/main" id="{FAA3B297-9683-4E38-89FA-062C53E13F85}"/>
-              </a:ext>
-              <a:ext uri="{C183D7F6-B498-43B3-948B-1728B52AA6E4}">
-                <adec:decorative xmlns:adec="http://schemas.microsoft.com/office/drawing/2017/decorative" val="1"/>
-              </a:ext>
-            </a:extLst>
-          </p:cNvPr>
-          <p:cNvSpPr>
-            <a:spLocks noGrp="1" noRot="1" noChangeAspect="1" noMove="1" noResize="1" noEditPoints="1" noAdjustHandles="1" noChangeArrowheads="1" noChangeShapeType="1" noTextEdit="1"/>
-          </p:cNvSpPr>
-          <p:nvPr>
-            <p:extLst>
-              <p:ext uri="{386F3935-93C4-4BCD-93E2-E3B085C9AB24}">
-                <p16:designElem xmlns:p16="http://schemas.microsoft.com/office/powerpoint/2015/main" val="1"/>
-              </p:ext>
-            </p:extLst>
-          </p:nvPr>
-        </p:nvSpPr>
-        <p:spPr>
-          <a:xfrm>
-            <a:off x="0" y="0"/>
-            <a:ext cx="12188952" cy="6857995"/>
+      <p:sp>
+        <p:nvSpPr>
+          <p:cNvPr id="5" name="TextBox 4">
+            <a:extLst>
+              <a:ext uri="{FF2B5EF4-FFF2-40B4-BE49-F238E27FC236}">
+                <a16:creationId xmlns:a16="http://schemas.microsoft.com/office/drawing/2014/main" id="{BD14243E-847D-3027-7D38-299A523A88CF}"/>
+              </a:ext>
+            </a:extLst>
+          </p:cNvPr>
+          <p:cNvSpPr txBox="1"/>
+          <p:nvPr/>
+        </p:nvSpPr>
+        <p:spPr>
+          <a:xfrm>
+            <a:off x="3318933" y="3335866"/>
+            <a:ext cx="4826000" cy="1938992"/>
           </a:xfrm>
           <a:prstGeom prst="rect">
             <a:avLst/>
           </a:prstGeom>
-          <a:ln>
-            <a:noFill/>
-          </a:ln>
-        </p:spPr>
-        <p:style>
-          <a:lnRef idx="2">
-            <a:schemeClr val="accent1">
-              <a:shade val="50000"/>
-            </a:schemeClr>
-          </a:lnRef>
-          <a:fillRef idx="1">
-            <a:schemeClr val="accent1"/>
-          </a:fillRef>
-          <a:effectRef idx="0">
-            <a:schemeClr val="accent1"/>
-          </a:effectRef>
-          <a:fontRef idx="minor">
-            <a:schemeClr val="lt1"/>
-          </a:fontRef>
-        </p:style>
-        <p:txBody>
-          <a:bodyPr rtlCol="0" anchor="ctr"/>
-          <a:lstStyle/>
-          <a:p>
-            <a:pPr algn="ctr"/>
-            <a:endParaRPr lang="en-US" dirty="0"/>
-          </a:p>
-        </p:txBody>
-      </p:sp>
-      <p:sp>
-        <p:nvSpPr>
-          <p:cNvPr id="2" name="Title 1">
-            <a:extLst>
-              <a:ext uri="{FF2B5EF4-FFF2-40B4-BE49-F238E27FC236}">
-                <a16:creationId xmlns:a16="http://schemas.microsoft.com/office/drawing/2014/main" id="{D73406E1-F2BE-59D9-A9F1-8140C3C0F06B}"/>
-              </a:ext>
-            </a:extLst>
-          </p:cNvPr>
-          <p:cNvSpPr>
-            <a:spLocks noGrp="1"/>
-          </p:cNvSpPr>
-          <p:nvPr>
-            <p:ph type="title"/>
-          </p:nvPr>
-        </p:nvSpPr>
-        <p:spPr>
-          <a:xfrm>
-            <a:off x="517869" y="976160"/>
-            <a:ext cx="8686800" cy="926781"/>
-          </a:xfrm>
-        </p:spPr>
-        <p:txBody>
-          <a:bodyPr>
-            <a:normAutofit/>
+          <a:noFill/>
+        </p:spPr>
+        <p:txBody>
+          <a:bodyPr wrap="square" rtlCol="0">
+            <a:spAutoFit/>
           </a:bodyPr>
           <a:lstStyle/>
           <a:p>
             <a:r>
-              <a:rPr lang="en-US" dirty="0"/>
-              <a:t>CONCLUSION</a:t>
-            </a:r>
-          </a:p>
-        </p:txBody>
-      </p:sp>
-      <p:sp>
-        <p:nvSpPr>
-          <p:cNvPr id="10" name="Rectangle 9">
-            <a:extLst>
-              <a:ext uri="{FF2B5EF4-FFF2-40B4-BE49-F238E27FC236}">
-                <a16:creationId xmlns:a16="http://schemas.microsoft.com/office/drawing/2014/main" id="{5B8D7907-8AB9-4E98-A576-1A13AECEDF3A}"/>
-              </a:ext>
-              <a:ext uri="{C183D7F6-B498-43B3-948B-1728B52AA6E4}">
-                <adec:decorative xmlns:adec="http://schemas.microsoft.com/office/drawing/2017/decorative" val="1"/>
-              </a:ext>
-            </a:extLst>
-          </p:cNvPr>
-          <p:cNvSpPr>
-            <a:spLocks noGrp="1" noRot="1" noChangeAspect="1" noMove="1" noResize="1" noEditPoints="1" noAdjustHandles="1" noChangeArrowheads="1" noChangeShapeType="1" noTextEdit="1"/>
-          </p:cNvSpPr>
-          <p:nvPr>
-            <p:extLst>
-              <p:ext uri="{386F3935-93C4-4BCD-93E2-E3B085C9AB24}">
-                <p16:designElem xmlns:p16="http://schemas.microsoft.com/office/powerpoint/2015/main" val="1"/>
-              </p:ext>
-            </p:extLst>
-          </p:nvPr>
-        </p:nvSpPr>
-        <p:spPr>
-          <a:xfrm>
-            <a:off x="517869" y="508090"/>
-            <a:ext cx="8732520" cy="149279"/>
-          </a:xfrm>
-          <a:prstGeom prst="rect">
-            <a:avLst/>
-          </a:prstGeom>
-          <a:solidFill>
-            <a:schemeClr val="tx1"/>
-          </a:solidFill>
-          <a:ln>
-            <a:noFill/>
-          </a:ln>
-        </p:spPr>
-        <p:style>
-          <a:lnRef idx="2">
-            <a:schemeClr val="accent1">
-              <a:shade val="50000"/>
-            </a:schemeClr>
-          </a:lnRef>
-          <a:fillRef idx="1">
-            <a:schemeClr val="accent1"/>
-          </a:fillRef>
-          <a:effectRef idx="0">
-            <a:schemeClr val="accent1"/>
-          </a:effectRef>
-          <a:fontRef idx="minor">
-            <a:schemeClr val="lt1"/>
-          </a:fontRef>
-        </p:style>
-        <p:txBody>
-          <a:bodyPr rtlCol="0" anchor="ctr"/>
-          <a:lstStyle/>
-          <a:p>
-            <a:pPr algn="ctr"/>
-            <a:endParaRPr lang="en-US"/>
-          </a:p>
-        </p:txBody>
-      </p:sp>
-      <p:sp>
-        <p:nvSpPr>
-          <p:cNvPr id="3" name="Content Placeholder 2">
-            <a:extLst>
-              <a:ext uri="{FF2B5EF4-FFF2-40B4-BE49-F238E27FC236}">
-                <a16:creationId xmlns:a16="http://schemas.microsoft.com/office/drawing/2014/main" id="{CF6AF3CE-9383-CE1A-B92E-C7C0DC00B4DD}"/>
-              </a:ext>
-            </a:extLst>
-          </p:cNvPr>
-          <p:cNvSpPr>
-            <a:spLocks noGrp="1"/>
-          </p:cNvSpPr>
-          <p:nvPr>
-            <p:ph idx="1"/>
-          </p:nvPr>
-        </p:nvSpPr>
-        <p:spPr>
-          <a:xfrm>
-            <a:off x="517869" y="2323070"/>
-            <a:ext cx="8686799" cy="3865794"/>
-          </a:xfrm>
-        </p:spPr>
-        <p:txBody>
-          <a:bodyPr>
-            <a:normAutofit/>
-          </a:bodyPr>
-          <a:lstStyle/>
-          <a:p>
-            <a:endParaRPr lang="en-US" dirty="0"/>
+              <a:rPr lang="en-US" sz="6000" dirty="0">
+                <a:latin typeface="Times New Roman" panose="02020603050405020304" pitchFamily="18" charset="0"/>
+                <a:cs typeface="Times New Roman" panose="02020603050405020304" pitchFamily="18" charset="0"/>
+              </a:rPr>
+              <a:t>Thank You </a:t>
+            </a:r>
+            <a:r>
+              <a:rPr lang="en-US" sz="6000" dirty="0" err="1">
+                <a:latin typeface="Times New Roman" panose="02020603050405020304" pitchFamily="18" charset="0"/>
+                <a:cs typeface="Times New Roman" panose="02020603050405020304" pitchFamily="18" charset="0"/>
+              </a:rPr>
+              <a:t>Team_Matrix</a:t>
+            </a:r>
+            <a:endParaRPr lang="en-US" sz="6000" dirty="0">
+              <a:latin typeface="Times New Roman" panose="02020603050405020304" pitchFamily="18" charset="0"/>
+              <a:cs typeface="Times New Roman" panose="02020603050405020304" pitchFamily="18" charset="0"/>
+            </a:endParaRPr>
           </a:p>
         </p:txBody>
       </p:sp>
     </p:spTree>
     <p:extLst>
       <p:ext uri="{BB962C8B-B14F-4D97-AF65-F5344CB8AC3E}">
-        <p14:creationId xmlns:p14="http://schemas.microsoft.com/office/powerpoint/2010/main" val="1958232151"/>
+        <p14:creationId xmlns:p14="http://schemas.microsoft.com/office/powerpoint/2010/main" val="873157238"/>
       </p:ext>
     </p:extLst>
   </p:cSld>
@@ -9670,19 +6974,6 @@
               <a:buChar char="•"/>
             </a:pPr>
             <a:r>
-              <a:rPr lang="en-US" dirty="0">
-                <a:latin typeface="Arial" panose="020B0604020202020204" pitchFamily="34" charset="0"/>
-                <a:cs typeface="Arial" panose="020B0604020202020204" pitchFamily="34" charset="0"/>
-              </a:rPr>
-              <a:t>MULTISEQUENCE LEARNING</a:t>
-            </a:r>
-          </a:p>
-          <a:p>
-            <a:pPr marL="342900" indent="-342900">
-              <a:buFont typeface="Arial" panose="020B0604020202020204" pitchFamily="34" charset="0"/>
-              <a:buChar char="•"/>
-            </a:pPr>
-            <a:r>
               <a:rPr lang="en-IN" dirty="0">
                 <a:latin typeface="Arial" panose="020B0604020202020204" pitchFamily="34" charset="0"/>
                 <a:cs typeface="Arial" panose="020B0604020202020204" pitchFamily="34" charset="0"/>
@@ -10246,10 +7537,11 @@
               <a:buChar char="•"/>
             </a:pPr>
             <a:r>
-              <a:rPr lang="en-IN" sz="1800" dirty="0">
+              <a:rPr lang="en-IN" dirty="0">
                 <a:effectLst/>
-                <a:latin typeface="Times New Roman" panose="02020603050405020304" pitchFamily="18" charset="0"/>
+                <a:latin typeface="Arial" panose="020B0604020202020204" pitchFamily="34" charset="0"/>
                 <a:ea typeface="SimSun" panose="02010600030101010101" pitchFamily="2" charset="-122"/>
+                <a:cs typeface="Arial" panose="020B0604020202020204" pitchFamily="34" charset="0"/>
               </a:rPr>
               <a:t>Hierarchical Temporal Memory (HTM) is a Biomimetics model based on the principles of memory predictions developed by scientists to capture the architectural and algorithmic features of the neocortex</a:t>
             </a:r>
@@ -10259,11 +7551,15 @@
               <a:buFont typeface="Arial" panose="020B0604020202020204" pitchFamily="34" charset="0"/>
               <a:buChar char="•"/>
             </a:pPr>
-            <a:endParaRPr lang="en-IN" sz="1800" dirty="0">
-              <a:effectLst/>
-              <a:latin typeface="Times New Roman" panose="02020603050405020304" pitchFamily="18" charset="0"/>
-              <a:ea typeface="SimSun" panose="02010600030101010101" pitchFamily="2" charset="-122"/>
-            </a:endParaRPr>
+            <a:r>
+              <a:rPr lang="en-IN" dirty="0">
+                <a:effectLst/>
+                <a:latin typeface="Arial" panose="020B0604020202020204" pitchFamily="34" charset="0"/>
+                <a:ea typeface="SimSun" panose="02010600030101010101" pitchFamily="2" charset="-122"/>
+                <a:cs typeface="Arial" panose="020B0604020202020204" pitchFamily="34" charset="0"/>
+              </a:rPr>
+              <a:t>HTM has given promising results in pattern recognition</a:t>
+            </a:r>
           </a:p>
           <a:p>
             <a:pPr marL="342900" indent="-342900" algn="just">
@@ -10271,35 +7567,11 @@
               <a:buChar char="•"/>
             </a:pPr>
             <a:r>
-              <a:rPr lang="en-IN" sz="1800" dirty="0">
+              <a:rPr lang="en-IN" dirty="0">
                 <a:effectLst/>
-                <a:latin typeface="Times New Roman" panose="02020603050405020304" pitchFamily="18" charset="0"/>
+                <a:latin typeface="Arial" panose="020B0604020202020204" pitchFamily="34" charset="0"/>
                 <a:ea typeface="SimSun" panose="02010600030101010101" pitchFamily="2" charset="-122"/>
-              </a:rPr>
-              <a:t>HTM has given promising results in pattern recognition</a:t>
-            </a:r>
-          </a:p>
-          <a:p>
-            <a:pPr marL="342900" indent="-342900" algn="just">
-              <a:buFont typeface="Arial" panose="020B0604020202020204" pitchFamily="34" charset="0"/>
-              <a:buChar char="•"/>
-            </a:pPr>
-            <a:endParaRPr lang="en-IN" sz="1800" dirty="0">
-              <a:effectLst/>
-              <a:latin typeface="Times New Roman" panose="02020603050405020304" pitchFamily="18" charset="0"/>
-              <a:ea typeface="SimSun" panose="02010600030101010101" pitchFamily="2" charset="-122"/>
-            </a:endParaRPr>
-          </a:p>
-          <a:p>
-            <a:pPr marL="342900" indent="-342900" algn="just">
-              <a:buFont typeface="Arial" panose="020B0604020202020204" pitchFamily="34" charset="0"/>
-              <a:buChar char="•"/>
-            </a:pPr>
-            <a:r>
-              <a:rPr lang="en-IN" sz="1800" dirty="0">
-                <a:effectLst/>
-                <a:latin typeface="Times New Roman" panose="02020603050405020304" pitchFamily="18" charset="0"/>
-                <a:ea typeface="SimSun" panose="02010600030101010101" pitchFamily="2" charset="-122"/>
+                <a:cs typeface="Arial" panose="020B0604020202020204" pitchFamily="34" charset="0"/>
               </a:rPr>
               <a:t>This can learn the temporal sequences and spatial flow of sensory inputs as data.</a:t>
             </a:r>
@@ -10437,7 +7709,7 @@
           <a:lstStyle/>
           <a:p>
             <a:r>
-              <a:rPr lang="en-US" dirty="0"/>
+              <a:rPr lang="en-US" sz="4400" dirty="0"/>
               <a:t>METHODOLOGY</a:t>
             </a:r>
           </a:p>
@@ -11441,8 +8713,8 @@
         </p:nvSpPr>
         <p:spPr>
           <a:xfrm>
-            <a:off x="517869" y="2236573"/>
-            <a:ext cx="8686799" cy="3952291"/>
+            <a:off x="517869" y="2032000"/>
+            <a:ext cx="8686799" cy="4156864"/>
           </a:xfrm>
         </p:spPr>
         <p:txBody>
@@ -11450,6 +8722,45 @@
             <a:normAutofit/>
           </a:bodyPr>
           <a:lstStyle/>
+          <a:p>
+            <a:pPr marL="342900" indent="-342900" algn="just">
+              <a:buFont typeface="Arial" panose="020B0604020202020204" pitchFamily="34" charset="0"/>
+              <a:buChar char="•"/>
+            </a:pPr>
+            <a:r>
+              <a:rPr lang="en-IN" dirty="0">
+                <a:effectLst/>
+                <a:latin typeface="Helvetica Neue" panose="02000503000000020004" pitchFamily="2" charset="0"/>
+              </a:rPr>
+              <a:t>The first stage of HTM involves the encoding of the input data into a format that can be processed by the network.</a:t>
+            </a:r>
+          </a:p>
+          <a:p>
+            <a:pPr marL="342900" indent="-342900" algn="just">
+              <a:buFont typeface="Arial" panose="020B0604020202020204" pitchFamily="34" charset="0"/>
+              <a:buChar char="•"/>
+            </a:pPr>
+            <a:r>
+              <a:rPr lang="en-IN" dirty="0">
+                <a:effectLst/>
+                <a:latin typeface="Helvetica Neue" panose="02000503000000020004" pitchFamily="2" charset="0"/>
+              </a:rPr>
+              <a:t> HTM uses a sparse distributed representation (SDR) to represent patterns in the input data. SDRs are binary vectors with a small percentage of active (1) bits and a large percentage of inactive (0) bits.</a:t>
+            </a:r>
+          </a:p>
+          <a:p>
+            <a:pPr marL="342900" indent="-342900" algn="just">
+              <a:buFont typeface="Arial" panose="020B0604020202020204" pitchFamily="34" charset="0"/>
+              <a:buChar char="•"/>
+            </a:pPr>
+            <a:r>
+              <a:rPr lang="en-IN" dirty="0">
+                <a:effectLst/>
+                <a:latin typeface="Helvetica Neue" panose="02000503000000020004" pitchFamily="2" charset="0"/>
+              </a:rPr>
+              <a:t>This representation allows HTM to handle high-dimensional data efficiently and to generalize well to new and noisy inputs.</a:t>
+            </a:r>
+          </a:p>
           <a:p>
             <a:pPr marL="342900" indent="-342900" algn="just">
               <a:buFont typeface="Arial" panose="020B0604020202020204" pitchFamily="34" charset="0"/>
@@ -11690,6 +9001,45 @@
               <a:buFont typeface="Arial" panose="020B0604020202020204" pitchFamily="34" charset="0"/>
               <a:buChar char="•"/>
             </a:pPr>
+            <a:r>
+              <a:rPr lang="en-IN" dirty="0">
+                <a:effectLst/>
+                <a:latin typeface="Helvetica Neue" panose="02000503000000020004" pitchFamily="2" charset="0"/>
+              </a:rPr>
+              <a:t>The spatial pooler is responsible for learning the spatial patterns in the input data.</a:t>
+            </a:r>
+          </a:p>
+          <a:p>
+            <a:pPr marL="342900" indent="-342900" algn="just">
+              <a:buFont typeface="Arial" panose="020B0604020202020204" pitchFamily="34" charset="0"/>
+              <a:buChar char="•"/>
+            </a:pPr>
+            <a:r>
+              <a:rPr lang="en-IN" dirty="0">
+                <a:effectLst/>
+                <a:latin typeface="Helvetica Neue" panose="02000503000000020004" pitchFamily="2" charset="0"/>
+              </a:rPr>
+              <a:t>The SDRs are binary vectors that have a small percentage of active (1) bits and a large percentage of inactive (0) bits</a:t>
+            </a:r>
+          </a:p>
+          <a:p>
+            <a:pPr marL="342900" indent="-342900" algn="just">
+              <a:buFont typeface="Arial" panose="020B0604020202020204" pitchFamily="34" charset="0"/>
+              <a:buChar char="•"/>
+            </a:pPr>
+            <a:r>
+              <a:rPr lang="en-IN" dirty="0">
+                <a:effectLst/>
+                <a:latin typeface="Helvetica Neue" panose="02000503000000020004" pitchFamily="2" charset="0"/>
+              </a:rPr>
+              <a:t>The spatial pooler learns to identify the most important features of the input data and creates SDRs </a:t>
+            </a:r>
+          </a:p>
+          <a:p>
+            <a:pPr marL="342900" indent="-342900" algn="just">
+              <a:buFont typeface="Arial" panose="020B0604020202020204" pitchFamily="34" charset="0"/>
+              <a:buChar char="•"/>
+            </a:pPr>
             <a:endParaRPr lang="en-US" dirty="0">
               <a:latin typeface="Arial" panose="020B0604020202020204" pitchFamily="34" charset="0"/>
               <a:cs typeface="Arial" panose="020B0604020202020204" pitchFamily="34" charset="0"/>
@@ -11920,6 +9270,45 @@
             <a:normAutofit/>
           </a:bodyPr>
           <a:lstStyle/>
+          <a:p>
+            <a:pPr marL="342900" indent="-342900" algn="just">
+              <a:buFont typeface="Arial" panose="020B0604020202020204" pitchFamily="34" charset="0"/>
+              <a:buChar char="•"/>
+            </a:pPr>
+            <a:r>
+              <a:rPr lang="en-IN" dirty="0">
+                <a:effectLst/>
+                <a:latin typeface="Helvetica Neue" panose="02000503000000020004" pitchFamily="2" charset="0"/>
+              </a:rPr>
+              <a:t>The temporal pooler is responsible for learning the temporal patterns in the input data</a:t>
+            </a:r>
+          </a:p>
+          <a:p>
+            <a:pPr marL="342900" indent="-342900" algn="just">
+              <a:buFont typeface="Arial" panose="020B0604020202020204" pitchFamily="34" charset="0"/>
+              <a:buChar char="•"/>
+            </a:pPr>
+            <a:r>
+              <a:rPr lang="en-IN" dirty="0">
+                <a:effectLst/>
+                <a:latin typeface="Helvetica Neue" panose="02000503000000020004" pitchFamily="2" charset="0"/>
+              </a:rPr>
+              <a:t>The temporal pooler uses a process called sequence memory to learn and recognize temporal patterns, such as sequences of events or patterns that repeat over time</a:t>
+            </a:r>
+          </a:p>
+          <a:p>
+            <a:pPr marL="342900" indent="-342900" algn="just">
+              <a:buFont typeface="Arial" panose="020B0604020202020204" pitchFamily="34" charset="0"/>
+              <a:buChar char="•"/>
+            </a:pPr>
+            <a:r>
+              <a:rPr lang="en-IN" dirty="0">
+                <a:effectLst/>
+                <a:latin typeface="Helvetica Neue" panose="02000503000000020004" pitchFamily="2" charset="0"/>
+              </a:rPr>
+              <a:t>The sequence memory enables HTM to handle time-dependent data and make predictions about future events.</a:t>
+            </a:r>
+          </a:p>
           <a:p>
             <a:pPr marL="342900" indent="-342900" algn="just">
               <a:buFont typeface="Arial" panose="020B0604020202020204" pitchFamily="34" charset="0"/>

--- a/source/MySEProject/Documentation/ML-22-23-15 Approve Prediction of Multisequence Learning .pptx
+++ b/source/MySEProject/Documentation/ML-22-23-15 Approve Prediction of Multisequence Learning .pptx
@@ -128,6 +128,2185 @@
 </p:presentation>
 </file>
 
+<file path=ppt/charts/chart1.xml><?xml version="1.0" encoding="utf-8"?>
+<c:chartSpace xmlns:c="http://schemas.openxmlformats.org/drawingml/2006/chart" xmlns:a="http://schemas.openxmlformats.org/drawingml/2006/main" xmlns:r="http://schemas.openxmlformats.org/officeDocument/2006/relationships" xmlns:c16r2="http://schemas.microsoft.com/office/drawing/2015/06/chart">
+  <c:date1904 val="0"/>
+  <c:lang val="en-US"/>
+  <c:roundedCorners val="0"/>
+  <mc:AlternateContent xmlns:mc="http://schemas.openxmlformats.org/markup-compatibility/2006">
+    <mc:Choice xmlns:c14="http://schemas.microsoft.com/office/drawing/2007/8/2/chart" Requires="c14">
+      <c14:style val="102"/>
+    </mc:Choice>
+    <mc:Fallback>
+      <c:style val="2"/>
+    </mc:Fallback>
+  </mc:AlternateContent>
+  <c:chart>
+    <c:title>
+      <c:tx>
+        <c:rich>
+          <a:bodyPr rot="0" spcFirstLastPara="1" vertOverflow="ellipsis" vert="horz" wrap="square" anchor="ctr" anchorCtr="1"/>
+          <a:lstStyle/>
+          <a:p>
+            <a:pPr>
+              <a:defRPr sz="1400" b="0" i="0" u="none" strike="noStrike" kern="1200" spc="0" baseline="0">
+                <a:solidFill>
+                  <a:schemeClr val="tx1">
+                    <a:lumMod val="65000"/>
+                    <a:lumOff val="35000"/>
+                  </a:schemeClr>
+                </a:solidFill>
+                <a:latin typeface="+mn-lt"/>
+                <a:ea typeface="+mn-ea"/>
+                <a:cs typeface="+mn-cs"/>
+              </a:defRPr>
+            </a:pPr>
+            <a:r>
+              <a:rPr lang="en-IN" sz="900">
+                <a:solidFill>
+                  <a:sysClr val="windowText" lastClr="000000"/>
+                </a:solidFill>
+                <a:latin typeface="Times New Roman" panose="02020603050405020304" pitchFamily="18" charset="0"/>
+                <a:cs typeface="Times New Roman" panose="02020603050405020304" pitchFamily="18" charset="0"/>
+              </a:rPr>
+              <a:t>Training Accuracy - Numbers</a:t>
+            </a:r>
+          </a:p>
+        </c:rich>
+      </c:tx>
+      <c:layout/>
+      <c:overlay val="0"/>
+      <c:spPr>
+        <a:noFill/>
+        <a:ln>
+          <a:noFill/>
+        </a:ln>
+        <a:effectLst/>
+      </c:spPr>
+      <c:txPr>
+        <a:bodyPr rot="0" spcFirstLastPara="1" vertOverflow="ellipsis" vert="horz" wrap="square" anchor="ctr" anchorCtr="1"/>
+        <a:lstStyle/>
+        <a:p>
+          <a:pPr>
+            <a:defRPr sz="1400" b="0" i="0" u="none" strike="noStrike" kern="1200" spc="0" baseline="0">
+              <a:solidFill>
+                <a:schemeClr val="tx1">
+                  <a:lumMod val="65000"/>
+                  <a:lumOff val="35000"/>
+                </a:schemeClr>
+              </a:solidFill>
+              <a:latin typeface="+mn-lt"/>
+              <a:ea typeface="+mn-ea"/>
+              <a:cs typeface="+mn-cs"/>
+            </a:defRPr>
+          </a:pPr>
+          <a:endParaRPr lang="ar-SA"/>
+        </a:p>
+      </c:txPr>
+    </c:title>
+    <c:autoTitleDeleted val="0"/>
+    <c:plotArea>
+      <c:layout/>
+      <c:scatterChart>
+        <c:scatterStyle val="lineMarker"/>
+        <c:varyColors val="0"/>
+        <c:ser>
+          <c:idx val="0"/>
+          <c:order val="0"/>
+          <c:tx>
+            <c:strRef>
+              <c:f>'[Book1 (version 1).xlsx]Sheet1'!$B$23</c:f>
+              <c:strCache>
+                <c:ptCount val="1"/>
+                <c:pt idx="0">
+                  <c:v>Sequence 1</c:v>
+                </c:pt>
+              </c:strCache>
+            </c:strRef>
+          </c:tx>
+          <c:spPr>
+            <a:ln w="19050" cap="rnd">
+              <a:solidFill>
+                <a:schemeClr val="accent1"/>
+              </a:solidFill>
+              <a:round/>
+            </a:ln>
+            <a:effectLst/>
+          </c:spPr>
+          <c:marker>
+            <c:symbol val="none"/>
+          </c:marker>
+          <c:xVal>
+            <c:numRef>
+              <c:f>'[Book1 (version 1).xlsx]Sheet1'!$A$24:$A$55</c:f>
+              <c:numCache>
+                <c:formatCode>General</c:formatCode>
+                <c:ptCount val="32"/>
+                <c:pt idx="0">
+                  <c:v>1</c:v>
+                </c:pt>
+                <c:pt idx="1">
+                  <c:v>2</c:v>
+                </c:pt>
+                <c:pt idx="2">
+                  <c:v>3</c:v>
+                </c:pt>
+                <c:pt idx="3">
+                  <c:v>4</c:v>
+                </c:pt>
+                <c:pt idx="4">
+                  <c:v>5</c:v>
+                </c:pt>
+                <c:pt idx="5">
+                  <c:v>6</c:v>
+                </c:pt>
+                <c:pt idx="6">
+                  <c:v>7</c:v>
+                </c:pt>
+                <c:pt idx="7">
+                  <c:v>8</c:v>
+                </c:pt>
+                <c:pt idx="8">
+                  <c:v>9</c:v>
+                </c:pt>
+                <c:pt idx="9">
+                  <c:v>10</c:v>
+                </c:pt>
+                <c:pt idx="10">
+                  <c:v>11</c:v>
+                </c:pt>
+                <c:pt idx="11">
+                  <c:v>12</c:v>
+                </c:pt>
+                <c:pt idx="12">
+                  <c:v>13</c:v>
+                </c:pt>
+                <c:pt idx="13">
+                  <c:v>14</c:v>
+                </c:pt>
+                <c:pt idx="14">
+                  <c:v>15</c:v>
+                </c:pt>
+                <c:pt idx="15">
+                  <c:v>16</c:v>
+                </c:pt>
+                <c:pt idx="16">
+                  <c:v>17</c:v>
+                </c:pt>
+                <c:pt idx="17">
+                  <c:v>18</c:v>
+                </c:pt>
+                <c:pt idx="18">
+                  <c:v>19</c:v>
+                </c:pt>
+                <c:pt idx="19">
+                  <c:v>20</c:v>
+                </c:pt>
+                <c:pt idx="20">
+                  <c:v>21</c:v>
+                </c:pt>
+                <c:pt idx="21">
+                  <c:v>22</c:v>
+                </c:pt>
+                <c:pt idx="22">
+                  <c:v>23</c:v>
+                </c:pt>
+                <c:pt idx="23">
+                  <c:v>24</c:v>
+                </c:pt>
+                <c:pt idx="24">
+                  <c:v>25</c:v>
+                </c:pt>
+                <c:pt idx="25">
+                  <c:v>26</c:v>
+                </c:pt>
+                <c:pt idx="26">
+                  <c:v>27</c:v>
+                </c:pt>
+                <c:pt idx="27">
+                  <c:v>28</c:v>
+                </c:pt>
+                <c:pt idx="28">
+                  <c:v>29</c:v>
+                </c:pt>
+                <c:pt idx="29">
+                  <c:v>30</c:v>
+                </c:pt>
+                <c:pt idx="30">
+                  <c:v>31</c:v>
+                </c:pt>
+                <c:pt idx="31">
+                  <c:v>32</c:v>
+                </c:pt>
+              </c:numCache>
+            </c:numRef>
+          </c:xVal>
+          <c:yVal>
+            <c:numRef>
+              <c:f>'[Book1 (version 1).xlsx]Sheet1'!$B$24:$B$55</c:f>
+              <c:numCache>
+                <c:formatCode>General</c:formatCode>
+                <c:ptCount val="32"/>
+                <c:pt idx="0">
+                  <c:v>0</c:v>
+                </c:pt>
+                <c:pt idx="1">
+                  <c:v>0</c:v>
+                </c:pt>
+                <c:pt idx="2">
+                  <c:v>25</c:v>
+                </c:pt>
+                <c:pt idx="3">
+                  <c:v>75</c:v>
+                </c:pt>
+                <c:pt idx="4">
+                  <c:v>62.5</c:v>
+                </c:pt>
+                <c:pt idx="5">
+                  <c:v>75</c:v>
+                </c:pt>
+                <c:pt idx="6">
+                  <c:v>75</c:v>
+                </c:pt>
+                <c:pt idx="7">
+                  <c:v>75</c:v>
+                </c:pt>
+                <c:pt idx="8">
+                  <c:v>75</c:v>
+                </c:pt>
+                <c:pt idx="9">
+                  <c:v>87.5</c:v>
+                </c:pt>
+                <c:pt idx="10">
+                  <c:v>87.5</c:v>
+                </c:pt>
+                <c:pt idx="11">
+                  <c:v>87.5</c:v>
+                </c:pt>
+                <c:pt idx="12">
+                  <c:v>75</c:v>
+                </c:pt>
+                <c:pt idx="13">
+                  <c:v>75</c:v>
+                </c:pt>
+                <c:pt idx="14">
+                  <c:v>75</c:v>
+                </c:pt>
+                <c:pt idx="15">
+                  <c:v>75</c:v>
+                </c:pt>
+                <c:pt idx="16">
+                  <c:v>75</c:v>
+                </c:pt>
+                <c:pt idx="17">
+                  <c:v>75</c:v>
+                </c:pt>
+                <c:pt idx="18">
+                  <c:v>87.5</c:v>
+                </c:pt>
+                <c:pt idx="19">
+                  <c:v>87.5</c:v>
+                </c:pt>
+                <c:pt idx="20">
+                  <c:v>87.5</c:v>
+                </c:pt>
+                <c:pt idx="21">
+                  <c:v>87.5</c:v>
+                </c:pt>
+                <c:pt idx="22">
+                  <c:v>87.5</c:v>
+                </c:pt>
+                <c:pt idx="23">
+                  <c:v>87.5</c:v>
+                </c:pt>
+                <c:pt idx="24">
+                  <c:v>87.5</c:v>
+                </c:pt>
+                <c:pt idx="25">
+                  <c:v>87.5</c:v>
+                </c:pt>
+                <c:pt idx="26">
+                  <c:v>87.5</c:v>
+                </c:pt>
+                <c:pt idx="27">
+                  <c:v>87.5</c:v>
+                </c:pt>
+                <c:pt idx="28">
+                  <c:v>87.5</c:v>
+                </c:pt>
+                <c:pt idx="29">
+                  <c:v>87.5</c:v>
+                </c:pt>
+                <c:pt idx="30">
+                  <c:v>87.5</c:v>
+                </c:pt>
+                <c:pt idx="31">
+                  <c:v>87.5</c:v>
+                </c:pt>
+              </c:numCache>
+            </c:numRef>
+          </c:yVal>
+          <c:smooth val="0"/>
+          <c:extLst>
+            <c:ext xmlns:c16="http://schemas.microsoft.com/office/drawing/2014/chart" uri="{C3380CC4-5D6E-409C-BE32-E72D297353CC}">
+              <c16:uniqueId val="{00000000-11B2-471B-9353-664EB4DC6139}"/>
+            </c:ext>
+          </c:extLst>
+        </c:ser>
+        <c:ser>
+          <c:idx val="1"/>
+          <c:order val="1"/>
+          <c:tx>
+            <c:strRef>
+              <c:f>'[Book1 (version 1).xlsx]Sheet1'!$C$23</c:f>
+              <c:strCache>
+                <c:ptCount val="1"/>
+                <c:pt idx="0">
+                  <c:v>Sequence 2</c:v>
+                </c:pt>
+              </c:strCache>
+            </c:strRef>
+          </c:tx>
+          <c:spPr>
+            <a:ln w="19050" cap="rnd">
+              <a:solidFill>
+                <a:schemeClr val="accent2"/>
+              </a:solidFill>
+              <a:round/>
+            </a:ln>
+            <a:effectLst/>
+          </c:spPr>
+          <c:marker>
+            <c:symbol val="none"/>
+          </c:marker>
+          <c:xVal>
+            <c:numRef>
+              <c:f>'[Book1 (version 1).xlsx]Sheet1'!$A$24:$A$55</c:f>
+              <c:numCache>
+                <c:formatCode>General</c:formatCode>
+                <c:ptCount val="32"/>
+                <c:pt idx="0">
+                  <c:v>1</c:v>
+                </c:pt>
+                <c:pt idx="1">
+                  <c:v>2</c:v>
+                </c:pt>
+                <c:pt idx="2">
+                  <c:v>3</c:v>
+                </c:pt>
+                <c:pt idx="3">
+                  <c:v>4</c:v>
+                </c:pt>
+                <c:pt idx="4">
+                  <c:v>5</c:v>
+                </c:pt>
+                <c:pt idx="5">
+                  <c:v>6</c:v>
+                </c:pt>
+                <c:pt idx="6">
+                  <c:v>7</c:v>
+                </c:pt>
+                <c:pt idx="7">
+                  <c:v>8</c:v>
+                </c:pt>
+                <c:pt idx="8">
+                  <c:v>9</c:v>
+                </c:pt>
+                <c:pt idx="9">
+                  <c:v>10</c:v>
+                </c:pt>
+                <c:pt idx="10">
+                  <c:v>11</c:v>
+                </c:pt>
+                <c:pt idx="11">
+                  <c:v>12</c:v>
+                </c:pt>
+                <c:pt idx="12">
+                  <c:v>13</c:v>
+                </c:pt>
+                <c:pt idx="13">
+                  <c:v>14</c:v>
+                </c:pt>
+                <c:pt idx="14">
+                  <c:v>15</c:v>
+                </c:pt>
+                <c:pt idx="15">
+                  <c:v>16</c:v>
+                </c:pt>
+                <c:pt idx="16">
+                  <c:v>17</c:v>
+                </c:pt>
+                <c:pt idx="17">
+                  <c:v>18</c:v>
+                </c:pt>
+                <c:pt idx="18">
+                  <c:v>19</c:v>
+                </c:pt>
+                <c:pt idx="19">
+                  <c:v>20</c:v>
+                </c:pt>
+                <c:pt idx="20">
+                  <c:v>21</c:v>
+                </c:pt>
+                <c:pt idx="21">
+                  <c:v>22</c:v>
+                </c:pt>
+                <c:pt idx="22">
+                  <c:v>23</c:v>
+                </c:pt>
+                <c:pt idx="23">
+                  <c:v>24</c:v>
+                </c:pt>
+                <c:pt idx="24">
+                  <c:v>25</c:v>
+                </c:pt>
+                <c:pt idx="25">
+                  <c:v>26</c:v>
+                </c:pt>
+                <c:pt idx="26">
+                  <c:v>27</c:v>
+                </c:pt>
+                <c:pt idx="27">
+                  <c:v>28</c:v>
+                </c:pt>
+                <c:pt idx="28">
+                  <c:v>29</c:v>
+                </c:pt>
+                <c:pt idx="29">
+                  <c:v>30</c:v>
+                </c:pt>
+                <c:pt idx="30">
+                  <c:v>31</c:v>
+                </c:pt>
+                <c:pt idx="31">
+                  <c:v>32</c:v>
+                </c:pt>
+              </c:numCache>
+            </c:numRef>
+          </c:xVal>
+          <c:yVal>
+            <c:numRef>
+              <c:f>'[Book1 (version 1).xlsx]Sheet1'!$C$24:$C$55</c:f>
+              <c:numCache>
+                <c:formatCode>General</c:formatCode>
+                <c:ptCount val="32"/>
+                <c:pt idx="0">
+                  <c:v>0</c:v>
+                </c:pt>
+                <c:pt idx="1">
+                  <c:v>0</c:v>
+                </c:pt>
+                <c:pt idx="2">
+                  <c:v>25</c:v>
+                </c:pt>
+                <c:pt idx="3">
+                  <c:v>87.5</c:v>
+                </c:pt>
+                <c:pt idx="4">
+                  <c:v>87.5</c:v>
+                </c:pt>
+                <c:pt idx="5">
+                  <c:v>87.5</c:v>
+                </c:pt>
+                <c:pt idx="6">
+                  <c:v>75</c:v>
+                </c:pt>
+                <c:pt idx="7">
+                  <c:v>75</c:v>
+                </c:pt>
+                <c:pt idx="8">
+                  <c:v>75</c:v>
+                </c:pt>
+                <c:pt idx="9">
+                  <c:v>75</c:v>
+                </c:pt>
+                <c:pt idx="10">
+                  <c:v>75</c:v>
+                </c:pt>
+                <c:pt idx="11">
+                  <c:v>75</c:v>
+                </c:pt>
+                <c:pt idx="12">
+                  <c:v>75</c:v>
+                </c:pt>
+                <c:pt idx="13">
+                  <c:v>75</c:v>
+                </c:pt>
+                <c:pt idx="14">
+                  <c:v>75</c:v>
+                </c:pt>
+                <c:pt idx="15">
+                  <c:v>75</c:v>
+                </c:pt>
+                <c:pt idx="16">
+                  <c:v>75</c:v>
+                </c:pt>
+                <c:pt idx="17">
+                  <c:v>87.5</c:v>
+                </c:pt>
+                <c:pt idx="18">
+                  <c:v>87.5</c:v>
+                </c:pt>
+                <c:pt idx="19">
+                  <c:v>87.5</c:v>
+                </c:pt>
+                <c:pt idx="20">
+                  <c:v>87.5</c:v>
+                </c:pt>
+                <c:pt idx="21">
+                  <c:v>87.5</c:v>
+                </c:pt>
+                <c:pt idx="22">
+                  <c:v>87.5</c:v>
+                </c:pt>
+                <c:pt idx="23">
+                  <c:v>87.5</c:v>
+                </c:pt>
+                <c:pt idx="24">
+                  <c:v>87.5</c:v>
+                </c:pt>
+                <c:pt idx="25">
+                  <c:v>87.5</c:v>
+                </c:pt>
+                <c:pt idx="26">
+                  <c:v>87.5</c:v>
+                </c:pt>
+                <c:pt idx="27">
+                  <c:v>87.5</c:v>
+                </c:pt>
+                <c:pt idx="28">
+                  <c:v>87.5</c:v>
+                </c:pt>
+                <c:pt idx="29">
+                  <c:v>87.5</c:v>
+                </c:pt>
+                <c:pt idx="30">
+                  <c:v>87.5</c:v>
+                </c:pt>
+                <c:pt idx="31">
+                  <c:v>87.5</c:v>
+                </c:pt>
+              </c:numCache>
+            </c:numRef>
+          </c:yVal>
+          <c:smooth val="0"/>
+          <c:extLst>
+            <c:ext xmlns:c16="http://schemas.microsoft.com/office/drawing/2014/chart" uri="{C3380CC4-5D6E-409C-BE32-E72D297353CC}">
+              <c16:uniqueId val="{00000001-11B2-471B-9353-664EB4DC6139}"/>
+            </c:ext>
+          </c:extLst>
+        </c:ser>
+        <c:ser>
+          <c:idx val="2"/>
+          <c:order val="2"/>
+          <c:tx>
+            <c:strRef>
+              <c:f>'[Book1 (version 1).xlsx]Sheet1'!$D$23</c:f>
+              <c:strCache>
+                <c:ptCount val="1"/>
+                <c:pt idx="0">
+                  <c:v>Sequence 3</c:v>
+                </c:pt>
+              </c:strCache>
+            </c:strRef>
+          </c:tx>
+          <c:spPr>
+            <a:ln w="19050" cap="rnd">
+              <a:solidFill>
+                <a:schemeClr val="accent3"/>
+              </a:solidFill>
+              <a:round/>
+            </a:ln>
+            <a:effectLst/>
+          </c:spPr>
+          <c:marker>
+            <c:symbol val="none"/>
+          </c:marker>
+          <c:xVal>
+            <c:numRef>
+              <c:f>'[Book1 (version 1).xlsx]Sheet1'!$A$24:$A$55</c:f>
+              <c:numCache>
+                <c:formatCode>General</c:formatCode>
+                <c:ptCount val="32"/>
+                <c:pt idx="0">
+                  <c:v>1</c:v>
+                </c:pt>
+                <c:pt idx="1">
+                  <c:v>2</c:v>
+                </c:pt>
+                <c:pt idx="2">
+                  <c:v>3</c:v>
+                </c:pt>
+                <c:pt idx="3">
+                  <c:v>4</c:v>
+                </c:pt>
+                <c:pt idx="4">
+                  <c:v>5</c:v>
+                </c:pt>
+                <c:pt idx="5">
+                  <c:v>6</c:v>
+                </c:pt>
+                <c:pt idx="6">
+                  <c:v>7</c:v>
+                </c:pt>
+                <c:pt idx="7">
+                  <c:v>8</c:v>
+                </c:pt>
+                <c:pt idx="8">
+                  <c:v>9</c:v>
+                </c:pt>
+                <c:pt idx="9">
+                  <c:v>10</c:v>
+                </c:pt>
+                <c:pt idx="10">
+                  <c:v>11</c:v>
+                </c:pt>
+                <c:pt idx="11">
+                  <c:v>12</c:v>
+                </c:pt>
+                <c:pt idx="12">
+                  <c:v>13</c:v>
+                </c:pt>
+                <c:pt idx="13">
+                  <c:v>14</c:v>
+                </c:pt>
+                <c:pt idx="14">
+                  <c:v>15</c:v>
+                </c:pt>
+                <c:pt idx="15">
+                  <c:v>16</c:v>
+                </c:pt>
+                <c:pt idx="16">
+                  <c:v>17</c:v>
+                </c:pt>
+                <c:pt idx="17">
+                  <c:v>18</c:v>
+                </c:pt>
+                <c:pt idx="18">
+                  <c:v>19</c:v>
+                </c:pt>
+                <c:pt idx="19">
+                  <c:v>20</c:v>
+                </c:pt>
+                <c:pt idx="20">
+                  <c:v>21</c:v>
+                </c:pt>
+                <c:pt idx="21">
+                  <c:v>22</c:v>
+                </c:pt>
+                <c:pt idx="22">
+                  <c:v>23</c:v>
+                </c:pt>
+                <c:pt idx="23">
+                  <c:v>24</c:v>
+                </c:pt>
+                <c:pt idx="24">
+                  <c:v>25</c:v>
+                </c:pt>
+                <c:pt idx="25">
+                  <c:v>26</c:v>
+                </c:pt>
+                <c:pt idx="26">
+                  <c:v>27</c:v>
+                </c:pt>
+                <c:pt idx="27">
+                  <c:v>28</c:v>
+                </c:pt>
+                <c:pt idx="28">
+                  <c:v>29</c:v>
+                </c:pt>
+                <c:pt idx="29">
+                  <c:v>30</c:v>
+                </c:pt>
+                <c:pt idx="30">
+                  <c:v>31</c:v>
+                </c:pt>
+                <c:pt idx="31">
+                  <c:v>32</c:v>
+                </c:pt>
+              </c:numCache>
+            </c:numRef>
+          </c:xVal>
+          <c:yVal>
+            <c:numRef>
+              <c:f>'[Book1 (version 1).xlsx]Sheet1'!$D$24:$D$55</c:f>
+              <c:numCache>
+                <c:formatCode>General</c:formatCode>
+                <c:ptCount val="32"/>
+                <c:pt idx="0">
+                  <c:v>0</c:v>
+                </c:pt>
+                <c:pt idx="1">
+                  <c:v>0</c:v>
+                </c:pt>
+                <c:pt idx="2">
+                  <c:v>25</c:v>
+                </c:pt>
+                <c:pt idx="3">
+                  <c:v>87.5</c:v>
+                </c:pt>
+                <c:pt idx="4">
+                  <c:v>87.5</c:v>
+                </c:pt>
+                <c:pt idx="5">
+                  <c:v>87.5</c:v>
+                </c:pt>
+                <c:pt idx="6">
+                  <c:v>75</c:v>
+                </c:pt>
+                <c:pt idx="7">
+                  <c:v>75</c:v>
+                </c:pt>
+                <c:pt idx="8">
+                  <c:v>75</c:v>
+                </c:pt>
+                <c:pt idx="9">
+                  <c:v>75</c:v>
+                </c:pt>
+                <c:pt idx="10">
+                  <c:v>75</c:v>
+                </c:pt>
+                <c:pt idx="11">
+                  <c:v>87.5</c:v>
+                </c:pt>
+                <c:pt idx="12">
+                  <c:v>87.5</c:v>
+                </c:pt>
+                <c:pt idx="13">
+                  <c:v>87.5</c:v>
+                </c:pt>
+                <c:pt idx="14">
+                  <c:v>87.5</c:v>
+                </c:pt>
+                <c:pt idx="15">
+                  <c:v>87.5</c:v>
+                </c:pt>
+                <c:pt idx="16">
+                  <c:v>87.5</c:v>
+                </c:pt>
+                <c:pt idx="17">
+                  <c:v>87.5</c:v>
+                </c:pt>
+                <c:pt idx="18">
+                  <c:v>87.5</c:v>
+                </c:pt>
+                <c:pt idx="19">
+                  <c:v>87.5</c:v>
+                </c:pt>
+                <c:pt idx="20">
+                  <c:v>87.5</c:v>
+                </c:pt>
+                <c:pt idx="21">
+                  <c:v>87.5</c:v>
+                </c:pt>
+                <c:pt idx="22">
+                  <c:v>87.5</c:v>
+                </c:pt>
+                <c:pt idx="23">
+                  <c:v>87.5</c:v>
+                </c:pt>
+                <c:pt idx="24">
+                  <c:v>87.5</c:v>
+                </c:pt>
+                <c:pt idx="25">
+                  <c:v>87.5</c:v>
+                </c:pt>
+                <c:pt idx="26">
+                  <c:v>87.5</c:v>
+                </c:pt>
+                <c:pt idx="27">
+                  <c:v>87.5</c:v>
+                </c:pt>
+                <c:pt idx="28">
+                  <c:v>87.5</c:v>
+                </c:pt>
+                <c:pt idx="29">
+                  <c:v>87.5</c:v>
+                </c:pt>
+                <c:pt idx="30">
+                  <c:v>87.5</c:v>
+                </c:pt>
+                <c:pt idx="31">
+                  <c:v>87.5</c:v>
+                </c:pt>
+              </c:numCache>
+            </c:numRef>
+          </c:yVal>
+          <c:smooth val="0"/>
+          <c:extLst>
+            <c:ext xmlns:c16="http://schemas.microsoft.com/office/drawing/2014/chart" uri="{C3380CC4-5D6E-409C-BE32-E72D297353CC}">
+              <c16:uniqueId val="{00000002-11B2-471B-9353-664EB4DC6139}"/>
+            </c:ext>
+          </c:extLst>
+        </c:ser>
+        <c:ser>
+          <c:idx val="3"/>
+          <c:order val="3"/>
+          <c:tx>
+            <c:strRef>
+              <c:f>'[Book1 (version 1).xlsx]Sheet1'!$E$23</c:f>
+              <c:strCache>
+                <c:ptCount val="1"/>
+                <c:pt idx="0">
+                  <c:v>Sequence 4</c:v>
+                </c:pt>
+              </c:strCache>
+            </c:strRef>
+          </c:tx>
+          <c:spPr>
+            <a:ln w="19050" cap="rnd">
+              <a:solidFill>
+                <a:schemeClr val="accent4"/>
+              </a:solidFill>
+              <a:round/>
+            </a:ln>
+            <a:effectLst/>
+          </c:spPr>
+          <c:marker>
+            <c:symbol val="none"/>
+          </c:marker>
+          <c:xVal>
+            <c:numRef>
+              <c:f>'[Book1 (version 1).xlsx]Sheet1'!$A$24:$A$55</c:f>
+              <c:numCache>
+                <c:formatCode>General</c:formatCode>
+                <c:ptCount val="32"/>
+                <c:pt idx="0">
+                  <c:v>1</c:v>
+                </c:pt>
+                <c:pt idx="1">
+                  <c:v>2</c:v>
+                </c:pt>
+                <c:pt idx="2">
+                  <c:v>3</c:v>
+                </c:pt>
+                <c:pt idx="3">
+                  <c:v>4</c:v>
+                </c:pt>
+                <c:pt idx="4">
+                  <c:v>5</c:v>
+                </c:pt>
+                <c:pt idx="5">
+                  <c:v>6</c:v>
+                </c:pt>
+                <c:pt idx="6">
+                  <c:v>7</c:v>
+                </c:pt>
+                <c:pt idx="7">
+                  <c:v>8</c:v>
+                </c:pt>
+                <c:pt idx="8">
+                  <c:v>9</c:v>
+                </c:pt>
+                <c:pt idx="9">
+                  <c:v>10</c:v>
+                </c:pt>
+                <c:pt idx="10">
+                  <c:v>11</c:v>
+                </c:pt>
+                <c:pt idx="11">
+                  <c:v>12</c:v>
+                </c:pt>
+                <c:pt idx="12">
+                  <c:v>13</c:v>
+                </c:pt>
+                <c:pt idx="13">
+                  <c:v>14</c:v>
+                </c:pt>
+                <c:pt idx="14">
+                  <c:v>15</c:v>
+                </c:pt>
+                <c:pt idx="15">
+                  <c:v>16</c:v>
+                </c:pt>
+                <c:pt idx="16">
+                  <c:v>17</c:v>
+                </c:pt>
+                <c:pt idx="17">
+                  <c:v>18</c:v>
+                </c:pt>
+                <c:pt idx="18">
+                  <c:v>19</c:v>
+                </c:pt>
+                <c:pt idx="19">
+                  <c:v>20</c:v>
+                </c:pt>
+                <c:pt idx="20">
+                  <c:v>21</c:v>
+                </c:pt>
+                <c:pt idx="21">
+                  <c:v>22</c:v>
+                </c:pt>
+                <c:pt idx="22">
+                  <c:v>23</c:v>
+                </c:pt>
+                <c:pt idx="23">
+                  <c:v>24</c:v>
+                </c:pt>
+                <c:pt idx="24">
+                  <c:v>25</c:v>
+                </c:pt>
+                <c:pt idx="25">
+                  <c:v>26</c:v>
+                </c:pt>
+                <c:pt idx="26">
+                  <c:v>27</c:v>
+                </c:pt>
+                <c:pt idx="27">
+                  <c:v>28</c:v>
+                </c:pt>
+                <c:pt idx="28">
+                  <c:v>29</c:v>
+                </c:pt>
+                <c:pt idx="29">
+                  <c:v>30</c:v>
+                </c:pt>
+                <c:pt idx="30">
+                  <c:v>31</c:v>
+                </c:pt>
+                <c:pt idx="31">
+                  <c:v>32</c:v>
+                </c:pt>
+              </c:numCache>
+            </c:numRef>
+          </c:xVal>
+          <c:yVal>
+            <c:numRef>
+              <c:f>'[Book1 (version 1).xlsx]Sheet1'!$E$24:$E$55</c:f>
+              <c:numCache>
+                <c:formatCode>General</c:formatCode>
+                <c:ptCount val="32"/>
+                <c:pt idx="0">
+                  <c:v>0</c:v>
+                </c:pt>
+                <c:pt idx="1">
+                  <c:v>0</c:v>
+                </c:pt>
+                <c:pt idx="2">
+                  <c:v>28.571428571428498</c:v>
+                </c:pt>
+                <c:pt idx="3">
+                  <c:v>85.714285714285694</c:v>
+                </c:pt>
+                <c:pt idx="4">
+                  <c:v>85.714285714285694</c:v>
+                </c:pt>
+                <c:pt idx="5">
+                  <c:v>85.714285714285694</c:v>
+                </c:pt>
+                <c:pt idx="6">
+                  <c:v>57.142857142857103</c:v>
+                </c:pt>
+                <c:pt idx="7">
+                  <c:v>57.142857142857103</c:v>
+                </c:pt>
+                <c:pt idx="8">
+                  <c:v>57.142857142857103</c:v>
+                </c:pt>
+                <c:pt idx="9">
+                  <c:v>71.428571428571402</c:v>
+                </c:pt>
+                <c:pt idx="10">
+                  <c:v>71.428571428571402</c:v>
+                </c:pt>
+                <c:pt idx="11">
+                  <c:v>85.714285714285694</c:v>
+                </c:pt>
+                <c:pt idx="12">
+                  <c:v>85.714285714285694</c:v>
+                </c:pt>
+                <c:pt idx="13">
+                  <c:v>85.714285714285694</c:v>
+                </c:pt>
+                <c:pt idx="14">
+                  <c:v>85.714285714285694</c:v>
+                </c:pt>
+                <c:pt idx="15">
+                  <c:v>85.714285714285694</c:v>
+                </c:pt>
+                <c:pt idx="16">
+                  <c:v>85.714285714285694</c:v>
+                </c:pt>
+                <c:pt idx="17">
+                  <c:v>85.714285714285694</c:v>
+                </c:pt>
+                <c:pt idx="18">
+                  <c:v>85.714285714285694</c:v>
+                </c:pt>
+                <c:pt idx="19">
+                  <c:v>85.714285714285694</c:v>
+                </c:pt>
+                <c:pt idx="20">
+                  <c:v>85.714285714285694</c:v>
+                </c:pt>
+                <c:pt idx="21">
+                  <c:v>85.714285714285694</c:v>
+                </c:pt>
+                <c:pt idx="22">
+                  <c:v>85.714285714285694</c:v>
+                </c:pt>
+                <c:pt idx="23">
+                  <c:v>85.714285714285694</c:v>
+                </c:pt>
+                <c:pt idx="24">
+                  <c:v>85.714285714285694</c:v>
+                </c:pt>
+                <c:pt idx="25">
+                  <c:v>85.714285714285694</c:v>
+                </c:pt>
+                <c:pt idx="26">
+                  <c:v>85.714285714285694</c:v>
+                </c:pt>
+                <c:pt idx="27">
+                  <c:v>85.714285714285694</c:v>
+                </c:pt>
+                <c:pt idx="28">
+                  <c:v>85.714285714285694</c:v>
+                </c:pt>
+                <c:pt idx="29">
+                  <c:v>85.714285714285694</c:v>
+                </c:pt>
+                <c:pt idx="30">
+                  <c:v>85.714285714285694</c:v>
+                </c:pt>
+                <c:pt idx="31">
+                  <c:v>85.714285714285694</c:v>
+                </c:pt>
+              </c:numCache>
+            </c:numRef>
+          </c:yVal>
+          <c:smooth val="0"/>
+          <c:extLst>
+            <c:ext xmlns:c16="http://schemas.microsoft.com/office/drawing/2014/chart" uri="{C3380CC4-5D6E-409C-BE32-E72D297353CC}">
+              <c16:uniqueId val="{00000003-11B2-471B-9353-664EB4DC6139}"/>
+            </c:ext>
+          </c:extLst>
+        </c:ser>
+        <c:ser>
+          <c:idx val="4"/>
+          <c:order val="4"/>
+          <c:tx>
+            <c:strRef>
+              <c:f>'[Book1 (version 1).xlsx]Sheet1'!$F$23</c:f>
+              <c:strCache>
+                <c:ptCount val="1"/>
+                <c:pt idx="0">
+                  <c:v>Sequence 5</c:v>
+                </c:pt>
+              </c:strCache>
+            </c:strRef>
+          </c:tx>
+          <c:spPr>
+            <a:ln w="19050" cap="rnd">
+              <a:solidFill>
+                <a:schemeClr val="accent5"/>
+              </a:solidFill>
+              <a:round/>
+            </a:ln>
+            <a:effectLst/>
+          </c:spPr>
+          <c:marker>
+            <c:symbol val="none"/>
+          </c:marker>
+          <c:xVal>
+            <c:numRef>
+              <c:f>'[Book1 (version 1).xlsx]Sheet1'!$A$24:$A$55</c:f>
+              <c:numCache>
+                <c:formatCode>General</c:formatCode>
+                <c:ptCount val="32"/>
+                <c:pt idx="0">
+                  <c:v>1</c:v>
+                </c:pt>
+                <c:pt idx="1">
+                  <c:v>2</c:v>
+                </c:pt>
+                <c:pt idx="2">
+                  <c:v>3</c:v>
+                </c:pt>
+                <c:pt idx="3">
+                  <c:v>4</c:v>
+                </c:pt>
+                <c:pt idx="4">
+                  <c:v>5</c:v>
+                </c:pt>
+                <c:pt idx="5">
+                  <c:v>6</c:v>
+                </c:pt>
+                <c:pt idx="6">
+                  <c:v>7</c:v>
+                </c:pt>
+                <c:pt idx="7">
+                  <c:v>8</c:v>
+                </c:pt>
+                <c:pt idx="8">
+                  <c:v>9</c:v>
+                </c:pt>
+                <c:pt idx="9">
+                  <c:v>10</c:v>
+                </c:pt>
+                <c:pt idx="10">
+                  <c:v>11</c:v>
+                </c:pt>
+                <c:pt idx="11">
+                  <c:v>12</c:v>
+                </c:pt>
+                <c:pt idx="12">
+                  <c:v>13</c:v>
+                </c:pt>
+                <c:pt idx="13">
+                  <c:v>14</c:v>
+                </c:pt>
+                <c:pt idx="14">
+                  <c:v>15</c:v>
+                </c:pt>
+                <c:pt idx="15">
+                  <c:v>16</c:v>
+                </c:pt>
+                <c:pt idx="16">
+                  <c:v>17</c:v>
+                </c:pt>
+                <c:pt idx="17">
+                  <c:v>18</c:v>
+                </c:pt>
+                <c:pt idx="18">
+                  <c:v>19</c:v>
+                </c:pt>
+                <c:pt idx="19">
+                  <c:v>20</c:v>
+                </c:pt>
+                <c:pt idx="20">
+                  <c:v>21</c:v>
+                </c:pt>
+                <c:pt idx="21">
+                  <c:v>22</c:v>
+                </c:pt>
+                <c:pt idx="22">
+                  <c:v>23</c:v>
+                </c:pt>
+                <c:pt idx="23">
+                  <c:v>24</c:v>
+                </c:pt>
+                <c:pt idx="24">
+                  <c:v>25</c:v>
+                </c:pt>
+                <c:pt idx="25">
+                  <c:v>26</c:v>
+                </c:pt>
+                <c:pt idx="26">
+                  <c:v>27</c:v>
+                </c:pt>
+                <c:pt idx="27">
+                  <c:v>28</c:v>
+                </c:pt>
+                <c:pt idx="28">
+                  <c:v>29</c:v>
+                </c:pt>
+                <c:pt idx="29">
+                  <c:v>30</c:v>
+                </c:pt>
+                <c:pt idx="30">
+                  <c:v>31</c:v>
+                </c:pt>
+                <c:pt idx="31">
+                  <c:v>32</c:v>
+                </c:pt>
+              </c:numCache>
+            </c:numRef>
+          </c:xVal>
+          <c:yVal>
+            <c:numRef>
+              <c:f>'[Book1 (version 1).xlsx]Sheet1'!$F$24:$F$55</c:f>
+              <c:numCache>
+                <c:formatCode>General</c:formatCode>
+                <c:ptCount val="32"/>
+                <c:pt idx="0">
+                  <c:v>0</c:v>
+                </c:pt>
+                <c:pt idx="1">
+                  <c:v>0</c:v>
+                </c:pt>
+                <c:pt idx="2">
+                  <c:v>25</c:v>
+                </c:pt>
+                <c:pt idx="3">
+                  <c:v>75</c:v>
+                </c:pt>
+                <c:pt idx="4">
+                  <c:v>75</c:v>
+                </c:pt>
+                <c:pt idx="5">
+                  <c:v>75</c:v>
+                </c:pt>
+                <c:pt idx="6">
+                  <c:v>75</c:v>
+                </c:pt>
+                <c:pt idx="7">
+                  <c:v>75</c:v>
+                </c:pt>
+                <c:pt idx="8">
+                  <c:v>75</c:v>
+                </c:pt>
+                <c:pt idx="9">
+                  <c:v>75</c:v>
+                </c:pt>
+                <c:pt idx="10">
+                  <c:v>75</c:v>
+                </c:pt>
+                <c:pt idx="11">
+                  <c:v>75</c:v>
+                </c:pt>
+                <c:pt idx="12">
+                  <c:v>75</c:v>
+                </c:pt>
+                <c:pt idx="13">
+                  <c:v>75</c:v>
+                </c:pt>
+                <c:pt idx="14">
+                  <c:v>75</c:v>
+                </c:pt>
+                <c:pt idx="15">
+                  <c:v>75</c:v>
+                </c:pt>
+                <c:pt idx="16">
+                  <c:v>75</c:v>
+                </c:pt>
+                <c:pt idx="17">
+                  <c:v>75</c:v>
+                </c:pt>
+                <c:pt idx="18">
+                  <c:v>75</c:v>
+                </c:pt>
+                <c:pt idx="19">
+                  <c:v>75</c:v>
+                </c:pt>
+                <c:pt idx="20">
+                  <c:v>75</c:v>
+                </c:pt>
+                <c:pt idx="21">
+                  <c:v>75</c:v>
+                </c:pt>
+                <c:pt idx="22">
+                  <c:v>75</c:v>
+                </c:pt>
+                <c:pt idx="23">
+                  <c:v>75</c:v>
+                </c:pt>
+                <c:pt idx="24">
+                  <c:v>75</c:v>
+                </c:pt>
+                <c:pt idx="25">
+                  <c:v>75</c:v>
+                </c:pt>
+                <c:pt idx="26">
+                  <c:v>75</c:v>
+                </c:pt>
+                <c:pt idx="27">
+                  <c:v>75</c:v>
+                </c:pt>
+                <c:pt idx="28">
+                  <c:v>75</c:v>
+                </c:pt>
+                <c:pt idx="29">
+                  <c:v>75</c:v>
+                </c:pt>
+                <c:pt idx="30">
+                  <c:v>75</c:v>
+                </c:pt>
+                <c:pt idx="31">
+                  <c:v>75</c:v>
+                </c:pt>
+              </c:numCache>
+            </c:numRef>
+          </c:yVal>
+          <c:smooth val="0"/>
+          <c:extLst>
+            <c:ext xmlns:c16="http://schemas.microsoft.com/office/drawing/2014/chart" uri="{C3380CC4-5D6E-409C-BE32-E72D297353CC}">
+              <c16:uniqueId val="{00000004-11B2-471B-9353-664EB4DC6139}"/>
+            </c:ext>
+          </c:extLst>
+        </c:ser>
+        <c:dLbls>
+          <c:showLegendKey val="0"/>
+          <c:showVal val="0"/>
+          <c:showCatName val="0"/>
+          <c:showSerName val="0"/>
+          <c:showPercent val="0"/>
+          <c:showBubbleSize val="0"/>
+        </c:dLbls>
+        <c:axId val="621560888"/>
+        <c:axId val="621561208"/>
+      </c:scatterChart>
+      <c:valAx>
+        <c:axId val="621560888"/>
+        <c:scaling>
+          <c:orientation val="minMax"/>
+        </c:scaling>
+        <c:delete val="0"/>
+        <c:axPos val="b"/>
+        <c:title>
+          <c:tx>
+            <c:rich>
+              <a:bodyPr rot="0" spcFirstLastPara="1" vertOverflow="ellipsis" vert="horz" wrap="square" anchor="ctr" anchorCtr="1"/>
+              <a:lstStyle/>
+              <a:p>
+                <a:pPr>
+                  <a:defRPr sz="1000" b="0" i="0" u="none" strike="noStrike" kern="1200" baseline="0">
+                    <a:solidFill>
+                      <a:schemeClr val="tx1">
+                        <a:lumMod val="65000"/>
+                        <a:lumOff val="35000"/>
+                      </a:schemeClr>
+                    </a:solidFill>
+                    <a:latin typeface="+mn-lt"/>
+                    <a:ea typeface="+mn-ea"/>
+                    <a:cs typeface="+mn-cs"/>
+                  </a:defRPr>
+                </a:pPr>
+                <a:r>
+                  <a:rPr lang="en-IN" sz="900">
+                    <a:solidFill>
+                      <a:sysClr val="windowText" lastClr="000000"/>
+                    </a:solidFill>
+                    <a:latin typeface="Times New Roman" panose="02020603050405020304" pitchFamily="18" charset="0"/>
+                    <a:cs typeface="Times New Roman" panose="02020603050405020304" pitchFamily="18" charset="0"/>
+                  </a:rPr>
+                  <a:t>Cycles</a:t>
+                </a:r>
+                <a:endParaRPr lang="en-IN">
+                  <a:solidFill>
+                    <a:sysClr val="windowText" lastClr="000000"/>
+                  </a:solidFill>
+                  <a:latin typeface="Times New Roman" panose="02020603050405020304" pitchFamily="18" charset="0"/>
+                  <a:cs typeface="Times New Roman" panose="02020603050405020304" pitchFamily="18" charset="0"/>
+                </a:endParaRPr>
+              </a:p>
+            </c:rich>
+          </c:tx>
+          <c:layout/>
+          <c:overlay val="0"/>
+          <c:spPr>
+            <a:noFill/>
+            <a:ln>
+              <a:noFill/>
+            </a:ln>
+            <a:effectLst/>
+          </c:spPr>
+          <c:txPr>
+            <a:bodyPr rot="0" spcFirstLastPara="1" vertOverflow="ellipsis" vert="horz" wrap="square" anchor="ctr" anchorCtr="1"/>
+            <a:lstStyle/>
+            <a:p>
+              <a:pPr>
+                <a:defRPr sz="1000" b="0" i="0" u="none" strike="noStrike" kern="1200" baseline="0">
+                  <a:solidFill>
+                    <a:schemeClr val="tx1">
+                      <a:lumMod val="65000"/>
+                      <a:lumOff val="35000"/>
+                    </a:schemeClr>
+                  </a:solidFill>
+                  <a:latin typeface="+mn-lt"/>
+                  <a:ea typeface="+mn-ea"/>
+                  <a:cs typeface="+mn-cs"/>
+                </a:defRPr>
+              </a:pPr>
+              <a:endParaRPr lang="ar-SA"/>
+            </a:p>
+          </c:txPr>
+        </c:title>
+        <c:numFmt formatCode="General" sourceLinked="1"/>
+        <c:majorTickMark val="none"/>
+        <c:minorTickMark val="none"/>
+        <c:tickLblPos val="nextTo"/>
+        <c:spPr>
+          <a:noFill/>
+          <a:ln w="9525" cap="flat" cmpd="sng" algn="ctr">
+            <a:solidFill>
+              <a:schemeClr val="tx1">
+                <a:lumMod val="25000"/>
+                <a:lumOff val="75000"/>
+              </a:schemeClr>
+            </a:solidFill>
+            <a:round/>
+          </a:ln>
+          <a:effectLst/>
+        </c:spPr>
+        <c:txPr>
+          <a:bodyPr rot="-60000000" spcFirstLastPara="1" vertOverflow="ellipsis" vert="horz" wrap="square" anchor="ctr" anchorCtr="1"/>
+          <a:lstStyle/>
+          <a:p>
+            <a:pPr>
+              <a:defRPr sz="900" b="0" i="0" u="none" strike="noStrike" kern="1200" baseline="0">
+                <a:solidFill>
+                  <a:schemeClr val="tx1">
+                    <a:lumMod val="65000"/>
+                    <a:lumOff val="35000"/>
+                  </a:schemeClr>
+                </a:solidFill>
+                <a:latin typeface="+mn-lt"/>
+                <a:ea typeface="+mn-ea"/>
+                <a:cs typeface="+mn-cs"/>
+              </a:defRPr>
+            </a:pPr>
+            <a:endParaRPr lang="ar-SA"/>
+          </a:p>
+        </c:txPr>
+        <c:crossAx val="621561208"/>
+        <c:crosses val="autoZero"/>
+        <c:crossBetween val="midCat"/>
+      </c:valAx>
+      <c:valAx>
+        <c:axId val="621561208"/>
+        <c:scaling>
+          <c:orientation val="minMax"/>
+        </c:scaling>
+        <c:delete val="0"/>
+        <c:axPos val="l"/>
+        <c:majorGridlines>
+          <c:spPr>
+            <a:ln w="9525" cap="flat" cmpd="sng" algn="ctr">
+              <a:solidFill>
+                <a:schemeClr val="tx1">
+                  <a:lumMod val="15000"/>
+                  <a:lumOff val="85000"/>
+                </a:schemeClr>
+              </a:solidFill>
+              <a:round/>
+            </a:ln>
+            <a:effectLst/>
+          </c:spPr>
+        </c:majorGridlines>
+        <c:title>
+          <c:tx>
+            <c:rich>
+              <a:bodyPr rot="-5400000" spcFirstLastPara="1" vertOverflow="ellipsis" vert="horz" wrap="square" anchor="ctr" anchorCtr="1"/>
+              <a:lstStyle/>
+              <a:p>
+                <a:pPr>
+                  <a:defRPr sz="1000" b="0" i="0" u="none" strike="noStrike" kern="1200" baseline="0">
+                    <a:solidFill>
+                      <a:schemeClr val="tx1">
+                        <a:lumMod val="65000"/>
+                        <a:lumOff val="35000"/>
+                      </a:schemeClr>
+                    </a:solidFill>
+                    <a:latin typeface="+mn-lt"/>
+                    <a:ea typeface="+mn-ea"/>
+                    <a:cs typeface="+mn-cs"/>
+                  </a:defRPr>
+                </a:pPr>
+                <a:r>
+                  <a:rPr lang="en-IN" sz="900">
+                    <a:solidFill>
+                      <a:sysClr val="windowText" lastClr="000000"/>
+                    </a:solidFill>
+                    <a:latin typeface="Times New Roman" panose="02020603050405020304" pitchFamily="18" charset="0"/>
+                    <a:cs typeface="Times New Roman" panose="02020603050405020304" pitchFamily="18" charset="0"/>
+                  </a:rPr>
+                  <a:t>Accuracy (%)</a:t>
+                </a:r>
+              </a:p>
+            </c:rich>
+          </c:tx>
+          <c:layout/>
+          <c:overlay val="0"/>
+          <c:spPr>
+            <a:noFill/>
+            <a:ln>
+              <a:noFill/>
+            </a:ln>
+            <a:effectLst/>
+          </c:spPr>
+          <c:txPr>
+            <a:bodyPr rot="-5400000" spcFirstLastPara="1" vertOverflow="ellipsis" vert="horz" wrap="square" anchor="ctr" anchorCtr="1"/>
+            <a:lstStyle/>
+            <a:p>
+              <a:pPr>
+                <a:defRPr sz="1000" b="0" i="0" u="none" strike="noStrike" kern="1200" baseline="0">
+                  <a:solidFill>
+                    <a:schemeClr val="tx1">
+                      <a:lumMod val="65000"/>
+                      <a:lumOff val="35000"/>
+                    </a:schemeClr>
+                  </a:solidFill>
+                  <a:latin typeface="+mn-lt"/>
+                  <a:ea typeface="+mn-ea"/>
+                  <a:cs typeface="+mn-cs"/>
+                </a:defRPr>
+              </a:pPr>
+              <a:endParaRPr lang="ar-SA"/>
+            </a:p>
+          </c:txPr>
+        </c:title>
+        <c:numFmt formatCode="General" sourceLinked="1"/>
+        <c:majorTickMark val="none"/>
+        <c:minorTickMark val="none"/>
+        <c:tickLblPos val="nextTo"/>
+        <c:spPr>
+          <a:noFill/>
+          <a:ln w="9525" cap="flat" cmpd="sng" algn="ctr">
+            <a:solidFill>
+              <a:schemeClr val="tx1">
+                <a:lumMod val="25000"/>
+                <a:lumOff val="75000"/>
+              </a:schemeClr>
+            </a:solidFill>
+            <a:round/>
+          </a:ln>
+          <a:effectLst/>
+        </c:spPr>
+        <c:txPr>
+          <a:bodyPr rot="-60000000" spcFirstLastPara="1" vertOverflow="ellipsis" vert="horz" wrap="square" anchor="ctr" anchorCtr="1"/>
+          <a:lstStyle/>
+          <a:p>
+            <a:pPr>
+              <a:defRPr sz="900" b="0" i="0" u="none" strike="noStrike" kern="1200" baseline="0">
+                <a:solidFill>
+                  <a:schemeClr val="tx1">
+                    <a:lumMod val="65000"/>
+                    <a:lumOff val="35000"/>
+                  </a:schemeClr>
+                </a:solidFill>
+                <a:latin typeface="+mn-lt"/>
+                <a:ea typeface="+mn-ea"/>
+                <a:cs typeface="+mn-cs"/>
+              </a:defRPr>
+            </a:pPr>
+            <a:endParaRPr lang="ar-SA"/>
+          </a:p>
+        </c:txPr>
+        <c:crossAx val="621560888"/>
+        <c:crosses val="autoZero"/>
+        <c:crossBetween val="midCat"/>
+      </c:valAx>
+      <c:spPr>
+        <a:noFill/>
+        <a:ln>
+          <a:noFill/>
+        </a:ln>
+        <a:effectLst/>
+      </c:spPr>
+    </c:plotArea>
+    <c:legend>
+      <c:legendPos val="b"/>
+      <c:layout/>
+      <c:overlay val="0"/>
+      <c:spPr>
+        <a:noFill/>
+        <a:ln>
+          <a:noFill/>
+        </a:ln>
+        <a:effectLst/>
+      </c:spPr>
+      <c:txPr>
+        <a:bodyPr rot="0" spcFirstLastPara="1" vertOverflow="ellipsis" vert="horz" wrap="square" anchor="ctr" anchorCtr="1"/>
+        <a:lstStyle/>
+        <a:p>
+          <a:pPr>
+            <a:defRPr sz="900" b="0" i="0" u="none" strike="noStrike" kern="1200" baseline="0">
+              <a:solidFill>
+                <a:schemeClr val="tx1">
+                  <a:lumMod val="65000"/>
+                  <a:lumOff val="35000"/>
+                </a:schemeClr>
+              </a:solidFill>
+              <a:latin typeface="+mn-lt"/>
+              <a:ea typeface="+mn-ea"/>
+              <a:cs typeface="+mn-cs"/>
+            </a:defRPr>
+          </a:pPr>
+          <a:endParaRPr lang="ar-SA"/>
+        </a:p>
+      </c:txPr>
+    </c:legend>
+    <c:plotVisOnly val="1"/>
+    <c:dispBlanksAs val="gap"/>
+    <c:showDLblsOverMax val="0"/>
+    <c:extLst>
+      <c:ext xmlns:c16r3="http://schemas.microsoft.com/office/drawing/2017/03/chart" uri="{56B9EC1D-385E-4148-901F-78D8002777C0}">
+        <c16r3:dataDisplayOptions16>
+          <c16r3:dispNaAsBlank val="1"/>
+        </c16r3:dataDisplayOptions16>
+      </c:ext>
+    </c:extLst>
+  </c:chart>
+  <c:spPr>
+    <a:noFill/>
+    <a:ln>
+      <a:noFill/>
+    </a:ln>
+    <a:effectLst/>
+  </c:spPr>
+  <c:txPr>
+    <a:bodyPr/>
+    <a:lstStyle/>
+    <a:p>
+      <a:pPr>
+        <a:defRPr/>
+      </a:pPr>
+      <a:endParaRPr lang="ar-SA"/>
+    </a:p>
+  </c:txPr>
+  <c:externalData r:id="rId3">
+    <c:autoUpdate val="0"/>
+  </c:externalData>
+</c:chartSpace>
+</file>
+
+<file path=ppt/charts/colors1.xml><?xml version="1.0" encoding="utf-8"?>
+<cs:colorStyle xmlns:cs="http://schemas.microsoft.com/office/drawing/2012/chartStyle" xmlns:a="http://schemas.openxmlformats.org/drawingml/2006/main" meth="cycle" id="10">
+  <a:schemeClr val="accent1"/>
+  <a:schemeClr val="accent2"/>
+  <a:schemeClr val="accent3"/>
+  <a:schemeClr val="accent4"/>
+  <a:schemeClr val="accent5"/>
+  <a:schemeClr val="accent6"/>
+  <cs:variation/>
+  <cs:variation>
+    <a:lumMod val="60000"/>
+  </cs:variation>
+  <cs:variation>
+    <a:lumMod val="80000"/>
+    <a:lumOff val="20000"/>
+  </cs:variation>
+  <cs:variation>
+    <a:lumMod val="80000"/>
+  </cs:variation>
+  <cs:variation>
+    <a:lumMod val="60000"/>
+    <a:lumOff val="40000"/>
+  </cs:variation>
+  <cs:variation>
+    <a:lumMod val="50000"/>
+  </cs:variation>
+  <cs:variation>
+    <a:lumMod val="70000"/>
+    <a:lumOff val="30000"/>
+  </cs:variation>
+  <cs:variation>
+    <a:lumMod val="70000"/>
+  </cs:variation>
+  <cs:variation>
+    <a:lumMod val="50000"/>
+    <a:lumOff val="50000"/>
+  </cs:variation>
+</cs:colorStyle>
+</file>
+
+<file path=ppt/charts/style1.xml><?xml version="1.0" encoding="utf-8"?>
+<cs:chartStyle xmlns:cs="http://schemas.microsoft.com/office/drawing/2012/chartStyle" xmlns:a="http://schemas.openxmlformats.org/drawingml/2006/main" id="240">
+  <cs:axisTitle>
+    <cs:lnRef idx="0"/>
+    <cs:fillRef idx="0"/>
+    <cs:effectRef idx="0"/>
+    <cs:fontRef idx="minor">
+      <a:schemeClr val="tx1">
+        <a:lumMod val="65000"/>
+        <a:lumOff val="35000"/>
+      </a:schemeClr>
+    </cs:fontRef>
+    <cs:defRPr sz="1000" kern="1200"/>
+  </cs:axisTitle>
+  <cs:categoryAxis>
+    <cs:lnRef idx="0"/>
+    <cs:fillRef idx="0"/>
+    <cs:effectRef idx="0"/>
+    <cs:fontRef idx="minor">
+      <a:schemeClr val="tx1">
+        <a:lumMod val="65000"/>
+        <a:lumOff val="35000"/>
+      </a:schemeClr>
+    </cs:fontRef>
+    <cs:spPr>
+      <a:ln w="9525" cap="flat" cmpd="sng" algn="ctr">
+        <a:solidFill>
+          <a:schemeClr val="tx1">
+            <a:lumMod val="25000"/>
+            <a:lumOff val="75000"/>
+          </a:schemeClr>
+        </a:solidFill>
+        <a:round/>
+      </a:ln>
+    </cs:spPr>
+    <cs:defRPr sz="900" kern="1200"/>
+  </cs:categoryAxis>
+  <cs:chartArea mods="allowNoFillOverride allowNoLineOverride">
+    <cs:lnRef idx="0"/>
+    <cs:fillRef idx="0"/>
+    <cs:effectRef idx="0"/>
+    <cs:fontRef idx="minor">
+      <a:schemeClr val="tx1"/>
+    </cs:fontRef>
+    <cs:spPr>
+      <a:solidFill>
+        <a:schemeClr val="bg1"/>
+      </a:solidFill>
+      <a:ln w="9525" cap="flat" cmpd="sng" algn="ctr">
+        <a:solidFill>
+          <a:schemeClr val="tx1">
+            <a:lumMod val="15000"/>
+            <a:lumOff val="85000"/>
+          </a:schemeClr>
+        </a:solidFill>
+        <a:round/>
+      </a:ln>
+    </cs:spPr>
+    <cs:defRPr sz="1000" kern="1200"/>
+  </cs:chartArea>
+  <cs:dataLabel>
+    <cs:lnRef idx="0"/>
+    <cs:fillRef idx="0"/>
+    <cs:effectRef idx="0"/>
+    <cs:fontRef idx="minor">
+      <a:schemeClr val="tx1">
+        <a:lumMod val="75000"/>
+        <a:lumOff val="25000"/>
+      </a:schemeClr>
+    </cs:fontRef>
+    <cs:defRPr sz="900" kern="1200"/>
+  </cs:dataLabel>
+  <cs:dataLabelCallout>
+    <cs:lnRef idx="0"/>
+    <cs:fillRef idx="0"/>
+    <cs:effectRef idx="0"/>
+    <cs:fontRef idx="minor">
+      <a:schemeClr val="dk1">
+        <a:lumMod val="65000"/>
+        <a:lumOff val="35000"/>
+      </a:schemeClr>
+    </cs:fontRef>
+    <cs:spPr>
+      <a:solidFill>
+        <a:schemeClr val="lt1"/>
+      </a:solidFill>
+      <a:ln>
+        <a:solidFill>
+          <a:schemeClr val="dk1">
+            <a:lumMod val="25000"/>
+            <a:lumOff val="75000"/>
+          </a:schemeClr>
+        </a:solidFill>
+      </a:ln>
+    </cs:spPr>
+    <cs:defRPr sz="900" kern="1200"/>
+    <cs:bodyPr rot="0" spcFirstLastPara="1" vertOverflow="clip" horzOverflow="clip" vert="horz" wrap="square" lIns="36576" tIns="18288" rIns="36576" bIns="18288" anchor="ctr" anchorCtr="1">
+      <a:spAutoFit/>
+    </cs:bodyPr>
+  </cs:dataLabelCallout>
+  <cs:dataPoint>
+    <cs:lnRef idx="0"/>
+    <cs:fillRef idx="1">
+      <cs:styleClr val="auto"/>
+    </cs:fillRef>
+    <cs:effectRef idx="0"/>
+    <cs:fontRef idx="minor">
+      <a:schemeClr val="tx1"/>
+    </cs:fontRef>
+  </cs:dataPoint>
+  <cs:dataPoint3D>
+    <cs:lnRef idx="0"/>
+    <cs:fillRef idx="1">
+      <cs:styleClr val="auto"/>
+    </cs:fillRef>
+    <cs:effectRef idx="0"/>
+    <cs:fontRef idx="minor">
+      <a:schemeClr val="tx1"/>
+    </cs:fontRef>
+  </cs:dataPoint3D>
+  <cs:dataPointLine>
+    <cs:lnRef idx="0">
+      <cs:styleClr val="auto"/>
+    </cs:lnRef>
+    <cs:fillRef idx="1"/>
+    <cs:effectRef idx="0"/>
+    <cs:fontRef idx="minor">
+      <a:schemeClr val="tx1"/>
+    </cs:fontRef>
+    <cs:spPr>
+      <a:ln w="19050" cap="rnd">
+        <a:solidFill>
+          <a:schemeClr val="phClr"/>
+        </a:solidFill>
+        <a:round/>
+      </a:ln>
+    </cs:spPr>
+  </cs:dataPointLine>
+  <cs:dataPointMarker>
+    <cs:lnRef idx="0">
+      <cs:styleClr val="auto"/>
+    </cs:lnRef>
+    <cs:fillRef idx="1">
+      <cs:styleClr val="auto"/>
+    </cs:fillRef>
+    <cs:effectRef idx="0"/>
+    <cs:fontRef idx="minor">
+      <a:schemeClr val="tx1"/>
+    </cs:fontRef>
+    <cs:spPr>
+      <a:ln w="9525">
+        <a:solidFill>
+          <a:schemeClr val="phClr"/>
+        </a:solidFill>
+      </a:ln>
+    </cs:spPr>
+  </cs:dataPointMarker>
+  <cs:dataPointMarkerLayout symbol="circle" size="5"/>
+  <cs:dataPointWireframe>
+    <cs:lnRef idx="0">
+      <cs:styleClr val="auto"/>
+    </cs:lnRef>
+    <cs:fillRef idx="0"/>
+    <cs:effectRef idx="0"/>
+    <cs:fontRef idx="minor">
+      <a:schemeClr val="dk1"/>
+    </cs:fontRef>
+    <cs:spPr>
+      <a:ln w="9525" cap="rnd">
+        <a:solidFill>
+          <a:schemeClr val="phClr"/>
+        </a:solidFill>
+        <a:round/>
+      </a:ln>
+    </cs:spPr>
+  </cs:dataPointWireframe>
+  <cs:dataTable>
+    <cs:lnRef idx="0"/>
+    <cs:fillRef idx="0"/>
+    <cs:effectRef idx="0"/>
+    <cs:fontRef idx="minor">
+      <a:schemeClr val="tx1">
+        <a:lumMod val="65000"/>
+        <a:lumOff val="35000"/>
+      </a:schemeClr>
+    </cs:fontRef>
+    <cs:spPr>
+      <a:noFill/>
+      <a:ln w="9525" cap="flat" cmpd="sng" algn="ctr">
+        <a:solidFill>
+          <a:schemeClr val="tx1">
+            <a:lumMod val="15000"/>
+            <a:lumOff val="85000"/>
+          </a:schemeClr>
+        </a:solidFill>
+        <a:round/>
+      </a:ln>
+    </cs:spPr>
+    <cs:defRPr sz="900" kern="1200"/>
+  </cs:dataTable>
+  <cs:downBar>
+    <cs:lnRef idx="0"/>
+    <cs:fillRef idx="0"/>
+    <cs:effectRef idx="0"/>
+    <cs:fontRef idx="minor">
+      <a:schemeClr val="tx1"/>
+    </cs:fontRef>
+    <cs:spPr>
+      <a:solidFill>
+        <a:schemeClr val="dk1">
+          <a:lumMod val="75000"/>
+          <a:lumOff val="25000"/>
+        </a:schemeClr>
+      </a:solidFill>
+      <a:ln w="9525" cap="flat" cmpd="sng" algn="ctr">
+        <a:solidFill>
+          <a:schemeClr val="tx1">
+            <a:lumMod val="65000"/>
+            <a:lumOff val="35000"/>
+          </a:schemeClr>
+        </a:solidFill>
+        <a:round/>
+      </a:ln>
+    </cs:spPr>
+  </cs:downBar>
+  <cs:dropLine>
+    <cs:lnRef idx="0"/>
+    <cs:fillRef idx="0"/>
+    <cs:effectRef idx="0"/>
+    <cs:fontRef idx="minor">
+      <a:schemeClr val="tx1"/>
+    </cs:fontRef>
+    <cs:spPr>
+      <a:ln w="9525" cap="flat" cmpd="sng" algn="ctr">
+        <a:solidFill>
+          <a:schemeClr val="tx1">
+            <a:lumMod val="35000"/>
+            <a:lumOff val="65000"/>
+          </a:schemeClr>
+        </a:solidFill>
+        <a:round/>
+      </a:ln>
+    </cs:spPr>
+  </cs:dropLine>
+  <cs:errorBar>
+    <cs:lnRef idx="0"/>
+    <cs:fillRef idx="0"/>
+    <cs:effectRef idx="0"/>
+    <cs:fontRef idx="minor">
+      <a:schemeClr val="tx1"/>
+    </cs:fontRef>
+    <cs:spPr>
+      <a:ln w="9525" cap="flat" cmpd="sng" algn="ctr">
+        <a:solidFill>
+          <a:schemeClr val="tx1">
+            <a:lumMod val="65000"/>
+            <a:lumOff val="35000"/>
+          </a:schemeClr>
+        </a:solidFill>
+        <a:round/>
+      </a:ln>
+    </cs:spPr>
+  </cs:errorBar>
+  <cs:floor>
+    <cs:lnRef idx="0"/>
+    <cs:fillRef idx="0"/>
+    <cs:effectRef idx="0"/>
+    <cs:fontRef idx="minor">
+      <a:schemeClr val="tx1"/>
+    </cs:fontRef>
+    <cs:spPr>
+      <a:noFill/>
+      <a:ln>
+        <a:noFill/>
+      </a:ln>
+    </cs:spPr>
+  </cs:floor>
+  <cs:gridlineMajor>
+    <cs:lnRef idx="0"/>
+    <cs:fillRef idx="0"/>
+    <cs:effectRef idx="0"/>
+    <cs:fontRef idx="minor">
+      <a:schemeClr val="tx1"/>
+    </cs:fontRef>
+    <cs:spPr>
+      <a:ln w="9525" cap="flat" cmpd="sng" algn="ctr">
+        <a:solidFill>
+          <a:schemeClr val="tx1">
+            <a:lumMod val="15000"/>
+            <a:lumOff val="85000"/>
+          </a:schemeClr>
+        </a:solidFill>
+        <a:round/>
+      </a:ln>
+    </cs:spPr>
+  </cs:gridlineMajor>
+  <cs:gridlineMinor>
+    <cs:lnRef idx="0"/>
+    <cs:fillRef idx="0"/>
+    <cs:effectRef idx="0"/>
+    <cs:fontRef idx="minor">
+      <a:schemeClr val="tx1"/>
+    </cs:fontRef>
+    <cs:spPr>
+      <a:ln w="9525" cap="flat" cmpd="sng" algn="ctr">
+        <a:solidFill>
+          <a:schemeClr val="tx1">
+            <a:lumMod val="5000"/>
+            <a:lumOff val="95000"/>
+          </a:schemeClr>
+        </a:solidFill>
+        <a:round/>
+      </a:ln>
+    </cs:spPr>
+  </cs:gridlineMinor>
+  <cs:hiLoLine>
+    <cs:lnRef idx="0"/>
+    <cs:fillRef idx="0"/>
+    <cs:effectRef idx="0"/>
+    <cs:fontRef idx="minor">
+      <a:schemeClr val="tx1"/>
+    </cs:fontRef>
+    <cs:spPr>
+      <a:ln w="9525" cap="flat" cmpd="sng" algn="ctr">
+        <a:solidFill>
+          <a:schemeClr val="tx1">
+            <a:lumMod val="50000"/>
+            <a:lumOff val="50000"/>
+          </a:schemeClr>
+        </a:solidFill>
+        <a:round/>
+      </a:ln>
+    </cs:spPr>
+  </cs:hiLoLine>
+  <cs:leaderLine>
+    <cs:lnRef idx="0"/>
+    <cs:fillRef idx="0"/>
+    <cs:effectRef idx="0"/>
+    <cs:fontRef idx="minor">
+      <a:schemeClr val="tx1"/>
+    </cs:fontRef>
+    <cs:spPr>
+      <a:ln w="9525" cap="flat" cmpd="sng" algn="ctr">
+        <a:solidFill>
+          <a:schemeClr val="tx1">
+            <a:lumMod val="35000"/>
+            <a:lumOff val="65000"/>
+          </a:schemeClr>
+        </a:solidFill>
+        <a:round/>
+      </a:ln>
+    </cs:spPr>
+  </cs:leaderLine>
+  <cs:legend>
+    <cs:lnRef idx="0"/>
+    <cs:fillRef idx="0"/>
+    <cs:effectRef idx="0"/>
+    <cs:fontRef idx="minor">
+      <a:schemeClr val="tx1">
+        <a:lumMod val="65000"/>
+        <a:lumOff val="35000"/>
+      </a:schemeClr>
+    </cs:fontRef>
+    <cs:defRPr sz="900" kern="1200"/>
+  </cs:legend>
+  <cs:plotArea mods="allowNoFillOverride allowNoLineOverride">
+    <cs:lnRef idx="0"/>
+    <cs:fillRef idx="0"/>
+    <cs:effectRef idx="0"/>
+    <cs:fontRef idx="minor">
+      <a:schemeClr val="tx1"/>
+    </cs:fontRef>
+  </cs:plotArea>
+  <cs:plotArea3D mods="allowNoFillOverride allowNoLineOverride">
+    <cs:lnRef idx="0"/>
+    <cs:fillRef idx="0"/>
+    <cs:effectRef idx="0"/>
+    <cs:fontRef idx="minor">
+      <a:schemeClr val="tx1"/>
+    </cs:fontRef>
+  </cs:plotArea3D>
+  <cs:seriesAxis>
+    <cs:lnRef idx="0"/>
+    <cs:fillRef idx="0"/>
+    <cs:effectRef idx="0"/>
+    <cs:fontRef idx="minor">
+      <a:schemeClr val="tx1">
+        <a:lumMod val="65000"/>
+        <a:lumOff val="35000"/>
+      </a:schemeClr>
+    </cs:fontRef>
+    <cs:defRPr sz="900" kern="1200"/>
+  </cs:seriesAxis>
+  <cs:seriesLine>
+    <cs:lnRef idx="0"/>
+    <cs:fillRef idx="0"/>
+    <cs:effectRef idx="0"/>
+    <cs:fontRef idx="minor">
+      <a:schemeClr val="tx1"/>
+    </cs:fontRef>
+    <cs:spPr>
+      <a:ln w="9525" cap="flat" cmpd="sng" algn="ctr">
+        <a:solidFill>
+          <a:schemeClr val="tx1">
+            <a:lumMod val="35000"/>
+            <a:lumOff val="65000"/>
+          </a:schemeClr>
+        </a:solidFill>
+        <a:round/>
+      </a:ln>
+    </cs:spPr>
+  </cs:seriesLine>
+  <cs:title>
+    <cs:lnRef idx="0"/>
+    <cs:fillRef idx="0"/>
+    <cs:effectRef idx="0"/>
+    <cs:fontRef idx="minor">
+      <a:schemeClr val="tx1">
+        <a:lumMod val="65000"/>
+        <a:lumOff val="35000"/>
+      </a:schemeClr>
+    </cs:fontRef>
+    <cs:defRPr sz="1400" b="0" kern="1200" spc="0" baseline="0"/>
+  </cs:title>
+  <cs:trendline>
+    <cs:lnRef idx="0">
+      <cs:styleClr val="auto"/>
+    </cs:lnRef>
+    <cs:fillRef idx="0"/>
+    <cs:effectRef idx="0"/>
+    <cs:fontRef idx="minor">
+      <a:schemeClr val="tx1"/>
+    </cs:fontRef>
+    <cs:spPr>
+      <a:ln w="19050" cap="rnd">
+        <a:solidFill>
+          <a:schemeClr val="phClr"/>
+        </a:solidFill>
+        <a:prstDash val="sysDot"/>
+      </a:ln>
+    </cs:spPr>
+  </cs:trendline>
+  <cs:trendlineLabel>
+    <cs:lnRef idx="0"/>
+    <cs:fillRef idx="0"/>
+    <cs:effectRef idx="0"/>
+    <cs:fontRef idx="minor">
+      <a:schemeClr val="tx1">
+        <a:lumMod val="65000"/>
+        <a:lumOff val="35000"/>
+      </a:schemeClr>
+    </cs:fontRef>
+    <cs:defRPr sz="900" kern="1200"/>
+  </cs:trendlineLabel>
+  <cs:upBar>
+    <cs:lnRef idx="0"/>
+    <cs:fillRef idx="0"/>
+    <cs:effectRef idx="0"/>
+    <cs:fontRef idx="minor">
+      <a:schemeClr val="tx1"/>
+    </cs:fontRef>
+    <cs:spPr>
+      <a:solidFill>
+        <a:schemeClr val="lt1"/>
+      </a:solidFill>
+      <a:ln w="9525" cap="flat" cmpd="sng" algn="ctr">
+        <a:solidFill>
+          <a:schemeClr val="tx1">
+            <a:lumMod val="65000"/>
+            <a:lumOff val="35000"/>
+          </a:schemeClr>
+        </a:solidFill>
+        <a:round/>
+      </a:ln>
+    </cs:spPr>
+  </cs:upBar>
+  <cs:valueAxis>
+    <cs:lnRef idx="0"/>
+    <cs:fillRef idx="0"/>
+    <cs:effectRef idx="0"/>
+    <cs:fontRef idx="minor">
+      <a:schemeClr val="tx1">
+        <a:lumMod val="65000"/>
+        <a:lumOff val="35000"/>
+      </a:schemeClr>
+    </cs:fontRef>
+    <cs:spPr>
+      <a:ln w="9525" cap="flat" cmpd="sng" algn="ctr">
+        <a:solidFill>
+          <a:schemeClr val="tx1">
+            <a:lumMod val="25000"/>
+            <a:lumOff val="75000"/>
+          </a:schemeClr>
+        </a:solidFill>
+        <a:round/>
+      </a:ln>
+    </cs:spPr>
+    <cs:defRPr sz="900" kern="1200"/>
+  </cs:valueAxis>
+  <cs:wall>
+    <cs:lnRef idx="0"/>
+    <cs:fillRef idx="0"/>
+    <cs:effectRef idx="0"/>
+    <cs:fontRef idx="minor">
+      <a:schemeClr val="tx1"/>
+    </cs:fontRef>
+    <cs:spPr>
+      <a:noFill/>
+      <a:ln>
+        <a:noFill/>
+      </a:ln>
+    </cs:spPr>
+  </cs:wall>
+</cs:chartStyle>
+</file>
+
 <file path=ppt/notesMasters/notesMaster1.xml><?xml version="1.0" encoding="utf-8"?>
 <p:notesMaster xmlns:a="http://schemas.openxmlformats.org/drawingml/2006/main" xmlns:r="http://schemas.openxmlformats.org/officeDocument/2006/relationships" xmlns:p="http://schemas.openxmlformats.org/presentationml/2006/main">
   <p:cSld>
@@ -210,7 +2389,7 @@
           <a:p>
             <a:fld id="{5B041F66-0B57-9A48-9465-56FFF332D349}" type="datetimeFigureOut">
               <a:rPr lang="en-US" smtClean="0"/>
-              <a:t>3/26/23</a:t>
+              <a:t>3/27/2023</a:t>
             </a:fld>
             <a:endParaRPr lang="en-US"/>
           </a:p>
@@ -718,7 +2897,7 @@
           <a:p>
             <a:fld id="{5E7AA473-D82F-4EFF-9DF7-AE6D83C51288}" type="datetime1">
               <a:rPr lang="en-US" smtClean="0"/>
-              <a:t>3/26/23</a:t>
+              <a:t>3/27/2023</a:t>
             </a:fld>
             <a:endParaRPr lang="en-US"/>
           </a:p>
@@ -786,7 +2965,7 @@
                 <a16:creationId xmlns:a16="http://schemas.microsoft.com/office/drawing/2014/main" id="{F3FF94B3-6D3E-44FE-BB02-A9027C0003C7}"/>
               </a:ext>
               <a:ext uri="{C183D7F6-B498-43B3-948B-1728B52AA6E4}">
-                <adec:decorative xmlns:adec="http://schemas.microsoft.com/office/drawing/2017/decorative" val="1"/>
+                <adec:decorative xmlns:adec="http://schemas.microsoft.com/office/drawing/2017/decorative" xmlns="" val="1"/>
               </a:ext>
             </a:extLst>
           </p:cNvPr>
@@ -972,7 +3151,7 @@
           <a:p>
             <a:fld id="{1E12F1F0-FE2D-4C1C-B320-8CB9BE735F0F}" type="datetime1">
               <a:rPr lang="en-US" smtClean="0"/>
-              <a:t>3/26/23</a:t>
+              <a:t>3/27/2023</a:t>
             </a:fld>
             <a:endParaRPr lang="en-US"/>
           </a:p>
@@ -1070,7 +3249,7 @@
                 <a16:creationId xmlns:a16="http://schemas.microsoft.com/office/drawing/2014/main" id="{BD7BD47B-C187-494C-812F-46BE0040B915}"/>
               </a:ext>
               <a:ext uri="{C183D7F6-B498-43B3-948B-1728B52AA6E4}">
-                <adec:decorative xmlns:adec="http://schemas.microsoft.com/office/drawing/2017/decorative" val="1"/>
+                <adec:decorative xmlns:adec="http://schemas.microsoft.com/office/drawing/2017/decorative" xmlns="" val="1"/>
               </a:ext>
             </a:extLst>
           </p:cNvPr>
@@ -1240,7 +3419,7 @@
           <a:p>
             <a:fld id="{2CF1B96C-10FD-4EBC-9029-9652B7535D02}" type="datetime1">
               <a:rPr lang="en-US" smtClean="0"/>
-              <a:t>3/26/23</a:t>
+              <a:t>3/27/2023</a:t>
             </a:fld>
             <a:endParaRPr lang="en-US"/>
           </a:p>
@@ -1308,7 +3487,7 @@
                 <a16:creationId xmlns:a16="http://schemas.microsoft.com/office/drawing/2014/main" id="{4618136A-0796-46EB-89BB-4C73C0258FE9}"/>
               </a:ext>
               <a:ext uri="{C183D7F6-B498-43B3-948B-1728B52AA6E4}">
-                <adec:decorative xmlns:adec="http://schemas.microsoft.com/office/drawing/2017/decorative" val="1"/>
+                <adec:decorative xmlns:adec="http://schemas.microsoft.com/office/drawing/2017/decorative" xmlns="" val="1"/>
               </a:ext>
             </a:extLst>
           </p:cNvPr>
@@ -1494,7 +3673,7 @@
           <a:p>
             <a:fld id="{14878474-CC00-4A95-9D50-A41C12D1EEC4}" type="datetime1">
               <a:rPr lang="en-US" smtClean="0"/>
-              <a:t>3/26/23</a:t>
+              <a:t>3/27/2023</a:t>
             </a:fld>
             <a:endParaRPr lang="en-US"/>
           </a:p>
@@ -1772,7 +3951,7 @@
           <a:p>
             <a:fld id="{7F38C8B4-7FBB-408F-BDB9-F0496874AFB2}" type="datetime1">
               <a:rPr lang="en-US" smtClean="0"/>
-              <a:t>3/26/23</a:t>
+              <a:t>3/27/2023</a:t>
             </a:fld>
             <a:endParaRPr lang="en-US"/>
           </a:p>
@@ -2044,7 +4223,7 @@
           <a:p>
             <a:fld id="{2BB8EE20-A5E2-47D3-8F6D-A2BA7AB2E093}" type="datetime1">
               <a:rPr lang="en-US" smtClean="0"/>
-              <a:t>3/26/23</a:t>
+              <a:t>3/27/2023</a:t>
             </a:fld>
             <a:endParaRPr lang="en-US"/>
           </a:p>
@@ -2142,7 +4321,7 @@
                 <a16:creationId xmlns:a16="http://schemas.microsoft.com/office/drawing/2014/main" id="{BF4AA536-072F-4374-926E-17E038EC7E98}"/>
               </a:ext>
               <a:ext uri="{C183D7F6-B498-43B3-948B-1728B52AA6E4}">
-                <adec:decorative xmlns:adec="http://schemas.microsoft.com/office/drawing/2017/decorative" val="1"/>
+                <adec:decorative xmlns:adec="http://schemas.microsoft.com/office/drawing/2017/decorative" xmlns="" val="1"/>
               </a:ext>
             </a:extLst>
           </p:cNvPr>
@@ -2602,7 +4781,7 @@
           <a:p>
             <a:fld id="{3382CF99-132F-413F-B7EF-71A5C33F2ED6}" type="datetime1">
               <a:rPr lang="en-US" smtClean="0"/>
-              <a:t>3/26/23</a:t>
+              <a:t>3/27/2023</a:t>
             </a:fld>
             <a:endParaRPr lang="en-US"/>
           </a:p>
@@ -2744,7 +4923,7 @@
           <a:p>
             <a:fld id="{1F17AE06-98E0-4D9F-A059-92C3548821BB}" type="datetime1">
               <a:rPr lang="en-US" smtClean="0"/>
-              <a:t>3/26/23</a:t>
+              <a:t>3/27/2023</a:t>
             </a:fld>
             <a:endParaRPr lang="en-US"/>
           </a:p>
@@ -2857,7 +5036,7 @@
           <a:p>
             <a:fld id="{FFBA00CA-3DDC-4705-B840-978EF5EA0707}" type="datetime1">
               <a:rPr lang="en-US" smtClean="0"/>
-              <a:t>3/26/23</a:t>
+              <a:t>3/27/2023</a:t>
             </a:fld>
             <a:endParaRPr lang="en-US"/>
           </a:p>
@@ -3176,7 +5355,7 @@
           <a:p>
             <a:fld id="{FC366D49-0BBA-4C5A-AD96-6448CA63451A}" type="datetime1">
               <a:rPr lang="en-US" smtClean="0"/>
-              <a:t>3/26/23</a:t>
+              <a:t>3/27/2023</a:t>
             </a:fld>
             <a:endParaRPr lang="en-US"/>
           </a:p>
@@ -3473,7 +5652,7 @@
           <a:p>
             <a:fld id="{4F4EB293-A316-472D-A8B4-6947CF1A12B7}" type="datetime1">
               <a:rPr lang="en-US" smtClean="0"/>
-              <a:t>3/26/23</a:t>
+              <a:t>3/27/2023</a:t>
             </a:fld>
             <a:endParaRPr lang="en-US"/>
           </a:p>
@@ -3752,7 +5931,7 @@
           <a:p>
             <a:fld id="{734BCCD4-CEB1-405B-A443-DD9CBCBEA552}" type="datetime1">
               <a:rPr lang="en-US" smtClean="0"/>
-              <a:t>3/26/23</a:t>
+              <a:t>3/27/2023</a:t>
             </a:fld>
             <a:endParaRPr lang="en-US"/>
           </a:p>
@@ -4235,7 +6414,7 @@
                 <a16:creationId xmlns:a16="http://schemas.microsoft.com/office/drawing/2014/main" id="{956C5C09-0043-4549-B800-2101B70D667D}"/>
               </a:ext>
               <a:ext uri="{C183D7F6-B498-43B3-948B-1728B52AA6E4}">
-                <adec:decorative xmlns:adec="http://schemas.microsoft.com/office/drawing/2017/decorative" val="1"/>
+                <adec:decorative xmlns:adec="http://schemas.microsoft.com/office/drawing/2017/decorative" xmlns="" val="1"/>
               </a:ext>
             </a:extLst>
           </p:cNvPr>
@@ -4295,7 +6474,7 @@
                 <a16:creationId xmlns:a16="http://schemas.microsoft.com/office/drawing/2014/main" id="{B7E2F724-2FB3-4D1D-A730-739B8654C030}"/>
               </a:ext>
               <a:ext uri="{C183D7F6-B498-43B3-948B-1728B52AA6E4}">
-                <adec:decorative xmlns:adec="http://schemas.microsoft.com/office/drawing/2017/decorative" val="1"/>
+                <adec:decorative xmlns:adec="http://schemas.microsoft.com/office/drawing/2017/decorative" xmlns="" val="1"/>
               </a:ext>
             </a:extLst>
           </p:cNvPr>
@@ -4438,6 +6617,18 @@
               </a:rPr>
               <a:t>Approve Prediction of Multisequence Learning </a:t>
             </a:r>
+            <a:r>
+              <a:rPr lang="en-IN" sz="3800" dirty="0">
+                <a:solidFill>
+                  <a:srgbClr val="FFFFFF"/>
+                </a:solidFill>
+                <a:effectLst/>
+                <a:latin typeface="Segoe UI" panose="020B0502040204020203" pitchFamily="34" charset="0"/>
+                <a:ea typeface="Yu Gothic Light" panose="020B0300000000000000" pitchFamily="34" charset="-128"/>
+                <a:cs typeface="Times New Roman" panose="02020603050405020304" pitchFamily="18" charset="0"/>
+              </a:rPr>
+              <a:t/>
+            </a:r>
             <a:br>
               <a:rPr lang="en-IN" sz="3800" dirty="0">
                 <a:solidFill>
@@ -4574,7 +6765,7 @@
                 <a16:creationId xmlns:a16="http://schemas.microsoft.com/office/drawing/2014/main" id="{B2C335F7-F61C-4EB4-80F2-4B1438FE66BB}"/>
               </a:ext>
               <a:ext uri="{C183D7F6-B498-43B3-948B-1728B52AA6E4}">
-                <adec:decorative xmlns:adec="http://schemas.microsoft.com/office/drawing/2017/decorative" val="1"/>
+                <adec:decorative xmlns:adec="http://schemas.microsoft.com/office/drawing/2017/decorative" xmlns="" val="1"/>
               </a:ext>
             </a:extLst>
           </p:cNvPr>
@@ -4705,7 +6896,7 @@
                 <a16:creationId xmlns:a16="http://schemas.microsoft.com/office/drawing/2014/main" id="{FAA3B297-9683-4E38-89FA-062C53E13F85}"/>
               </a:ext>
               <a:ext uri="{C183D7F6-B498-43B3-948B-1728B52AA6E4}">
-                <adec:decorative xmlns:adec="http://schemas.microsoft.com/office/drawing/2017/decorative" val="1"/>
+                <adec:decorative xmlns:adec="http://schemas.microsoft.com/office/drawing/2017/decorative" xmlns="" val="1"/>
               </a:ext>
             </a:extLst>
           </p:cNvPr>
@@ -4807,7 +6998,7 @@
                 <a16:creationId xmlns:a16="http://schemas.microsoft.com/office/drawing/2014/main" id="{5B8D7907-8AB9-4E98-A576-1A13AECEDF3A}"/>
               </a:ext>
               <a:ext uri="{C183D7F6-B498-43B3-948B-1728B52AA6E4}">
-                <adec:decorative xmlns:adec="http://schemas.microsoft.com/office/drawing/2017/decorative" val="1"/>
+                <adec:decorative xmlns:adec="http://schemas.microsoft.com/office/drawing/2017/decorative" xmlns="" val="1"/>
               </a:ext>
             </a:extLst>
           </p:cNvPr>
@@ -4985,7 +7176,7 @@
                 <a16:creationId xmlns:a16="http://schemas.microsoft.com/office/drawing/2014/main" id="{FAA3B297-9683-4E38-89FA-062C53E13F85}"/>
               </a:ext>
               <a:ext uri="{C183D7F6-B498-43B3-948B-1728B52AA6E4}">
-                <adec:decorative xmlns:adec="http://schemas.microsoft.com/office/drawing/2017/decorative" val="1"/>
+                <adec:decorative xmlns:adec="http://schemas.microsoft.com/office/drawing/2017/decorative" xmlns="" val="1"/>
               </a:ext>
             </a:extLst>
           </p:cNvPr>
@@ -5083,7 +7274,7 @@
                 <a16:creationId xmlns:a16="http://schemas.microsoft.com/office/drawing/2014/main" id="{5B8D7907-8AB9-4E98-A576-1A13AECEDF3A}"/>
               </a:ext>
               <a:ext uri="{C183D7F6-B498-43B3-948B-1728B52AA6E4}">
-                <adec:decorative xmlns:adec="http://schemas.microsoft.com/office/drawing/2017/decorative" val="1"/>
+                <adec:decorative xmlns:adec="http://schemas.microsoft.com/office/drawing/2017/decorative" xmlns="" val="1"/>
               </a:ext>
             </a:extLst>
           </p:cNvPr>
@@ -5954,7 +8145,7 @@
                 <a16:creationId xmlns:a16="http://schemas.microsoft.com/office/drawing/2014/main" id="{FAA3B297-9683-4E38-89FA-062C53E13F85}"/>
               </a:ext>
               <a:ext uri="{C183D7F6-B498-43B3-948B-1728B52AA6E4}">
-                <adec:decorative xmlns:adec="http://schemas.microsoft.com/office/drawing/2017/decorative" val="1"/>
+                <adec:decorative xmlns:adec="http://schemas.microsoft.com/office/drawing/2017/decorative" xmlns="" val="1"/>
               </a:ext>
             </a:extLst>
           </p:cNvPr>
@@ -6049,7 +8240,7 @@
                 <a16:creationId xmlns:a16="http://schemas.microsoft.com/office/drawing/2014/main" id="{5B8D7907-8AB9-4E98-A576-1A13AECEDF3A}"/>
               </a:ext>
               <a:ext uri="{C183D7F6-B498-43B3-948B-1728B52AA6E4}">
-                <adec:decorative xmlns:adec="http://schemas.microsoft.com/office/drawing/2017/decorative" val="1"/>
+                <adec:decorative xmlns:adec="http://schemas.microsoft.com/office/drawing/2017/decorative" xmlns="" val="1"/>
               </a:ext>
             </a:extLst>
           </p:cNvPr>
@@ -6122,8 +8313,8 @@
         </p:nvSpPr>
         <p:spPr>
           <a:xfrm>
-            <a:off x="517869" y="3172570"/>
-            <a:ext cx="8686799" cy="3016294"/>
+            <a:off x="517870" y="2092036"/>
+            <a:ext cx="6312421" cy="3325091"/>
           </a:xfrm>
         </p:spPr>
         <p:txBody>
@@ -6132,10 +8323,83 @@
           </a:bodyPr>
           <a:lstStyle/>
           <a:p>
+            <a:r>
+              <a:rPr lang="en-IN" dirty="0">
+                <a:latin typeface="Helvetica Neue"/>
+              </a:rPr>
+              <a:t>From all the experiments carried out in the training phase and prediction phase, the similarities between sequences of the same class different classes have explained our findings </a:t>
+            </a:r>
+            <a:r>
+              <a:rPr lang="en-IN" dirty="0" smtClean="0">
+                <a:latin typeface="Helvetica Neue"/>
+              </a:rPr>
+              <a:t>in </a:t>
+            </a:r>
+            <a:r>
+              <a:rPr lang="en-IN" dirty="0">
+                <a:latin typeface="Helvetica Neue"/>
+              </a:rPr>
+              <a:t>the below-given </a:t>
+            </a:r>
+            <a:r>
+              <a:rPr lang="en-IN" dirty="0" smtClean="0">
+                <a:latin typeface="Helvetica Neue"/>
+              </a:rPr>
+              <a:t>cases</a:t>
+            </a:r>
+          </a:p>
+          <a:p>
+            <a:pPr marL="342900" indent="-342900">
+              <a:buFont typeface="Arial" panose="020B0604020202020204" pitchFamily="34" charset="0"/>
+              <a:buChar char="•"/>
+            </a:pPr>
+            <a:r>
+              <a:rPr lang="en-US" dirty="0"/>
+              <a:t>We performed Multi Sequence Learning for a sequence of numerical data sets and achieved the prediction accuracy of sequences. It was found that the accuracy increased with the number of cycle.</a:t>
+            </a:r>
+          </a:p>
+          <a:p>
+            <a:endParaRPr lang="en-IN" dirty="0" smtClean="0">
+              <a:latin typeface="Helvetica Neue"/>
+            </a:endParaRPr>
+          </a:p>
+          <a:p>
+            <a:pPr marL="342900" indent="-342900">
+              <a:buFont typeface="Arial" panose="020B0604020202020204" pitchFamily="34" charset="0"/>
+              <a:buChar char="•"/>
+            </a:pPr>
             <a:endParaRPr lang="en-US" dirty="0"/>
           </a:p>
         </p:txBody>
       </p:sp>
+      <p:graphicFrame>
+        <p:nvGraphicFramePr>
+          <p:cNvPr id="7" name="Chart 6">
+            <a:extLst>
+              <a:ext uri="{FF2B5EF4-FFF2-40B4-BE49-F238E27FC236}">
+                <a16:creationId xmlns:a16="http://schemas.microsoft.com/office/drawing/2014/main" id="{B16EBFD8-A070-43C4-81EA-76889EBEFCBF}"/>
+              </a:ext>
+            </a:extLst>
+          </p:cNvPr>
+          <p:cNvGraphicFramePr/>
+          <p:nvPr>
+            <p:extLst>
+              <p:ext uri="{D42A27DB-BD31-4B8C-83A1-F6EECF244321}">
+                <p14:modId xmlns:p14="http://schemas.microsoft.com/office/powerpoint/2010/main" val="4138931343"/>
+              </p:ext>
+            </p:extLst>
+          </p:nvPr>
+        </p:nvGraphicFramePr>
+        <p:xfrm>
+          <a:off x="7148945" y="2092036"/>
+          <a:ext cx="4530437" cy="3003982"/>
+        </p:xfrm>
+        <a:graphic>
+          <a:graphicData uri="http://schemas.openxmlformats.org/drawingml/2006/chart">
+            <c:chart xmlns:c="http://schemas.openxmlformats.org/drawingml/2006/chart" xmlns:r="http://schemas.openxmlformats.org/officeDocument/2006/relationships" r:id="rId2"/>
+          </a:graphicData>
+        </a:graphic>
+      </p:graphicFrame>
     </p:spTree>
     <p:extLst>
       <p:ext uri="{BB962C8B-B14F-4D97-AF65-F5344CB8AC3E}">
@@ -6182,7 +8446,7 @@
                 <a16:creationId xmlns:a16="http://schemas.microsoft.com/office/drawing/2014/main" id="{FAA3B297-9683-4E38-89FA-062C53E13F85}"/>
               </a:ext>
               <a:ext uri="{C183D7F6-B498-43B3-948B-1728B52AA6E4}">
-                <adec:decorative xmlns:adec="http://schemas.microsoft.com/office/drawing/2017/decorative" val="1"/>
+                <adec:decorative xmlns:adec="http://schemas.microsoft.com/office/drawing/2017/decorative" xmlns="" val="1"/>
               </a:ext>
             </a:extLst>
           </p:cNvPr>
@@ -6277,7 +8541,7 @@
                 <a16:creationId xmlns:a16="http://schemas.microsoft.com/office/drawing/2014/main" id="{5B8D7907-8AB9-4E98-A576-1A13AECEDF3A}"/>
               </a:ext>
               <a:ext uri="{C183D7F6-B498-43B3-948B-1728B52AA6E4}">
-                <adec:decorative xmlns:adec="http://schemas.microsoft.com/office/drawing/2017/decorative" val="1"/>
+                <adec:decorative xmlns:adec="http://schemas.microsoft.com/office/drawing/2017/decorative" xmlns="" val="1"/>
               </a:ext>
             </a:extLst>
           </p:cNvPr>
@@ -6359,6 +8623,17 @@
             <a:normAutofit/>
           </a:bodyPr>
           <a:lstStyle/>
+          <a:p>
+            <a:r>
+              <a:rPr lang="en-GB" dirty="0">
+                <a:latin typeface="Helvetica Neue"/>
+              </a:rPr>
+              <a:t>A solution for Multi Sequence learning of a Sequence of numbers was developed using the Neocortex API's Multi Sequence learning reference model. The HTM Prediction Engine was adjusted with various parameters to suit the training process. The Multi-Sequence of Numbers was saved and then transformed into an encoded value and stored in a dictionary using an Encoder and SDR input for the training process. An algorithm was created to predict the trained sequences, which involved comparing the generated similarity matrix with each of the SDRs of the learned Sequence from the training phase. The Sequence was then predicted based on the accuracy and observation class (Label), and the accuracy percentage of the predicted sequences was calculated and stored in a file.</a:t>
+            </a:r>
+            <a:endParaRPr lang="en-US" dirty="0">
+              <a:latin typeface="Helvetica Neue"/>
+            </a:endParaRPr>
+          </a:p>
           <a:p>
             <a:endParaRPr lang="en-US" dirty="0"/>
           </a:p>
@@ -6489,7 +8764,7 @@
                 <a16:creationId xmlns:a16="http://schemas.microsoft.com/office/drawing/2014/main" id="{FAA3B297-9683-4E38-89FA-062C53E13F85}"/>
               </a:ext>
               <a:ext uri="{C183D7F6-B498-43B3-948B-1728B52AA6E4}">
-                <adec:decorative xmlns:adec="http://schemas.microsoft.com/office/drawing/2017/decorative" val="1"/>
+                <adec:decorative xmlns:adec="http://schemas.microsoft.com/office/drawing/2017/decorative" xmlns="" val="1"/>
               </a:ext>
             </a:extLst>
           </p:cNvPr>
@@ -6587,7 +8862,7 @@
                 <a16:creationId xmlns:a16="http://schemas.microsoft.com/office/drawing/2014/main" id="{5B8D7907-8AB9-4E98-A576-1A13AECEDF3A}"/>
               </a:ext>
               <a:ext uri="{C183D7F6-B498-43B3-948B-1728B52AA6E4}">
-                <adec:decorative xmlns:adec="http://schemas.microsoft.com/office/drawing/2017/decorative" val="1"/>
+                <adec:decorative xmlns:adec="http://schemas.microsoft.com/office/drawing/2017/decorative" xmlns="" val="1"/>
               </a:ext>
             </a:extLst>
           </p:cNvPr>
@@ -6765,7 +9040,7 @@
                 <a16:creationId xmlns:a16="http://schemas.microsoft.com/office/drawing/2014/main" id="{FAA3B297-9683-4E38-89FA-062C53E13F85}"/>
               </a:ext>
               <a:ext uri="{C183D7F6-B498-43B3-948B-1728B52AA6E4}">
-                <adec:decorative xmlns:adec="http://schemas.microsoft.com/office/drawing/2017/decorative" val="1"/>
+                <adec:decorative xmlns:adec="http://schemas.microsoft.com/office/drawing/2017/decorative" xmlns="" val="1"/>
               </a:ext>
             </a:extLst>
           </p:cNvPr>
@@ -6860,7 +9135,7 @@
                 <a16:creationId xmlns:a16="http://schemas.microsoft.com/office/drawing/2014/main" id="{5B8D7907-8AB9-4E98-A576-1A13AECEDF3A}"/>
               </a:ext>
               <a:ext uri="{C183D7F6-B498-43B3-948B-1728B52AA6E4}">
-                <adec:decorative xmlns:adec="http://schemas.microsoft.com/office/drawing/2017/decorative" val="1"/>
+                <adec:decorative xmlns:adec="http://schemas.microsoft.com/office/drawing/2017/decorative" xmlns="" val="1"/>
               </a:ext>
             </a:extLst>
           </p:cNvPr>
@@ -7055,7 +9330,7 @@
                 <a16:creationId xmlns:a16="http://schemas.microsoft.com/office/drawing/2014/main" id="{FAA3B297-9683-4E38-89FA-062C53E13F85}"/>
               </a:ext>
               <a:ext uri="{C183D7F6-B498-43B3-948B-1728B52AA6E4}">
-                <adec:decorative xmlns:adec="http://schemas.microsoft.com/office/drawing/2017/decorative" val="1"/>
+                <adec:decorative xmlns:adec="http://schemas.microsoft.com/office/drawing/2017/decorative" xmlns="" val="1"/>
               </a:ext>
             </a:extLst>
           </p:cNvPr>
@@ -7150,7 +9425,7 @@
                 <a16:creationId xmlns:a16="http://schemas.microsoft.com/office/drawing/2014/main" id="{5B8D7907-8AB9-4E98-A576-1A13AECEDF3A}"/>
               </a:ext>
               <a:ext uri="{C183D7F6-B498-43B3-948B-1728B52AA6E4}">
-                <adec:decorative xmlns:adec="http://schemas.microsoft.com/office/drawing/2017/decorative" val="1"/>
+                <adec:decorative xmlns:adec="http://schemas.microsoft.com/office/drawing/2017/decorative" xmlns="" val="1"/>
               </a:ext>
             </a:extLst>
           </p:cNvPr>
@@ -7346,7 +9621,7 @@
                 <a16:creationId xmlns:a16="http://schemas.microsoft.com/office/drawing/2014/main" id="{FAA3B297-9683-4E38-89FA-062C53E13F85}"/>
               </a:ext>
               <a:ext uri="{C183D7F6-B498-43B3-948B-1728B52AA6E4}">
-                <adec:decorative xmlns:adec="http://schemas.microsoft.com/office/drawing/2017/decorative" val="1"/>
+                <adec:decorative xmlns:adec="http://schemas.microsoft.com/office/drawing/2017/decorative" xmlns="" val="1"/>
               </a:ext>
             </a:extLst>
           </p:cNvPr>
@@ -7449,7 +9724,7 @@
                 <a16:creationId xmlns:a16="http://schemas.microsoft.com/office/drawing/2014/main" id="{5B8D7907-8AB9-4E98-A576-1A13AECEDF3A}"/>
               </a:ext>
               <a:ext uri="{C183D7F6-B498-43B3-948B-1728B52AA6E4}">
-                <adec:decorative xmlns:adec="http://schemas.microsoft.com/office/drawing/2017/decorative" val="1"/>
+                <adec:decorative xmlns:adec="http://schemas.microsoft.com/office/drawing/2017/decorative" xmlns="" val="1"/>
               </a:ext>
             </a:extLst>
           </p:cNvPr>
@@ -7628,7 +9903,7 @@
                 <a16:creationId xmlns:a16="http://schemas.microsoft.com/office/drawing/2014/main" id="{FAA3B297-9683-4E38-89FA-062C53E13F85}"/>
               </a:ext>
               <a:ext uri="{C183D7F6-B498-43B3-948B-1728B52AA6E4}">
-                <adec:decorative xmlns:adec="http://schemas.microsoft.com/office/drawing/2017/decorative" val="1"/>
+                <adec:decorative xmlns:adec="http://schemas.microsoft.com/office/drawing/2017/decorative" xmlns="" val="1"/>
               </a:ext>
             </a:extLst>
           </p:cNvPr>
@@ -7723,7 +9998,7 @@
                 <a16:creationId xmlns:a16="http://schemas.microsoft.com/office/drawing/2014/main" id="{5B8D7907-8AB9-4E98-A576-1A13AECEDF3A}"/>
               </a:ext>
               <a:ext uri="{C183D7F6-B498-43B3-948B-1728B52AA6E4}">
-                <adec:decorative xmlns:adec="http://schemas.microsoft.com/office/drawing/2017/decorative" val="1"/>
+                <adec:decorative xmlns:adec="http://schemas.microsoft.com/office/drawing/2017/decorative" xmlns="" val="1"/>
               </a:ext>
             </a:extLst>
           </p:cNvPr>
@@ -8545,7 +10820,7 @@
                 <a16:creationId xmlns:a16="http://schemas.microsoft.com/office/drawing/2014/main" id="{FAA3B297-9683-4E38-89FA-062C53E13F85}"/>
               </a:ext>
               <a:ext uri="{C183D7F6-B498-43B3-948B-1728B52AA6E4}">
-                <adec:decorative xmlns:adec="http://schemas.microsoft.com/office/drawing/2017/decorative" val="1"/>
+                <adec:decorative xmlns:adec="http://schemas.microsoft.com/office/drawing/2017/decorative" xmlns="" val="1"/>
               </a:ext>
             </a:extLst>
           </p:cNvPr>
@@ -8640,7 +10915,7 @@
                 <a16:creationId xmlns:a16="http://schemas.microsoft.com/office/drawing/2014/main" id="{5B8D7907-8AB9-4E98-A576-1A13AECEDF3A}"/>
               </a:ext>
               <a:ext uri="{C183D7F6-B498-43B3-948B-1728B52AA6E4}">
-                <adec:decorative xmlns:adec="http://schemas.microsoft.com/office/drawing/2017/decorative" val="1"/>
+                <adec:decorative xmlns:adec="http://schemas.microsoft.com/office/drawing/2017/decorative" xmlns="" val="1"/>
               </a:ext>
             </a:extLst>
           </p:cNvPr>
@@ -8819,7 +11094,7 @@
                 <a16:creationId xmlns:a16="http://schemas.microsoft.com/office/drawing/2014/main" id="{FAA3B297-9683-4E38-89FA-062C53E13F85}"/>
               </a:ext>
               <a:ext uri="{C183D7F6-B498-43B3-948B-1728B52AA6E4}">
-                <adec:decorative xmlns:adec="http://schemas.microsoft.com/office/drawing/2017/decorative" val="1"/>
+                <adec:decorative xmlns:adec="http://schemas.microsoft.com/office/drawing/2017/decorative" xmlns="" val="1"/>
               </a:ext>
             </a:extLst>
           </p:cNvPr>
@@ -8914,7 +11189,7 @@
                 <a16:creationId xmlns:a16="http://schemas.microsoft.com/office/drawing/2014/main" id="{5B8D7907-8AB9-4E98-A576-1A13AECEDF3A}"/>
               </a:ext>
               <a:ext uri="{C183D7F6-B498-43B3-948B-1728B52AA6E4}">
-                <adec:decorative xmlns:adec="http://schemas.microsoft.com/office/drawing/2017/decorative" val="1"/>
+                <adec:decorative xmlns:adec="http://schemas.microsoft.com/office/drawing/2017/decorative" xmlns="" val="1"/>
               </a:ext>
             </a:extLst>
           </p:cNvPr>
@@ -9093,7 +11368,7 @@
                 <a16:creationId xmlns:a16="http://schemas.microsoft.com/office/drawing/2014/main" id="{FAA3B297-9683-4E38-89FA-062C53E13F85}"/>
               </a:ext>
               <a:ext uri="{C183D7F6-B498-43B3-948B-1728B52AA6E4}">
-                <adec:decorative xmlns:adec="http://schemas.microsoft.com/office/drawing/2017/decorative" val="1"/>
+                <adec:decorative xmlns:adec="http://schemas.microsoft.com/office/drawing/2017/decorative" xmlns="" val="1"/>
               </a:ext>
             </a:extLst>
           </p:cNvPr>
@@ -9188,7 +11463,7 @@
                 <a16:creationId xmlns:a16="http://schemas.microsoft.com/office/drawing/2014/main" id="{5B8D7907-8AB9-4E98-A576-1A13AECEDF3A}"/>
               </a:ext>
               <a:ext uri="{C183D7F6-B498-43B3-948B-1728B52AA6E4}">
-                <adec:decorative xmlns:adec="http://schemas.microsoft.com/office/drawing/2017/decorative" val="1"/>
+                <adec:decorative xmlns:adec="http://schemas.microsoft.com/office/drawing/2017/decorative" xmlns="" val="1"/>
               </a:ext>
             </a:extLst>
           </p:cNvPr>

--- a/source/MySEProject/Documentation/ML-22-23-15 Approve Prediction of Multisequence Learning .pptx
+++ b/source/MySEProject/Documentation/ML-22-23-15 Approve Prediction of Multisequence Learning .pptx
@@ -5,7 +5,7 @@
     <p:sldMasterId id="2147483801" r:id="rId1"/>
   </p:sldMasterIdLst>
   <p:notesMasterIdLst>
-    <p:notesMasterId r:id="rId16"/>
+    <p:notesMasterId r:id="rId17"/>
   </p:notesMasterIdLst>
   <p:sldIdLst>
     <p:sldId id="256" r:id="rId2"/>
@@ -21,7 +21,8 @@
     <p:sldId id="262" r:id="rId12"/>
     <p:sldId id="263" r:id="rId13"/>
     <p:sldId id="264" r:id="rId14"/>
-    <p:sldId id="271" r:id="rId15"/>
+    <p:sldId id="272" r:id="rId15"/>
+    <p:sldId id="271" r:id="rId16"/>
   </p:sldIdLst>
   <p:sldSz cx="12192000" cy="6858000"/>
   <p:notesSz cx="6858000" cy="9144000"/>
@@ -131,7 +132,7 @@
 <file path=ppt/charts/chart1.xml><?xml version="1.0" encoding="utf-8"?>
 <c:chartSpace xmlns:c="http://schemas.openxmlformats.org/drawingml/2006/chart" xmlns:a="http://schemas.openxmlformats.org/drawingml/2006/main" xmlns:r="http://schemas.openxmlformats.org/officeDocument/2006/relationships" xmlns:c16r2="http://schemas.microsoft.com/office/drawing/2015/06/chart">
   <c:date1904 val="0"/>
-  <c:lang val="en-US"/>
+  <c:lang val="en-GB"/>
   <c:roundedCorners val="0"/>
   <mc:AlternateContent xmlns:mc="http://schemas.openxmlformats.org/markup-compatibility/2006">
     <mc:Choice xmlns:c14="http://schemas.microsoft.com/office/drawing/2007/8/2/chart" Requires="c14">
@@ -174,7 +175,6 @@
           </a:p>
         </c:rich>
       </c:tx>
-      <c:layout/>
       <c:overlay val="0"/>
       <c:spPr>
         <a:noFill/>
@@ -200,7 +200,7 @@
               <a:cs typeface="+mn-cs"/>
             </a:defRPr>
           </a:pPr>
-          <a:endParaRPr lang="ar-SA"/>
+          <a:endParaRPr lang="en-US"/>
         </a:p>
       </c:txPr>
     </c:title>
@@ -1482,7 +1482,6 @@
               </a:p>
             </c:rich>
           </c:tx>
-          <c:layout/>
           <c:overlay val="0"/>
           <c:spPr>
             <a:noFill/>
@@ -1508,7 +1507,7 @@
                   <a:cs typeface="+mn-cs"/>
                 </a:defRPr>
               </a:pPr>
-              <a:endParaRPr lang="ar-SA"/>
+              <a:endParaRPr lang="en-US"/>
             </a:p>
           </c:txPr>
         </c:title>
@@ -1546,7 +1545,7 @@
                 <a:cs typeface="+mn-cs"/>
               </a:defRPr>
             </a:pPr>
-            <a:endParaRPr lang="ar-SA"/>
+            <a:endParaRPr lang="en-US"/>
           </a:p>
         </c:txPr>
         <c:crossAx val="621561208"/>
@@ -1606,7 +1605,6 @@
               </a:p>
             </c:rich>
           </c:tx>
-          <c:layout/>
           <c:overlay val="0"/>
           <c:spPr>
             <a:noFill/>
@@ -1632,7 +1630,7 @@
                   <a:cs typeface="+mn-cs"/>
                 </a:defRPr>
               </a:pPr>
-              <a:endParaRPr lang="ar-SA"/>
+              <a:endParaRPr lang="en-US"/>
             </a:p>
           </c:txPr>
         </c:title>
@@ -1670,7 +1668,7 @@
                 <a:cs typeface="+mn-cs"/>
               </a:defRPr>
             </a:pPr>
-            <a:endParaRPr lang="ar-SA"/>
+            <a:endParaRPr lang="en-US"/>
           </a:p>
         </c:txPr>
         <c:crossAx val="621560888"/>
@@ -1687,7 +1685,6 @@
     </c:plotArea>
     <c:legend>
       <c:legendPos val="b"/>
-      <c:layout/>
       <c:overlay val="0"/>
       <c:spPr>
         <a:noFill/>
@@ -1713,13 +1710,12 @@
               <a:cs typeface="+mn-cs"/>
             </a:defRPr>
           </a:pPr>
-          <a:endParaRPr lang="ar-SA"/>
+          <a:endParaRPr lang="en-US"/>
         </a:p>
       </c:txPr>
     </c:legend>
     <c:plotVisOnly val="1"/>
     <c:dispBlanksAs val="gap"/>
-    <c:showDLblsOverMax val="0"/>
     <c:extLst>
       <c:ext xmlns:c16r3="http://schemas.microsoft.com/office/drawing/2017/03/chart" uri="{56B9EC1D-385E-4148-901F-78D8002777C0}">
         <c16r3:dataDisplayOptions16>
@@ -1727,6 +1723,7 @@
         </c16r3:dataDisplayOptions16>
       </c:ext>
     </c:extLst>
+    <c:showDLblsOverMax val="0"/>
   </c:chart>
   <c:spPr>
     <a:noFill/>
@@ -1742,7 +1739,7 @@
       <a:pPr>
         <a:defRPr/>
       </a:pPr>
-      <a:endParaRPr lang="ar-SA"/>
+      <a:endParaRPr lang="en-US"/>
     </a:p>
   </c:txPr>
   <c:externalData r:id="rId3">
@@ -2389,7 +2386,7 @@
           <a:p>
             <a:fld id="{5B041F66-0B57-9A48-9465-56FFF332D349}" type="datetimeFigureOut">
               <a:rPr lang="en-US" smtClean="0"/>
-              <a:t>3/27/2023</a:t>
+              <a:t>3/27/23</a:t>
             </a:fld>
             <a:endParaRPr lang="en-US"/>
           </a:p>
@@ -2897,7 +2894,7 @@
           <a:p>
             <a:fld id="{5E7AA473-D82F-4EFF-9DF7-AE6D83C51288}" type="datetime1">
               <a:rPr lang="en-US" smtClean="0"/>
-              <a:t>3/27/2023</a:t>
+              <a:t>3/27/23</a:t>
             </a:fld>
             <a:endParaRPr lang="en-US"/>
           </a:p>
@@ -2965,7 +2962,7 @@
                 <a16:creationId xmlns:a16="http://schemas.microsoft.com/office/drawing/2014/main" id="{F3FF94B3-6D3E-44FE-BB02-A9027C0003C7}"/>
               </a:ext>
               <a:ext uri="{C183D7F6-B498-43B3-948B-1728B52AA6E4}">
-                <adec:decorative xmlns:adec="http://schemas.microsoft.com/office/drawing/2017/decorative" xmlns="" val="1"/>
+                <adec:decorative xmlns:adec="http://schemas.microsoft.com/office/drawing/2017/decorative" val="1"/>
               </a:ext>
             </a:extLst>
           </p:cNvPr>
@@ -3151,7 +3148,7 @@
           <a:p>
             <a:fld id="{1E12F1F0-FE2D-4C1C-B320-8CB9BE735F0F}" type="datetime1">
               <a:rPr lang="en-US" smtClean="0"/>
-              <a:t>3/27/2023</a:t>
+              <a:t>3/27/23</a:t>
             </a:fld>
             <a:endParaRPr lang="en-US"/>
           </a:p>
@@ -3249,7 +3246,7 @@
                 <a16:creationId xmlns:a16="http://schemas.microsoft.com/office/drawing/2014/main" id="{BD7BD47B-C187-494C-812F-46BE0040B915}"/>
               </a:ext>
               <a:ext uri="{C183D7F6-B498-43B3-948B-1728B52AA6E4}">
-                <adec:decorative xmlns:adec="http://schemas.microsoft.com/office/drawing/2017/decorative" xmlns="" val="1"/>
+                <adec:decorative xmlns:adec="http://schemas.microsoft.com/office/drawing/2017/decorative" val="1"/>
               </a:ext>
             </a:extLst>
           </p:cNvPr>
@@ -3419,7 +3416,7 @@
           <a:p>
             <a:fld id="{2CF1B96C-10FD-4EBC-9029-9652B7535D02}" type="datetime1">
               <a:rPr lang="en-US" smtClean="0"/>
-              <a:t>3/27/2023</a:t>
+              <a:t>3/27/23</a:t>
             </a:fld>
             <a:endParaRPr lang="en-US"/>
           </a:p>
@@ -3487,7 +3484,7 @@
                 <a16:creationId xmlns:a16="http://schemas.microsoft.com/office/drawing/2014/main" id="{4618136A-0796-46EB-89BB-4C73C0258FE9}"/>
               </a:ext>
               <a:ext uri="{C183D7F6-B498-43B3-948B-1728B52AA6E4}">
-                <adec:decorative xmlns:adec="http://schemas.microsoft.com/office/drawing/2017/decorative" xmlns="" val="1"/>
+                <adec:decorative xmlns:adec="http://schemas.microsoft.com/office/drawing/2017/decorative" val="1"/>
               </a:ext>
             </a:extLst>
           </p:cNvPr>
@@ -3673,7 +3670,7 @@
           <a:p>
             <a:fld id="{14878474-CC00-4A95-9D50-A41C12D1EEC4}" type="datetime1">
               <a:rPr lang="en-US" smtClean="0"/>
-              <a:t>3/27/2023</a:t>
+              <a:t>3/27/23</a:t>
             </a:fld>
             <a:endParaRPr lang="en-US"/>
           </a:p>
@@ -3951,7 +3948,7 @@
           <a:p>
             <a:fld id="{7F38C8B4-7FBB-408F-BDB9-F0496874AFB2}" type="datetime1">
               <a:rPr lang="en-US" smtClean="0"/>
-              <a:t>3/27/2023</a:t>
+              <a:t>3/27/23</a:t>
             </a:fld>
             <a:endParaRPr lang="en-US"/>
           </a:p>
@@ -4223,7 +4220,7 @@
           <a:p>
             <a:fld id="{2BB8EE20-A5E2-47D3-8F6D-A2BA7AB2E093}" type="datetime1">
               <a:rPr lang="en-US" smtClean="0"/>
-              <a:t>3/27/2023</a:t>
+              <a:t>3/27/23</a:t>
             </a:fld>
             <a:endParaRPr lang="en-US"/>
           </a:p>
@@ -4321,7 +4318,7 @@
                 <a16:creationId xmlns:a16="http://schemas.microsoft.com/office/drawing/2014/main" id="{BF4AA536-072F-4374-926E-17E038EC7E98}"/>
               </a:ext>
               <a:ext uri="{C183D7F6-B498-43B3-948B-1728B52AA6E4}">
-                <adec:decorative xmlns:adec="http://schemas.microsoft.com/office/drawing/2017/decorative" xmlns="" val="1"/>
+                <adec:decorative xmlns:adec="http://schemas.microsoft.com/office/drawing/2017/decorative" val="1"/>
               </a:ext>
             </a:extLst>
           </p:cNvPr>
@@ -4781,7 +4778,7 @@
           <a:p>
             <a:fld id="{3382CF99-132F-413F-B7EF-71A5C33F2ED6}" type="datetime1">
               <a:rPr lang="en-US" smtClean="0"/>
-              <a:t>3/27/2023</a:t>
+              <a:t>3/27/23</a:t>
             </a:fld>
             <a:endParaRPr lang="en-US"/>
           </a:p>
@@ -4923,7 +4920,7 @@
           <a:p>
             <a:fld id="{1F17AE06-98E0-4D9F-A059-92C3548821BB}" type="datetime1">
               <a:rPr lang="en-US" smtClean="0"/>
-              <a:t>3/27/2023</a:t>
+              <a:t>3/27/23</a:t>
             </a:fld>
             <a:endParaRPr lang="en-US"/>
           </a:p>
@@ -5036,7 +5033,7 @@
           <a:p>
             <a:fld id="{FFBA00CA-3DDC-4705-B840-978EF5EA0707}" type="datetime1">
               <a:rPr lang="en-US" smtClean="0"/>
-              <a:t>3/27/2023</a:t>
+              <a:t>3/27/23</a:t>
             </a:fld>
             <a:endParaRPr lang="en-US"/>
           </a:p>
@@ -5355,7 +5352,7 @@
           <a:p>
             <a:fld id="{FC366D49-0BBA-4C5A-AD96-6448CA63451A}" type="datetime1">
               <a:rPr lang="en-US" smtClean="0"/>
-              <a:t>3/27/2023</a:t>
+              <a:t>3/27/23</a:t>
             </a:fld>
             <a:endParaRPr lang="en-US"/>
           </a:p>
@@ -5652,7 +5649,7 @@
           <a:p>
             <a:fld id="{4F4EB293-A316-472D-A8B4-6947CF1A12B7}" type="datetime1">
               <a:rPr lang="en-US" smtClean="0"/>
-              <a:t>3/27/2023</a:t>
+              <a:t>3/27/23</a:t>
             </a:fld>
             <a:endParaRPr lang="en-US"/>
           </a:p>
@@ -5931,7 +5928,7 @@
           <a:p>
             <a:fld id="{734BCCD4-CEB1-405B-A443-DD9CBCBEA552}" type="datetime1">
               <a:rPr lang="en-US" smtClean="0"/>
-              <a:t>3/27/2023</a:t>
+              <a:t>3/27/23</a:t>
             </a:fld>
             <a:endParaRPr lang="en-US"/>
           </a:p>
@@ -6414,7 +6411,7 @@
                 <a16:creationId xmlns:a16="http://schemas.microsoft.com/office/drawing/2014/main" id="{956C5C09-0043-4549-B800-2101B70D667D}"/>
               </a:ext>
               <a:ext uri="{C183D7F6-B498-43B3-948B-1728B52AA6E4}">
-                <adec:decorative xmlns:adec="http://schemas.microsoft.com/office/drawing/2017/decorative" xmlns="" val="1"/>
+                <adec:decorative xmlns:adec="http://schemas.microsoft.com/office/drawing/2017/decorative" val="1"/>
               </a:ext>
             </a:extLst>
           </p:cNvPr>
@@ -6474,7 +6471,7 @@
                 <a16:creationId xmlns:a16="http://schemas.microsoft.com/office/drawing/2014/main" id="{B7E2F724-2FB3-4D1D-A730-739B8654C030}"/>
               </a:ext>
               <a:ext uri="{C183D7F6-B498-43B3-948B-1728B52AA6E4}">
-                <adec:decorative xmlns:adec="http://schemas.microsoft.com/office/drawing/2017/decorative" xmlns="" val="1"/>
+                <adec:decorative xmlns:adec="http://schemas.microsoft.com/office/drawing/2017/decorative" val="1"/>
               </a:ext>
             </a:extLst>
           </p:cNvPr>
@@ -6617,18 +6614,6 @@
               </a:rPr>
               <a:t>Approve Prediction of Multisequence Learning </a:t>
             </a:r>
-            <a:r>
-              <a:rPr lang="en-IN" sz="3800" dirty="0">
-                <a:solidFill>
-                  <a:srgbClr val="FFFFFF"/>
-                </a:solidFill>
-                <a:effectLst/>
-                <a:latin typeface="Segoe UI" panose="020B0502040204020203" pitchFamily="34" charset="0"/>
-                <a:ea typeface="Yu Gothic Light" panose="020B0300000000000000" pitchFamily="34" charset="-128"/>
-                <a:cs typeface="Times New Roman" panose="02020603050405020304" pitchFamily="18" charset="0"/>
-              </a:rPr>
-              <a:t/>
-            </a:r>
             <a:br>
               <a:rPr lang="en-IN" sz="3800" dirty="0">
                 <a:solidFill>
@@ -6765,7 +6750,7 @@
                 <a16:creationId xmlns:a16="http://schemas.microsoft.com/office/drawing/2014/main" id="{B2C335F7-F61C-4EB4-80F2-4B1438FE66BB}"/>
               </a:ext>
               <a:ext uri="{C183D7F6-B498-43B3-948B-1728B52AA6E4}">
-                <adec:decorative xmlns:adec="http://schemas.microsoft.com/office/drawing/2017/decorative" xmlns="" val="1"/>
+                <adec:decorative xmlns:adec="http://schemas.microsoft.com/office/drawing/2017/decorative" val="1"/>
               </a:ext>
             </a:extLst>
           </p:cNvPr>
@@ -6896,7 +6881,7 @@
                 <a16:creationId xmlns:a16="http://schemas.microsoft.com/office/drawing/2014/main" id="{FAA3B297-9683-4E38-89FA-062C53E13F85}"/>
               </a:ext>
               <a:ext uri="{C183D7F6-B498-43B3-948B-1728B52AA6E4}">
-                <adec:decorative xmlns:adec="http://schemas.microsoft.com/office/drawing/2017/decorative" xmlns="" val="1"/>
+                <adec:decorative xmlns:adec="http://schemas.microsoft.com/office/drawing/2017/decorative" val="1"/>
               </a:ext>
             </a:extLst>
           </p:cNvPr>
@@ -6998,7 +6983,7 @@
                 <a16:creationId xmlns:a16="http://schemas.microsoft.com/office/drawing/2014/main" id="{5B8D7907-8AB9-4E98-A576-1A13AECEDF3A}"/>
               </a:ext>
               <a:ext uri="{C183D7F6-B498-43B3-948B-1728B52AA6E4}">
-                <adec:decorative xmlns:adec="http://schemas.microsoft.com/office/drawing/2017/decorative" xmlns="" val="1"/>
+                <adec:decorative xmlns:adec="http://schemas.microsoft.com/office/drawing/2017/decorative" val="1"/>
               </a:ext>
             </a:extLst>
           </p:cNvPr>
@@ -7176,7 +7161,7 @@
                 <a16:creationId xmlns:a16="http://schemas.microsoft.com/office/drawing/2014/main" id="{FAA3B297-9683-4E38-89FA-062C53E13F85}"/>
               </a:ext>
               <a:ext uri="{C183D7F6-B498-43B3-948B-1728B52AA6E4}">
-                <adec:decorative xmlns:adec="http://schemas.microsoft.com/office/drawing/2017/decorative" xmlns="" val="1"/>
+                <adec:decorative xmlns:adec="http://schemas.microsoft.com/office/drawing/2017/decorative" val="1"/>
               </a:ext>
             </a:extLst>
           </p:cNvPr>
@@ -7274,7 +7259,7 @@
                 <a16:creationId xmlns:a16="http://schemas.microsoft.com/office/drawing/2014/main" id="{5B8D7907-8AB9-4E98-A576-1A13AECEDF3A}"/>
               </a:ext>
               <a:ext uri="{C183D7F6-B498-43B3-948B-1728B52AA6E4}">
-                <adec:decorative xmlns:adec="http://schemas.microsoft.com/office/drawing/2017/decorative" xmlns="" val="1"/>
+                <adec:decorative xmlns:adec="http://schemas.microsoft.com/office/drawing/2017/decorative" val="1"/>
               </a:ext>
             </a:extLst>
           </p:cNvPr>
@@ -8145,7 +8130,7 @@
                 <a16:creationId xmlns:a16="http://schemas.microsoft.com/office/drawing/2014/main" id="{FAA3B297-9683-4E38-89FA-062C53E13F85}"/>
               </a:ext>
               <a:ext uri="{C183D7F6-B498-43B3-948B-1728B52AA6E4}">
-                <adec:decorative xmlns:adec="http://schemas.microsoft.com/office/drawing/2017/decorative" xmlns="" val="1"/>
+                <adec:decorative xmlns:adec="http://schemas.microsoft.com/office/drawing/2017/decorative" val="1"/>
               </a:ext>
             </a:extLst>
           </p:cNvPr>
@@ -8240,7 +8225,7 @@
                 <a16:creationId xmlns:a16="http://schemas.microsoft.com/office/drawing/2014/main" id="{5B8D7907-8AB9-4E98-A576-1A13AECEDF3A}"/>
               </a:ext>
               <a:ext uri="{C183D7F6-B498-43B3-948B-1728B52AA6E4}">
-                <adec:decorative xmlns:adec="http://schemas.microsoft.com/office/drawing/2017/decorative" xmlns="" val="1"/>
+                <adec:decorative xmlns:adec="http://schemas.microsoft.com/office/drawing/2017/decorative" val="1"/>
               </a:ext>
             </a:extLst>
           </p:cNvPr>
@@ -8327,25 +8312,7 @@
               <a:rPr lang="en-IN" dirty="0">
                 <a:latin typeface="Helvetica Neue"/>
               </a:rPr>
-              <a:t>From all the experiments carried out in the training phase and prediction phase, the similarities between sequences of the same class different classes have explained our findings </a:t>
-            </a:r>
-            <a:r>
-              <a:rPr lang="en-IN" dirty="0" smtClean="0">
-                <a:latin typeface="Helvetica Neue"/>
-              </a:rPr>
-              <a:t>in </a:t>
-            </a:r>
-            <a:r>
-              <a:rPr lang="en-IN" dirty="0">
-                <a:latin typeface="Helvetica Neue"/>
-              </a:rPr>
-              <a:t>the below-given </a:t>
-            </a:r>
-            <a:r>
-              <a:rPr lang="en-IN" dirty="0" smtClean="0">
-                <a:latin typeface="Helvetica Neue"/>
-              </a:rPr>
-              <a:t>cases</a:t>
+              <a:t>From all the experiments carried out in the training phase and prediction phase, the similarities between sequences of the same class different classes have explained our findings in the below-given cases</a:t>
             </a:r>
           </a:p>
           <a:p>
@@ -8359,7 +8326,7 @@
             </a:r>
           </a:p>
           <a:p>
-            <a:endParaRPr lang="en-IN" dirty="0" smtClean="0">
+            <a:endParaRPr lang="en-IN" dirty="0">
               <a:latin typeface="Helvetica Neue"/>
             </a:endParaRPr>
           </a:p>
@@ -8446,7 +8413,7 @@
                 <a16:creationId xmlns:a16="http://schemas.microsoft.com/office/drawing/2014/main" id="{FAA3B297-9683-4E38-89FA-062C53E13F85}"/>
               </a:ext>
               <a:ext uri="{C183D7F6-B498-43B3-948B-1728B52AA6E4}">
-                <adec:decorative xmlns:adec="http://schemas.microsoft.com/office/drawing/2017/decorative" xmlns="" val="1"/>
+                <adec:decorative xmlns:adec="http://schemas.microsoft.com/office/drawing/2017/decorative" val="1"/>
               </a:ext>
             </a:extLst>
           </p:cNvPr>
@@ -8541,7 +8508,7 @@
                 <a16:creationId xmlns:a16="http://schemas.microsoft.com/office/drawing/2014/main" id="{5B8D7907-8AB9-4E98-A576-1A13AECEDF3A}"/>
               </a:ext>
               <a:ext uri="{C183D7F6-B498-43B3-948B-1728B52AA6E4}">
-                <adec:decorative xmlns:adec="http://schemas.microsoft.com/office/drawing/2017/decorative" xmlns="" val="1"/>
+                <adec:decorative xmlns:adec="http://schemas.microsoft.com/office/drawing/2017/decorative" val="1"/>
               </a:ext>
             </a:extLst>
           </p:cNvPr>
@@ -8653,6 +8620,395 @@
 </file>
 
 <file path=ppt/slides/slide14.xml><?xml version="1.0" encoding="utf-8"?>
+<p:sld xmlns:a="http://schemas.openxmlformats.org/drawingml/2006/main" xmlns:r="http://schemas.openxmlformats.org/officeDocument/2006/relationships" xmlns:p="http://schemas.openxmlformats.org/presentationml/2006/main">
+  <p:cSld>
+    <p:bg>
+      <p:bgPr>
+        <a:solidFill>
+          <a:schemeClr val="bg1"/>
+        </a:solidFill>
+        <a:effectLst/>
+      </p:bgPr>
+    </p:bg>
+    <p:spTree>
+      <p:nvGrpSpPr>
+        <p:cNvPr id="1" name=""/>
+        <p:cNvGrpSpPr/>
+        <p:nvPr/>
+      </p:nvGrpSpPr>
+      <p:grpSpPr>
+        <a:xfrm>
+          <a:off x="0" y="0"/>
+          <a:ext cx="0" cy="0"/>
+          <a:chOff x="0" y="0"/>
+          <a:chExt cx="0" cy="0"/>
+        </a:xfrm>
+      </p:grpSpPr>
+      <p:sp useBgFill="1">
+        <p:nvSpPr>
+          <p:cNvPr id="8" name="Rectangle 7">
+            <a:extLst>
+              <a:ext uri="{FF2B5EF4-FFF2-40B4-BE49-F238E27FC236}">
+                <a16:creationId xmlns:a16="http://schemas.microsoft.com/office/drawing/2014/main" id="{FAA3B297-9683-4E38-89FA-062C53E13F85}"/>
+              </a:ext>
+              <a:ext uri="{C183D7F6-B498-43B3-948B-1728B52AA6E4}">
+                <adec:decorative xmlns:adec="http://schemas.microsoft.com/office/drawing/2017/decorative" val="1"/>
+              </a:ext>
+            </a:extLst>
+          </p:cNvPr>
+          <p:cNvSpPr>
+            <a:spLocks noGrp="1" noRot="1" noChangeAspect="1" noMove="1" noResize="1" noEditPoints="1" noAdjustHandles="1" noChangeArrowheads="1" noChangeShapeType="1" noTextEdit="1"/>
+          </p:cNvSpPr>
+          <p:nvPr>
+            <p:extLst>
+              <p:ext uri="{386F3935-93C4-4BCD-93E2-E3B085C9AB24}">
+                <p16:designElem xmlns:p16="http://schemas.microsoft.com/office/powerpoint/2015/main" val="1"/>
+              </p:ext>
+            </p:extLst>
+          </p:nvPr>
+        </p:nvSpPr>
+        <p:spPr>
+          <a:xfrm>
+            <a:off x="0" y="0"/>
+            <a:ext cx="12188952" cy="6857995"/>
+          </a:xfrm>
+          <a:prstGeom prst="rect">
+            <a:avLst/>
+          </a:prstGeom>
+          <a:ln>
+            <a:noFill/>
+          </a:ln>
+        </p:spPr>
+        <p:style>
+          <a:lnRef idx="2">
+            <a:schemeClr val="accent1">
+              <a:shade val="50000"/>
+            </a:schemeClr>
+          </a:lnRef>
+          <a:fillRef idx="1">
+            <a:schemeClr val="accent1"/>
+          </a:fillRef>
+          <a:effectRef idx="0">
+            <a:schemeClr val="accent1"/>
+          </a:effectRef>
+          <a:fontRef idx="minor">
+            <a:schemeClr val="lt1"/>
+          </a:fontRef>
+        </p:style>
+        <p:txBody>
+          <a:bodyPr rtlCol="0" anchor="ctr"/>
+          <a:lstStyle/>
+          <a:p>
+            <a:pPr algn="ctr"/>
+            <a:endParaRPr lang="en-US" dirty="0"/>
+          </a:p>
+        </p:txBody>
+      </p:sp>
+      <p:sp>
+        <p:nvSpPr>
+          <p:cNvPr id="2" name="Title 1">
+            <a:extLst>
+              <a:ext uri="{FF2B5EF4-FFF2-40B4-BE49-F238E27FC236}">
+                <a16:creationId xmlns:a16="http://schemas.microsoft.com/office/drawing/2014/main" id="{D73406E1-F2BE-59D9-A9F1-8140C3C0F06B}"/>
+              </a:ext>
+            </a:extLst>
+          </p:cNvPr>
+          <p:cNvSpPr>
+            <a:spLocks noGrp="1"/>
+          </p:cNvSpPr>
+          <p:nvPr>
+            <p:ph type="title"/>
+          </p:nvPr>
+        </p:nvSpPr>
+        <p:spPr>
+          <a:xfrm>
+            <a:off x="517869" y="976160"/>
+            <a:ext cx="8686800" cy="926781"/>
+          </a:xfrm>
+        </p:spPr>
+        <p:txBody>
+          <a:bodyPr>
+            <a:normAutofit/>
+          </a:bodyPr>
+          <a:lstStyle/>
+          <a:p>
+            <a:r>
+              <a:rPr lang="en-US" dirty="0"/>
+              <a:t>References:</a:t>
+            </a:r>
+          </a:p>
+        </p:txBody>
+      </p:sp>
+      <p:sp>
+        <p:nvSpPr>
+          <p:cNvPr id="10" name="Rectangle 9">
+            <a:extLst>
+              <a:ext uri="{FF2B5EF4-FFF2-40B4-BE49-F238E27FC236}">
+                <a16:creationId xmlns:a16="http://schemas.microsoft.com/office/drawing/2014/main" id="{5B8D7907-8AB9-4E98-A576-1A13AECEDF3A}"/>
+              </a:ext>
+              <a:ext uri="{C183D7F6-B498-43B3-948B-1728B52AA6E4}">
+                <adec:decorative xmlns:adec="http://schemas.microsoft.com/office/drawing/2017/decorative" val="1"/>
+              </a:ext>
+            </a:extLst>
+          </p:cNvPr>
+          <p:cNvSpPr>
+            <a:spLocks noGrp="1" noRot="1" noChangeAspect="1" noMove="1" noResize="1" noEditPoints="1" noAdjustHandles="1" noChangeArrowheads="1" noChangeShapeType="1" noTextEdit="1"/>
+          </p:cNvSpPr>
+          <p:nvPr>
+            <p:extLst>
+              <p:ext uri="{386F3935-93C4-4BCD-93E2-E3B085C9AB24}">
+                <p16:designElem xmlns:p16="http://schemas.microsoft.com/office/powerpoint/2015/main" val="1"/>
+              </p:ext>
+            </p:extLst>
+          </p:nvPr>
+        </p:nvSpPr>
+        <p:spPr>
+          <a:xfrm>
+            <a:off x="517869" y="508090"/>
+            <a:ext cx="8732520" cy="149279"/>
+          </a:xfrm>
+          <a:prstGeom prst="rect">
+            <a:avLst/>
+          </a:prstGeom>
+          <a:solidFill>
+            <a:schemeClr val="tx1"/>
+          </a:solidFill>
+          <a:ln>
+            <a:noFill/>
+          </a:ln>
+        </p:spPr>
+        <p:style>
+          <a:lnRef idx="2">
+            <a:schemeClr val="accent1">
+              <a:shade val="50000"/>
+            </a:schemeClr>
+          </a:lnRef>
+          <a:fillRef idx="1">
+            <a:schemeClr val="accent1"/>
+          </a:fillRef>
+          <a:effectRef idx="0">
+            <a:schemeClr val="accent1"/>
+          </a:effectRef>
+          <a:fontRef idx="minor">
+            <a:schemeClr val="lt1"/>
+          </a:fontRef>
+        </p:style>
+        <p:txBody>
+          <a:bodyPr rtlCol="0" anchor="ctr"/>
+          <a:lstStyle/>
+          <a:p>
+            <a:pPr algn="ctr"/>
+            <a:endParaRPr lang="en-US"/>
+          </a:p>
+        </p:txBody>
+      </p:sp>
+      <p:sp>
+        <p:nvSpPr>
+          <p:cNvPr id="3" name="Content Placeholder 2">
+            <a:extLst>
+              <a:ext uri="{FF2B5EF4-FFF2-40B4-BE49-F238E27FC236}">
+                <a16:creationId xmlns:a16="http://schemas.microsoft.com/office/drawing/2014/main" id="{CF6AF3CE-9383-CE1A-B92E-C7C0DC00B4DD}"/>
+              </a:ext>
+            </a:extLst>
+          </p:cNvPr>
+          <p:cNvSpPr>
+            <a:spLocks noGrp="1"/>
+          </p:cNvSpPr>
+          <p:nvPr>
+            <p:ph idx="1"/>
+          </p:nvPr>
+        </p:nvSpPr>
+        <p:spPr>
+          <a:xfrm>
+            <a:off x="517869" y="2323070"/>
+            <a:ext cx="8686799" cy="3865794"/>
+          </a:xfrm>
+        </p:spPr>
+        <p:txBody>
+          <a:bodyPr>
+            <a:normAutofit/>
+          </a:bodyPr>
+          <a:lstStyle/>
+          <a:p>
+            <a:r>
+              <a:rPr lang="en-US" dirty="0">
+                <a:latin typeface="Arial" panose="020B0604020202020204" pitchFamily="34" charset="0"/>
+                <a:cs typeface="Arial" panose="020B0604020202020204" pitchFamily="34" charset="0"/>
+              </a:rPr>
+              <a:t>[1] </a:t>
+            </a:r>
+            <a:r>
+              <a:rPr lang="en-US" dirty="0" err="1">
+                <a:latin typeface="Arial" panose="020B0604020202020204" pitchFamily="34" charset="0"/>
+                <a:cs typeface="Arial" panose="020B0604020202020204" pitchFamily="34" charset="0"/>
+              </a:rPr>
+              <a:t>Keele</a:t>
+            </a:r>
+            <a:r>
+              <a:rPr lang="en-US" dirty="0">
+                <a:latin typeface="Arial" panose="020B0604020202020204" pitchFamily="34" charset="0"/>
+                <a:cs typeface="Arial" panose="020B0604020202020204" pitchFamily="34" charset="0"/>
+              </a:rPr>
+              <a:t>, "“Sequence learning,” - B. A. C. G. J. D. S. W.," 1998. [Online]. Available: </a:t>
+            </a:r>
+            <a:r>
+              <a:rPr lang="en-US" dirty="0">
+                <a:latin typeface="Arial" panose="020B0604020202020204" pitchFamily="34" charset="0"/>
+                <a:cs typeface="Arial" panose="020B0604020202020204" pitchFamily="34" charset="0"/>
+                <a:hlinkClick r:id="rId2"/>
+              </a:rPr>
+              <a:t>https://pubmed.ncbi.nlm.nih.gov/21227209</a:t>
+            </a:r>
+            <a:r>
+              <a:rPr lang="en-US" dirty="0">
+                <a:latin typeface="Arial" panose="020B0604020202020204" pitchFamily="34" charset="0"/>
+                <a:cs typeface="Arial" panose="020B0604020202020204" pitchFamily="34" charset="0"/>
+              </a:rPr>
+              <a:t>..</a:t>
+            </a:r>
+          </a:p>
+          <a:p>
+            <a:r>
+              <a:rPr lang="en-US" dirty="0">
+                <a:latin typeface="Arial" panose="020B0604020202020204" pitchFamily="34" charset="0"/>
+                <a:cs typeface="Arial" panose="020B0604020202020204" pitchFamily="34" charset="0"/>
+              </a:rPr>
+              <a:t>[2] B. H. J. L. R. .</a:t>
+            </a:r>
+            <a:r>
+              <a:rPr lang="en-US" dirty="0" err="1">
+                <a:latin typeface="Arial" panose="020B0604020202020204" pitchFamily="34" charset="0"/>
+                <a:cs typeface="Arial" panose="020B0604020202020204" pitchFamily="34" charset="0"/>
+              </a:rPr>
+              <a:t>Rabiner</a:t>
+            </a:r>
+            <a:r>
+              <a:rPr lang="en-US" dirty="0">
+                <a:latin typeface="Arial" panose="020B0604020202020204" pitchFamily="34" charset="0"/>
+                <a:cs typeface="Arial" panose="020B0604020202020204" pitchFamily="34" charset="0"/>
+              </a:rPr>
+              <a:t>, “An introduction to hidden </a:t>
+            </a:r>
+            <a:r>
+              <a:rPr lang="en-US" dirty="0" err="1">
+                <a:latin typeface="Arial" panose="020B0604020202020204" pitchFamily="34" charset="0"/>
+                <a:cs typeface="Arial" panose="020B0604020202020204" pitchFamily="34" charset="0"/>
+              </a:rPr>
+              <a:t>markov</a:t>
+            </a:r>
+            <a:r>
+              <a:rPr lang="en-US" dirty="0">
+                <a:latin typeface="Arial" panose="020B0604020202020204" pitchFamily="34" charset="0"/>
+                <a:cs typeface="Arial" panose="020B0604020202020204" pitchFamily="34" charset="0"/>
+              </a:rPr>
+              <a:t> models,”," 1986. [Online]. Available: </a:t>
+            </a:r>
+            <a:r>
+              <a:rPr lang="en-US" dirty="0">
+                <a:latin typeface="Arial" panose="020B0604020202020204" pitchFamily="34" charset="0"/>
+                <a:cs typeface="Arial" panose="020B0604020202020204" pitchFamily="34" charset="0"/>
+                <a:hlinkClick r:id="rId3"/>
+              </a:rPr>
+              <a:t>http://ai.stanford.edu/~pabbeel/depth_qual/Rabiner_Juang_hmms.pdf</a:t>
+            </a:r>
+            <a:r>
+              <a:rPr lang="en-US" dirty="0">
+                <a:latin typeface="Arial" panose="020B0604020202020204" pitchFamily="34" charset="0"/>
+                <a:cs typeface="Arial" panose="020B0604020202020204" pitchFamily="34" charset="0"/>
+              </a:rPr>
+              <a:t>.</a:t>
+            </a:r>
+          </a:p>
+          <a:p>
+            <a:r>
+              <a:rPr lang="en-US" dirty="0">
+                <a:latin typeface="Arial" panose="020B0604020202020204" pitchFamily="34" charset="0"/>
+                <a:cs typeface="Arial" panose="020B0604020202020204" pitchFamily="34" charset="0"/>
+              </a:rPr>
+              <a:t>[3]</a:t>
+            </a:r>
+            <a:r>
+              <a:rPr lang="en-IN" b="1" i="0" u="none" strike="noStrike" dirty="0">
+                <a:effectLst/>
+                <a:latin typeface="Roboto" panose="02000000000000000000" pitchFamily="2" charset="0"/>
+                <a:hlinkClick r:id="rId4"/>
+              </a:rPr>
+              <a:t> Yudhi Adhitya</a:t>
+            </a:r>
+            <a:r>
+              <a:rPr lang="en-US" dirty="0">
+                <a:latin typeface="Arial" panose="020B0604020202020204" pitchFamily="34" charset="0"/>
+                <a:cs typeface="Arial" panose="020B0604020202020204" pitchFamily="34" charset="0"/>
+              </a:rPr>
+              <a:t>,”</a:t>
+            </a:r>
+            <a:r>
+              <a:rPr lang="en-IN" b="0" i="0" dirty="0">
+                <a:solidFill>
+                  <a:srgbClr val="111111"/>
+                </a:solidFill>
+                <a:effectLst/>
+                <a:latin typeface="Roboto" panose="020F0502020204030204" pitchFamily="34" charset="0"/>
+              </a:rPr>
+              <a:t> IoT and Deep Learning-Based Farmer Safety System”</a:t>
+            </a:r>
+          </a:p>
+          <a:p>
+            <a:r>
+              <a:rPr lang="en-US" dirty="0">
+                <a:latin typeface="Arial" panose="020B0604020202020204" pitchFamily="34" charset="0"/>
+                <a:cs typeface="Arial" panose="020B0604020202020204" pitchFamily="34" charset="0"/>
+              </a:rPr>
+              <a:t>2023 .[Online].</a:t>
+            </a:r>
+            <a:r>
+              <a:rPr lang="en-US" dirty="0" err="1">
+                <a:latin typeface="Arial" panose="020B0604020202020204" pitchFamily="34" charset="0"/>
+                <a:cs typeface="Arial" panose="020B0604020202020204" pitchFamily="34" charset="0"/>
+              </a:rPr>
+              <a:t>Available:https</a:t>
+            </a:r>
+            <a:r>
+              <a:rPr lang="en-US" dirty="0">
+                <a:latin typeface="Arial" panose="020B0604020202020204" pitchFamily="34" charset="0"/>
+                <a:cs typeface="Arial" panose="020B0604020202020204" pitchFamily="34" charset="0"/>
+              </a:rPr>
+              <a:t>://</a:t>
+            </a:r>
+            <a:r>
+              <a:rPr lang="en-US" dirty="0" err="1">
+                <a:latin typeface="Arial" panose="020B0604020202020204" pitchFamily="34" charset="0"/>
+                <a:cs typeface="Arial" panose="020B0604020202020204" pitchFamily="34" charset="0"/>
+              </a:rPr>
+              <a:t>www.researchgate.net</a:t>
+            </a:r>
+            <a:r>
+              <a:rPr lang="en-US" dirty="0">
+                <a:latin typeface="Arial" panose="020B0604020202020204" pitchFamily="34" charset="0"/>
+                <a:cs typeface="Arial" panose="020B0604020202020204" pitchFamily="34" charset="0"/>
+              </a:rPr>
+              <a:t>/figure/Hierarchical-Temporal-Memory-HTM-algorithm-flowchart_fig2_369126441</a:t>
+            </a:r>
+          </a:p>
+          <a:p>
+            <a:endParaRPr lang="en-US" dirty="0"/>
+          </a:p>
+        </p:txBody>
+      </p:sp>
+    </p:spTree>
+    <p:extLst>
+      <p:ext uri="{BB962C8B-B14F-4D97-AF65-F5344CB8AC3E}">
+        <p14:creationId xmlns:p14="http://schemas.microsoft.com/office/powerpoint/2010/main" val="3087154857"/>
+      </p:ext>
+    </p:extLst>
+  </p:cSld>
+  <p:clrMapOvr>
+    <a:masterClrMapping/>
+  </p:clrMapOvr>
+</p:sld>
+</file>
+
+<file path=ppt/slides/slide15.xml><?xml version="1.0" encoding="utf-8"?>
 <p:sld xmlns:a="http://schemas.openxmlformats.org/drawingml/2006/main" xmlns:r="http://schemas.openxmlformats.org/officeDocument/2006/relationships" xmlns:p="http://schemas.openxmlformats.org/presentationml/2006/main">
   <p:cSld>
     <p:spTree>
@@ -8764,7 +9120,7 @@
                 <a16:creationId xmlns:a16="http://schemas.microsoft.com/office/drawing/2014/main" id="{FAA3B297-9683-4E38-89FA-062C53E13F85}"/>
               </a:ext>
               <a:ext uri="{C183D7F6-B498-43B3-948B-1728B52AA6E4}">
-                <adec:decorative xmlns:adec="http://schemas.microsoft.com/office/drawing/2017/decorative" xmlns="" val="1"/>
+                <adec:decorative xmlns:adec="http://schemas.microsoft.com/office/drawing/2017/decorative" val="1"/>
               </a:ext>
             </a:extLst>
           </p:cNvPr>
@@ -8862,7 +9218,7 @@
                 <a16:creationId xmlns:a16="http://schemas.microsoft.com/office/drawing/2014/main" id="{5B8D7907-8AB9-4E98-A576-1A13AECEDF3A}"/>
               </a:ext>
               <a:ext uri="{C183D7F6-B498-43B3-948B-1728B52AA6E4}">
-                <adec:decorative xmlns:adec="http://schemas.microsoft.com/office/drawing/2017/decorative" xmlns="" val="1"/>
+                <adec:decorative xmlns:adec="http://schemas.microsoft.com/office/drawing/2017/decorative" val="1"/>
               </a:ext>
             </a:extLst>
           </p:cNvPr>
@@ -9040,7 +9396,7 @@
                 <a16:creationId xmlns:a16="http://schemas.microsoft.com/office/drawing/2014/main" id="{FAA3B297-9683-4E38-89FA-062C53E13F85}"/>
               </a:ext>
               <a:ext uri="{C183D7F6-B498-43B3-948B-1728B52AA6E4}">
-                <adec:decorative xmlns:adec="http://schemas.microsoft.com/office/drawing/2017/decorative" xmlns="" val="1"/>
+                <adec:decorative xmlns:adec="http://schemas.microsoft.com/office/drawing/2017/decorative" val="1"/>
               </a:ext>
             </a:extLst>
           </p:cNvPr>
@@ -9135,7 +9491,7 @@
                 <a16:creationId xmlns:a16="http://schemas.microsoft.com/office/drawing/2014/main" id="{5B8D7907-8AB9-4E98-A576-1A13AECEDF3A}"/>
               </a:ext>
               <a:ext uri="{C183D7F6-B498-43B3-948B-1728B52AA6E4}">
-                <adec:decorative xmlns:adec="http://schemas.microsoft.com/office/drawing/2017/decorative" xmlns="" val="1"/>
+                <adec:decorative xmlns:adec="http://schemas.microsoft.com/office/drawing/2017/decorative" val="1"/>
               </a:ext>
             </a:extLst>
           </p:cNvPr>
@@ -9330,7 +9686,7 @@
                 <a16:creationId xmlns:a16="http://schemas.microsoft.com/office/drawing/2014/main" id="{FAA3B297-9683-4E38-89FA-062C53E13F85}"/>
               </a:ext>
               <a:ext uri="{C183D7F6-B498-43B3-948B-1728B52AA6E4}">
-                <adec:decorative xmlns:adec="http://schemas.microsoft.com/office/drawing/2017/decorative" xmlns="" val="1"/>
+                <adec:decorative xmlns:adec="http://schemas.microsoft.com/office/drawing/2017/decorative" val="1"/>
               </a:ext>
             </a:extLst>
           </p:cNvPr>
@@ -9425,7 +9781,7 @@
                 <a16:creationId xmlns:a16="http://schemas.microsoft.com/office/drawing/2014/main" id="{5B8D7907-8AB9-4E98-A576-1A13AECEDF3A}"/>
               </a:ext>
               <a:ext uri="{C183D7F6-B498-43B3-948B-1728B52AA6E4}">
-                <adec:decorative xmlns:adec="http://schemas.microsoft.com/office/drawing/2017/decorative" xmlns="" val="1"/>
+                <adec:decorative xmlns:adec="http://schemas.microsoft.com/office/drawing/2017/decorative" val="1"/>
               </a:ext>
             </a:extLst>
           </p:cNvPr>
@@ -9621,7 +9977,7 @@
                 <a16:creationId xmlns:a16="http://schemas.microsoft.com/office/drawing/2014/main" id="{FAA3B297-9683-4E38-89FA-062C53E13F85}"/>
               </a:ext>
               <a:ext uri="{C183D7F6-B498-43B3-948B-1728B52AA6E4}">
-                <adec:decorative xmlns:adec="http://schemas.microsoft.com/office/drawing/2017/decorative" xmlns="" val="1"/>
+                <adec:decorative xmlns:adec="http://schemas.microsoft.com/office/drawing/2017/decorative" val="1"/>
               </a:ext>
             </a:extLst>
           </p:cNvPr>
@@ -9724,7 +10080,7 @@
                 <a16:creationId xmlns:a16="http://schemas.microsoft.com/office/drawing/2014/main" id="{5B8D7907-8AB9-4E98-A576-1A13AECEDF3A}"/>
               </a:ext>
               <a:ext uri="{C183D7F6-B498-43B3-948B-1728B52AA6E4}">
-                <adec:decorative xmlns:adec="http://schemas.microsoft.com/office/drawing/2017/decorative" xmlns="" val="1"/>
+                <adec:decorative xmlns:adec="http://schemas.microsoft.com/office/drawing/2017/decorative" val="1"/>
               </a:ext>
             </a:extLst>
           </p:cNvPr>
@@ -9903,7 +10259,7 @@
                 <a16:creationId xmlns:a16="http://schemas.microsoft.com/office/drawing/2014/main" id="{FAA3B297-9683-4E38-89FA-062C53E13F85}"/>
               </a:ext>
               <a:ext uri="{C183D7F6-B498-43B3-948B-1728B52AA6E4}">
-                <adec:decorative xmlns:adec="http://schemas.microsoft.com/office/drawing/2017/decorative" xmlns="" val="1"/>
+                <adec:decorative xmlns:adec="http://schemas.microsoft.com/office/drawing/2017/decorative" val="1"/>
               </a:ext>
             </a:extLst>
           </p:cNvPr>
@@ -9998,7 +10354,7 @@
                 <a16:creationId xmlns:a16="http://schemas.microsoft.com/office/drawing/2014/main" id="{5B8D7907-8AB9-4E98-A576-1A13AECEDF3A}"/>
               </a:ext>
               <a:ext uri="{C183D7F6-B498-43B3-948B-1728B52AA6E4}">
-                <adec:decorative xmlns:adec="http://schemas.microsoft.com/office/drawing/2017/decorative" xmlns="" val="1"/>
+                <adec:decorative xmlns:adec="http://schemas.microsoft.com/office/drawing/2017/decorative" val="1"/>
               </a:ext>
             </a:extLst>
           </p:cNvPr>
@@ -10820,7 +11176,7 @@
                 <a16:creationId xmlns:a16="http://schemas.microsoft.com/office/drawing/2014/main" id="{FAA3B297-9683-4E38-89FA-062C53E13F85}"/>
               </a:ext>
               <a:ext uri="{C183D7F6-B498-43B3-948B-1728B52AA6E4}">
-                <adec:decorative xmlns:adec="http://schemas.microsoft.com/office/drawing/2017/decorative" xmlns="" val="1"/>
+                <adec:decorative xmlns:adec="http://schemas.microsoft.com/office/drawing/2017/decorative" val="1"/>
               </a:ext>
             </a:extLst>
           </p:cNvPr>
@@ -10915,7 +11271,7 @@
                 <a16:creationId xmlns:a16="http://schemas.microsoft.com/office/drawing/2014/main" id="{5B8D7907-8AB9-4E98-A576-1A13AECEDF3A}"/>
               </a:ext>
               <a:ext uri="{C183D7F6-B498-43B3-948B-1728B52AA6E4}">
-                <adec:decorative xmlns:adec="http://schemas.microsoft.com/office/drawing/2017/decorative" xmlns="" val="1"/>
+                <adec:decorative xmlns:adec="http://schemas.microsoft.com/office/drawing/2017/decorative" val="1"/>
               </a:ext>
             </a:extLst>
           </p:cNvPr>
@@ -11094,7 +11450,7 @@
                 <a16:creationId xmlns:a16="http://schemas.microsoft.com/office/drawing/2014/main" id="{FAA3B297-9683-4E38-89FA-062C53E13F85}"/>
               </a:ext>
               <a:ext uri="{C183D7F6-B498-43B3-948B-1728B52AA6E4}">
-                <adec:decorative xmlns:adec="http://schemas.microsoft.com/office/drawing/2017/decorative" xmlns="" val="1"/>
+                <adec:decorative xmlns:adec="http://schemas.microsoft.com/office/drawing/2017/decorative" val="1"/>
               </a:ext>
             </a:extLst>
           </p:cNvPr>
@@ -11189,7 +11545,7 @@
                 <a16:creationId xmlns:a16="http://schemas.microsoft.com/office/drawing/2014/main" id="{5B8D7907-8AB9-4E98-A576-1A13AECEDF3A}"/>
               </a:ext>
               <a:ext uri="{C183D7F6-B498-43B3-948B-1728B52AA6E4}">
-                <adec:decorative xmlns:adec="http://schemas.microsoft.com/office/drawing/2017/decorative" xmlns="" val="1"/>
+                <adec:decorative xmlns:adec="http://schemas.microsoft.com/office/drawing/2017/decorative" val="1"/>
               </a:ext>
             </a:extLst>
           </p:cNvPr>
@@ -11368,7 +11724,7 @@
                 <a16:creationId xmlns:a16="http://schemas.microsoft.com/office/drawing/2014/main" id="{FAA3B297-9683-4E38-89FA-062C53E13F85}"/>
               </a:ext>
               <a:ext uri="{C183D7F6-B498-43B3-948B-1728B52AA6E4}">
-                <adec:decorative xmlns:adec="http://schemas.microsoft.com/office/drawing/2017/decorative" xmlns="" val="1"/>
+                <adec:decorative xmlns:adec="http://schemas.microsoft.com/office/drawing/2017/decorative" val="1"/>
               </a:ext>
             </a:extLst>
           </p:cNvPr>
@@ -11463,7 +11819,7 @@
                 <a16:creationId xmlns:a16="http://schemas.microsoft.com/office/drawing/2014/main" id="{5B8D7907-8AB9-4E98-A576-1A13AECEDF3A}"/>
               </a:ext>
               <a:ext uri="{C183D7F6-B498-43B3-948B-1728B52AA6E4}">
-                <adec:decorative xmlns:adec="http://schemas.microsoft.com/office/drawing/2017/decorative" xmlns="" val="1"/>
+                <adec:decorative xmlns:adec="http://schemas.microsoft.com/office/drawing/2017/decorative" val="1"/>
               </a:ext>
             </a:extLst>
           </p:cNvPr>
